--- a/presentations/business/pnos_business_ppt.pptx
+++ b/presentations/business/pnos_business_ppt.pptx
@@ -5,7 +5,7 @@
     <p:sldMasterId id="2147483648" r:id="rId1"/>
   </p:sldMasterIdLst>
   <p:notesMasterIdLst>
-    <p:notesMasterId r:id="rId25"/>
+    <p:notesMasterId r:id="rId31"/>
   </p:notesMasterIdLst>
   <p:sldIdLst>
     <p:sldId id="256" r:id="rId2"/>
@@ -17,20 +17,26 @@
     <p:sldId id="261" r:id="rId8"/>
     <p:sldId id="285" r:id="rId9"/>
     <p:sldId id="286" r:id="rId10"/>
-    <p:sldId id="283" r:id="rId11"/>
-    <p:sldId id="269" r:id="rId12"/>
-    <p:sldId id="273" r:id="rId13"/>
-    <p:sldId id="276" r:id="rId14"/>
-    <p:sldId id="277" r:id="rId15"/>
-    <p:sldId id="279" r:id="rId16"/>
-    <p:sldId id="287" r:id="rId17"/>
-    <p:sldId id="280" r:id="rId18"/>
-    <p:sldId id="281" r:id="rId19"/>
-    <p:sldId id="284" r:id="rId20"/>
-    <p:sldId id="270" r:id="rId21"/>
-    <p:sldId id="263" r:id="rId22"/>
-    <p:sldId id="271" r:id="rId23"/>
-    <p:sldId id="264" r:id="rId24"/>
+    <p:sldId id="290" r:id="rId11"/>
+    <p:sldId id="292" r:id="rId12"/>
+    <p:sldId id="297" r:id="rId13"/>
+    <p:sldId id="291" r:id="rId14"/>
+    <p:sldId id="294" r:id="rId15"/>
+    <p:sldId id="295" r:id="rId16"/>
+    <p:sldId id="296" r:id="rId17"/>
+    <p:sldId id="269" r:id="rId18"/>
+    <p:sldId id="273" r:id="rId19"/>
+    <p:sldId id="276" r:id="rId20"/>
+    <p:sldId id="277" r:id="rId21"/>
+    <p:sldId id="279" r:id="rId22"/>
+    <p:sldId id="287" r:id="rId23"/>
+    <p:sldId id="280" r:id="rId24"/>
+    <p:sldId id="281" r:id="rId25"/>
+    <p:sldId id="284" r:id="rId26"/>
+    <p:sldId id="270" r:id="rId27"/>
+    <p:sldId id="263" r:id="rId28"/>
+    <p:sldId id="271" r:id="rId29"/>
+    <p:sldId id="264" r:id="rId30"/>
   </p:sldIdLst>
   <p:sldSz cx="12192000" cy="6858000"/>
   <p:notesSz cx="6858000" cy="9144000"/>
@@ -130,6 +136,4385 @@
     </a:lvl9pPr>
   </p:defaultTextStyle>
 </p:presentation>
+</file>
+
+<file path=ppt/charts/chart1.xml><?xml version="1.0" encoding="utf-8"?>
+<c:chartSpace xmlns:c="http://schemas.openxmlformats.org/drawingml/2006/chart" xmlns:a="http://schemas.openxmlformats.org/drawingml/2006/main" xmlns:r="http://schemas.openxmlformats.org/officeDocument/2006/relationships" xmlns:c16r2="http://schemas.microsoft.com/office/drawing/2015/06/chart">
+  <c:date1904 val="0"/>
+  <c:lang val="en-US"/>
+  <c:roundedCorners val="0"/>
+  <mc:AlternateContent xmlns:mc="http://schemas.openxmlformats.org/markup-compatibility/2006">
+    <mc:Choice xmlns:c14="http://schemas.microsoft.com/office/drawing/2007/8/2/chart" Requires="c14">
+      <c14:style val="102"/>
+    </mc:Choice>
+    <mc:Fallback>
+      <c:style val="2"/>
+    </mc:Fallback>
+  </mc:AlternateContent>
+  <c:chart>
+    <c:title>
+      <c:tx>
+        <c:rich>
+          <a:bodyPr rot="0" spcFirstLastPara="1" vertOverflow="ellipsis" vert="horz" wrap="square" anchor="ctr" anchorCtr="1"/>
+          <a:lstStyle/>
+          <a:p>
+            <a:pPr>
+              <a:defRPr sz="1862" b="0" i="0" u="none" strike="noStrike" kern="1200" spc="0" baseline="0">
+                <a:solidFill>
+                  <a:schemeClr val="tx1">
+                    <a:lumMod val="65000"/>
+                    <a:lumOff val="35000"/>
+                  </a:schemeClr>
+                </a:solidFill>
+                <a:latin typeface="+mn-lt"/>
+                <a:ea typeface="+mn-ea"/>
+                <a:cs typeface="+mn-cs"/>
+              </a:defRPr>
+            </a:pPr>
+            <a:r>
+              <a:rPr lang="en" sz="1600" dirty="0">
+                <a:latin typeface="Futura Medium" panose="020B0602020204020303" pitchFamily="34" charset="-79"/>
+                <a:cs typeface="Futura Medium" panose="020B0602020204020303" pitchFamily="34" charset="-79"/>
+              </a:rPr>
+              <a:t>number of cases when customer code is shared between</a:t>
+            </a:r>
+          </a:p>
+        </c:rich>
+      </c:tx>
+      <c:overlay val="0"/>
+      <c:spPr>
+        <a:noFill/>
+        <a:ln>
+          <a:noFill/>
+        </a:ln>
+        <a:effectLst/>
+      </c:spPr>
+      <c:txPr>
+        <a:bodyPr rot="0" spcFirstLastPara="1" vertOverflow="ellipsis" vert="horz" wrap="square" anchor="ctr" anchorCtr="1"/>
+        <a:lstStyle/>
+        <a:p>
+          <a:pPr>
+            <a:defRPr sz="1862" b="0" i="0" u="none" strike="noStrike" kern="1200" spc="0" baseline="0">
+              <a:solidFill>
+                <a:schemeClr val="tx1">
+                  <a:lumMod val="65000"/>
+                  <a:lumOff val="35000"/>
+                </a:schemeClr>
+              </a:solidFill>
+              <a:latin typeface="+mn-lt"/>
+              <a:ea typeface="+mn-ea"/>
+              <a:cs typeface="+mn-cs"/>
+            </a:defRPr>
+          </a:pPr>
+          <a:endParaRPr lang="pl-PL"/>
+        </a:p>
+      </c:txPr>
+    </c:title>
+    <c:autoTitleDeleted val="0"/>
+    <c:plotArea>
+      <c:layout/>
+      <c:barChart>
+        <c:barDir val="bar"/>
+        <c:grouping val="clustered"/>
+        <c:varyColors val="0"/>
+        <c:ser>
+          <c:idx val="0"/>
+          <c:order val="0"/>
+          <c:tx>
+            <c:strRef>
+              <c:f>Sheet1!$B$1</c:f>
+              <c:strCache>
+                <c:ptCount val="1"/>
+                <c:pt idx="0">
+                  <c:v>number of cases when customer code is shared between</c:v>
+                </c:pt>
+              </c:strCache>
+            </c:strRef>
+          </c:tx>
+          <c:spPr>
+            <a:solidFill>
+              <a:schemeClr val="accent1"/>
+            </a:solidFill>
+            <a:ln>
+              <a:noFill/>
+            </a:ln>
+            <a:effectLst/>
+          </c:spPr>
+          <c:invertIfNegative val="0"/>
+          <c:dLbls>
+            <c:spPr>
+              <a:noFill/>
+              <a:ln>
+                <a:noFill/>
+              </a:ln>
+              <a:effectLst/>
+            </c:spPr>
+            <c:txPr>
+              <a:bodyPr rot="0" spcFirstLastPara="1" vertOverflow="ellipsis" vert="horz" wrap="square" lIns="38100" tIns="19050" rIns="38100" bIns="19050" anchor="ctr" anchorCtr="1">
+                <a:spAutoFit/>
+              </a:bodyPr>
+              <a:lstStyle/>
+              <a:p>
+                <a:pPr>
+                  <a:defRPr sz="1197" b="0" i="0" u="none" strike="noStrike" kern="1200" baseline="0">
+                    <a:solidFill>
+                      <a:schemeClr val="tx1">
+                        <a:lumMod val="75000"/>
+                        <a:lumOff val="25000"/>
+                      </a:schemeClr>
+                    </a:solidFill>
+                    <a:latin typeface="+mn-lt"/>
+                    <a:ea typeface="+mn-ea"/>
+                    <a:cs typeface="+mn-cs"/>
+                  </a:defRPr>
+                </a:pPr>
+                <a:endParaRPr lang="pl-PL"/>
+              </a:p>
+            </c:txPr>
+            <c:showLegendKey val="0"/>
+            <c:showVal val="1"/>
+            <c:showCatName val="0"/>
+            <c:showSerName val="0"/>
+            <c:showPercent val="0"/>
+            <c:showBubbleSize val="0"/>
+            <c:showLeaderLines val="0"/>
+            <c:extLst>
+              <c:ext xmlns:c15="http://schemas.microsoft.com/office/drawing/2012/chart" uri="{CE6537A1-D6FC-4f65-9D91-7224C49458BB}">
+                <c15:showLeaderLines val="1"/>
+                <c15:leaderLines>
+                  <c:spPr>
+                    <a:ln w="9525" cap="flat" cmpd="sng" algn="ctr">
+                      <a:solidFill>
+                        <a:schemeClr val="tx1">
+                          <a:lumMod val="35000"/>
+                          <a:lumOff val="65000"/>
+                        </a:schemeClr>
+                      </a:solidFill>
+                      <a:round/>
+                    </a:ln>
+                    <a:effectLst/>
+                  </c:spPr>
+                </c15:leaderLines>
+              </c:ext>
+            </c:extLst>
+          </c:dLbls>
+          <c:cat>
+            <c:strRef>
+              <c:f>Sheet1!$A$2:$A$4</c:f>
+              <c:strCache>
+                <c:ptCount val="3"/>
+                <c:pt idx="0">
+                  <c:v>&gt;3 customers</c:v>
+                </c:pt>
+                <c:pt idx="1">
+                  <c:v>3 customers</c:v>
+                </c:pt>
+                <c:pt idx="2">
+                  <c:v>2 customers</c:v>
+                </c:pt>
+              </c:strCache>
+            </c:strRef>
+          </c:cat>
+          <c:val>
+            <c:numRef>
+              <c:f>Sheet1!$B$2:$B$4</c:f>
+              <c:numCache>
+                <c:formatCode>General</c:formatCode>
+                <c:ptCount val="3"/>
+                <c:pt idx="0">
+                  <c:v>32</c:v>
+                </c:pt>
+                <c:pt idx="1">
+                  <c:v>49</c:v>
+                </c:pt>
+                <c:pt idx="2">
+                  <c:v>129</c:v>
+                </c:pt>
+              </c:numCache>
+            </c:numRef>
+          </c:val>
+          <c:extLst>
+            <c:ext xmlns:c16="http://schemas.microsoft.com/office/drawing/2014/chart" uri="{C3380CC4-5D6E-409C-BE32-E72D297353CC}">
+              <c16:uniqueId val="{00000000-7FD1-AF4F-B6CC-5BF11645460B}"/>
+            </c:ext>
+          </c:extLst>
+        </c:ser>
+        <c:dLbls>
+          <c:showLegendKey val="0"/>
+          <c:showVal val="0"/>
+          <c:showCatName val="0"/>
+          <c:showSerName val="0"/>
+          <c:showPercent val="0"/>
+          <c:showBubbleSize val="0"/>
+        </c:dLbls>
+        <c:gapWidth val="219"/>
+        <c:axId val="1537403584"/>
+        <c:axId val="1505042832"/>
+      </c:barChart>
+      <c:catAx>
+        <c:axId val="1537403584"/>
+        <c:scaling>
+          <c:orientation val="minMax"/>
+        </c:scaling>
+        <c:delete val="0"/>
+        <c:axPos val="l"/>
+        <c:numFmt formatCode="General" sourceLinked="1"/>
+        <c:majorTickMark val="none"/>
+        <c:minorTickMark val="none"/>
+        <c:tickLblPos val="nextTo"/>
+        <c:spPr>
+          <a:noFill/>
+          <a:ln w="9525" cap="flat" cmpd="sng" algn="ctr">
+            <a:solidFill>
+              <a:schemeClr val="tx1">
+                <a:lumMod val="15000"/>
+                <a:lumOff val="85000"/>
+              </a:schemeClr>
+            </a:solidFill>
+            <a:round/>
+          </a:ln>
+          <a:effectLst/>
+        </c:spPr>
+        <c:txPr>
+          <a:bodyPr rot="-60000000" spcFirstLastPara="1" vertOverflow="ellipsis" vert="horz" wrap="square" anchor="ctr" anchorCtr="1"/>
+          <a:lstStyle/>
+          <a:p>
+            <a:pPr>
+              <a:defRPr sz="1197" b="0" i="0" u="none" strike="noStrike" kern="1200" baseline="0">
+                <a:solidFill>
+                  <a:schemeClr val="tx1">
+                    <a:lumMod val="65000"/>
+                    <a:lumOff val="35000"/>
+                  </a:schemeClr>
+                </a:solidFill>
+                <a:latin typeface="+mn-lt"/>
+                <a:ea typeface="+mn-ea"/>
+                <a:cs typeface="+mn-cs"/>
+              </a:defRPr>
+            </a:pPr>
+            <a:endParaRPr lang="pl-PL"/>
+          </a:p>
+        </c:txPr>
+        <c:crossAx val="1505042832"/>
+        <c:crosses val="autoZero"/>
+        <c:auto val="1"/>
+        <c:lblAlgn val="ctr"/>
+        <c:lblOffset val="100"/>
+        <c:noMultiLvlLbl val="0"/>
+      </c:catAx>
+      <c:valAx>
+        <c:axId val="1505042832"/>
+        <c:scaling>
+          <c:orientation val="minMax"/>
+        </c:scaling>
+        <c:delete val="1"/>
+        <c:axPos val="b"/>
+        <c:majorGridlines>
+          <c:spPr>
+            <a:ln w="9525" cap="flat" cmpd="sng" algn="ctr">
+              <a:noFill/>
+              <a:round/>
+            </a:ln>
+            <a:effectLst/>
+          </c:spPr>
+        </c:majorGridlines>
+        <c:numFmt formatCode="General" sourceLinked="1"/>
+        <c:majorTickMark val="none"/>
+        <c:minorTickMark val="none"/>
+        <c:tickLblPos val="nextTo"/>
+        <c:crossAx val="1537403584"/>
+        <c:crosses val="autoZero"/>
+        <c:crossBetween val="between"/>
+      </c:valAx>
+      <c:spPr>
+        <a:noFill/>
+        <a:ln>
+          <a:noFill/>
+        </a:ln>
+        <a:effectLst/>
+      </c:spPr>
+    </c:plotArea>
+    <c:plotVisOnly val="1"/>
+    <c:dispBlanksAs val="gap"/>
+    <c:extLst>
+      <c:ext xmlns:c16r3="http://schemas.microsoft.com/office/drawing/2017/03/chart" uri="{56B9EC1D-385E-4148-901F-78D8002777C0}">
+        <c16r3:dataDisplayOptions16>
+          <c16r3:dispNaAsBlank val="1"/>
+        </c16r3:dataDisplayOptions16>
+      </c:ext>
+    </c:extLst>
+    <c:showDLblsOverMax val="0"/>
+  </c:chart>
+  <c:spPr>
+    <a:noFill/>
+    <a:ln>
+      <a:noFill/>
+    </a:ln>
+    <a:effectLst/>
+  </c:spPr>
+  <c:txPr>
+    <a:bodyPr/>
+    <a:lstStyle/>
+    <a:p>
+      <a:pPr>
+        <a:defRPr/>
+      </a:pPr>
+      <a:endParaRPr lang="pl-PL"/>
+    </a:p>
+  </c:txPr>
+  <c:externalData r:id="rId3">
+    <c:autoUpdate val="0"/>
+  </c:externalData>
+</c:chartSpace>
+</file>
+
+<file path=ppt/charts/chart2.xml><?xml version="1.0" encoding="utf-8"?>
+<c:chartSpace xmlns:c="http://schemas.openxmlformats.org/drawingml/2006/chart" xmlns:a="http://schemas.openxmlformats.org/drawingml/2006/main" xmlns:r="http://schemas.openxmlformats.org/officeDocument/2006/relationships" xmlns:c16r2="http://schemas.microsoft.com/office/drawing/2015/06/chart">
+  <c:date1904 val="0"/>
+  <c:lang val="en-US"/>
+  <c:roundedCorners val="0"/>
+  <mc:AlternateContent xmlns:mc="http://schemas.openxmlformats.org/markup-compatibility/2006">
+    <mc:Choice xmlns:c14="http://schemas.microsoft.com/office/drawing/2007/8/2/chart" Requires="c14">
+      <c14:style val="102"/>
+    </mc:Choice>
+    <mc:Fallback>
+      <c:style val="2"/>
+    </mc:Fallback>
+  </mc:AlternateContent>
+  <c:chart>
+    <c:title>
+      <c:tx>
+        <c:rich>
+          <a:bodyPr rot="0" spcFirstLastPara="1" vertOverflow="ellipsis" vert="horz" wrap="square" anchor="ctr" anchorCtr="1"/>
+          <a:lstStyle/>
+          <a:p>
+            <a:pPr>
+              <a:defRPr sz="1862" b="0" i="0" u="none" strike="noStrike" kern="1200" spc="0" baseline="0">
+                <a:solidFill>
+                  <a:schemeClr val="tx1">
+                    <a:lumMod val="65000"/>
+                    <a:lumOff val="35000"/>
+                  </a:schemeClr>
+                </a:solidFill>
+                <a:latin typeface="+mn-lt"/>
+                <a:ea typeface="+mn-ea"/>
+                <a:cs typeface="+mn-cs"/>
+              </a:defRPr>
+            </a:pPr>
+            <a:r>
+              <a:rPr lang="en" sz="1600" dirty="0">
+                <a:latin typeface="Futura Medium" panose="020B0602020204020303" pitchFamily="34" charset="-79"/>
+                <a:cs typeface="Futura Medium" panose="020B0602020204020303" pitchFamily="34" charset="-79"/>
+              </a:rPr>
+              <a:t>number of cases when customer code is shared between</a:t>
+            </a:r>
+          </a:p>
+        </c:rich>
+      </c:tx>
+      <c:overlay val="0"/>
+      <c:spPr>
+        <a:noFill/>
+        <a:ln>
+          <a:noFill/>
+        </a:ln>
+        <a:effectLst/>
+      </c:spPr>
+      <c:txPr>
+        <a:bodyPr rot="0" spcFirstLastPara="1" vertOverflow="ellipsis" vert="horz" wrap="square" anchor="ctr" anchorCtr="1"/>
+        <a:lstStyle/>
+        <a:p>
+          <a:pPr>
+            <a:defRPr sz="1862" b="0" i="0" u="none" strike="noStrike" kern="1200" spc="0" baseline="0">
+              <a:solidFill>
+                <a:schemeClr val="tx1">
+                  <a:lumMod val="65000"/>
+                  <a:lumOff val="35000"/>
+                </a:schemeClr>
+              </a:solidFill>
+              <a:latin typeface="+mn-lt"/>
+              <a:ea typeface="+mn-ea"/>
+              <a:cs typeface="+mn-cs"/>
+            </a:defRPr>
+          </a:pPr>
+          <a:endParaRPr lang="pl-PL"/>
+        </a:p>
+      </c:txPr>
+    </c:title>
+    <c:autoTitleDeleted val="0"/>
+    <c:plotArea>
+      <c:layout/>
+      <c:barChart>
+        <c:barDir val="bar"/>
+        <c:grouping val="clustered"/>
+        <c:varyColors val="0"/>
+        <c:ser>
+          <c:idx val="0"/>
+          <c:order val="0"/>
+          <c:tx>
+            <c:strRef>
+              <c:f>Sheet1!$B$1</c:f>
+              <c:strCache>
+                <c:ptCount val="1"/>
+                <c:pt idx="0">
+                  <c:v>number of cases when customer code is shared between</c:v>
+                </c:pt>
+              </c:strCache>
+            </c:strRef>
+          </c:tx>
+          <c:spPr>
+            <a:solidFill>
+              <a:schemeClr val="accent1"/>
+            </a:solidFill>
+            <a:ln>
+              <a:noFill/>
+            </a:ln>
+            <a:effectLst/>
+          </c:spPr>
+          <c:invertIfNegative val="0"/>
+          <c:dLbls>
+            <c:spPr>
+              <a:noFill/>
+              <a:ln>
+                <a:noFill/>
+              </a:ln>
+              <a:effectLst/>
+            </c:spPr>
+            <c:txPr>
+              <a:bodyPr rot="0" spcFirstLastPara="1" vertOverflow="ellipsis" vert="horz" wrap="square" lIns="38100" tIns="19050" rIns="38100" bIns="19050" anchor="ctr" anchorCtr="1">
+                <a:spAutoFit/>
+              </a:bodyPr>
+              <a:lstStyle/>
+              <a:p>
+                <a:pPr>
+                  <a:defRPr sz="1197" b="0" i="0" u="none" strike="noStrike" kern="1200" baseline="0">
+                    <a:solidFill>
+                      <a:schemeClr val="tx1">
+                        <a:lumMod val="75000"/>
+                        <a:lumOff val="25000"/>
+                      </a:schemeClr>
+                    </a:solidFill>
+                    <a:latin typeface="+mn-lt"/>
+                    <a:ea typeface="+mn-ea"/>
+                    <a:cs typeface="+mn-cs"/>
+                  </a:defRPr>
+                </a:pPr>
+                <a:endParaRPr lang="pl-PL"/>
+              </a:p>
+            </c:txPr>
+            <c:showLegendKey val="0"/>
+            <c:showVal val="1"/>
+            <c:showCatName val="0"/>
+            <c:showSerName val="0"/>
+            <c:showPercent val="0"/>
+            <c:showBubbleSize val="0"/>
+            <c:showLeaderLines val="0"/>
+            <c:extLst>
+              <c:ext xmlns:c15="http://schemas.microsoft.com/office/drawing/2012/chart" uri="{CE6537A1-D6FC-4f65-9D91-7224C49458BB}">
+                <c15:showLeaderLines val="1"/>
+                <c15:leaderLines>
+                  <c:spPr>
+                    <a:ln w="9525" cap="flat" cmpd="sng" algn="ctr">
+                      <a:solidFill>
+                        <a:schemeClr val="tx1">
+                          <a:lumMod val="35000"/>
+                          <a:lumOff val="65000"/>
+                        </a:schemeClr>
+                      </a:solidFill>
+                      <a:round/>
+                    </a:ln>
+                    <a:effectLst/>
+                  </c:spPr>
+                </c15:leaderLines>
+              </c:ext>
+            </c:extLst>
+          </c:dLbls>
+          <c:cat>
+            <c:strRef>
+              <c:f>Sheet1!$A$2:$A$4</c:f>
+              <c:strCache>
+                <c:ptCount val="3"/>
+                <c:pt idx="0">
+                  <c:v>&gt;3 customers</c:v>
+                </c:pt>
+                <c:pt idx="1">
+                  <c:v>3 customers</c:v>
+                </c:pt>
+                <c:pt idx="2">
+                  <c:v>2 customers</c:v>
+                </c:pt>
+              </c:strCache>
+            </c:strRef>
+          </c:cat>
+          <c:val>
+            <c:numRef>
+              <c:f>Sheet1!$B$2:$B$4</c:f>
+              <c:numCache>
+                <c:formatCode>General</c:formatCode>
+                <c:ptCount val="3"/>
+                <c:pt idx="0">
+                  <c:v>32</c:v>
+                </c:pt>
+                <c:pt idx="1">
+                  <c:v>49</c:v>
+                </c:pt>
+                <c:pt idx="2">
+                  <c:v>129</c:v>
+                </c:pt>
+              </c:numCache>
+            </c:numRef>
+          </c:val>
+          <c:extLst>
+            <c:ext xmlns:c16="http://schemas.microsoft.com/office/drawing/2014/chart" uri="{C3380CC4-5D6E-409C-BE32-E72D297353CC}">
+              <c16:uniqueId val="{00000000-7FD1-AF4F-B6CC-5BF11645460B}"/>
+            </c:ext>
+          </c:extLst>
+        </c:ser>
+        <c:dLbls>
+          <c:showLegendKey val="0"/>
+          <c:showVal val="0"/>
+          <c:showCatName val="0"/>
+          <c:showSerName val="0"/>
+          <c:showPercent val="0"/>
+          <c:showBubbleSize val="0"/>
+        </c:dLbls>
+        <c:gapWidth val="219"/>
+        <c:axId val="1537403584"/>
+        <c:axId val="1505042832"/>
+      </c:barChart>
+      <c:catAx>
+        <c:axId val="1537403584"/>
+        <c:scaling>
+          <c:orientation val="minMax"/>
+        </c:scaling>
+        <c:delete val="0"/>
+        <c:axPos val="l"/>
+        <c:numFmt formatCode="General" sourceLinked="1"/>
+        <c:majorTickMark val="none"/>
+        <c:minorTickMark val="none"/>
+        <c:tickLblPos val="nextTo"/>
+        <c:spPr>
+          <a:noFill/>
+          <a:ln w="9525" cap="flat" cmpd="sng" algn="ctr">
+            <a:solidFill>
+              <a:schemeClr val="tx1">
+                <a:lumMod val="15000"/>
+                <a:lumOff val="85000"/>
+              </a:schemeClr>
+            </a:solidFill>
+            <a:round/>
+          </a:ln>
+          <a:effectLst/>
+        </c:spPr>
+        <c:txPr>
+          <a:bodyPr rot="-60000000" spcFirstLastPara="1" vertOverflow="ellipsis" vert="horz" wrap="square" anchor="ctr" anchorCtr="1"/>
+          <a:lstStyle/>
+          <a:p>
+            <a:pPr>
+              <a:defRPr sz="1197" b="0" i="0" u="none" strike="noStrike" kern="1200" baseline="0">
+                <a:solidFill>
+                  <a:schemeClr val="tx1">
+                    <a:lumMod val="65000"/>
+                    <a:lumOff val="35000"/>
+                  </a:schemeClr>
+                </a:solidFill>
+                <a:latin typeface="+mn-lt"/>
+                <a:ea typeface="+mn-ea"/>
+                <a:cs typeface="+mn-cs"/>
+              </a:defRPr>
+            </a:pPr>
+            <a:endParaRPr lang="pl-PL"/>
+          </a:p>
+        </c:txPr>
+        <c:crossAx val="1505042832"/>
+        <c:crosses val="autoZero"/>
+        <c:auto val="1"/>
+        <c:lblAlgn val="ctr"/>
+        <c:lblOffset val="100"/>
+        <c:noMultiLvlLbl val="0"/>
+      </c:catAx>
+      <c:valAx>
+        <c:axId val="1505042832"/>
+        <c:scaling>
+          <c:orientation val="minMax"/>
+        </c:scaling>
+        <c:delete val="1"/>
+        <c:axPos val="b"/>
+        <c:majorGridlines>
+          <c:spPr>
+            <a:ln w="9525" cap="flat" cmpd="sng" algn="ctr">
+              <a:noFill/>
+              <a:round/>
+            </a:ln>
+            <a:effectLst/>
+          </c:spPr>
+        </c:majorGridlines>
+        <c:numFmt formatCode="General" sourceLinked="1"/>
+        <c:majorTickMark val="none"/>
+        <c:minorTickMark val="none"/>
+        <c:tickLblPos val="nextTo"/>
+        <c:crossAx val="1537403584"/>
+        <c:crosses val="autoZero"/>
+        <c:crossBetween val="between"/>
+      </c:valAx>
+      <c:spPr>
+        <a:noFill/>
+        <a:ln>
+          <a:noFill/>
+        </a:ln>
+        <a:effectLst/>
+      </c:spPr>
+    </c:plotArea>
+    <c:plotVisOnly val="1"/>
+    <c:dispBlanksAs val="gap"/>
+    <c:extLst>
+      <c:ext xmlns:c16r3="http://schemas.microsoft.com/office/drawing/2017/03/chart" uri="{56B9EC1D-385E-4148-901F-78D8002777C0}">
+        <c16r3:dataDisplayOptions16>
+          <c16r3:dispNaAsBlank val="1"/>
+        </c16r3:dataDisplayOptions16>
+      </c:ext>
+    </c:extLst>
+    <c:showDLblsOverMax val="0"/>
+  </c:chart>
+  <c:spPr>
+    <a:noFill/>
+    <a:ln>
+      <a:noFill/>
+    </a:ln>
+    <a:effectLst/>
+  </c:spPr>
+  <c:txPr>
+    <a:bodyPr/>
+    <a:lstStyle/>
+    <a:p>
+      <a:pPr>
+        <a:defRPr/>
+      </a:pPr>
+      <a:endParaRPr lang="pl-PL"/>
+    </a:p>
+  </c:txPr>
+  <c:externalData r:id="rId3">
+    <c:autoUpdate val="0"/>
+  </c:externalData>
+</c:chartSpace>
+</file>
+
+<file path=ppt/charts/chart3.xml><?xml version="1.0" encoding="utf-8"?>
+<c:chartSpace xmlns:c="http://schemas.openxmlformats.org/drawingml/2006/chart" xmlns:a="http://schemas.openxmlformats.org/drawingml/2006/main" xmlns:r="http://schemas.openxmlformats.org/officeDocument/2006/relationships" xmlns:c16r2="http://schemas.microsoft.com/office/drawing/2015/06/chart">
+  <c:date1904 val="0"/>
+  <c:lang val="en-US"/>
+  <c:roundedCorners val="0"/>
+  <mc:AlternateContent xmlns:mc="http://schemas.openxmlformats.org/markup-compatibility/2006">
+    <mc:Choice xmlns:c14="http://schemas.microsoft.com/office/drawing/2007/8/2/chart" Requires="c14">
+      <c14:style val="102"/>
+    </mc:Choice>
+    <mc:Fallback>
+      <c:style val="2"/>
+    </mc:Fallback>
+  </mc:AlternateContent>
+  <c:chart>
+    <c:title>
+      <c:tx>
+        <c:rich>
+          <a:bodyPr rot="0" spcFirstLastPara="1" vertOverflow="ellipsis" vert="horz" wrap="square" anchor="ctr" anchorCtr="1"/>
+          <a:lstStyle/>
+          <a:p>
+            <a:pPr>
+              <a:defRPr sz="1862" b="0" i="0" u="none" strike="noStrike" kern="1200" spc="0" baseline="0">
+                <a:solidFill>
+                  <a:schemeClr val="tx1">
+                    <a:lumMod val="65000"/>
+                    <a:lumOff val="35000"/>
+                  </a:schemeClr>
+                </a:solidFill>
+                <a:latin typeface="+mn-lt"/>
+                <a:ea typeface="+mn-ea"/>
+                <a:cs typeface="+mn-cs"/>
+              </a:defRPr>
+            </a:pPr>
+            <a:r>
+              <a:rPr lang="en" sz="1600" dirty="0">
+                <a:latin typeface="Futura Medium" panose="020B0602020204020303" pitchFamily="34" charset="-79"/>
+                <a:cs typeface="Futura Medium" panose="020B0602020204020303" pitchFamily="34" charset="-79"/>
+              </a:rPr>
+              <a:t>number of cases when customer code is shared between</a:t>
+            </a:r>
+          </a:p>
+        </c:rich>
+      </c:tx>
+      <c:overlay val="0"/>
+      <c:spPr>
+        <a:noFill/>
+        <a:ln>
+          <a:noFill/>
+        </a:ln>
+        <a:effectLst/>
+      </c:spPr>
+      <c:txPr>
+        <a:bodyPr rot="0" spcFirstLastPara="1" vertOverflow="ellipsis" vert="horz" wrap="square" anchor="ctr" anchorCtr="1"/>
+        <a:lstStyle/>
+        <a:p>
+          <a:pPr>
+            <a:defRPr sz="1862" b="0" i="0" u="none" strike="noStrike" kern="1200" spc="0" baseline="0">
+              <a:solidFill>
+                <a:schemeClr val="tx1">
+                  <a:lumMod val="65000"/>
+                  <a:lumOff val="35000"/>
+                </a:schemeClr>
+              </a:solidFill>
+              <a:latin typeface="+mn-lt"/>
+              <a:ea typeface="+mn-ea"/>
+              <a:cs typeface="+mn-cs"/>
+            </a:defRPr>
+          </a:pPr>
+          <a:endParaRPr lang="pl-PL"/>
+        </a:p>
+      </c:txPr>
+    </c:title>
+    <c:autoTitleDeleted val="0"/>
+    <c:plotArea>
+      <c:layout/>
+      <c:barChart>
+        <c:barDir val="bar"/>
+        <c:grouping val="clustered"/>
+        <c:varyColors val="0"/>
+        <c:ser>
+          <c:idx val="0"/>
+          <c:order val="0"/>
+          <c:tx>
+            <c:strRef>
+              <c:f>Sheet1!$B$1</c:f>
+              <c:strCache>
+                <c:ptCount val="1"/>
+                <c:pt idx="0">
+                  <c:v>number of cases when customer code is shared between</c:v>
+                </c:pt>
+              </c:strCache>
+            </c:strRef>
+          </c:tx>
+          <c:spPr>
+            <a:solidFill>
+              <a:schemeClr val="accent1"/>
+            </a:solidFill>
+            <a:ln>
+              <a:noFill/>
+            </a:ln>
+            <a:effectLst/>
+          </c:spPr>
+          <c:invertIfNegative val="0"/>
+          <c:dLbls>
+            <c:spPr>
+              <a:noFill/>
+              <a:ln>
+                <a:noFill/>
+              </a:ln>
+              <a:effectLst/>
+            </c:spPr>
+            <c:txPr>
+              <a:bodyPr rot="0" spcFirstLastPara="1" vertOverflow="ellipsis" vert="horz" wrap="square" lIns="38100" tIns="19050" rIns="38100" bIns="19050" anchor="ctr" anchorCtr="1">
+                <a:spAutoFit/>
+              </a:bodyPr>
+              <a:lstStyle/>
+              <a:p>
+                <a:pPr>
+                  <a:defRPr sz="1197" b="0" i="0" u="none" strike="noStrike" kern="1200" baseline="0">
+                    <a:solidFill>
+                      <a:schemeClr val="tx1">
+                        <a:lumMod val="75000"/>
+                        <a:lumOff val="25000"/>
+                      </a:schemeClr>
+                    </a:solidFill>
+                    <a:latin typeface="+mn-lt"/>
+                    <a:ea typeface="+mn-ea"/>
+                    <a:cs typeface="+mn-cs"/>
+                  </a:defRPr>
+                </a:pPr>
+                <a:endParaRPr lang="pl-PL"/>
+              </a:p>
+            </c:txPr>
+            <c:showLegendKey val="0"/>
+            <c:showVal val="1"/>
+            <c:showCatName val="0"/>
+            <c:showSerName val="0"/>
+            <c:showPercent val="0"/>
+            <c:showBubbleSize val="0"/>
+            <c:showLeaderLines val="0"/>
+            <c:extLst>
+              <c:ext xmlns:c15="http://schemas.microsoft.com/office/drawing/2012/chart" uri="{CE6537A1-D6FC-4f65-9D91-7224C49458BB}">
+                <c15:showLeaderLines val="1"/>
+                <c15:leaderLines>
+                  <c:spPr>
+                    <a:ln w="9525" cap="flat" cmpd="sng" algn="ctr">
+                      <a:solidFill>
+                        <a:schemeClr val="tx1">
+                          <a:lumMod val="35000"/>
+                          <a:lumOff val="65000"/>
+                        </a:schemeClr>
+                      </a:solidFill>
+                      <a:round/>
+                    </a:ln>
+                    <a:effectLst/>
+                  </c:spPr>
+                </c15:leaderLines>
+              </c:ext>
+            </c:extLst>
+          </c:dLbls>
+          <c:cat>
+            <c:strRef>
+              <c:f>Sheet1!$A$2:$A$4</c:f>
+              <c:strCache>
+                <c:ptCount val="3"/>
+                <c:pt idx="0">
+                  <c:v>&gt;3 customers</c:v>
+                </c:pt>
+                <c:pt idx="1">
+                  <c:v>3 customers</c:v>
+                </c:pt>
+                <c:pt idx="2">
+                  <c:v>2 customers</c:v>
+                </c:pt>
+              </c:strCache>
+            </c:strRef>
+          </c:cat>
+          <c:val>
+            <c:numRef>
+              <c:f>Sheet1!$B$2:$B$4</c:f>
+              <c:numCache>
+                <c:formatCode>General</c:formatCode>
+                <c:ptCount val="3"/>
+                <c:pt idx="0">
+                  <c:v>32</c:v>
+                </c:pt>
+                <c:pt idx="1">
+                  <c:v>49</c:v>
+                </c:pt>
+                <c:pt idx="2">
+                  <c:v>129</c:v>
+                </c:pt>
+              </c:numCache>
+            </c:numRef>
+          </c:val>
+          <c:extLst>
+            <c:ext xmlns:c16="http://schemas.microsoft.com/office/drawing/2014/chart" uri="{C3380CC4-5D6E-409C-BE32-E72D297353CC}">
+              <c16:uniqueId val="{00000000-7FD1-AF4F-B6CC-5BF11645460B}"/>
+            </c:ext>
+          </c:extLst>
+        </c:ser>
+        <c:dLbls>
+          <c:showLegendKey val="0"/>
+          <c:showVal val="0"/>
+          <c:showCatName val="0"/>
+          <c:showSerName val="0"/>
+          <c:showPercent val="0"/>
+          <c:showBubbleSize val="0"/>
+        </c:dLbls>
+        <c:gapWidth val="219"/>
+        <c:axId val="1537403584"/>
+        <c:axId val="1505042832"/>
+      </c:barChart>
+      <c:catAx>
+        <c:axId val="1537403584"/>
+        <c:scaling>
+          <c:orientation val="minMax"/>
+        </c:scaling>
+        <c:delete val="0"/>
+        <c:axPos val="l"/>
+        <c:numFmt formatCode="General" sourceLinked="1"/>
+        <c:majorTickMark val="none"/>
+        <c:minorTickMark val="none"/>
+        <c:tickLblPos val="nextTo"/>
+        <c:spPr>
+          <a:noFill/>
+          <a:ln w="9525" cap="flat" cmpd="sng" algn="ctr">
+            <a:solidFill>
+              <a:schemeClr val="tx1">
+                <a:lumMod val="15000"/>
+                <a:lumOff val="85000"/>
+              </a:schemeClr>
+            </a:solidFill>
+            <a:round/>
+          </a:ln>
+          <a:effectLst/>
+        </c:spPr>
+        <c:txPr>
+          <a:bodyPr rot="-60000000" spcFirstLastPara="1" vertOverflow="ellipsis" vert="horz" wrap="square" anchor="ctr" anchorCtr="1"/>
+          <a:lstStyle/>
+          <a:p>
+            <a:pPr>
+              <a:defRPr sz="1197" b="0" i="0" u="none" strike="noStrike" kern="1200" baseline="0">
+                <a:solidFill>
+                  <a:schemeClr val="tx1">
+                    <a:lumMod val="65000"/>
+                    <a:lumOff val="35000"/>
+                  </a:schemeClr>
+                </a:solidFill>
+                <a:latin typeface="+mn-lt"/>
+                <a:ea typeface="+mn-ea"/>
+                <a:cs typeface="+mn-cs"/>
+              </a:defRPr>
+            </a:pPr>
+            <a:endParaRPr lang="pl-PL"/>
+          </a:p>
+        </c:txPr>
+        <c:crossAx val="1505042832"/>
+        <c:crosses val="autoZero"/>
+        <c:auto val="1"/>
+        <c:lblAlgn val="ctr"/>
+        <c:lblOffset val="100"/>
+        <c:noMultiLvlLbl val="0"/>
+      </c:catAx>
+      <c:valAx>
+        <c:axId val="1505042832"/>
+        <c:scaling>
+          <c:orientation val="minMax"/>
+        </c:scaling>
+        <c:delete val="1"/>
+        <c:axPos val="b"/>
+        <c:majorGridlines>
+          <c:spPr>
+            <a:ln w="9525" cap="flat" cmpd="sng" algn="ctr">
+              <a:noFill/>
+              <a:round/>
+            </a:ln>
+            <a:effectLst/>
+          </c:spPr>
+        </c:majorGridlines>
+        <c:numFmt formatCode="General" sourceLinked="1"/>
+        <c:majorTickMark val="none"/>
+        <c:minorTickMark val="none"/>
+        <c:tickLblPos val="nextTo"/>
+        <c:crossAx val="1537403584"/>
+        <c:crosses val="autoZero"/>
+        <c:crossBetween val="between"/>
+      </c:valAx>
+      <c:spPr>
+        <a:noFill/>
+        <a:ln>
+          <a:noFill/>
+        </a:ln>
+        <a:effectLst/>
+      </c:spPr>
+    </c:plotArea>
+    <c:plotVisOnly val="1"/>
+    <c:dispBlanksAs val="gap"/>
+    <c:extLst>
+      <c:ext xmlns:c16r3="http://schemas.microsoft.com/office/drawing/2017/03/chart" uri="{56B9EC1D-385E-4148-901F-78D8002777C0}">
+        <c16r3:dataDisplayOptions16>
+          <c16r3:dispNaAsBlank val="1"/>
+        </c16r3:dataDisplayOptions16>
+      </c:ext>
+    </c:extLst>
+    <c:showDLblsOverMax val="0"/>
+  </c:chart>
+  <c:spPr>
+    <a:noFill/>
+    <a:ln>
+      <a:noFill/>
+    </a:ln>
+    <a:effectLst/>
+  </c:spPr>
+  <c:txPr>
+    <a:bodyPr/>
+    <a:lstStyle/>
+    <a:p>
+      <a:pPr>
+        <a:defRPr/>
+      </a:pPr>
+      <a:endParaRPr lang="pl-PL"/>
+    </a:p>
+  </c:txPr>
+  <c:externalData r:id="rId3">
+    <c:autoUpdate val="0"/>
+  </c:externalData>
+</c:chartSpace>
+</file>
+
+<file path=ppt/charts/chart4.xml><?xml version="1.0" encoding="utf-8"?>
+<c:chartSpace xmlns:c="http://schemas.openxmlformats.org/drawingml/2006/chart" xmlns:a="http://schemas.openxmlformats.org/drawingml/2006/main" xmlns:r="http://schemas.openxmlformats.org/officeDocument/2006/relationships" xmlns:c16r2="http://schemas.microsoft.com/office/drawing/2015/06/chart">
+  <c:date1904 val="0"/>
+  <c:lang val="en-US"/>
+  <c:roundedCorners val="0"/>
+  <mc:AlternateContent xmlns:mc="http://schemas.openxmlformats.org/markup-compatibility/2006">
+    <mc:Choice xmlns:c14="http://schemas.microsoft.com/office/drawing/2007/8/2/chart" Requires="c14">
+      <c14:style val="102"/>
+    </mc:Choice>
+    <mc:Fallback>
+      <c:style val="2"/>
+    </mc:Fallback>
+  </mc:AlternateContent>
+  <c:chart>
+    <c:title>
+      <c:tx>
+        <c:rich>
+          <a:bodyPr rot="0" spcFirstLastPara="1" vertOverflow="ellipsis" vert="horz" wrap="square" anchor="ctr" anchorCtr="1"/>
+          <a:lstStyle/>
+          <a:p>
+            <a:pPr>
+              <a:defRPr sz="1862" b="0" i="0" u="none" strike="noStrike" kern="1200" spc="0" baseline="0">
+                <a:solidFill>
+                  <a:schemeClr val="tx1">
+                    <a:lumMod val="65000"/>
+                    <a:lumOff val="35000"/>
+                  </a:schemeClr>
+                </a:solidFill>
+                <a:latin typeface="+mn-lt"/>
+                <a:ea typeface="+mn-ea"/>
+                <a:cs typeface="+mn-cs"/>
+              </a:defRPr>
+            </a:pPr>
+            <a:r>
+              <a:rPr lang="en" sz="1600" dirty="0">
+                <a:solidFill>
+                  <a:schemeClr val="bg2">
+                    <a:lumMod val="90000"/>
+                  </a:schemeClr>
+                </a:solidFill>
+                <a:latin typeface="Futura Medium" panose="020B0602020204020303" pitchFamily="34" charset="-79"/>
+                <a:cs typeface="Futura Medium" panose="020B0602020204020303" pitchFamily="34" charset="-79"/>
+              </a:rPr>
+              <a:t>number of cases when customer code is shared between</a:t>
+            </a:r>
+          </a:p>
+        </c:rich>
+      </c:tx>
+      <c:overlay val="0"/>
+      <c:spPr>
+        <a:noFill/>
+        <a:ln>
+          <a:noFill/>
+        </a:ln>
+        <a:effectLst/>
+      </c:spPr>
+      <c:txPr>
+        <a:bodyPr rot="0" spcFirstLastPara="1" vertOverflow="ellipsis" vert="horz" wrap="square" anchor="ctr" anchorCtr="1"/>
+        <a:lstStyle/>
+        <a:p>
+          <a:pPr>
+            <a:defRPr sz="1862" b="0" i="0" u="none" strike="noStrike" kern="1200" spc="0" baseline="0">
+              <a:solidFill>
+                <a:schemeClr val="tx1">
+                  <a:lumMod val="65000"/>
+                  <a:lumOff val="35000"/>
+                </a:schemeClr>
+              </a:solidFill>
+              <a:latin typeface="+mn-lt"/>
+              <a:ea typeface="+mn-ea"/>
+              <a:cs typeface="+mn-cs"/>
+            </a:defRPr>
+          </a:pPr>
+          <a:endParaRPr lang="pl-PL"/>
+        </a:p>
+      </c:txPr>
+    </c:title>
+    <c:autoTitleDeleted val="0"/>
+    <c:plotArea>
+      <c:layout/>
+      <c:barChart>
+        <c:barDir val="bar"/>
+        <c:grouping val="clustered"/>
+        <c:varyColors val="0"/>
+        <c:ser>
+          <c:idx val="0"/>
+          <c:order val="0"/>
+          <c:tx>
+            <c:strRef>
+              <c:f>Sheet1!$B$1</c:f>
+              <c:strCache>
+                <c:ptCount val="1"/>
+                <c:pt idx="0">
+                  <c:v>number of cases when customer code is shared between</c:v>
+                </c:pt>
+              </c:strCache>
+            </c:strRef>
+          </c:tx>
+          <c:spPr>
+            <a:solidFill>
+              <a:schemeClr val="bg2">
+                <a:lumMod val="90000"/>
+              </a:schemeClr>
+            </a:solidFill>
+            <a:ln>
+              <a:noFill/>
+            </a:ln>
+            <a:effectLst/>
+          </c:spPr>
+          <c:invertIfNegative val="0"/>
+          <c:dLbls>
+            <c:spPr>
+              <a:noFill/>
+              <a:ln>
+                <a:noFill/>
+              </a:ln>
+              <a:effectLst/>
+            </c:spPr>
+            <c:txPr>
+              <a:bodyPr rot="0" spcFirstLastPara="1" vertOverflow="ellipsis" vert="horz" wrap="square" lIns="38100" tIns="19050" rIns="38100" bIns="19050" anchor="ctr" anchorCtr="1">
+                <a:spAutoFit/>
+              </a:bodyPr>
+              <a:lstStyle/>
+              <a:p>
+                <a:pPr>
+                  <a:defRPr sz="1197" b="0" i="0" u="none" strike="noStrike" kern="1200" baseline="0">
+                    <a:solidFill>
+                      <a:schemeClr val="tx1">
+                        <a:lumMod val="75000"/>
+                        <a:lumOff val="25000"/>
+                      </a:schemeClr>
+                    </a:solidFill>
+                    <a:latin typeface="+mn-lt"/>
+                    <a:ea typeface="+mn-ea"/>
+                    <a:cs typeface="+mn-cs"/>
+                  </a:defRPr>
+                </a:pPr>
+                <a:endParaRPr lang="pl-PL"/>
+              </a:p>
+            </c:txPr>
+            <c:showLegendKey val="0"/>
+            <c:showVal val="1"/>
+            <c:showCatName val="0"/>
+            <c:showSerName val="0"/>
+            <c:showPercent val="0"/>
+            <c:showBubbleSize val="0"/>
+            <c:showLeaderLines val="0"/>
+            <c:extLst>
+              <c:ext xmlns:c15="http://schemas.microsoft.com/office/drawing/2012/chart" uri="{CE6537A1-D6FC-4f65-9D91-7224C49458BB}">
+                <c15:showLeaderLines val="1"/>
+                <c15:leaderLines>
+                  <c:spPr>
+                    <a:ln w="9525" cap="flat" cmpd="sng" algn="ctr">
+                      <a:solidFill>
+                        <a:schemeClr val="tx1">
+                          <a:lumMod val="35000"/>
+                          <a:lumOff val="65000"/>
+                        </a:schemeClr>
+                      </a:solidFill>
+                      <a:round/>
+                    </a:ln>
+                    <a:effectLst/>
+                  </c:spPr>
+                </c15:leaderLines>
+              </c:ext>
+            </c:extLst>
+          </c:dLbls>
+          <c:cat>
+            <c:strRef>
+              <c:f>Sheet1!$A$2:$A$4</c:f>
+              <c:strCache>
+                <c:ptCount val="3"/>
+                <c:pt idx="0">
+                  <c:v>&gt;3 customers</c:v>
+                </c:pt>
+                <c:pt idx="1">
+                  <c:v>3 customers</c:v>
+                </c:pt>
+                <c:pt idx="2">
+                  <c:v>2 customers</c:v>
+                </c:pt>
+              </c:strCache>
+            </c:strRef>
+          </c:cat>
+          <c:val>
+            <c:numRef>
+              <c:f>Sheet1!$B$2:$B$4</c:f>
+              <c:numCache>
+                <c:formatCode>General</c:formatCode>
+                <c:ptCount val="3"/>
+                <c:pt idx="0">
+                  <c:v>32</c:v>
+                </c:pt>
+                <c:pt idx="1">
+                  <c:v>49</c:v>
+                </c:pt>
+                <c:pt idx="2">
+                  <c:v>129</c:v>
+                </c:pt>
+              </c:numCache>
+            </c:numRef>
+          </c:val>
+          <c:extLst>
+            <c:ext xmlns:c16="http://schemas.microsoft.com/office/drawing/2014/chart" uri="{C3380CC4-5D6E-409C-BE32-E72D297353CC}">
+              <c16:uniqueId val="{00000000-7FD1-AF4F-B6CC-5BF11645460B}"/>
+            </c:ext>
+          </c:extLst>
+        </c:ser>
+        <c:dLbls>
+          <c:showLegendKey val="0"/>
+          <c:showVal val="0"/>
+          <c:showCatName val="0"/>
+          <c:showSerName val="0"/>
+          <c:showPercent val="0"/>
+          <c:showBubbleSize val="0"/>
+        </c:dLbls>
+        <c:gapWidth val="219"/>
+        <c:axId val="1537403584"/>
+        <c:axId val="1505042832"/>
+      </c:barChart>
+      <c:catAx>
+        <c:axId val="1537403584"/>
+        <c:scaling>
+          <c:orientation val="minMax"/>
+        </c:scaling>
+        <c:delete val="0"/>
+        <c:axPos val="l"/>
+        <c:numFmt formatCode="General" sourceLinked="1"/>
+        <c:majorTickMark val="none"/>
+        <c:minorTickMark val="none"/>
+        <c:tickLblPos val="nextTo"/>
+        <c:spPr>
+          <a:noFill/>
+          <a:ln w="9525" cap="flat" cmpd="sng" algn="ctr">
+            <a:solidFill>
+              <a:schemeClr val="tx1">
+                <a:lumMod val="15000"/>
+                <a:lumOff val="85000"/>
+              </a:schemeClr>
+            </a:solidFill>
+            <a:round/>
+          </a:ln>
+          <a:effectLst/>
+        </c:spPr>
+        <c:txPr>
+          <a:bodyPr rot="-60000000" spcFirstLastPara="1" vertOverflow="ellipsis" vert="horz" wrap="square" anchor="ctr" anchorCtr="1"/>
+          <a:lstStyle/>
+          <a:p>
+            <a:pPr>
+              <a:defRPr sz="1197" b="0" i="0" u="none" strike="noStrike" kern="1200" baseline="0">
+                <a:solidFill>
+                  <a:schemeClr val="tx1">
+                    <a:lumMod val="65000"/>
+                    <a:lumOff val="35000"/>
+                  </a:schemeClr>
+                </a:solidFill>
+                <a:latin typeface="+mn-lt"/>
+                <a:ea typeface="+mn-ea"/>
+                <a:cs typeface="+mn-cs"/>
+              </a:defRPr>
+            </a:pPr>
+            <a:endParaRPr lang="pl-PL"/>
+          </a:p>
+        </c:txPr>
+        <c:crossAx val="1505042832"/>
+        <c:crosses val="autoZero"/>
+        <c:auto val="1"/>
+        <c:lblAlgn val="ctr"/>
+        <c:lblOffset val="100"/>
+        <c:noMultiLvlLbl val="0"/>
+      </c:catAx>
+      <c:valAx>
+        <c:axId val="1505042832"/>
+        <c:scaling>
+          <c:orientation val="minMax"/>
+        </c:scaling>
+        <c:delete val="1"/>
+        <c:axPos val="b"/>
+        <c:majorGridlines>
+          <c:spPr>
+            <a:ln w="9525" cap="flat" cmpd="sng" algn="ctr">
+              <a:noFill/>
+              <a:round/>
+            </a:ln>
+            <a:effectLst/>
+          </c:spPr>
+        </c:majorGridlines>
+        <c:numFmt formatCode="General" sourceLinked="1"/>
+        <c:majorTickMark val="none"/>
+        <c:minorTickMark val="none"/>
+        <c:tickLblPos val="nextTo"/>
+        <c:crossAx val="1537403584"/>
+        <c:crosses val="autoZero"/>
+        <c:crossBetween val="between"/>
+      </c:valAx>
+      <c:spPr>
+        <a:noFill/>
+        <a:ln>
+          <a:noFill/>
+        </a:ln>
+        <a:effectLst/>
+      </c:spPr>
+    </c:plotArea>
+    <c:plotVisOnly val="1"/>
+    <c:dispBlanksAs val="gap"/>
+    <c:extLst>
+      <c:ext xmlns:c16r3="http://schemas.microsoft.com/office/drawing/2017/03/chart" uri="{56B9EC1D-385E-4148-901F-78D8002777C0}">
+        <c16r3:dataDisplayOptions16>
+          <c16r3:dispNaAsBlank val="1"/>
+        </c16r3:dataDisplayOptions16>
+      </c:ext>
+    </c:extLst>
+    <c:showDLblsOverMax val="0"/>
+  </c:chart>
+  <c:spPr>
+    <a:noFill/>
+    <a:ln>
+      <a:noFill/>
+    </a:ln>
+    <a:effectLst/>
+  </c:spPr>
+  <c:txPr>
+    <a:bodyPr/>
+    <a:lstStyle/>
+    <a:p>
+      <a:pPr>
+        <a:defRPr/>
+      </a:pPr>
+      <a:endParaRPr lang="pl-PL"/>
+    </a:p>
+  </c:txPr>
+  <c:externalData r:id="rId3">
+    <c:autoUpdate val="0"/>
+  </c:externalData>
+</c:chartSpace>
+</file>
+
+<file path=ppt/charts/chart5.xml><?xml version="1.0" encoding="utf-8"?>
+<c:chartSpace xmlns:c="http://schemas.openxmlformats.org/drawingml/2006/chart" xmlns:a="http://schemas.openxmlformats.org/drawingml/2006/main" xmlns:r="http://schemas.openxmlformats.org/officeDocument/2006/relationships" xmlns:c16r2="http://schemas.microsoft.com/office/drawing/2015/06/chart">
+  <c:date1904 val="0"/>
+  <c:lang val="en-US"/>
+  <c:roundedCorners val="0"/>
+  <mc:AlternateContent xmlns:mc="http://schemas.openxmlformats.org/markup-compatibility/2006">
+    <mc:Choice xmlns:c14="http://schemas.microsoft.com/office/drawing/2007/8/2/chart" Requires="c14">
+      <c14:style val="102"/>
+    </mc:Choice>
+    <mc:Fallback>
+      <c:style val="2"/>
+    </mc:Fallback>
+  </mc:AlternateContent>
+  <c:chart>
+    <c:title>
+      <c:tx>
+        <c:rich>
+          <a:bodyPr rot="0" spcFirstLastPara="1" vertOverflow="ellipsis" vert="horz" wrap="square" anchor="ctr" anchorCtr="1"/>
+          <a:lstStyle/>
+          <a:p>
+            <a:pPr>
+              <a:defRPr sz="1862" b="0" i="0" u="none" strike="noStrike" kern="1200" spc="0" baseline="0">
+                <a:solidFill>
+                  <a:schemeClr val="tx1">
+                    <a:lumMod val="65000"/>
+                    <a:lumOff val="35000"/>
+                  </a:schemeClr>
+                </a:solidFill>
+                <a:latin typeface="+mn-lt"/>
+                <a:ea typeface="+mn-ea"/>
+                <a:cs typeface="+mn-cs"/>
+              </a:defRPr>
+            </a:pPr>
+            <a:r>
+              <a:rPr lang="en" sz="1600" dirty="0">
+                <a:solidFill>
+                  <a:schemeClr val="bg2">
+                    <a:lumMod val="90000"/>
+                  </a:schemeClr>
+                </a:solidFill>
+                <a:latin typeface="Futura Medium" panose="020B0602020204020303" pitchFamily="34" charset="-79"/>
+                <a:cs typeface="Futura Medium" panose="020B0602020204020303" pitchFamily="34" charset="-79"/>
+              </a:rPr>
+              <a:t>number of cases when customer code is shared between</a:t>
+            </a:r>
+          </a:p>
+        </c:rich>
+      </c:tx>
+      <c:overlay val="0"/>
+      <c:spPr>
+        <a:noFill/>
+        <a:ln>
+          <a:noFill/>
+        </a:ln>
+        <a:effectLst/>
+      </c:spPr>
+      <c:txPr>
+        <a:bodyPr rot="0" spcFirstLastPara="1" vertOverflow="ellipsis" vert="horz" wrap="square" anchor="ctr" anchorCtr="1"/>
+        <a:lstStyle/>
+        <a:p>
+          <a:pPr>
+            <a:defRPr sz="1862" b="0" i="0" u="none" strike="noStrike" kern="1200" spc="0" baseline="0">
+              <a:solidFill>
+                <a:schemeClr val="tx1">
+                  <a:lumMod val="65000"/>
+                  <a:lumOff val="35000"/>
+                </a:schemeClr>
+              </a:solidFill>
+              <a:latin typeface="+mn-lt"/>
+              <a:ea typeface="+mn-ea"/>
+              <a:cs typeface="+mn-cs"/>
+            </a:defRPr>
+          </a:pPr>
+          <a:endParaRPr lang="pl-PL"/>
+        </a:p>
+      </c:txPr>
+    </c:title>
+    <c:autoTitleDeleted val="0"/>
+    <c:plotArea>
+      <c:layout/>
+      <c:barChart>
+        <c:barDir val="bar"/>
+        <c:grouping val="clustered"/>
+        <c:varyColors val="0"/>
+        <c:ser>
+          <c:idx val="0"/>
+          <c:order val="0"/>
+          <c:tx>
+            <c:strRef>
+              <c:f>Sheet1!$B$1</c:f>
+              <c:strCache>
+                <c:ptCount val="1"/>
+                <c:pt idx="0">
+                  <c:v>number of cases when customer code is shared between</c:v>
+                </c:pt>
+              </c:strCache>
+            </c:strRef>
+          </c:tx>
+          <c:spPr>
+            <a:solidFill>
+              <a:schemeClr val="bg2">
+                <a:lumMod val="90000"/>
+              </a:schemeClr>
+            </a:solidFill>
+            <a:ln>
+              <a:noFill/>
+            </a:ln>
+            <a:effectLst/>
+          </c:spPr>
+          <c:invertIfNegative val="0"/>
+          <c:dLbls>
+            <c:spPr>
+              <a:noFill/>
+              <a:ln>
+                <a:noFill/>
+              </a:ln>
+              <a:effectLst/>
+            </c:spPr>
+            <c:txPr>
+              <a:bodyPr rot="0" spcFirstLastPara="1" vertOverflow="ellipsis" vert="horz" wrap="square" lIns="38100" tIns="19050" rIns="38100" bIns="19050" anchor="ctr" anchorCtr="1">
+                <a:spAutoFit/>
+              </a:bodyPr>
+              <a:lstStyle/>
+              <a:p>
+                <a:pPr>
+                  <a:defRPr sz="1197" b="0" i="0" u="none" strike="noStrike" kern="1200" baseline="0">
+                    <a:solidFill>
+                      <a:schemeClr val="tx1">
+                        <a:lumMod val="75000"/>
+                        <a:lumOff val="25000"/>
+                      </a:schemeClr>
+                    </a:solidFill>
+                    <a:latin typeface="+mn-lt"/>
+                    <a:ea typeface="+mn-ea"/>
+                    <a:cs typeface="+mn-cs"/>
+                  </a:defRPr>
+                </a:pPr>
+                <a:endParaRPr lang="pl-PL"/>
+              </a:p>
+            </c:txPr>
+            <c:showLegendKey val="0"/>
+            <c:showVal val="1"/>
+            <c:showCatName val="0"/>
+            <c:showSerName val="0"/>
+            <c:showPercent val="0"/>
+            <c:showBubbleSize val="0"/>
+            <c:showLeaderLines val="0"/>
+            <c:extLst>
+              <c:ext xmlns:c15="http://schemas.microsoft.com/office/drawing/2012/chart" uri="{CE6537A1-D6FC-4f65-9D91-7224C49458BB}">
+                <c15:showLeaderLines val="1"/>
+                <c15:leaderLines>
+                  <c:spPr>
+                    <a:ln w="9525" cap="flat" cmpd="sng" algn="ctr">
+                      <a:solidFill>
+                        <a:schemeClr val="tx1">
+                          <a:lumMod val="35000"/>
+                          <a:lumOff val="65000"/>
+                        </a:schemeClr>
+                      </a:solidFill>
+                      <a:round/>
+                    </a:ln>
+                    <a:effectLst/>
+                  </c:spPr>
+                </c15:leaderLines>
+              </c:ext>
+            </c:extLst>
+          </c:dLbls>
+          <c:cat>
+            <c:strRef>
+              <c:f>Sheet1!$A$2:$A$4</c:f>
+              <c:strCache>
+                <c:ptCount val="3"/>
+                <c:pt idx="0">
+                  <c:v>&gt;3 customers</c:v>
+                </c:pt>
+                <c:pt idx="1">
+                  <c:v>3 customers</c:v>
+                </c:pt>
+                <c:pt idx="2">
+                  <c:v>2 customers</c:v>
+                </c:pt>
+              </c:strCache>
+            </c:strRef>
+          </c:cat>
+          <c:val>
+            <c:numRef>
+              <c:f>Sheet1!$B$2:$B$4</c:f>
+              <c:numCache>
+                <c:formatCode>General</c:formatCode>
+                <c:ptCount val="3"/>
+                <c:pt idx="0">
+                  <c:v>32</c:v>
+                </c:pt>
+                <c:pt idx="1">
+                  <c:v>49</c:v>
+                </c:pt>
+                <c:pt idx="2">
+                  <c:v>129</c:v>
+                </c:pt>
+              </c:numCache>
+            </c:numRef>
+          </c:val>
+          <c:extLst>
+            <c:ext xmlns:c16="http://schemas.microsoft.com/office/drawing/2014/chart" uri="{C3380CC4-5D6E-409C-BE32-E72D297353CC}">
+              <c16:uniqueId val="{00000000-7FD1-AF4F-B6CC-5BF11645460B}"/>
+            </c:ext>
+          </c:extLst>
+        </c:ser>
+        <c:dLbls>
+          <c:showLegendKey val="0"/>
+          <c:showVal val="0"/>
+          <c:showCatName val="0"/>
+          <c:showSerName val="0"/>
+          <c:showPercent val="0"/>
+          <c:showBubbleSize val="0"/>
+        </c:dLbls>
+        <c:gapWidth val="219"/>
+        <c:axId val="1537403584"/>
+        <c:axId val="1505042832"/>
+      </c:barChart>
+      <c:catAx>
+        <c:axId val="1537403584"/>
+        <c:scaling>
+          <c:orientation val="minMax"/>
+        </c:scaling>
+        <c:delete val="0"/>
+        <c:axPos val="l"/>
+        <c:numFmt formatCode="General" sourceLinked="1"/>
+        <c:majorTickMark val="none"/>
+        <c:minorTickMark val="none"/>
+        <c:tickLblPos val="nextTo"/>
+        <c:spPr>
+          <a:noFill/>
+          <a:ln w="9525" cap="flat" cmpd="sng" algn="ctr">
+            <a:solidFill>
+              <a:schemeClr val="tx1">
+                <a:lumMod val="15000"/>
+                <a:lumOff val="85000"/>
+              </a:schemeClr>
+            </a:solidFill>
+            <a:round/>
+          </a:ln>
+          <a:effectLst/>
+        </c:spPr>
+        <c:txPr>
+          <a:bodyPr rot="-60000000" spcFirstLastPara="1" vertOverflow="ellipsis" vert="horz" wrap="square" anchor="ctr" anchorCtr="1"/>
+          <a:lstStyle/>
+          <a:p>
+            <a:pPr>
+              <a:defRPr sz="1197" b="0" i="0" u="none" strike="noStrike" kern="1200" baseline="0">
+                <a:solidFill>
+                  <a:schemeClr val="tx1">
+                    <a:lumMod val="65000"/>
+                    <a:lumOff val="35000"/>
+                  </a:schemeClr>
+                </a:solidFill>
+                <a:latin typeface="+mn-lt"/>
+                <a:ea typeface="+mn-ea"/>
+                <a:cs typeface="+mn-cs"/>
+              </a:defRPr>
+            </a:pPr>
+            <a:endParaRPr lang="pl-PL"/>
+          </a:p>
+        </c:txPr>
+        <c:crossAx val="1505042832"/>
+        <c:crosses val="autoZero"/>
+        <c:auto val="1"/>
+        <c:lblAlgn val="ctr"/>
+        <c:lblOffset val="100"/>
+        <c:noMultiLvlLbl val="0"/>
+      </c:catAx>
+      <c:valAx>
+        <c:axId val="1505042832"/>
+        <c:scaling>
+          <c:orientation val="minMax"/>
+        </c:scaling>
+        <c:delete val="1"/>
+        <c:axPos val="b"/>
+        <c:majorGridlines>
+          <c:spPr>
+            <a:ln w="9525" cap="flat" cmpd="sng" algn="ctr">
+              <a:noFill/>
+              <a:round/>
+            </a:ln>
+            <a:effectLst/>
+          </c:spPr>
+        </c:majorGridlines>
+        <c:numFmt formatCode="General" sourceLinked="1"/>
+        <c:majorTickMark val="none"/>
+        <c:minorTickMark val="none"/>
+        <c:tickLblPos val="nextTo"/>
+        <c:crossAx val="1537403584"/>
+        <c:crosses val="autoZero"/>
+        <c:crossBetween val="between"/>
+      </c:valAx>
+      <c:spPr>
+        <a:noFill/>
+        <a:ln>
+          <a:noFill/>
+        </a:ln>
+        <a:effectLst/>
+      </c:spPr>
+    </c:plotArea>
+    <c:plotVisOnly val="1"/>
+    <c:dispBlanksAs val="gap"/>
+    <c:extLst>
+      <c:ext xmlns:c16r3="http://schemas.microsoft.com/office/drawing/2017/03/chart" uri="{56B9EC1D-385E-4148-901F-78D8002777C0}">
+        <c16r3:dataDisplayOptions16>
+          <c16r3:dispNaAsBlank val="1"/>
+        </c16r3:dataDisplayOptions16>
+      </c:ext>
+    </c:extLst>
+    <c:showDLblsOverMax val="0"/>
+  </c:chart>
+  <c:spPr>
+    <a:noFill/>
+    <a:ln>
+      <a:noFill/>
+    </a:ln>
+    <a:effectLst/>
+  </c:spPr>
+  <c:txPr>
+    <a:bodyPr/>
+    <a:lstStyle/>
+    <a:p>
+      <a:pPr>
+        <a:defRPr/>
+      </a:pPr>
+      <a:endParaRPr lang="pl-PL"/>
+    </a:p>
+  </c:txPr>
+  <c:externalData r:id="rId3">
+    <c:autoUpdate val="0"/>
+  </c:externalData>
+</c:chartSpace>
+</file>
+
+<file path=ppt/charts/colors1.xml><?xml version="1.0" encoding="utf-8"?>
+<cs:colorStyle xmlns:cs="http://schemas.microsoft.com/office/drawing/2012/chartStyle" xmlns:a="http://schemas.openxmlformats.org/drawingml/2006/main" meth="cycle" id="10">
+  <a:schemeClr val="accent1"/>
+  <a:schemeClr val="accent2"/>
+  <a:schemeClr val="accent3"/>
+  <a:schemeClr val="accent4"/>
+  <a:schemeClr val="accent5"/>
+  <a:schemeClr val="accent6"/>
+  <cs:variation/>
+  <cs:variation>
+    <a:lumMod val="60000"/>
+  </cs:variation>
+  <cs:variation>
+    <a:lumMod val="80000"/>
+    <a:lumOff val="20000"/>
+  </cs:variation>
+  <cs:variation>
+    <a:lumMod val="80000"/>
+  </cs:variation>
+  <cs:variation>
+    <a:lumMod val="60000"/>
+    <a:lumOff val="40000"/>
+  </cs:variation>
+  <cs:variation>
+    <a:lumMod val="50000"/>
+  </cs:variation>
+  <cs:variation>
+    <a:lumMod val="70000"/>
+    <a:lumOff val="30000"/>
+  </cs:variation>
+  <cs:variation>
+    <a:lumMod val="70000"/>
+  </cs:variation>
+  <cs:variation>
+    <a:lumMod val="50000"/>
+    <a:lumOff val="50000"/>
+  </cs:variation>
+</cs:colorStyle>
+</file>
+
+<file path=ppt/charts/colors2.xml><?xml version="1.0" encoding="utf-8"?>
+<cs:colorStyle xmlns:cs="http://schemas.microsoft.com/office/drawing/2012/chartStyle" xmlns:a="http://schemas.openxmlformats.org/drawingml/2006/main" meth="cycle" id="10">
+  <a:schemeClr val="accent1"/>
+  <a:schemeClr val="accent2"/>
+  <a:schemeClr val="accent3"/>
+  <a:schemeClr val="accent4"/>
+  <a:schemeClr val="accent5"/>
+  <a:schemeClr val="accent6"/>
+  <cs:variation/>
+  <cs:variation>
+    <a:lumMod val="60000"/>
+  </cs:variation>
+  <cs:variation>
+    <a:lumMod val="80000"/>
+    <a:lumOff val="20000"/>
+  </cs:variation>
+  <cs:variation>
+    <a:lumMod val="80000"/>
+  </cs:variation>
+  <cs:variation>
+    <a:lumMod val="60000"/>
+    <a:lumOff val="40000"/>
+  </cs:variation>
+  <cs:variation>
+    <a:lumMod val="50000"/>
+  </cs:variation>
+  <cs:variation>
+    <a:lumMod val="70000"/>
+    <a:lumOff val="30000"/>
+  </cs:variation>
+  <cs:variation>
+    <a:lumMod val="70000"/>
+  </cs:variation>
+  <cs:variation>
+    <a:lumMod val="50000"/>
+    <a:lumOff val="50000"/>
+  </cs:variation>
+</cs:colorStyle>
+</file>
+
+<file path=ppt/charts/colors3.xml><?xml version="1.0" encoding="utf-8"?>
+<cs:colorStyle xmlns:cs="http://schemas.microsoft.com/office/drawing/2012/chartStyle" xmlns:a="http://schemas.openxmlformats.org/drawingml/2006/main" meth="cycle" id="10">
+  <a:schemeClr val="accent1"/>
+  <a:schemeClr val="accent2"/>
+  <a:schemeClr val="accent3"/>
+  <a:schemeClr val="accent4"/>
+  <a:schemeClr val="accent5"/>
+  <a:schemeClr val="accent6"/>
+  <cs:variation/>
+  <cs:variation>
+    <a:lumMod val="60000"/>
+  </cs:variation>
+  <cs:variation>
+    <a:lumMod val="80000"/>
+    <a:lumOff val="20000"/>
+  </cs:variation>
+  <cs:variation>
+    <a:lumMod val="80000"/>
+  </cs:variation>
+  <cs:variation>
+    <a:lumMod val="60000"/>
+    <a:lumOff val="40000"/>
+  </cs:variation>
+  <cs:variation>
+    <a:lumMod val="50000"/>
+  </cs:variation>
+  <cs:variation>
+    <a:lumMod val="70000"/>
+    <a:lumOff val="30000"/>
+  </cs:variation>
+  <cs:variation>
+    <a:lumMod val="70000"/>
+  </cs:variation>
+  <cs:variation>
+    <a:lumMod val="50000"/>
+    <a:lumOff val="50000"/>
+  </cs:variation>
+</cs:colorStyle>
+</file>
+
+<file path=ppt/charts/colors4.xml><?xml version="1.0" encoding="utf-8"?>
+<cs:colorStyle xmlns:cs="http://schemas.microsoft.com/office/drawing/2012/chartStyle" xmlns:a="http://schemas.openxmlformats.org/drawingml/2006/main" meth="cycle" id="10">
+  <a:schemeClr val="accent1"/>
+  <a:schemeClr val="accent2"/>
+  <a:schemeClr val="accent3"/>
+  <a:schemeClr val="accent4"/>
+  <a:schemeClr val="accent5"/>
+  <a:schemeClr val="accent6"/>
+  <cs:variation/>
+  <cs:variation>
+    <a:lumMod val="60000"/>
+  </cs:variation>
+  <cs:variation>
+    <a:lumMod val="80000"/>
+    <a:lumOff val="20000"/>
+  </cs:variation>
+  <cs:variation>
+    <a:lumMod val="80000"/>
+  </cs:variation>
+  <cs:variation>
+    <a:lumMod val="60000"/>
+    <a:lumOff val="40000"/>
+  </cs:variation>
+  <cs:variation>
+    <a:lumMod val="50000"/>
+  </cs:variation>
+  <cs:variation>
+    <a:lumMod val="70000"/>
+    <a:lumOff val="30000"/>
+  </cs:variation>
+  <cs:variation>
+    <a:lumMod val="70000"/>
+  </cs:variation>
+  <cs:variation>
+    <a:lumMod val="50000"/>
+    <a:lumOff val="50000"/>
+  </cs:variation>
+</cs:colorStyle>
+</file>
+
+<file path=ppt/charts/colors5.xml><?xml version="1.0" encoding="utf-8"?>
+<cs:colorStyle xmlns:cs="http://schemas.microsoft.com/office/drawing/2012/chartStyle" xmlns:a="http://schemas.openxmlformats.org/drawingml/2006/main" meth="cycle" id="10">
+  <a:schemeClr val="accent1"/>
+  <a:schemeClr val="accent2"/>
+  <a:schemeClr val="accent3"/>
+  <a:schemeClr val="accent4"/>
+  <a:schemeClr val="accent5"/>
+  <a:schemeClr val="accent6"/>
+  <cs:variation/>
+  <cs:variation>
+    <a:lumMod val="60000"/>
+  </cs:variation>
+  <cs:variation>
+    <a:lumMod val="80000"/>
+    <a:lumOff val="20000"/>
+  </cs:variation>
+  <cs:variation>
+    <a:lumMod val="80000"/>
+  </cs:variation>
+  <cs:variation>
+    <a:lumMod val="60000"/>
+    <a:lumOff val="40000"/>
+  </cs:variation>
+  <cs:variation>
+    <a:lumMod val="50000"/>
+  </cs:variation>
+  <cs:variation>
+    <a:lumMod val="70000"/>
+    <a:lumOff val="30000"/>
+  </cs:variation>
+  <cs:variation>
+    <a:lumMod val="70000"/>
+  </cs:variation>
+  <cs:variation>
+    <a:lumMod val="50000"/>
+    <a:lumOff val="50000"/>
+  </cs:variation>
+</cs:colorStyle>
+</file>
+
+<file path=ppt/charts/style1.xml><?xml version="1.0" encoding="utf-8"?>
+<cs:chartStyle xmlns:cs="http://schemas.microsoft.com/office/drawing/2012/chartStyle" xmlns:a="http://schemas.openxmlformats.org/drawingml/2006/main" id="201">
+  <cs:axisTitle>
+    <cs:lnRef idx="0"/>
+    <cs:fillRef idx="0"/>
+    <cs:effectRef idx="0"/>
+    <cs:fontRef idx="minor">
+      <a:schemeClr val="tx1">
+        <a:lumMod val="65000"/>
+        <a:lumOff val="35000"/>
+      </a:schemeClr>
+    </cs:fontRef>
+    <cs:defRPr sz="1330" kern="1200"/>
+  </cs:axisTitle>
+  <cs:categoryAxis>
+    <cs:lnRef idx="0"/>
+    <cs:fillRef idx="0"/>
+    <cs:effectRef idx="0"/>
+    <cs:fontRef idx="minor">
+      <a:schemeClr val="tx1">
+        <a:lumMod val="65000"/>
+        <a:lumOff val="35000"/>
+      </a:schemeClr>
+    </cs:fontRef>
+    <cs:spPr>
+      <a:ln w="9525" cap="flat" cmpd="sng" algn="ctr">
+        <a:solidFill>
+          <a:schemeClr val="tx1">
+            <a:lumMod val="15000"/>
+            <a:lumOff val="85000"/>
+          </a:schemeClr>
+        </a:solidFill>
+        <a:round/>
+      </a:ln>
+    </cs:spPr>
+    <cs:defRPr sz="1197" kern="1200"/>
+  </cs:categoryAxis>
+  <cs:chartArea mods="allowNoFillOverride allowNoLineOverride">
+    <cs:lnRef idx="0"/>
+    <cs:fillRef idx="0"/>
+    <cs:effectRef idx="0"/>
+    <cs:fontRef idx="minor">
+      <a:schemeClr val="tx1"/>
+    </cs:fontRef>
+    <cs:spPr>
+      <a:solidFill>
+        <a:schemeClr val="bg1"/>
+      </a:solidFill>
+      <a:ln w="9525" cap="flat" cmpd="sng" algn="ctr">
+        <a:solidFill>
+          <a:schemeClr val="tx1">
+            <a:lumMod val="15000"/>
+            <a:lumOff val="85000"/>
+          </a:schemeClr>
+        </a:solidFill>
+        <a:round/>
+      </a:ln>
+    </cs:spPr>
+    <cs:defRPr sz="1330" kern="1200"/>
+  </cs:chartArea>
+  <cs:dataLabel>
+    <cs:lnRef idx="0"/>
+    <cs:fillRef idx="0"/>
+    <cs:effectRef idx="0"/>
+    <cs:fontRef idx="minor">
+      <a:schemeClr val="tx1">
+        <a:lumMod val="75000"/>
+        <a:lumOff val="25000"/>
+      </a:schemeClr>
+    </cs:fontRef>
+    <cs:defRPr sz="1197" kern="1200"/>
+  </cs:dataLabel>
+  <cs:dataLabelCallout>
+    <cs:lnRef idx="0"/>
+    <cs:fillRef idx="0"/>
+    <cs:effectRef idx="0"/>
+    <cs:fontRef idx="minor">
+      <a:schemeClr val="dk1">
+        <a:lumMod val="65000"/>
+        <a:lumOff val="35000"/>
+      </a:schemeClr>
+    </cs:fontRef>
+    <cs:spPr>
+      <a:solidFill>
+        <a:schemeClr val="lt1"/>
+      </a:solidFill>
+      <a:ln>
+        <a:solidFill>
+          <a:schemeClr val="dk1">
+            <a:lumMod val="25000"/>
+            <a:lumOff val="75000"/>
+          </a:schemeClr>
+        </a:solidFill>
+      </a:ln>
+    </cs:spPr>
+    <cs:defRPr sz="1197" kern="1200"/>
+    <cs:bodyPr rot="0" spcFirstLastPara="1" vertOverflow="clip" horzOverflow="clip" vert="horz" wrap="square" lIns="36576" tIns="18288" rIns="36576" bIns="18288" anchor="ctr" anchorCtr="1">
+      <a:spAutoFit/>
+    </cs:bodyPr>
+  </cs:dataLabelCallout>
+  <cs:dataPoint>
+    <cs:lnRef idx="0"/>
+    <cs:fillRef idx="1">
+      <cs:styleClr val="auto"/>
+    </cs:fillRef>
+    <cs:effectRef idx="0"/>
+    <cs:fontRef idx="minor">
+      <a:schemeClr val="tx1"/>
+    </cs:fontRef>
+  </cs:dataPoint>
+  <cs:dataPoint3D>
+    <cs:lnRef idx="0"/>
+    <cs:fillRef idx="1">
+      <cs:styleClr val="auto"/>
+    </cs:fillRef>
+    <cs:effectRef idx="0"/>
+    <cs:fontRef idx="minor">
+      <a:schemeClr val="tx1"/>
+    </cs:fontRef>
+  </cs:dataPoint3D>
+  <cs:dataPointLine>
+    <cs:lnRef idx="0">
+      <cs:styleClr val="auto"/>
+    </cs:lnRef>
+    <cs:fillRef idx="1"/>
+    <cs:effectRef idx="0"/>
+    <cs:fontRef idx="minor">
+      <a:schemeClr val="tx1"/>
+    </cs:fontRef>
+    <cs:spPr>
+      <a:ln w="28575" cap="rnd">
+        <a:solidFill>
+          <a:schemeClr val="phClr"/>
+        </a:solidFill>
+        <a:round/>
+      </a:ln>
+    </cs:spPr>
+  </cs:dataPointLine>
+  <cs:dataPointMarker>
+    <cs:lnRef idx="0">
+      <cs:styleClr val="auto"/>
+    </cs:lnRef>
+    <cs:fillRef idx="1">
+      <cs:styleClr val="auto"/>
+    </cs:fillRef>
+    <cs:effectRef idx="0"/>
+    <cs:fontRef idx="minor">
+      <a:schemeClr val="tx1"/>
+    </cs:fontRef>
+    <cs:spPr>
+      <a:ln w="9525">
+        <a:solidFill>
+          <a:schemeClr val="phClr"/>
+        </a:solidFill>
+      </a:ln>
+    </cs:spPr>
+  </cs:dataPointMarker>
+  <cs:dataPointMarkerLayout symbol="circle" size="5"/>
+  <cs:dataPointWireframe>
+    <cs:lnRef idx="0">
+      <cs:styleClr val="auto"/>
+    </cs:lnRef>
+    <cs:fillRef idx="1"/>
+    <cs:effectRef idx="0"/>
+    <cs:fontRef idx="minor">
+      <a:schemeClr val="tx1"/>
+    </cs:fontRef>
+    <cs:spPr>
+      <a:ln w="9525" cap="rnd">
+        <a:solidFill>
+          <a:schemeClr val="phClr"/>
+        </a:solidFill>
+        <a:round/>
+      </a:ln>
+    </cs:spPr>
+  </cs:dataPointWireframe>
+  <cs:dataTable>
+    <cs:lnRef idx="0"/>
+    <cs:fillRef idx="0"/>
+    <cs:effectRef idx="0"/>
+    <cs:fontRef idx="minor">
+      <a:schemeClr val="tx1">
+        <a:lumMod val="65000"/>
+        <a:lumOff val="35000"/>
+      </a:schemeClr>
+    </cs:fontRef>
+    <cs:spPr>
+      <a:noFill/>
+      <a:ln w="9525" cap="flat" cmpd="sng" algn="ctr">
+        <a:solidFill>
+          <a:schemeClr val="tx1">
+            <a:lumMod val="15000"/>
+            <a:lumOff val="85000"/>
+          </a:schemeClr>
+        </a:solidFill>
+        <a:round/>
+      </a:ln>
+    </cs:spPr>
+    <cs:defRPr sz="1197" kern="1200"/>
+  </cs:dataTable>
+  <cs:downBar>
+    <cs:lnRef idx="0"/>
+    <cs:fillRef idx="0"/>
+    <cs:effectRef idx="0"/>
+    <cs:fontRef idx="minor">
+      <a:schemeClr val="dk1"/>
+    </cs:fontRef>
+    <cs:spPr>
+      <a:solidFill>
+        <a:schemeClr val="dk1">
+          <a:lumMod val="65000"/>
+          <a:lumOff val="35000"/>
+        </a:schemeClr>
+      </a:solidFill>
+      <a:ln w="9525">
+        <a:solidFill>
+          <a:schemeClr val="tx1">
+            <a:lumMod val="65000"/>
+            <a:lumOff val="35000"/>
+          </a:schemeClr>
+        </a:solidFill>
+      </a:ln>
+    </cs:spPr>
+  </cs:downBar>
+  <cs:dropLine>
+    <cs:lnRef idx="0"/>
+    <cs:fillRef idx="0"/>
+    <cs:effectRef idx="0"/>
+    <cs:fontRef idx="minor">
+      <a:schemeClr val="tx1"/>
+    </cs:fontRef>
+    <cs:spPr>
+      <a:ln w="9525" cap="flat" cmpd="sng" algn="ctr">
+        <a:solidFill>
+          <a:schemeClr val="tx1">
+            <a:lumMod val="35000"/>
+            <a:lumOff val="65000"/>
+          </a:schemeClr>
+        </a:solidFill>
+        <a:round/>
+      </a:ln>
+    </cs:spPr>
+  </cs:dropLine>
+  <cs:errorBar>
+    <cs:lnRef idx="0"/>
+    <cs:fillRef idx="0"/>
+    <cs:effectRef idx="0"/>
+    <cs:fontRef idx="minor">
+      <a:schemeClr val="tx1"/>
+    </cs:fontRef>
+    <cs:spPr>
+      <a:ln w="9525" cap="flat" cmpd="sng" algn="ctr">
+        <a:solidFill>
+          <a:schemeClr val="tx1">
+            <a:lumMod val="65000"/>
+            <a:lumOff val="35000"/>
+          </a:schemeClr>
+        </a:solidFill>
+        <a:round/>
+      </a:ln>
+    </cs:spPr>
+  </cs:errorBar>
+  <cs:floor>
+    <cs:lnRef idx="0"/>
+    <cs:fillRef idx="0"/>
+    <cs:effectRef idx="0"/>
+    <cs:fontRef idx="minor">
+      <a:schemeClr val="tx1"/>
+    </cs:fontRef>
+    <cs:spPr>
+      <a:noFill/>
+      <a:ln>
+        <a:noFill/>
+      </a:ln>
+    </cs:spPr>
+  </cs:floor>
+  <cs:gridlineMajor>
+    <cs:lnRef idx="0"/>
+    <cs:fillRef idx="0"/>
+    <cs:effectRef idx="0"/>
+    <cs:fontRef idx="minor">
+      <a:schemeClr val="tx1"/>
+    </cs:fontRef>
+    <cs:spPr>
+      <a:ln w="9525" cap="flat" cmpd="sng" algn="ctr">
+        <a:solidFill>
+          <a:schemeClr val="tx1">
+            <a:lumMod val="15000"/>
+            <a:lumOff val="85000"/>
+          </a:schemeClr>
+        </a:solidFill>
+        <a:round/>
+      </a:ln>
+    </cs:spPr>
+  </cs:gridlineMajor>
+  <cs:gridlineMinor>
+    <cs:lnRef idx="0"/>
+    <cs:fillRef idx="0"/>
+    <cs:effectRef idx="0"/>
+    <cs:fontRef idx="minor">
+      <a:schemeClr val="tx1"/>
+    </cs:fontRef>
+    <cs:spPr>
+      <a:ln w="9525" cap="flat" cmpd="sng" algn="ctr">
+        <a:solidFill>
+          <a:schemeClr val="tx1">
+            <a:lumMod val="5000"/>
+            <a:lumOff val="95000"/>
+          </a:schemeClr>
+        </a:solidFill>
+        <a:round/>
+      </a:ln>
+    </cs:spPr>
+  </cs:gridlineMinor>
+  <cs:hiLoLine>
+    <cs:lnRef idx="0"/>
+    <cs:fillRef idx="0"/>
+    <cs:effectRef idx="0"/>
+    <cs:fontRef idx="minor">
+      <a:schemeClr val="tx1"/>
+    </cs:fontRef>
+    <cs:spPr>
+      <a:ln w="9525" cap="flat" cmpd="sng" algn="ctr">
+        <a:solidFill>
+          <a:schemeClr val="tx1">
+            <a:lumMod val="75000"/>
+            <a:lumOff val="25000"/>
+          </a:schemeClr>
+        </a:solidFill>
+        <a:round/>
+      </a:ln>
+    </cs:spPr>
+  </cs:hiLoLine>
+  <cs:leaderLine>
+    <cs:lnRef idx="0"/>
+    <cs:fillRef idx="0"/>
+    <cs:effectRef idx="0"/>
+    <cs:fontRef idx="minor">
+      <a:schemeClr val="tx1"/>
+    </cs:fontRef>
+    <cs:spPr>
+      <a:ln w="9525" cap="flat" cmpd="sng" algn="ctr">
+        <a:solidFill>
+          <a:schemeClr val="tx1">
+            <a:lumMod val="35000"/>
+            <a:lumOff val="65000"/>
+          </a:schemeClr>
+        </a:solidFill>
+        <a:round/>
+      </a:ln>
+    </cs:spPr>
+  </cs:leaderLine>
+  <cs:legend>
+    <cs:lnRef idx="0"/>
+    <cs:fillRef idx="0"/>
+    <cs:effectRef idx="0"/>
+    <cs:fontRef idx="minor">
+      <a:schemeClr val="tx1">
+        <a:lumMod val="65000"/>
+        <a:lumOff val="35000"/>
+      </a:schemeClr>
+    </cs:fontRef>
+    <cs:defRPr sz="1197" kern="1200"/>
+  </cs:legend>
+  <cs:plotArea mods="allowNoFillOverride allowNoLineOverride">
+    <cs:lnRef idx="0"/>
+    <cs:fillRef idx="0"/>
+    <cs:effectRef idx="0"/>
+    <cs:fontRef idx="minor">
+      <a:schemeClr val="tx1"/>
+    </cs:fontRef>
+  </cs:plotArea>
+  <cs:plotArea3D mods="allowNoFillOverride allowNoLineOverride">
+    <cs:lnRef idx="0"/>
+    <cs:fillRef idx="0"/>
+    <cs:effectRef idx="0"/>
+    <cs:fontRef idx="minor">
+      <a:schemeClr val="tx1"/>
+    </cs:fontRef>
+  </cs:plotArea3D>
+  <cs:seriesAxis>
+    <cs:lnRef idx="0"/>
+    <cs:fillRef idx="0"/>
+    <cs:effectRef idx="0"/>
+    <cs:fontRef idx="minor">
+      <a:schemeClr val="tx1">
+        <a:lumMod val="65000"/>
+        <a:lumOff val="35000"/>
+      </a:schemeClr>
+    </cs:fontRef>
+    <cs:defRPr sz="1197" kern="1200"/>
+  </cs:seriesAxis>
+  <cs:seriesLine>
+    <cs:lnRef idx="0"/>
+    <cs:fillRef idx="0"/>
+    <cs:effectRef idx="0"/>
+    <cs:fontRef idx="minor">
+      <a:schemeClr val="tx1"/>
+    </cs:fontRef>
+    <cs:spPr>
+      <a:ln w="9525" cap="flat" cmpd="sng" algn="ctr">
+        <a:solidFill>
+          <a:schemeClr val="tx1">
+            <a:lumMod val="35000"/>
+            <a:lumOff val="65000"/>
+          </a:schemeClr>
+        </a:solidFill>
+        <a:round/>
+      </a:ln>
+    </cs:spPr>
+  </cs:seriesLine>
+  <cs:title>
+    <cs:lnRef idx="0"/>
+    <cs:fillRef idx="0"/>
+    <cs:effectRef idx="0"/>
+    <cs:fontRef idx="minor">
+      <a:schemeClr val="tx1">
+        <a:lumMod val="65000"/>
+        <a:lumOff val="35000"/>
+      </a:schemeClr>
+    </cs:fontRef>
+    <cs:defRPr sz="1862" b="0" kern="1200" spc="0" baseline="0"/>
+  </cs:title>
+  <cs:trendline>
+    <cs:lnRef idx="0">
+      <cs:styleClr val="auto"/>
+    </cs:lnRef>
+    <cs:fillRef idx="0"/>
+    <cs:effectRef idx="0"/>
+    <cs:fontRef idx="minor">
+      <a:schemeClr val="tx1"/>
+    </cs:fontRef>
+    <cs:spPr>
+      <a:ln w="19050" cap="rnd">
+        <a:solidFill>
+          <a:schemeClr val="phClr"/>
+        </a:solidFill>
+        <a:prstDash val="sysDot"/>
+      </a:ln>
+    </cs:spPr>
+  </cs:trendline>
+  <cs:trendlineLabel>
+    <cs:lnRef idx="0"/>
+    <cs:fillRef idx="0"/>
+    <cs:effectRef idx="0"/>
+    <cs:fontRef idx="minor">
+      <a:schemeClr val="tx1">
+        <a:lumMod val="65000"/>
+        <a:lumOff val="35000"/>
+      </a:schemeClr>
+    </cs:fontRef>
+    <cs:defRPr sz="1197" kern="1200"/>
+  </cs:trendlineLabel>
+  <cs:upBar>
+    <cs:lnRef idx="0"/>
+    <cs:fillRef idx="0"/>
+    <cs:effectRef idx="0"/>
+    <cs:fontRef idx="minor">
+      <a:schemeClr val="dk1"/>
+    </cs:fontRef>
+    <cs:spPr>
+      <a:solidFill>
+        <a:schemeClr val="lt1"/>
+      </a:solidFill>
+      <a:ln w="9525">
+        <a:solidFill>
+          <a:schemeClr val="tx1">
+            <a:lumMod val="15000"/>
+            <a:lumOff val="85000"/>
+          </a:schemeClr>
+        </a:solidFill>
+      </a:ln>
+    </cs:spPr>
+  </cs:upBar>
+  <cs:valueAxis>
+    <cs:lnRef idx="0"/>
+    <cs:fillRef idx="0"/>
+    <cs:effectRef idx="0"/>
+    <cs:fontRef idx="minor">
+      <a:schemeClr val="tx1">
+        <a:lumMod val="65000"/>
+        <a:lumOff val="35000"/>
+      </a:schemeClr>
+    </cs:fontRef>
+    <cs:defRPr sz="1197" kern="1200"/>
+  </cs:valueAxis>
+  <cs:wall>
+    <cs:lnRef idx="0"/>
+    <cs:fillRef idx="0"/>
+    <cs:effectRef idx="0"/>
+    <cs:fontRef idx="minor">
+      <a:schemeClr val="tx1"/>
+    </cs:fontRef>
+    <cs:spPr>
+      <a:noFill/>
+      <a:ln>
+        <a:noFill/>
+      </a:ln>
+    </cs:spPr>
+  </cs:wall>
+</cs:chartStyle>
+</file>
+
+<file path=ppt/charts/style2.xml><?xml version="1.0" encoding="utf-8"?>
+<cs:chartStyle xmlns:cs="http://schemas.microsoft.com/office/drawing/2012/chartStyle" xmlns:a="http://schemas.openxmlformats.org/drawingml/2006/main" id="201">
+  <cs:axisTitle>
+    <cs:lnRef idx="0"/>
+    <cs:fillRef idx="0"/>
+    <cs:effectRef idx="0"/>
+    <cs:fontRef idx="minor">
+      <a:schemeClr val="tx1">
+        <a:lumMod val="65000"/>
+        <a:lumOff val="35000"/>
+      </a:schemeClr>
+    </cs:fontRef>
+    <cs:defRPr sz="1330" kern="1200"/>
+  </cs:axisTitle>
+  <cs:categoryAxis>
+    <cs:lnRef idx="0"/>
+    <cs:fillRef idx="0"/>
+    <cs:effectRef idx="0"/>
+    <cs:fontRef idx="minor">
+      <a:schemeClr val="tx1">
+        <a:lumMod val="65000"/>
+        <a:lumOff val="35000"/>
+      </a:schemeClr>
+    </cs:fontRef>
+    <cs:spPr>
+      <a:ln w="9525" cap="flat" cmpd="sng" algn="ctr">
+        <a:solidFill>
+          <a:schemeClr val="tx1">
+            <a:lumMod val="15000"/>
+            <a:lumOff val="85000"/>
+          </a:schemeClr>
+        </a:solidFill>
+        <a:round/>
+      </a:ln>
+    </cs:spPr>
+    <cs:defRPr sz="1197" kern="1200"/>
+  </cs:categoryAxis>
+  <cs:chartArea mods="allowNoFillOverride allowNoLineOverride">
+    <cs:lnRef idx="0"/>
+    <cs:fillRef idx="0"/>
+    <cs:effectRef idx="0"/>
+    <cs:fontRef idx="minor">
+      <a:schemeClr val="tx1"/>
+    </cs:fontRef>
+    <cs:spPr>
+      <a:solidFill>
+        <a:schemeClr val="bg1"/>
+      </a:solidFill>
+      <a:ln w="9525" cap="flat" cmpd="sng" algn="ctr">
+        <a:solidFill>
+          <a:schemeClr val="tx1">
+            <a:lumMod val="15000"/>
+            <a:lumOff val="85000"/>
+          </a:schemeClr>
+        </a:solidFill>
+        <a:round/>
+      </a:ln>
+    </cs:spPr>
+    <cs:defRPr sz="1330" kern="1200"/>
+  </cs:chartArea>
+  <cs:dataLabel>
+    <cs:lnRef idx="0"/>
+    <cs:fillRef idx="0"/>
+    <cs:effectRef idx="0"/>
+    <cs:fontRef idx="minor">
+      <a:schemeClr val="tx1">
+        <a:lumMod val="75000"/>
+        <a:lumOff val="25000"/>
+      </a:schemeClr>
+    </cs:fontRef>
+    <cs:defRPr sz="1197" kern="1200"/>
+  </cs:dataLabel>
+  <cs:dataLabelCallout>
+    <cs:lnRef idx="0"/>
+    <cs:fillRef idx="0"/>
+    <cs:effectRef idx="0"/>
+    <cs:fontRef idx="minor">
+      <a:schemeClr val="dk1">
+        <a:lumMod val="65000"/>
+        <a:lumOff val="35000"/>
+      </a:schemeClr>
+    </cs:fontRef>
+    <cs:spPr>
+      <a:solidFill>
+        <a:schemeClr val="lt1"/>
+      </a:solidFill>
+      <a:ln>
+        <a:solidFill>
+          <a:schemeClr val="dk1">
+            <a:lumMod val="25000"/>
+            <a:lumOff val="75000"/>
+          </a:schemeClr>
+        </a:solidFill>
+      </a:ln>
+    </cs:spPr>
+    <cs:defRPr sz="1197" kern="1200"/>
+    <cs:bodyPr rot="0" spcFirstLastPara="1" vertOverflow="clip" horzOverflow="clip" vert="horz" wrap="square" lIns="36576" tIns="18288" rIns="36576" bIns="18288" anchor="ctr" anchorCtr="1">
+      <a:spAutoFit/>
+    </cs:bodyPr>
+  </cs:dataLabelCallout>
+  <cs:dataPoint>
+    <cs:lnRef idx="0"/>
+    <cs:fillRef idx="1">
+      <cs:styleClr val="auto"/>
+    </cs:fillRef>
+    <cs:effectRef idx="0"/>
+    <cs:fontRef idx="minor">
+      <a:schemeClr val="tx1"/>
+    </cs:fontRef>
+  </cs:dataPoint>
+  <cs:dataPoint3D>
+    <cs:lnRef idx="0"/>
+    <cs:fillRef idx="1">
+      <cs:styleClr val="auto"/>
+    </cs:fillRef>
+    <cs:effectRef idx="0"/>
+    <cs:fontRef idx="minor">
+      <a:schemeClr val="tx1"/>
+    </cs:fontRef>
+  </cs:dataPoint3D>
+  <cs:dataPointLine>
+    <cs:lnRef idx="0">
+      <cs:styleClr val="auto"/>
+    </cs:lnRef>
+    <cs:fillRef idx="1"/>
+    <cs:effectRef idx="0"/>
+    <cs:fontRef idx="minor">
+      <a:schemeClr val="tx1"/>
+    </cs:fontRef>
+    <cs:spPr>
+      <a:ln w="28575" cap="rnd">
+        <a:solidFill>
+          <a:schemeClr val="phClr"/>
+        </a:solidFill>
+        <a:round/>
+      </a:ln>
+    </cs:spPr>
+  </cs:dataPointLine>
+  <cs:dataPointMarker>
+    <cs:lnRef idx="0">
+      <cs:styleClr val="auto"/>
+    </cs:lnRef>
+    <cs:fillRef idx="1">
+      <cs:styleClr val="auto"/>
+    </cs:fillRef>
+    <cs:effectRef idx="0"/>
+    <cs:fontRef idx="minor">
+      <a:schemeClr val="tx1"/>
+    </cs:fontRef>
+    <cs:spPr>
+      <a:ln w="9525">
+        <a:solidFill>
+          <a:schemeClr val="phClr"/>
+        </a:solidFill>
+      </a:ln>
+    </cs:spPr>
+  </cs:dataPointMarker>
+  <cs:dataPointMarkerLayout symbol="circle" size="5"/>
+  <cs:dataPointWireframe>
+    <cs:lnRef idx="0">
+      <cs:styleClr val="auto"/>
+    </cs:lnRef>
+    <cs:fillRef idx="1"/>
+    <cs:effectRef idx="0"/>
+    <cs:fontRef idx="minor">
+      <a:schemeClr val="tx1"/>
+    </cs:fontRef>
+    <cs:spPr>
+      <a:ln w="9525" cap="rnd">
+        <a:solidFill>
+          <a:schemeClr val="phClr"/>
+        </a:solidFill>
+        <a:round/>
+      </a:ln>
+    </cs:spPr>
+  </cs:dataPointWireframe>
+  <cs:dataTable>
+    <cs:lnRef idx="0"/>
+    <cs:fillRef idx="0"/>
+    <cs:effectRef idx="0"/>
+    <cs:fontRef idx="minor">
+      <a:schemeClr val="tx1">
+        <a:lumMod val="65000"/>
+        <a:lumOff val="35000"/>
+      </a:schemeClr>
+    </cs:fontRef>
+    <cs:spPr>
+      <a:noFill/>
+      <a:ln w="9525" cap="flat" cmpd="sng" algn="ctr">
+        <a:solidFill>
+          <a:schemeClr val="tx1">
+            <a:lumMod val="15000"/>
+            <a:lumOff val="85000"/>
+          </a:schemeClr>
+        </a:solidFill>
+        <a:round/>
+      </a:ln>
+    </cs:spPr>
+    <cs:defRPr sz="1197" kern="1200"/>
+  </cs:dataTable>
+  <cs:downBar>
+    <cs:lnRef idx="0"/>
+    <cs:fillRef idx="0"/>
+    <cs:effectRef idx="0"/>
+    <cs:fontRef idx="minor">
+      <a:schemeClr val="dk1"/>
+    </cs:fontRef>
+    <cs:spPr>
+      <a:solidFill>
+        <a:schemeClr val="dk1">
+          <a:lumMod val="65000"/>
+          <a:lumOff val="35000"/>
+        </a:schemeClr>
+      </a:solidFill>
+      <a:ln w="9525">
+        <a:solidFill>
+          <a:schemeClr val="tx1">
+            <a:lumMod val="65000"/>
+            <a:lumOff val="35000"/>
+          </a:schemeClr>
+        </a:solidFill>
+      </a:ln>
+    </cs:spPr>
+  </cs:downBar>
+  <cs:dropLine>
+    <cs:lnRef idx="0"/>
+    <cs:fillRef idx="0"/>
+    <cs:effectRef idx="0"/>
+    <cs:fontRef idx="minor">
+      <a:schemeClr val="tx1"/>
+    </cs:fontRef>
+    <cs:spPr>
+      <a:ln w="9525" cap="flat" cmpd="sng" algn="ctr">
+        <a:solidFill>
+          <a:schemeClr val="tx1">
+            <a:lumMod val="35000"/>
+            <a:lumOff val="65000"/>
+          </a:schemeClr>
+        </a:solidFill>
+        <a:round/>
+      </a:ln>
+    </cs:spPr>
+  </cs:dropLine>
+  <cs:errorBar>
+    <cs:lnRef idx="0"/>
+    <cs:fillRef idx="0"/>
+    <cs:effectRef idx="0"/>
+    <cs:fontRef idx="minor">
+      <a:schemeClr val="tx1"/>
+    </cs:fontRef>
+    <cs:spPr>
+      <a:ln w="9525" cap="flat" cmpd="sng" algn="ctr">
+        <a:solidFill>
+          <a:schemeClr val="tx1">
+            <a:lumMod val="65000"/>
+            <a:lumOff val="35000"/>
+          </a:schemeClr>
+        </a:solidFill>
+        <a:round/>
+      </a:ln>
+    </cs:spPr>
+  </cs:errorBar>
+  <cs:floor>
+    <cs:lnRef idx="0"/>
+    <cs:fillRef idx="0"/>
+    <cs:effectRef idx="0"/>
+    <cs:fontRef idx="minor">
+      <a:schemeClr val="tx1"/>
+    </cs:fontRef>
+    <cs:spPr>
+      <a:noFill/>
+      <a:ln>
+        <a:noFill/>
+      </a:ln>
+    </cs:spPr>
+  </cs:floor>
+  <cs:gridlineMajor>
+    <cs:lnRef idx="0"/>
+    <cs:fillRef idx="0"/>
+    <cs:effectRef idx="0"/>
+    <cs:fontRef idx="minor">
+      <a:schemeClr val="tx1"/>
+    </cs:fontRef>
+    <cs:spPr>
+      <a:ln w="9525" cap="flat" cmpd="sng" algn="ctr">
+        <a:solidFill>
+          <a:schemeClr val="tx1">
+            <a:lumMod val="15000"/>
+            <a:lumOff val="85000"/>
+          </a:schemeClr>
+        </a:solidFill>
+        <a:round/>
+      </a:ln>
+    </cs:spPr>
+  </cs:gridlineMajor>
+  <cs:gridlineMinor>
+    <cs:lnRef idx="0"/>
+    <cs:fillRef idx="0"/>
+    <cs:effectRef idx="0"/>
+    <cs:fontRef idx="minor">
+      <a:schemeClr val="tx1"/>
+    </cs:fontRef>
+    <cs:spPr>
+      <a:ln w="9525" cap="flat" cmpd="sng" algn="ctr">
+        <a:solidFill>
+          <a:schemeClr val="tx1">
+            <a:lumMod val="5000"/>
+            <a:lumOff val="95000"/>
+          </a:schemeClr>
+        </a:solidFill>
+        <a:round/>
+      </a:ln>
+    </cs:spPr>
+  </cs:gridlineMinor>
+  <cs:hiLoLine>
+    <cs:lnRef idx="0"/>
+    <cs:fillRef idx="0"/>
+    <cs:effectRef idx="0"/>
+    <cs:fontRef idx="minor">
+      <a:schemeClr val="tx1"/>
+    </cs:fontRef>
+    <cs:spPr>
+      <a:ln w="9525" cap="flat" cmpd="sng" algn="ctr">
+        <a:solidFill>
+          <a:schemeClr val="tx1">
+            <a:lumMod val="75000"/>
+            <a:lumOff val="25000"/>
+          </a:schemeClr>
+        </a:solidFill>
+        <a:round/>
+      </a:ln>
+    </cs:spPr>
+  </cs:hiLoLine>
+  <cs:leaderLine>
+    <cs:lnRef idx="0"/>
+    <cs:fillRef idx="0"/>
+    <cs:effectRef idx="0"/>
+    <cs:fontRef idx="minor">
+      <a:schemeClr val="tx1"/>
+    </cs:fontRef>
+    <cs:spPr>
+      <a:ln w="9525" cap="flat" cmpd="sng" algn="ctr">
+        <a:solidFill>
+          <a:schemeClr val="tx1">
+            <a:lumMod val="35000"/>
+            <a:lumOff val="65000"/>
+          </a:schemeClr>
+        </a:solidFill>
+        <a:round/>
+      </a:ln>
+    </cs:spPr>
+  </cs:leaderLine>
+  <cs:legend>
+    <cs:lnRef idx="0"/>
+    <cs:fillRef idx="0"/>
+    <cs:effectRef idx="0"/>
+    <cs:fontRef idx="minor">
+      <a:schemeClr val="tx1">
+        <a:lumMod val="65000"/>
+        <a:lumOff val="35000"/>
+      </a:schemeClr>
+    </cs:fontRef>
+    <cs:defRPr sz="1197" kern="1200"/>
+  </cs:legend>
+  <cs:plotArea mods="allowNoFillOverride allowNoLineOverride">
+    <cs:lnRef idx="0"/>
+    <cs:fillRef idx="0"/>
+    <cs:effectRef idx="0"/>
+    <cs:fontRef idx="minor">
+      <a:schemeClr val="tx1"/>
+    </cs:fontRef>
+  </cs:plotArea>
+  <cs:plotArea3D mods="allowNoFillOverride allowNoLineOverride">
+    <cs:lnRef idx="0"/>
+    <cs:fillRef idx="0"/>
+    <cs:effectRef idx="0"/>
+    <cs:fontRef idx="minor">
+      <a:schemeClr val="tx1"/>
+    </cs:fontRef>
+  </cs:plotArea3D>
+  <cs:seriesAxis>
+    <cs:lnRef idx="0"/>
+    <cs:fillRef idx="0"/>
+    <cs:effectRef idx="0"/>
+    <cs:fontRef idx="minor">
+      <a:schemeClr val="tx1">
+        <a:lumMod val="65000"/>
+        <a:lumOff val="35000"/>
+      </a:schemeClr>
+    </cs:fontRef>
+    <cs:defRPr sz="1197" kern="1200"/>
+  </cs:seriesAxis>
+  <cs:seriesLine>
+    <cs:lnRef idx="0"/>
+    <cs:fillRef idx="0"/>
+    <cs:effectRef idx="0"/>
+    <cs:fontRef idx="minor">
+      <a:schemeClr val="tx1"/>
+    </cs:fontRef>
+    <cs:spPr>
+      <a:ln w="9525" cap="flat" cmpd="sng" algn="ctr">
+        <a:solidFill>
+          <a:schemeClr val="tx1">
+            <a:lumMod val="35000"/>
+            <a:lumOff val="65000"/>
+          </a:schemeClr>
+        </a:solidFill>
+        <a:round/>
+      </a:ln>
+    </cs:spPr>
+  </cs:seriesLine>
+  <cs:title>
+    <cs:lnRef idx="0"/>
+    <cs:fillRef idx="0"/>
+    <cs:effectRef idx="0"/>
+    <cs:fontRef idx="minor">
+      <a:schemeClr val="tx1">
+        <a:lumMod val="65000"/>
+        <a:lumOff val="35000"/>
+      </a:schemeClr>
+    </cs:fontRef>
+    <cs:defRPr sz="1862" b="0" kern="1200" spc="0" baseline="0"/>
+  </cs:title>
+  <cs:trendline>
+    <cs:lnRef idx="0">
+      <cs:styleClr val="auto"/>
+    </cs:lnRef>
+    <cs:fillRef idx="0"/>
+    <cs:effectRef idx="0"/>
+    <cs:fontRef idx="minor">
+      <a:schemeClr val="tx1"/>
+    </cs:fontRef>
+    <cs:spPr>
+      <a:ln w="19050" cap="rnd">
+        <a:solidFill>
+          <a:schemeClr val="phClr"/>
+        </a:solidFill>
+        <a:prstDash val="sysDot"/>
+      </a:ln>
+    </cs:spPr>
+  </cs:trendline>
+  <cs:trendlineLabel>
+    <cs:lnRef idx="0"/>
+    <cs:fillRef idx="0"/>
+    <cs:effectRef idx="0"/>
+    <cs:fontRef idx="minor">
+      <a:schemeClr val="tx1">
+        <a:lumMod val="65000"/>
+        <a:lumOff val="35000"/>
+      </a:schemeClr>
+    </cs:fontRef>
+    <cs:defRPr sz="1197" kern="1200"/>
+  </cs:trendlineLabel>
+  <cs:upBar>
+    <cs:lnRef idx="0"/>
+    <cs:fillRef idx="0"/>
+    <cs:effectRef idx="0"/>
+    <cs:fontRef idx="minor">
+      <a:schemeClr val="dk1"/>
+    </cs:fontRef>
+    <cs:spPr>
+      <a:solidFill>
+        <a:schemeClr val="lt1"/>
+      </a:solidFill>
+      <a:ln w="9525">
+        <a:solidFill>
+          <a:schemeClr val="tx1">
+            <a:lumMod val="15000"/>
+            <a:lumOff val="85000"/>
+          </a:schemeClr>
+        </a:solidFill>
+      </a:ln>
+    </cs:spPr>
+  </cs:upBar>
+  <cs:valueAxis>
+    <cs:lnRef idx="0"/>
+    <cs:fillRef idx="0"/>
+    <cs:effectRef idx="0"/>
+    <cs:fontRef idx="minor">
+      <a:schemeClr val="tx1">
+        <a:lumMod val="65000"/>
+        <a:lumOff val="35000"/>
+      </a:schemeClr>
+    </cs:fontRef>
+    <cs:defRPr sz="1197" kern="1200"/>
+  </cs:valueAxis>
+  <cs:wall>
+    <cs:lnRef idx="0"/>
+    <cs:fillRef idx="0"/>
+    <cs:effectRef idx="0"/>
+    <cs:fontRef idx="minor">
+      <a:schemeClr val="tx1"/>
+    </cs:fontRef>
+    <cs:spPr>
+      <a:noFill/>
+      <a:ln>
+        <a:noFill/>
+      </a:ln>
+    </cs:spPr>
+  </cs:wall>
+</cs:chartStyle>
+</file>
+
+<file path=ppt/charts/style3.xml><?xml version="1.0" encoding="utf-8"?>
+<cs:chartStyle xmlns:cs="http://schemas.microsoft.com/office/drawing/2012/chartStyle" xmlns:a="http://schemas.openxmlformats.org/drawingml/2006/main" id="201">
+  <cs:axisTitle>
+    <cs:lnRef idx="0"/>
+    <cs:fillRef idx="0"/>
+    <cs:effectRef idx="0"/>
+    <cs:fontRef idx="minor">
+      <a:schemeClr val="tx1">
+        <a:lumMod val="65000"/>
+        <a:lumOff val="35000"/>
+      </a:schemeClr>
+    </cs:fontRef>
+    <cs:defRPr sz="1330" kern="1200"/>
+  </cs:axisTitle>
+  <cs:categoryAxis>
+    <cs:lnRef idx="0"/>
+    <cs:fillRef idx="0"/>
+    <cs:effectRef idx="0"/>
+    <cs:fontRef idx="minor">
+      <a:schemeClr val="tx1">
+        <a:lumMod val="65000"/>
+        <a:lumOff val="35000"/>
+      </a:schemeClr>
+    </cs:fontRef>
+    <cs:spPr>
+      <a:ln w="9525" cap="flat" cmpd="sng" algn="ctr">
+        <a:solidFill>
+          <a:schemeClr val="tx1">
+            <a:lumMod val="15000"/>
+            <a:lumOff val="85000"/>
+          </a:schemeClr>
+        </a:solidFill>
+        <a:round/>
+      </a:ln>
+    </cs:spPr>
+    <cs:defRPr sz="1197" kern="1200"/>
+  </cs:categoryAxis>
+  <cs:chartArea mods="allowNoFillOverride allowNoLineOverride">
+    <cs:lnRef idx="0"/>
+    <cs:fillRef idx="0"/>
+    <cs:effectRef idx="0"/>
+    <cs:fontRef idx="minor">
+      <a:schemeClr val="tx1"/>
+    </cs:fontRef>
+    <cs:spPr>
+      <a:solidFill>
+        <a:schemeClr val="bg1"/>
+      </a:solidFill>
+      <a:ln w="9525" cap="flat" cmpd="sng" algn="ctr">
+        <a:solidFill>
+          <a:schemeClr val="tx1">
+            <a:lumMod val="15000"/>
+            <a:lumOff val="85000"/>
+          </a:schemeClr>
+        </a:solidFill>
+        <a:round/>
+      </a:ln>
+    </cs:spPr>
+    <cs:defRPr sz="1330" kern="1200"/>
+  </cs:chartArea>
+  <cs:dataLabel>
+    <cs:lnRef idx="0"/>
+    <cs:fillRef idx="0"/>
+    <cs:effectRef idx="0"/>
+    <cs:fontRef idx="minor">
+      <a:schemeClr val="tx1">
+        <a:lumMod val="75000"/>
+        <a:lumOff val="25000"/>
+      </a:schemeClr>
+    </cs:fontRef>
+    <cs:defRPr sz="1197" kern="1200"/>
+  </cs:dataLabel>
+  <cs:dataLabelCallout>
+    <cs:lnRef idx="0"/>
+    <cs:fillRef idx="0"/>
+    <cs:effectRef idx="0"/>
+    <cs:fontRef idx="minor">
+      <a:schemeClr val="dk1">
+        <a:lumMod val="65000"/>
+        <a:lumOff val="35000"/>
+      </a:schemeClr>
+    </cs:fontRef>
+    <cs:spPr>
+      <a:solidFill>
+        <a:schemeClr val="lt1"/>
+      </a:solidFill>
+      <a:ln>
+        <a:solidFill>
+          <a:schemeClr val="dk1">
+            <a:lumMod val="25000"/>
+            <a:lumOff val="75000"/>
+          </a:schemeClr>
+        </a:solidFill>
+      </a:ln>
+    </cs:spPr>
+    <cs:defRPr sz="1197" kern="1200"/>
+    <cs:bodyPr rot="0" spcFirstLastPara="1" vertOverflow="clip" horzOverflow="clip" vert="horz" wrap="square" lIns="36576" tIns="18288" rIns="36576" bIns="18288" anchor="ctr" anchorCtr="1">
+      <a:spAutoFit/>
+    </cs:bodyPr>
+  </cs:dataLabelCallout>
+  <cs:dataPoint>
+    <cs:lnRef idx="0"/>
+    <cs:fillRef idx="1">
+      <cs:styleClr val="auto"/>
+    </cs:fillRef>
+    <cs:effectRef idx="0"/>
+    <cs:fontRef idx="minor">
+      <a:schemeClr val="tx1"/>
+    </cs:fontRef>
+  </cs:dataPoint>
+  <cs:dataPoint3D>
+    <cs:lnRef idx="0"/>
+    <cs:fillRef idx="1">
+      <cs:styleClr val="auto"/>
+    </cs:fillRef>
+    <cs:effectRef idx="0"/>
+    <cs:fontRef idx="minor">
+      <a:schemeClr val="tx1"/>
+    </cs:fontRef>
+  </cs:dataPoint3D>
+  <cs:dataPointLine>
+    <cs:lnRef idx="0">
+      <cs:styleClr val="auto"/>
+    </cs:lnRef>
+    <cs:fillRef idx="1"/>
+    <cs:effectRef idx="0"/>
+    <cs:fontRef idx="minor">
+      <a:schemeClr val="tx1"/>
+    </cs:fontRef>
+    <cs:spPr>
+      <a:ln w="28575" cap="rnd">
+        <a:solidFill>
+          <a:schemeClr val="phClr"/>
+        </a:solidFill>
+        <a:round/>
+      </a:ln>
+    </cs:spPr>
+  </cs:dataPointLine>
+  <cs:dataPointMarker>
+    <cs:lnRef idx="0">
+      <cs:styleClr val="auto"/>
+    </cs:lnRef>
+    <cs:fillRef idx="1">
+      <cs:styleClr val="auto"/>
+    </cs:fillRef>
+    <cs:effectRef idx="0"/>
+    <cs:fontRef idx="minor">
+      <a:schemeClr val="tx1"/>
+    </cs:fontRef>
+    <cs:spPr>
+      <a:ln w="9525">
+        <a:solidFill>
+          <a:schemeClr val="phClr"/>
+        </a:solidFill>
+      </a:ln>
+    </cs:spPr>
+  </cs:dataPointMarker>
+  <cs:dataPointMarkerLayout symbol="circle" size="5"/>
+  <cs:dataPointWireframe>
+    <cs:lnRef idx="0">
+      <cs:styleClr val="auto"/>
+    </cs:lnRef>
+    <cs:fillRef idx="1"/>
+    <cs:effectRef idx="0"/>
+    <cs:fontRef idx="minor">
+      <a:schemeClr val="tx1"/>
+    </cs:fontRef>
+    <cs:spPr>
+      <a:ln w="9525" cap="rnd">
+        <a:solidFill>
+          <a:schemeClr val="phClr"/>
+        </a:solidFill>
+        <a:round/>
+      </a:ln>
+    </cs:spPr>
+  </cs:dataPointWireframe>
+  <cs:dataTable>
+    <cs:lnRef idx="0"/>
+    <cs:fillRef idx="0"/>
+    <cs:effectRef idx="0"/>
+    <cs:fontRef idx="minor">
+      <a:schemeClr val="tx1">
+        <a:lumMod val="65000"/>
+        <a:lumOff val="35000"/>
+      </a:schemeClr>
+    </cs:fontRef>
+    <cs:spPr>
+      <a:noFill/>
+      <a:ln w="9525" cap="flat" cmpd="sng" algn="ctr">
+        <a:solidFill>
+          <a:schemeClr val="tx1">
+            <a:lumMod val="15000"/>
+            <a:lumOff val="85000"/>
+          </a:schemeClr>
+        </a:solidFill>
+        <a:round/>
+      </a:ln>
+    </cs:spPr>
+    <cs:defRPr sz="1197" kern="1200"/>
+  </cs:dataTable>
+  <cs:downBar>
+    <cs:lnRef idx="0"/>
+    <cs:fillRef idx="0"/>
+    <cs:effectRef idx="0"/>
+    <cs:fontRef idx="minor">
+      <a:schemeClr val="dk1"/>
+    </cs:fontRef>
+    <cs:spPr>
+      <a:solidFill>
+        <a:schemeClr val="dk1">
+          <a:lumMod val="65000"/>
+          <a:lumOff val="35000"/>
+        </a:schemeClr>
+      </a:solidFill>
+      <a:ln w="9525">
+        <a:solidFill>
+          <a:schemeClr val="tx1">
+            <a:lumMod val="65000"/>
+            <a:lumOff val="35000"/>
+          </a:schemeClr>
+        </a:solidFill>
+      </a:ln>
+    </cs:spPr>
+  </cs:downBar>
+  <cs:dropLine>
+    <cs:lnRef idx="0"/>
+    <cs:fillRef idx="0"/>
+    <cs:effectRef idx="0"/>
+    <cs:fontRef idx="minor">
+      <a:schemeClr val="tx1"/>
+    </cs:fontRef>
+    <cs:spPr>
+      <a:ln w="9525" cap="flat" cmpd="sng" algn="ctr">
+        <a:solidFill>
+          <a:schemeClr val="tx1">
+            <a:lumMod val="35000"/>
+            <a:lumOff val="65000"/>
+          </a:schemeClr>
+        </a:solidFill>
+        <a:round/>
+      </a:ln>
+    </cs:spPr>
+  </cs:dropLine>
+  <cs:errorBar>
+    <cs:lnRef idx="0"/>
+    <cs:fillRef idx="0"/>
+    <cs:effectRef idx="0"/>
+    <cs:fontRef idx="minor">
+      <a:schemeClr val="tx1"/>
+    </cs:fontRef>
+    <cs:spPr>
+      <a:ln w="9525" cap="flat" cmpd="sng" algn="ctr">
+        <a:solidFill>
+          <a:schemeClr val="tx1">
+            <a:lumMod val="65000"/>
+            <a:lumOff val="35000"/>
+          </a:schemeClr>
+        </a:solidFill>
+        <a:round/>
+      </a:ln>
+    </cs:spPr>
+  </cs:errorBar>
+  <cs:floor>
+    <cs:lnRef idx="0"/>
+    <cs:fillRef idx="0"/>
+    <cs:effectRef idx="0"/>
+    <cs:fontRef idx="minor">
+      <a:schemeClr val="tx1"/>
+    </cs:fontRef>
+    <cs:spPr>
+      <a:noFill/>
+      <a:ln>
+        <a:noFill/>
+      </a:ln>
+    </cs:spPr>
+  </cs:floor>
+  <cs:gridlineMajor>
+    <cs:lnRef idx="0"/>
+    <cs:fillRef idx="0"/>
+    <cs:effectRef idx="0"/>
+    <cs:fontRef idx="minor">
+      <a:schemeClr val="tx1"/>
+    </cs:fontRef>
+    <cs:spPr>
+      <a:ln w="9525" cap="flat" cmpd="sng" algn="ctr">
+        <a:solidFill>
+          <a:schemeClr val="tx1">
+            <a:lumMod val="15000"/>
+            <a:lumOff val="85000"/>
+          </a:schemeClr>
+        </a:solidFill>
+        <a:round/>
+      </a:ln>
+    </cs:spPr>
+  </cs:gridlineMajor>
+  <cs:gridlineMinor>
+    <cs:lnRef idx="0"/>
+    <cs:fillRef idx="0"/>
+    <cs:effectRef idx="0"/>
+    <cs:fontRef idx="minor">
+      <a:schemeClr val="tx1"/>
+    </cs:fontRef>
+    <cs:spPr>
+      <a:ln w="9525" cap="flat" cmpd="sng" algn="ctr">
+        <a:solidFill>
+          <a:schemeClr val="tx1">
+            <a:lumMod val="5000"/>
+            <a:lumOff val="95000"/>
+          </a:schemeClr>
+        </a:solidFill>
+        <a:round/>
+      </a:ln>
+    </cs:spPr>
+  </cs:gridlineMinor>
+  <cs:hiLoLine>
+    <cs:lnRef idx="0"/>
+    <cs:fillRef idx="0"/>
+    <cs:effectRef idx="0"/>
+    <cs:fontRef idx="minor">
+      <a:schemeClr val="tx1"/>
+    </cs:fontRef>
+    <cs:spPr>
+      <a:ln w="9525" cap="flat" cmpd="sng" algn="ctr">
+        <a:solidFill>
+          <a:schemeClr val="tx1">
+            <a:lumMod val="75000"/>
+            <a:lumOff val="25000"/>
+          </a:schemeClr>
+        </a:solidFill>
+        <a:round/>
+      </a:ln>
+    </cs:spPr>
+  </cs:hiLoLine>
+  <cs:leaderLine>
+    <cs:lnRef idx="0"/>
+    <cs:fillRef idx="0"/>
+    <cs:effectRef idx="0"/>
+    <cs:fontRef idx="minor">
+      <a:schemeClr val="tx1"/>
+    </cs:fontRef>
+    <cs:spPr>
+      <a:ln w="9525" cap="flat" cmpd="sng" algn="ctr">
+        <a:solidFill>
+          <a:schemeClr val="tx1">
+            <a:lumMod val="35000"/>
+            <a:lumOff val="65000"/>
+          </a:schemeClr>
+        </a:solidFill>
+        <a:round/>
+      </a:ln>
+    </cs:spPr>
+  </cs:leaderLine>
+  <cs:legend>
+    <cs:lnRef idx="0"/>
+    <cs:fillRef idx="0"/>
+    <cs:effectRef idx="0"/>
+    <cs:fontRef idx="minor">
+      <a:schemeClr val="tx1">
+        <a:lumMod val="65000"/>
+        <a:lumOff val="35000"/>
+      </a:schemeClr>
+    </cs:fontRef>
+    <cs:defRPr sz="1197" kern="1200"/>
+  </cs:legend>
+  <cs:plotArea mods="allowNoFillOverride allowNoLineOverride">
+    <cs:lnRef idx="0"/>
+    <cs:fillRef idx="0"/>
+    <cs:effectRef idx="0"/>
+    <cs:fontRef idx="minor">
+      <a:schemeClr val="tx1"/>
+    </cs:fontRef>
+  </cs:plotArea>
+  <cs:plotArea3D mods="allowNoFillOverride allowNoLineOverride">
+    <cs:lnRef idx="0"/>
+    <cs:fillRef idx="0"/>
+    <cs:effectRef idx="0"/>
+    <cs:fontRef idx="minor">
+      <a:schemeClr val="tx1"/>
+    </cs:fontRef>
+  </cs:plotArea3D>
+  <cs:seriesAxis>
+    <cs:lnRef idx="0"/>
+    <cs:fillRef idx="0"/>
+    <cs:effectRef idx="0"/>
+    <cs:fontRef idx="minor">
+      <a:schemeClr val="tx1">
+        <a:lumMod val="65000"/>
+        <a:lumOff val="35000"/>
+      </a:schemeClr>
+    </cs:fontRef>
+    <cs:defRPr sz="1197" kern="1200"/>
+  </cs:seriesAxis>
+  <cs:seriesLine>
+    <cs:lnRef idx="0"/>
+    <cs:fillRef idx="0"/>
+    <cs:effectRef idx="0"/>
+    <cs:fontRef idx="minor">
+      <a:schemeClr val="tx1"/>
+    </cs:fontRef>
+    <cs:spPr>
+      <a:ln w="9525" cap="flat" cmpd="sng" algn="ctr">
+        <a:solidFill>
+          <a:schemeClr val="tx1">
+            <a:lumMod val="35000"/>
+            <a:lumOff val="65000"/>
+          </a:schemeClr>
+        </a:solidFill>
+        <a:round/>
+      </a:ln>
+    </cs:spPr>
+  </cs:seriesLine>
+  <cs:title>
+    <cs:lnRef idx="0"/>
+    <cs:fillRef idx="0"/>
+    <cs:effectRef idx="0"/>
+    <cs:fontRef idx="minor">
+      <a:schemeClr val="tx1">
+        <a:lumMod val="65000"/>
+        <a:lumOff val="35000"/>
+      </a:schemeClr>
+    </cs:fontRef>
+    <cs:defRPr sz="1862" b="0" kern="1200" spc="0" baseline="0"/>
+  </cs:title>
+  <cs:trendline>
+    <cs:lnRef idx="0">
+      <cs:styleClr val="auto"/>
+    </cs:lnRef>
+    <cs:fillRef idx="0"/>
+    <cs:effectRef idx="0"/>
+    <cs:fontRef idx="minor">
+      <a:schemeClr val="tx1"/>
+    </cs:fontRef>
+    <cs:spPr>
+      <a:ln w="19050" cap="rnd">
+        <a:solidFill>
+          <a:schemeClr val="phClr"/>
+        </a:solidFill>
+        <a:prstDash val="sysDot"/>
+      </a:ln>
+    </cs:spPr>
+  </cs:trendline>
+  <cs:trendlineLabel>
+    <cs:lnRef idx="0"/>
+    <cs:fillRef idx="0"/>
+    <cs:effectRef idx="0"/>
+    <cs:fontRef idx="minor">
+      <a:schemeClr val="tx1">
+        <a:lumMod val="65000"/>
+        <a:lumOff val="35000"/>
+      </a:schemeClr>
+    </cs:fontRef>
+    <cs:defRPr sz="1197" kern="1200"/>
+  </cs:trendlineLabel>
+  <cs:upBar>
+    <cs:lnRef idx="0"/>
+    <cs:fillRef idx="0"/>
+    <cs:effectRef idx="0"/>
+    <cs:fontRef idx="minor">
+      <a:schemeClr val="dk1"/>
+    </cs:fontRef>
+    <cs:spPr>
+      <a:solidFill>
+        <a:schemeClr val="lt1"/>
+      </a:solidFill>
+      <a:ln w="9525">
+        <a:solidFill>
+          <a:schemeClr val="tx1">
+            <a:lumMod val="15000"/>
+            <a:lumOff val="85000"/>
+          </a:schemeClr>
+        </a:solidFill>
+      </a:ln>
+    </cs:spPr>
+  </cs:upBar>
+  <cs:valueAxis>
+    <cs:lnRef idx="0"/>
+    <cs:fillRef idx="0"/>
+    <cs:effectRef idx="0"/>
+    <cs:fontRef idx="minor">
+      <a:schemeClr val="tx1">
+        <a:lumMod val="65000"/>
+        <a:lumOff val="35000"/>
+      </a:schemeClr>
+    </cs:fontRef>
+    <cs:defRPr sz="1197" kern="1200"/>
+  </cs:valueAxis>
+  <cs:wall>
+    <cs:lnRef idx="0"/>
+    <cs:fillRef idx="0"/>
+    <cs:effectRef idx="0"/>
+    <cs:fontRef idx="minor">
+      <a:schemeClr val="tx1"/>
+    </cs:fontRef>
+    <cs:spPr>
+      <a:noFill/>
+      <a:ln>
+        <a:noFill/>
+      </a:ln>
+    </cs:spPr>
+  </cs:wall>
+</cs:chartStyle>
+</file>
+
+<file path=ppt/charts/style4.xml><?xml version="1.0" encoding="utf-8"?>
+<cs:chartStyle xmlns:cs="http://schemas.microsoft.com/office/drawing/2012/chartStyle" xmlns:a="http://schemas.openxmlformats.org/drawingml/2006/main" id="201">
+  <cs:axisTitle>
+    <cs:lnRef idx="0"/>
+    <cs:fillRef idx="0"/>
+    <cs:effectRef idx="0"/>
+    <cs:fontRef idx="minor">
+      <a:schemeClr val="tx1">
+        <a:lumMod val="65000"/>
+        <a:lumOff val="35000"/>
+      </a:schemeClr>
+    </cs:fontRef>
+    <cs:defRPr sz="1330" kern="1200"/>
+  </cs:axisTitle>
+  <cs:categoryAxis>
+    <cs:lnRef idx="0"/>
+    <cs:fillRef idx="0"/>
+    <cs:effectRef idx="0"/>
+    <cs:fontRef idx="minor">
+      <a:schemeClr val="tx1">
+        <a:lumMod val="65000"/>
+        <a:lumOff val="35000"/>
+      </a:schemeClr>
+    </cs:fontRef>
+    <cs:spPr>
+      <a:ln w="9525" cap="flat" cmpd="sng" algn="ctr">
+        <a:solidFill>
+          <a:schemeClr val="tx1">
+            <a:lumMod val="15000"/>
+            <a:lumOff val="85000"/>
+          </a:schemeClr>
+        </a:solidFill>
+        <a:round/>
+      </a:ln>
+    </cs:spPr>
+    <cs:defRPr sz="1197" kern="1200"/>
+  </cs:categoryAxis>
+  <cs:chartArea mods="allowNoFillOverride allowNoLineOverride">
+    <cs:lnRef idx="0"/>
+    <cs:fillRef idx="0"/>
+    <cs:effectRef idx="0"/>
+    <cs:fontRef idx="minor">
+      <a:schemeClr val="tx1"/>
+    </cs:fontRef>
+    <cs:spPr>
+      <a:solidFill>
+        <a:schemeClr val="bg1"/>
+      </a:solidFill>
+      <a:ln w="9525" cap="flat" cmpd="sng" algn="ctr">
+        <a:solidFill>
+          <a:schemeClr val="tx1">
+            <a:lumMod val="15000"/>
+            <a:lumOff val="85000"/>
+          </a:schemeClr>
+        </a:solidFill>
+        <a:round/>
+      </a:ln>
+    </cs:spPr>
+    <cs:defRPr sz="1330" kern="1200"/>
+  </cs:chartArea>
+  <cs:dataLabel>
+    <cs:lnRef idx="0"/>
+    <cs:fillRef idx="0"/>
+    <cs:effectRef idx="0"/>
+    <cs:fontRef idx="minor">
+      <a:schemeClr val="tx1">
+        <a:lumMod val="75000"/>
+        <a:lumOff val="25000"/>
+      </a:schemeClr>
+    </cs:fontRef>
+    <cs:defRPr sz="1197" kern="1200"/>
+  </cs:dataLabel>
+  <cs:dataLabelCallout>
+    <cs:lnRef idx="0"/>
+    <cs:fillRef idx="0"/>
+    <cs:effectRef idx="0"/>
+    <cs:fontRef idx="minor">
+      <a:schemeClr val="dk1">
+        <a:lumMod val="65000"/>
+        <a:lumOff val="35000"/>
+      </a:schemeClr>
+    </cs:fontRef>
+    <cs:spPr>
+      <a:solidFill>
+        <a:schemeClr val="lt1"/>
+      </a:solidFill>
+      <a:ln>
+        <a:solidFill>
+          <a:schemeClr val="dk1">
+            <a:lumMod val="25000"/>
+            <a:lumOff val="75000"/>
+          </a:schemeClr>
+        </a:solidFill>
+      </a:ln>
+    </cs:spPr>
+    <cs:defRPr sz="1197" kern="1200"/>
+    <cs:bodyPr rot="0" spcFirstLastPara="1" vertOverflow="clip" horzOverflow="clip" vert="horz" wrap="square" lIns="36576" tIns="18288" rIns="36576" bIns="18288" anchor="ctr" anchorCtr="1">
+      <a:spAutoFit/>
+    </cs:bodyPr>
+  </cs:dataLabelCallout>
+  <cs:dataPoint>
+    <cs:lnRef idx="0"/>
+    <cs:fillRef idx="1">
+      <cs:styleClr val="auto"/>
+    </cs:fillRef>
+    <cs:effectRef idx="0"/>
+    <cs:fontRef idx="minor">
+      <a:schemeClr val="tx1"/>
+    </cs:fontRef>
+  </cs:dataPoint>
+  <cs:dataPoint3D>
+    <cs:lnRef idx="0"/>
+    <cs:fillRef idx="1">
+      <cs:styleClr val="auto"/>
+    </cs:fillRef>
+    <cs:effectRef idx="0"/>
+    <cs:fontRef idx="minor">
+      <a:schemeClr val="tx1"/>
+    </cs:fontRef>
+  </cs:dataPoint3D>
+  <cs:dataPointLine>
+    <cs:lnRef idx="0">
+      <cs:styleClr val="auto"/>
+    </cs:lnRef>
+    <cs:fillRef idx="1"/>
+    <cs:effectRef idx="0"/>
+    <cs:fontRef idx="minor">
+      <a:schemeClr val="tx1"/>
+    </cs:fontRef>
+    <cs:spPr>
+      <a:ln w="28575" cap="rnd">
+        <a:solidFill>
+          <a:schemeClr val="phClr"/>
+        </a:solidFill>
+        <a:round/>
+      </a:ln>
+    </cs:spPr>
+  </cs:dataPointLine>
+  <cs:dataPointMarker>
+    <cs:lnRef idx="0">
+      <cs:styleClr val="auto"/>
+    </cs:lnRef>
+    <cs:fillRef idx="1">
+      <cs:styleClr val="auto"/>
+    </cs:fillRef>
+    <cs:effectRef idx="0"/>
+    <cs:fontRef idx="minor">
+      <a:schemeClr val="tx1"/>
+    </cs:fontRef>
+    <cs:spPr>
+      <a:ln w="9525">
+        <a:solidFill>
+          <a:schemeClr val="phClr"/>
+        </a:solidFill>
+      </a:ln>
+    </cs:spPr>
+  </cs:dataPointMarker>
+  <cs:dataPointMarkerLayout symbol="circle" size="5"/>
+  <cs:dataPointWireframe>
+    <cs:lnRef idx="0">
+      <cs:styleClr val="auto"/>
+    </cs:lnRef>
+    <cs:fillRef idx="1"/>
+    <cs:effectRef idx="0"/>
+    <cs:fontRef idx="minor">
+      <a:schemeClr val="tx1"/>
+    </cs:fontRef>
+    <cs:spPr>
+      <a:ln w="9525" cap="rnd">
+        <a:solidFill>
+          <a:schemeClr val="phClr"/>
+        </a:solidFill>
+        <a:round/>
+      </a:ln>
+    </cs:spPr>
+  </cs:dataPointWireframe>
+  <cs:dataTable>
+    <cs:lnRef idx="0"/>
+    <cs:fillRef idx="0"/>
+    <cs:effectRef idx="0"/>
+    <cs:fontRef idx="minor">
+      <a:schemeClr val="tx1">
+        <a:lumMod val="65000"/>
+        <a:lumOff val="35000"/>
+      </a:schemeClr>
+    </cs:fontRef>
+    <cs:spPr>
+      <a:noFill/>
+      <a:ln w="9525" cap="flat" cmpd="sng" algn="ctr">
+        <a:solidFill>
+          <a:schemeClr val="tx1">
+            <a:lumMod val="15000"/>
+            <a:lumOff val="85000"/>
+          </a:schemeClr>
+        </a:solidFill>
+        <a:round/>
+      </a:ln>
+    </cs:spPr>
+    <cs:defRPr sz="1197" kern="1200"/>
+  </cs:dataTable>
+  <cs:downBar>
+    <cs:lnRef idx="0"/>
+    <cs:fillRef idx="0"/>
+    <cs:effectRef idx="0"/>
+    <cs:fontRef idx="minor">
+      <a:schemeClr val="dk1"/>
+    </cs:fontRef>
+    <cs:spPr>
+      <a:solidFill>
+        <a:schemeClr val="dk1">
+          <a:lumMod val="65000"/>
+          <a:lumOff val="35000"/>
+        </a:schemeClr>
+      </a:solidFill>
+      <a:ln w="9525">
+        <a:solidFill>
+          <a:schemeClr val="tx1">
+            <a:lumMod val="65000"/>
+            <a:lumOff val="35000"/>
+          </a:schemeClr>
+        </a:solidFill>
+      </a:ln>
+    </cs:spPr>
+  </cs:downBar>
+  <cs:dropLine>
+    <cs:lnRef idx="0"/>
+    <cs:fillRef idx="0"/>
+    <cs:effectRef idx="0"/>
+    <cs:fontRef idx="minor">
+      <a:schemeClr val="tx1"/>
+    </cs:fontRef>
+    <cs:spPr>
+      <a:ln w="9525" cap="flat" cmpd="sng" algn="ctr">
+        <a:solidFill>
+          <a:schemeClr val="tx1">
+            <a:lumMod val="35000"/>
+            <a:lumOff val="65000"/>
+          </a:schemeClr>
+        </a:solidFill>
+        <a:round/>
+      </a:ln>
+    </cs:spPr>
+  </cs:dropLine>
+  <cs:errorBar>
+    <cs:lnRef idx="0"/>
+    <cs:fillRef idx="0"/>
+    <cs:effectRef idx="0"/>
+    <cs:fontRef idx="minor">
+      <a:schemeClr val="tx1"/>
+    </cs:fontRef>
+    <cs:spPr>
+      <a:ln w="9525" cap="flat" cmpd="sng" algn="ctr">
+        <a:solidFill>
+          <a:schemeClr val="tx1">
+            <a:lumMod val="65000"/>
+            <a:lumOff val="35000"/>
+          </a:schemeClr>
+        </a:solidFill>
+        <a:round/>
+      </a:ln>
+    </cs:spPr>
+  </cs:errorBar>
+  <cs:floor>
+    <cs:lnRef idx="0"/>
+    <cs:fillRef idx="0"/>
+    <cs:effectRef idx="0"/>
+    <cs:fontRef idx="minor">
+      <a:schemeClr val="tx1"/>
+    </cs:fontRef>
+    <cs:spPr>
+      <a:noFill/>
+      <a:ln>
+        <a:noFill/>
+      </a:ln>
+    </cs:spPr>
+  </cs:floor>
+  <cs:gridlineMajor>
+    <cs:lnRef idx="0"/>
+    <cs:fillRef idx="0"/>
+    <cs:effectRef idx="0"/>
+    <cs:fontRef idx="minor">
+      <a:schemeClr val="tx1"/>
+    </cs:fontRef>
+    <cs:spPr>
+      <a:ln w="9525" cap="flat" cmpd="sng" algn="ctr">
+        <a:solidFill>
+          <a:schemeClr val="tx1">
+            <a:lumMod val="15000"/>
+            <a:lumOff val="85000"/>
+          </a:schemeClr>
+        </a:solidFill>
+        <a:round/>
+      </a:ln>
+    </cs:spPr>
+  </cs:gridlineMajor>
+  <cs:gridlineMinor>
+    <cs:lnRef idx="0"/>
+    <cs:fillRef idx="0"/>
+    <cs:effectRef idx="0"/>
+    <cs:fontRef idx="minor">
+      <a:schemeClr val="tx1"/>
+    </cs:fontRef>
+    <cs:spPr>
+      <a:ln w="9525" cap="flat" cmpd="sng" algn="ctr">
+        <a:solidFill>
+          <a:schemeClr val="tx1">
+            <a:lumMod val="5000"/>
+            <a:lumOff val="95000"/>
+          </a:schemeClr>
+        </a:solidFill>
+        <a:round/>
+      </a:ln>
+    </cs:spPr>
+  </cs:gridlineMinor>
+  <cs:hiLoLine>
+    <cs:lnRef idx="0"/>
+    <cs:fillRef idx="0"/>
+    <cs:effectRef idx="0"/>
+    <cs:fontRef idx="minor">
+      <a:schemeClr val="tx1"/>
+    </cs:fontRef>
+    <cs:spPr>
+      <a:ln w="9525" cap="flat" cmpd="sng" algn="ctr">
+        <a:solidFill>
+          <a:schemeClr val="tx1">
+            <a:lumMod val="75000"/>
+            <a:lumOff val="25000"/>
+          </a:schemeClr>
+        </a:solidFill>
+        <a:round/>
+      </a:ln>
+    </cs:spPr>
+  </cs:hiLoLine>
+  <cs:leaderLine>
+    <cs:lnRef idx="0"/>
+    <cs:fillRef idx="0"/>
+    <cs:effectRef idx="0"/>
+    <cs:fontRef idx="minor">
+      <a:schemeClr val="tx1"/>
+    </cs:fontRef>
+    <cs:spPr>
+      <a:ln w="9525" cap="flat" cmpd="sng" algn="ctr">
+        <a:solidFill>
+          <a:schemeClr val="tx1">
+            <a:lumMod val="35000"/>
+            <a:lumOff val="65000"/>
+          </a:schemeClr>
+        </a:solidFill>
+        <a:round/>
+      </a:ln>
+    </cs:spPr>
+  </cs:leaderLine>
+  <cs:legend>
+    <cs:lnRef idx="0"/>
+    <cs:fillRef idx="0"/>
+    <cs:effectRef idx="0"/>
+    <cs:fontRef idx="minor">
+      <a:schemeClr val="tx1">
+        <a:lumMod val="65000"/>
+        <a:lumOff val="35000"/>
+      </a:schemeClr>
+    </cs:fontRef>
+    <cs:defRPr sz="1197" kern="1200"/>
+  </cs:legend>
+  <cs:plotArea mods="allowNoFillOverride allowNoLineOverride">
+    <cs:lnRef idx="0"/>
+    <cs:fillRef idx="0"/>
+    <cs:effectRef idx="0"/>
+    <cs:fontRef idx="minor">
+      <a:schemeClr val="tx1"/>
+    </cs:fontRef>
+  </cs:plotArea>
+  <cs:plotArea3D mods="allowNoFillOverride allowNoLineOverride">
+    <cs:lnRef idx="0"/>
+    <cs:fillRef idx="0"/>
+    <cs:effectRef idx="0"/>
+    <cs:fontRef idx="minor">
+      <a:schemeClr val="tx1"/>
+    </cs:fontRef>
+  </cs:plotArea3D>
+  <cs:seriesAxis>
+    <cs:lnRef idx="0"/>
+    <cs:fillRef idx="0"/>
+    <cs:effectRef idx="0"/>
+    <cs:fontRef idx="minor">
+      <a:schemeClr val="tx1">
+        <a:lumMod val="65000"/>
+        <a:lumOff val="35000"/>
+      </a:schemeClr>
+    </cs:fontRef>
+    <cs:defRPr sz="1197" kern="1200"/>
+  </cs:seriesAxis>
+  <cs:seriesLine>
+    <cs:lnRef idx="0"/>
+    <cs:fillRef idx="0"/>
+    <cs:effectRef idx="0"/>
+    <cs:fontRef idx="minor">
+      <a:schemeClr val="tx1"/>
+    </cs:fontRef>
+    <cs:spPr>
+      <a:ln w="9525" cap="flat" cmpd="sng" algn="ctr">
+        <a:solidFill>
+          <a:schemeClr val="tx1">
+            <a:lumMod val="35000"/>
+            <a:lumOff val="65000"/>
+          </a:schemeClr>
+        </a:solidFill>
+        <a:round/>
+      </a:ln>
+    </cs:spPr>
+  </cs:seriesLine>
+  <cs:title>
+    <cs:lnRef idx="0"/>
+    <cs:fillRef idx="0"/>
+    <cs:effectRef idx="0"/>
+    <cs:fontRef idx="minor">
+      <a:schemeClr val="tx1">
+        <a:lumMod val="65000"/>
+        <a:lumOff val="35000"/>
+      </a:schemeClr>
+    </cs:fontRef>
+    <cs:defRPr sz="1862" b="0" kern="1200" spc="0" baseline="0"/>
+  </cs:title>
+  <cs:trendline>
+    <cs:lnRef idx="0">
+      <cs:styleClr val="auto"/>
+    </cs:lnRef>
+    <cs:fillRef idx="0"/>
+    <cs:effectRef idx="0"/>
+    <cs:fontRef idx="minor">
+      <a:schemeClr val="tx1"/>
+    </cs:fontRef>
+    <cs:spPr>
+      <a:ln w="19050" cap="rnd">
+        <a:solidFill>
+          <a:schemeClr val="phClr"/>
+        </a:solidFill>
+        <a:prstDash val="sysDot"/>
+      </a:ln>
+    </cs:spPr>
+  </cs:trendline>
+  <cs:trendlineLabel>
+    <cs:lnRef idx="0"/>
+    <cs:fillRef idx="0"/>
+    <cs:effectRef idx="0"/>
+    <cs:fontRef idx="minor">
+      <a:schemeClr val="tx1">
+        <a:lumMod val="65000"/>
+        <a:lumOff val="35000"/>
+      </a:schemeClr>
+    </cs:fontRef>
+    <cs:defRPr sz="1197" kern="1200"/>
+  </cs:trendlineLabel>
+  <cs:upBar>
+    <cs:lnRef idx="0"/>
+    <cs:fillRef idx="0"/>
+    <cs:effectRef idx="0"/>
+    <cs:fontRef idx="minor">
+      <a:schemeClr val="dk1"/>
+    </cs:fontRef>
+    <cs:spPr>
+      <a:solidFill>
+        <a:schemeClr val="lt1"/>
+      </a:solidFill>
+      <a:ln w="9525">
+        <a:solidFill>
+          <a:schemeClr val="tx1">
+            <a:lumMod val="15000"/>
+            <a:lumOff val="85000"/>
+          </a:schemeClr>
+        </a:solidFill>
+      </a:ln>
+    </cs:spPr>
+  </cs:upBar>
+  <cs:valueAxis>
+    <cs:lnRef idx="0"/>
+    <cs:fillRef idx="0"/>
+    <cs:effectRef idx="0"/>
+    <cs:fontRef idx="minor">
+      <a:schemeClr val="tx1">
+        <a:lumMod val="65000"/>
+        <a:lumOff val="35000"/>
+      </a:schemeClr>
+    </cs:fontRef>
+    <cs:defRPr sz="1197" kern="1200"/>
+  </cs:valueAxis>
+  <cs:wall>
+    <cs:lnRef idx="0"/>
+    <cs:fillRef idx="0"/>
+    <cs:effectRef idx="0"/>
+    <cs:fontRef idx="minor">
+      <a:schemeClr val="tx1"/>
+    </cs:fontRef>
+    <cs:spPr>
+      <a:noFill/>
+      <a:ln>
+        <a:noFill/>
+      </a:ln>
+    </cs:spPr>
+  </cs:wall>
+</cs:chartStyle>
+</file>
+
+<file path=ppt/charts/style5.xml><?xml version="1.0" encoding="utf-8"?>
+<cs:chartStyle xmlns:cs="http://schemas.microsoft.com/office/drawing/2012/chartStyle" xmlns:a="http://schemas.openxmlformats.org/drawingml/2006/main" id="201">
+  <cs:axisTitle>
+    <cs:lnRef idx="0"/>
+    <cs:fillRef idx="0"/>
+    <cs:effectRef idx="0"/>
+    <cs:fontRef idx="minor">
+      <a:schemeClr val="tx1">
+        <a:lumMod val="65000"/>
+        <a:lumOff val="35000"/>
+      </a:schemeClr>
+    </cs:fontRef>
+    <cs:defRPr sz="1330" kern="1200"/>
+  </cs:axisTitle>
+  <cs:categoryAxis>
+    <cs:lnRef idx="0"/>
+    <cs:fillRef idx="0"/>
+    <cs:effectRef idx="0"/>
+    <cs:fontRef idx="minor">
+      <a:schemeClr val="tx1">
+        <a:lumMod val="65000"/>
+        <a:lumOff val="35000"/>
+      </a:schemeClr>
+    </cs:fontRef>
+    <cs:spPr>
+      <a:ln w="9525" cap="flat" cmpd="sng" algn="ctr">
+        <a:solidFill>
+          <a:schemeClr val="tx1">
+            <a:lumMod val="15000"/>
+            <a:lumOff val="85000"/>
+          </a:schemeClr>
+        </a:solidFill>
+        <a:round/>
+      </a:ln>
+    </cs:spPr>
+    <cs:defRPr sz="1197" kern="1200"/>
+  </cs:categoryAxis>
+  <cs:chartArea mods="allowNoFillOverride allowNoLineOverride">
+    <cs:lnRef idx="0"/>
+    <cs:fillRef idx="0"/>
+    <cs:effectRef idx="0"/>
+    <cs:fontRef idx="minor">
+      <a:schemeClr val="tx1"/>
+    </cs:fontRef>
+    <cs:spPr>
+      <a:solidFill>
+        <a:schemeClr val="bg1"/>
+      </a:solidFill>
+      <a:ln w="9525" cap="flat" cmpd="sng" algn="ctr">
+        <a:solidFill>
+          <a:schemeClr val="tx1">
+            <a:lumMod val="15000"/>
+            <a:lumOff val="85000"/>
+          </a:schemeClr>
+        </a:solidFill>
+        <a:round/>
+      </a:ln>
+    </cs:spPr>
+    <cs:defRPr sz="1330" kern="1200"/>
+  </cs:chartArea>
+  <cs:dataLabel>
+    <cs:lnRef idx="0"/>
+    <cs:fillRef idx="0"/>
+    <cs:effectRef idx="0"/>
+    <cs:fontRef idx="minor">
+      <a:schemeClr val="tx1">
+        <a:lumMod val="75000"/>
+        <a:lumOff val="25000"/>
+      </a:schemeClr>
+    </cs:fontRef>
+    <cs:defRPr sz="1197" kern="1200"/>
+  </cs:dataLabel>
+  <cs:dataLabelCallout>
+    <cs:lnRef idx="0"/>
+    <cs:fillRef idx="0"/>
+    <cs:effectRef idx="0"/>
+    <cs:fontRef idx="minor">
+      <a:schemeClr val="dk1">
+        <a:lumMod val="65000"/>
+        <a:lumOff val="35000"/>
+      </a:schemeClr>
+    </cs:fontRef>
+    <cs:spPr>
+      <a:solidFill>
+        <a:schemeClr val="lt1"/>
+      </a:solidFill>
+      <a:ln>
+        <a:solidFill>
+          <a:schemeClr val="dk1">
+            <a:lumMod val="25000"/>
+            <a:lumOff val="75000"/>
+          </a:schemeClr>
+        </a:solidFill>
+      </a:ln>
+    </cs:spPr>
+    <cs:defRPr sz="1197" kern="1200"/>
+    <cs:bodyPr rot="0" spcFirstLastPara="1" vertOverflow="clip" horzOverflow="clip" vert="horz" wrap="square" lIns="36576" tIns="18288" rIns="36576" bIns="18288" anchor="ctr" anchorCtr="1">
+      <a:spAutoFit/>
+    </cs:bodyPr>
+  </cs:dataLabelCallout>
+  <cs:dataPoint>
+    <cs:lnRef idx="0"/>
+    <cs:fillRef idx="1">
+      <cs:styleClr val="auto"/>
+    </cs:fillRef>
+    <cs:effectRef idx="0"/>
+    <cs:fontRef idx="minor">
+      <a:schemeClr val="tx1"/>
+    </cs:fontRef>
+  </cs:dataPoint>
+  <cs:dataPoint3D>
+    <cs:lnRef idx="0"/>
+    <cs:fillRef idx="1">
+      <cs:styleClr val="auto"/>
+    </cs:fillRef>
+    <cs:effectRef idx="0"/>
+    <cs:fontRef idx="minor">
+      <a:schemeClr val="tx1"/>
+    </cs:fontRef>
+  </cs:dataPoint3D>
+  <cs:dataPointLine>
+    <cs:lnRef idx="0">
+      <cs:styleClr val="auto"/>
+    </cs:lnRef>
+    <cs:fillRef idx="1"/>
+    <cs:effectRef idx="0"/>
+    <cs:fontRef idx="minor">
+      <a:schemeClr val="tx1"/>
+    </cs:fontRef>
+    <cs:spPr>
+      <a:ln w="28575" cap="rnd">
+        <a:solidFill>
+          <a:schemeClr val="phClr"/>
+        </a:solidFill>
+        <a:round/>
+      </a:ln>
+    </cs:spPr>
+  </cs:dataPointLine>
+  <cs:dataPointMarker>
+    <cs:lnRef idx="0">
+      <cs:styleClr val="auto"/>
+    </cs:lnRef>
+    <cs:fillRef idx="1">
+      <cs:styleClr val="auto"/>
+    </cs:fillRef>
+    <cs:effectRef idx="0"/>
+    <cs:fontRef idx="minor">
+      <a:schemeClr val="tx1"/>
+    </cs:fontRef>
+    <cs:spPr>
+      <a:ln w="9525">
+        <a:solidFill>
+          <a:schemeClr val="phClr"/>
+        </a:solidFill>
+      </a:ln>
+    </cs:spPr>
+  </cs:dataPointMarker>
+  <cs:dataPointMarkerLayout symbol="circle" size="5"/>
+  <cs:dataPointWireframe>
+    <cs:lnRef idx="0">
+      <cs:styleClr val="auto"/>
+    </cs:lnRef>
+    <cs:fillRef idx="1"/>
+    <cs:effectRef idx="0"/>
+    <cs:fontRef idx="minor">
+      <a:schemeClr val="tx1"/>
+    </cs:fontRef>
+    <cs:spPr>
+      <a:ln w="9525" cap="rnd">
+        <a:solidFill>
+          <a:schemeClr val="phClr"/>
+        </a:solidFill>
+        <a:round/>
+      </a:ln>
+    </cs:spPr>
+  </cs:dataPointWireframe>
+  <cs:dataTable>
+    <cs:lnRef idx="0"/>
+    <cs:fillRef idx="0"/>
+    <cs:effectRef idx="0"/>
+    <cs:fontRef idx="minor">
+      <a:schemeClr val="tx1">
+        <a:lumMod val="65000"/>
+        <a:lumOff val="35000"/>
+      </a:schemeClr>
+    </cs:fontRef>
+    <cs:spPr>
+      <a:noFill/>
+      <a:ln w="9525" cap="flat" cmpd="sng" algn="ctr">
+        <a:solidFill>
+          <a:schemeClr val="tx1">
+            <a:lumMod val="15000"/>
+            <a:lumOff val="85000"/>
+          </a:schemeClr>
+        </a:solidFill>
+        <a:round/>
+      </a:ln>
+    </cs:spPr>
+    <cs:defRPr sz="1197" kern="1200"/>
+  </cs:dataTable>
+  <cs:downBar>
+    <cs:lnRef idx="0"/>
+    <cs:fillRef idx="0"/>
+    <cs:effectRef idx="0"/>
+    <cs:fontRef idx="minor">
+      <a:schemeClr val="dk1"/>
+    </cs:fontRef>
+    <cs:spPr>
+      <a:solidFill>
+        <a:schemeClr val="dk1">
+          <a:lumMod val="65000"/>
+          <a:lumOff val="35000"/>
+        </a:schemeClr>
+      </a:solidFill>
+      <a:ln w="9525">
+        <a:solidFill>
+          <a:schemeClr val="tx1">
+            <a:lumMod val="65000"/>
+            <a:lumOff val="35000"/>
+          </a:schemeClr>
+        </a:solidFill>
+      </a:ln>
+    </cs:spPr>
+  </cs:downBar>
+  <cs:dropLine>
+    <cs:lnRef idx="0"/>
+    <cs:fillRef idx="0"/>
+    <cs:effectRef idx="0"/>
+    <cs:fontRef idx="minor">
+      <a:schemeClr val="tx1"/>
+    </cs:fontRef>
+    <cs:spPr>
+      <a:ln w="9525" cap="flat" cmpd="sng" algn="ctr">
+        <a:solidFill>
+          <a:schemeClr val="tx1">
+            <a:lumMod val="35000"/>
+            <a:lumOff val="65000"/>
+          </a:schemeClr>
+        </a:solidFill>
+        <a:round/>
+      </a:ln>
+    </cs:spPr>
+  </cs:dropLine>
+  <cs:errorBar>
+    <cs:lnRef idx="0"/>
+    <cs:fillRef idx="0"/>
+    <cs:effectRef idx="0"/>
+    <cs:fontRef idx="minor">
+      <a:schemeClr val="tx1"/>
+    </cs:fontRef>
+    <cs:spPr>
+      <a:ln w="9525" cap="flat" cmpd="sng" algn="ctr">
+        <a:solidFill>
+          <a:schemeClr val="tx1">
+            <a:lumMod val="65000"/>
+            <a:lumOff val="35000"/>
+          </a:schemeClr>
+        </a:solidFill>
+        <a:round/>
+      </a:ln>
+    </cs:spPr>
+  </cs:errorBar>
+  <cs:floor>
+    <cs:lnRef idx="0"/>
+    <cs:fillRef idx="0"/>
+    <cs:effectRef idx="0"/>
+    <cs:fontRef idx="minor">
+      <a:schemeClr val="tx1"/>
+    </cs:fontRef>
+    <cs:spPr>
+      <a:noFill/>
+      <a:ln>
+        <a:noFill/>
+      </a:ln>
+    </cs:spPr>
+  </cs:floor>
+  <cs:gridlineMajor>
+    <cs:lnRef idx="0"/>
+    <cs:fillRef idx="0"/>
+    <cs:effectRef idx="0"/>
+    <cs:fontRef idx="minor">
+      <a:schemeClr val="tx1"/>
+    </cs:fontRef>
+    <cs:spPr>
+      <a:ln w="9525" cap="flat" cmpd="sng" algn="ctr">
+        <a:solidFill>
+          <a:schemeClr val="tx1">
+            <a:lumMod val="15000"/>
+            <a:lumOff val="85000"/>
+          </a:schemeClr>
+        </a:solidFill>
+        <a:round/>
+      </a:ln>
+    </cs:spPr>
+  </cs:gridlineMajor>
+  <cs:gridlineMinor>
+    <cs:lnRef idx="0"/>
+    <cs:fillRef idx="0"/>
+    <cs:effectRef idx="0"/>
+    <cs:fontRef idx="minor">
+      <a:schemeClr val="tx1"/>
+    </cs:fontRef>
+    <cs:spPr>
+      <a:ln w="9525" cap="flat" cmpd="sng" algn="ctr">
+        <a:solidFill>
+          <a:schemeClr val="tx1">
+            <a:lumMod val="5000"/>
+            <a:lumOff val="95000"/>
+          </a:schemeClr>
+        </a:solidFill>
+        <a:round/>
+      </a:ln>
+    </cs:spPr>
+  </cs:gridlineMinor>
+  <cs:hiLoLine>
+    <cs:lnRef idx="0"/>
+    <cs:fillRef idx="0"/>
+    <cs:effectRef idx="0"/>
+    <cs:fontRef idx="minor">
+      <a:schemeClr val="tx1"/>
+    </cs:fontRef>
+    <cs:spPr>
+      <a:ln w="9525" cap="flat" cmpd="sng" algn="ctr">
+        <a:solidFill>
+          <a:schemeClr val="tx1">
+            <a:lumMod val="75000"/>
+            <a:lumOff val="25000"/>
+          </a:schemeClr>
+        </a:solidFill>
+        <a:round/>
+      </a:ln>
+    </cs:spPr>
+  </cs:hiLoLine>
+  <cs:leaderLine>
+    <cs:lnRef idx="0"/>
+    <cs:fillRef idx="0"/>
+    <cs:effectRef idx="0"/>
+    <cs:fontRef idx="minor">
+      <a:schemeClr val="tx1"/>
+    </cs:fontRef>
+    <cs:spPr>
+      <a:ln w="9525" cap="flat" cmpd="sng" algn="ctr">
+        <a:solidFill>
+          <a:schemeClr val="tx1">
+            <a:lumMod val="35000"/>
+            <a:lumOff val="65000"/>
+          </a:schemeClr>
+        </a:solidFill>
+        <a:round/>
+      </a:ln>
+    </cs:spPr>
+  </cs:leaderLine>
+  <cs:legend>
+    <cs:lnRef idx="0"/>
+    <cs:fillRef idx="0"/>
+    <cs:effectRef idx="0"/>
+    <cs:fontRef idx="minor">
+      <a:schemeClr val="tx1">
+        <a:lumMod val="65000"/>
+        <a:lumOff val="35000"/>
+      </a:schemeClr>
+    </cs:fontRef>
+    <cs:defRPr sz="1197" kern="1200"/>
+  </cs:legend>
+  <cs:plotArea mods="allowNoFillOverride allowNoLineOverride">
+    <cs:lnRef idx="0"/>
+    <cs:fillRef idx="0"/>
+    <cs:effectRef idx="0"/>
+    <cs:fontRef idx="minor">
+      <a:schemeClr val="tx1"/>
+    </cs:fontRef>
+  </cs:plotArea>
+  <cs:plotArea3D mods="allowNoFillOverride allowNoLineOverride">
+    <cs:lnRef idx="0"/>
+    <cs:fillRef idx="0"/>
+    <cs:effectRef idx="0"/>
+    <cs:fontRef idx="minor">
+      <a:schemeClr val="tx1"/>
+    </cs:fontRef>
+  </cs:plotArea3D>
+  <cs:seriesAxis>
+    <cs:lnRef idx="0"/>
+    <cs:fillRef idx="0"/>
+    <cs:effectRef idx="0"/>
+    <cs:fontRef idx="minor">
+      <a:schemeClr val="tx1">
+        <a:lumMod val="65000"/>
+        <a:lumOff val="35000"/>
+      </a:schemeClr>
+    </cs:fontRef>
+    <cs:defRPr sz="1197" kern="1200"/>
+  </cs:seriesAxis>
+  <cs:seriesLine>
+    <cs:lnRef idx="0"/>
+    <cs:fillRef idx="0"/>
+    <cs:effectRef idx="0"/>
+    <cs:fontRef idx="minor">
+      <a:schemeClr val="tx1"/>
+    </cs:fontRef>
+    <cs:spPr>
+      <a:ln w="9525" cap="flat" cmpd="sng" algn="ctr">
+        <a:solidFill>
+          <a:schemeClr val="tx1">
+            <a:lumMod val="35000"/>
+            <a:lumOff val="65000"/>
+          </a:schemeClr>
+        </a:solidFill>
+        <a:round/>
+      </a:ln>
+    </cs:spPr>
+  </cs:seriesLine>
+  <cs:title>
+    <cs:lnRef idx="0"/>
+    <cs:fillRef idx="0"/>
+    <cs:effectRef idx="0"/>
+    <cs:fontRef idx="minor">
+      <a:schemeClr val="tx1">
+        <a:lumMod val="65000"/>
+        <a:lumOff val="35000"/>
+      </a:schemeClr>
+    </cs:fontRef>
+    <cs:defRPr sz="1862" b="0" kern="1200" spc="0" baseline="0"/>
+  </cs:title>
+  <cs:trendline>
+    <cs:lnRef idx="0">
+      <cs:styleClr val="auto"/>
+    </cs:lnRef>
+    <cs:fillRef idx="0"/>
+    <cs:effectRef idx="0"/>
+    <cs:fontRef idx="minor">
+      <a:schemeClr val="tx1"/>
+    </cs:fontRef>
+    <cs:spPr>
+      <a:ln w="19050" cap="rnd">
+        <a:solidFill>
+          <a:schemeClr val="phClr"/>
+        </a:solidFill>
+        <a:prstDash val="sysDot"/>
+      </a:ln>
+    </cs:spPr>
+  </cs:trendline>
+  <cs:trendlineLabel>
+    <cs:lnRef idx="0"/>
+    <cs:fillRef idx="0"/>
+    <cs:effectRef idx="0"/>
+    <cs:fontRef idx="minor">
+      <a:schemeClr val="tx1">
+        <a:lumMod val="65000"/>
+        <a:lumOff val="35000"/>
+      </a:schemeClr>
+    </cs:fontRef>
+    <cs:defRPr sz="1197" kern="1200"/>
+  </cs:trendlineLabel>
+  <cs:upBar>
+    <cs:lnRef idx="0"/>
+    <cs:fillRef idx="0"/>
+    <cs:effectRef idx="0"/>
+    <cs:fontRef idx="minor">
+      <a:schemeClr val="dk1"/>
+    </cs:fontRef>
+    <cs:spPr>
+      <a:solidFill>
+        <a:schemeClr val="lt1"/>
+      </a:solidFill>
+      <a:ln w="9525">
+        <a:solidFill>
+          <a:schemeClr val="tx1">
+            <a:lumMod val="15000"/>
+            <a:lumOff val="85000"/>
+          </a:schemeClr>
+        </a:solidFill>
+      </a:ln>
+    </cs:spPr>
+  </cs:upBar>
+  <cs:valueAxis>
+    <cs:lnRef idx="0"/>
+    <cs:fillRef idx="0"/>
+    <cs:effectRef idx="0"/>
+    <cs:fontRef idx="minor">
+      <a:schemeClr val="tx1">
+        <a:lumMod val="65000"/>
+        <a:lumOff val="35000"/>
+      </a:schemeClr>
+    </cs:fontRef>
+    <cs:defRPr sz="1197" kern="1200"/>
+  </cs:valueAxis>
+  <cs:wall>
+    <cs:lnRef idx="0"/>
+    <cs:fillRef idx="0"/>
+    <cs:effectRef idx="0"/>
+    <cs:fontRef idx="minor">
+      <a:schemeClr val="tx1"/>
+    </cs:fontRef>
+    <cs:spPr>
+      <a:noFill/>
+      <a:ln>
+        <a:noFill/>
+      </a:ln>
+    </cs:spPr>
+  </cs:wall>
+</cs:chartStyle>
 </file>
 
 <file path=ppt/diagrams/colors1.xml><?xml version="1.0" encoding="utf-8"?>
@@ -2773,7 +7158,7 @@
           <a:p>
             <a:fld id="{34EB93A8-DA20-AF40-AAB7-97274E8C4E9F}" type="slidenum">
               <a:rPr lang="pl-PL" smtClean="0"/>
-              <a:t>12</a:t>
+              <a:t>18</a:t>
             </a:fld>
             <a:endParaRPr lang="pl-PL"/>
           </a:p>
@@ -2857,7 +7242,7 @@
           <a:p>
             <a:fld id="{34EB93A8-DA20-AF40-AAB7-97274E8C4E9F}" type="slidenum">
               <a:rPr lang="pl-PL" smtClean="0"/>
-              <a:t>13</a:t>
+              <a:t>19</a:t>
             </a:fld>
             <a:endParaRPr lang="pl-PL"/>
           </a:p>
@@ -2941,7 +7326,7 @@
           <a:p>
             <a:fld id="{34EB93A8-DA20-AF40-AAB7-97274E8C4E9F}" type="slidenum">
               <a:rPr lang="pl-PL" smtClean="0"/>
-              <a:t>14</a:t>
+              <a:t>20</a:t>
             </a:fld>
             <a:endParaRPr lang="pl-PL"/>
           </a:p>
@@ -3025,7 +7410,7 @@
           <a:p>
             <a:fld id="{34EB93A8-DA20-AF40-AAB7-97274E8C4E9F}" type="slidenum">
               <a:rPr lang="pl-PL" smtClean="0"/>
-              <a:t>15</a:t>
+              <a:t>21</a:t>
             </a:fld>
             <a:endParaRPr lang="pl-PL"/>
           </a:p>
@@ -3109,7 +7494,7 @@
           <a:p>
             <a:fld id="{34EB93A8-DA20-AF40-AAB7-97274E8C4E9F}" type="slidenum">
               <a:rPr lang="pl-PL" smtClean="0"/>
-              <a:t>16</a:t>
+              <a:t>22</a:t>
             </a:fld>
             <a:endParaRPr lang="pl-PL"/>
           </a:p>
@@ -3193,7 +7578,7 @@
           <a:p>
             <a:fld id="{34EB93A8-DA20-AF40-AAB7-97274E8C4E9F}" type="slidenum">
               <a:rPr lang="pl-PL" smtClean="0"/>
-              <a:t>17</a:t>
+              <a:t>23</a:t>
             </a:fld>
             <a:endParaRPr lang="pl-PL"/>
           </a:p>
@@ -3277,7 +7662,7 @@
           <a:p>
             <a:fld id="{34EB93A8-DA20-AF40-AAB7-97274E8C4E9F}" type="slidenum">
               <a:rPr lang="pl-PL" smtClean="0"/>
-              <a:t>18</a:t>
+              <a:t>24</a:t>
             </a:fld>
             <a:endParaRPr lang="pl-PL"/>
           </a:p>
@@ -3361,7 +7746,7 @@
           <a:p>
             <a:fld id="{34EB93A8-DA20-AF40-AAB7-97274E8C4E9F}" type="slidenum">
               <a:rPr lang="pl-PL" smtClean="0"/>
-              <a:t>19</a:t>
+              <a:t>25</a:t>
             </a:fld>
             <a:endParaRPr lang="pl-PL"/>
           </a:p>
@@ -3445,7 +7830,7 @@
           <a:p>
             <a:fld id="{34EB93A8-DA20-AF40-AAB7-97274E8C4E9F}" type="slidenum">
               <a:rPr lang="pl-PL" smtClean="0"/>
-              <a:t>21</a:t>
+              <a:t>27</a:t>
             </a:fld>
             <a:endParaRPr lang="pl-PL"/>
           </a:p>
@@ -7072,10 +11457,273 @@
       </p:sp>
       <p:sp>
         <p:nvSpPr>
-          <p:cNvPr id="3" name="Content Placeholder 2">
+          <p:cNvPr id="5" name="TextBox 4">
             <a:extLst>
               <a:ext uri="{FF2B5EF4-FFF2-40B4-BE49-F238E27FC236}">
-                <a16:creationId xmlns:a16="http://schemas.microsoft.com/office/drawing/2014/main" id="{5DDE673A-D2E0-4C45-8275-36C71B08AF6C}"/>
+                <a16:creationId xmlns:a16="http://schemas.microsoft.com/office/drawing/2014/main" id="{BB098F85-80C4-B046-A1BA-5AF15578A0A4}"/>
+              </a:ext>
+            </a:extLst>
+          </p:cNvPr>
+          <p:cNvSpPr txBox="1"/>
+          <p:nvPr/>
+        </p:nvSpPr>
+        <p:spPr>
+          <a:xfrm>
+            <a:off x="1315233" y="1866378"/>
+            <a:ext cx="2968668" cy="1200329"/>
+          </a:xfrm>
+          <a:prstGeom prst="rect">
+            <a:avLst/>
+          </a:prstGeom>
+          <a:noFill/>
+        </p:spPr>
+        <p:txBody>
+          <a:bodyPr wrap="square" rtlCol="0">
+            <a:spAutoFit/>
+          </a:bodyPr>
+          <a:lstStyle/>
+          <a:p>
+            <a:pPr algn="ctr"/>
+            <a:r>
+              <a:rPr lang="pl-PL" sz="4000" dirty="0">
+                <a:solidFill>
+                  <a:schemeClr val="tx1">
+                    <a:lumMod val="50000"/>
+                    <a:lumOff val="50000"/>
+                  </a:schemeClr>
+                </a:solidFill>
+                <a:latin typeface="Futura Medium" panose="020B0602020204020303" pitchFamily="34" charset="-79"/>
+                <a:cs typeface="Futura Medium" panose="020B0602020204020303" pitchFamily="34" charset="-79"/>
+              </a:rPr>
+              <a:t>55%</a:t>
+            </a:r>
+          </a:p>
+          <a:p>
+            <a:pPr algn="ctr"/>
+            <a:r>
+              <a:rPr lang="pl-PL" sz="1600" dirty="0">
+                <a:solidFill>
+                  <a:schemeClr val="tx1">
+                    <a:lumMod val="50000"/>
+                    <a:lumOff val="50000"/>
+                  </a:schemeClr>
+                </a:solidFill>
+                <a:latin typeface="Futura Medium" panose="020B0602020204020303" pitchFamily="34" charset="-79"/>
+                <a:cs typeface="Futura Medium" panose="020B0602020204020303" pitchFamily="34" charset="-79"/>
+              </a:rPr>
+              <a:t>of </a:t>
+            </a:r>
+            <a:r>
+              <a:rPr lang="pl-PL" sz="1600" dirty="0" err="1">
+                <a:solidFill>
+                  <a:schemeClr val="tx1">
+                    <a:lumMod val="50000"/>
+                    <a:lumOff val="50000"/>
+                  </a:schemeClr>
+                </a:solidFill>
+                <a:latin typeface="Futura Medium" panose="020B0602020204020303" pitchFamily="34" charset="-79"/>
+                <a:cs typeface="Futura Medium" panose="020B0602020204020303" pitchFamily="34" charset="-79"/>
+              </a:rPr>
+              <a:t>our</a:t>
+            </a:r>
+            <a:r>
+              <a:rPr lang="pl-PL" sz="1600" dirty="0">
+                <a:solidFill>
+                  <a:schemeClr val="tx1">
+                    <a:lumMod val="50000"/>
+                    <a:lumOff val="50000"/>
+                  </a:schemeClr>
+                </a:solidFill>
+                <a:latin typeface="Futura Medium" panose="020B0602020204020303" pitchFamily="34" charset="-79"/>
+                <a:cs typeface="Futura Medium" panose="020B0602020204020303" pitchFamily="34" charset="-79"/>
+              </a:rPr>
+              <a:t> </a:t>
+            </a:r>
+            <a:r>
+              <a:rPr lang="pl-PL" sz="1600" dirty="0" err="1">
+                <a:solidFill>
+                  <a:schemeClr val="tx1">
+                    <a:lumMod val="50000"/>
+                    <a:lumOff val="50000"/>
+                  </a:schemeClr>
+                </a:solidFill>
+                <a:latin typeface="Futura Medium" panose="020B0602020204020303" pitchFamily="34" charset="-79"/>
+                <a:cs typeface="Futura Medium" panose="020B0602020204020303" pitchFamily="34" charset="-79"/>
+              </a:rPr>
+              <a:t>customers</a:t>
+            </a:r>
+            <a:r>
+              <a:rPr lang="pl-PL" sz="1600" dirty="0">
+                <a:solidFill>
+                  <a:schemeClr val="tx1">
+                    <a:lumMod val="50000"/>
+                    <a:lumOff val="50000"/>
+                  </a:schemeClr>
+                </a:solidFill>
+                <a:latin typeface="Futura Medium" panose="020B0602020204020303" pitchFamily="34" charset="-79"/>
+                <a:cs typeface="Futura Medium" panose="020B0602020204020303" pitchFamily="34" charset="-79"/>
+              </a:rPr>
+              <a:t> </a:t>
+            </a:r>
+            <a:r>
+              <a:rPr lang="pl-PL" sz="1600" dirty="0" err="1">
+                <a:solidFill>
+                  <a:schemeClr val="tx1">
+                    <a:lumMod val="50000"/>
+                    <a:lumOff val="50000"/>
+                  </a:schemeClr>
+                </a:solidFill>
+                <a:latin typeface="Futura Medium" panose="020B0602020204020303" pitchFamily="34" charset="-79"/>
+                <a:cs typeface="Futura Medium" panose="020B0602020204020303" pitchFamily="34" charset="-79"/>
+              </a:rPr>
+              <a:t>used</a:t>
+            </a:r>
+            <a:r>
+              <a:rPr lang="pl-PL" sz="1600" dirty="0">
+                <a:solidFill>
+                  <a:schemeClr val="tx1">
+                    <a:lumMod val="50000"/>
+                    <a:lumOff val="50000"/>
+                  </a:schemeClr>
+                </a:solidFill>
+                <a:latin typeface="Futura Medium" panose="020B0602020204020303" pitchFamily="34" charset="-79"/>
+                <a:cs typeface="Futura Medium" panose="020B0602020204020303" pitchFamily="34" charset="-79"/>
+              </a:rPr>
+              <a:t> </a:t>
+            </a:r>
+            <a:r>
+              <a:rPr lang="pl-PL" sz="1600" dirty="0" err="1">
+                <a:solidFill>
+                  <a:schemeClr val="accent6"/>
+                </a:solidFill>
+                <a:latin typeface="Futura Medium" panose="020B0602020204020303" pitchFamily="34" charset="-79"/>
+                <a:cs typeface="Futura Medium" panose="020B0602020204020303" pitchFamily="34" charset="-79"/>
+              </a:rPr>
+              <a:t>unique</a:t>
+            </a:r>
+            <a:endParaRPr lang="pl-PL" sz="1600" dirty="0">
+              <a:solidFill>
+                <a:schemeClr val="accent6"/>
+              </a:solidFill>
+              <a:latin typeface="Futura Medium" panose="020B0602020204020303" pitchFamily="34" charset="-79"/>
+              <a:cs typeface="Futura Medium" panose="020B0602020204020303" pitchFamily="34" charset="-79"/>
+            </a:endParaRPr>
+          </a:p>
+          <a:p>
+            <a:pPr algn="ctr"/>
+            <a:r>
+              <a:rPr lang="pl-PL" sz="1600" dirty="0" err="1">
+                <a:solidFill>
+                  <a:schemeClr val="tx1">
+                    <a:lumMod val="50000"/>
+                    <a:lumOff val="50000"/>
+                  </a:schemeClr>
+                </a:solidFill>
+                <a:latin typeface="Futura Medium" panose="020B0602020204020303" pitchFamily="34" charset="-79"/>
+                <a:cs typeface="Futura Medium" panose="020B0602020204020303" pitchFamily="34" charset="-79"/>
+              </a:rPr>
+              <a:t>customer</a:t>
+            </a:r>
+            <a:r>
+              <a:rPr lang="pl-PL" sz="1600" dirty="0">
+                <a:solidFill>
+                  <a:schemeClr val="tx1">
+                    <a:lumMod val="50000"/>
+                    <a:lumOff val="50000"/>
+                  </a:schemeClr>
+                </a:solidFill>
+                <a:latin typeface="Futura Medium" panose="020B0602020204020303" pitchFamily="34" charset="-79"/>
+                <a:cs typeface="Futura Medium" panose="020B0602020204020303" pitchFamily="34" charset="-79"/>
+              </a:rPr>
+              <a:t> </a:t>
+            </a:r>
+            <a:r>
+              <a:rPr lang="pl-PL" sz="1600" dirty="0" err="1">
+                <a:solidFill>
+                  <a:schemeClr val="tx1">
+                    <a:lumMod val="50000"/>
+                    <a:lumOff val="50000"/>
+                  </a:schemeClr>
+                </a:solidFill>
+                <a:latin typeface="Futura Medium" panose="020B0602020204020303" pitchFamily="34" charset="-79"/>
+                <a:cs typeface="Futura Medium" panose="020B0602020204020303" pitchFamily="34" charset="-79"/>
+              </a:rPr>
+              <a:t>code</a:t>
+            </a:r>
+            <a:endParaRPr lang="pl-PL" sz="1600" dirty="0">
+              <a:solidFill>
+                <a:schemeClr val="tx1">
+                  <a:lumMod val="50000"/>
+                  <a:lumOff val="50000"/>
+                </a:schemeClr>
+              </a:solidFill>
+              <a:latin typeface="Futura Medium" panose="020B0602020204020303" pitchFamily="34" charset="-79"/>
+              <a:cs typeface="Futura Medium" panose="020B0602020204020303" pitchFamily="34" charset="-79"/>
+            </a:endParaRPr>
+          </a:p>
+        </p:txBody>
+      </p:sp>
+      <p:sp>
+        <p:nvSpPr>
+          <p:cNvPr id="6" name="Content Placeholder 5">
+            <a:extLst>
+              <a:ext uri="{FF2B5EF4-FFF2-40B4-BE49-F238E27FC236}">
+                <a16:creationId xmlns:a16="http://schemas.microsoft.com/office/drawing/2014/main" id="{32ECADBC-691E-334F-BE4C-0181FC02817C}"/>
+              </a:ext>
+            </a:extLst>
+          </p:cNvPr>
+          <p:cNvSpPr>
+            <a:spLocks noGrp="1"/>
+          </p:cNvSpPr>
+          <p:nvPr>
+            <p:ph idx="1"/>
+          </p:nvPr>
+        </p:nvSpPr>
+        <p:spPr/>
+        <p:txBody>
+          <a:bodyPr/>
+          <a:lstStyle/>
+          <a:p>
+            <a:endParaRPr lang="pl-PL"/>
+          </a:p>
+        </p:txBody>
+      </p:sp>
+    </p:spTree>
+    <p:extLst>
+      <p:ext uri="{BB962C8B-B14F-4D97-AF65-F5344CB8AC3E}">
+        <p14:creationId xmlns:p14="http://schemas.microsoft.com/office/powerpoint/2010/main" val="2129566896"/>
+      </p:ext>
+    </p:extLst>
+  </p:cSld>
+  <p:clrMapOvr>
+    <a:masterClrMapping/>
+  </p:clrMapOvr>
+</p:sld>
+</file>
+
+<file path=ppt/slides/slide11.xml><?xml version="1.0" encoding="utf-8"?>
+<p:sld xmlns:a="http://schemas.openxmlformats.org/drawingml/2006/main" xmlns:r="http://schemas.openxmlformats.org/officeDocument/2006/relationships" xmlns:p="http://schemas.openxmlformats.org/presentationml/2006/main">
+  <p:cSld>
+    <p:spTree>
+      <p:nvGrpSpPr>
+        <p:cNvPr id="1" name=""/>
+        <p:cNvGrpSpPr/>
+        <p:nvPr/>
+      </p:nvGrpSpPr>
+      <p:grpSpPr>
+        <a:xfrm>
+          <a:off x="0" y="0"/>
+          <a:ext cx="0" cy="0"/>
+          <a:chOff x="0" y="0"/>
+          <a:chExt cx="0" cy="0"/>
+        </a:xfrm>
+      </p:grpSpPr>
+      <p:sp>
+        <p:nvSpPr>
+          <p:cNvPr id="6" name="Content Placeholder 5">
+            <a:extLst>
+              <a:ext uri="{FF2B5EF4-FFF2-40B4-BE49-F238E27FC236}">
+                <a16:creationId xmlns:a16="http://schemas.microsoft.com/office/drawing/2014/main" id="{32ECADBC-691E-334F-BE4C-0181FC02817C}"/>
               </a:ext>
             </a:extLst>
           </p:cNvPr>
@@ -7095,10 +11743,391 @@
           </a:p>
         </p:txBody>
       </p:sp>
+      <p:sp>
+        <p:nvSpPr>
+          <p:cNvPr id="5" name="TextBox 4">
+            <a:extLst>
+              <a:ext uri="{FF2B5EF4-FFF2-40B4-BE49-F238E27FC236}">
+                <a16:creationId xmlns:a16="http://schemas.microsoft.com/office/drawing/2014/main" id="{BB098F85-80C4-B046-A1BA-5AF15578A0A4}"/>
+              </a:ext>
+            </a:extLst>
+          </p:cNvPr>
+          <p:cNvSpPr txBox="1"/>
+          <p:nvPr/>
+        </p:nvSpPr>
+        <p:spPr>
+          <a:xfrm>
+            <a:off x="1315233" y="1866378"/>
+            <a:ext cx="2968668" cy="1446550"/>
+          </a:xfrm>
+          <a:prstGeom prst="rect">
+            <a:avLst/>
+          </a:prstGeom>
+          <a:noFill/>
+        </p:spPr>
+        <p:txBody>
+          <a:bodyPr wrap="square" rtlCol="0">
+            <a:spAutoFit/>
+          </a:bodyPr>
+          <a:lstStyle/>
+          <a:p>
+            <a:pPr algn="ctr"/>
+            <a:r>
+              <a:rPr lang="pl-PL" sz="4000" dirty="0">
+                <a:solidFill>
+                  <a:schemeClr val="tx1">
+                    <a:lumMod val="50000"/>
+                    <a:lumOff val="50000"/>
+                  </a:schemeClr>
+                </a:solidFill>
+                <a:latin typeface="Futura Medium" panose="020B0602020204020303" pitchFamily="34" charset="-79"/>
+                <a:cs typeface="Futura Medium" panose="020B0602020204020303" pitchFamily="34" charset="-79"/>
+              </a:rPr>
+              <a:t>55%</a:t>
+            </a:r>
+          </a:p>
+          <a:p>
+            <a:pPr algn="ctr"/>
+            <a:r>
+              <a:rPr lang="pl-PL" sz="1600" dirty="0">
+                <a:solidFill>
+                  <a:schemeClr val="tx1">
+                    <a:lumMod val="50000"/>
+                    <a:lumOff val="50000"/>
+                  </a:schemeClr>
+                </a:solidFill>
+                <a:latin typeface="Futura Medium" panose="020B0602020204020303" pitchFamily="34" charset="-79"/>
+                <a:cs typeface="Futura Medium" panose="020B0602020204020303" pitchFamily="34" charset="-79"/>
+              </a:rPr>
+              <a:t>of </a:t>
+            </a:r>
+            <a:r>
+              <a:rPr lang="pl-PL" sz="1600" dirty="0" err="1">
+                <a:solidFill>
+                  <a:schemeClr val="tx1">
+                    <a:lumMod val="50000"/>
+                    <a:lumOff val="50000"/>
+                  </a:schemeClr>
+                </a:solidFill>
+                <a:latin typeface="Futura Medium" panose="020B0602020204020303" pitchFamily="34" charset="-79"/>
+                <a:cs typeface="Futura Medium" panose="020B0602020204020303" pitchFamily="34" charset="-79"/>
+              </a:rPr>
+              <a:t>our</a:t>
+            </a:r>
+            <a:r>
+              <a:rPr lang="pl-PL" sz="1600" dirty="0">
+                <a:solidFill>
+                  <a:schemeClr val="tx1">
+                    <a:lumMod val="50000"/>
+                    <a:lumOff val="50000"/>
+                  </a:schemeClr>
+                </a:solidFill>
+                <a:latin typeface="Futura Medium" panose="020B0602020204020303" pitchFamily="34" charset="-79"/>
+                <a:cs typeface="Futura Medium" panose="020B0602020204020303" pitchFamily="34" charset="-79"/>
+              </a:rPr>
+              <a:t> </a:t>
+            </a:r>
+            <a:r>
+              <a:rPr lang="pl-PL" sz="1600" dirty="0" err="1">
+                <a:solidFill>
+                  <a:schemeClr val="tx1">
+                    <a:lumMod val="50000"/>
+                    <a:lumOff val="50000"/>
+                  </a:schemeClr>
+                </a:solidFill>
+                <a:latin typeface="Futura Medium" panose="020B0602020204020303" pitchFamily="34" charset="-79"/>
+                <a:cs typeface="Futura Medium" panose="020B0602020204020303" pitchFamily="34" charset="-79"/>
+              </a:rPr>
+              <a:t>customers</a:t>
+            </a:r>
+            <a:r>
+              <a:rPr lang="pl-PL" sz="1600" dirty="0">
+                <a:solidFill>
+                  <a:schemeClr val="tx1">
+                    <a:lumMod val="50000"/>
+                    <a:lumOff val="50000"/>
+                  </a:schemeClr>
+                </a:solidFill>
+                <a:latin typeface="Futura Medium" panose="020B0602020204020303" pitchFamily="34" charset="-79"/>
+                <a:cs typeface="Futura Medium" panose="020B0602020204020303" pitchFamily="34" charset="-79"/>
+              </a:rPr>
+              <a:t> </a:t>
+            </a:r>
+            <a:r>
+              <a:rPr lang="pl-PL" sz="1600" dirty="0" err="1">
+                <a:solidFill>
+                  <a:schemeClr val="tx1">
+                    <a:lumMod val="50000"/>
+                    <a:lumOff val="50000"/>
+                  </a:schemeClr>
+                </a:solidFill>
+                <a:latin typeface="Futura Medium" panose="020B0602020204020303" pitchFamily="34" charset="-79"/>
+                <a:cs typeface="Futura Medium" panose="020B0602020204020303" pitchFamily="34" charset="-79"/>
+              </a:rPr>
+              <a:t>used</a:t>
+            </a:r>
+            <a:r>
+              <a:rPr lang="pl-PL" sz="1600" dirty="0">
+                <a:solidFill>
+                  <a:schemeClr val="tx1">
+                    <a:lumMod val="50000"/>
+                    <a:lumOff val="50000"/>
+                  </a:schemeClr>
+                </a:solidFill>
+                <a:latin typeface="Futura Medium" panose="020B0602020204020303" pitchFamily="34" charset="-79"/>
+                <a:cs typeface="Futura Medium" panose="020B0602020204020303" pitchFamily="34" charset="-79"/>
+              </a:rPr>
+              <a:t> </a:t>
+            </a:r>
+            <a:r>
+              <a:rPr lang="pl-PL" sz="1600" dirty="0" err="1">
+                <a:solidFill>
+                  <a:schemeClr val="accent6"/>
+                </a:solidFill>
+                <a:latin typeface="Futura Medium" panose="020B0602020204020303" pitchFamily="34" charset="-79"/>
+                <a:cs typeface="Futura Medium" panose="020B0602020204020303" pitchFamily="34" charset="-79"/>
+              </a:rPr>
+              <a:t>unique</a:t>
+            </a:r>
+            <a:endParaRPr lang="pl-PL" sz="1600" dirty="0">
+              <a:solidFill>
+                <a:schemeClr val="accent6"/>
+              </a:solidFill>
+              <a:latin typeface="Futura Medium" panose="020B0602020204020303" pitchFamily="34" charset="-79"/>
+              <a:cs typeface="Futura Medium" panose="020B0602020204020303" pitchFamily="34" charset="-79"/>
+            </a:endParaRPr>
+          </a:p>
+          <a:p>
+            <a:pPr algn="ctr"/>
+            <a:r>
+              <a:rPr lang="pl-PL" sz="1600" dirty="0" err="1">
+                <a:solidFill>
+                  <a:schemeClr val="tx1">
+                    <a:lumMod val="50000"/>
+                    <a:lumOff val="50000"/>
+                  </a:schemeClr>
+                </a:solidFill>
+                <a:latin typeface="Futura Medium" panose="020B0602020204020303" pitchFamily="34" charset="-79"/>
+                <a:cs typeface="Futura Medium" panose="020B0602020204020303" pitchFamily="34" charset="-79"/>
+              </a:rPr>
+              <a:t>customer</a:t>
+            </a:r>
+            <a:r>
+              <a:rPr lang="pl-PL" sz="1600" dirty="0">
+                <a:solidFill>
+                  <a:schemeClr val="tx1">
+                    <a:lumMod val="50000"/>
+                    <a:lumOff val="50000"/>
+                  </a:schemeClr>
+                </a:solidFill>
+                <a:latin typeface="Futura Medium" panose="020B0602020204020303" pitchFamily="34" charset="-79"/>
+                <a:cs typeface="Futura Medium" panose="020B0602020204020303" pitchFamily="34" charset="-79"/>
+              </a:rPr>
+              <a:t> </a:t>
+            </a:r>
+            <a:r>
+              <a:rPr lang="pl-PL" sz="1600" dirty="0" err="1">
+                <a:solidFill>
+                  <a:schemeClr val="tx1">
+                    <a:lumMod val="50000"/>
+                    <a:lumOff val="50000"/>
+                  </a:schemeClr>
+                </a:solidFill>
+                <a:latin typeface="Futura Medium" panose="020B0602020204020303" pitchFamily="34" charset="-79"/>
+                <a:cs typeface="Futura Medium" panose="020B0602020204020303" pitchFamily="34" charset="-79"/>
+              </a:rPr>
+              <a:t>code</a:t>
+            </a:r>
+            <a:endParaRPr lang="pl-PL" sz="1600" dirty="0">
+              <a:solidFill>
+                <a:schemeClr val="tx1">
+                  <a:lumMod val="50000"/>
+                  <a:lumOff val="50000"/>
+                </a:schemeClr>
+              </a:solidFill>
+              <a:latin typeface="Futura Medium" panose="020B0602020204020303" pitchFamily="34" charset="-79"/>
+              <a:cs typeface="Futura Medium" panose="020B0602020204020303" pitchFamily="34" charset="-79"/>
+            </a:endParaRPr>
+          </a:p>
+          <a:p>
+            <a:pPr algn="ctr"/>
+            <a:r>
+              <a:rPr lang="pl-PL" sz="1600" dirty="0">
+                <a:solidFill>
+                  <a:srgbClr val="FF0000"/>
+                </a:solidFill>
+                <a:latin typeface="Futura Medium" panose="020B0602020204020303" pitchFamily="34" charset="-79"/>
+                <a:cs typeface="Futura Medium" panose="020B0602020204020303" pitchFamily="34" charset="-79"/>
+              </a:rPr>
+              <a:t>but the </a:t>
+            </a:r>
+            <a:r>
+              <a:rPr lang="pl-PL" sz="1600" dirty="0" err="1">
+                <a:solidFill>
+                  <a:srgbClr val="FF0000"/>
+                </a:solidFill>
+                <a:latin typeface="Futura Medium" panose="020B0602020204020303" pitchFamily="34" charset="-79"/>
+                <a:cs typeface="Futura Medium" panose="020B0602020204020303" pitchFamily="34" charset="-79"/>
+              </a:rPr>
+              <a:t>rest</a:t>
+            </a:r>
+            <a:r>
+              <a:rPr lang="pl-PL" sz="1600" dirty="0">
+                <a:solidFill>
+                  <a:srgbClr val="FF0000"/>
+                </a:solidFill>
+                <a:latin typeface="Futura Medium" panose="020B0602020204020303" pitchFamily="34" charset="-79"/>
+                <a:cs typeface="Futura Medium" panose="020B0602020204020303" pitchFamily="34" charset="-79"/>
+              </a:rPr>
+              <a:t> </a:t>
+            </a:r>
+            <a:r>
+              <a:rPr lang="pl-PL" sz="1600" dirty="0" err="1">
+                <a:solidFill>
+                  <a:srgbClr val="FF0000"/>
+                </a:solidFill>
+                <a:latin typeface="Futura Medium" panose="020B0602020204020303" pitchFamily="34" charset="-79"/>
+                <a:cs typeface="Futura Medium" panose="020B0602020204020303" pitchFamily="34" charset="-79"/>
+              </a:rPr>
+              <a:t>didnt</a:t>
+            </a:r>
+            <a:endParaRPr lang="pl-PL" sz="1600" dirty="0">
+              <a:solidFill>
+                <a:srgbClr val="FF0000"/>
+              </a:solidFill>
+              <a:latin typeface="Futura Medium" panose="020B0602020204020303" pitchFamily="34" charset="-79"/>
+              <a:cs typeface="Futura Medium" panose="020B0602020204020303" pitchFamily="34" charset="-79"/>
+            </a:endParaRPr>
+          </a:p>
+        </p:txBody>
+      </p:sp>
+      <p:sp>
+        <p:nvSpPr>
+          <p:cNvPr id="2" name="Title 1">
+            <a:extLst>
+              <a:ext uri="{FF2B5EF4-FFF2-40B4-BE49-F238E27FC236}">
+                <a16:creationId xmlns:a16="http://schemas.microsoft.com/office/drawing/2014/main" id="{0A7C844B-2424-E741-87B4-7B00AC4EF05C}"/>
+              </a:ext>
+            </a:extLst>
+          </p:cNvPr>
+          <p:cNvSpPr>
+            <a:spLocks noGrp="1"/>
+          </p:cNvSpPr>
+          <p:nvPr>
+            <p:ph type="title"/>
+          </p:nvPr>
+        </p:nvSpPr>
+        <p:spPr/>
+        <p:txBody>
+          <a:bodyPr>
+            <a:normAutofit/>
+          </a:bodyPr>
+          <a:lstStyle/>
+          <a:p>
+            <a:pPr algn="ctr"/>
+            <a:r>
+              <a:rPr lang="pl-PL" sz="3200" dirty="0" err="1">
+                <a:solidFill>
+                  <a:schemeClr val="accent1">
+                    <a:lumMod val="75000"/>
+                  </a:schemeClr>
+                </a:solidFill>
+                <a:latin typeface="Futura Medium" panose="020B0602020204020303" pitchFamily="34" charset="-79"/>
+                <a:cs typeface="Futura Medium" panose="020B0602020204020303" pitchFamily="34" charset="-79"/>
+              </a:rPr>
+              <a:t>Customer</a:t>
+            </a:r>
+            <a:r>
+              <a:rPr lang="pl-PL" sz="3200" dirty="0">
+                <a:solidFill>
+                  <a:schemeClr val="accent1">
+                    <a:lumMod val="75000"/>
+                  </a:schemeClr>
+                </a:solidFill>
+                <a:latin typeface="Futura Medium" panose="020B0602020204020303" pitchFamily="34" charset="-79"/>
+                <a:cs typeface="Futura Medium" panose="020B0602020204020303" pitchFamily="34" charset="-79"/>
+              </a:rPr>
+              <a:t> </a:t>
+            </a:r>
+            <a:r>
+              <a:rPr lang="pl-PL" sz="3200" dirty="0" err="1">
+                <a:solidFill>
+                  <a:schemeClr val="accent1">
+                    <a:lumMod val="75000"/>
+                  </a:schemeClr>
+                </a:solidFill>
+                <a:latin typeface="Futura Medium" panose="020B0602020204020303" pitchFamily="34" charset="-79"/>
+                <a:cs typeface="Futura Medium" panose="020B0602020204020303" pitchFamily="34" charset="-79"/>
+              </a:rPr>
+              <a:t>code</a:t>
+            </a:r>
+            <a:r>
+              <a:rPr lang="pl-PL" sz="3200" dirty="0">
+                <a:solidFill>
+                  <a:schemeClr val="accent1">
+                    <a:lumMod val="75000"/>
+                  </a:schemeClr>
+                </a:solidFill>
+                <a:latin typeface="Futura Medium" panose="020B0602020204020303" pitchFamily="34" charset="-79"/>
+                <a:cs typeface="Futura Medium" panose="020B0602020204020303" pitchFamily="34" charset="-79"/>
+              </a:rPr>
+              <a:t> – </a:t>
+            </a:r>
+            <a:r>
+              <a:rPr lang="pl-PL" sz="3200" dirty="0" err="1">
+                <a:solidFill>
+                  <a:schemeClr val="accent1">
+                    <a:lumMod val="75000"/>
+                  </a:schemeClr>
+                </a:solidFill>
+                <a:latin typeface="Futura Medium" panose="020B0602020204020303" pitchFamily="34" charset="-79"/>
+                <a:cs typeface="Futura Medium" panose="020B0602020204020303" pitchFamily="34" charset="-79"/>
+              </a:rPr>
+              <a:t>anomaly</a:t>
+            </a:r>
+            <a:r>
+              <a:rPr lang="pl-PL" sz="3200" dirty="0">
+                <a:solidFill>
+                  <a:schemeClr val="accent1">
+                    <a:lumMod val="75000"/>
+                  </a:schemeClr>
+                </a:solidFill>
+                <a:latin typeface="Futura Medium" panose="020B0602020204020303" pitchFamily="34" charset="-79"/>
+                <a:cs typeface="Futura Medium" panose="020B0602020204020303" pitchFamily="34" charset="-79"/>
+              </a:rPr>
+              <a:t> </a:t>
+            </a:r>
+            <a:r>
+              <a:rPr lang="pl-PL" sz="3200" dirty="0" err="1">
+                <a:solidFill>
+                  <a:schemeClr val="accent1">
+                    <a:lumMod val="75000"/>
+                  </a:schemeClr>
+                </a:solidFill>
+                <a:latin typeface="Futura Medium" panose="020B0602020204020303" pitchFamily="34" charset="-79"/>
+                <a:cs typeface="Futura Medium" panose="020B0602020204020303" pitchFamily="34" charset="-79"/>
+              </a:rPr>
+              <a:t>or</a:t>
+            </a:r>
+            <a:r>
+              <a:rPr lang="pl-PL" sz="3200" dirty="0">
+                <a:solidFill>
+                  <a:schemeClr val="accent1">
+                    <a:lumMod val="75000"/>
+                  </a:schemeClr>
+                </a:solidFill>
+                <a:latin typeface="Futura Medium" panose="020B0602020204020303" pitchFamily="34" charset="-79"/>
+                <a:cs typeface="Futura Medium" panose="020B0602020204020303" pitchFamily="34" charset="-79"/>
+              </a:rPr>
+              <a:t> trend?</a:t>
+            </a:r>
+          </a:p>
+        </p:txBody>
+      </p:sp>
     </p:spTree>
     <p:extLst>
       <p:ext uri="{BB962C8B-B14F-4D97-AF65-F5344CB8AC3E}">
-        <p14:creationId xmlns:p14="http://schemas.microsoft.com/office/powerpoint/2010/main" val="3981202011"/>
+        <p14:creationId xmlns:p14="http://schemas.microsoft.com/office/powerpoint/2010/main" val="2404584170"/>
       </p:ext>
     </p:extLst>
   </p:cSld>
@@ -7108,7 +12137,3744 @@
 </p:sld>
 </file>
 
-<file path=ppt/slides/slide11.xml><?xml version="1.0" encoding="utf-8"?>
+<file path=ppt/slides/slide12.xml><?xml version="1.0" encoding="utf-8"?>
+<p:sld xmlns:a="http://schemas.openxmlformats.org/drawingml/2006/main" xmlns:r="http://schemas.openxmlformats.org/officeDocument/2006/relationships" xmlns:p="http://schemas.openxmlformats.org/presentationml/2006/main">
+  <p:cSld>
+    <p:spTree>
+      <p:nvGrpSpPr>
+        <p:cNvPr id="1" name=""/>
+        <p:cNvGrpSpPr/>
+        <p:nvPr/>
+      </p:nvGrpSpPr>
+      <p:grpSpPr>
+        <a:xfrm>
+          <a:off x="0" y="0"/>
+          <a:ext cx="0" cy="0"/>
+          <a:chOff x="0" y="0"/>
+          <a:chExt cx="0" cy="0"/>
+        </a:xfrm>
+      </p:grpSpPr>
+      <p:sp>
+        <p:nvSpPr>
+          <p:cNvPr id="2" name="Title 1">
+            <a:extLst>
+              <a:ext uri="{FF2B5EF4-FFF2-40B4-BE49-F238E27FC236}">
+                <a16:creationId xmlns:a16="http://schemas.microsoft.com/office/drawing/2014/main" id="{0A7C844B-2424-E741-87B4-7B00AC4EF05C}"/>
+              </a:ext>
+            </a:extLst>
+          </p:cNvPr>
+          <p:cNvSpPr>
+            <a:spLocks noGrp="1"/>
+          </p:cNvSpPr>
+          <p:nvPr>
+            <p:ph type="title"/>
+          </p:nvPr>
+        </p:nvSpPr>
+        <p:spPr/>
+        <p:txBody>
+          <a:bodyPr>
+            <a:normAutofit/>
+          </a:bodyPr>
+          <a:lstStyle/>
+          <a:p>
+            <a:pPr algn="ctr"/>
+            <a:r>
+              <a:rPr lang="pl-PL" sz="3200" dirty="0" err="1">
+                <a:solidFill>
+                  <a:schemeClr val="accent1">
+                    <a:lumMod val="75000"/>
+                  </a:schemeClr>
+                </a:solidFill>
+                <a:latin typeface="Futura Medium" panose="020B0602020204020303" pitchFamily="34" charset="-79"/>
+                <a:cs typeface="Futura Medium" panose="020B0602020204020303" pitchFamily="34" charset="-79"/>
+              </a:rPr>
+              <a:t>Customer</a:t>
+            </a:r>
+            <a:r>
+              <a:rPr lang="pl-PL" sz="3200" dirty="0">
+                <a:solidFill>
+                  <a:schemeClr val="accent1">
+                    <a:lumMod val="75000"/>
+                  </a:schemeClr>
+                </a:solidFill>
+                <a:latin typeface="Futura Medium" panose="020B0602020204020303" pitchFamily="34" charset="-79"/>
+                <a:cs typeface="Futura Medium" panose="020B0602020204020303" pitchFamily="34" charset="-79"/>
+              </a:rPr>
+              <a:t> </a:t>
+            </a:r>
+            <a:r>
+              <a:rPr lang="pl-PL" sz="3200" dirty="0" err="1">
+                <a:solidFill>
+                  <a:schemeClr val="accent1">
+                    <a:lumMod val="75000"/>
+                  </a:schemeClr>
+                </a:solidFill>
+                <a:latin typeface="Futura Medium" panose="020B0602020204020303" pitchFamily="34" charset="-79"/>
+                <a:cs typeface="Futura Medium" panose="020B0602020204020303" pitchFamily="34" charset="-79"/>
+              </a:rPr>
+              <a:t>code</a:t>
+            </a:r>
+            <a:r>
+              <a:rPr lang="pl-PL" sz="3200" dirty="0">
+                <a:solidFill>
+                  <a:schemeClr val="accent1">
+                    <a:lumMod val="75000"/>
+                  </a:schemeClr>
+                </a:solidFill>
+                <a:latin typeface="Futura Medium" panose="020B0602020204020303" pitchFamily="34" charset="-79"/>
+                <a:cs typeface="Futura Medium" panose="020B0602020204020303" pitchFamily="34" charset="-79"/>
+              </a:rPr>
+              <a:t> – </a:t>
+            </a:r>
+            <a:r>
+              <a:rPr lang="pl-PL" sz="3200" dirty="0" err="1">
+                <a:solidFill>
+                  <a:schemeClr val="accent1">
+                    <a:lumMod val="75000"/>
+                  </a:schemeClr>
+                </a:solidFill>
+                <a:latin typeface="Futura Medium" panose="020B0602020204020303" pitchFamily="34" charset="-79"/>
+                <a:cs typeface="Futura Medium" panose="020B0602020204020303" pitchFamily="34" charset="-79"/>
+              </a:rPr>
+              <a:t>anomaly</a:t>
+            </a:r>
+            <a:r>
+              <a:rPr lang="pl-PL" sz="3200" dirty="0">
+                <a:solidFill>
+                  <a:schemeClr val="accent1">
+                    <a:lumMod val="75000"/>
+                  </a:schemeClr>
+                </a:solidFill>
+                <a:latin typeface="Futura Medium" panose="020B0602020204020303" pitchFamily="34" charset="-79"/>
+                <a:cs typeface="Futura Medium" panose="020B0602020204020303" pitchFamily="34" charset="-79"/>
+              </a:rPr>
+              <a:t> </a:t>
+            </a:r>
+            <a:r>
+              <a:rPr lang="pl-PL" sz="3200" dirty="0" err="1">
+                <a:solidFill>
+                  <a:schemeClr val="accent1">
+                    <a:lumMod val="75000"/>
+                  </a:schemeClr>
+                </a:solidFill>
+                <a:latin typeface="Futura Medium" panose="020B0602020204020303" pitchFamily="34" charset="-79"/>
+                <a:cs typeface="Futura Medium" panose="020B0602020204020303" pitchFamily="34" charset="-79"/>
+              </a:rPr>
+              <a:t>or</a:t>
+            </a:r>
+            <a:r>
+              <a:rPr lang="pl-PL" sz="3200" dirty="0">
+                <a:solidFill>
+                  <a:schemeClr val="accent1">
+                    <a:lumMod val="75000"/>
+                  </a:schemeClr>
+                </a:solidFill>
+                <a:latin typeface="Futura Medium" panose="020B0602020204020303" pitchFamily="34" charset="-79"/>
+                <a:cs typeface="Futura Medium" panose="020B0602020204020303" pitchFamily="34" charset="-79"/>
+              </a:rPr>
+              <a:t> trend?</a:t>
+            </a:r>
+          </a:p>
+        </p:txBody>
+      </p:sp>
+      <p:graphicFrame>
+        <p:nvGraphicFramePr>
+          <p:cNvPr id="8" name="Content Placeholder 7">
+            <a:extLst>
+              <a:ext uri="{FF2B5EF4-FFF2-40B4-BE49-F238E27FC236}">
+                <a16:creationId xmlns:a16="http://schemas.microsoft.com/office/drawing/2014/main" id="{D5428B50-4352-9749-AEC3-67043A7332CF}"/>
+              </a:ext>
+            </a:extLst>
+          </p:cNvPr>
+          <p:cNvGraphicFramePr>
+            <a:graphicFrameLocks noGrp="1"/>
+          </p:cNvGraphicFramePr>
+          <p:nvPr>
+            <p:ph idx="1"/>
+          </p:nvPr>
+        </p:nvGraphicFramePr>
+        <p:xfrm>
+          <a:off x="4871581" y="1690688"/>
+          <a:ext cx="2730674" cy="2017016"/>
+        </p:xfrm>
+        <a:graphic>
+          <a:graphicData uri="http://schemas.openxmlformats.org/drawingml/2006/chart">
+            <c:chart xmlns:c="http://schemas.openxmlformats.org/drawingml/2006/chart" xmlns:r="http://schemas.openxmlformats.org/officeDocument/2006/relationships" r:id="rId2"/>
+          </a:graphicData>
+        </a:graphic>
+      </p:graphicFrame>
+      <p:sp>
+        <p:nvSpPr>
+          <p:cNvPr id="5" name="TextBox 4">
+            <a:extLst>
+              <a:ext uri="{FF2B5EF4-FFF2-40B4-BE49-F238E27FC236}">
+                <a16:creationId xmlns:a16="http://schemas.microsoft.com/office/drawing/2014/main" id="{BB098F85-80C4-B046-A1BA-5AF15578A0A4}"/>
+              </a:ext>
+            </a:extLst>
+          </p:cNvPr>
+          <p:cNvSpPr txBox="1"/>
+          <p:nvPr/>
+        </p:nvSpPr>
+        <p:spPr>
+          <a:xfrm>
+            <a:off x="1315233" y="1866378"/>
+            <a:ext cx="2968668" cy="1446550"/>
+          </a:xfrm>
+          <a:prstGeom prst="rect">
+            <a:avLst/>
+          </a:prstGeom>
+          <a:noFill/>
+        </p:spPr>
+        <p:txBody>
+          <a:bodyPr wrap="square" rtlCol="0">
+            <a:spAutoFit/>
+          </a:bodyPr>
+          <a:lstStyle/>
+          <a:p>
+            <a:pPr algn="ctr"/>
+            <a:r>
+              <a:rPr lang="pl-PL" sz="4000" dirty="0">
+                <a:solidFill>
+                  <a:schemeClr val="bg2">
+                    <a:lumMod val="90000"/>
+                  </a:schemeClr>
+                </a:solidFill>
+                <a:latin typeface="Futura Medium" panose="020B0602020204020303" pitchFamily="34" charset="-79"/>
+                <a:cs typeface="Futura Medium" panose="020B0602020204020303" pitchFamily="34" charset="-79"/>
+              </a:rPr>
+              <a:t>55%</a:t>
+            </a:r>
+          </a:p>
+          <a:p>
+            <a:pPr algn="ctr"/>
+            <a:r>
+              <a:rPr lang="pl-PL" sz="1600" dirty="0">
+                <a:solidFill>
+                  <a:schemeClr val="bg2">
+                    <a:lumMod val="90000"/>
+                  </a:schemeClr>
+                </a:solidFill>
+                <a:latin typeface="Futura Medium" panose="020B0602020204020303" pitchFamily="34" charset="-79"/>
+                <a:cs typeface="Futura Medium" panose="020B0602020204020303" pitchFamily="34" charset="-79"/>
+              </a:rPr>
+              <a:t>of </a:t>
+            </a:r>
+            <a:r>
+              <a:rPr lang="pl-PL" sz="1600" dirty="0" err="1">
+                <a:solidFill>
+                  <a:schemeClr val="bg2">
+                    <a:lumMod val="90000"/>
+                  </a:schemeClr>
+                </a:solidFill>
+                <a:latin typeface="Futura Medium" panose="020B0602020204020303" pitchFamily="34" charset="-79"/>
+                <a:cs typeface="Futura Medium" panose="020B0602020204020303" pitchFamily="34" charset="-79"/>
+              </a:rPr>
+              <a:t>our</a:t>
+            </a:r>
+            <a:r>
+              <a:rPr lang="pl-PL" sz="1600" dirty="0">
+                <a:solidFill>
+                  <a:schemeClr val="bg2">
+                    <a:lumMod val="90000"/>
+                  </a:schemeClr>
+                </a:solidFill>
+                <a:latin typeface="Futura Medium" panose="020B0602020204020303" pitchFamily="34" charset="-79"/>
+                <a:cs typeface="Futura Medium" panose="020B0602020204020303" pitchFamily="34" charset="-79"/>
+              </a:rPr>
+              <a:t> </a:t>
+            </a:r>
+            <a:r>
+              <a:rPr lang="pl-PL" sz="1600" dirty="0" err="1">
+                <a:solidFill>
+                  <a:schemeClr val="bg2">
+                    <a:lumMod val="90000"/>
+                  </a:schemeClr>
+                </a:solidFill>
+                <a:latin typeface="Futura Medium" panose="020B0602020204020303" pitchFamily="34" charset="-79"/>
+                <a:cs typeface="Futura Medium" panose="020B0602020204020303" pitchFamily="34" charset="-79"/>
+              </a:rPr>
+              <a:t>customers</a:t>
+            </a:r>
+            <a:r>
+              <a:rPr lang="pl-PL" sz="1600" dirty="0">
+                <a:solidFill>
+                  <a:schemeClr val="bg2">
+                    <a:lumMod val="90000"/>
+                  </a:schemeClr>
+                </a:solidFill>
+                <a:latin typeface="Futura Medium" panose="020B0602020204020303" pitchFamily="34" charset="-79"/>
+                <a:cs typeface="Futura Medium" panose="020B0602020204020303" pitchFamily="34" charset="-79"/>
+              </a:rPr>
+              <a:t> </a:t>
+            </a:r>
+            <a:r>
+              <a:rPr lang="pl-PL" sz="1600" dirty="0" err="1">
+                <a:solidFill>
+                  <a:schemeClr val="bg2">
+                    <a:lumMod val="90000"/>
+                  </a:schemeClr>
+                </a:solidFill>
+                <a:latin typeface="Futura Medium" panose="020B0602020204020303" pitchFamily="34" charset="-79"/>
+                <a:cs typeface="Futura Medium" panose="020B0602020204020303" pitchFamily="34" charset="-79"/>
+              </a:rPr>
+              <a:t>used</a:t>
+            </a:r>
+            <a:r>
+              <a:rPr lang="pl-PL" sz="1600" dirty="0">
+                <a:solidFill>
+                  <a:schemeClr val="bg2">
+                    <a:lumMod val="90000"/>
+                  </a:schemeClr>
+                </a:solidFill>
+                <a:latin typeface="Futura Medium" panose="020B0602020204020303" pitchFamily="34" charset="-79"/>
+                <a:cs typeface="Futura Medium" panose="020B0602020204020303" pitchFamily="34" charset="-79"/>
+              </a:rPr>
+              <a:t> </a:t>
+            </a:r>
+            <a:r>
+              <a:rPr lang="pl-PL" sz="1600" dirty="0" err="1">
+                <a:solidFill>
+                  <a:schemeClr val="bg2">
+                    <a:lumMod val="90000"/>
+                  </a:schemeClr>
+                </a:solidFill>
+                <a:latin typeface="Futura Medium" panose="020B0602020204020303" pitchFamily="34" charset="-79"/>
+                <a:cs typeface="Futura Medium" panose="020B0602020204020303" pitchFamily="34" charset="-79"/>
+              </a:rPr>
+              <a:t>unique</a:t>
+            </a:r>
+            <a:endParaRPr lang="pl-PL" sz="1600" dirty="0">
+              <a:solidFill>
+                <a:schemeClr val="bg2">
+                  <a:lumMod val="90000"/>
+                </a:schemeClr>
+              </a:solidFill>
+              <a:latin typeface="Futura Medium" panose="020B0602020204020303" pitchFamily="34" charset="-79"/>
+              <a:cs typeface="Futura Medium" panose="020B0602020204020303" pitchFamily="34" charset="-79"/>
+            </a:endParaRPr>
+          </a:p>
+          <a:p>
+            <a:pPr algn="ctr"/>
+            <a:r>
+              <a:rPr lang="pl-PL" sz="1600" dirty="0" err="1">
+                <a:solidFill>
+                  <a:schemeClr val="bg2">
+                    <a:lumMod val="90000"/>
+                  </a:schemeClr>
+                </a:solidFill>
+                <a:latin typeface="Futura Medium" panose="020B0602020204020303" pitchFamily="34" charset="-79"/>
+                <a:cs typeface="Futura Medium" panose="020B0602020204020303" pitchFamily="34" charset="-79"/>
+              </a:rPr>
+              <a:t>customer</a:t>
+            </a:r>
+            <a:r>
+              <a:rPr lang="pl-PL" sz="1600" dirty="0">
+                <a:solidFill>
+                  <a:schemeClr val="bg2">
+                    <a:lumMod val="90000"/>
+                  </a:schemeClr>
+                </a:solidFill>
+                <a:latin typeface="Futura Medium" panose="020B0602020204020303" pitchFamily="34" charset="-79"/>
+                <a:cs typeface="Futura Medium" panose="020B0602020204020303" pitchFamily="34" charset="-79"/>
+              </a:rPr>
+              <a:t> </a:t>
+            </a:r>
+            <a:r>
+              <a:rPr lang="pl-PL" sz="1600" dirty="0" err="1">
+                <a:solidFill>
+                  <a:schemeClr val="bg2">
+                    <a:lumMod val="90000"/>
+                  </a:schemeClr>
+                </a:solidFill>
+                <a:latin typeface="Futura Medium" panose="020B0602020204020303" pitchFamily="34" charset="-79"/>
+                <a:cs typeface="Futura Medium" panose="020B0602020204020303" pitchFamily="34" charset="-79"/>
+              </a:rPr>
+              <a:t>code</a:t>
+            </a:r>
+            <a:endParaRPr lang="pl-PL" sz="1600" dirty="0">
+              <a:solidFill>
+                <a:schemeClr val="bg2">
+                  <a:lumMod val="90000"/>
+                </a:schemeClr>
+              </a:solidFill>
+              <a:latin typeface="Futura Medium" panose="020B0602020204020303" pitchFamily="34" charset="-79"/>
+              <a:cs typeface="Futura Medium" panose="020B0602020204020303" pitchFamily="34" charset="-79"/>
+            </a:endParaRPr>
+          </a:p>
+          <a:p>
+            <a:pPr algn="ctr"/>
+            <a:r>
+              <a:rPr lang="pl-PL" sz="1600" dirty="0">
+                <a:solidFill>
+                  <a:schemeClr val="bg2">
+                    <a:lumMod val="90000"/>
+                  </a:schemeClr>
+                </a:solidFill>
+                <a:latin typeface="Futura Medium" panose="020B0602020204020303" pitchFamily="34" charset="-79"/>
+                <a:cs typeface="Futura Medium" panose="020B0602020204020303" pitchFamily="34" charset="-79"/>
+              </a:rPr>
+              <a:t>but the </a:t>
+            </a:r>
+            <a:r>
+              <a:rPr lang="pl-PL" sz="1600" dirty="0" err="1">
+                <a:solidFill>
+                  <a:schemeClr val="bg2">
+                    <a:lumMod val="90000"/>
+                  </a:schemeClr>
+                </a:solidFill>
+                <a:latin typeface="Futura Medium" panose="020B0602020204020303" pitchFamily="34" charset="-79"/>
+                <a:cs typeface="Futura Medium" panose="020B0602020204020303" pitchFamily="34" charset="-79"/>
+              </a:rPr>
+              <a:t>rest</a:t>
+            </a:r>
+            <a:r>
+              <a:rPr lang="pl-PL" sz="1600" dirty="0">
+                <a:solidFill>
+                  <a:schemeClr val="bg2">
+                    <a:lumMod val="90000"/>
+                  </a:schemeClr>
+                </a:solidFill>
+                <a:latin typeface="Futura Medium" panose="020B0602020204020303" pitchFamily="34" charset="-79"/>
+                <a:cs typeface="Futura Medium" panose="020B0602020204020303" pitchFamily="34" charset="-79"/>
+              </a:rPr>
+              <a:t> </a:t>
+            </a:r>
+            <a:r>
+              <a:rPr lang="pl-PL" sz="1600" dirty="0" err="1">
+                <a:solidFill>
+                  <a:schemeClr val="bg2">
+                    <a:lumMod val="90000"/>
+                  </a:schemeClr>
+                </a:solidFill>
+                <a:latin typeface="Futura Medium" panose="020B0602020204020303" pitchFamily="34" charset="-79"/>
+                <a:cs typeface="Futura Medium" panose="020B0602020204020303" pitchFamily="34" charset="-79"/>
+              </a:rPr>
+              <a:t>didnt</a:t>
+            </a:r>
+            <a:endParaRPr lang="pl-PL" sz="1600" dirty="0">
+              <a:solidFill>
+                <a:schemeClr val="bg2">
+                  <a:lumMod val="90000"/>
+                </a:schemeClr>
+              </a:solidFill>
+              <a:latin typeface="Futura Medium" panose="020B0602020204020303" pitchFamily="34" charset="-79"/>
+              <a:cs typeface="Futura Medium" panose="020B0602020204020303" pitchFamily="34" charset="-79"/>
+            </a:endParaRPr>
+          </a:p>
+        </p:txBody>
+      </p:sp>
+    </p:spTree>
+    <p:extLst>
+      <p:ext uri="{BB962C8B-B14F-4D97-AF65-F5344CB8AC3E}">
+        <p14:creationId xmlns:p14="http://schemas.microsoft.com/office/powerpoint/2010/main" val="2434606139"/>
+      </p:ext>
+    </p:extLst>
+  </p:cSld>
+  <p:clrMapOvr>
+    <a:masterClrMapping/>
+  </p:clrMapOvr>
+</p:sld>
+</file>
+
+<file path=ppt/slides/slide13.xml><?xml version="1.0" encoding="utf-8"?>
+<p:sld xmlns:a="http://schemas.openxmlformats.org/drawingml/2006/main" xmlns:r="http://schemas.openxmlformats.org/officeDocument/2006/relationships" xmlns:p="http://schemas.openxmlformats.org/presentationml/2006/main">
+  <p:cSld>
+    <p:spTree>
+      <p:nvGrpSpPr>
+        <p:cNvPr id="1" name=""/>
+        <p:cNvGrpSpPr/>
+        <p:nvPr/>
+      </p:nvGrpSpPr>
+      <p:grpSpPr>
+        <a:xfrm>
+          <a:off x="0" y="0"/>
+          <a:ext cx="0" cy="0"/>
+          <a:chOff x="0" y="0"/>
+          <a:chExt cx="0" cy="0"/>
+        </a:xfrm>
+      </p:grpSpPr>
+      <p:sp>
+        <p:nvSpPr>
+          <p:cNvPr id="2" name="Title 1">
+            <a:extLst>
+              <a:ext uri="{FF2B5EF4-FFF2-40B4-BE49-F238E27FC236}">
+                <a16:creationId xmlns:a16="http://schemas.microsoft.com/office/drawing/2014/main" id="{0A7C844B-2424-E741-87B4-7B00AC4EF05C}"/>
+              </a:ext>
+            </a:extLst>
+          </p:cNvPr>
+          <p:cNvSpPr>
+            <a:spLocks noGrp="1"/>
+          </p:cNvSpPr>
+          <p:nvPr>
+            <p:ph type="title"/>
+          </p:nvPr>
+        </p:nvSpPr>
+        <p:spPr/>
+        <p:txBody>
+          <a:bodyPr>
+            <a:normAutofit/>
+          </a:bodyPr>
+          <a:lstStyle/>
+          <a:p>
+            <a:pPr algn="ctr"/>
+            <a:r>
+              <a:rPr lang="pl-PL" sz="3200" dirty="0" err="1">
+                <a:solidFill>
+                  <a:schemeClr val="accent1">
+                    <a:lumMod val="75000"/>
+                  </a:schemeClr>
+                </a:solidFill>
+                <a:latin typeface="Futura Medium" panose="020B0602020204020303" pitchFamily="34" charset="-79"/>
+                <a:cs typeface="Futura Medium" panose="020B0602020204020303" pitchFamily="34" charset="-79"/>
+              </a:rPr>
+              <a:t>Customer</a:t>
+            </a:r>
+            <a:r>
+              <a:rPr lang="pl-PL" sz="3200" dirty="0">
+                <a:solidFill>
+                  <a:schemeClr val="accent1">
+                    <a:lumMod val="75000"/>
+                  </a:schemeClr>
+                </a:solidFill>
+                <a:latin typeface="Futura Medium" panose="020B0602020204020303" pitchFamily="34" charset="-79"/>
+                <a:cs typeface="Futura Medium" panose="020B0602020204020303" pitchFamily="34" charset="-79"/>
+              </a:rPr>
+              <a:t> </a:t>
+            </a:r>
+            <a:r>
+              <a:rPr lang="pl-PL" sz="3200" dirty="0" err="1">
+                <a:solidFill>
+                  <a:schemeClr val="accent1">
+                    <a:lumMod val="75000"/>
+                  </a:schemeClr>
+                </a:solidFill>
+                <a:latin typeface="Futura Medium" panose="020B0602020204020303" pitchFamily="34" charset="-79"/>
+                <a:cs typeface="Futura Medium" panose="020B0602020204020303" pitchFamily="34" charset="-79"/>
+              </a:rPr>
+              <a:t>code</a:t>
+            </a:r>
+            <a:r>
+              <a:rPr lang="pl-PL" sz="3200" dirty="0">
+                <a:solidFill>
+                  <a:schemeClr val="accent1">
+                    <a:lumMod val="75000"/>
+                  </a:schemeClr>
+                </a:solidFill>
+                <a:latin typeface="Futura Medium" panose="020B0602020204020303" pitchFamily="34" charset="-79"/>
+                <a:cs typeface="Futura Medium" panose="020B0602020204020303" pitchFamily="34" charset="-79"/>
+              </a:rPr>
+              <a:t> – </a:t>
+            </a:r>
+            <a:r>
+              <a:rPr lang="pl-PL" sz="3200" dirty="0" err="1">
+                <a:solidFill>
+                  <a:schemeClr val="accent1">
+                    <a:lumMod val="75000"/>
+                  </a:schemeClr>
+                </a:solidFill>
+                <a:latin typeface="Futura Medium" panose="020B0602020204020303" pitchFamily="34" charset="-79"/>
+                <a:cs typeface="Futura Medium" panose="020B0602020204020303" pitchFamily="34" charset="-79"/>
+              </a:rPr>
+              <a:t>anomaly</a:t>
+            </a:r>
+            <a:r>
+              <a:rPr lang="pl-PL" sz="3200" dirty="0">
+                <a:solidFill>
+                  <a:schemeClr val="accent1">
+                    <a:lumMod val="75000"/>
+                  </a:schemeClr>
+                </a:solidFill>
+                <a:latin typeface="Futura Medium" panose="020B0602020204020303" pitchFamily="34" charset="-79"/>
+                <a:cs typeface="Futura Medium" panose="020B0602020204020303" pitchFamily="34" charset="-79"/>
+              </a:rPr>
+              <a:t> </a:t>
+            </a:r>
+            <a:r>
+              <a:rPr lang="pl-PL" sz="3200" dirty="0" err="1">
+                <a:solidFill>
+                  <a:schemeClr val="accent1">
+                    <a:lumMod val="75000"/>
+                  </a:schemeClr>
+                </a:solidFill>
+                <a:latin typeface="Futura Medium" panose="020B0602020204020303" pitchFamily="34" charset="-79"/>
+                <a:cs typeface="Futura Medium" panose="020B0602020204020303" pitchFamily="34" charset="-79"/>
+              </a:rPr>
+              <a:t>or</a:t>
+            </a:r>
+            <a:r>
+              <a:rPr lang="pl-PL" sz="3200" dirty="0">
+                <a:solidFill>
+                  <a:schemeClr val="accent1">
+                    <a:lumMod val="75000"/>
+                  </a:schemeClr>
+                </a:solidFill>
+                <a:latin typeface="Futura Medium" panose="020B0602020204020303" pitchFamily="34" charset="-79"/>
+                <a:cs typeface="Futura Medium" panose="020B0602020204020303" pitchFamily="34" charset="-79"/>
+              </a:rPr>
+              <a:t> trend?</a:t>
+            </a:r>
+          </a:p>
+        </p:txBody>
+      </p:sp>
+      <p:graphicFrame>
+        <p:nvGraphicFramePr>
+          <p:cNvPr id="8" name="Content Placeholder 7">
+            <a:extLst>
+              <a:ext uri="{FF2B5EF4-FFF2-40B4-BE49-F238E27FC236}">
+                <a16:creationId xmlns:a16="http://schemas.microsoft.com/office/drawing/2014/main" id="{D5428B50-4352-9749-AEC3-67043A7332CF}"/>
+              </a:ext>
+            </a:extLst>
+          </p:cNvPr>
+          <p:cNvGraphicFramePr>
+            <a:graphicFrameLocks noGrp="1"/>
+          </p:cNvGraphicFramePr>
+          <p:nvPr>
+            <p:ph idx="1"/>
+          </p:nvPr>
+        </p:nvGraphicFramePr>
+        <p:xfrm>
+          <a:off x="4871581" y="1690688"/>
+          <a:ext cx="2730674" cy="2017016"/>
+        </p:xfrm>
+        <a:graphic>
+          <a:graphicData uri="http://schemas.openxmlformats.org/drawingml/2006/chart">
+            <c:chart xmlns:c="http://schemas.openxmlformats.org/drawingml/2006/chart" xmlns:r="http://schemas.openxmlformats.org/officeDocument/2006/relationships" r:id="rId2"/>
+          </a:graphicData>
+        </a:graphic>
+      </p:graphicFrame>
+      <p:sp>
+        <p:nvSpPr>
+          <p:cNvPr id="5" name="TextBox 4">
+            <a:extLst>
+              <a:ext uri="{FF2B5EF4-FFF2-40B4-BE49-F238E27FC236}">
+                <a16:creationId xmlns:a16="http://schemas.microsoft.com/office/drawing/2014/main" id="{BB098F85-80C4-B046-A1BA-5AF15578A0A4}"/>
+              </a:ext>
+            </a:extLst>
+          </p:cNvPr>
+          <p:cNvSpPr txBox="1"/>
+          <p:nvPr/>
+        </p:nvSpPr>
+        <p:spPr>
+          <a:xfrm>
+            <a:off x="1315233" y="1866378"/>
+            <a:ext cx="2968668" cy="1446550"/>
+          </a:xfrm>
+          <a:prstGeom prst="rect">
+            <a:avLst/>
+          </a:prstGeom>
+          <a:noFill/>
+        </p:spPr>
+        <p:txBody>
+          <a:bodyPr wrap="square" rtlCol="0">
+            <a:spAutoFit/>
+          </a:bodyPr>
+          <a:lstStyle/>
+          <a:p>
+            <a:pPr algn="ctr"/>
+            <a:r>
+              <a:rPr lang="pl-PL" sz="4000" dirty="0">
+                <a:solidFill>
+                  <a:schemeClr val="bg2">
+                    <a:lumMod val="90000"/>
+                  </a:schemeClr>
+                </a:solidFill>
+                <a:latin typeface="Futura Medium" panose="020B0602020204020303" pitchFamily="34" charset="-79"/>
+                <a:cs typeface="Futura Medium" panose="020B0602020204020303" pitchFamily="34" charset="-79"/>
+              </a:rPr>
+              <a:t>55%</a:t>
+            </a:r>
+          </a:p>
+          <a:p>
+            <a:pPr algn="ctr"/>
+            <a:r>
+              <a:rPr lang="pl-PL" sz="1600" dirty="0">
+                <a:solidFill>
+                  <a:schemeClr val="bg2">
+                    <a:lumMod val="90000"/>
+                  </a:schemeClr>
+                </a:solidFill>
+                <a:latin typeface="Futura Medium" panose="020B0602020204020303" pitchFamily="34" charset="-79"/>
+                <a:cs typeface="Futura Medium" panose="020B0602020204020303" pitchFamily="34" charset="-79"/>
+              </a:rPr>
+              <a:t>of </a:t>
+            </a:r>
+            <a:r>
+              <a:rPr lang="pl-PL" sz="1600" dirty="0" err="1">
+                <a:solidFill>
+                  <a:schemeClr val="bg2">
+                    <a:lumMod val="90000"/>
+                  </a:schemeClr>
+                </a:solidFill>
+                <a:latin typeface="Futura Medium" panose="020B0602020204020303" pitchFamily="34" charset="-79"/>
+                <a:cs typeface="Futura Medium" panose="020B0602020204020303" pitchFamily="34" charset="-79"/>
+              </a:rPr>
+              <a:t>our</a:t>
+            </a:r>
+            <a:r>
+              <a:rPr lang="pl-PL" sz="1600" dirty="0">
+                <a:solidFill>
+                  <a:schemeClr val="bg2">
+                    <a:lumMod val="90000"/>
+                  </a:schemeClr>
+                </a:solidFill>
+                <a:latin typeface="Futura Medium" panose="020B0602020204020303" pitchFamily="34" charset="-79"/>
+                <a:cs typeface="Futura Medium" panose="020B0602020204020303" pitchFamily="34" charset="-79"/>
+              </a:rPr>
+              <a:t> </a:t>
+            </a:r>
+            <a:r>
+              <a:rPr lang="pl-PL" sz="1600" dirty="0" err="1">
+                <a:solidFill>
+                  <a:schemeClr val="bg2">
+                    <a:lumMod val="90000"/>
+                  </a:schemeClr>
+                </a:solidFill>
+                <a:latin typeface="Futura Medium" panose="020B0602020204020303" pitchFamily="34" charset="-79"/>
+                <a:cs typeface="Futura Medium" panose="020B0602020204020303" pitchFamily="34" charset="-79"/>
+              </a:rPr>
+              <a:t>customers</a:t>
+            </a:r>
+            <a:r>
+              <a:rPr lang="pl-PL" sz="1600" dirty="0">
+                <a:solidFill>
+                  <a:schemeClr val="bg2">
+                    <a:lumMod val="90000"/>
+                  </a:schemeClr>
+                </a:solidFill>
+                <a:latin typeface="Futura Medium" panose="020B0602020204020303" pitchFamily="34" charset="-79"/>
+                <a:cs typeface="Futura Medium" panose="020B0602020204020303" pitchFamily="34" charset="-79"/>
+              </a:rPr>
+              <a:t> </a:t>
+            </a:r>
+            <a:r>
+              <a:rPr lang="pl-PL" sz="1600" dirty="0" err="1">
+                <a:solidFill>
+                  <a:schemeClr val="bg2">
+                    <a:lumMod val="90000"/>
+                  </a:schemeClr>
+                </a:solidFill>
+                <a:latin typeface="Futura Medium" panose="020B0602020204020303" pitchFamily="34" charset="-79"/>
+                <a:cs typeface="Futura Medium" panose="020B0602020204020303" pitchFamily="34" charset="-79"/>
+              </a:rPr>
+              <a:t>used</a:t>
+            </a:r>
+            <a:r>
+              <a:rPr lang="pl-PL" sz="1600" dirty="0">
+                <a:solidFill>
+                  <a:schemeClr val="bg2">
+                    <a:lumMod val="90000"/>
+                  </a:schemeClr>
+                </a:solidFill>
+                <a:latin typeface="Futura Medium" panose="020B0602020204020303" pitchFamily="34" charset="-79"/>
+                <a:cs typeface="Futura Medium" panose="020B0602020204020303" pitchFamily="34" charset="-79"/>
+              </a:rPr>
+              <a:t> </a:t>
+            </a:r>
+            <a:r>
+              <a:rPr lang="pl-PL" sz="1600" dirty="0" err="1">
+                <a:solidFill>
+                  <a:schemeClr val="bg2">
+                    <a:lumMod val="90000"/>
+                  </a:schemeClr>
+                </a:solidFill>
+                <a:latin typeface="Futura Medium" panose="020B0602020204020303" pitchFamily="34" charset="-79"/>
+                <a:cs typeface="Futura Medium" panose="020B0602020204020303" pitchFamily="34" charset="-79"/>
+              </a:rPr>
+              <a:t>unique</a:t>
+            </a:r>
+            <a:endParaRPr lang="pl-PL" sz="1600" dirty="0">
+              <a:solidFill>
+                <a:schemeClr val="bg2">
+                  <a:lumMod val="90000"/>
+                </a:schemeClr>
+              </a:solidFill>
+              <a:latin typeface="Futura Medium" panose="020B0602020204020303" pitchFamily="34" charset="-79"/>
+              <a:cs typeface="Futura Medium" panose="020B0602020204020303" pitchFamily="34" charset="-79"/>
+            </a:endParaRPr>
+          </a:p>
+          <a:p>
+            <a:pPr algn="ctr"/>
+            <a:r>
+              <a:rPr lang="pl-PL" sz="1600" dirty="0" err="1">
+                <a:solidFill>
+                  <a:schemeClr val="bg2">
+                    <a:lumMod val="90000"/>
+                  </a:schemeClr>
+                </a:solidFill>
+                <a:latin typeface="Futura Medium" panose="020B0602020204020303" pitchFamily="34" charset="-79"/>
+                <a:cs typeface="Futura Medium" panose="020B0602020204020303" pitchFamily="34" charset="-79"/>
+              </a:rPr>
+              <a:t>customer</a:t>
+            </a:r>
+            <a:r>
+              <a:rPr lang="pl-PL" sz="1600" dirty="0">
+                <a:solidFill>
+                  <a:schemeClr val="bg2">
+                    <a:lumMod val="90000"/>
+                  </a:schemeClr>
+                </a:solidFill>
+                <a:latin typeface="Futura Medium" panose="020B0602020204020303" pitchFamily="34" charset="-79"/>
+                <a:cs typeface="Futura Medium" panose="020B0602020204020303" pitchFamily="34" charset="-79"/>
+              </a:rPr>
+              <a:t> </a:t>
+            </a:r>
+            <a:r>
+              <a:rPr lang="pl-PL" sz="1600" dirty="0" err="1">
+                <a:solidFill>
+                  <a:schemeClr val="bg2">
+                    <a:lumMod val="90000"/>
+                  </a:schemeClr>
+                </a:solidFill>
+                <a:latin typeface="Futura Medium" panose="020B0602020204020303" pitchFamily="34" charset="-79"/>
+                <a:cs typeface="Futura Medium" panose="020B0602020204020303" pitchFamily="34" charset="-79"/>
+              </a:rPr>
+              <a:t>code</a:t>
+            </a:r>
+            <a:endParaRPr lang="pl-PL" sz="1600" dirty="0">
+              <a:solidFill>
+                <a:schemeClr val="bg2">
+                  <a:lumMod val="90000"/>
+                </a:schemeClr>
+              </a:solidFill>
+              <a:latin typeface="Futura Medium" panose="020B0602020204020303" pitchFamily="34" charset="-79"/>
+              <a:cs typeface="Futura Medium" panose="020B0602020204020303" pitchFamily="34" charset="-79"/>
+            </a:endParaRPr>
+          </a:p>
+          <a:p>
+            <a:pPr algn="ctr"/>
+            <a:r>
+              <a:rPr lang="pl-PL" sz="1600" dirty="0">
+                <a:solidFill>
+                  <a:schemeClr val="bg2">
+                    <a:lumMod val="90000"/>
+                  </a:schemeClr>
+                </a:solidFill>
+                <a:latin typeface="Futura Medium" panose="020B0602020204020303" pitchFamily="34" charset="-79"/>
+                <a:cs typeface="Futura Medium" panose="020B0602020204020303" pitchFamily="34" charset="-79"/>
+              </a:rPr>
+              <a:t>but the </a:t>
+            </a:r>
+            <a:r>
+              <a:rPr lang="pl-PL" sz="1600" dirty="0" err="1">
+                <a:solidFill>
+                  <a:schemeClr val="bg2">
+                    <a:lumMod val="90000"/>
+                  </a:schemeClr>
+                </a:solidFill>
+                <a:latin typeface="Futura Medium" panose="020B0602020204020303" pitchFamily="34" charset="-79"/>
+                <a:cs typeface="Futura Medium" panose="020B0602020204020303" pitchFamily="34" charset="-79"/>
+              </a:rPr>
+              <a:t>rest</a:t>
+            </a:r>
+            <a:r>
+              <a:rPr lang="pl-PL" sz="1600" dirty="0">
+                <a:solidFill>
+                  <a:schemeClr val="bg2">
+                    <a:lumMod val="90000"/>
+                  </a:schemeClr>
+                </a:solidFill>
+                <a:latin typeface="Futura Medium" panose="020B0602020204020303" pitchFamily="34" charset="-79"/>
+                <a:cs typeface="Futura Medium" panose="020B0602020204020303" pitchFamily="34" charset="-79"/>
+              </a:rPr>
+              <a:t> </a:t>
+            </a:r>
+            <a:r>
+              <a:rPr lang="pl-PL" sz="1600" dirty="0" err="1">
+                <a:solidFill>
+                  <a:schemeClr val="bg2">
+                    <a:lumMod val="90000"/>
+                  </a:schemeClr>
+                </a:solidFill>
+                <a:latin typeface="Futura Medium" panose="020B0602020204020303" pitchFamily="34" charset="-79"/>
+                <a:cs typeface="Futura Medium" panose="020B0602020204020303" pitchFamily="34" charset="-79"/>
+              </a:rPr>
+              <a:t>didnt</a:t>
+            </a:r>
+            <a:endParaRPr lang="pl-PL" sz="1600" dirty="0">
+              <a:solidFill>
+                <a:schemeClr val="bg2">
+                  <a:lumMod val="90000"/>
+                </a:schemeClr>
+              </a:solidFill>
+              <a:latin typeface="Futura Medium" panose="020B0602020204020303" pitchFamily="34" charset="-79"/>
+              <a:cs typeface="Futura Medium" panose="020B0602020204020303" pitchFamily="34" charset="-79"/>
+            </a:endParaRPr>
+          </a:p>
+        </p:txBody>
+      </p:sp>
+      <p:sp>
+        <p:nvSpPr>
+          <p:cNvPr id="6" name="Right Arrow 5">
+            <a:extLst>
+              <a:ext uri="{FF2B5EF4-FFF2-40B4-BE49-F238E27FC236}">
+                <a16:creationId xmlns:a16="http://schemas.microsoft.com/office/drawing/2014/main" id="{19FF4173-7703-8446-9369-6F9EF3E4A14B}"/>
+              </a:ext>
+            </a:extLst>
+          </p:cNvPr>
+          <p:cNvSpPr/>
+          <p:nvPr/>
+        </p:nvSpPr>
+        <p:spPr>
+          <a:xfrm>
+            <a:off x="8029705" y="2290432"/>
+            <a:ext cx="965548" cy="817527"/>
+          </a:xfrm>
+          <a:prstGeom prst="rightArrow">
+            <a:avLst/>
+          </a:prstGeom>
+        </p:spPr>
+        <p:style>
+          <a:lnRef idx="2">
+            <a:schemeClr val="lt1">
+              <a:hueOff val="0"/>
+              <a:satOff val="0"/>
+              <a:lumOff val="0"/>
+              <a:alphaOff val="0"/>
+            </a:schemeClr>
+          </a:lnRef>
+          <a:fillRef idx="1">
+            <a:schemeClr val="accent1">
+              <a:hueOff val="0"/>
+              <a:satOff val="0"/>
+              <a:lumOff val="0"/>
+              <a:alphaOff val="0"/>
+            </a:schemeClr>
+          </a:fillRef>
+          <a:effectRef idx="0">
+            <a:schemeClr val="accent1">
+              <a:hueOff val="0"/>
+              <a:satOff val="0"/>
+              <a:lumOff val="0"/>
+              <a:alphaOff val="0"/>
+            </a:schemeClr>
+          </a:effectRef>
+          <a:fontRef idx="minor">
+            <a:schemeClr val="lt1"/>
+          </a:fontRef>
+        </p:style>
+      </p:sp>
+      <p:sp>
+        <p:nvSpPr>
+          <p:cNvPr id="3" name="TextBox 2">
+            <a:extLst>
+              <a:ext uri="{FF2B5EF4-FFF2-40B4-BE49-F238E27FC236}">
+                <a16:creationId xmlns:a16="http://schemas.microsoft.com/office/drawing/2014/main" id="{011138CD-1793-C746-B6BD-2F191C669D23}"/>
+              </a:ext>
+            </a:extLst>
+          </p:cNvPr>
+          <p:cNvSpPr txBox="1"/>
+          <p:nvPr/>
+        </p:nvSpPr>
+        <p:spPr>
+          <a:xfrm>
+            <a:off x="9705583" y="2112599"/>
+            <a:ext cx="2342367" cy="954107"/>
+          </a:xfrm>
+          <a:prstGeom prst="rect">
+            <a:avLst/>
+          </a:prstGeom>
+          <a:noFill/>
+        </p:spPr>
+        <p:txBody>
+          <a:bodyPr wrap="square" rtlCol="0">
+            <a:spAutoFit/>
+          </a:bodyPr>
+          <a:lstStyle/>
+          <a:p>
+            <a:pPr algn="ctr"/>
+            <a:r>
+              <a:rPr lang="pl-PL" sz="4000" dirty="0">
+                <a:solidFill>
+                  <a:srgbClr val="FF0000"/>
+                </a:solidFill>
+                <a:latin typeface="Futura Medium" panose="020B0602020204020303" pitchFamily="34" charset="-79"/>
+                <a:cs typeface="Futura Medium" panose="020B0602020204020303" pitchFamily="34" charset="-79"/>
+              </a:rPr>
+              <a:t>?</a:t>
+            </a:r>
+          </a:p>
+          <a:p>
+            <a:pPr algn="ctr"/>
+            <a:r>
+              <a:rPr lang="pl-PL" sz="1600" dirty="0">
+                <a:solidFill>
+                  <a:srgbClr val="FF0000"/>
+                </a:solidFill>
+                <a:latin typeface="Futura Medium" panose="020B0602020204020303" pitchFamily="34" charset="-79"/>
+                <a:cs typeface="Futura Medium" panose="020B0602020204020303" pitchFamily="34" charset="-79"/>
+              </a:rPr>
+              <a:t>data </a:t>
+            </a:r>
+            <a:r>
+              <a:rPr lang="pl-PL" sz="1600" dirty="0" err="1">
+                <a:solidFill>
+                  <a:srgbClr val="FF0000"/>
+                </a:solidFill>
+                <a:latin typeface="Futura Medium" panose="020B0602020204020303" pitchFamily="34" charset="-79"/>
+                <a:cs typeface="Futura Medium" panose="020B0602020204020303" pitchFamily="34" charset="-79"/>
+              </a:rPr>
+              <a:t>issue</a:t>
+            </a:r>
+            <a:r>
+              <a:rPr lang="pl-PL" sz="1600" dirty="0">
+                <a:solidFill>
+                  <a:srgbClr val="FF0000"/>
+                </a:solidFill>
+                <a:latin typeface="Futura Medium" panose="020B0602020204020303" pitchFamily="34" charset="-79"/>
+                <a:cs typeface="Futura Medium" panose="020B0602020204020303" pitchFamily="34" charset="-79"/>
+              </a:rPr>
+              <a:t>/</a:t>
+            </a:r>
+            <a:r>
+              <a:rPr lang="pl-PL" sz="1600" dirty="0" err="1">
+                <a:solidFill>
+                  <a:srgbClr val="FF0000"/>
+                </a:solidFill>
+                <a:latin typeface="Futura Medium" panose="020B0602020204020303" pitchFamily="34" charset="-79"/>
+                <a:cs typeface="Futura Medium" panose="020B0602020204020303" pitchFamily="34" charset="-79"/>
+              </a:rPr>
+              <a:t>anomaly</a:t>
+            </a:r>
+            <a:endParaRPr lang="pl-PL" sz="1600" dirty="0">
+              <a:solidFill>
+                <a:srgbClr val="FF0000"/>
+              </a:solidFill>
+              <a:latin typeface="Futura Medium" panose="020B0602020204020303" pitchFamily="34" charset="-79"/>
+              <a:cs typeface="Futura Medium" panose="020B0602020204020303" pitchFamily="34" charset="-79"/>
+            </a:endParaRPr>
+          </a:p>
+        </p:txBody>
+      </p:sp>
+    </p:spTree>
+    <p:extLst>
+      <p:ext uri="{BB962C8B-B14F-4D97-AF65-F5344CB8AC3E}">
+        <p14:creationId xmlns:p14="http://schemas.microsoft.com/office/powerpoint/2010/main" val="483462267"/>
+      </p:ext>
+    </p:extLst>
+  </p:cSld>
+  <p:clrMapOvr>
+    <a:masterClrMapping/>
+  </p:clrMapOvr>
+</p:sld>
+</file>
+
+<file path=ppt/slides/slide14.xml><?xml version="1.0" encoding="utf-8"?>
+<p:sld xmlns:a="http://schemas.openxmlformats.org/drawingml/2006/main" xmlns:r="http://schemas.openxmlformats.org/officeDocument/2006/relationships" xmlns:p="http://schemas.openxmlformats.org/presentationml/2006/main">
+  <p:cSld>
+    <p:spTree>
+      <p:nvGrpSpPr>
+        <p:cNvPr id="1" name=""/>
+        <p:cNvGrpSpPr/>
+        <p:nvPr/>
+      </p:nvGrpSpPr>
+      <p:grpSpPr>
+        <a:xfrm>
+          <a:off x="0" y="0"/>
+          <a:ext cx="0" cy="0"/>
+          <a:chOff x="0" y="0"/>
+          <a:chExt cx="0" cy="0"/>
+        </a:xfrm>
+      </p:grpSpPr>
+      <p:sp>
+        <p:nvSpPr>
+          <p:cNvPr id="2" name="Title 1">
+            <a:extLst>
+              <a:ext uri="{FF2B5EF4-FFF2-40B4-BE49-F238E27FC236}">
+                <a16:creationId xmlns:a16="http://schemas.microsoft.com/office/drawing/2014/main" id="{0A7C844B-2424-E741-87B4-7B00AC4EF05C}"/>
+              </a:ext>
+            </a:extLst>
+          </p:cNvPr>
+          <p:cNvSpPr>
+            <a:spLocks noGrp="1"/>
+          </p:cNvSpPr>
+          <p:nvPr>
+            <p:ph type="title"/>
+          </p:nvPr>
+        </p:nvSpPr>
+        <p:spPr/>
+        <p:txBody>
+          <a:bodyPr>
+            <a:normAutofit/>
+          </a:bodyPr>
+          <a:lstStyle/>
+          <a:p>
+            <a:pPr algn="ctr"/>
+            <a:r>
+              <a:rPr lang="pl-PL" sz="3200" dirty="0" err="1">
+                <a:solidFill>
+                  <a:schemeClr val="accent1">
+                    <a:lumMod val="75000"/>
+                  </a:schemeClr>
+                </a:solidFill>
+                <a:latin typeface="Futura Medium" panose="020B0602020204020303" pitchFamily="34" charset="-79"/>
+                <a:cs typeface="Futura Medium" panose="020B0602020204020303" pitchFamily="34" charset="-79"/>
+              </a:rPr>
+              <a:t>Customer</a:t>
+            </a:r>
+            <a:r>
+              <a:rPr lang="pl-PL" sz="3200" dirty="0">
+                <a:solidFill>
+                  <a:schemeClr val="accent1">
+                    <a:lumMod val="75000"/>
+                  </a:schemeClr>
+                </a:solidFill>
+                <a:latin typeface="Futura Medium" panose="020B0602020204020303" pitchFamily="34" charset="-79"/>
+                <a:cs typeface="Futura Medium" panose="020B0602020204020303" pitchFamily="34" charset="-79"/>
+              </a:rPr>
+              <a:t> </a:t>
+            </a:r>
+            <a:r>
+              <a:rPr lang="pl-PL" sz="3200" dirty="0" err="1">
+                <a:solidFill>
+                  <a:schemeClr val="accent1">
+                    <a:lumMod val="75000"/>
+                  </a:schemeClr>
+                </a:solidFill>
+                <a:latin typeface="Futura Medium" panose="020B0602020204020303" pitchFamily="34" charset="-79"/>
+                <a:cs typeface="Futura Medium" panose="020B0602020204020303" pitchFamily="34" charset="-79"/>
+              </a:rPr>
+              <a:t>code</a:t>
+            </a:r>
+            <a:r>
+              <a:rPr lang="pl-PL" sz="3200" dirty="0">
+                <a:solidFill>
+                  <a:schemeClr val="accent1">
+                    <a:lumMod val="75000"/>
+                  </a:schemeClr>
+                </a:solidFill>
+                <a:latin typeface="Futura Medium" panose="020B0602020204020303" pitchFamily="34" charset="-79"/>
+                <a:cs typeface="Futura Medium" panose="020B0602020204020303" pitchFamily="34" charset="-79"/>
+              </a:rPr>
+              <a:t> – </a:t>
+            </a:r>
+            <a:r>
+              <a:rPr lang="pl-PL" sz="3200" dirty="0" err="1">
+                <a:solidFill>
+                  <a:schemeClr val="accent1">
+                    <a:lumMod val="75000"/>
+                  </a:schemeClr>
+                </a:solidFill>
+                <a:latin typeface="Futura Medium" panose="020B0602020204020303" pitchFamily="34" charset="-79"/>
+                <a:cs typeface="Futura Medium" panose="020B0602020204020303" pitchFamily="34" charset="-79"/>
+              </a:rPr>
+              <a:t>anomaly</a:t>
+            </a:r>
+            <a:r>
+              <a:rPr lang="pl-PL" sz="3200" dirty="0">
+                <a:solidFill>
+                  <a:schemeClr val="accent1">
+                    <a:lumMod val="75000"/>
+                  </a:schemeClr>
+                </a:solidFill>
+                <a:latin typeface="Futura Medium" panose="020B0602020204020303" pitchFamily="34" charset="-79"/>
+                <a:cs typeface="Futura Medium" panose="020B0602020204020303" pitchFamily="34" charset="-79"/>
+              </a:rPr>
+              <a:t> </a:t>
+            </a:r>
+            <a:r>
+              <a:rPr lang="pl-PL" sz="3200" dirty="0" err="1">
+                <a:solidFill>
+                  <a:schemeClr val="accent1">
+                    <a:lumMod val="75000"/>
+                  </a:schemeClr>
+                </a:solidFill>
+                <a:latin typeface="Futura Medium" panose="020B0602020204020303" pitchFamily="34" charset="-79"/>
+                <a:cs typeface="Futura Medium" panose="020B0602020204020303" pitchFamily="34" charset="-79"/>
+              </a:rPr>
+              <a:t>or</a:t>
+            </a:r>
+            <a:r>
+              <a:rPr lang="pl-PL" sz="3200" dirty="0">
+                <a:solidFill>
+                  <a:schemeClr val="accent1">
+                    <a:lumMod val="75000"/>
+                  </a:schemeClr>
+                </a:solidFill>
+                <a:latin typeface="Futura Medium" panose="020B0602020204020303" pitchFamily="34" charset="-79"/>
+                <a:cs typeface="Futura Medium" panose="020B0602020204020303" pitchFamily="34" charset="-79"/>
+              </a:rPr>
+              <a:t> trend?</a:t>
+            </a:r>
+          </a:p>
+        </p:txBody>
+      </p:sp>
+      <p:graphicFrame>
+        <p:nvGraphicFramePr>
+          <p:cNvPr id="8" name="Content Placeholder 7">
+            <a:extLst>
+              <a:ext uri="{FF2B5EF4-FFF2-40B4-BE49-F238E27FC236}">
+                <a16:creationId xmlns:a16="http://schemas.microsoft.com/office/drawing/2014/main" id="{D5428B50-4352-9749-AEC3-67043A7332CF}"/>
+              </a:ext>
+            </a:extLst>
+          </p:cNvPr>
+          <p:cNvGraphicFramePr>
+            <a:graphicFrameLocks noGrp="1"/>
+          </p:cNvGraphicFramePr>
+          <p:nvPr>
+            <p:ph idx="1"/>
+          </p:nvPr>
+        </p:nvGraphicFramePr>
+        <p:xfrm>
+          <a:off x="4871581" y="1690688"/>
+          <a:ext cx="2730674" cy="2017016"/>
+        </p:xfrm>
+        <a:graphic>
+          <a:graphicData uri="http://schemas.openxmlformats.org/drawingml/2006/chart">
+            <c:chart xmlns:c="http://schemas.openxmlformats.org/drawingml/2006/chart" xmlns:r="http://schemas.openxmlformats.org/officeDocument/2006/relationships" r:id="rId2"/>
+          </a:graphicData>
+        </a:graphic>
+      </p:graphicFrame>
+      <p:sp>
+        <p:nvSpPr>
+          <p:cNvPr id="5" name="TextBox 4">
+            <a:extLst>
+              <a:ext uri="{FF2B5EF4-FFF2-40B4-BE49-F238E27FC236}">
+                <a16:creationId xmlns:a16="http://schemas.microsoft.com/office/drawing/2014/main" id="{BB098F85-80C4-B046-A1BA-5AF15578A0A4}"/>
+              </a:ext>
+            </a:extLst>
+          </p:cNvPr>
+          <p:cNvSpPr txBox="1"/>
+          <p:nvPr/>
+        </p:nvSpPr>
+        <p:spPr>
+          <a:xfrm>
+            <a:off x="1315233" y="1866378"/>
+            <a:ext cx="2968668" cy="1446550"/>
+          </a:xfrm>
+          <a:prstGeom prst="rect">
+            <a:avLst/>
+          </a:prstGeom>
+          <a:noFill/>
+        </p:spPr>
+        <p:txBody>
+          <a:bodyPr wrap="square" rtlCol="0">
+            <a:spAutoFit/>
+          </a:bodyPr>
+          <a:lstStyle/>
+          <a:p>
+            <a:pPr algn="ctr"/>
+            <a:r>
+              <a:rPr lang="pl-PL" sz="4000" dirty="0">
+                <a:solidFill>
+                  <a:schemeClr val="bg2">
+                    <a:lumMod val="90000"/>
+                  </a:schemeClr>
+                </a:solidFill>
+                <a:latin typeface="Futura Medium" panose="020B0602020204020303" pitchFamily="34" charset="-79"/>
+                <a:cs typeface="Futura Medium" panose="020B0602020204020303" pitchFamily="34" charset="-79"/>
+              </a:rPr>
+              <a:t>55%</a:t>
+            </a:r>
+          </a:p>
+          <a:p>
+            <a:pPr algn="ctr"/>
+            <a:r>
+              <a:rPr lang="pl-PL" sz="1600" dirty="0">
+                <a:solidFill>
+                  <a:schemeClr val="bg2">
+                    <a:lumMod val="90000"/>
+                  </a:schemeClr>
+                </a:solidFill>
+                <a:latin typeface="Futura Medium" panose="020B0602020204020303" pitchFamily="34" charset="-79"/>
+                <a:cs typeface="Futura Medium" panose="020B0602020204020303" pitchFamily="34" charset="-79"/>
+              </a:rPr>
+              <a:t>of </a:t>
+            </a:r>
+            <a:r>
+              <a:rPr lang="pl-PL" sz="1600" dirty="0" err="1">
+                <a:solidFill>
+                  <a:schemeClr val="bg2">
+                    <a:lumMod val="90000"/>
+                  </a:schemeClr>
+                </a:solidFill>
+                <a:latin typeface="Futura Medium" panose="020B0602020204020303" pitchFamily="34" charset="-79"/>
+                <a:cs typeface="Futura Medium" panose="020B0602020204020303" pitchFamily="34" charset="-79"/>
+              </a:rPr>
+              <a:t>our</a:t>
+            </a:r>
+            <a:r>
+              <a:rPr lang="pl-PL" sz="1600" dirty="0">
+                <a:solidFill>
+                  <a:schemeClr val="bg2">
+                    <a:lumMod val="90000"/>
+                  </a:schemeClr>
+                </a:solidFill>
+                <a:latin typeface="Futura Medium" panose="020B0602020204020303" pitchFamily="34" charset="-79"/>
+                <a:cs typeface="Futura Medium" panose="020B0602020204020303" pitchFamily="34" charset="-79"/>
+              </a:rPr>
+              <a:t> </a:t>
+            </a:r>
+            <a:r>
+              <a:rPr lang="pl-PL" sz="1600" dirty="0" err="1">
+                <a:solidFill>
+                  <a:schemeClr val="bg2">
+                    <a:lumMod val="90000"/>
+                  </a:schemeClr>
+                </a:solidFill>
+                <a:latin typeface="Futura Medium" panose="020B0602020204020303" pitchFamily="34" charset="-79"/>
+                <a:cs typeface="Futura Medium" panose="020B0602020204020303" pitchFamily="34" charset="-79"/>
+              </a:rPr>
+              <a:t>customers</a:t>
+            </a:r>
+            <a:r>
+              <a:rPr lang="pl-PL" sz="1600" dirty="0">
+                <a:solidFill>
+                  <a:schemeClr val="bg2">
+                    <a:lumMod val="90000"/>
+                  </a:schemeClr>
+                </a:solidFill>
+                <a:latin typeface="Futura Medium" panose="020B0602020204020303" pitchFamily="34" charset="-79"/>
+                <a:cs typeface="Futura Medium" panose="020B0602020204020303" pitchFamily="34" charset="-79"/>
+              </a:rPr>
+              <a:t> </a:t>
+            </a:r>
+            <a:r>
+              <a:rPr lang="pl-PL" sz="1600" dirty="0" err="1">
+                <a:solidFill>
+                  <a:schemeClr val="bg2">
+                    <a:lumMod val="90000"/>
+                  </a:schemeClr>
+                </a:solidFill>
+                <a:latin typeface="Futura Medium" panose="020B0602020204020303" pitchFamily="34" charset="-79"/>
+                <a:cs typeface="Futura Medium" panose="020B0602020204020303" pitchFamily="34" charset="-79"/>
+              </a:rPr>
+              <a:t>used</a:t>
+            </a:r>
+            <a:r>
+              <a:rPr lang="pl-PL" sz="1600" dirty="0">
+                <a:solidFill>
+                  <a:schemeClr val="bg2">
+                    <a:lumMod val="90000"/>
+                  </a:schemeClr>
+                </a:solidFill>
+                <a:latin typeface="Futura Medium" panose="020B0602020204020303" pitchFamily="34" charset="-79"/>
+                <a:cs typeface="Futura Medium" panose="020B0602020204020303" pitchFamily="34" charset="-79"/>
+              </a:rPr>
+              <a:t> </a:t>
+            </a:r>
+            <a:r>
+              <a:rPr lang="pl-PL" sz="1600" dirty="0" err="1">
+                <a:solidFill>
+                  <a:schemeClr val="bg2">
+                    <a:lumMod val="90000"/>
+                  </a:schemeClr>
+                </a:solidFill>
+                <a:latin typeface="Futura Medium" panose="020B0602020204020303" pitchFamily="34" charset="-79"/>
+                <a:cs typeface="Futura Medium" panose="020B0602020204020303" pitchFamily="34" charset="-79"/>
+              </a:rPr>
+              <a:t>unique</a:t>
+            </a:r>
+            <a:endParaRPr lang="pl-PL" sz="1600" dirty="0">
+              <a:solidFill>
+                <a:schemeClr val="bg2">
+                  <a:lumMod val="90000"/>
+                </a:schemeClr>
+              </a:solidFill>
+              <a:latin typeface="Futura Medium" panose="020B0602020204020303" pitchFamily="34" charset="-79"/>
+              <a:cs typeface="Futura Medium" panose="020B0602020204020303" pitchFamily="34" charset="-79"/>
+            </a:endParaRPr>
+          </a:p>
+          <a:p>
+            <a:pPr algn="ctr"/>
+            <a:r>
+              <a:rPr lang="pl-PL" sz="1600" dirty="0" err="1">
+                <a:solidFill>
+                  <a:schemeClr val="bg2">
+                    <a:lumMod val="90000"/>
+                  </a:schemeClr>
+                </a:solidFill>
+                <a:latin typeface="Futura Medium" panose="020B0602020204020303" pitchFamily="34" charset="-79"/>
+                <a:cs typeface="Futura Medium" panose="020B0602020204020303" pitchFamily="34" charset="-79"/>
+              </a:rPr>
+              <a:t>customer</a:t>
+            </a:r>
+            <a:r>
+              <a:rPr lang="pl-PL" sz="1600" dirty="0">
+                <a:solidFill>
+                  <a:schemeClr val="bg2">
+                    <a:lumMod val="90000"/>
+                  </a:schemeClr>
+                </a:solidFill>
+                <a:latin typeface="Futura Medium" panose="020B0602020204020303" pitchFamily="34" charset="-79"/>
+                <a:cs typeface="Futura Medium" panose="020B0602020204020303" pitchFamily="34" charset="-79"/>
+              </a:rPr>
+              <a:t> </a:t>
+            </a:r>
+            <a:r>
+              <a:rPr lang="pl-PL" sz="1600" dirty="0" err="1">
+                <a:solidFill>
+                  <a:schemeClr val="bg2">
+                    <a:lumMod val="90000"/>
+                  </a:schemeClr>
+                </a:solidFill>
+                <a:latin typeface="Futura Medium" panose="020B0602020204020303" pitchFamily="34" charset="-79"/>
+                <a:cs typeface="Futura Medium" panose="020B0602020204020303" pitchFamily="34" charset="-79"/>
+              </a:rPr>
+              <a:t>code</a:t>
+            </a:r>
+            <a:endParaRPr lang="pl-PL" sz="1600" dirty="0">
+              <a:solidFill>
+                <a:schemeClr val="bg2">
+                  <a:lumMod val="90000"/>
+                </a:schemeClr>
+              </a:solidFill>
+              <a:latin typeface="Futura Medium" panose="020B0602020204020303" pitchFamily="34" charset="-79"/>
+              <a:cs typeface="Futura Medium" panose="020B0602020204020303" pitchFamily="34" charset="-79"/>
+            </a:endParaRPr>
+          </a:p>
+          <a:p>
+            <a:pPr algn="ctr"/>
+            <a:r>
+              <a:rPr lang="pl-PL" sz="1600" dirty="0">
+                <a:solidFill>
+                  <a:schemeClr val="bg2">
+                    <a:lumMod val="90000"/>
+                  </a:schemeClr>
+                </a:solidFill>
+                <a:latin typeface="Futura Medium" panose="020B0602020204020303" pitchFamily="34" charset="-79"/>
+                <a:cs typeface="Futura Medium" panose="020B0602020204020303" pitchFamily="34" charset="-79"/>
+              </a:rPr>
+              <a:t>but the </a:t>
+            </a:r>
+            <a:r>
+              <a:rPr lang="pl-PL" sz="1600" dirty="0" err="1">
+                <a:solidFill>
+                  <a:schemeClr val="bg2">
+                    <a:lumMod val="90000"/>
+                  </a:schemeClr>
+                </a:solidFill>
+                <a:latin typeface="Futura Medium" panose="020B0602020204020303" pitchFamily="34" charset="-79"/>
+                <a:cs typeface="Futura Medium" panose="020B0602020204020303" pitchFamily="34" charset="-79"/>
+              </a:rPr>
+              <a:t>rest</a:t>
+            </a:r>
+            <a:r>
+              <a:rPr lang="pl-PL" sz="1600" dirty="0">
+                <a:solidFill>
+                  <a:schemeClr val="bg2">
+                    <a:lumMod val="90000"/>
+                  </a:schemeClr>
+                </a:solidFill>
+                <a:latin typeface="Futura Medium" panose="020B0602020204020303" pitchFamily="34" charset="-79"/>
+                <a:cs typeface="Futura Medium" panose="020B0602020204020303" pitchFamily="34" charset="-79"/>
+              </a:rPr>
+              <a:t> </a:t>
+            </a:r>
+            <a:r>
+              <a:rPr lang="pl-PL" sz="1600" dirty="0" err="1">
+                <a:solidFill>
+                  <a:schemeClr val="bg2">
+                    <a:lumMod val="90000"/>
+                  </a:schemeClr>
+                </a:solidFill>
+                <a:latin typeface="Futura Medium" panose="020B0602020204020303" pitchFamily="34" charset="-79"/>
+                <a:cs typeface="Futura Medium" panose="020B0602020204020303" pitchFamily="34" charset="-79"/>
+              </a:rPr>
+              <a:t>didnt</a:t>
+            </a:r>
+            <a:endParaRPr lang="pl-PL" sz="1600" dirty="0">
+              <a:solidFill>
+                <a:schemeClr val="bg2">
+                  <a:lumMod val="90000"/>
+                </a:schemeClr>
+              </a:solidFill>
+              <a:latin typeface="Futura Medium" panose="020B0602020204020303" pitchFamily="34" charset="-79"/>
+              <a:cs typeface="Futura Medium" panose="020B0602020204020303" pitchFamily="34" charset="-79"/>
+            </a:endParaRPr>
+          </a:p>
+        </p:txBody>
+      </p:sp>
+      <p:sp>
+        <p:nvSpPr>
+          <p:cNvPr id="6" name="Right Arrow 5">
+            <a:extLst>
+              <a:ext uri="{FF2B5EF4-FFF2-40B4-BE49-F238E27FC236}">
+                <a16:creationId xmlns:a16="http://schemas.microsoft.com/office/drawing/2014/main" id="{19FF4173-7703-8446-9369-6F9EF3E4A14B}"/>
+              </a:ext>
+            </a:extLst>
+          </p:cNvPr>
+          <p:cNvSpPr/>
+          <p:nvPr/>
+        </p:nvSpPr>
+        <p:spPr>
+          <a:xfrm>
+            <a:off x="8029705" y="2290432"/>
+            <a:ext cx="965548" cy="817527"/>
+          </a:xfrm>
+          <a:prstGeom prst="rightArrow">
+            <a:avLst/>
+          </a:prstGeom>
+          <a:solidFill>
+            <a:schemeClr val="bg2">
+              <a:lumMod val="90000"/>
+            </a:schemeClr>
+          </a:solidFill>
+          <a:ln>
+            <a:solidFill>
+              <a:schemeClr val="bg2">
+                <a:lumMod val="90000"/>
+              </a:schemeClr>
+            </a:solidFill>
+          </a:ln>
+        </p:spPr>
+        <p:style>
+          <a:lnRef idx="2">
+            <a:schemeClr val="lt1">
+              <a:hueOff val="0"/>
+              <a:satOff val="0"/>
+              <a:lumOff val="0"/>
+              <a:alphaOff val="0"/>
+            </a:schemeClr>
+          </a:lnRef>
+          <a:fillRef idx="1">
+            <a:schemeClr val="accent1">
+              <a:hueOff val="0"/>
+              <a:satOff val="0"/>
+              <a:lumOff val="0"/>
+              <a:alphaOff val="0"/>
+            </a:schemeClr>
+          </a:fillRef>
+          <a:effectRef idx="0">
+            <a:schemeClr val="accent1">
+              <a:hueOff val="0"/>
+              <a:satOff val="0"/>
+              <a:lumOff val="0"/>
+              <a:alphaOff val="0"/>
+            </a:schemeClr>
+          </a:effectRef>
+          <a:fontRef idx="minor">
+            <a:schemeClr val="lt1"/>
+          </a:fontRef>
+        </p:style>
+      </p:sp>
+      <p:sp>
+        <p:nvSpPr>
+          <p:cNvPr id="3" name="TextBox 2">
+            <a:extLst>
+              <a:ext uri="{FF2B5EF4-FFF2-40B4-BE49-F238E27FC236}">
+                <a16:creationId xmlns:a16="http://schemas.microsoft.com/office/drawing/2014/main" id="{011138CD-1793-C746-B6BD-2F191C669D23}"/>
+              </a:ext>
+            </a:extLst>
+          </p:cNvPr>
+          <p:cNvSpPr txBox="1"/>
+          <p:nvPr/>
+        </p:nvSpPr>
+        <p:spPr>
+          <a:xfrm>
+            <a:off x="9705583" y="2112599"/>
+            <a:ext cx="2342367" cy="954107"/>
+          </a:xfrm>
+          <a:prstGeom prst="rect">
+            <a:avLst/>
+          </a:prstGeom>
+          <a:noFill/>
+        </p:spPr>
+        <p:txBody>
+          <a:bodyPr wrap="square" rtlCol="0">
+            <a:spAutoFit/>
+          </a:bodyPr>
+          <a:lstStyle/>
+          <a:p>
+            <a:pPr algn="ctr"/>
+            <a:r>
+              <a:rPr lang="pl-PL" sz="4000" dirty="0">
+                <a:solidFill>
+                  <a:schemeClr val="bg2">
+                    <a:lumMod val="90000"/>
+                  </a:schemeClr>
+                </a:solidFill>
+                <a:latin typeface="Futura Medium" panose="020B0602020204020303" pitchFamily="34" charset="-79"/>
+                <a:cs typeface="Futura Medium" panose="020B0602020204020303" pitchFamily="34" charset="-79"/>
+              </a:rPr>
+              <a:t>?</a:t>
+            </a:r>
+          </a:p>
+          <a:p>
+            <a:pPr algn="ctr"/>
+            <a:r>
+              <a:rPr lang="pl-PL" sz="1600" dirty="0">
+                <a:solidFill>
+                  <a:schemeClr val="bg2">
+                    <a:lumMod val="90000"/>
+                  </a:schemeClr>
+                </a:solidFill>
+                <a:latin typeface="Futura Medium" panose="020B0602020204020303" pitchFamily="34" charset="-79"/>
+                <a:cs typeface="Futura Medium" panose="020B0602020204020303" pitchFamily="34" charset="-79"/>
+              </a:rPr>
+              <a:t>data </a:t>
+            </a:r>
+            <a:r>
+              <a:rPr lang="pl-PL" sz="1600" dirty="0" err="1">
+                <a:solidFill>
+                  <a:schemeClr val="bg2">
+                    <a:lumMod val="90000"/>
+                  </a:schemeClr>
+                </a:solidFill>
+                <a:latin typeface="Futura Medium" panose="020B0602020204020303" pitchFamily="34" charset="-79"/>
+                <a:cs typeface="Futura Medium" panose="020B0602020204020303" pitchFamily="34" charset="-79"/>
+              </a:rPr>
+              <a:t>issue</a:t>
+            </a:r>
+            <a:r>
+              <a:rPr lang="pl-PL" sz="1600" dirty="0">
+                <a:solidFill>
+                  <a:schemeClr val="bg2">
+                    <a:lumMod val="90000"/>
+                  </a:schemeClr>
+                </a:solidFill>
+                <a:latin typeface="Futura Medium" panose="020B0602020204020303" pitchFamily="34" charset="-79"/>
+                <a:cs typeface="Futura Medium" panose="020B0602020204020303" pitchFamily="34" charset="-79"/>
+              </a:rPr>
+              <a:t>/</a:t>
+            </a:r>
+            <a:r>
+              <a:rPr lang="pl-PL" sz="1600" dirty="0" err="1">
+                <a:solidFill>
+                  <a:schemeClr val="bg2">
+                    <a:lumMod val="90000"/>
+                  </a:schemeClr>
+                </a:solidFill>
+                <a:latin typeface="Futura Medium" panose="020B0602020204020303" pitchFamily="34" charset="-79"/>
+                <a:cs typeface="Futura Medium" panose="020B0602020204020303" pitchFamily="34" charset="-79"/>
+              </a:rPr>
+              <a:t>anomaly</a:t>
+            </a:r>
+            <a:endParaRPr lang="pl-PL" sz="1600" dirty="0">
+              <a:solidFill>
+                <a:schemeClr val="bg2">
+                  <a:lumMod val="90000"/>
+                </a:schemeClr>
+              </a:solidFill>
+              <a:latin typeface="Futura Medium" panose="020B0602020204020303" pitchFamily="34" charset="-79"/>
+              <a:cs typeface="Futura Medium" panose="020B0602020204020303" pitchFamily="34" charset="-79"/>
+            </a:endParaRPr>
+          </a:p>
+        </p:txBody>
+      </p:sp>
+      <p:cxnSp>
+        <p:nvCxnSpPr>
+          <p:cNvPr id="10" name="Straight Connector 9">
+            <a:extLst>
+              <a:ext uri="{FF2B5EF4-FFF2-40B4-BE49-F238E27FC236}">
+                <a16:creationId xmlns:a16="http://schemas.microsoft.com/office/drawing/2014/main" id="{F108E967-DFBC-EE41-B6A4-A8C384179943}"/>
+              </a:ext>
+            </a:extLst>
+          </p:cNvPr>
+          <p:cNvCxnSpPr/>
+          <p:nvPr/>
+        </p:nvCxnSpPr>
+        <p:spPr>
+          <a:xfrm flipH="1">
+            <a:off x="10235571" y="1925929"/>
+            <a:ext cx="1282390" cy="1182030"/>
+          </a:xfrm>
+          <a:prstGeom prst="line">
+            <a:avLst/>
+          </a:prstGeom>
+          <a:ln w="38100">
+            <a:solidFill>
+              <a:srgbClr val="FF0000"/>
+            </a:solidFill>
+          </a:ln>
+        </p:spPr>
+        <p:style>
+          <a:lnRef idx="1">
+            <a:schemeClr val="accent1"/>
+          </a:lnRef>
+          <a:fillRef idx="0">
+            <a:schemeClr val="accent1"/>
+          </a:fillRef>
+          <a:effectRef idx="0">
+            <a:schemeClr val="accent1"/>
+          </a:effectRef>
+          <a:fontRef idx="minor">
+            <a:schemeClr val="tx1"/>
+          </a:fontRef>
+        </p:style>
+      </p:cxnSp>
+      <p:cxnSp>
+        <p:nvCxnSpPr>
+          <p:cNvPr id="13" name="Straight Connector 12">
+            <a:extLst>
+              <a:ext uri="{FF2B5EF4-FFF2-40B4-BE49-F238E27FC236}">
+                <a16:creationId xmlns:a16="http://schemas.microsoft.com/office/drawing/2014/main" id="{25F54C8C-C9C4-A547-8E72-AC8EBBD53743}"/>
+              </a:ext>
+            </a:extLst>
+          </p:cNvPr>
+          <p:cNvCxnSpPr>
+            <a:cxnSpLocks/>
+          </p:cNvCxnSpPr>
+          <p:nvPr/>
+        </p:nvCxnSpPr>
+        <p:spPr>
+          <a:xfrm rot="5400000" flipH="1">
+            <a:off x="10235571" y="1925929"/>
+            <a:ext cx="1282390" cy="1182030"/>
+          </a:xfrm>
+          <a:prstGeom prst="line">
+            <a:avLst/>
+          </a:prstGeom>
+          <a:ln w="38100">
+            <a:solidFill>
+              <a:srgbClr val="FF0000"/>
+            </a:solidFill>
+          </a:ln>
+        </p:spPr>
+        <p:style>
+          <a:lnRef idx="1">
+            <a:schemeClr val="accent1"/>
+          </a:lnRef>
+          <a:fillRef idx="0">
+            <a:schemeClr val="accent1"/>
+          </a:fillRef>
+          <a:effectRef idx="0">
+            <a:schemeClr val="accent1"/>
+          </a:effectRef>
+          <a:fontRef idx="minor">
+            <a:schemeClr val="tx1"/>
+          </a:fontRef>
+        </p:style>
+      </p:cxnSp>
+    </p:spTree>
+    <p:extLst>
+      <p:ext uri="{BB962C8B-B14F-4D97-AF65-F5344CB8AC3E}">
+        <p14:creationId xmlns:p14="http://schemas.microsoft.com/office/powerpoint/2010/main" val="1192752300"/>
+      </p:ext>
+    </p:extLst>
+  </p:cSld>
+  <p:clrMapOvr>
+    <a:masterClrMapping/>
+  </p:clrMapOvr>
+</p:sld>
+</file>
+
+<file path=ppt/slides/slide15.xml><?xml version="1.0" encoding="utf-8"?>
+<p:sld xmlns:a="http://schemas.openxmlformats.org/drawingml/2006/main" xmlns:r="http://schemas.openxmlformats.org/officeDocument/2006/relationships" xmlns:p="http://schemas.openxmlformats.org/presentationml/2006/main">
+  <p:cSld>
+    <p:spTree>
+      <p:nvGrpSpPr>
+        <p:cNvPr id="1" name=""/>
+        <p:cNvGrpSpPr/>
+        <p:nvPr/>
+      </p:nvGrpSpPr>
+      <p:grpSpPr>
+        <a:xfrm>
+          <a:off x="0" y="0"/>
+          <a:ext cx="0" cy="0"/>
+          <a:chOff x="0" y="0"/>
+          <a:chExt cx="0" cy="0"/>
+        </a:xfrm>
+      </p:grpSpPr>
+      <p:sp>
+        <p:nvSpPr>
+          <p:cNvPr id="2" name="Title 1">
+            <a:extLst>
+              <a:ext uri="{FF2B5EF4-FFF2-40B4-BE49-F238E27FC236}">
+                <a16:creationId xmlns:a16="http://schemas.microsoft.com/office/drawing/2014/main" id="{0A7C844B-2424-E741-87B4-7B00AC4EF05C}"/>
+              </a:ext>
+            </a:extLst>
+          </p:cNvPr>
+          <p:cNvSpPr>
+            <a:spLocks noGrp="1"/>
+          </p:cNvSpPr>
+          <p:nvPr>
+            <p:ph type="title"/>
+          </p:nvPr>
+        </p:nvSpPr>
+        <p:spPr/>
+        <p:txBody>
+          <a:bodyPr>
+            <a:normAutofit/>
+          </a:bodyPr>
+          <a:lstStyle/>
+          <a:p>
+            <a:pPr algn="ctr"/>
+            <a:r>
+              <a:rPr lang="pl-PL" sz="3200" dirty="0" err="1">
+                <a:solidFill>
+                  <a:schemeClr val="accent1">
+                    <a:lumMod val="75000"/>
+                  </a:schemeClr>
+                </a:solidFill>
+                <a:latin typeface="Futura Medium" panose="020B0602020204020303" pitchFamily="34" charset="-79"/>
+                <a:cs typeface="Futura Medium" panose="020B0602020204020303" pitchFamily="34" charset="-79"/>
+              </a:rPr>
+              <a:t>Customer</a:t>
+            </a:r>
+            <a:r>
+              <a:rPr lang="pl-PL" sz="3200" dirty="0">
+                <a:solidFill>
+                  <a:schemeClr val="accent1">
+                    <a:lumMod val="75000"/>
+                  </a:schemeClr>
+                </a:solidFill>
+                <a:latin typeface="Futura Medium" panose="020B0602020204020303" pitchFamily="34" charset="-79"/>
+                <a:cs typeface="Futura Medium" panose="020B0602020204020303" pitchFamily="34" charset="-79"/>
+              </a:rPr>
+              <a:t> </a:t>
+            </a:r>
+            <a:r>
+              <a:rPr lang="pl-PL" sz="3200" dirty="0" err="1">
+                <a:solidFill>
+                  <a:schemeClr val="accent1">
+                    <a:lumMod val="75000"/>
+                  </a:schemeClr>
+                </a:solidFill>
+                <a:latin typeface="Futura Medium" panose="020B0602020204020303" pitchFamily="34" charset="-79"/>
+                <a:cs typeface="Futura Medium" panose="020B0602020204020303" pitchFamily="34" charset="-79"/>
+              </a:rPr>
+              <a:t>code</a:t>
+            </a:r>
+            <a:r>
+              <a:rPr lang="pl-PL" sz="3200" dirty="0">
+                <a:solidFill>
+                  <a:schemeClr val="accent1">
+                    <a:lumMod val="75000"/>
+                  </a:schemeClr>
+                </a:solidFill>
+                <a:latin typeface="Futura Medium" panose="020B0602020204020303" pitchFamily="34" charset="-79"/>
+                <a:cs typeface="Futura Medium" panose="020B0602020204020303" pitchFamily="34" charset="-79"/>
+              </a:rPr>
+              <a:t> – </a:t>
+            </a:r>
+            <a:r>
+              <a:rPr lang="pl-PL" sz="3200" dirty="0" err="1">
+                <a:solidFill>
+                  <a:schemeClr val="accent1">
+                    <a:lumMod val="75000"/>
+                  </a:schemeClr>
+                </a:solidFill>
+                <a:latin typeface="Futura Medium" panose="020B0602020204020303" pitchFamily="34" charset="-79"/>
+                <a:cs typeface="Futura Medium" panose="020B0602020204020303" pitchFamily="34" charset="-79"/>
+              </a:rPr>
+              <a:t>anomaly</a:t>
+            </a:r>
+            <a:r>
+              <a:rPr lang="pl-PL" sz="3200" dirty="0">
+                <a:solidFill>
+                  <a:schemeClr val="accent1">
+                    <a:lumMod val="75000"/>
+                  </a:schemeClr>
+                </a:solidFill>
+                <a:latin typeface="Futura Medium" panose="020B0602020204020303" pitchFamily="34" charset="-79"/>
+                <a:cs typeface="Futura Medium" panose="020B0602020204020303" pitchFamily="34" charset="-79"/>
+              </a:rPr>
+              <a:t> </a:t>
+            </a:r>
+            <a:r>
+              <a:rPr lang="pl-PL" sz="3200" dirty="0" err="1">
+                <a:solidFill>
+                  <a:schemeClr val="accent1">
+                    <a:lumMod val="75000"/>
+                  </a:schemeClr>
+                </a:solidFill>
+                <a:latin typeface="Futura Medium" panose="020B0602020204020303" pitchFamily="34" charset="-79"/>
+                <a:cs typeface="Futura Medium" panose="020B0602020204020303" pitchFamily="34" charset="-79"/>
+              </a:rPr>
+              <a:t>or</a:t>
+            </a:r>
+            <a:r>
+              <a:rPr lang="pl-PL" sz="3200" dirty="0">
+                <a:solidFill>
+                  <a:schemeClr val="accent1">
+                    <a:lumMod val="75000"/>
+                  </a:schemeClr>
+                </a:solidFill>
+                <a:latin typeface="Futura Medium" panose="020B0602020204020303" pitchFamily="34" charset="-79"/>
+                <a:cs typeface="Futura Medium" panose="020B0602020204020303" pitchFamily="34" charset="-79"/>
+              </a:rPr>
+              <a:t> trend?</a:t>
+            </a:r>
+          </a:p>
+        </p:txBody>
+      </p:sp>
+      <p:graphicFrame>
+        <p:nvGraphicFramePr>
+          <p:cNvPr id="8" name="Content Placeholder 7">
+            <a:extLst>
+              <a:ext uri="{FF2B5EF4-FFF2-40B4-BE49-F238E27FC236}">
+                <a16:creationId xmlns:a16="http://schemas.microsoft.com/office/drawing/2014/main" id="{D5428B50-4352-9749-AEC3-67043A7332CF}"/>
+              </a:ext>
+            </a:extLst>
+          </p:cNvPr>
+          <p:cNvGraphicFramePr>
+            <a:graphicFrameLocks noGrp="1"/>
+          </p:cNvGraphicFramePr>
+          <p:nvPr>
+            <p:ph idx="1"/>
+            <p:extLst>
+              <p:ext uri="{D42A27DB-BD31-4B8C-83A1-F6EECF244321}">
+                <p14:modId xmlns:p14="http://schemas.microsoft.com/office/powerpoint/2010/main" val="2946303658"/>
+              </p:ext>
+            </p:extLst>
+          </p:nvPr>
+        </p:nvGraphicFramePr>
+        <p:xfrm>
+          <a:off x="4871581" y="1690688"/>
+          <a:ext cx="2730674" cy="2017016"/>
+        </p:xfrm>
+        <a:graphic>
+          <a:graphicData uri="http://schemas.openxmlformats.org/drawingml/2006/chart">
+            <c:chart xmlns:c="http://schemas.openxmlformats.org/drawingml/2006/chart" xmlns:r="http://schemas.openxmlformats.org/officeDocument/2006/relationships" r:id="rId2"/>
+          </a:graphicData>
+        </a:graphic>
+      </p:graphicFrame>
+      <p:sp>
+        <p:nvSpPr>
+          <p:cNvPr id="5" name="TextBox 4">
+            <a:extLst>
+              <a:ext uri="{FF2B5EF4-FFF2-40B4-BE49-F238E27FC236}">
+                <a16:creationId xmlns:a16="http://schemas.microsoft.com/office/drawing/2014/main" id="{BB098F85-80C4-B046-A1BA-5AF15578A0A4}"/>
+              </a:ext>
+            </a:extLst>
+          </p:cNvPr>
+          <p:cNvSpPr txBox="1"/>
+          <p:nvPr/>
+        </p:nvSpPr>
+        <p:spPr>
+          <a:xfrm>
+            <a:off x="1315233" y="1866378"/>
+            <a:ext cx="2968668" cy="1446550"/>
+          </a:xfrm>
+          <a:prstGeom prst="rect">
+            <a:avLst/>
+          </a:prstGeom>
+          <a:noFill/>
+        </p:spPr>
+        <p:txBody>
+          <a:bodyPr wrap="square" rtlCol="0">
+            <a:spAutoFit/>
+          </a:bodyPr>
+          <a:lstStyle/>
+          <a:p>
+            <a:pPr algn="ctr"/>
+            <a:r>
+              <a:rPr lang="pl-PL" sz="4000" dirty="0">
+                <a:solidFill>
+                  <a:schemeClr val="bg2">
+                    <a:lumMod val="90000"/>
+                  </a:schemeClr>
+                </a:solidFill>
+                <a:latin typeface="Futura Medium" panose="020B0602020204020303" pitchFamily="34" charset="-79"/>
+                <a:cs typeface="Futura Medium" panose="020B0602020204020303" pitchFamily="34" charset="-79"/>
+              </a:rPr>
+              <a:t>55%</a:t>
+            </a:r>
+          </a:p>
+          <a:p>
+            <a:pPr algn="ctr"/>
+            <a:r>
+              <a:rPr lang="pl-PL" sz="1600" dirty="0">
+                <a:solidFill>
+                  <a:schemeClr val="bg2">
+                    <a:lumMod val="90000"/>
+                  </a:schemeClr>
+                </a:solidFill>
+                <a:latin typeface="Futura Medium" panose="020B0602020204020303" pitchFamily="34" charset="-79"/>
+                <a:cs typeface="Futura Medium" panose="020B0602020204020303" pitchFamily="34" charset="-79"/>
+              </a:rPr>
+              <a:t>of </a:t>
+            </a:r>
+            <a:r>
+              <a:rPr lang="pl-PL" sz="1600" dirty="0" err="1">
+                <a:solidFill>
+                  <a:schemeClr val="bg2">
+                    <a:lumMod val="90000"/>
+                  </a:schemeClr>
+                </a:solidFill>
+                <a:latin typeface="Futura Medium" panose="020B0602020204020303" pitchFamily="34" charset="-79"/>
+                <a:cs typeface="Futura Medium" panose="020B0602020204020303" pitchFamily="34" charset="-79"/>
+              </a:rPr>
+              <a:t>our</a:t>
+            </a:r>
+            <a:r>
+              <a:rPr lang="pl-PL" sz="1600" dirty="0">
+                <a:solidFill>
+                  <a:schemeClr val="bg2">
+                    <a:lumMod val="90000"/>
+                  </a:schemeClr>
+                </a:solidFill>
+                <a:latin typeface="Futura Medium" panose="020B0602020204020303" pitchFamily="34" charset="-79"/>
+                <a:cs typeface="Futura Medium" panose="020B0602020204020303" pitchFamily="34" charset="-79"/>
+              </a:rPr>
+              <a:t> </a:t>
+            </a:r>
+            <a:r>
+              <a:rPr lang="pl-PL" sz="1600" dirty="0" err="1">
+                <a:solidFill>
+                  <a:schemeClr val="bg2">
+                    <a:lumMod val="90000"/>
+                  </a:schemeClr>
+                </a:solidFill>
+                <a:latin typeface="Futura Medium" panose="020B0602020204020303" pitchFamily="34" charset="-79"/>
+                <a:cs typeface="Futura Medium" panose="020B0602020204020303" pitchFamily="34" charset="-79"/>
+              </a:rPr>
+              <a:t>customers</a:t>
+            </a:r>
+            <a:r>
+              <a:rPr lang="pl-PL" sz="1600" dirty="0">
+                <a:solidFill>
+                  <a:schemeClr val="bg2">
+                    <a:lumMod val="90000"/>
+                  </a:schemeClr>
+                </a:solidFill>
+                <a:latin typeface="Futura Medium" panose="020B0602020204020303" pitchFamily="34" charset="-79"/>
+                <a:cs typeface="Futura Medium" panose="020B0602020204020303" pitchFamily="34" charset="-79"/>
+              </a:rPr>
+              <a:t> </a:t>
+            </a:r>
+            <a:r>
+              <a:rPr lang="pl-PL" sz="1600" dirty="0" err="1">
+                <a:solidFill>
+                  <a:schemeClr val="bg2">
+                    <a:lumMod val="90000"/>
+                  </a:schemeClr>
+                </a:solidFill>
+                <a:latin typeface="Futura Medium" panose="020B0602020204020303" pitchFamily="34" charset="-79"/>
+                <a:cs typeface="Futura Medium" panose="020B0602020204020303" pitchFamily="34" charset="-79"/>
+              </a:rPr>
+              <a:t>used</a:t>
+            </a:r>
+            <a:r>
+              <a:rPr lang="pl-PL" sz="1600" dirty="0">
+                <a:solidFill>
+                  <a:schemeClr val="bg2">
+                    <a:lumMod val="90000"/>
+                  </a:schemeClr>
+                </a:solidFill>
+                <a:latin typeface="Futura Medium" panose="020B0602020204020303" pitchFamily="34" charset="-79"/>
+                <a:cs typeface="Futura Medium" panose="020B0602020204020303" pitchFamily="34" charset="-79"/>
+              </a:rPr>
+              <a:t> </a:t>
+            </a:r>
+            <a:r>
+              <a:rPr lang="pl-PL" sz="1600" dirty="0" err="1">
+                <a:solidFill>
+                  <a:schemeClr val="bg2">
+                    <a:lumMod val="90000"/>
+                  </a:schemeClr>
+                </a:solidFill>
+                <a:latin typeface="Futura Medium" panose="020B0602020204020303" pitchFamily="34" charset="-79"/>
+                <a:cs typeface="Futura Medium" panose="020B0602020204020303" pitchFamily="34" charset="-79"/>
+              </a:rPr>
+              <a:t>unique</a:t>
+            </a:r>
+            <a:endParaRPr lang="pl-PL" sz="1600" dirty="0">
+              <a:solidFill>
+                <a:schemeClr val="bg2">
+                  <a:lumMod val="90000"/>
+                </a:schemeClr>
+              </a:solidFill>
+              <a:latin typeface="Futura Medium" panose="020B0602020204020303" pitchFamily="34" charset="-79"/>
+              <a:cs typeface="Futura Medium" panose="020B0602020204020303" pitchFamily="34" charset="-79"/>
+            </a:endParaRPr>
+          </a:p>
+          <a:p>
+            <a:pPr algn="ctr"/>
+            <a:r>
+              <a:rPr lang="pl-PL" sz="1600" dirty="0" err="1">
+                <a:solidFill>
+                  <a:schemeClr val="bg2">
+                    <a:lumMod val="90000"/>
+                  </a:schemeClr>
+                </a:solidFill>
+                <a:latin typeface="Futura Medium" panose="020B0602020204020303" pitchFamily="34" charset="-79"/>
+                <a:cs typeface="Futura Medium" panose="020B0602020204020303" pitchFamily="34" charset="-79"/>
+              </a:rPr>
+              <a:t>customer</a:t>
+            </a:r>
+            <a:r>
+              <a:rPr lang="pl-PL" sz="1600" dirty="0">
+                <a:solidFill>
+                  <a:schemeClr val="bg2">
+                    <a:lumMod val="90000"/>
+                  </a:schemeClr>
+                </a:solidFill>
+                <a:latin typeface="Futura Medium" panose="020B0602020204020303" pitchFamily="34" charset="-79"/>
+                <a:cs typeface="Futura Medium" panose="020B0602020204020303" pitchFamily="34" charset="-79"/>
+              </a:rPr>
+              <a:t> </a:t>
+            </a:r>
+            <a:r>
+              <a:rPr lang="pl-PL" sz="1600" dirty="0" err="1">
+                <a:solidFill>
+                  <a:schemeClr val="bg2">
+                    <a:lumMod val="90000"/>
+                  </a:schemeClr>
+                </a:solidFill>
+                <a:latin typeface="Futura Medium" panose="020B0602020204020303" pitchFamily="34" charset="-79"/>
+                <a:cs typeface="Futura Medium" panose="020B0602020204020303" pitchFamily="34" charset="-79"/>
+              </a:rPr>
+              <a:t>code</a:t>
+            </a:r>
+            <a:endParaRPr lang="pl-PL" sz="1600" dirty="0">
+              <a:solidFill>
+                <a:schemeClr val="bg2">
+                  <a:lumMod val="90000"/>
+                </a:schemeClr>
+              </a:solidFill>
+              <a:latin typeface="Futura Medium" panose="020B0602020204020303" pitchFamily="34" charset="-79"/>
+              <a:cs typeface="Futura Medium" panose="020B0602020204020303" pitchFamily="34" charset="-79"/>
+            </a:endParaRPr>
+          </a:p>
+          <a:p>
+            <a:pPr algn="ctr"/>
+            <a:r>
+              <a:rPr lang="pl-PL" sz="1600" dirty="0">
+                <a:solidFill>
+                  <a:schemeClr val="bg2">
+                    <a:lumMod val="90000"/>
+                  </a:schemeClr>
+                </a:solidFill>
+                <a:latin typeface="Futura Medium" panose="020B0602020204020303" pitchFamily="34" charset="-79"/>
+                <a:cs typeface="Futura Medium" panose="020B0602020204020303" pitchFamily="34" charset="-79"/>
+              </a:rPr>
+              <a:t>but the </a:t>
+            </a:r>
+            <a:r>
+              <a:rPr lang="pl-PL" sz="1600" dirty="0" err="1">
+                <a:solidFill>
+                  <a:schemeClr val="bg2">
+                    <a:lumMod val="90000"/>
+                  </a:schemeClr>
+                </a:solidFill>
+                <a:latin typeface="Futura Medium" panose="020B0602020204020303" pitchFamily="34" charset="-79"/>
+                <a:cs typeface="Futura Medium" panose="020B0602020204020303" pitchFamily="34" charset="-79"/>
+              </a:rPr>
+              <a:t>rest</a:t>
+            </a:r>
+            <a:r>
+              <a:rPr lang="pl-PL" sz="1600" dirty="0">
+                <a:solidFill>
+                  <a:schemeClr val="bg2">
+                    <a:lumMod val="90000"/>
+                  </a:schemeClr>
+                </a:solidFill>
+                <a:latin typeface="Futura Medium" panose="020B0602020204020303" pitchFamily="34" charset="-79"/>
+                <a:cs typeface="Futura Medium" panose="020B0602020204020303" pitchFamily="34" charset="-79"/>
+              </a:rPr>
+              <a:t> </a:t>
+            </a:r>
+            <a:r>
+              <a:rPr lang="pl-PL" sz="1600" dirty="0" err="1">
+                <a:solidFill>
+                  <a:schemeClr val="bg2">
+                    <a:lumMod val="90000"/>
+                  </a:schemeClr>
+                </a:solidFill>
+                <a:latin typeface="Futura Medium" panose="020B0602020204020303" pitchFamily="34" charset="-79"/>
+                <a:cs typeface="Futura Medium" panose="020B0602020204020303" pitchFamily="34" charset="-79"/>
+              </a:rPr>
+              <a:t>didnt</a:t>
+            </a:r>
+            <a:endParaRPr lang="pl-PL" sz="1600" dirty="0">
+              <a:solidFill>
+                <a:schemeClr val="bg2">
+                  <a:lumMod val="90000"/>
+                </a:schemeClr>
+              </a:solidFill>
+              <a:latin typeface="Futura Medium" panose="020B0602020204020303" pitchFamily="34" charset="-79"/>
+              <a:cs typeface="Futura Medium" panose="020B0602020204020303" pitchFamily="34" charset="-79"/>
+            </a:endParaRPr>
+          </a:p>
+        </p:txBody>
+      </p:sp>
+      <p:sp>
+        <p:nvSpPr>
+          <p:cNvPr id="6" name="Right Arrow 5">
+            <a:extLst>
+              <a:ext uri="{FF2B5EF4-FFF2-40B4-BE49-F238E27FC236}">
+                <a16:creationId xmlns:a16="http://schemas.microsoft.com/office/drawing/2014/main" id="{19FF4173-7703-8446-9369-6F9EF3E4A14B}"/>
+              </a:ext>
+            </a:extLst>
+          </p:cNvPr>
+          <p:cNvSpPr/>
+          <p:nvPr/>
+        </p:nvSpPr>
+        <p:spPr>
+          <a:xfrm>
+            <a:off x="8029705" y="2290432"/>
+            <a:ext cx="965548" cy="817527"/>
+          </a:xfrm>
+          <a:prstGeom prst="rightArrow">
+            <a:avLst/>
+          </a:prstGeom>
+          <a:solidFill>
+            <a:schemeClr val="bg2">
+              <a:lumMod val="90000"/>
+            </a:schemeClr>
+          </a:solidFill>
+          <a:ln>
+            <a:solidFill>
+              <a:schemeClr val="bg2">
+                <a:lumMod val="90000"/>
+              </a:schemeClr>
+            </a:solidFill>
+          </a:ln>
+        </p:spPr>
+        <p:style>
+          <a:lnRef idx="2">
+            <a:schemeClr val="lt1">
+              <a:hueOff val="0"/>
+              <a:satOff val="0"/>
+              <a:lumOff val="0"/>
+              <a:alphaOff val="0"/>
+            </a:schemeClr>
+          </a:lnRef>
+          <a:fillRef idx="1">
+            <a:schemeClr val="accent1">
+              <a:hueOff val="0"/>
+              <a:satOff val="0"/>
+              <a:lumOff val="0"/>
+              <a:alphaOff val="0"/>
+            </a:schemeClr>
+          </a:fillRef>
+          <a:effectRef idx="0">
+            <a:schemeClr val="accent1">
+              <a:hueOff val="0"/>
+              <a:satOff val="0"/>
+              <a:lumOff val="0"/>
+              <a:alphaOff val="0"/>
+            </a:schemeClr>
+          </a:effectRef>
+          <a:fontRef idx="minor">
+            <a:schemeClr val="lt1"/>
+          </a:fontRef>
+        </p:style>
+      </p:sp>
+      <p:sp>
+        <p:nvSpPr>
+          <p:cNvPr id="3" name="TextBox 2">
+            <a:extLst>
+              <a:ext uri="{FF2B5EF4-FFF2-40B4-BE49-F238E27FC236}">
+                <a16:creationId xmlns:a16="http://schemas.microsoft.com/office/drawing/2014/main" id="{011138CD-1793-C746-B6BD-2F191C669D23}"/>
+              </a:ext>
+            </a:extLst>
+          </p:cNvPr>
+          <p:cNvSpPr txBox="1"/>
+          <p:nvPr/>
+        </p:nvSpPr>
+        <p:spPr>
+          <a:xfrm>
+            <a:off x="9705583" y="2112599"/>
+            <a:ext cx="2342367" cy="954107"/>
+          </a:xfrm>
+          <a:prstGeom prst="rect">
+            <a:avLst/>
+          </a:prstGeom>
+          <a:noFill/>
+        </p:spPr>
+        <p:txBody>
+          <a:bodyPr wrap="square" rtlCol="0">
+            <a:spAutoFit/>
+          </a:bodyPr>
+          <a:lstStyle/>
+          <a:p>
+            <a:pPr algn="ctr"/>
+            <a:r>
+              <a:rPr lang="pl-PL" sz="4000" dirty="0">
+                <a:solidFill>
+                  <a:schemeClr val="bg2">
+                    <a:lumMod val="90000"/>
+                  </a:schemeClr>
+                </a:solidFill>
+                <a:latin typeface="Futura Medium" panose="020B0602020204020303" pitchFamily="34" charset="-79"/>
+                <a:cs typeface="Futura Medium" panose="020B0602020204020303" pitchFamily="34" charset="-79"/>
+              </a:rPr>
+              <a:t>?</a:t>
+            </a:r>
+          </a:p>
+          <a:p>
+            <a:pPr algn="ctr"/>
+            <a:r>
+              <a:rPr lang="pl-PL" sz="1600" dirty="0">
+                <a:solidFill>
+                  <a:schemeClr val="bg2">
+                    <a:lumMod val="90000"/>
+                  </a:schemeClr>
+                </a:solidFill>
+                <a:latin typeface="Futura Medium" panose="020B0602020204020303" pitchFamily="34" charset="-79"/>
+                <a:cs typeface="Futura Medium" panose="020B0602020204020303" pitchFamily="34" charset="-79"/>
+              </a:rPr>
+              <a:t>data </a:t>
+            </a:r>
+            <a:r>
+              <a:rPr lang="pl-PL" sz="1600" dirty="0" err="1">
+                <a:solidFill>
+                  <a:schemeClr val="bg2">
+                    <a:lumMod val="90000"/>
+                  </a:schemeClr>
+                </a:solidFill>
+                <a:latin typeface="Futura Medium" panose="020B0602020204020303" pitchFamily="34" charset="-79"/>
+                <a:cs typeface="Futura Medium" panose="020B0602020204020303" pitchFamily="34" charset="-79"/>
+              </a:rPr>
+              <a:t>issue</a:t>
+            </a:r>
+            <a:r>
+              <a:rPr lang="pl-PL" sz="1600" dirty="0">
+                <a:solidFill>
+                  <a:schemeClr val="bg2">
+                    <a:lumMod val="90000"/>
+                  </a:schemeClr>
+                </a:solidFill>
+                <a:latin typeface="Futura Medium" panose="020B0602020204020303" pitchFamily="34" charset="-79"/>
+                <a:cs typeface="Futura Medium" panose="020B0602020204020303" pitchFamily="34" charset="-79"/>
+              </a:rPr>
+              <a:t>/</a:t>
+            </a:r>
+            <a:r>
+              <a:rPr lang="pl-PL" sz="1600" dirty="0" err="1">
+                <a:solidFill>
+                  <a:schemeClr val="bg2">
+                    <a:lumMod val="90000"/>
+                  </a:schemeClr>
+                </a:solidFill>
+                <a:latin typeface="Futura Medium" panose="020B0602020204020303" pitchFamily="34" charset="-79"/>
+                <a:cs typeface="Futura Medium" panose="020B0602020204020303" pitchFamily="34" charset="-79"/>
+              </a:rPr>
+              <a:t>anomaly</a:t>
+            </a:r>
+            <a:endParaRPr lang="pl-PL" sz="1600" dirty="0">
+              <a:solidFill>
+                <a:schemeClr val="bg2">
+                  <a:lumMod val="90000"/>
+                </a:schemeClr>
+              </a:solidFill>
+              <a:latin typeface="Futura Medium" panose="020B0602020204020303" pitchFamily="34" charset="-79"/>
+              <a:cs typeface="Futura Medium" panose="020B0602020204020303" pitchFamily="34" charset="-79"/>
+            </a:endParaRPr>
+          </a:p>
+        </p:txBody>
+      </p:sp>
+      <p:cxnSp>
+        <p:nvCxnSpPr>
+          <p:cNvPr id="10" name="Straight Connector 9">
+            <a:extLst>
+              <a:ext uri="{FF2B5EF4-FFF2-40B4-BE49-F238E27FC236}">
+                <a16:creationId xmlns:a16="http://schemas.microsoft.com/office/drawing/2014/main" id="{F108E967-DFBC-EE41-B6A4-A8C384179943}"/>
+              </a:ext>
+            </a:extLst>
+          </p:cNvPr>
+          <p:cNvCxnSpPr/>
+          <p:nvPr/>
+        </p:nvCxnSpPr>
+        <p:spPr>
+          <a:xfrm flipH="1">
+            <a:off x="10235571" y="1925929"/>
+            <a:ext cx="1282390" cy="1182030"/>
+          </a:xfrm>
+          <a:prstGeom prst="line">
+            <a:avLst/>
+          </a:prstGeom>
+          <a:ln w="38100">
+            <a:solidFill>
+              <a:schemeClr val="bg2">
+                <a:lumMod val="90000"/>
+              </a:schemeClr>
+            </a:solidFill>
+          </a:ln>
+        </p:spPr>
+        <p:style>
+          <a:lnRef idx="1">
+            <a:schemeClr val="accent1"/>
+          </a:lnRef>
+          <a:fillRef idx="0">
+            <a:schemeClr val="accent1"/>
+          </a:fillRef>
+          <a:effectRef idx="0">
+            <a:schemeClr val="accent1"/>
+          </a:effectRef>
+          <a:fontRef idx="minor">
+            <a:schemeClr val="tx1"/>
+          </a:fontRef>
+        </p:style>
+      </p:cxnSp>
+      <p:cxnSp>
+        <p:nvCxnSpPr>
+          <p:cNvPr id="13" name="Straight Connector 12">
+            <a:extLst>
+              <a:ext uri="{FF2B5EF4-FFF2-40B4-BE49-F238E27FC236}">
+                <a16:creationId xmlns:a16="http://schemas.microsoft.com/office/drawing/2014/main" id="{25F54C8C-C9C4-A547-8E72-AC8EBBD53743}"/>
+              </a:ext>
+            </a:extLst>
+          </p:cNvPr>
+          <p:cNvCxnSpPr>
+            <a:cxnSpLocks/>
+          </p:cNvCxnSpPr>
+          <p:nvPr/>
+        </p:nvCxnSpPr>
+        <p:spPr>
+          <a:xfrm rot="5400000" flipH="1">
+            <a:off x="10235571" y="1925929"/>
+            <a:ext cx="1282390" cy="1182030"/>
+          </a:xfrm>
+          <a:prstGeom prst="line">
+            <a:avLst/>
+          </a:prstGeom>
+          <a:ln w="38100">
+            <a:solidFill>
+              <a:schemeClr val="bg2">
+                <a:lumMod val="90000"/>
+              </a:schemeClr>
+            </a:solidFill>
+          </a:ln>
+        </p:spPr>
+        <p:style>
+          <a:lnRef idx="1">
+            <a:schemeClr val="accent1"/>
+          </a:lnRef>
+          <a:fillRef idx="0">
+            <a:schemeClr val="accent1"/>
+          </a:fillRef>
+          <a:effectRef idx="0">
+            <a:schemeClr val="accent1"/>
+          </a:effectRef>
+          <a:fontRef idx="minor">
+            <a:schemeClr val="tx1"/>
+          </a:fontRef>
+        </p:style>
+      </p:cxnSp>
+      <p:sp>
+        <p:nvSpPr>
+          <p:cNvPr id="9" name="TextBox 8">
+            <a:extLst>
+              <a:ext uri="{FF2B5EF4-FFF2-40B4-BE49-F238E27FC236}">
+                <a16:creationId xmlns:a16="http://schemas.microsoft.com/office/drawing/2014/main" id="{61A1AE2F-2ED2-D74E-980C-69634DE4C905}"/>
+              </a:ext>
+            </a:extLst>
+          </p:cNvPr>
+          <p:cNvSpPr txBox="1"/>
+          <p:nvPr/>
+        </p:nvSpPr>
+        <p:spPr>
+          <a:xfrm>
+            <a:off x="2821259" y="3936380"/>
+            <a:ext cx="3021980" cy="1692771"/>
+          </a:xfrm>
+          <a:prstGeom prst="rect">
+            <a:avLst/>
+          </a:prstGeom>
+          <a:noFill/>
+        </p:spPr>
+        <p:txBody>
+          <a:bodyPr wrap="square" rtlCol="0">
+            <a:spAutoFit/>
+          </a:bodyPr>
+          <a:lstStyle/>
+          <a:p>
+            <a:pPr algn="ctr"/>
+            <a:r>
+              <a:rPr lang="pl-PL" sz="4000" dirty="0">
+                <a:solidFill>
+                  <a:schemeClr val="accent6"/>
+                </a:solidFill>
+                <a:latin typeface="Futura Medium" panose="020B0602020204020303" pitchFamily="34" charset="-79"/>
+                <a:cs typeface="Futura Medium" panose="020B0602020204020303" pitchFamily="34" charset="-79"/>
+              </a:rPr>
+              <a:t>60%</a:t>
+            </a:r>
+          </a:p>
+          <a:p>
+            <a:pPr algn="ctr"/>
+            <a:r>
+              <a:rPr lang="pl-PL" sz="1600" dirty="0" err="1">
+                <a:solidFill>
+                  <a:schemeClr val="tx1">
+                    <a:lumMod val="50000"/>
+                    <a:lumOff val="50000"/>
+                  </a:schemeClr>
+                </a:solidFill>
+                <a:latin typeface="Futura Medium" panose="020B0602020204020303" pitchFamily="34" charset="-79"/>
+                <a:cs typeface="Futura Medium" panose="020B0602020204020303" pitchFamily="34" charset="-79"/>
+              </a:rPr>
+              <a:t>customer</a:t>
+            </a:r>
+            <a:r>
+              <a:rPr lang="pl-PL" sz="1600" dirty="0">
+                <a:solidFill>
+                  <a:schemeClr val="tx1">
+                    <a:lumMod val="50000"/>
+                    <a:lumOff val="50000"/>
+                  </a:schemeClr>
+                </a:solidFill>
+                <a:latin typeface="Futura Medium" panose="020B0602020204020303" pitchFamily="34" charset="-79"/>
+                <a:cs typeface="Futura Medium" panose="020B0602020204020303" pitchFamily="34" charset="-79"/>
+              </a:rPr>
+              <a:t> </a:t>
+            </a:r>
+            <a:r>
+              <a:rPr lang="pl-PL" sz="1600" dirty="0" err="1">
+                <a:solidFill>
+                  <a:schemeClr val="tx1">
+                    <a:lumMod val="50000"/>
+                    <a:lumOff val="50000"/>
+                  </a:schemeClr>
+                </a:solidFill>
+                <a:latin typeface="Futura Medium" panose="020B0602020204020303" pitchFamily="34" charset="-79"/>
+                <a:cs typeface="Futura Medium" panose="020B0602020204020303" pitchFamily="34" charset="-79"/>
+              </a:rPr>
+              <a:t>codes</a:t>
+            </a:r>
+            <a:r>
+              <a:rPr lang="pl-PL" sz="1600" dirty="0">
+                <a:solidFill>
+                  <a:schemeClr val="tx1">
+                    <a:lumMod val="50000"/>
+                    <a:lumOff val="50000"/>
+                  </a:schemeClr>
+                </a:solidFill>
+                <a:latin typeface="Futura Medium" panose="020B0602020204020303" pitchFamily="34" charset="-79"/>
+                <a:cs typeface="Futura Medium" panose="020B0602020204020303" pitchFamily="34" charset="-79"/>
+              </a:rPr>
+              <a:t> </a:t>
+            </a:r>
+            <a:r>
+              <a:rPr lang="pl-PL" sz="1600" dirty="0" err="1">
+                <a:solidFill>
+                  <a:schemeClr val="tx1">
+                    <a:lumMod val="50000"/>
+                    <a:lumOff val="50000"/>
+                  </a:schemeClr>
+                </a:solidFill>
+                <a:latin typeface="Futura Medium" panose="020B0602020204020303" pitchFamily="34" charset="-79"/>
+                <a:cs typeface="Futura Medium" panose="020B0602020204020303" pitchFamily="34" charset="-79"/>
+              </a:rPr>
+              <a:t>shared</a:t>
+            </a:r>
+            <a:r>
+              <a:rPr lang="pl-PL" sz="1600" dirty="0">
+                <a:solidFill>
+                  <a:schemeClr val="tx1">
+                    <a:lumMod val="50000"/>
+                    <a:lumOff val="50000"/>
+                  </a:schemeClr>
+                </a:solidFill>
+                <a:latin typeface="Futura Medium" panose="020B0602020204020303" pitchFamily="34" charset="-79"/>
+                <a:cs typeface="Futura Medium" panose="020B0602020204020303" pitchFamily="34" charset="-79"/>
+              </a:rPr>
+              <a:t> by </a:t>
+            </a:r>
+            <a:r>
+              <a:rPr lang="pl-PL" sz="1600" dirty="0" err="1">
+                <a:solidFill>
+                  <a:schemeClr val="tx1">
+                    <a:lumMod val="50000"/>
+                    <a:lumOff val="50000"/>
+                  </a:schemeClr>
+                </a:solidFill>
+                <a:latin typeface="Futura Medium" panose="020B0602020204020303" pitchFamily="34" charset="-79"/>
+                <a:cs typeface="Futura Medium" panose="020B0602020204020303" pitchFamily="34" charset="-79"/>
+              </a:rPr>
+              <a:t>multiple</a:t>
+            </a:r>
+            <a:r>
+              <a:rPr lang="pl-PL" sz="1600" dirty="0">
+                <a:solidFill>
+                  <a:schemeClr val="tx1">
+                    <a:lumMod val="50000"/>
+                    <a:lumOff val="50000"/>
+                  </a:schemeClr>
+                </a:solidFill>
+                <a:latin typeface="Futura Medium" panose="020B0602020204020303" pitchFamily="34" charset="-79"/>
+                <a:cs typeface="Futura Medium" panose="020B0602020204020303" pitchFamily="34" charset="-79"/>
+              </a:rPr>
+              <a:t> </a:t>
+            </a:r>
+            <a:r>
+              <a:rPr lang="pl-PL" sz="1600" dirty="0" err="1">
+                <a:solidFill>
+                  <a:schemeClr val="tx1">
+                    <a:lumMod val="50000"/>
+                    <a:lumOff val="50000"/>
+                  </a:schemeClr>
+                </a:solidFill>
+                <a:latin typeface="Futura Medium" panose="020B0602020204020303" pitchFamily="34" charset="-79"/>
+                <a:cs typeface="Futura Medium" panose="020B0602020204020303" pitchFamily="34" charset="-79"/>
+              </a:rPr>
+              <a:t>customers</a:t>
+            </a:r>
+            <a:r>
+              <a:rPr lang="pl-PL" sz="1600" dirty="0">
+                <a:solidFill>
+                  <a:schemeClr val="tx1">
+                    <a:lumMod val="50000"/>
+                    <a:lumOff val="50000"/>
+                  </a:schemeClr>
+                </a:solidFill>
+                <a:latin typeface="Futura Medium" panose="020B0602020204020303" pitchFamily="34" charset="-79"/>
+                <a:cs typeface="Futura Medium" panose="020B0602020204020303" pitchFamily="34" charset="-79"/>
+              </a:rPr>
+              <a:t> </a:t>
+            </a:r>
+          </a:p>
+          <a:p>
+            <a:pPr algn="ctr"/>
+            <a:r>
+              <a:rPr lang="pl-PL" sz="1600" dirty="0" err="1">
+                <a:solidFill>
+                  <a:schemeClr val="tx1">
+                    <a:lumMod val="50000"/>
+                    <a:lumOff val="50000"/>
+                  </a:schemeClr>
+                </a:solidFill>
+                <a:latin typeface="Futura Medium" panose="020B0602020204020303" pitchFamily="34" charset="-79"/>
+                <a:cs typeface="Futura Medium" panose="020B0602020204020303" pitchFamily="34" charset="-79"/>
+              </a:rPr>
+              <a:t>had</a:t>
+            </a:r>
+            <a:r>
+              <a:rPr lang="pl-PL" sz="1600" dirty="0">
+                <a:solidFill>
+                  <a:schemeClr val="tx1">
+                    <a:lumMod val="50000"/>
+                    <a:lumOff val="50000"/>
+                  </a:schemeClr>
+                </a:solidFill>
+                <a:latin typeface="Futura Medium" panose="020B0602020204020303" pitchFamily="34" charset="-79"/>
+                <a:cs typeface="Futura Medium" panose="020B0602020204020303" pitchFamily="34" charset="-79"/>
+              </a:rPr>
+              <a:t> </a:t>
+            </a:r>
+            <a:r>
+              <a:rPr lang="pl-PL" sz="1600" dirty="0" err="1">
+                <a:solidFill>
+                  <a:schemeClr val="tx1">
+                    <a:lumMod val="50000"/>
+                    <a:lumOff val="50000"/>
+                  </a:schemeClr>
+                </a:solidFill>
+                <a:latin typeface="Futura Medium" panose="020B0602020204020303" pitchFamily="34" charset="-79"/>
+                <a:cs typeface="Futura Medium" panose="020B0602020204020303" pitchFamily="34" charset="-79"/>
+              </a:rPr>
+              <a:t>unanimous</a:t>
+            </a:r>
+            <a:r>
+              <a:rPr lang="pl-PL" sz="1600" dirty="0">
+                <a:solidFill>
+                  <a:schemeClr val="tx1">
+                    <a:lumMod val="50000"/>
+                    <a:lumOff val="50000"/>
+                  </a:schemeClr>
+                </a:solidFill>
+                <a:latin typeface="Futura Medium" panose="020B0602020204020303" pitchFamily="34" charset="-79"/>
+                <a:cs typeface="Futura Medium" panose="020B0602020204020303" pitchFamily="34" charset="-79"/>
+              </a:rPr>
+              <a:t> </a:t>
+            </a:r>
+            <a:r>
+              <a:rPr lang="pl-PL" sz="1600" dirty="0" err="1">
+                <a:solidFill>
+                  <a:schemeClr val="tx1">
+                    <a:lumMod val="50000"/>
+                    <a:lumOff val="50000"/>
+                  </a:schemeClr>
+                </a:solidFill>
+                <a:latin typeface="Futura Medium" panose="020B0602020204020303" pitchFamily="34" charset="-79"/>
+                <a:cs typeface="Futura Medium" panose="020B0602020204020303" pitchFamily="34" charset="-79"/>
+              </a:rPr>
+              <a:t>response</a:t>
+            </a:r>
+            <a:r>
+              <a:rPr lang="pl-PL" sz="1600" dirty="0">
+                <a:solidFill>
+                  <a:schemeClr val="tx1">
+                    <a:lumMod val="50000"/>
+                    <a:lumOff val="50000"/>
+                  </a:schemeClr>
+                </a:solidFill>
+                <a:latin typeface="Futura Medium" panose="020B0602020204020303" pitchFamily="34" charset="-79"/>
+                <a:cs typeface="Futura Medium" panose="020B0602020204020303" pitchFamily="34" charset="-79"/>
+              </a:rPr>
+              <a:t> to </a:t>
+            </a:r>
+            <a:r>
+              <a:rPr lang="pl-PL" sz="1600" dirty="0" err="1">
+                <a:solidFill>
+                  <a:schemeClr val="tx1">
+                    <a:lumMod val="50000"/>
+                    <a:lumOff val="50000"/>
+                  </a:schemeClr>
+                </a:solidFill>
+                <a:latin typeface="Futura Medium" panose="020B0602020204020303" pitchFamily="34" charset="-79"/>
+                <a:cs typeface="Futura Medium" panose="020B0602020204020303" pitchFamily="34" charset="-79"/>
+              </a:rPr>
+              <a:t>our</a:t>
+            </a:r>
+            <a:r>
+              <a:rPr lang="pl-PL" sz="1600" dirty="0">
+                <a:solidFill>
+                  <a:schemeClr val="tx1">
+                    <a:lumMod val="50000"/>
+                    <a:lumOff val="50000"/>
+                  </a:schemeClr>
+                </a:solidFill>
+                <a:latin typeface="Futura Medium" panose="020B0602020204020303" pitchFamily="34" charset="-79"/>
+                <a:cs typeface="Futura Medium" panose="020B0602020204020303" pitchFamily="34" charset="-79"/>
+              </a:rPr>
+              <a:t> </a:t>
+            </a:r>
+            <a:r>
+              <a:rPr lang="pl-PL" sz="1600" dirty="0" err="1">
+                <a:solidFill>
+                  <a:schemeClr val="tx1">
+                    <a:lumMod val="50000"/>
+                    <a:lumOff val="50000"/>
+                  </a:schemeClr>
+                </a:solidFill>
+                <a:latin typeface="Futura Medium" panose="020B0602020204020303" pitchFamily="34" charset="-79"/>
+                <a:cs typeface="Futura Medium" panose="020B0602020204020303" pitchFamily="34" charset="-79"/>
+              </a:rPr>
+              <a:t>offer</a:t>
+            </a:r>
+            <a:r>
+              <a:rPr lang="pl-PL" sz="1600" dirty="0">
+                <a:solidFill>
+                  <a:schemeClr val="tx1">
+                    <a:lumMod val="50000"/>
+                    <a:lumOff val="50000"/>
+                  </a:schemeClr>
+                </a:solidFill>
+                <a:latin typeface="Futura Medium" panose="020B0602020204020303" pitchFamily="34" charset="-79"/>
+                <a:cs typeface="Futura Medium" panose="020B0602020204020303" pitchFamily="34" charset="-79"/>
+              </a:rPr>
+              <a:t> </a:t>
+            </a:r>
+          </a:p>
+        </p:txBody>
+      </p:sp>
+    </p:spTree>
+    <p:extLst>
+      <p:ext uri="{BB962C8B-B14F-4D97-AF65-F5344CB8AC3E}">
+        <p14:creationId xmlns:p14="http://schemas.microsoft.com/office/powerpoint/2010/main" val="3416133276"/>
+      </p:ext>
+    </p:extLst>
+  </p:cSld>
+  <p:clrMapOvr>
+    <a:masterClrMapping/>
+  </p:clrMapOvr>
+</p:sld>
+</file>
+
+<file path=ppt/slides/slide16.xml><?xml version="1.0" encoding="utf-8"?>
+<p:sld xmlns:a="http://schemas.openxmlformats.org/drawingml/2006/main" xmlns:r="http://schemas.openxmlformats.org/officeDocument/2006/relationships" xmlns:p="http://schemas.openxmlformats.org/presentationml/2006/main">
+  <p:cSld>
+    <p:spTree>
+      <p:nvGrpSpPr>
+        <p:cNvPr id="1" name=""/>
+        <p:cNvGrpSpPr/>
+        <p:nvPr/>
+      </p:nvGrpSpPr>
+      <p:grpSpPr>
+        <a:xfrm>
+          <a:off x="0" y="0"/>
+          <a:ext cx="0" cy="0"/>
+          <a:chOff x="0" y="0"/>
+          <a:chExt cx="0" cy="0"/>
+        </a:xfrm>
+      </p:grpSpPr>
+      <p:sp>
+        <p:nvSpPr>
+          <p:cNvPr id="2" name="Title 1">
+            <a:extLst>
+              <a:ext uri="{FF2B5EF4-FFF2-40B4-BE49-F238E27FC236}">
+                <a16:creationId xmlns:a16="http://schemas.microsoft.com/office/drawing/2014/main" id="{0A7C844B-2424-E741-87B4-7B00AC4EF05C}"/>
+              </a:ext>
+            </a:extLst>
+          </p:cNvPr>
+          <p:cNvSpPr>
+            <a:spLocks noGrp="1"/>
+          </p:cNvSpPr>
+          <p:nvPr>
+            <p:ph type="title"/>
+          </p:nvPr>
+        </p:nvSpPr>
+        <p:spPr/>
+        <p:txBody>
+          <a:bodyPr>
+            <a:normAutofit/>
+          </a:bodyPr>
+          <a:lstStyle/>
+          <a:p>
+            <a:pPr algn="ctr"/>
+            <a:r>
+              <a:rPr lang="pl-PL" sz="3200" dirty="0" err="1">
+                <a:solidFill>
+                  <a:schemeClr val="accent1">
+                    <a:lumMod val="75000"/>
+                  </a:schemeClr>
+                </a:solidFill>
+                <a:latin typeface="Futura Medium" panose="020B0602020204020303" pitchFamily="34" charset="-79"/>
+                <a:cs typeface="Futura Medium" panose="020B0602020204020303" pitchFamily="34" charset="-79"/>
+              </a:rPr>
+              <a:t>Customer</a:t>
+            </a:r>
+            <a:r>
+              <a:rPr lang="pl-PL" sz="3200" dirty="0">
+                <a:solidFill>
+                  <a:schemeClr val="accent1">
+                    <a:lumMod val="75000"/>
+                  </a:schemeClr>
+                </a:solidFill>
+                <a:latin typeface="Futura Medium" panose="020B0602020204020303" pitchFamily="34" charset="-79"/>
+                <a:cs typeface="Futura Medium" panose="020B0602020204020303" pitchFamily="34" charset="-79"/>
+              </a:rPr>
+              <a:t> </a:t>
+            </a:r>
+            <a:r>
+              <a:rPr lang="pl-PL" sz="3200" dirty="0" err="1">
+                <a:solidFill>
+                  <a:schemeClr val="accent1">
+                    <a:lumMod val="75000"/>
+                  </a:schemeClr>
+                </a:solidFill>
+                <a:latin typeface="Futura Medium" panose="020B0602020204020303" pitchFamily="34" charset="-79"/>
+                <a:cs typeface="Futura Medium" panose="020B0602020204020303" pitchFamily="34" charset="-79"/>
+              </a:rPr>
+              <a:t>code</a:t>
+            </a:r>
+            <a:r>
+              <a:rPr lang="pl-PL" sz="3200" dirty="0">
+                <a:solidFill>
+                  <a:schemeClr val="accent1">
+                    <a:lumMod val="75000"/>
+                  </a:schemeClr>
+                </a:solidFill>
+                <a:latin typeface="Futura Medium" panose="020B0602020204020303" pitchFamily="34" charset="-79"/>
+                <a:cs typeface="Futura Medium" panose="020B0602020204020303" pitchFamily="34" charset="-79"/>
+              </a:rPr>
+              <a:t> – </a:t>
+            </a:r>
+            <a:r>
+              <a:rPr lang="pl-PL" sz="3200" dirty="0" err="1">
+                <a:solidFill>
+                  <a:schemeClr val="accent1">
+                    <a:lumMod val="75000"/>
+                  </a:schemeClr>
+                </a:solidFill>
+                <a:latin typeface="Futura Medium" panose="020B0602020204020303" pitchFamily="34" charset="-79"/>
+                <a:cs typeface="Futura Medium" panose="020B0602020204020303" pitchFamily="34" charset="-79"/>
+              </a:rPr>
+              <a:t>anomaly</a:t>
+            </a:r>
+            <a:r>
+              <a:rPr lang="pl-PL" sz="3200" dirty="0">
+                <a:solidFill>
+                  <a:schemeClr val="accent1">
+                    <a:lumMod val="75000"/>
+                  </a:schemeClr>
+                </a:solidFill>
+                <a:latin typeface="Futura Medium" panose="020B0602020204020303" pitchFamily="34" charset="-79"/>
+                <a:cs typeface="Futura Medium" panose="020B0602020204020303" pitchFamily="34" charset="-79"/>
+              </a:rPr>
+              <a:t> </a:t>
+            </a:r>
+            <a:r>
+              <a:rPr lang="pl-PL" sz="3200" dirty="0" err="1">
+                <a:solidFill>
+                  <a:schemeClr val="accent1">
+                    <a:lumMod val="75000"/>
+                  </a:schemeClr>
+                </a:solidFill>
+                <a:latin typeface="Futura Medium" panose="020B0602020204020303" pitchFamily="34" charset="-79"/>
+                <a:cs typeface="Futura Medium" panose="020B0602020204020303" pitchFamily="34" charset="-79"/>
+              </a:rPr>
+              <a:t>or</a:t>
+            </a:r>
+            <a:r>
+              <a:rPr lang="pl-PL" sz="3200" dirty="0">
+                <a:solidFill>
+                  <a:schemeClr val="accent1">
+                    <a:lumMod val="75000"/>
+                  </a:schemeClr>
+                </a:solidFill>
+                <a:latin typeface="Futura Medium" panose="020B0602020204020303" pitchFamily="34" charset="-79"/>
+                <a:cs typeface="Futura Medium" panose="020B0602020204020303" pitchFamily="34" charset="-79"/>
+              </a:rPr>
+              <a:t> trend?</a:t>
+            </a:r>
+          </a:p>
+        </p:txBody>
+      </p:sp>
+      <p:graphicFrame>
+        <p:nvGraphicFramePr>
+          <p:cNvPr id="8" name="Content Placeholder 7">
+            <a:extLst>
+              <a:ext uri="{FF2B5EF4-FFF2-40B4-BE49-F238E27FC236}">
+                <a16:creationId xmlns:a16="http://schemas.microsoft.com/office/drawing/2014/main" id="{D5428B50-4352-9749-AEC3-67043A7332CF}"/>
+              </a:ext>
+            </a:extLst>
+          </p:cNvPr>
+          <p:cNvGraphicFramePr>
+            <a:graphicFrameLocks noGrp="1"/>
+          </p:cNvGraphicFramePr>
+          <p:nvPr>
+            <p:ph idx="1"/>
+            <p:extLst>
+              <p:ext uri="{D42A27DB-BD31-4B8C-83A1-F6EECF244321}">
+                <p14:modId xmlns:p14="http://schemas.microsoft.com/office/powerpoint/2010/main" val="2932326422"/>
+              </p:ext>
+            </p:extLst>
+          </p:nvPr>
+        </p:nvGraphicFramePr>
+        <p:xfrm>
+          <a:off x="4871581" y="1690688"/>
+          <a:ext cx="2730674" cy="2017016"/>
+        </p:xfrm>
+        <a:graphic>
+          <a:graphicData uri="http://schemas.openxmlformats.org/drawingml/2006/chart">
+            <c:chart xmlns:c="http://schemas.openxmlformats.org/drawingml/2006/chart" xmlns:r="http://schemas.openxmlformats.org/officeDocument/2006/relationships" r:id="rId2"/>
+          </a:graphicData>
+        </a:graphic>
+      </p:graphicFrame>
+      <p:sp>
+        <p:nvSpPr>
+          <p:cNvPr id="5" name="TextBox 4">
+            <a:extLst>
+              <a:ext uri="{FF2B5EF4-FFF2-40B4-BE49-F238E27FC236}">
+                <a16:creationId xmlns:a16="http://schemas.microsoft.com/office/drawing/2014/main" id="{BB098F85-80C4-B046-A1BA-5AF15578A0A4}"/>
+              </a:ext>
+            </a:extLst>
+          </p:cNvPr>
+          <p:cNvSpPr txBox="1"/>
+          <p:nvPr/>
+        </p:nvSpPr>
+        <p:spPr>
+          <a:xfrm>
+            <a:off x="1315233" y="1866378"/>
+            <a:ext cx="2968668" cy="1446550"/>
+          </a:xfrm>
+          <a:prstGeom prst="rect">
+            <a:avLst/>
+          </a:prstGeom>
+          <a:noFill/>
+        </p:spPr>
+        <p:txBody>
+          <a:bodyPr wrap="square" rtlCol="0">
+            <a:spAutoFit/>
+          </a:bodyPr>
+          <a:lstStyle/>
+          <a:p>
+            <a:pPr algn="ctr"/>
+            <a:r>
+              <a:rPr lang="pl-PL" sz="4000" dirty="0">
+                <a:solidFill>
+                  <a:schemeClr val="bg2">
+                    <a:lumMod val="90000"/>
+                  </a:schemeClr>
+                </a:solidFill>
+                <a:latin typeface="Futura Medium" panose="020B0602020204020303" pitchFamily="34" charset="-79"/>
+                <a:cs typeface="Futura Medium" panose="020B0602020204020303" pitchFamily="34" charset="-79"/>
+              </a:rPr>
+              <a:t>55%</a:t>
+            </a:r>
+          </a:p>
+          <a:p>
+            <a:pPr algn="ctr"/>
+            <a:r>
+              <a:rPr lang="pl-PL" sz="1600" dirty="0">
+                <a:solidFill>
+                  <a:schemeClr val="bg2">
+                    <a:lumMod val="90000"/>
+                  </a:schemeClr>
+                </a:solidFill>
+                <a:latin typeface="Futura Medium" panose="020B0602020204020303" pitchFamily="34" charset="-79"/>
+                <a:cs typeface="Futura Medium" panose="020B0602020204020303" pitchFamily="34" charset="-79"/>
+              </a:rPr>
+              <a:t>of </a:t>
+            </a:r>
+            <a:r>
+              <a:rPr lang="pl-PL" sz="1600" dirty="0" err="1">
+                <a:solidFill>
+                  <a:schemeClr val="bg2">
+                    <a:lumMod val="90000"/>
+                  </a:schemeClr>
+                </a:solidFill>
+                <a:latin typeface="Futura Medium" panose="020B0602020204020303" pitchFamily="34" charset="-79"/>
+                <a:cs typeface="Futura Medium" panose="020B0602020204020303" pitchFamily="34" charset="-79"/>
+              </a:rPr>
+              <a:t>our</a:t>
+            </a:r>
+            <a:r>
+              <a:rPr lang="pl-PL" sz="1600" dirty="0">
+                <a:solidFill>
+                  <a:schemeClr val="bg2">
+                    <a:lumMod val="90000"/>
+                  </a:schemeClr>
+                </a:solidFill>
+                <a:latin typeface="Futura Medium" panose="020B0602020204020303" pitchFamily="34" charset="-79"/>
+                <a:cs typeface="Futura Medium" panose="020B0602020204020303" pitchFamily="34" charset="-79"/>
+              </a:rPr>
+              <a:t> </a:t>
+            </a:r>
+            <a:r>
+              <a:rPr lang="pl-PL" sz="1600" dirty="0" err="1">
+                <a:solidFill>
+                  <a:schemeClr val="bg2">
+                    <a:lumMod val="90000"/>
+                  </a:schemeClr>
+                </a:solidFill>
+                <a:latin typeface="Futura Medium" panose="020B0602020204020303" pitchFamily="34" charset="-79"/>
+                <a:cs typeface="Futura Medium" panose="020B0602020204020303" pitchFamily="34" charset="-79"/>
+              </a:rPr>
+              <a:t>customers</a:t>
+            </a:r>
+            <a:r>
+              <a:rPr lang="pl-PL" sz="1600" dirty="0">
+                <a:solidFill>
+                  <a:schemeClr val="bg2">
+                    <a:lumMod val="90000"/>
+                  </a:schemeClr>
+                </a:solidFill>
+                <a:latin typeface="Futura Medium" panose="020B0602020204020303" pitchFamily="34" charset="-79"/>
+                <a:cs typeface="Futura Medium" panose="020B0602020204020303" pitchFamily="34" charset="-79"/>
+              </a:rPr>
+              <a:t> </a:t>
+            </a:r>
+            <a:r>
+              <a:rPr lang="pl-PL" sz="1600" dirty="0" err="1">
+                <a:solidFill>
+                  <a:schemeClr val="bg2">
+                    <a:lumMod val="90000"/>
+                  </a:schemeClr>
+                </a:solidFill>
+                <a:latin typeface="Futura Medium" panose="020B0602020204020303" pitchFamily="34" charset="-79"/>
+                <a:cs typeface="Futura Medium" panose="020B0602020204020303" pitchFamily="34" charset="-79"/>
+              </a:rPr>
+              <a:t>used</a:t>
+            </a:r>
+            <a:r>
+              <a:rPr lang="pl-PL" sz="1600" dirty="0">
+                <a:solidFill>
+                  <a:schemeClr val="bg2">
+                    <a:lumMod val="90000"/>
+                  </a:schemeClr>
+                </a:solidFill>
+                <a:latin typeface="Futura Medium" panose="020B0602020204020303" pitchFamily="34" charset="-79"/>
+                <a:cs typeface="Futura Medium" panose="020B0602020204020303" pitchFamily="34" charset="-79"/>
+              </a:rPr>
+              <a:t> </a:t>
+            </a:r>
+            <a:r>
+              <a:rPr lang="pl-PL" sz="1600" dirty="0" err="1">
+                <a:solidFill>
+                  <a:schemeClr val="bg2">
+                    <a:lumMod val="90000"/>
+                  </a:schemeClr>
+                </a:solidFill>
+                <a:latin typeface="Futura Medium" panose="020B0602020204020303" pitchFamily="34" charset="-79"/>
+                <a:cs typeface="Futura Medium" panose="020B0602020204020303" pitchFamily="34" charset="-79"/>
+              </a:rPr>
+              <a:t>unique</a:t>
+            </a:r>
+            <a:endParaRPr lang="pl-PL" sz="1600" dirty="0">
+              <a:solidFill>
+                <a:schemeClr val="bg2">
+                  <a:lumMod val="90000"/>
+                </a:schemeClr>
+              </a:solidFill>
+              <a:latin typeface="Futura Medium" panose="020B0602020204020303" pitchFamily="34" charset="-79"/>
+              <a:cs typeface="Futura Medium" panose="020B0602020204020303" pitchFamily="34" charset="-79"/>
+            </a:endParaRPr>
+          </a:p>
+          <a:p>
+            <a:pPr algn="ctr"/>
+            <a:r>
+              <a:rPr lang="pl-PL" sz="1600" dirty="0" err="1">
+                <a:solidFill>
+                  <a:schemeClr val="bg2">
+                    <a:lumMod val="90000"/>
+                  </a:schemeClr>
+                </a:solidFill>
+                <a:latin typeface="Futura Medium" panose="020B0602020204020303" pitchFamily="34" charset="-79"/>
+                <a:cs typeface="Futura Medium" panose="020B0602020204020303" pitchFamily="34" charset="-79"/>
+              </a:rPr>
+              <a:t>customer</a:t>
+            </a:r>
+            <a:r>
+              <a:rPr lang="pl-PL" sz="1600" dirty="0">
+                <a:solidFill>
+                  <a:schemeClr val="bg2">
+                    <a:lumMod val="90000"/>
+                  </a:schemeClr>
+                </a:solidFill>
+                <a:latin typeface="Futura Medium" panose="020B0602020204020303" pitchFamily="34" charset="-79"/>
+                <a:cs typeface="Futura Medium" panose="020B0602020204020303" pitchFamily="34" charset="-79"/>
+              </a:rPr>
+              <a:t> </a:t>
+            </a:r>
+            <a:r>
+              <a:rPr lang="pl-PL" sz="1600" dirty="0" err="1">
+                <a:solidFill>
+                  <a:schemeClr val="bg2">
+                    <a:lumMod val="90000"/>
+                  </a:schemeClr>
+                </a:solidFill>
+                <a:latin typeface="Futura Medium" panose="020B0602020204020303" pitchFamily="34" charset="-79"/>
+                <a:cs typeface="Futura Medium" panose="020B0602020204020303" pitchFamily="34" charset="-79"/>
+              </a:rPr>
+              <a:t>code</a:t>
+            </a:r>
+            <a:endParaRPr lang="pl-PL" sz="1600" dirty="0">
+              <a:solidFill>
+                <a:schemeClr val="bg2">
+                  <a:lumMod val="90000"/>
+                </a:schemeClr>
+              </a:solidFill>
+              <a:latin typeface="Futura Medium" panose="020B0602020204020303" pitchFamily="34" charset="-79"/>
+              <a:cs typeface="Futura Medium" panose="020B0602020204020303" pitchFamily="34" charset="-79"/>
+            </a:endParaRPr>
+          </a:p>
+          <a:p>
+            <a:pPr algn="ctr"/>
+            <a:r>
+              <a:rPr lang="pl-PL" sz="1600" dirty="0">
+                <a:solidFill>
+                  <a:schemeClr val="bg2">
+                    <a:lumMod val="90000"/>
+                  </a:schemeClr>
+                </a:solidFill>
+                <a:latin typeface="Futura Medium" panose="020B0602020204020303" pitchFamily="34" charset="-79"/>
+                <a:cs typeface="Futura Medium" panose="020B0602020204020303" pitchFamily="34" charset="-79"/>
+              </a:rPr>
+              <a:t>but the </a:t>
+            </a:r>
+            <a:r>
+              <a:rPr lang="pl-PL" sz="1600" dirty="0" err="1">
+                <a:solidFill>
+                  <a:schemeClr val="bg2">
+                    <a:lumMod val="90000"/>
+                  </a:schemeClr>
+                </a:solidFill>
+                <a:latin typeface="Futura Medium" panose="020B0602020204020303" pitchFamily="34" charset="-79"/>
+                <a:cs typeface="Futura Medium" panose="020B0602020204020303" pitchFamily="34" charset="-79"/>
+              </a:rPr>
+              <a:t>rest</a:t>
+            </a:r>
+            <a:r>
+              <a:rPr lang="pl-PL" sz="1600" dirty="0">
+                <a:solidFill>
+                  <a:schemeClr val="bg2">
+                    <a:lumMod val="90000"/>
+                  </a:schemeClr>
+                </a:solidFill>
+                <a:latin typeface="Futura Medium" panose="020B0602020204020303" pitchFamily="34" charset="-79"/>
+                <a:cs typeface="Futura Medium" panose="020B0602020204020303" pitchFamily="34" charset="-79"/>
+              </a:rPr>
+              <a:t> </a:t>
+            </a:r>
+            <a:r>
+              <a:rPr lang="pl-PL" sz="1600" dirty="0" err="1">
+                <a:solidFill>
+                  <a:schemeClr val="bg2">
+                    <a:lumMod val="90000"/>
+                  </a:schemeClr>
+                </a:solidFill>
+                <a:latin typeface="Futura Medium" panose="020B0602020204020303" pitchFamily="34" charset="-79"/>
+                <a:cs typeface="Futura Medium" panose="020B0602020204020303" pitchFamily="34" charset="-79"/>
+              </a:rPr>
+              <a:t>didnt</a:t>
+            </a:r>
+            <a:endParaRPr lang="pl-PL" sz="1600" dirty="0">
+              <a:solidFill>
+                <a:schemeClr val="bg2">
+                  <a:lumMod val="90000"/>
+                </a:schemeClr>
+              </a:solidFill>
+              <a:latin typeface="Futura Medium" panose="020B0602020204020303" pitchFamily="34" charset="-79"/>
+              <a:cs typeface="Futura Medium" panose="020B0602020204020303" pitchFamily="34" charset="-79"/>
+            </a:endParaRPr>
+          </a:p>
+        </p:txBody>
+      </p:sp>
+      <p:sp>
+        <p:nvSpPr>
+          <p:cNvPr id="6" name="Right Arrow 5">
+            <a:extLst>
+              <a:ext uri="{FF2B5EF4-FFF2-40B4-BE49-F238E27FC236}">
+                <a16:creationId xmlns:a16="http://schemas.microsoft.com/office/drawing/2014/main" id="{19FF4173-7703-8446-9369-6F9EF3E4A14B}"/>
+              </a:ext>
+            </a:extLst>
+          </p:cNvPr>
+          <p:cNvSpPr/>
+          <p:nvPr/>
+        </p:nvSpPr>
+        <p:spPr>
+          <a:xfrm>
+            <a:off x="8029705" y="2290432"/>
+            <a:ext cx="965548" cy="817527"/>
+          </a:xfrm>
+          <a:prstGeom prst="rightArrow">
+            <a:avLst/>
+          </a:prstGeom>
+          <a:solidFill>
+            <a:schemeClr val="bg2">
+              <a:lumMod val="90000"/>
+            </a:schemeClr>
+          </a:solidFill>
+          <a:ln>
+            <a:solidFill>
+              <a:schemeClr val="bg2">
+                <a:lumMod val="90000"/>
+              </a:schemeClr>
+            </a:solidFill>
+          </a:ln>
+        </p:spPr>
+        <p:style>
+          <a:lnRef idx="2">
+            <a:schemeClr val="lt1">
+              <a:hueOff val="0"/>
+              <a:satOff val="0"/>
+              <a:lumOff val="0"/>
+              <a:alphaOff val="0"/>
+            </a:schemeClr>
+          </a:lnRef>
+          <a:fillRef idx="1">
+            <a:schemeClr val="accent1">
+              <a:hueOff val="0"/>
+              <a:satOff val="0"/>
+              <a:lumOff val="0"/>
+              <a:alphaOff val="0"/>
+            </a:schemeClr>
+          </a:fillRef>
+          <a:effectRef idx="0">
+            <a:schemeClr val="accent1">
+              <a:hueOff val="0"/>
+              <a:satOff val="0"/>
+              <a:lumOff val="0"/>
+              <a:alphaOff val="0"/>
+            </a:schemeClr>
+          </a:effectRef>
+          <a:fontRef idx="minor">
+            <a:schemeClr val="lt1"/>
+          </a:fontRef>
+        </p:style>
+      </p:sp>
+      <p:sp>
+        <p:nvSpPr>
+          <p:cNvPr id="3" name="TextBox 2">
+            <a:extLst>
+              <a:ext uri="{FF2B5EF4-FFF2-40B4-BE49-F238E27FC236}">
+                <a16:creationId xmlns:a16="http://schemas.microsoft.com/office/drawing/2014/main" id="{011138CD-1793-C746-B6BD-2F191C669D23}"/>
+              </a:ext>
+            </a:extLst>
+          </p:cNvPr>
+          <p:cNvSpPr txBox="1"/>
+          <p:nvPr/>
+        </p:nvSpPr>
+        <p:spPr>
+          <a:xfrm>
+            <a:off x="9705583" y="2112599"/>
+            <a:ext cx="2342367" cy="954107"/>
+          </a:xfrm>
+          <a:prstGeom prst="rect">
+            <a:avLst/>
+          </a:prstGeom>
+          <a:noFill/>
+        </p:spPr>
+        <p:txBody>
+          <a:bodyPr wrap="square" rtlCol="0">
+            <a:spAutoFit/>
+          </a:bodyPr>
+          <a:lstStyle/>
+          <a:p>
+            <a:pPr algn="ctr"/>
+            <a:r>
+              <a:rPr lang="pl-PL" sz="4000" dirty="0">
+                <a:solidFill>
+                  <a:schemeClr val="bg2">
+                    <a:lumMod val="90000"/>
+                  </a:schemeClr>
+                </a:solidFill>
+                <a:latin typeface="Futura Medium" panose="020B0602020204020303" pitchFamily="34" charset="-79"/>
+                <a:cs typeface="Futura Medium" panose="020B0602020204020303" pitchFamily="34" charset="-79"/>
+              </a:rPr>
+              <a:t>?</a:t>
+            </a:r>
+          </a:p>
+          <a:p>
+            <a:pPr algn="ctr"/>
+            <a:r>
+              <a:rPr lang="pl-PL" sz="1600" dirty="0">
+                <a:solidFill>
+                  <a:schemeClr val="bg2">
+                    <a:lumMod val="90000"/>
+                  </a:schemeClr>
+                </a:solidFill>
+                <a:latin typeface="Futura Medium" panose="020B0602020204020303" pitchFamily="34" charset="-79"/>
+                <a:cs typeface="Futura Medium" panose="020B0602020204020303" pitchFamily="34" charset="-79"/>
+              </a:rPr>
+              <a:t>data </a:t>
+            </a:r>
+            <a:r>
+              <a:rPr lang="pl-PL" sz="1600" dirty="0" err="1">
+                <a:solidFill>
+                  <a:schemeClr val="bg2">
+                    <a:lumMod val="90000"/>
+                  </a:schemeClr>
+                </a:solidFill>
+                <a:latin typeface="Futura Medium" panose="020B0602020204020303" pitchFamily="34" charset="-79"/>
+                <a:cs typeface="Futura Medium" panose="020B0602020204020303" pitchFamily="34" charset="-79"/>
+              </a:rPr>
+              <a:t>issue</a:t>
+            </a:r>
+            <a:r>
+              <a:rPr lang="pl-PL" sz="1600" dirty="0">
+                <a:solidFill>
+                  <a:schemeClr val="bg2">
+                    <a:lumMod val="90000"/>
+                  </a:schemeClr>
+                </a:solidFill>
+                <a:latin typeface="Futura Medium" panose="020B0602020204020303" pitchFamily="34" charset="-79"/>
+                <a:cs typeface="Futura Medium" panose="020B0602020204020303" pitchFamily="34" charset="-79"/>
+              </a:rPr>
+              <a:t>/</a:t>
+            </a:r>
+            <a:r>
+              <a:rPr lang="pl-PL" sz="1600" dirty="0" err="1">
+                <a:solidFill>
+                  <a:schemeClr val="bg2">
+                    <a:lumMod val="90000"/>
+                  </a:schemeClr>
+                </a:solidFill>
+                <a:latin typeface="Futura Medium" panose="020B0602020204020303" pitchFamily="34" charset="-79"/>
+                <a:cs typeface="Futura Medium" panose="020B0602020204020303" pitchFamily="34" charset="-79"/>
+              </a:rPr>
+              <a:t>anomaly</a:t>
+            </a:r>
+            <a:endParaRPr lang="pl-PL" sz="1600" dirty="0">
+              <a:solidFill>
+                <a:schemeClr val="bg2">
+                  <a:lumMod val="90000"/>
+                </a:schemeClr>
+              </a:solidFill>
+              <a:latin typeface="Futura Medium" panose="020B0602020204020303" pitchFamily="34" charset="-79"/>
+              <a:cs typeface="Futura Medium" panose="020B0602020204020303" pitchFamily="34" charset="-79"/>
+            </a:endParaRPr>
+          </a:p>
+        </p:txBody>
+      </p:sp>
+      <p:cxnSp>
+        <p:nvCxnSpPr>
+          <p:cNvPr id="10" name="Straight Connector 9">
+            <a:extLst>
+              <a:ext uri="{FF2B5EF4-FFF2-40B4-BE49-F238E27FC236}">
+                <a16:creationId xmlns:a16="http://schemas.microsoft.com/office/drawing/2014/main" id="{F108E967-DFBC-EE41-B6A4-A8C384179943}"/>
+              </a:ext>
+            </a:extLst>
+          </p:cNvPr>
+          <p:cNvCxnSpPr/>
+          <p:nvPr/>
+        </p:nvCxnSpPr>
+        <p:spPr>
+          <a:xfrm flipH="1">
+            <a:off x="10235571" y="1925929"/>
+            <a:ext cx="1282390" cy="1182030"/>
+          </a:xfrm>
+          <a:prstGeom prst="line">
+            <a:avLst/>
+          </a:prstGeom>
+          <a:ln w="38100">
+            <a:solidFill>
+              <a:schemeClr val="bg2">
+                <a:lumMod val="90000"/>
+              </a:schemeClr>
+            </a:solidFill>
+          </a:ln>
+        </p:spPr>
+        <p:style>
+          <a:lnRef idx="1">
+            <a:schemeClr val="accent1"/>
+          </a:lnRef>
+          <a:fillRef idx="0">
+            <a:schemeClr val="accent1"/>
+          </a:fillRef>
+          <a:effectRef idx="0">
+            <a:schemeClr val="accent1"/>
+          </a:effectRef>
+          <a:fontRef idx="minor">
+            <a:schemeClr val="tx1"/>
+          </a:fontRef>
+        </p:style>
+      </p:cxnSp>
+      <p:cxnSp>
+        <p:nvCxnSpPr>
+          <p:cNvPr id="13" name="Straight Connector 12">
+            <a:extLst>
+              <a:ext uri="{FF2B5EF4-FFF2-40B4-BE49-F238E27FC236}">
+                <a16:creationId xmlns:a16="http://schemas.microsoft.com/office/drawing/2014/main" id="{25F54C8C-C9C4-A547-8E72-AC8EBBD53743}"/>
+              </a:ext>
+            </a:extLst>
+          </p:cNvPr>
+          <p:cNvCxnSpPr>
+            <a:cxnSpLocks/>
+          </p:cNvCxnSpPr>
+          <p:nvPr/>
+        </p:nvCxnSpPr>
+        <p:spPr>
+          <a:xfrm rot="5400000" flipH="1">
+            <a:off x="10235571" y="1925929"/>
+            <a:ext cx="1282390" cy="1182030"/>
+          </a:xfrm>
+          <a:prstGeom prst="line">
+            <a:avLst/>
+          </a:prstGeom>
+          <a:ln w="38100">
+            <a:solidFill>
+              <a:schemeClr val="bg2">
+                <a:lumMod val="90000"/>
+              </a:schemeClr>
+            </a:solidFill>
+          </a:ln>
+        </p:spPr>
+        <p:style>
+          <a:lnRef idx="1">
+            <a:schemeClr val="accent1"/>
+          </a:lnRef>
+          <a:fillRef idx="0">
+            <a:schemeClr val="accent1"/>
+          </a:fillRef>
+          <a:effectRef idx="0">
+            <a:schemeClr val="accent1"/>
+          </a:effectRef>
+          <a:fontRef idx="minor">
+            <a:schemeClr val="tx1"/>
+          </a:fontRef>
+        </p:style>
+      </p:cxnSp>
+      <p:sp>
+        <p:nvSpPr>
+          <p:cNvPr id="9" name="TextBox 8">
+            <a:extLst>
+              <a:ext uri="{FF2B5EF4-FFF2-40B4-BE49-F238E27FC236}">
+                <a16:creationId xmlns:a16="http://schemas.microsoft.com/office/drawing/2014/main" id="{61A1AE2F-2ED2-D74E-980C-69634DE4C905}"/>
+              </a:ext>
+            </a:extLst>
+          </p:cNvPr>
+          <p:cNvSpPr txBox="1"/>
+          <p:nvPr/>
+        </p:nvSpPr>
+        <p:spPr>
+          <a:xfrm>
+            <a:off x="2821259" y="3936380"/>
+            <a:ext cx="3021980" cy="1692771"/>
+          </a:xfrm>
+          <a:prstGeom prst="rect">
+            <a:avLst/>
+          </a:prstGeom>
+          <a:noFill/>
+        </p:spPr>
+        <p:txBody>
+          <a:bodyPr wrap="square" rtlCol="0">
+            <a:spAutoFit/>
+          </a:bodyPr>
+          <a:lstStyle/>
+          <a:p>
+            <a:pPr algn="ctr"/>
+            <a:r>
+              <a:rPr lang="pl-PL" sz="4000" dirty="0">
+                <a:solidFill>
+                  <a:schemeClr val="bg2">
+                    <a:lumMod val="90000"/>
+                  </a:schemeClr>
+                </a:solidFill>
+                <a:latin typeface="Futura Medium" panose="020B0602020204020303" pitchFamily="34" charset="-79"/>
+                <a:cs typeface="Futura Medium" panose="020B0602020204020303" pitchFamily="34" charset="-79"/>
+              </a:rPr>
+              <a:t>60%</a:t>
+            </a:r>
+          </a:p>
+          <a:p>
+            <a:pPr algn="ctr"/>
+            <a:r>
+              <a:rPr lang="pl-PL" sz="1600" dirty="0" err="1">
+                <a:solidFill>
+                  <a:schemeClr val="bg2">
+                    <a:lumMod val="90000"/>
+                  </a:schemeClr>
+                </a:solidFill>
+                <a:latin typeface="Futura Medium" panose="020B0602020204020303" pitchFamily="34" charset="-79"/>
+                <a:cs typeface="Futura Medium" panose="020B0602020204020303" pitchFamily="34" charset="-79"/>
+              </a:rPr>
+              <a:t>customer</a:t>
+            </a:r>
+            <a:r>
+              <a:rPr lang="pl-PL" sz="1600" dirty="0">
+                <a:solidFill>
+                  <a:schemeClr val="bg2">
+                    <a:lumMod val="90000"/>
+                  </a:schemeClr>
+                </a:solidFill>
+                <a:latin typeface="Futura Medium" panose="020B0602020204020303" pitchFamily="34" charset="-79"/>
+                <a:cs typeface="Futura Medium" panose="020B0602020204020303" pitchFamily="34" charset="-79"/>
+              </a:rPr>
+              <a:t> </a:t>
+            </a:r>
+            <a:r>
+              <a:rPr lang="pl-PL" sz="1600" dirty="0" err="1">
+                <a:solidFill>
+                  <a:schemeClr val="bg2">
+                    <a:lumMod val="90000"/>
+                  </a:schemeClr>
+                </a:solidFill>
+                <a:latin typeface="Futura Medium" panose="020B0602020204020303" pitchFamily="34" charset="-79"/>
+                <a:cs typeface="Futura Medium" panose="020B0602020204020303" pitchFamily="34" charset="-79"/>
+              </a:rPr>
+              <a:t>codes</a:t>
+            </a:r>
+            <a:r>
+              <a:rPr lang="pl-PL" sz="1600" dirty="0">
+                <a:solidFill>
+                  <a:schemeClr val="bg2">
+                    <a:lumMod val="90000"/>
+                  </a:schemeClr>
+                </a:solidFill>
+                <a:latin typeface="Futura Medium" panose="020B0602020204020303" pitchFamily="34" charset="-79"/>
+                <a:cs typeface="Futura Medium" panose="020B0602020204020303" pitchFamily="34" charset="-79"/>
+              </a:rPr>
+              <a:t> </a:t>
+            </a:r>
+            <a:r>
+              <a:rPr lang="pl-PL" sz="1600" dirty="0" err="1">
+                <a:solidFill>
+                  <a:schemeClr val="bg2">
+                    <a:lumMod val="90000"/>
+                  </a:schemeClr>
+                </a:solidFill>
+                <a:latin typeface="Futura Medium" panose="020B0602020204020303" pitchFamily="34" charset="-79"/>
+                <a:cs typeface="Futura Medium" panose="020B0602020204020303" pitchFamily="34" charset="-79"/>
+              </a:rPr>
+              <a:t>shared</a:t>
+            </a:r>
+            <a:r>
+              <a:rPr lang="pl-PL" sz="1600" dirty="0">
+                <a:solidFill>
+                  <a:schemeClr val="bg2">
+                    <a:lumMod val="90000"/>
+                  </a:schemeClr>
+                </a:solidFill>
+                <a:latin typeface="Futura Medium" panose="020B0602020204020303" pitchFamily="34" charset="-79"/>
+                <a:cs typeface="Futura Medium" panose="020B0602020204020303" pitchFamily="34" charset="-79"/>
+              </a:rPr>
+              <a:t> by </a:t>
+            </a:r>
+            <a:r>
+              <a:rPr lang="pl-PL" sz="1600" dirty="0" err="1">
+                <a:solidFill>
+                  <a:schemeClr val="bg2">
+                    <a:lumMod val="90000"/>
+                  </a:schemeClr>
+                </a:solidFill>
+                <a:latin typeface="Futura Medium" panose="020B0602020204020303" pitchFamily="34" charset="-79"/>
+                <a:cs typeface="Futura Medium" panose="020B0602020204020303" pitchFamily="34" charset="-79"/>
+              </a:rPr>
+              <a:t>multiple</a:t>
+            </a:r>
+            <a:r>
+              <a:rPr lang="pl-PL" sz="1600" dirty="0">
+                <a:solidFill>
+                  <a:schemeClr val="bg2">
+                    <a:lumMod val="90000"/>
+                  </a:schemeClr>
+                </a:solidFill>
+                <a:latin typeface="Futura Medium" panose="020B0602020204020303" pitchFamily="34" charset="-79"/>
+                <a:cs typeface="Futura Medium" panose="020B0602020204020303" pitchFamily="34" charset="-79"/>
+              </a:rPr>
+              <a:t> </a:t>
+            </a:r>
+            <a:r>
+              <a:rPr lang="pl-PL" sz="1600" dirty="0" err="1">
+                <a:solidFill>
+                  <a:schemeClr val="bg2">
+                    <a:lumMod val="90000"/>
+                  </a:schemeClr>
+                </a:solidFill>
+                <a:latin typeface="Futura Medium" panose="020B0602020204020303" pitchFamily="34" charset="-79"/>
+                <a:cs typeface="Futura Medium" panose="020B0602020204020303" pitchFamily="34" charset="-79"/>
+              </a:rPr>
+              <a:t>customers</a:t>
+            </a:r>
+            <a:r>
+              <a:rPr lang="pl-PL" sz="1600" dirty="0">
+                <a:solidFill>
+                  <a:schemeClr val="bg2">
+                    <a:lumMod val="90000"/>
+                  </a:schemeClr>
+                </a:solidFill>
+                <a:latin typeface="Futura Medium" panose="020B0602020204020303" pitchFamily="34" charset="-79"/>
+                <a:cs typeface="Futura Medium" panose="020B0602020204020303" pitchFamily="34" charset="-79"/>
+              </a:rPr>
+              <a:t> </a:t>
+            </a:r>
+          </a:p>
+          <a:p>
+            <a:pPr algn="ctr"/>
+            <a:r>
+              <a:rPr lang="pl-PL" sz="1600" dirty="0" err="1">
+                <a:solidFill>
+                  <a:schemeClr val="bg2">
+                    <a:lumMod val="90000"/>
+                  </a:schemeClr>
+                </a:solidFill>
+                <a:latin typeface="Futura Medium" panose="020B0602020204020303" pitchFamily="34" charset="-79"/>
+                <a:cs typeface="Futura Medium" panose="020B0602020204020303" pitchFamily="34" charset="-79"/>
+              </a:rPr>
+              <a:t>had</a:t>
+            </a:r>
+            <a:r>
+              <a:rPr lang="pl-PL" sz="1600" dirty="0">
+                <a:solidFill>
+                  <a:schemeClr val="bg2">
+                    <a:lumMod val="90000"/>
+                  </a:schemeClr>
+                </a:solidFill>
+                <a:latin typeface="Futura Medium" panose="020B0602020204020303" pitchFamily="34" charset="-79"/>
+                <a:cs typeface="Futura Medium" panose="020B0602020204020303" pitchFamily="34" charset="-79"/>
+              </a:rPr>
+              <a:t> </a:t>
+            </a:r>
+            <a:r>
+              <a:rPr lang="pl-PL" sz="1600" dirty="0" err="1">
+                <a:solidFill>
+                  <a:schemeClr val="bg2">
+                    <a:lumMod val="90000"/>
+                  </a:schemeClr>
+                </a:solidFill>
+                <a:latin typeface="Futura Medium" panose="020B0602020204020303" pitchFamily="34" charset="-79"/>
+                <a:cs typeface="Futura Medium" panose="020B0602020204020303" pitchFamily="34" charset="-79"/>
+              </a:rPr>
+              <a:t>unanimous</a:t>
+            </a:r>
+            <a:r>
+              <a:rPr lang="pl-PL" sz="1600" dirty="0">
+                <a:solidFill>
+                  <a:schemeClr val="bg2">
+                    <a:lumMod val="90000"/>
+                  </a:schemeClr>
+                </a:solidFill>
+                <a:latin typeface="Futura Medium" panose="020B0602020204020303" pitchFamily="34" charset="-79"/>
+                <a:cs typeface="Futura Medium" panose="020B0602020204020303" pitchFamily="34" charset="-79"/>
+              </a:rPr>
+              <a:t> </a:t>
+            </a:r>
+            <a:r>
+              <a:rPr lang="pl-PL" sz="1600" dirty="0" err="1">
+                <a:solidFill>
+                  <a:schemeClr val="bg2">
+                    <a:lumMod val="90000"/>
+                  </a:schemeClr>
+                </a:solidFill>
+                <a:latin typeface="Futura Medium" panose="020B0602020204020303" pitchFamily="34" charset="-79"/>
+                <a:cs typeface="Futura Medium" panose="020B0602020204020303" pitchFamily="34" charset="-79"/>
+              </a:rPr>
+              <a:t>response</a:t>
+            </a:r>
+            <a:r>
+              <a:rPr lang="pl-PL" sz="1600" dirty="0">
+                <a:solidFill>
+                  <a:schemeClr val="bg2">
+                    <a:lumMod val="90000"/>
+                  </a:schemeClr>
+                </a:solidFill>
+                <a:latin typeface="Futura Medium" panose="020B0602020204020303" pitchFamily="34" charset="-79"/>
+                <a:cs typeface="Futura Medium" panose="020B0602020204020303" pitchFamily="34" charset="-79"/>
+              </a:rPr>
+              <a:t> to </a:t>
+            </a:r>
+            <a:r>
+              <a:rPr lang="pl-PL" sz="1600" dirty="0" err="1">
+                <a:solidFill>
+                  <a:schemeClr val="bg2">
+                    <a:lumMod val="90000"/>
+                  </a:schemeClr>
+                </a:solidFill>
+                <a:latin typeface="Futura Medium" panose="020B0602020204020303" pitchFamily="34" charset="-79"/>
+                <a:cs typeface="Futura Medium" panose="020B0602020204020303" pitchFamily="34" charset="-79"/>
+              </a:rPr>
+              <a:t>our</a:t>
+            </a:r>
+            <a:r>
+              <a:rPr lang="pl-PL" sz="1600" dirty="0">
+                <a:solidFill>
+                  <a:schemeClr val="bg2">
+                    <a:lumMod val="90000"/>
+                  </a:schemeClr>
+                </a:solidFill>
+                <a:latin typeface="Futura Medium" panose="020B0602020204020303" pitchFamily="34" charset="-79"/>
+                <a:cs typeface="Futura Medium" panose="020B0602020204020303" pitchFamily="34" charset="-79"/>
+              </a:rPr>
+              <a:t> </a:t>
+            </a:r>
+            <a:r>
+              <a:rPr lang="pl-PL" sz="1600" dirty="0" err="1">
+                <a:solidFill>
+                  <a:schemeClr val="bg2">
+                    <a:lumMod val="90000"/>
+                  </a:schemeClr>
+                </a:solidFill>
+                <a:latin typeface="Futura Medium" panose="020B0602020204020303" pitchFamily="34" charset="-79"/>
+                <a:cs typeface="Futura Medium" panose="020B0602020204020303" pitchFamily="34" charset="-79"/>
+              </a:rPr>
+              <a:t>offer</a:t>
+            </a:r>
+            <a:r>
+              <a:rPr lang="pl-PL" sz="1600" dirty="0">
+                <a:solidFill>
+                  <a:schemeClr val="bg2">
+                    <a:lumMod val="90000"/>
+                  </a:schemeClr>
+                </a:solidFill>
+                <a:latin typeface="Futura Medium" panose="020B0602020204020303" pitchFamily="34" charset="-79"/>
+                <a:cs typeface="Futura Medium" panose="020B0602020204020303" pitchFamily="34" charset="-79"/>
+              </a:rPr>
+              <a:t> </a:t>
+            </a:r>
+          </a:p>
+        </p:txBody>
+      </p:sp>
+      <p:pic>
+        <p:nvPicPr>
+          <p:cNvPr id="7" name="Picture 6">
+            <a:extLst>
+              <a:ext uri="{FF2B5EF4-FFF2-40B4-BE49-F238E27FC236}">
+                <a16:creationId xmlns:a16="http://schemas.microsoft.com/office/drawing/2014/main" id="{F98F0353-C538-E844-9ADE-B4EBD9355629}"/>
+              </a:ext>
+            </a:extLst>
+          </p:cNvPr>
+          <p:cNvPicPr>
+            <a:picLocks noChangeAspect="1"/>
+          </p:cNvPicPr>
+          <p:nvPr/>
+        </p:nvPicPr>
+        <p:blipFill>
+          <a:blip r:embed="rId3"/>
+          <a:stretch>
+            <a:fillRect/>
+          </a:stretch>
+        </p:blipFill>
+        <p:spPr>
+          <a:xfrm>
+            <a:off x="7156091" y="3585118"/>
+            <a:ext cx="1747228" cy="2689812"/>
+          </a:xfrm>
+          <a:prstGeom prst="rect">
+            <a:avLst/>
+          </a:prstGeom>
+        </p:spPr>
+      </p:pic>
+    </p:spTree>
+    <p:extLst>
+      <p:ext uri="{BB962C8B-B14F-4D97-AF65-F5344CB8AC3E}">
+        <p14:creationId xmlns:p14="http://schemas.microsoft.com/office/powerpoint/2010/main" val="519846065"/>
+      </p:ext>
+    </p:extLst>
+  </p:cSld>
+  <p:clrMapOvr>
+    <a:masterClrMapping/>
+  </p:clrMapOvr>
+</p:sld>
+</file>
+
+<file path=ppt/slides/slide17.xml><?xml version="1.0" encoding="utf-8"?>
 <p:sld xmlns:a="http://schemas.openxmlformats.org/drawingml/2006/main" xmlns:r="http://schemas.openxmlformats.org/officeDocument/2006/relationships" xmlns:p="http://schemas.openxmlformats.org/presentationml/2006/main">
   <p:cSld>
     <p:spTree>
@@ -7538,7 +16304,7 @@
 </p:sld>
 </file>
 
-<file path=ppt/slides/slide12.xml><?xml version="1.0" encoding="utf-8"?>
+<file path=ppt/slides/slide18.xml><?xml version="1.0" encoding="utf-8"?>
 <p:sld xmlns:a="http://schemas.openxmlformats.org/drawingml/2006/main" xmlns:r="http://schemas.openxmlformats.org/officeDocument/2006/relationships" xmlns:p="http://schemas.openxmlformats.org/presentationml/2006/main">
   <p:cSld>
     <p:spTree>
@@ -8875,7 +17641,7 @@
 </p:sld>
 </file>
 
-<file path=ppt/slides/slide13.xml><?xml version="1.0" encoding="utf-8"?>
+<file path=ppt/slides/slide19.xml><?xml version="1.0" encoding="utf-8"?>
 <p:sld xmlns:a="http://schemas.openxmlformats.org/drawingml/2006/main" xmlns:r="http://schemas.openxmlformats.org/officeDocument/2006/relationships" xmlns:p="http://schemas.openxmlformats.org/presentationml/2006/main">
   <p:cSld>
     <p:spTree>
@@ -10242,7 +19008,477 @@
 </p:sld>
 </file>
 
-<file path=ppt/slides/slide14.xml><?xml version="1.0" encoding="utf-8"?>
+<file path=ppt/slides/slide2.xml><?xml version="1.0" encoding="utf-8"?>
+<p:sld xmlns:a="http://schemas.openxmlformats.org/drawingml/2006/main" xmlns:r="http://schemas.openxmlformats.org/officeDocument/2006/relationships" xmlns:p="http://schemas.openxmlformats.org/presentationml/2006/main">
+  <p:cSld>
+    <p:spTree>
+      <p:nvGrpSpPr>
+        <p:cNvPr id="1" name=""/>
+        <p:cNvGrpSpPr/>
+        <p:nvPr/>
+      </p:nvGrpSpPr>
+      <p:grpSpPr>
+        <a:xfrm>
+          <a:off x="0" y="0"/>
+          <a:ext cx="0" cy="0"/>
+          <a:chOff x="0" y="0"/>
+          <a:chExt cx="0" cy="0"/>
+        </a:xfrm>
+      </p:grpSpPr>
+      <p:sp>
+        <p:nvSpPr>
+          <p:cNvPr id="2" name="Title 1">
+            <a:extLst>
+              <a:ext uri="{FF2B5EF4-FFF2-40B4-BE49-F238E27FC236}">
+                <a16:creationId xmlns:a16="http://schemas.microsoft.com/office/drawing/2014/main" id="{F47BF6D4-89AF-724D-982F-87CBD8F29B01}"/>
+              </a:ext>
+            </a:extLst>
+          </p:cNvPr>
+          <p:cNvSpPr>
+            <a:spLocks noGrp="1"/>
+          </p:cNvSpPr>
+          <p:nvPr>
+            <p:ph type="title"/>
+          </p:nvPr>
+        </p:nvSpPr>
+        <p:spPr/>
+        <p:txBody>
+          <a:bodyPr>
+            <a:normAutofit/>
+          </a:bodyPr>
+          <a:lstStyle/>
+          <a:p>
+            <a:pPr algn="ctr"/>
+            <a:r>
+              <a:rPr lang="pl-PL" sz="3200" dirty="0">
+                <a:solidFill>
+                  <a:schemeClr val="accent1">
+                    <a:lumMod val="75000"/>
+                  </a:schemeClr>
+                </a:solidFill>
+                <a:latin typeface="Futura Medium" panose="020B0602020204020303" pitchFamily="34" charset="-79"/>
+                <a:cs typeface="Futura Medium" panose="020B0602020204020303" pitchFamily="34" charset="-79"/>
+              </a:rPr>
+              <a:t>Agenda</a:t>
+            </a:r>
+          </a:p>
+        </p:txBody>
+      </p:sp>
+      <p:sp>
+        <p:nvSpPr>
+          <p:cNvPr id="3" name="Content Placeholder 2">
+            <a:extLst>
+              <a:ext uri="{FF2B5EF4-FFF2-40B4-BE49-F238E27FC236}">
+                <a16:creationId xmlns:a16="http://schemas.microsoft.com/office/drawing/2014/main" id="{37567E70-E983-FC41-9D5E-32F7CA0480D4}"/>
+              </a:ext>
+            </a:extLst>
+          </p:cNvPr>
+          <p:cNvSpPr>
+            <a:spLocks noGrp="1"/>
+          </p:cNvSpPr>
+          <p:nvPr>
+            <p:ph idx="1"/>
+          </p:nvPr>
+        </p:nvSpPr>
+        <p:spPr/>
+        <p:txBody>
+          <a:bodyPr>
+            <a:normAutofit/>
+          </a:bodyPr>
+          <a:lstStyle/>
+          <a:p>
+            <a:pPr marL="514350" indent="-514350">
+              <a:buClr>
+                <a:schemeClr val="accent2"/>
+              </a:buClr>
+              <a:buFont typeface="+mj-lt"/>
+              <a:buAutoNum type="arabicPeriod"/>
+            </a:pPr>
+            <a:r>
+              <a:rPr lang="pl-PL" dirty="0">
+                <a:solidFill>
+                  <a:schemeClr val="tx1">
+                    <a:lumMod val="50000"/>
+                    <a:lumOff val="50000"/>
+                  </a:schemeClr>
+                </a:solidFill>
+                <a:latin typeface="Futura Medium" panose="020B0602020204020303" pitchFamily="34" charset="-79"/>
+                <a:cs typeface="Futura Medium" panose="020B0602020204020303" pitchFamily="34" charset="-79"/>
+              </a:rPr>
+              <a:t>Problem </a:t>
+            </a:r>
+            <a:r>
+              <a:rPr lang="pl-PL" dirty="0" err="1">
+                <a:solidFill>
+                  <a:schemeClr val="tx1">
+                    <a:lumMod val="50000"/>
+                    <a:lumOff val="50000"/>
+                  </a:schemeClr>
+                </a:solidFill>
+                <a:latin typeface="Futura Medium" panose="020B0602020204020303" pitchFamily="34" charset="-79"/>
+                <a:cs typeface="Futura Medium" panose="020B0602020204020303" pitchFamily="34" charset="-79"/>
+              </a:rPr>
+              <a:t>overview</a:t>
+            </a:r>
+            <a:r>
+              <a:rPr lang="pl-PL" dirty="0">
+                <a:solidFill>
+                  <a:schemeClr val="tx1">
+                    <a:lumMod val="50000"/>
+                    <a:lumOff val="50000"/>
+                  </a:schemeClr>
+                </a:solidFill>
+                <a:latin typeface="Futura Medium" panose="020B0602020204020303" pitchFamily="34" charset="-79"/>
+                <a:cs typeface="Futura Medium" panose="020B0602020204020303" pitchFamily="34" charset="-79"/>
+              </a:rPr>
+              <a:t> and </a:t>
+            </a:r>
+            <a:r>
+              <a:rPr lang="pl-PL" dirty="0" err="1">
+                <a:solidFill>
+                  <a:schemeClr val="tx1">
+                    <a:lumMod val="50000"/>
+                    <a:lumOff val="50000"/>
+                  </a:schemeClr>
+                </a:solidFill>
+                <a:latin typeface="Futura Medium" panose="020B0602020204020303" pitchFamily="34" charset="-79"/>
+                <a:cs typeface="Futura Medium" panose="020B0602020204020303" pitchFamily="34" charset="-79"/>
+              </a:rPr>
+              <a:t>features</a:t>
+            </a:r>
+            <a:r>
+              <a:rPr lang="pl-PL" dirty="0">
+                <a:solidFill>
+                  <a:schemeClr val="tx1">
+                    <a:lumMod val="50000"/>
+                    <a:lumOff val="50000"/>
+                  </a:schemeClr>
+                </a:solidFill>
+                <a:latin typeface="Futura Medium" panose="020B0602020204020303" pitchFamily="34" charset="-79"/>
+                <a:cs typeface="Futura Medium" panose="020B0602020204020303" pitchFamily="34" charset="-79"/>
+              </a:rPr>
+              <a:t> </a:t>
+            </a:r>
+            <a:r>
+              <a:rPr lang="pl-PL" dirty="0" err="1">
+                <a:solidFill>
+                  <a:schemeClr val="tx1">
+                    <a:lumMod val="50000"/>
+                    <a:lumOff val="50000"/>
+                  </a:schemeClr>
+                </a:solidFill>
+                <a:latin typeface="Futura Medium" panose="020B0602020204020303" pitchFamily="34" charset="-79"/>
+                <a:cs typeface="Futura Medium" panose="020B0602020204020303" pitchFamily="34" charset="-79"/>
+              </a:rPr>
+              <a:t>transformation</a:t>
+            </a:r>
+            <a:endParaRPr lang="pl-PL" dirty="0">
+              <a:solidFill>
+                <a:schemeClr val="tx1">
+                  <a:lumMod val="50000"/>
+                  <a:lumOff val="50000"/>
+                </a:schemeClr>
+              </a:solidFill>
+              <a:latin typeface="Futura Medium" panose="020B0602020204020303" pitchFamily="34" charset="-79"/>
+              <a:cs typeface="Futura Medium" panose="020B0602020204020303" pitchFamily="34" charset="-79"/>
+            </a:endParaRPr>
+          </a:p>
+          <a:p>
+            <a:pPr marL="514350" indent="-514350">
+              <a:buClr>
+                <a:schemeClr val="accent2"/>
+              </a:buClr>
+              <a:buFont typeface="+mj-lt"/>
+              <a:buAutoNum type="arabicPeriod"/>
+            </a:pPr>
+            <a:r>
+              <a:rPr lang="pl-PL" dirty="0" err="1">
+                <a:solidFill>
+                  <a:schemeClr val="tx1">
+                    <a:lumMod val="50000"/>
+                    <a:lumOff val="50000"/>
+                  </a:schemeClr>
+                </a:solidFill>
+                <a:latin typeface="Futura Medium" panose="020B0602020204020303" pitchFamily="34" charset="-79"/>
+                <a:cs typeface="Futura Medium" panose="020B0602020204020303" pitchFamily="34" charset="-79"/>
+              </a:rPr>
+              <a:t>Insights</a:t>
+            </a:r>
+            <a:endParaRPr lang="pl-PL" dirty="0">
+              <a:solidFill>
+                <a:schemeClr val="tx1">
+                  <a:lumMod val="50000"/>
+                  <a:lumOff val="50000"/>
+                </a:schemeClr>
+              </a:solidFill>
+              <a:latin typeface="Futura Medium" panose="020B0602020204020303" pitchFamily="34" charset="-79"/>
+              <a:cs typeface="Futura Medium" panose="020B0602020204020303" pitchFamily="34" charset="-79"/>
+            </a:endParaRPr>
+          </a:p>
+          <a:p>
+            <a:pPr marL="514350" indent="-514350">
+              <a:buClr>
+                <a:schemeClr val="accent2"/>
+              </a:buClr>
+              <a:buFont typeface="+mj-lt"/>
+              <a:buAutoNum type="arabicPeriod"/>
+            </a:pPr>
+            <a:r>
+              <a:rPr lang="pl-PL" dirty="0">
+                <a:solidFill>
+                  <a:schemeClr val="tx1">
+                    <a:lumMod val="50000"/>
+                    <a:lumOff val="50000"/>
+                  </a:schemeClr>
+                </a:solidFill>
+                <a:latin typeface="Futura Medium" panose="020B0602020204020303" pitchFamily="34" charset="-79"/>
+                <a:cs typeface="Futura Medium" panose="020B0602020204020303" pitchFamily="34" charset="-79"/>
+              </a:rPr>
+              <a:t>A </a:t>
+            </a:r>
+            <a:r>
+              <a:rPr lang="pl-PL" dirty="0" err="1">
+                <a:solidFill>
+                  <a:schemeClr val="tx1">
+                    <a:lumMod val="50000"/>
+                    <a:lumOff val="50000"/>
+                  </a:schemeClr>
+                </a:solidFill>
+                <a:latin typeface="Futura Medium" panose="020B0602020204020303" pitchFamily="34" charset="-79"/>
+                <a:cs typeface="Futura Medium" panose="020B0602020204020303" pitchFamily="34" charset="-79"/>
+              </a:rPr>
+              <a:t>little</a:t>
+            </a:r>
+            <a:r>
+              <a:rPr lang="pl-PL" dirty="0">
+                <a:solidFill>
+                  <a:schemeClr val="tx1">
+                    <a:lumMod val="50000"/>
+                    <a:lumOff val="50000"/>
+                  </a:schemeClr>
+                </a:solidFill>
+                <a:latin typeface="Futura Medium" panose="020B0602020204020303" pitchFamily="34" charset="-79"/>
+                <a:cs typeface="Futura Medium" panose="020B0602020204020303" pitchFamily="34" charset="-79"/>
+              </a:rPr>
+              <a:t> bit of </a:t>
+            </a:r>
+            <a:r>
+              <a:rPr lang="pl-PL" dirty="0" err="1">
+                <a:solidFill>
+                  <a:schemeClr val="tx1">
+                    <a:lumMod val="50000"/>
+                    <a:lumOff val="50000"/>
+                  </a:schemeClr>
+                </a:solidFill>
+                <a:latin typeface="Futura Medium" panose="020B0602020204020303" pitchFamily="34" charset="-79"/>
+                <a:cs typeface="Futura Medium" panose="020B0602020204020303" pitchFamily="34" charset="-79"/>
+              </a:rPr>
+              <a:t>technical</a:t>
+            </a:r>
+            <a:r>
+              <a:rPr lang="pl-PL" dirty="0">
+                <a:solidFill>
+                  <a:schemeClr val="tx1">
+                    <a:lumMod val="50000"/>
+                    <a:lumOff val="50000"/>
+                  </a:schemeClr>
+                </a:solidFill>
+                <a:latin typeface="Futura Medium" panose="020B0602020204020303" pitchFamily="34" charset="-79"/>
+                <a:cs typeface="Futura Medium" panose="020B0602020204020303" pitchFamily="34" charset="-79"/>
+              </a:rPr>
+              <a:t> </a:t>
+            </a:r>
+            <a:r>
+              <a:rPr lang="pl-PL" dirty="0" err="1">
+                <a:solidFill>
+                  <a:schemeClr val="tx1">
+                    <a:lumMod val="50000"/>
+                    <a:lumOff val="50000"/>
+                  </a:schemeClr>
+                </a:solidFill>
+                <a:latin typeface="Futura Medium" panose="020B0602020204020303" pitchFamily="34" charset="-79"/>
+                <a:cs typeface="Futura Medium" panose="020B0602020204020303" pitchFamily="34" charset="-79"/>
+              </a:rPr>
+              <a:t>details</a:t>
+            </a:r>
+            <a:endParaRPr lang="pl-PL" dirty="0">
+              <a:solidFill>
+                <a:schemeClr val="tx1">
+                  <a:lumMod val="50000"/>
+                  <a:lumOff val="50000"/>
+                </a:schemeClr>
+              </a:solidFill>
+              <a:latin typeface="Futura Medium" panose="020B0602020204020303" pitchFamily="34" charset="-79"/>
+              <a:cs typeface="Futura Medium" panose="020B0602020204020303" pitchFamily="34" charset="-79"/>
+            </a:endParaRPr>
+          </a:p>
+          <a:p>
+            <a:pPr marL="514350" indent="-514350">
+              <a:buClr>
+                <a:schemeClr val="accent2"/>
+              </a:buClr>
+              <a:buFont typeface="+mj-lt"/>
+              <a:buAutoNum type="arabicPeriod"/>
+            </a:pPr>
+            <a:r>
+              <a:rPr lang="pl-PL" dirty="0" err="1">
+                <a:solidFill>
+                  <a:schemeClr val="tx1">
+                    <a:lumMod val="50000"/>
+                    <a:lumOff val="50000"/>
+                  </a:schemeClr>
+                </a:solidFill>
+                <a:latin typeface="Futura Medium" panose="020B0602020204020303" pitchFamily="34" charset="-79"/>
+                <a:cs typeface="Futura Medium" panose="020B0602020204020303" pitchFamily="34" charset="-79"/>
+              </a:rPr>
+              <a:t>What</a:t>
+            </a:r>
+            <a:r>
+              <a:rPr lang="pl-PL" dirty="0">
+                <a:solidFill>
+                  <a:schemeClr val="tx1">
+                    <a:lumMod val="50000"/>
+                    <a:lumOff val="50000"/>
+                  </a:schemeClr>
+                </a:solidFill>
+                <a:latin typeface="Futura Medium" panose="020B0602020204020303" pitchFamily="34" charset="-79"/>
+                <a:cs typeface="Futura Medium" panose="020B0602020204020303" pitchFamily="34" charset="-79"/>
+              </a:rPr>
+              <a:t> </a:t>
+            </a:r>
+            <a:r>
+              <a:rPr lang="pl-PL" dirty="0" err="1">
+                <a:solidFill>
+                  <a:schemeClr val="tx1">
+                    <a:lumMod val="50000"/>
+                    <a:lumOff val="50000"/>
+                  </a:schemeClr>
+                </a:solidFill>
+                <a:latin typeface="Futura Medium" panose="020B0602020204020303" pitchFamily="34" charset="-79"/>
+                <a:cs typeface="Futura Medium" panose="020B0602020204020303" pitchFamily="34" charset="-79"/>
+              </a:rPr>
+              <a:t>mostly</a:t>
+            </a:r>
+            <a:r>
+              <a:rPr lang="pl-PL" dirty="0">
+                <a:solidFill>
+                  <a:schemeClr val="tx1">
+                    <a:lumMod val="50000"/>
+                    <a:lumOff val="50000"/>
+                  </a:schemeClr>
+                </a:solidFill>
+                <a:latin typeface="Futura Medium" panose="020B0602020204020303" pitchFamily="34" charset="-79"/>
+                <a:cs typeface="Futura Medium" panose="020B0602020204020303" pitchFamily="34" charset="-79"/>
+              </a:rPr>
+              <a:t> </a:t>
+            </a:r>
+            <a:r>
+              <a:rPr lang="pl-PL" dirty="0" err="1">
+                <a:solidFill>
+                  <a:schemeClr val="tx1">
+                    <a:lumMod val="50000"/>
+                    <a:lumOff val="50000"/>
+                  </a:schemeClr>
+                </a:solidFill>
+                <a:latin typeface="Futura Medium" panose="020B0602020204020303" pitchFamily="34" charset="-79"/>
+                <a:cs typeface="Futura Medium" panose="020B0602020204020303" pitchFamily="34" charset="-79"/>
+              </a:rPr>
+              <a:t>impacted</a:t>
+            </a:r>
+            <a:r>
+              <a:rPr lang="pl-PL" dirty="0">
+                <a:solidFill>
+                  <a:schemeClr val="tx1">
+                    <a:lumMod val="50000"/>
+                    <a:lumOff val="50000"/>
+                  </a:schemeClr>
+                </a:solidFill>
+                <a:latin typeface="Futura Medium" panose="020B0602020204020303" pitchFamily="34" charset="-79"/>
+                <a:cs typeface="Futura Medium" panose="020B0602020204020303" pitchFamily="34" charset="-79"/>
+              </a:rPr>
+              <a:t> </a:t>
+            </a:r>
+            <a:r>
+              <a:rPr lang="pl-PL" dirty="0" err="1">
+                <a:solidFill>
+                  <a:schemeClr val="tx1">
+                    <a:lumMod val="50000"/>
+                    <a:lumOff val="50000"/>
+                  </a:schemeClr>
+                </a:solidFill>
+                <a:latin typeface="Futura Medium" panose="020B0602020204020303" pitchFamily="34" charset="-79"/>
+                <a:cs typeface="Futura Medium" panose="020B0602020204020303" pitchFamily="34" charset="-79"/>
+              </a:rPr>
+              <a:t>results</a:t>
+            </a:r>
+            <a:r>
+              <a:rPr lang="pl-PL" dirty="0">
+                <a:solidFill>
+                  <a:schemeClr val="tx1">
+                    <a:lumMod val="50000"/>
+                    <a:lumOff val="50000"/>
+                  </a:schemeClr>
+                </a:solidFill>
+                <a:latin typeface="Futura Medium" panose="020B0602020204020303" pitchFamily="34" charset="-79"/>
+                <a:cs typeface="Futura Medium" panose="020B0602020204020303" pitchFamily="34" charset="-79"/>
+              </a:rPr>
+              <a:t>?</a:t>
+            </a:r>
+          </a:p>
+          <a:p>
+            <a:pPr marL="514350" indent="-514350">
+              <a:buClr>
+                <a:schemeClr val="accent2"/>
+              </a:buClr>
+              <a:buFont typeface="+mj-lt"/>
+              <a:buAutoNum type="arabicPeriod"/>
+            </a:pPr>
+            <a:r>
+              <a:rPr lang="pl-PL" dirty="0" err="1">
+                <a:solidFill>
+                  <a:schemeClr val="tx1">
+                    <a:lumMod val="50000"/>
+                    <a:lumOff val="50000"/>
+                  </a:schemeClr>
+                </a:solidFill>
+                <a:latin typeface="Futura Medium" panose="020B0602020204020303" pitchFamily="34" charset="-79"/>
+                <a:cs typeface="Futura Medium" panose="020B0602020204020303" pitchFamily="34" charset="-79"/>
+              </a:rPr>
+              <a:t>Deliverables</a:t>
+            </a:r>
+            <a:endParaRPr lang="pl-PL" dirty="0">
+              <a:solidFill>
+                <a:schemeClr val="tx1">
+                  <a:lumMod val="50000"/>
+                  <a:lumOff val="50000"/>
+                </a:schemeClr>
+              </a:solidFill>
+              <a:latin typeface="Futura Medium" panose="020B0602020204020303" pitchFamily="34" charset="-79"/>
+              <a:cs typeface="Futura Medium" panose="020B0602020204020303" pitchFamily="34" charset="-79"/>
+            </a:endParaRPr>
+          </a:p>
+          <a:p>
+            <a:pPr marL="0" indent="0">
+              <a:buNone/>
+            </a:pPr>
+            <a:endParaRPr lang="pl-PL" dirty="0"/>
+          </a:p>
+        </p:txBody>
+      </p:sp>
+    </p:spTree>
+    <p:extLst>
+      <p:ext uri="{BB962C8B-B14F-4D97-AF65-F5344CB8AC3E}">
+        <p14:creationId xmlns:p14="http://schemas.microsoft.com/office/powerpoint/2010/main" val="1273370849"/>
+      </p:ext>
+    </p:extLst>
+  </p:cSld>
+  <p:clrMapOvr>
+    <a:masterClrMapping/>
+  </p:clrMapOvr>
+</p:sld>
+</file>
+
+<file path=ppt/slides/slide20.xml><?xml version="1.0" encoding="utf-8"?>
 <p:sld xmlns:a="http://schemas.openxmlformats.org/drawingml/2006/main" xmlns:r="http://schemas.openxmlformats.org/officeDocument/2006/relationships" xmlns:p="http://schemas.openxmlformats.org/presentationml/2006/main">
   <p:cSld>
     <p:spTree>
@@ -11638,7 +20874,7 @@
 </p:sld>
 </file>
 
-<file path=ppt/slides/slide15.xml><?xml version="1.0" encoding="utf-8"?>
+<file path=ppt/slides/slide21.xml><?xml version="1.0" encoding="utf-8"?>
 <p:sld xmlns:a="http://schemas.openxmlformats.org/drawingml/2006/main" xmlns:r="http://schemas.openxmlformats.org/officeDocument/2006/relationships" xmlns:p="http://schemas.openxmlformats.org/presentationml/2006/main">
   <p:cSld>
     <p:spTree>
@@ -13063,7 +22299,7 @@
 </p:sld>
 </file>
 
-<file path=ppt/slides/slide16.xml><?xml version="1.0" encoding="utf-8"?>
+<file path=ppt/slides/slide22.xml><?xml version="1.0" encoding="utf-8"?>
 <p:sld xmlns:a="http://schemas.openxmlformats.org/drawingml/2006/main" xmlns:r="http://schemas.openxmlformats.org/officeDocument/2006/relationships" xmlns:p="http://schemas.openxmlformats.org/presentationml/2006/main">
   <p:cSld>
     <p:spTree>
@@ -14422,7 +23658,7 @@
 </p:sld>
 </file>
 
-<file path=ppt/slides/slide17.xml><?xml version="1.0" encoding="utf-8"?>
+<file path=ppt/slides/slide23.xml><?xml version="1.0" encoding="utf-8"?>
 <p:sld xmlns:a="http://schemas.openxmlformats.org/drawingml/2006/main" xmlns:r="http://schemas.openxmlformats.org/officeDocument/2006/relationships" xmlns:p="http://schemas.openxmlformats.org/presentationml/2006/main">
   <p:cSld>
     <p:spTree>
@@ -15993,7 +25229,7 @@
 </p:sld>
 </file>
 
-<file path=ppt/slides/slide18.xml><?xml version="1.0" encoding="utf-8"?>
+<file path=ppt/slides/slide24.xml><?xml version="1.0" encoding="utf-8"?>
 <p:sld xmlns:a="http://schemas.openxmlformats.org/drawingml/2006/main" xmlns:r="http://schemas.openxmlformats.org/officeDocument/2006/relationships" xmlns:p="http://schemas.openxmlformats.org/presentationml/2006/main">
   <p:cSld>
     <p:spTree>
@@ -17507,7 +26743,7 @@
 </p:sld>
 </file>
 
-<file path=ppt/slides/slide19.xml><?xml version="1.0" encoding="utf-8"?>
+<file path=ppt/slides/slide25.xml><?xml version="1.0" encoding="utf-8"?>
 <p:sld xmlns:a="http://schemas.openxmlformats.org/drawingml/2006/main" xmlns:r="http://schemas.openxmlformats.org/officeDocument/2006/relationships" xmlns:p="http://schemas.openxmlformats.org/presentationml/2006/main">
   <p:cSld>
     <p:spTree>
@@ -18988,7 +28224,7 @@
 </p:sld>
 </file>
 
-<file path=ppt/slides/slide2.xml><?xml version="1.0" encoding="utf-8"?>
+<file path=ppt/slides/slide26.xml><?xml version="1.0" encoding="utf-8"?>
 <p:sld xmlns:a="http://schemas.openxmlformats.org/drawingml/2006/main" xmlns:r="http://schemas.openxmlformats.org/officeDocument/2006/relationships" xmlns:p="http://schemas.openxmlformats.org/presentationml/2006/main">
   <p:cSld>
     <p:spTree>
@@ -19077,476 +28313,6 @@
             <a:r>
               <a:rPr lang="pl-PL" dirty="0">
                 <a:solidFill>
-                  <a:schemeClr val="tx1">
-                    <a:lumMod val="50000"/>
-                    <a:lumOff val="50000"/>
-                  </a:schemeClr>
-                </a:solidFill>
-                <a:latin typeface="Futura Medium" panose="020B0602020204020303" pitchFamily="34" charset="-79"/>
-                <a:cs typeface="Futura Medium" panose="020B0602020204020303" pitchFamily="34" charset="-79"/>
-              </a:rPr>
-              <a:t>Problem </a:t>
-            </a:r>
-            <a:r>
-              <a:rPr lang="pl-PL" dirty="0" err="1">
-                <a:solidFill>
-                  <a:schemeClr val="tx1">
-                    <a:lumMod val="50000"/>
-                    <a:lumOff val="50000"/>
-                  </a:schemeClr>
-                </a:solidFill>
-                <a:latin typeface="Futura Medium" panose="020B0602020204020303" pitchFamily="34" charset="-79"/>
-                <a:cs typeface="Futura Medium" panose="020B0602020204020303" pitchFamily="34" charset="-79"/>
-              </a:rPr>
-              <a:t>overview</a:t>
-            </a:r>
-            <a:r>
-              <a:rPr lang="pl-PL" dirty="0">
-                <a:solidFill>
-                  <a:schemeClr val="tx1">
-                    <a:lumMod val="50000"/>
-                    <a:lumOff val="50000"/>
-                  </a:schemeClr>
-                </a:solidFill>
-                <a:latin typeface="Futura Medium" panose="020B0602020204020303" pitchFamily="34" charset="-79"/>
-                <a:cs typeface="Futura Medium" panose="020B0602020204020303" pitchFamily="34" charset="-79"/>
-              </a:rPr>
-              <a:t> and </a:t>
-            </a:r>
-            <a:r>
-              <a:rPr lang="pl-PL" dirty="0" err="1">
-                <a:solidFill>
-                  <a:schemeClr val="tx1">
-                    <a:lumMod val="50000"/>
-                    <a:lumOff val="50000"/>
-                  </a:schemeClr>
-                </a:solidFill>
-                <a:latin typeface="Futura Medium" panose="020B0602020204020303" pitchFamily="34" charset="-79"/>
-                <a:cs typeface="Futura Medium" panose="020B0602020204020303" pitchFamily="34" charset="-79"/>
-              </a:rPr>
-              <a:t>features</a:t>
-            </a:r>
-            <a:r>
-              <a:rPr lang="pl-PL" dirty="0">
-                <a:solidFill>
-                  <a:schemeClr val="tx1">
-                    <a:lumMod val="50000"/>
-                    <a:lumOff val="50000"/>
-                  </a:schemeClr>
-                </a:solidFill>
-                <a:latin typeface="Futura Medium" panose="020B0602020204020303" pitchFamily="34" charset="-79"/>
-                <a:cs typeface="Futura Medium" panose="020B0602020204020303" pitchFamily="34" charset="-79"/>
-              </a:rPr>
-              <a:t> </a:t>
-            </a:r>
-            <a:r>
-              <a:rPr lang="pl-PL" dirty="0" err="1">
-                <a:solidFill>
-                  <a:schemeClr val="tx1">
-                    <a:lumMod val="50000"/>
-                    <a:lumOff val="50000"/>
-                  </a:schemeClr>
-                </a:solidFill>
-                <a:latin typeface="Futura Medium" panose="020B0602020204020303" pitchFamily="34" charset="-79"/>
-                <a:cs typeface="Futura Medium" panose="020B0602020204020303" pitchFamily="34" charset="-79"/>
-              </a:rPr>
-              <a:t>transformation</a:t>
-            </a:r>
-            <a:endParaRPr lang="pl-PL" dirty="0">
-              <a:solidFill>
-                <a:schemeClr val="tx1">
-                  <a:lumMod val="50000"/>
-                  <a:lumOff val="50000"/>
-                </a:schemeClr>
-              </a:solidFill>
-              <a:latin typeface="Futura Medium" panose="020B0602020204020303" pitchFamily="34" charset="-79"/>
-              <a:cs typeface="Futura Medium" panose="020B0602020204020303" pitchFamily="34" charset="-79"/>
-            </a:endParaRPr>
-          </a:p>
-          <a:p>
-            <a:pPr marL="514350" indent="-514350">
-              <a:buClr>
-                <a:schemeClr val="accent2"/>
-              </a:buClr>
-              <a:buFont typeface="+mj-lt"/>
-              <a:buAutoNum type="arabicPeriod"/>
-            </a:pPr>
-            <a:r>
-              <a:rPr lang="pl-PL" dirty="0" err="1">
-                <a:solidFill>
-                  <a:schemeClr val="tx1">
-                    <a:lumMod val="50000"/>
-                    <a:lumOff val="50000"/>
-                  </a:schemeClr>
-                </a:solidFill>
-                <a:latin typeface="Futura Medium" panose="020B0602020204020303" pitchFamily="34" charset="-79"/>
-                <a:cs typeface="Futura Medium" panose="020B0602020204020303" pitchFamily="34" charset="-79"/>
-              </a:rPr>
-              <a:t>Insights</a:t>
-            </a:r>
-            <a:endParaRPr lang="pl-PL" dirty="0">
-              <a:solidFill>
-                <a:schemeClr val="tx1">
-                  <a:lumMod val="50000"/>
-                  <a:lumOff val="50000"/>
-                </a:schemeClr>
-              </a:solidFill>
-              <a:latin typeface="Futura Medium" panose="020B0602020204020303" pitchFamily="34" charset="-79"/>
-              <a:cs typeface="Futura Medium" panose="020B0602020204020303" pitchFamily="34" charset="-79"/>
-            </a:endParaRPr>
-          </a:p>
-          <a:p>
-            <a:pPr marL="514350" indent="-514350">
-              <a:buClr>
-                <a:schemeClr val="accent2"/>
-              </a:buClr>
-              <a:buFont typeface="+mj-lt"/>
-              <a:buAutoNum type="arabicPeriod"/>
-            </a:pPr>
-            <a:r>
-              <a:rPr lang="pl-PL" dirty="0">
-                <a:solidFill>
-                  <a:schemeClr val="tx1">
-                    <a:lumMod val="50000"/>
-                    <a:lumOff val="50000"/>
-                  </a:schemeClr>
-                </a:solidFill>
-                <a:latin typeface="Futura Medium" panose="020B0602020204020303" pitchFamily="34" charset="-79"/>
-                <a:cs typeface="Futura Medium" panose="020B0602020204020303" pitchFamily="34" charset="-79"/>
-              </a:rPr>
-              <a:t>A </a:t>
-            </a:r>
-            <a:r>
-              <a:rPr lang="pl-PL" dirty="0" err="1">
-                <a:solidFill>
-                  <a:schemeClr val="tx1">
-                    <a:lumMod val="50000"/>
-                    <a:lumOff val="50000"/>
-                  </a:schemeClr>
-                </a:solidFill>
-                <a:latin typeface="Futura Medium" panose="020B0602020204020303" pitchFamily="34" charset="-79"/>
-                <a:cs typeface="Futura Medium" panose="020B0602020204020303" pitchFamily="34" charset="-79"/>
-              </a:rPr>
-              <a:t>little</a:t>
-            </a:r>
-            <a:r>
-              <a:rPr lang="pl-PL" dirty="0">
-                <a:solidFill>
-                  <a:schemeClr val="tx1">
-                    <a:lumMod val="50000"/>
-                    <a:lumOff val="50000"/>
-                  </a:schemeClr>
-                </a:solidFill>
-                <a:latin typeface="Futura Medium" panose="020B0602020204020303" pitchFamily="34" charset="-79"/>
-                <a:cs typeface="Futura Medium" panose="020B0602020204020303" pitchFamily="34" charset="-79"/>
-              </a:rPr>
-              <a:t> bit of </a:t>
-            </a:r>
-            <a:r>
-              <a:rPr lang="pl-PL" dirty="0" err="1">
-                <a:solidFill>
-                  <a:schemeClr val="tx1">
-                    <a:lumMod val="50000"/>
-                    <a:lumOff val="50000"/>
-                  </a:schemeClr>
-                </a:solidFill>
-                <a:latin typeface="Futura Medium" panose="020B0602020204020303" pitchFamily="34" charset="-79"/>
-                <a:cs typeface="Futura Medium" panose="020B0602020204020303" pitchFamily="34" charset="-79"/>
-              </a:rPr>
-              <a:t>technical</a:t>
-            </a:r>
-            <a:r>
-              <a:rPr lang="pl-PL" dirty="0">
-                <a:solidFill>
-                  <a:schemeClr val="tx1">
-                    <a:lumMod val="50000"/>
-                    <a:lumOff val="50000"/>
-                  </a:schemeClr>
-                </a:solidFill>
-                <a:latin typeface="Futura Medium" panose="020B0602020204020303" pitchFamily="34" charset="-79"/>
-                <a:cs typeface="Futura Medium" panose="020B0602020204020303" pitchFamily="34" charset="-79"/>
-              </a:rPr>
-              <a:t> </a:t>
-            </a:r>
-            <a:r>
-              <a:rPr lang="pl-PL" dirty="0" err="1">
-                <a:solidFill>
-                  <a:schemeClr val="tx1">
-                    <a:lumMod val="50000"/>
-                    <a:lumOff val="50000"/>
-                  </a:schemeClr>
-                </a:solidFill>
-                <a:latin typeface="Futura Medium" panose="020B0602020204020303" pitchFamily="34" charset="-79"/>
-                <a:cs typeface="Futura Medium" panose="020B0602020204020303" pitchFamily="34" charset="-79"/>
-              </a:rPr>
-              <a:t>details</a:t>
-            </a:r>
-            <a:endParaRPr lang="pl-PL" dirty="0">
-              <a:solidFill>
-                <a:schemeClr val="tx1">
-                  <a:lumMod val="50000"/>
-                  <a:lumOff val="50000"/>
-                </a:schemeClr>
-              </a:solidFill>
-              <a:latin typeface="Futura Medium" panose="020B0602020204020303" pitchFamily="34" charset="-79"/>
-              <a:cs typeface="Futura Medium" panose="020B0602020204020303" pitchFamily="34" charset="-79"/>
-            </a:endParaRPr>
-          </a:p>
-          <a:p>
-            <a:pPr marL="514350" indent="-514350">
-              <a:buClr>
-                <a:schemeClr val="accent2"/>
-              </a:buClr>
-              <a:buFont typeface="+mj-lt"/>
-              <a:buAutoNum type="arabicPeriod"/>
-            </a:pPr>
-            <a:r>
-              <a:rPr lang="pl-PL" dirty="0" err="1">
-                <a:solidFill>
-                  <a:schemeClr val="tx1">
-                    <a:lumMod val="50000"/>
-                    <a:lumOff val="50000"/>
-                  </a:schemeClr>
-                </a:solidFill>
-                <a:latin typeface="Futura Medium" panose="020B0602020204020303" pitchFamily="34" charset="-79"/>
-                <a:cs typeface="Futura Medium" panose="020B0602020204020303" pitchFamily="34" charset="-79"/>
-              </a:rPr>
-              <a:t>What</a:t>
-            </a:r>
-            <a:r>
-              <a:rPr lang="pl-PL" dirty="0">
-                <a:solidFill>
-                  <a:schemeClr val="tx1">
-                    <a:lumMod val="50000"/>
-                    <a:lumOff val="50000"/>
-                  </a:schemeClr>
-                </a:solidFill>
-                <a:latin typeface="Futura Medium" panose="020B0602020204020303" pitchFamily="34" charset="-79"/>
-                <a:cs typeface="Futura Medium" panose="020B0602020204020303" pitchFamily="34" charset="-79"/>
-              </a:rPr>
-              <a:t> </a:t>
-            </a:r>
-            <a:r>
-              <a:rPr lang="pl-PL" dirty="0" err="1">
-                <a:solidFill>
-                  <a:schemeClr val="tx1">
-                    <a:lumMod val="50000"/>
-                    <a:lumOff val="50000"/>
-                  </a:schemeClr>
-                </a:solidFill>
-                <a:latin typeface="Futura Medium" panose="020B0602020204020303" pitchFamily="34" charset="-79"/>
-                <a:cs typeface="Futura Medium" panose="020B0602020204020303" pitchFamily="34" charset="-79"/>
-              </a:rPr>
-              <a:t>mostly</a:t>
-            </a:r>
-            <a:r>
-              <a:rPr lang="pl-PL" dirty="0">
-                <a:solidFill>
-                  <a:schemeClr val="tx1">
-                    <a:lumMod val="50000"/>
-                    <a:lumOff val="50000"/>
-                  </a:schemeClr>
-                </a:solidFill>
-                <a:latin typeface="Futura Medium" panose="020B0602020204020303" pitchFamily="34" charset="-79"/>
-                <a:cs typeface="Futura Medium" panose="020B0602020204020303" pitchFamily="34" charset="-79"/>
-              </a:rPr>
-              <a:t> </a:t>
-            </a:r>
-            <a:r>
-              <a:rPr lang="pl-PL" dirty="0" err="1">
-                <a:solidFill>
-                  <a:schemeClr val="tx1">
-                    <a:lumMod val="50000"/>
-                    <a:lumOff val="50000"/>
-                  </a:schemeClr>
-                </a:solidFill>
-                <a:latin typeface="Futura Medium" panose="020B0602020204020303" pitchFamily="34" charset="-79"/>
-                <a:cs typeface="Futura Medium" panose="020B0602020204020303" pitchFamily="34" charset="-79"/>
-              </a:rPr>
-              <a:t>impacted</a:t>
-            </a:r>
-            <a:r>
-              <a:rPr lang="pl-PL" dirty="0">
-                <a:solidFill>
-                  <a:schemeClr val="tx1">
-                    <a:lumMod val="50000"/>
-                    <a:lumOff val="50000"/>
-                  </a:schemeClr>
-                </a:solidFill>
-                <a:latin typeface="Futura Medium" panose="020B0602020204020303" pitchFamily="34" charset="-79"/>
-                <a:cs typeface="Futura Medium" panose="020B0602020204020303" pitchFamily="34" charset="-79"/>
-              </a:rPr>
-              <a:t> </a:t>
-            </a:r>
-            <a:r>
-              <a:rPr lang="pl-PL" dirty="0" err="1">
-                <a:solidFill>
-                  <a:schemeClr val="tx1">
-                    <a:lumMod val="50000"/>
-                    <a:lumOff val="50000"/>
-                  </a:schemeClr>
-                </a:solidFill>
-                <a:latin typeface="Futura Medium" panose="020B0602020204020303" pitchFamily="34" charset="-79"/>
-                <a:cs typeface="Futura Medium" panose="020B0602020204020303" pitchFamily="34" charset="-79"/>
-              </a:rPr>
-              <a:t>results</a:t>
-            </a:r>
-            <a:r>
-              <a:rPr lang="pl-PL" dirty="0">
-                <a:solidFill>
-                  <a:schemeClr val="tx1">
-                    <a:lumMod val="50000"/>
-                    <a:lumOff val="50000"/>
-                  </a:schemeClr>
-                </a:solidFill>
-                <a:latin typeface="Futura Medium" panose="020B0602020204020303" pitchFamily="34" charset="-79"/>
-                <a:cs typeface="Futura Medium" panose="020B0602020204020303" pitchFamily="34" charset="-79"/>
-              </a:rPr>
-              <a:t>?</a:t>
-            </a:r>
-          </a:p>
-          <a:p>
-            <a:pPr marL="514350" indent="-514350">
-              <a:buClr>
-                <a:schemeClr val="accent2"/>
-              </a:buClr>
-              <a:buFont typeface="+mj-lt"/>
-              <a:buAutoNum type="arabicPeriod"/>
-            </a:pPr>
-            <a:r>
-              <a:rPr lang="pl-PL" dirty="0" err="1">
-                <a:solidFill>
-                  <a:schemeClr val="tx1">
-                    <a:lumMod val="50000"/>
-                    <a:lumOff val="50000"/>
-                  </a:schemeClr>
-                </a:solidFill>
-                <a:latin typeface="Futura Medium" panose="020B0602020204020303" pitchFamily="34" charset="-79"/>
-                <a:cs typeface="Futura Medium" panose="020B0602020204020303" pitchFamily="34" charset="-79"/>
-              </a:rPr>
-              <a:t>Deliverables</a:t>
-            </a:r>
-            <a:endParaRPr lang="pl-PL" dirty="0">
-              <a:solidFill>
-                <a:schemeClr val="tx1">
-                  <a:lumMod val="50000"/>
-                  <a:lumOff val="50000"/>
-                </a:schemeClr>
-              </a:solidFill>
-              <a:latin typeface="Futura Medium" panose="020B0602020204020303" pitchFamily="34" charset="-79"/>
-              <a:cs typeface="Futura Medium" panose="020B0602020204020303" pitchFamily="34" charset="-79"/>
-            </a:endParaRPr>
-          </a:p>
-          <a:p>
-            <a:pPr marL="0" indent="0">
-              <a:buNone/>
-            </a:pPr>
-            <a:endParaRPr lang="pl-PL" dirty="0"/>
-          </a:p>
-        </p:txBody>
-      </p:sp>
-    </p:spTree>
-    <p:extLst>
-      <p:ext uri="{BB962C8B-B14F-4D97-AF65-F5344CB8AC3E}">
-        <p14:creationId xmlns:p14="http://schemas.microsoft.com/office/powerpoint/2010/main" val="1273370849"/>
-      </p:ext>
-    </p:extLst>
-  </p:cSld>
-  <p:clrMapOvr>
-    <a:masterClrMapping/>
-  </p:clrMapOvr>
-</p:sld>
-</file>
-
-<file path=ppt/slides/slide20.xml><?xml version="1.0" encoding="utf-8"?>
-<p:sld xmlns:a="http://schemas.openxmlformats.org/drawingml/2006/main" xmlns:r="http://schemas.openxmlformats.org/officeDocument/2006/relationships" xmlns:p="http://schemas.openxmlformats.org/presentationml/2006/main">
-  <p:cSld>
-    <p:spTree>
-      <p:nvGrpSpPr>
-        <p:cNvPr id="1" name=""/>
-        <p:cNvGrpSpPr/>
-        <p:nvPr/>
-      </p:nvGrpSpPr>
-      <p:grpSpPr>
-        <a:xfrm>
-          <a:off x="0" y="0"/>
-          <a:ext cx="0" cy="0"/>
-          <a:chOff x="0" y="0"/>
-          <a:chExt cx="0" cy="0"/>
-        </a:xfrm>
-      </p:grpSpPr>
-      <p:sp>
-        <p:nvSpPr>
-          <p:cNvPr id="2" name="Title 1">
-            <a:extLst>
-              <a:ext uri="{FF2B5EF4-FFF2-40B4-BE49-F238E27FC236}">
-                <a16:creationId xmlns:a16="http://schemas.microsoft.com/office/drawing/2014/main" id="{F47BF6D4-89AF-724D-982F-87CBD8F29B01}"/>
-              </a:ext>
-            </a:extLst>
-          </p:cNvPr>
-          <p:cNvSpPr>
-            <a:spLocks noGrp="1"/>
-          </p:cNvSpPr>
-          <p:nvPr>
-            <p:ph type="title"/>
-          </p:nvPr>
-        </p:nvSpPr>
-        <p:spPr/>
-        <p:txBody>
-          <a:bodyPr>
-            <a:normAutofit/>
-          </a:bodyPr>
-          <a:lstStyle/>
-          <a:p>
-            <a:pPr algn="ctr"/>
-            <a:r>
-              <a:rPr lang="pl-PL" sz="3200" dirty="0">
-                <a:solidFill>
-                  <a:schemeClr val="accent1">
-                    <a:lumMod val="75000"/>
-                  </a:schemeClr>
-                </a:solidFill>
-                <a:latin typeface="Futura Medium" panose="020B0602020204020303" pitchFamily="34" charset="-79"/>
-                <a:cs typeface="Futura Medium" panose="020B0602020204020303" pitchFamily="34" charset="-79"/>
-              </a:rPr>
-              <a:t>Agenda</a:t>
-            </a:r>
-          </a:p>
-        </p:txBody>
-      </p:sp>
-      <p:sp>
-        <p:nvSpPr>
-          <p:cNvPr id="3" name="Content Placeholder 2">
-            <a:extLst>
-              <a:ext uri="{FF2B5EF4-FFF2-40B4-BE49-F238E27FC236}">
-                <a16:creationId xmlns:a16="http://schemas.microsoft.com/office/drawing/2014/main" id="{37567E70-E983-FC41-9D5E-32F7CA0480D4}"/>
-              </a:ext>
-            </a:extLst>
-          </p:cNvPr>
-          <p:cNvSpPr>
-            <a:spLocks noGrp="1"/>
-          </p:cNvSpPr>
-          <p:nvPr>
-            <p:ph idx="1"/>
-          </p:nvPr>
-        </p:nvSpPr>
-        <p:spPr/>
-        <p:txBody>
-          <a:bodyPr>
-            <a:normAutofit/>
-          </a:bodyPr>
-          <a:lstStyle/>
-          <a:p>
-            <a:pPr marL="514350" indent="-514350">
-              <a:buClr>
-                <a:schemeClr val="accent2"/>
-              </a:buClr>
-              <a:buFont typeface="+mj-lt"/>
-              <a:buAutoNum type="arabicPeriod"/>
-            </a:pPr>
-            <a:r>
-              <a:rPr lang="pl-PL" dirty="0">
-                <a:solidFill>
                   <a:schemeClr val="bg2">
                     <a:lumMod val="90000"/>
                   </a:schemeClr>
@@ -19886,7 +28652,7 @@
 </p:sld>
 </file>
 
-<file path=ppt/slides/slide21.xml><?xml version="1.0" encoding="utf-8"?>
+<file path=ppt/slides/slide27.xml><?xml version="1.0" encoding="utf-8"?>
 <p:sld xmlns:a="http://schemas.openxmlformats.org/drawingml/2006/main" xmlns:r="http://schemas.openxmlformats.org/officeDocument/2006/relationships" xmlns:p="http://schemas.openxmlformats.org/presentationml/2006/main">
   <p:cSld>
     <p:spTree>
@@ -23382,7 +32148,7 @@
 </p:sld>
 </file>
 
-<file path=ppt/slides/slide22.xml><?xml version="1.0" encoding="utf-8"?>
+<file path=ppt/slides/slide28.xml><?xml version="1.0" encoding="utf-8"?>
 <p:sld xmlns:a="http://schemas.openxmlformats.org/drawingml/2006/main" xmlns:r="http://schemas.openxmlformats.org/officeDocument/2006/relationships" xmlns:p="http://schemas.openxmlformats.org/presentationml/2006/main">
   <p:cSld>
     <p:spTree>
@@ -23822,7 +32588,7 @@
 </p:sld>
 </file>
 
-<file path=ppt/slides/slide23.xml><?xml version="1.0" encoding="utf-8"?>
+<file path=ppt/slides/slide29.xml><?xml version="1.0" encoding="utf-8"?>
 <p:sld xmlns:a="http://schemas.openxmlformats.org/drawingml/2006/main" xmlns:r="http://schemas.openxmlformats.org/officeDocument/2006/relationships" xmlns:p="http://schemas.openxmlformats.org/presentationml/2006/main">
   <p:cSld>
     <p:spTree>

--- a/presentations/business/pnos_business_ppt.pptx
+++ b/presentations/business/pnos_business_ppt.pptx
@@ -5,7 +5,7 @@
     <p:sldMasterId id="2147483648" r:id="rId1"/>
   </p:sldMasterIdLst>
   <p:notesMasterIdLst>
-    <p:notesMasterId r:id="rId31"/>
+    <p:notesMasterId r:id="rId33"/>
   </p:notesMasterIdLst>
   <p:sldIdLst>
     <p:sldId id="256" r:id="rId2"/>
@@ -15,8 +15,8 @@
     <p:sldId id="289" r:id="rId6"/>
     <p:sldId id="268" r:id="rId7"/>
     <p:sldId id="261" r:id="rId8"/>
-    <p:sldId id="285" r:id="rId9"/>
-    <p:sldId id="286" r:id="rId10"/>
+    <p:sldId id="286" r:id="rId9"/>
+    <p:sldId id="285" r:id="rId10"/>
     <p:sldId id="290" r:id="rId11"/>
     <p:sldId id="292" r:id="rId12"/>
     <p:sldId id="297" r:id="rId13"/>
@@ -25,18 +25,20 @@
     <p:sldId id="295" r:id="rId16"/>
     <p:sldId id="296" r:id="rId17"/>
     <p:sldId id="269" r:id="rId18"/>
-    <p:sldId id="273" r:id="rId19"/>
-    <p:sldId id="276" r:id="rId20"/>
-    <p:sldId id="277" r:id="rId21"/>
-    <p:sldId id="279" r:id="rId22"/>
-    <p:sldId id="287" r:id="rId23"/>
-    <p:sldId id="280" r:id="rId24"/>
-    <p:sldId id="281" r:id="rId25"/>
-    <p:sldId id="284" r:id="rId26"/>
-    <p:sldId id="270" r:id="rId27"/>
-    <p:sldId id="263" r:id="rId28"/>
-    <p:sldId id="271" r:id="rId29"/>
-    <p:sldId id="264" r:id="rId30"/>
+    <p:sldId id="298" r:id="rId19"/>
+    <p:sldId id="300" r:id="rId20"/>
+    <p:sldId id="273" r:id="rId21"/>
+    <p:sldId id="276" r:id="rId22"/>
+    <p:sldId id="277" r:id="rId23"/>
+    <p:sldId id="279" r:id="rId24"/>
+    <p:sldId id="287" r:id="rId25"/>
+    <p:sldId id="280" r:id="rId26"/>
+    <p:sldId id="281" r:id="rId27"/>
+    <p:sldId id="284" r:id="rId28"/>
+    <p:sldId id="270" r:id="rId29"/>
+    <p:sldId id="263" r:id="rId30"/>
+    <p:sldId id="271" r:id="rId31"/>
+    <p:sldId id="264" r:id="rId32"/>
   </p:sldIdLst>
   <p:sldSz cx="12192000" cy="6858000"/>
   <p:notesSz cx="6858000" cy="9144000"/>
@@ -135,6 +137,11 @@
       </a:defRPr>
     </a:lvl9pPr>
   </p:defaultTextStyle>
+  <p:extLst>
+    <p:ext uri="{EFAFB233-063F-42B5-8137-9DF3F51BA10A}">
+      <p15:sldGuideLst xmlns:p15="http://schemas.microsoft.com/office/powerpoint/2012/main"/>
+    </p:ext>
+  </p:extLst>
 </p:presentation>
 </file>
 
@@ -6825,7 +6832,7 @@
           <a:p>
             <a:fld id="{B9A9EE70-06A6-5645-802D-4F9862C567B5}" type="datetimeFigureOut">
               <a:rPr lang="pl-PL" smtClean="0"/>
-              <a:t>23.11.2019</a:t>
+              <a:t>24.11.2019</a:t>
             </a:fld>
             <a:endParaRPr lang="pl-PL"/>
           </a:p>
@@ -7158,7 +7165,7 @@
           <a:p>
             <a:fld id="{34EB93A8-DA20-AF40-AAB7-97274E8C4E9F}" type="slidenum">
               <a:rPr lang="pl-PL" smtClean="0"/>
-              <a:t>18</a:t>
+              <a:t>20</a:t>
             </a:fld>
             <a:endParaRPr lang="pl-PL"/>
           </a:p>
@@ -7242,7 +7249,7 @@
           <a:p>
             <a:fld id="{34EB93A8-DA20-AF40-AAB7-97274E8C4E9F}" type="slidenum">
               <a:rPr lang="pl-PL" smtClean="0"/>
-              <a:t>19</a:t>
+              <a:t>21</a:t>
             </a:fld>
             <a:endParaRPr lang="pl-PL"/>
           </a:p>
@@ -7326,7 +7333,7 @@
           <a:p>
             <a:fld id="{34EB93A8-DA20-AF40-AAB7-97274E8C4E9F}" type="slidenum">
               <a:rPr lang="pl-PL" smtClean="0"/>
-              <a:t>20</a:t>
+              <a:t>22</a:t>
             </a:fld>
             <a:endParaRPr lang="pl-PL"/>
           </a:p>
@@ -7410,7 +7417,7 @@
           <a:p>
             <a:fld id="{34EB93A8-DA20-AF40-AAB7-97274E8C4E9F}" type="slidenum">
               <a:rPr lang="pl-PL" smtClean="0"/>
-              <a:t>21</a:t>
+              <a:t>23</a:t>
             </a:fld>
             <a:endParaRPr lang="pl-PL"/>
           </a:p>
@@ -7494,7 +7501,7 @@
           <a:p>
             <a:fld id="{34EB93A8-DA20-AF40-AAB7-97274E8C4E9F}" type="slidenum">
               <a:rPr lang="pl-PL" smtClean="0"/>
-              <a:t>22</a:t>
+              <a:t>24</a:t>
             </a:fld>
             <a:endParaRPr lang="pl-PL"/>
           </a:p>
@@ -7578,7 +7585,7 @@
           <a:p>
             <a:fld id="{34EB93A8-DA20-AF40-AAB7-97274E8C4E9F}" type="slidenum">
               <a:rPr lang="pl-PL" smtClean="0"/>
-              <a:t>23</a:t>
+              <a:t>25</a:t>
             </a:fld>
             <a:endParaRPr lang="pl-PL"/>
           </a:p>
@@ -7662,7 +7669,7 @@
           <a:p>
             <a:fld id="{34EB93A8-DA20-AF40-AAB7-97274E8C4E9F}" type="slidenum">
               <a:rPr lang="pl-PL" smtClean="0"/>
-              <a:t>24</a:t>
+              <a:t>26</a:t>
             </a:fld>
             <a:endParaRPr lang="pl-PL"/>
           </a:p>
@@ -7746,7 +7753,7 @@
           <a:p>
             <a:fld id="{34EB93A8-DA20-AF40-AAB7-97274E8C4E9F}" type="slidenum">
               <a:rPr lang="pl-PL" smtClean="0"/>
-              <a:t>25</a:t>
+              <a:t>27</a:t>
             </a:fld>
             <a:endParaRPr lang="pl-PL"/>
           </a:p>
@@ -7830,7 +7837,7 @@
           <a:p>
             <a:fld id="{34EB93A8-DA20-AF40-AAB7-97274E8C4E9F}" type="slidenum">
               <a:rPr lang="pl-PL" smtClean="0"/>
-              <a:t>27</a:t>
+              <a:t>29</a:t>
             </a:fld>
             <a:endParaRPr lang="pl-PL"/>
           </a:p>
@@ -7998,7 +8005,7 @@
           <a:p>
             <a:fld id="{BDB90D4E-B4B4-AA4D-8C3E-EED2DA1EB551}" type="datetimeFigureOut">
               <a:rPr lang="pl-PL" smtClean="0"/>
-              <a:t>21.11.2019</a:t>
+              <a:t>24.11.2019</a:t>
             </a:fld>
             <a:endParaRPr lang="pl-PL"/>
           </a:p>
@@ -8198,7 +8205,7 @@
           <a:p>
             <a:fld id="{BDB90D4E-B4B4-AA4D-8C3E-EED2DA1EB551}" type="datetimeFigureOut">
               <a:rPr lang="pl-PL" smtClean="0"/>
-              <a:t>21.11.2019</a:t>
+              <a:t>24.11.2019</a:t>
             </a:fld>
             <a:endParaRPr lang="pl-PL"/>
           </a:p>
@@ -8408,7 +8415,7 @@
           <a:p>
             <a:fld id="{BDB90D4E-B4B4-AA4D-8C3E-EED2DA1EB551}" type="datetimeFigureOut">
               <a:rPr lang="pl-PL" smtClean="0"/>
-              <a:t>21.11.2019</a:t>
+              <a:t>24.11.2019</a:t>
             </a:fld>
             <a:endParaRPr lang="pl-PL"/>
           </a:p>
@@ -8608,7 +8615,7 @@
           <a:p>
             <a:fld id="{BDB90D4E-B4B4-AA4D-8C3E-EED2DA1EB551}" type="datetimeFigureOut">
               <a:rPr lang="pl-PL" smtClean="0"/>
-              <a:t>21.11.2019</a:t>
+              <a:t>24.11.2019</a:t>
             </a:fld>
             <a:endParaRPr lang="pl-PL"/>
           </a:p>
@@ -8884,7 +8891,7 @@
           <a:p>
             <a:fld id="{BDB90D4E-B4B4-AA4D-8C3E-EED2DA1EB551}" type="datetimeFigureOut">
               <a:rPr lang="pl-PL" smtClean="0"/>
-              <a:t>21.11.2019</a:t>
+              <a:t>24.11.2019</a:t>
             </a:fld>
             <a:endParaRPr lang="pl-PL"/>
           </a:p>
@@ -9152,7 +9159,7 @@
           <a:p>
             <a:fld id="{BDB90D4E-B4B4-AA4D-8C3E-EED2DA1EB551}" type="datetimeFigureOut">
               <a:rPr lang="pl-PL" smtClean="0"/>
-              <a:t>21.11.2019</a:t>
+              <a:t>24.11.2019</a:t>
             </a:fld>
             <a:endParaRPr lang="pl-PL"/>
           </a:p>
@@ -9567,7 +9574,7 @@
           <a:p>
             <a:fld id="{BDB90D4E-B4B4-AA4D-8C3E-EED2DA1EB551}" type="datetimeFigureOut">
               <a:rPr lang="pl-PL" smtClean="0"/>
-              <a:t>21.11.2019</a:t>
+              <a:t>24.11.2019</a:t>
             </a:fld>
             <a:endParaRPr lang="pl-PL"/>
           </a:p>
@@ -9709,7 +9716,7 @@
           <a:p>
             <a:fld id="{BDB90D4E-B4B4-AA4D-8C3E-EED2DA1EB551}" type="datetimeFigureOut">
               <a:rPr lang="pl-PL" smtClean="0"/>
-              <a:t>21.11.2019</a:t>
+              <a:t>24.11.2019</a:t>
             </a:fld>
             <a:endParaRPr lang="pl-PL"/>
           </a:p>
@@ -9822,7 +9829,7 @@
           <a:p>
             <a:fld id="{BDB90D4E-B4B4-AA4D-8C3E-EED2DA1EB551}" type="datetimeFigureOut">
               <a:rPr lang="pl-PL" smtClean="0"/>
-              <a:t>21.11.2019</a:t>
+              <a:t>24.11.2019</a:t>
             </a:fld>
             <a:endParaRPr lang="pl-PL"/>
           </a:p>
@@ -10135,7 +10142,7 @@
           <a:p>
             <a:fld id="{BDB90D4E-B4B4-AA4D-8C3E-EED2DA1EB551}" type="datetimeFigureOut">
               <a:rPr lang="pl-PL" smtClean="0"/>
-              <a:t>21.11.2019</a:t>
+              <a:t>24.11.2019</a:t>
             </a:fld>
             <a:endParaRPr lang="pl-PL"/>
           </a:p>
@@ -10424,7 +10431,7 @@
           <a:p>
             <a:fld id="{BDB90D4E-B4B4-AA4D-8C3E-EED2DA1EB551}" type="datetimeFigureOut">
               <a:rPr lang="pl-PL" smtClean="0"/>
-              <a:t>21.11.2019</a:t>
+              <a:t>24.11.2019</a:t>
             </a:fld>
             <a:endParaRPr lang="pl-PL"/>
           </a:p>
@@ -10667,7 +10674,7 @@
           <a:p>
             <a:fld id="{BDB90D4E-B4B4-AA4D-8C3E-EED2DA1EB551}" type="datetimeFigureOut">
               <a:rPr lang="pl-PL" smtClean="0"/>
-              <a:t>21.11.2019</a:t>
+              <a:t>24.11.2019</a:t>
             </a:fld>
             <a:endParaRPr lang="pl-PL"/>
           </a:p>
@@ -16088,7 +16095,27 @@
                 <a:latin typeface="Futura Medium" panose="020B0602020204020303" pitchFamily="34" charset="-79"/>
                 <a:cs typeface="Futura Medium" panose="020B0602020204020303" pitchFamily="34" charset="-79"/>
               </a:rPr>
-              <a:t>A </a:t>
+              <a:t>Solution </a:t>
+            </a:r>
+            <a:r>
+              <a:rPr lang="pl-PL" dirty="0" err="1">
+                <a:solidFill>
+                  <a:schemeClr val="accent2"/>
+                </a:solidFill>
+                <a:latin typeface="Futura Medium" panose="020B0602020204020303" pitchFamily="34" charset="-79"/>
+                <a:cs typeface="Futura Medium" panose="020B0602020204020303" pitchFamily="34" charset="-79"/>
+              </a:rPr>
+              <a:t>approach</a:t>
+            </a:r>
+            <a:r>
+              <a:rPr lang="pl-PL" dirty="0">
+                <a:solidFill>
+                  <a:schemeClr val="accent2"/>
+                </a:solidFill>
+                <a:latin typeface="Futura Medium" panose="020B0602020204020303" pitchFamily="34" charset="-79"/>
+                <a:cs typeface="Futura Medium" panose="020B0602020204020303" pitchFamily="34" charset="-79"/>
+              </a:rPr>
+              <a:t> and a </a:t>
             </a:r>
             <a:r>
               <a:rPr lang="pl-PL" dirty="0" err="1">
@@ -16305,6 +16332,1904 @@
 </file>
 
 <file path=ppt/slides/slide18.xml><?xml version="1.0" encoding="utf-8"?>
+<p:sld xmlns:a="http://schemas.openxmlformats.org/drawingml/2006/main" xmlns:r="http://schemas.openxmlformats.org/officeDocument/2006/relationships" xmlns:p="http://schemas.openxmlformats.org/presentationml/2006/main">
+  <p:cSld>
+    <p:spTree>
+      <p:nvGrpSpPr>
+        <p:cNvPr id="1" name=""/>
+        <p:cNvGrpSpPr/>
+        <p:nvPr/>
+      </p:nvGrpSpPr>
+      <p:grpSpPr>
+        <a:xfrm>
+          <a:off x="0" y="0"/>
+          <a:ext cx="0" cy="0"/>
+          <a:chOff x="0" y="0"/>
+          <a:chExt cx="0" cy="0"/>
+        </a:xfrm>
+      </p:grpSpPr>
+      <p:sp>
+        <p:nvSpPr>
+          <p:cNvPr id="2" name="Title 1">
+            <a:extLst>
+              <a:ext uri="{FF2B5EF4-FFF2-40B4-BE49-F238E27FC236}">
+                <a16:creationId xmlns:a16="http://schemas.microsoft.com/office/drawing/2014/main" id="{F47BF6D4-89AF-724D-982F-87CBD8F29B01}"/>
+              </a:ext>
+            </a:extLst>
+          </p:cNvPr>
+          <p:cNvSpPr>
+            <a:spLocks noGrp="1"/>
+          </p:cNvSpPr>
+          <p:nvPr>
+            <p:ph type="title"/>
+          </p:nvPr>
+        </p:nvSpPr>
+        <p:spPr/>
+        <p:txBody>
+          <a:bodyPr>
+            <a:normAutofit/>
+          </a:bodyPr>
+          <a:lstStyle/>
+          <a:p>
+            <a:pPr algn="ctr"/>
+            <a:r>
+              <a:rPr lang="pl-PL" sz="3200" dirty="0">
+                <a:solidFill>
+                  <a:schemeClr val="accent1">
+                    <a:lumMod val="75000"/>
+                  </a:schemeClr>
+                </a:solidFill>
+                <a:latin typeface="Futura Medium" panose="020B0602020204020303" pitchFamily="34" charset="-79"/>
+                <a:cs typeface="Futura Medium" panose="020B0602020204020303" pitchFamily="34" charset="-79"/>
+              </a:rPr>
+              <a:t>Solution </a:t>
+            </a:r>
+            <a:r>
+              <a:rPr lang="pl-PL" sz="3200" dirty="0" err="1">
+                <a:solidFill>
+                  <a:schemeClr val="accent1">
+                    <a:lumMod val="75000"/>
+                  </a:schemeClr>
+                </a:solidFill>
+                <a:latin typeface="Futura Medium" panose="020B0602020204020303" pitchFamily="34" charset="-79"/>
+                <a:cs typeface="Futura Medium" panose="020B0602020204020303" pitchFamily="34" charset="-79"/>
+              </a:rPr>
+              <a:t>approach</a:t>
+            </a:r>
+            <a:r>
+              <a:rPr lang="pl-PL" sz="3200" dirty="0">
+                <a:solidFill>
+                  <a:schemeClr val="accent1">
+                    <a:lumMod val="75000"/>
+                  </a:schemeClr>
+                </a:solidFill>
+                <a:latin typeface="Futura Medium" panose="020B0602020204020303" pitchFamily="34" charset="-79"/>
+                <a:cs typeface="Futura Medium" panose="020B0602020204020303" pitchFamily="34" charset="-79"/>
+              </a:rPr>
+              <a:t> I</a:t>
+            </a:r>
+          </a:p>
+        </p:txBody>
+      </p:sp>
+      <p:sp>
+        <p:nvSpPr>
+          <p:cNvPr id="3" name="Content Placeholder 2">
+            <a:extLst>
+              <a:ext uri="{FF2B5EF4-FFF2-40B4-BE49-F238E27FC236}">
+                <a16:creationId xmlns:a16="http://schemas.microsoft.com/office/drawing/2014/main" id="{37567E70-E983-FC41-9D5E-32F7CA0480D4}"/>
+              </a:ext>
+            </a:extLst>
+          </p:cNvPr>
+          <p:cNvSpPr>
+            <a:spLocks noGrp="1"/>
+          </p:cNvSpPr>
+          <p:nvPr>
+            <p:ph idx="1"/>
+          </p:nvPr>
+        </p:nvSpPr>
+        <p:spPr/>
+        <p:txBody>
+          <a:bodyPr>
+            <a:normAutofit/>
+          </a:bodyPr>
+          <a:lstStyle/>
+          <a:p>
+            <a:pPr marL="0" indent="0" algn="ctr">
+              <a:buNone/>
+            </a:pPr>
+            <a:r>
+              <a:rPr lang="pl-PL" dirty="0" err="1">
+                <a:solidFill>
+                  <a:schemeClr val="accent2"/>
+                </a:solidFill>
+                <a:latin typeface="Futura Medium" panose="020B0602020204020303" pitchFamily="34" charset="-79"/>
+                <a:cs typeface="Futura Medium" panose="020B0602020204020303" pitchFamily="34" charset="-79"/>
+              </a:rPr>
+              <a:t>Binary</a:t>
+            </a:r>
+            <a:r>
+              <a:rPr lang="pl-PL" dirty="0">
+                <a:solidFill>
+                  <a:schemeClr val="accent2"/>
+                </a:solidFill>
+                <a:latin typeface="Futura Medium" panose="020B0602020204020303" pitchFamily="34" charset="-79"/>
+                <a:cs typeface="Futura Medium" panose="020B0602020204020303" pitchFamily="34" charset="-79"/>
+              </a:rPr>
+              <a:t> </a:t>
+            </a:r>
+            <a:r>
+              <a:rPr lang="pl-PL" dirty="0" err="1">
+                <a:solidFill>
+                  <a:schemeClr val="accent2"/>
+                </a:solidFill>
+                <a:latin typeface="Futura Medium" panose="020B0602020204020303" pitchFamily="34" charset="-79"/>
+                <a:cs typeface="Futura Medium" panose="020B0602020204020303" pitchFamily="34" charset="-79"/>
+              </a:rPr>
+              <a:t>classification</a:t>
+            </a:r>
+            <a:endParaRPr lang="pl-PL" dirty="0">
+              <a:solidFill>
+                <a:schemeClr val="accent2"/>
+              </a:solidFill>
+              <a:latin typeface="Futura Medium" panose="020B0602020204020303" pitchFamily="34" charset="-79"/>
+              <a:cs typeface="Futura Medium" panose="020B0602020204020303" pitchFamily="34" charset="-79"/>
+            </a:endParaRPr>
+          </a:p>
+          <a:p>
+            <a:pPr marL="0" indent="0" algn="ctr">
+              <a:buNone/>
+            </a:pPr>
+            <a:endParaRPr lang="pl-PL" dirty="0">
+              <a:solidFill>
+                <a:schemeClr val="accent2"/>
+              </a:solidFill>
+              <a:latin typeface="Futura Medium" panose="020B0602020204020303" pitchFamily="34" charset="-79"/>
+              <a:cs typeface="Futura Medium" panose="020B0602020204020303" pitchFamily="34" charset="-79"/>
+            </a:endParaRPr>
+          </a:p>
+          <a:p>
+            <a:pPr marL="0" indent="0" algn="ctr">
+              <a:buNone/>
+            </a:pPr>
+            <a:r>
+              <a:rPr lang="pl-PL" sz="2000" dirty="0">
+                <a:solidFill>
+                  <a:schemeClr val="accent6"/>
+                </a:solidFill>
+                <a:latin typeface="Futura Medium" panose="020B0602020204020303" pitchFamily="34" charset="-79"/>
+                <a:cs typeface="Futura Medium" panose="020B0602020204020303" pitchFamily="34" charset="-79"/>
+              </a:rPr>
+              <a:t>How </a:t>
+            </a:r>
+            <a:r>
+              <a:rPr lang="pl-PL" sz="2000" dirty="0" err="1">
+                <a:solidFill>
+                  <a:schemeClr val="accent6"/>
+                </a:solidFill>
+                <a:latin typeface="Futura Medium" panose="020B0602020204020303" pitchFamily="34" charset="-79"/>
+                <a:cs typeface="Futura Medium" panose="020B0602020204020303" pitchFamily="34" charset="-79"/>
+              </a:rPr>
+              <a:t>our</a:t>
+            </a:r>
+            <a:r>
+              <a:rPr lang="pl-PL" sz="2000" dirty="0">
+                <a:solidFill>
+                  <a:schemeClr val="accent6"/>
+                </a:solidFill>
+                <a:latin typeface="Futura Medium" panose="020B0602020204020303" pitchFamily="34" charset="-79"/>
+                <a:cs typeface="Futura Medium" panose="020B0602020204020303" pitchFamily="34" charset="-79"/>
+              </a:rPr>
+              <a:t> </a:t>
+            </a:r>
+            <a:r>
+              <a:rPr lang="pl-PL" sz="2000" dirty="0" err="1">
+                <a:solidFill>
+                  <a:schemeClr val="accent6"/>
+                </a:solidFill>
+                <a:latin typeface="Futura Medium" panose="020B0602020204020303" pitchFamily="34" charset="-79"/>
+                <a:cs typeface="Futura Medium" panose="020B0602020204020303" pitchFamily="34" charset="-79"/>
+              </a:rPr>
+              <a:t>binary</a:t>
+            </a:r>
+            <a:r>
+              <a:rPr lang="pl-PL" sz="2000" dirty="0">
+                <a:solidFill>
+                  <a:schemeClr val="accent6"/>
+                </a:solidFill>
+                <a:latin typeface="Futura Medium" panose="020B0602020204020303" pitchFamily="34" charset="-79"/>
+                <a:cs typeface="Futura Medium" panose="020B0602020204020303" pitchFamily="34" charset="-79"/>
+              </a:rPr>
+              <a:t> </a:t>
+            </a:r>
+            <a:r>
+              <a:rPr lang="pl-PL" sz="2000" dirty="0" err="1">
+                <a:solidFill>
+                  <a:schemeClr val="accent6"/>
+                </a:solidFill>
+                <a:latin typeface="Futura Medium" panose="020B0602020204020303" pitchFamily="34" charset="-79"/>
+                <a:cs typeface="Futura Medium" panose="020B0602020204020303" pitchFamily="34" charset="-79"/>
+              </a:rPr>
+              <a:t>classifiers</a:t>
+            </a:r>
+            <a:r>
+              <a:rPr lang="pl-PL" sz="2000" dirty="0">
+                <a:solidFill>
+                  <a:schemeClr val="accent6"/>
+                </a:solidFill>
+                <a:latin typeface="Futura Medium" panose="020B0602020204020303" pitchFamily="34" charset="-79"/>
+                <a:cs typeface="Futura Medium" panose="020B0602020204020303" pitchFamily="34" charset="-79"/>
+              </a:rPr>
+              <a:t> </a:t>
+            </a:r>
+            <a:r>
+              <a:rPr lang="pl-PL" sz="2000" dirty="0" err="1">
+                <a:solidFill>
+                  <a:schemeClr val="accent6"/>
+                </a:solidFill>
+                <a:latin typeface="Futura Medium" panose="020B0602020204020303" pitchFamily="34" charset="-79"/>
+                <a:cs typeface="Futura Medium" panose="020B0602020204020303" pitchFamily="34" charset="-79"/>
+              </a:rPr>
+              <a:t>are</a:t>
+            </a:r>
+            <a:r>
+              <a:rPr lang="pl-PL" sz="2000" dirty="0">
+                <a:solidFill>
+                  <a:schemeClr val="accent6"/>
+                </a:solidFill>
+                <a:latin typeface="Futura Medium" panose="020B0602020204020303" pitchFamily="34" charset="-79"/>
+                <a:cs typeface="Futura Medium" panose="020B0602020204020303" pitchFamily="34" charset="-79"/>
+              </a:rPr>
+              <a:t> </a:t>
+            </a:r>
+            <a:r>
+              <a:rPr lang="pl-PL" sz="2000" dirty="0" err="1">
+                <a:solidFill>
+                  <a:schemeClr val="accent6"/>
+                </a:solidFill>
+                <a:latin typeface="Futura Medium" panose="020B0602020204020303" pitchFamily="34" charset="-79"/>
+                <a:cs typeface="Futura Medium" panose="020B0602020204020303" pitchFamily="34" charset="-79"/>
+              </a:rPr>
+              <a:t>working</a:t>
+            </a:r>
+            <a:r>
+              <a:rPr lang="pl-PL" sz="2000" dirty="0">
+                <a:solidFill>
+                  <a:schemeClr val="accent6"/>
+                </a:solidFill>
+                <a:latin typeface="Futura Medium" panose="020B0602020204020303" pitchFamily="34" charset="-79"/>
+                <a:cs typeface="Futura Medium" panose="020B0602020204020303" pitchFamily="34" charset="-79"/>
+              </a:rPr>
+              <a:t>?</a:t>
+            </a:r>
+          </a:p>
+          <a:p>
+            <a:pPr marL="0" indent="0" algn="ctr">
+              <a:buNone/>
+            </a:pPr>
+            <a:r>
+              <a:rPr lang="pl-PL" sz="2000" dirty="0">
+                <a:solidFill>
+                  <a:schemeClr val="bg2">
+                    <a:lumMod val="75000"/>
+                  </a:schemeClr>
+                </a:solidFill>
+                <a:latin typeface="Futura Medium" panose="020B0602020204020303" pitchFamily="34" charset="-79"/>
+                <a:cs typeface="Futura Medium" panose="020B0602020204020303" pitchFamily="34" charset="-79"/>
+              </a:rPr>
+              <a:t>	</a:t>
+            </a:r>
+          </a:p>
+          <a:p>
+            <a:r>
+              <a:rPr lang="pl-PL" sz="2000" dirty="0" err="1">
+                <a:solidFill>
+                  <a:schemeClr val="bg2">
+                    <a:lumMod val="75000"/>
+                  </a:schemeClr>
+                </a:solidFill>
+                <a:latin typeface="Futura Medium" panose="020B0602020204020303" pitchFamily="34" charset="-79"/>
+                <a:cs typeface="Futura Medium" panose="020B0602020204020303" pitchFamily="34" charset="-79"/>
+              </a:rPr>
+              <a:t>they</a:t>
+            </a:r>
+            <a:r>
+              <a:rPr lang="pl-PL" sz="2000" dirty="0">
+                <a:solidFill>
+                  <a:schemeClr val="bg2">
+                    <a:lumMod val="75000"/>
+                  </a:schemeClr>
+                </a:solidFill>
+                <a:latin typeface="Futura Medium" panose="020B0602020204020303" pitchFamily="34" charset="-79"/>
+                <a:cs typeface="Futura Medium" panose="020B0602020204020303" pitchFamily="34" charset="-79"/>
+              </a:rPr>
+              <a:t> </a:t>
+            </a:r>
+            <a:r>
+              <a:rPr lang="pl-PL" sz="2000" dirty="0" err="1">
+                <a:solidFill>
+                  <a:schemeClr val="bg2">
+                    <a:lumMod val="75000"/>
+                  </a:schemeClr>
+                </a:solidFill>
+                <a:latin typeface="Futura Medium" panose="020B0602020204020303" pitchFamily="34" charset="-79"/>
+                <a:cs typeface="Futura Medium" panose="020B0602020204020303" pitchFamily="34" charset="-79"/>
+              </a:rPr>
+              <a:t>use</a:t>
+            </a:r>
+            <a:r>
+              <a:rPr lang="pl-PL" sz="2000" dirty="0">
+                <a:solidFill>
+                  <a:schemeClr val="bg2">
+                    <a:lumMod val="75000"/>
+                  </a:schemeClr>
+                </a:solidFill>
+                <a:latin typeface="Futura Medium" panose="020B0602020204020303" pitchFamily="34" charset="-79"/>
+                <a:cs typeface="Futura Medium" panose="020B0602020204020303" pitchFamily="34" charset="-79"/>
+              </a:rPr>
+              <a:t> past data to </a:t>
+            </a:r>
+            <a:r>
+              <a:rPr lang="pl-PL" sz="2000" dirty="0" err="1">
+                <a:solidFill>
+                  <a:schemeClr val="bg2">
+                    <a:lumMod val="75000"/>
+                  </a:schemeClr>
+                </a:solidFill>
+                <a:latin typeface="Futura Medium" panose="020B0602020204020303" pitchFamily="34" charset="-79"/>
+                <a:cs typeface="Futura Medium" panose="020B0602020204020303" pitchFamily="34" charset="-79"/>
+              </a:rPr>
+              <a:t>predict</a:t>
+            </a:r>
+            <a:r>
+              <a:rPr lang="pl-PL" sz="2000" dirty="0">
+                <a:solidFill>
+                  <a:schemeClr val="bg2">
+                    <a:lumMod val="75000"/>
+                  </a:schemeClr>
+                </a:solidFill>
+                <a:latin typeface="Futura Medium" panose="020B0602020204020303" pitchFamily="34" charset="-79"/>
+                <a:cs typeface="Futura Medium" panose="020B0602020204020303" pitchFamily="34" charset="-79"/>
+              </a:rPr>
+              <a:t> </a:t>
+            </a:r>
+            <a:r>
+              <a:rPr lang="pl-PL" sz="2000" dirty="0" err="1">
+                <a:solidFill>
+                  <a:schemeClr val="bg2">
+                    <a:lumMod val="75000"/>
+                  </a:schemeClr>
+                </a:solidFill>
+                <a:latin typeface="Futura Medium" panose="020B0602020204020303" pitchFamily="34" charset="-79"/>
+                <a:cs typeface="Futura Medium" panose="020B0602020204020303" pitchFamily="34" charset="-79"/>
+              </a:rPr>
+              <a:t>which</a:t>
+            </a:r>
+            <a:r>
+              <a:rPr lang="pl-PL" sz="2000" dirty="0">
+                <a:solidFill>
+                  <a:schemeClr val="bg2">
+                    <a:lumMod val="75000"/>
+                  </a:schemeClr>
+                </a:solidFill>
+                <a:latin typeface="Futura Medium" panose="020B0602020204020303" pitchFamily="34" charset="-79"/>
+                <a:cs typeface="Futura Medium" panose="020B0602020204020303" pitchFamily="34" charset="-79"/>
+              </a:rPr>
+              <a:t> </a:t>
+            </a:r>
+            <a:r>
+              <a:rPr lang="pl-PL" sz="2000" dirty="0" err="1">
+                <a:solidFill>
+                  <a:schemeClr val="bg2">
+                    <a:lumMod val="75000"/>
+                  </a:schemeClr>
+                </a:solidFill>
+                <a:latin typeface="Futura Medium" panose="020B0602020204020303" pitchFamily="34" charset="-79"/>
+                <a:cs typeface="Futura Medium" panose="020B0602020204020303" pitchFamily="34" charset="-79"/>
+              </a:rPr>
+              <a:t>customers</a:t>
+            </a:r>
+            <a:r>
+              <a:rPr lang="pl-PL" sz="2000" dirty="0">
+                <a:solidFill>
+                  <a:schemeClr val="bg2">
+                    <a:lumMod val="75000"/>
+                  </a:schemeClr>
+                </a:solidFill>
+                <a:latin typeface="Futura Medium" panose="020B0602020204020303" pitchFamily="34" charset="-79"/>
+                <a:cs typeface="Futura Medium" panose="020B0602020204020303" pitchFamily="34" charset="-79"/>
+              </a:rPr>
+              <a:t> </a:t>
+            </a:r>
+            <a:r>
+              <a:rPr lang="pl-PL" sz="2000" dirty="0" err="1">
+                <a:solidFill>
+                  <a:schemeClr val="bg2">
+                    <a:lumMod val="75000"/>
+                  </a:schemeClr>
+                </a:solidFill>
+                <a:latin typeface="Futura Medium" panose="020B0602020204020303" pitchFamily="34" charset="-79"/>
+                <a:cs typeface="Futura Medium" panose="020B0602020204020303" pitchFamily="34" charset="-79"/>
+              </a:rPr>
+              <a:t>will</a:t>
+            </a:r>
+            <a:r>
+              <a:rPr lang="pl-PL" sz="2000" dirty="0">
+                <a:solidFill>
+                  <a:schemeClr val="bg2">
+                    <a:lumMod val="75000"/>
+                  </a:schemeClr>
+                </a:solidFill>
+                <a:latin typeface="Futura Medium" panose="020B0602020204020303" pitchFamily="34" charset="-79"/>
+                <a:cs typeface="Futura Medium" panose="020B0602020204020303" pitchFamily="34" charset="-79"/>
+              </a:rPr>
+              <a:t> </a:t>
+            </a:r>
+            <a:r>
+              <a:rPr lang="pl-PL" sz="2000" dirty="0" err="1">
+                <a:solidFill>
+                  <a:schemeClr val="bg2">
+                    <a:lumMod val="75000"/>
+                  </a:schemeClr>
+                </a:solidFill>
+                <a:latin typeface="Futura Medium" panose="020B0602020204020303" pitchFamily="34" charset="-79"/>
+                <a:cs typeface="Futura Medium" panose="020B0602020204020303" pitchFamily="34" charset="-79"/>
+              </a:rPr>
+              <a:t>accept</a:t>
+            </a:r>
+            <a:r>
+              <a:rPr lang="pl-PL" sz="2000" dirty="0">
+                <a:solidFill>
+                  <a:schemeClr val="bg2">
+                    <a:lumMod val="75000"/>
+                  </a:schemeClr>
+                </a:solidFill>
+                <a:latin typeface="Futura Medium" panose="020B0602020204020303" pitchFamily="34" charset="-79"/>
+                <a:cs typeface="Futura Medium" panose="020B0602020204020303" pitchFamily="34" charset="-79"/>
+              </a:rPr>
+              <a:t> </a:t>
+            </a:r>
+            <a:r>
+              <a:rPr lang="pl-PL" sz="2000" dirty="0" err="1">
+                <a:solidFill>
+                  <a:schemeClr val="bg2">
+                    <a:lumMod val="75000"/>
+                  </a:schemeClr>
+                </a:solidFill>
+                <a:latin typeface="Futura Medium" panose="020B0602020204020303" pitchFamily="34" charset="-79"/>
+                <a:cs typeface="Futura Medium" panose="020B0602020204020303" pitchFamily="34" charset="-79"/>
+              </a:rPr>
+              <a:t>new</a:t>
+            </a:r>
+            <a:r>
+              <a:rPr lang="pl-PL" sz="2000" dirty="0">
+                <a:solidFill>
+                  <a:schemeClr val="bg2">
+                    <a:lumMod val="75000"/>
+                  </a:schemeClr>
+                </a:solidFill>
+                <a:latin typeface="Futura Medium" panose="020B0602020204020303" pitchFamily="34" charset="-79"/>
+                <a:cs typeface="Futura Medium" panose="020B0602020204020303" pitchFamily="34" charset="-79"/>
+              </a:rPr>
+              <a:t> </a:t>
+            </a:r>
+            <a:r>
+              <a:rPr lang="pl-PL" sz="2000" dirty="0" err="1">
+                <a:solidFill>
+                  <a:schemeClr val="bg2">
+                    <a:lumMod val="75000"/>
+                  </a:schemeClr>
+                </a:solidFill>
+                <a:latin typeface="Futura Medium" panose="020B0602020204020303" pitchFamily="34" charset="-79"/>
+                <a:cs typeface="Futura Medium" panose="020B0602020204020303" pitchFamily="34" charset="-79"/>
+              </a:rPr>
+              <a:t>offer</a:t>
+            </a:r>
+            <a:r>
+              <a:rPr lang="pl-PL" sz="2000" dirty="0">
+                <a:solidFill>
+                  <a:schemeClr val="bg2">
+                    <a:lumMod val="75000"/>
+                  </a:schemeClr>
+                </a:solidFill>
+                <a:latin typeface="Futura Medium" panose="020B0602020204020303" pitchFamily="34" charset="-79"/>
+                <a:cs typeface="Futura Medium" panose="020B0602020204020303" pitchFamily="34" charset="-79"/>
+              </a:rPr>
+              <a:t> and </a:t>
+            </a:r>
+            <a:r>
+              <a:rPr lang="pl-PL" sz="2000" dirty="0" err="1">
+                <a:solidFill>
+                  <a:schemeClr val="bg2">
+                    <a:lumMod val="75000"/>
+                  </a:schemeClr>
+                </a:solidFill>
+                <a:latin typeface="Futura Medium" panose="020B0602020204020303" pitchFamily="34" charset="-79"/>
+                <a:cs typeface="Futura Medium" panose="020B0602020204020303" pitchFamily="34" charset="-79"/>
+              </a:rPr>
+              <a:t>which</a:t>
+            </a:r>
+            <a:r>
+              <a:rPr lang="pl-PL" sz="2000" dirty="0">
+                <a:solidFill>
+                  <a:schemeClr val="bg2">
+                    <a:lumMod val="75000"/>
+                  </a:schemeClr>
+                </a:solidFill>
+                <a:latin typeface="Futura Medium" panose="020B0602020204020303" pitchFamily="34" charset="-79"/>
+                <a:cs typeface="Futura Medium" panose="020B0602020204020303" pitchFamily="34" charset="-79"/>
+              </a:rPr>
+              <a:t> </a:t>
+            </a:r>
+            <a:r>
+              <a:rPr lang="pl-PL" sz="2000" dirty="0" err="1">
+                <a:solidFill>
+                  <a:schemeClr val="bg2">
+                    <a:lumMod val="75000"/>
+                  </a:schemeClr>
+                </a:solidFill>
+                <a:latin typeface="Futura Medium" panose="020B0602020204020303" pitchFamily="34" charset="-79"/>
+                <a:cs typeface="Futura Medium" panose="020B0602020204020303" pitchFamily="34" charset="-79"/>
+              </a:rPr>
+              <a:t>will</a:t>
+            </a:r>
+            <a:r>
+              <a:rPr lang="pl-PL" sz="2000" dirty="0">
+                <a:solidFill>
+                  <a:schemeClr val="bg2">
+                    <a:lumMod val="75000"/>
+                  </a:schemeClr>
+                </a:solidFill>
+                <a:latin typeface="Futura Medium" panose="020B0602020204020303" pitchFamily="34" charset="-79"/>
+                <a:cs typeface="Futura Medium" panose="020B0602020204020303" pitchFamily="34" charset="-79"/>
+              </a:rPr>
+              <a:t> </a:t>
+            </a:r>
+            <a:r>
+              <a:rPr lang="pl-PL" sz="2000" dirty="0" err="1">
+                <a:solidFill>
+                  <a:schemeClr val="bg2">
+                    <a:lumMod val="75000"/>
+                  </a:schemeClr>
+                </a:solidFill>
+                <a:latin typeface="Futura Medium" panose="020B0602020204020303" pitchFamily="34" charset="-79"/>
+                <a:cs typeface="Futura Medium" panose="020B0602020204020303" pitchFamily="34" charset="-79"/>
+              </a:rPr>
+              <a:t>reject</a:t>
+            </a:r>
+            <a:r>
+              <a:rPr lang="pl-PL" sz="2000" dirty="0">
+                <a:solidFill>
+                  <a:schemeClr val="bg2">
+                    <a:lumMod val="75000"/>
+                  </a:schemeClr>
+                </a:solidFill>
+                <a:latin typeface="Futura Medium" panose="020B0602020204020303" pitchFamily="34" charset="-79"/>
+                <a:cs typeface="Futura Medium" panose="020B0602020204020303" pitchFamily="34" charset="-79"/>
+              </a:rPr>
+              <a:t> </a:t>
+            </a:r>
+            <a:r>
+              <a:rPr lang="pl-PL" sz="2000" dirty="0" err="1">
+                <a:solidFill>
+                  <a:schemeClr val="bg2">
+                    <a:lumMod val="75000"/>
+                  </a:schemeClr>
+                </a:solidFill>
+                <a:latin typeface="Futura Medium" panose="020B0602020204020303" pitchFamily="34" charset="-79"/>
+                <a:cs typeface="Futura Medium" panose="020B0602020204020303" pitchFamily="34" charset="-79"/>
+              </a:rPr>
+              <a:t>it</a:t>
+            </a:r>
+            <a:r>
+              <a:rPr lang="pl-PL" sz="2000" dirty="0">
+                <a:solidFill>
+                  <a:schemeClr val="bg2">
+                    <a:lumMod val="75000"/>
+                  </a:schemeClr>
+                </a:solidFill>
+                <a:latin typeface="Futura Medium" panose="020B0602020204020303" pitchFamily="34" charset="-79"/>
+                <a:cs typeface="Futura Medium" panose="020B0602020204020303" pitchFamily="34" charset="-79"/>
+              </a:rPr>
+              <a:t> </a:t>
+            </a:r>
+          </a:p>
+          <a:p>
+            <a:r>
+              <a:rPr lang="pl-PL" sz="2000" dirty="0" err="1">
+                <a:solidFill>
+                  <a:schemeClr val="bg2">
+                    <a:lumMod val="75000"/>
+                  </a:schemeClr>
+                </a:solidFill>
+                <a:latin typeface="Futura Medium" panose="020B0602020204020303" pitchFamily="34" charset="-79"/>
+                <a:cs typeface="Futura Medium" panose="020B0602020204020303" pitchFamily="34" charset="-79"/>
+              </a:rPr>
+              <a:t>accordingly</a:t>
+            </a:r>
+            <a:r>
+              <a:rPr lang="pl-PL" sz="2000" dirty="0">
+                <a:solidFill>
+                  <a:schemeClr val="bg2">
+                    <a:lumMod val="75000"/>
+                  </a:schemeClr>
+                </a:solidFill>
+                <a:latin typeface="Futura Medium" panose="020B0602020204020303" pitchFamily="34" charset="-79"/>
+                <a:cs typeface="Futura Medium" panose="020B0602020204020303" pitchFamily="34" charset="-79"/>
+              </a:rPr>
+              <a:t> to </a:t>
+            </a:r>
+            <a:r>
+              <a:rPr lang="pl-PL" sz="2000" dirty="0" err="1">
+                <a:solidFill>
+                  <a:schemeClr val="bg2">
+                    <a:lumMod val="75000"/>
+                  </a:schemeClr>
+                </a:solidFill>
+                <a:latin typeface="Futura Medium" panose="020B0602020204020303" pitchFamily="34" charset="-79"/>
+                <a:cs typeface="Futura Medium" panose="020B0602020204020303" pitchFamily="34" charset="-79"/>
+              </a:rPr>
+              <a:t>prediction</a:t>
+            </a:r>
+            <a:r>
+              <a:rPr lang="pl-PL" sz="2000" dirty="0">
+                <a:solidFill>
+                  <a:schemeClr val="bg2">
+                    <a:lumMod val="75000"/>
+                  </a:schemeClr>
+                </a:solidFill>
+                <a:latin typeface="Futura Medium" panose="020B0602020204020303" pitchFamily="34" charset="-79"/>
+                <a:cs typeface="Futura Medium" panose="020B0602020204020303" pitchFamily="34" charset="-79"/>
+              </a:rPr>
+              <a:t> </a:t>
+            </a:r>
+            <a:r>
+              <a:rPr lang="pl-PL" sz="2000" dirty="0" err="1">
+                <a:solidFill>
+                  <a:schemeClr val="bg2">
+                    <a:lumMod val="75000"/>
+                  </a:schemeClr>
+                </a:solidFill>
+                <a:latin typeface="Futura Medium" panose="020B0602020204020303" pitchFamily="34" charset="-79"/>
+                <a:cs typeface="Futura Medium" panose="020B0602020204020303" pitchFamily="34" charset="-79"/>
+              </a:rPr>
+              <a:t>they</a:t>
+            </a:r>
+            <a:r>
+              <a:rPr lang="pl-PL" sz="2000" dirty="0">
+                <a:solidFill>
+                  <a:schemeClr val="bg2">
+                    <a:lumMod val="75000"/>
+                  </a:schemeClr>
+                </a:solidFill>
+                <a:latin typeface="Futura Medium" panose="020B0602020204020303" pitchFamily="34" charset="-79"/>
+                <a:cs typeface="Futura Medium" panose="020B0602020204020303" pitchFamily="34" charset="-79"/>
+              </a:rPr>
+              <a:t> </a:t>
+            </a:r>
+            <a:r>
+              <a:rPr lang="pl-PL" sz="2000" dirty="0" err="1">
+                <a:solidFill>
+                  <a:schemeClr val="bg2">
+                    <a:lumMod val="75000"/>
+                  </a:schemeClr>
+                </a:solidFill>
+                <a:latin typeface="Futura Medium" panose="020B0602020204020303" pitchFamily="34" charset="-79"/>
+                <a:cs typeface="Futura Medium" panose="020B0602020204020303" pitchFamily="34" charset="-79"/>
+              </a:rPr>
+              <a:t>divide</a:t>
+            </a:r>
+            <a:r>
+              <a:rPr lang="pl-PL" sz="2000" dirty="0">
+                <a:solidFill>
+                  <a:schemeClr val="bg2">
+                    <a:lumMod val="75000"/>
+                  </a:schemeClr>
+                </a:solidFill>
+                <a:latin typeface="Futura Medium" panose="020B0602020204020303" pitchFamily="34" charset="-79"/>
+                <a:cs typeface="Futura Medium" panose="020B0602020204020303" pitchFamily="34" charset="-79"/>
+              </a:rPr>
+              <a:t> </a:t>
+            </a:r>
+            <a:r>
+              <a:rPr lang="pl-PL" sz="2000" dirty="0" err="1">
+                <a:solidFill>
+                  <a:schemeClr val="bg2">
+                    <a:lumMod val="75000"/>
+                  </a:schemeClr>
+                </a:solidFill>
+                <a:latin typeface="Futura Medium" panose="020B0602020204020303" pitchFamily="34" charset="-79"/>
+                <a:cs typeface="Futura Medium" panose="020B0602020204020303" pitchFamily="34" charset="-79"/>
+              </a:rPr>
+              <a:t>customers</a:t>
+            </a:r>
+            <a:r>
+              <a:rPr lang="pl-PL" sz="2000" dirty="0">
+                <a:solidFill>
+                  <a:schemeClr val="bg2">
+                    <a:lumMod val="75000"/>
+                  </a:schemeClr>
+                </a:solidFill>
+                <a:latin typeface="Futura Medium" panose="020B0602020204020303" pitchFamily="34" charset="-79"/>
+                <a:cs typeface="Futura Medium" panose="020B0602020204020303" pitchFamily="34" charset="-79"/>
+              </a:rPr>
+              <a:t> to </a:t>
+            </a:r>
+            <a:r>
+              <a:rPr lang="pl-PL" sz="2000" dirty="0" err="1">
+                <a:solidFill>
+                  <a:schemeClr val="bg2">
+                    <a:lumMod val="75000"/>
+                  </a:schemeClr>
+                </a:solidFill>
+                <a:latin typeface="Futura Medium" panose="020B0602020204020303" pitchFamily="34" charset="-79"/>
+                <a:cs typeface="Futura Medium" panose="020B0602020204020303" pitchFamily="34" charset="-79"/>
+              </a:rPr>
+              <a:t>two</a:t>
+            </a:r>
+            <a:r>
+              <a:rPr lang="pl-PL" sz="2000" dirty="0">
+                <a:solidFill>
+                  <a:schemeClr val="bg2">
+                    <a:lumMod val="75000"/>
+                  </a:schemeClr>
+                </a:solidFill>
+                <a:latin typeface="Futura Medium" panose="020B0602020204020303" pitchFamily="34" charset="-79"/>
+                <a:cs typeface="Futura Medium" panose="020B0602020204020303" pitchFamily="34" charset="-79"/>
+              </a:rPr>
+              <a:t> </a:t>
+            </a:r>
+            <a:r>
+              <a:rPr lang="pl-PL" sz="2000" dirty="0" err="1">
+                <a:solidFill>
+                  <a:schemeClr val="bg2">
+                    <a:lumMod val="75000"/>
+                  </a:schemeClr>
+                </a:solidFill>
+                <a:latin typeface="Futura Medium" panose="020B0602020204020303" pitchFamily="34" charset="-79"/>
+                <a:cs typeface="Futura Medium" panose="020B0602020204020303" pitchFamily="34" charset="-79"/>
+              </a:rPr>
+              <a:t>groups</a:t>
+            </a:r>
+            <a:endParaRPr lang="pl-PL" sz="2000" dirty="0">
+              <a:solidFill>
+                <a:schemeClr val="bg2">
+                  <a:lumMod val="75000"/>
+                </a:schemeClr>
+              </a:solidFill>
+              <a:latin typeface="Futura Medium" panose="020B0602020204020303" pitchFamily="34" charset="-79"/>
+              <a:cs typeface="Futura Medium" panose="020B0602020204020303" pitchFamily="34" charset="-79"/>
+            </a:endParaRPr>
+          </a:p>
+          <a:p>
+            <a:pPr marL="0" indent="0">
+              <a:buNone/>
+            </a:pPr>
+            <a:endParaRPr lang="pl-PL" sz="2000" dirty="0">
+              <a:solidFill>
+                <a:schemeClr val="bg2">
+                  <a:lumMod val="75000"/>
+                </a:schemeClr>
+              </a:solidFill>
+              <a:latin typeface="Futura Medium" panose="020B0602020204020303" pitchFamily="34" charset="-79"/>
+              <a:cs typeface="Futura Medium" panose="020B0602020204020303" pitchFamily="34" charset="-79"/>
+            </a:endParaRPr>
+          </a:p>
+        </p:txBody>
+      </p:sp>
+    </p:spTree>
+    <p:extLst>
+      <p:ext uri="{BB962C8B-B14F-4D97-AF65-F5344CB8AC3E}">
+        <p14:creationId xmlns:p14="http://schemas.microsoft.com/office/powerpoint/2010/main" val="935119117"/>
+      </p:ext>
+    </p:extLst>
+  </p:cSld>
+  <p:clrMapOvr>
+    <a:masterClrMapping/>
+  </p:clrMapOvr>
+</p:sld>
+</file>
+
+<file path=ppt/slides/slide19.xml><?xml version="1.0" encoding="utf-8"?>
+<p:sld xmlns:a="http://schemas.openxmlformats.org/drawingml/2006/main" xmlns:r="http://schemas.openxmlformats.org/officeDocument/2006/relationships" xmlns:p="http://schemas.openxmlformats.org/presentationml/2006/main">
+  <p:cSld>
+    <p:spTree>
+      <p:nvGrpSpPr>
+        <p:cNvPr id="1" name=""/>
+        <p:cNvGrpSpPr/>
+        <p:nvPr/>
+      </p:nvGrpSpPr>
+      <p:grpSpPr>
+        <a:xfrm>
+          <a:off x="0" y="0"/>
+          <a:ext cx="0" cy="0"/>
+          <a:chOff x="0" y="0"/>
+          <a:chExt cx="0" cy="0"/>
+        </a:xfrm>
+      </p:grpSpPr>
+      <p:sp>
+        <p:nvSpPr>
+          <p:cNvPr id="2" name="Title 1">
+            <a:extLst>
+              <a:ext uri="{FF2B5EF4-FFF2-40B4-BE49-F238E27FC236}">
+                <a16:creationId xmlns:a16="http://schemas.microsoft.com/office/drawing/2014/main" id="{F47BF6D4-89AF-724D-982F-87CBD8F29B01}"/>
+              </a:ext>
+            </a:extLst>
+          </p:cNvPr>
+          <p:cNvSpPr>
+            <a:spLocks noGrp="1"/>
+          </p:cNvSpPr>
+          <p:nvPr>
+            <p:ph type="title"/>
+          </p:nvPr>
+        </p:nvSpPr>
+        <p:spPr/>
+        <p:txBody>
+          <a:bodyPr>
+            <a:normAutofit/>
+          </a:bodyPr>
+          <a:lstStyle/>
+          <a:p>
+            <a:pPr algn="ctr"/>
+            <a:r>
+              <a:rPr lang="pl-PL" sz="3200" dirty="0">
+                <a:solidFill>
+                  <a:schemeClr val="accent1">
+                    <a:lumMod val="75000"/>
+                  </a:schemeClr>
+                </a:solidFill>
+                <a:latin typeface="Futura Medium" panose="020B0602020204020303" pitchFamily="34" charset="-79"/>
+                <a:cs typeface="Futura Medium" panose="020B0602020204020303" pitchFamily="34" charset="-79"/>
+              </a:rPr>
+              <a:t>Solution </a:t>
+            </a:r>
+            <a:r>
+              <a:rPr lang="pl-PL" sz="3200" dirty="0" err="1">
+                <a:solidFill>
+                  <a:schemeClr val="accent1">
+                    <a:lumMod val="75000"/>
+                  </a:schemeClr>
+                </a:solidFill>
+                <a:latin typeface="Futura Medium" panose="020B0602020204020303" pitchFamily="34" charset="-79"/>
+                <a:cs typeface="Futura Medium" panose="020B0602020204020303" pitchFamily="34" charset="-79"/>
+              </a:rPr>
+              <a:t>approach</a:t>
+            </a:r>
+            <a:r>
+              <a:rPr lang="pl-PL" sz="3200" dirty="0">
+                <a:solidFill>
+                  <a:schemeClr val="accent1">
+                    <a:lumMod val="75000"/>
+                  </a:schemeClr>
+                </a:solidFill>
+                <a:latin typeface="Futura Medium" panose="020B0602020204020303" pitchFamily="34" charset="-79"/>
+                <a:cs typeface="Futura Medium" panose="020B0602020204020303" pitchFamily="34" charset="-79"/>
+              </a:rPr>
+              <a:t> II</a:t>
+            </a:r>
+          </a:p>
+        </p:txBody>
+      </p:sp>
+      <p:sp>
+        <p:nvSpPr>
+          <p:cNvPr id="3" name="Content Placeholder 2">
+            <a:extLst>
+              <a:ext uri="{FF2B5EF4-FFF2-40B4-BE49-F238E27FC236}">
+                <a16:creationId xmlns:a16="http://schemas.microsoft.com/office/drawing/2014/main" id="{37567E70-E983-FC41-9D5E-32F7CA0480D4}"/>
+              </a:ext>
+            </a:extLst>
+          </p:cNvPr>
+          <p:cNvSpPr>
+            <a:spLocks noGrp="1"/>
+          </p:cNvSpPr>
+          <p:nvPr>
+            <p:ph idx="1"/>
+          </p:nvPr>
+        </p:nvSpPr>
+        <p:spPr/>
+        <p:txBody>
+          <a:bodyPr>
+            <a:normAutofit/>
+          </a:bodyPr>
+          <a:lstStyle/>
+          <a:p>
+            <a:pPr marL="0" indent="0" algn="ctr">
+              <a:buNone/>
+            </a:pPr>
+            <a:r>
+              <a:rPr lang="pl-PL" dirty="0" err="1">
+                <a:solidFill>
+                  <a:schemeClr val="accent2"/>
+                </a:solidFill>
+                <a:latin typeface="Futura Medium" panose="020B0602020204020303" pitchFamily="34" charset="-79"/>
+                <a:cs typeface="Futura Medium" panose="020B0602020204020303" pitchFamily="34" charset="-79"/>
+              </a:rPr>
+              <a:t>Binary</a:t>
+            </a:r>
+            <a:r>
+              <a:rPr lang="pl-PL" dirty="0">
+                <a:solidFill>
+                  <a:schemeClr val="accent2"/>
+                </a:solidFill>
+                <a:latin typeface="Futura Medium" panose="020B0602020204020303" pitchFamily="34" charset="-79"/>
+                <a:cs typeface="Futura Medium" panose="020B0602020204020303" pitchFamily="34" charset="-79"/>
+              </a:rPr>
+              <a:t> </a:t>
+            </a:r>
+            <a:r>
+              <a:rPr lang="pl-PL" dirty="0" err="1">
+                <a:solidFill>
+                  <a:schemeClr val="accent2"/>
+                </a:solidFill>
+                <a:latin typeface="Futura Medium" panose="020B0602020204020303" pitchFamily="34" charset="-79"/>
+                <a:cs typeface="Futura Medium" panose="020B0602020204020303" pitchFamily="34" charset="-79"/>
+              </a:rPr>
+              <a:t>classification</a:t>
+            </a:r>
+            <a:endParaRPr lang="pl-PL" dirty="0">
+              <a:solidFill>
+                <a:schemeClr val="accent2"/>
+              </a:solidFill>
+              <a:latin typeface="Futura Medium" panose="020B0602020204020303" pitchFamily="34" charset="-79"/>
+              <a:cs typeface="Futura Medium" panose="020B0602020204020303" pitchFamily="34" charset="-79"/>
+            </a:endParaRPr>
+          </a:p>
+          <a:p>
+            <a:pPr marL="0" indent="0" algn="ctr">
+              <a:buNone/>
+            </a:pPr>
+            <a:endParaRPr lang="pl-PL" dirty="0">
+              <a:solidFill>
+                <a:schemeClr val="accent2"/>
+              </a:solidFill>
+              <a:latin typeface="Futura Medium" panose="020B0602020204020303" pitchFamily="34" charset="-79"/>
+              <a:cs typeface="Futura Medium" panose="020B0602020204020303" pitchFamily="34" charset="-79"/>
+            </a:endParaRPr>
+          </a:p>
+          <a:p>
+            <a:pPr marL="0" indent="0" algn="ctr">
+              <a:buNone/>
+            </a:pPr>
+            <a:r>
+              <a:rPr lang="pl-PL" sz="2000" dirty="0" err="1">
+                <a:solidFill>
+                  <a:schemeClr val="accent6"/>
+                </a:solidFill>
+                <a:latin typeface="Futura Medium" panose="020B0602020204020303" pitchFamily="34" charset="-79"/>
+                <a:cs typeface="Futura Medium" panose="020B0602020204020303" pitchFamily="34" charset="-79"/>
+              </a:rPr>
+              <a:t>What</a:t>
+            </a:r>
+            <a:r>
+              <a:rPr lang="pl-PL" sz="2000" dirty="0">
+                <a:solidFill>
+                  <a:schemeClr val="accent6"/>
+                </a:solidFill>
+                <a:latin typeface="Futura Medium" panose="020B0602020204020303" pitchFamily="34" charset="-79"/>
+                <a:cs typeface="Futura Medium" panose="020B0602020204020303" pitchFamily="34" charset="-79"/>
+              </a:rPr>
+              <a:t> I do with </a:t>
+            </a:r>
+            <a:r>
+              <a:rPr lang="pl-PL" sz="2000" dirty="0" err="1">
+                <a:solidFill>
+                  <a:schemeClr val="accent6"/>
+                </a:solidFill>
+                <a:latin typeface="Futura Medium" panose="020B0602020204020303" pitchFamily="34" charset="-79"/>
+                <a:cs typeface="Futura Medium" panose="020B0602020204020303" pitchFamily="34" charset="-79"/>
+              </a:rPr>
+              <a:t>these</a:t>
+            </a:r>
+            <a:r>
+              <a:rPr lang="pl-PL" sz="2000" dirty="0">
+                <a:solidFill>
+                  <a:schemeClr val="accent6"/>
+                </a:solidFill>
+                <a:latin typeface="Futura Medium" panose="020B0602020204020303" pitchFamily="34" charset="-79"/>
+                <a:cs typeface="Futura Medium" panose="020B0602020204020303" pitchFamily="34" charset="-79"/>
+              </a:rPr>
+              <a:t> </a:t>
+            </a:r>
+            <a:r>
+              <a:rPr lang="pl-PL" sz="2000" dirty="0" err="1">
+                <a:solidFill>
+                  <a:schemeClr val="accent6"/>
+                </a:solidFill>
+                <a:latin typeface="Futura Medium" panose="020B0602020204020303" pitchFamily="34" charset="-79"/>
+                <a:cs typeface="Futura Medium" panose="020B0602020204020303" pitchFamily="34" charset="-79"/>
+              </a:rPr>
+              <a:t>results</a:t>
+            </a:r>
+            <a:r>
+              <a:rPr lang="pl-PL" sz="2000" dirty="0">
+                <a:solidFill>
+                  <a:schemeClr val="accent6"/>
+                </a:solidFill>
+                <a:latin typeface="Futura Medium" panose="020B0602020204020303" pitchFamily="34" charset="-79"/>
+                <a:cs typeface="Futura Medium" panose="020B0602020204020303" pitchFamily="34" charset="-79"/>
+              </a:rPr>
+              <a:t>?</a:t>
+            </a:r>
+          </a:p>
+          <a:p>
+            <a:pPr marL="0" indent="0" algn="ctr">
+              <a:buNone/>
+            </a:pPr>
+            <a:r>
+              <a:rPr lang="pl-PL" sz="2000" dirty="0">
+                <a:solidFill>
+                  <a:schemeClr val="bg2">
+                    <a:lumMod val="75000"/>
+                  </a:schemeClr>
+                </a:solidFill>
+                <a:latin typeface="Futura Medium" panose="020B0602020204020303" pitchFamily="34" charset="-79"/>
+                <a:cs typeface="Futura Medium" panose="020B0602020204020303" pitchFamily="34" charset="-79"/>
+              </a:rPr>
+              <a:t>	</a:t>
+            </a:r>
+          </a:p>
+          <a:p>
+            <a:r>
+              <a:rPr lang="pl-PL" sz="2000" dirty="0">
+                <a:solidFill>
+                  <a:schemeClr val="bg2">
+                    <a:lumMod val="75000"/>
+                  </a:schemeClr>
+                </a:solidFill>
+                <a:latin typeface="Futura Medium" panose="020B0602020204020303" pitchFamily="34" charset="-79"/>
+                <a:cs typeface="Futura Medium" panose="020B0602020204020303" pitchFamily="34" charset="-79"/>
+              </a:rPr>
+              <a:t>for </a:t>
+            </a:r>
+            <a:r>
+              <a:rPr lang="pl-PL" sz="2000" dirty="0" err="1">
+                <a:solidFill>
+                  <a:schemeClr val="bg2">
+                    <a:lumMod val="75000"/>
+                  </a:schemeClr>
+                </a:solidFill>
+                <a:latin typeface="Futura Medium" panose="020B0602020204020303" pitchFamily="34" charset="-79"/>
+                <a:cs typeface="Futura Medium" panose="020B0602020204020303" pitchFamily="34" charset="-79"/>
+              </a:rPr>
+              <a:t>each</a:t>
+            </a:r>
+            <a:r>
+              <a:rPr lang="pl-PL" sz="2000" dirty="0">
+                <a:solidFill>
+                  <a:schemeClr val="bg2">
+                    <a:lumMod val="75000"/>
+                  </a:schemeClr>
+                </a:solidFill>
+                <a:latin typeface="Futura Medium" panose="020B0602020204020303" pitchFamily="34" charset="-79"/>
+                <a:cs typeface="Futura Medium" panose="020B0602020204020303" pitchFamily="34" charset="-79"/>
+              </a:rPr>
+              <a:t> </a:t>
+            </a:r>
+            <a:r>
+              <a:rPr lang="pl-PL" sz="2000" dirty="0" err="1">
+                <a:solidFill>
+                  <a:schemeClr val="bg2">
+                    <a:lumMod val="75000"/>
+                  </a:schemeClr>
+                </a:solidFill>
+                <a:latin typeface="Futura Medium" panose="020B0602020204020303" pitchFamily="34" charset="-79"/>
+                <a:cs typeface="Futura Medium" panose="020B0602020204020303" pitchFamily="34" charset="-79"/>
+              </a:rPr>
+              <a:t>customer</a:t>
+            </a:r>
+            <a:r>
+              <a:rPr lang="pl-PL" sz="2000" dirty="0">
+                <a:solidFill>
+                  <a:schemeClr val="bg2">
+                    <a:lumMod val="75000"/>
+                  </a:schemeClr>
+                </a:solidFill>
+                <a:latin typeface="Futura Medium" panose="020B0602020204020303" pitchFamily="34" charset="-79"/>
+                <a:cs typeface="Futura Medium" panose="020B0602020204020303" pitchFamily="34" charset="-79"/>
+              </a:rPr>
+              <a:t> I </a:t>
+            </a:r>
+            <a:r>
+              <a:rPr lang="pl-PL" sz="2000" dirty="0" err="1">
+                <a:solidFill>
+                  <a:schemeClr val="bg2">
+                    <a:lumMod val="75000"/>
+                  </a:schemeClr>
+                </a:solidFill>
+                <a:latin typeface="Futura Medium" panose="020B0602020204020303" pitchFamily="34" charset="-79"/>
+                <a:cs typeface="Futura Medium" panose="020B0602020204020303" pitchFamily="34" charset="-79"/>
+              </a:rPr>
+              <a:t>check</a:t>
+            </a:r>
+            <a:r>
+              <a:rPr lang="pl-PL" sz="2000" dirty="0">
+                <a:solidFill>
+                  <a:schemeClr val="bg2">
+                    <a:lumMod val="75000"/>
+                  </a:schemeClr>
+                </a:solidFill>
+                <a:latin typeface="Futura Medium" panose="020B0602020204020303" pitchFamily="34" charset="-79"/>
+                <a:cs typeface="Futura Medium" panose="020B0602020204020303" pitchFamily="34" charset="-79"/>
+              </a:rPr>
+              <a:t> </a:t>
+            </a:r>
+            <a:r>
+              <a:rPr lang="pl-PL" sz="2000" dirty="0" err="1">
+                <a:solidFill>
+                  <a:schemeClr val="bg2">
+                    <a:lumMod val="75000"/>
+                  </a:schemeClr>
+                </a:solidFill>
+                <a:latin typeface="Futura Medium" panose="020B0602020204020303" pitchFamily="34" charset="-79"/>
+                <a:cs typeface="Futura Medium" panose="020B0602020204020303" pitchFamily="34" charset="-79"/>
+              </a:rPr>
+              <a:t>how</a:t>
+            </a:r>
+            <a:r>
+              <a:rPr lang="pl-PL" sz="2000" dirty="0">
+                <a:solidFill>
+                  <a:schemeClr val="bg2">
+                    <a:lumMod val="75000"/>
+                  </a:schemeClr>
+                </a:solidFill>
+                <a:latin typeface="Futura Medium" panose="020B0602020204020303" pitchFamily="34" charset="-79"/>
+                <a:cs typeface="Futura Medium" panose="020B0602020204020303" pitchFamily="34" charset="-79"/>
+              </a:rPr>
+              <a:t> </a:t>
+            </a:r>
+            <a:r>
+              <a:rPr lang="pl-PL" sz="2000" dirty="0" err="1">
+                <a:solidFill>
+                  <a:schemeClr val="bg2">
+                    <a:lumMod val="75000"/>
+                  </a:schemeClr>
+                </a:solidFill>
+                <a:latin typeface="Futura Medium" panose="020B0602020204020303" pitchFamily="34" charset="-79"/>
+                <a:cs typeface="Futura Medium" panose="020B0602020204020303" pitchFamily="34" charset="-79"/>
+              </a:rPr>
+              <a:t>probable</a:t>
+            </a:r>
+            <a:r>
+              <a:rPr lang="pl-PL" sz="2000" dirty="0">
+                <a:solidFill>
+                  <a:schemeClr val="bg2">
+                    <a:lumMod val="75000"/>
+                  </a:schemeClr>
+                </a:solidFill>
+                <a:latin typeface="Futura Medium" panose="020B0602020204020303" pitchFamily="34" charset="-79"/>
+                <a:cs typeface="Futura Medium" panose="020B0602020204020303" pitchFamily="34" charset="-79"/>
+              </a:rPr>
+              <a:t> </a:t>
+            </a:r>
+            <a:r>
+              <a:rPr lang="pl-PL" sz="2000" dirty="0" err="1">
+                <a:solidFill>
+                  <a:schemeClr val="bg2">
+                    <a:lumMod val="75000"/>
+                  </a:schemeClr>
+                </a:solidFill>
+                <a:latin typeface="Futura Medium" panose="020B0602020204020303" pitchFamily="34" charset="-79"/>
+                <a:cs typeface="Futura Medium" panose="020B0602020204020303" pitchFamily="34" charset="-79"/>
+              </a:rPr>
+              <a:t>it</a:t>
+            </a:r>
+            <a:r>
+              <a:rPr lang="pl-PL" sz="2000" dirty="0">
+                <a:solidFill>
+                  <a:schemeClr val="bg2">
+                    <a:lumMod val="75000"/>
+                  </a:schemeClr>
+                </a:solidFill>
+                <a:latin typeface="Futura Medium" panose="020B0602020204020303" pitchFamily="34" charset="-79"/>
+                <a:cs typeface="Futura Medium" panose="020B0602020204020303" pitchFamily="34" charset="-79"/>
+              </a:rPr>
+              <a:t> was </a:t>
+            </a:r>
+            <a:r>
+              <a:rPr lang="pl-PL" sz="2000" dirty="0" err="1">
+                <a:solidFill>
+                  <a:schemeClr val="bg2">
+                    <a:lumMod val="75000"/>
+                  </a:schemeClr>
+                </a:solidFill>
+                <a:latin typeface="Futura Medium" panose="020B0602020204020303" pitchFamily="34" charset="-79"/>
+                <a:cs typeface="Futura Medium" panose="020B0602020204020303" pitchFamily="34" charset="-79"/>
+              </a:rPr>
+              <a:t>that</a:t>
+            </a:r>
+            <a:r>
+              <a:rPr lang="pl-PL" sz="2000" dirty="0">
+                <a:solidFill>
+                  <a:schemeClr val="bg2">
+                    <a:lumMod val="75000"/>
+                  </a:schemeClr>
+                </a:solidFill>
+                <a:latin typeface="Futura Medium" panose="020B0602020204020303" pitchFamily="34" charset="-79"/>
+                <a:cs typeface="Futura Medium" panose="020B0602020204020303" pitchFamily="34" charset="-79"/>
+              </a:rPr>
+              <a:t> he </a:t>
+            </a:r>
+            <a:r>
+              <a:rPr lang="pl-PL" sz="2000" dirty="0" err="1">
+                <a:solidFill>
+                  <a:schemeClr val="bg2">
+                    <a:lumMod val="75000"/>
+                  </a:schemeClr>
+                </a:solidFill>
+                <a:latin typeface="Futura Medium" panose="020B0602020204020303" pitchFamily="34" charset="-79"/>
+                <a:cs typeface="Futura Medium" panose="020B0602020204020303" pitchFamily="34" charset="-79"/>
+              </a:rPr>
+              <a:t>will</a:t>
+            </a:r>
+            <a:r>
+              <a:rPr lang="pl-PL" sz="2000" dirty="0">
+                <a:solidFill>
+                  <a:schemeClr val="bg2">
+                    <a:lumMod val="75000"/>
+                  </a:schemeClr>
+                </a:solidFill>
+                <a:latin typeface="Futura Medium" panose="020B0602020204020303" pitchFamily="34" charset="-79"/>
+                <a:cs typeface="Futura Medium" panose="020B0602020204020303" pitchFamily="34" charset="-79"/>
+              </a:rPr>
+              <a:t> be </a:t>
+            </a:r>
+            <a:r>
+              <a:rPr lang="pl-PL" sz="2000" dirty="0" err="1">
+                <a:solidFill>
+                  <a:schemeClr val="bg2">
+                    <a:lumMod val="75000"/>
+                  </a:schemeClr>
+                </a:solidFill>
+                <a:latin typeface="Futura Medium" panose="020B0602020204020303" pitchFamily="34" charset="-79"/>
+                <a:cs typeface="Futura Medium" panose="020B0602020204020303" pitchFamily="34" charset="-79"/>
+              </a:rPr>
+              <a:t>classified</a:t>
+            </a:r>
+            <a:r>
+              <a:rPr lang="pl-PL" sz="2000" dirty="0">
+                <a:solidFill>
+                  <a:schemeClr val="bg2">
+                    <a:lumMod val="75000"/>
+                  </a:schemeClr>
+                </a:solidFill>
+                <a:latin typeface="Futura Medium" panose="020B0602020204020303" pitchFamily="34" charset="-79"/>
+                <a:cs typeface="Futura Medium" panose="020B0602020204020303" pitchFamily="34" charset="-79"/>
+              </a:rPr>
+              <a:t> to </a:t>
+            </a:r>
+            <a:r>
+              <a:rPr lang="pl-PL" sz="2000" dirty="0" err="1">
+                <a:solidFill>
+                  <a:schemeClr val="bg2">
+                    <a:lumMod val="75000"/>
+                  </a:schemeClr>
+                </a:solidFill>
+                <a:latin typeface="Futura Medium" panose="020B0602020204020303" pitchFamily="34" charset="-79"/>
+                <a:cs typeface="Futura Medium" panose="020B0602020204020303" pitchFamily="34" charset="-79"/>
+              </a:rPr>
+              <a:t>success</a:t>
+            </a:r>
+            <a:r>
+              <a:rPr lang="pl-PL" sz="2000" dirty="0">
+                <a:solidFill>
+                  <a:schemeClr val="bg2">
+                    <a:lumMod val="75000"/>
+                  </a:schemeClr>
+                </a:solidFill>
+                <a:latin typeface="Futura Medium" panose="020B0602020204020303" pitchFamily="34" charset="-79"/>
+                <a:cs typeface="Futura Medium" panose="020B0602020204020303" pitchFamily="34" charset="-79"/>
+              </a:rPr>
+              <a:t> </a:t>
+            </a:r>
+            <a:r>
+              <a:rPr lang="pl-PL" sz="2000" dirty="0" err="1">
+                <a:solidFill>
+                  <a:schemeClr val="bg2">
+                    <a:lumMod val="75000"/>
+                  </a:schemeClr>
+                </a:solidFill>
+                <a:latin typeface="Futura Medium" panose="020B0602020204020303" pitchFamily="34" charset="-79"/>
+                <a:cs typeface="Futura Medium" panose="020B0602020204020303" pitchFamily="34" charset="-79"/>
+              </a:rPr>
+              <a:t>group</a:t>
+            </a:r>
+            <a:r>
+              <a:rPr lang="pl-PL" sz="2000" dirty="0">
+                <a:solidFill>
+                  <a:schemeClr val="bg2">
+                    <a:lumMod val="75000"/>
+                  </a:schemeClr>
+                </a:solidFill>
+                <a:latin typeface="Futura Medium" panose="020B0602020204020303" pitchFamily="34" charset="-79"/>
+                <a:cs typeface="Futura Medium" panose="020B0602020204020303" pitchFamily="34" charset="-79"/>
+              </a:rPr>
+              <a:t> </a:t>
+            </a:r>
+          </a:p>
+          <a:p>
+            <a:r>
+              <a:rPr lang="pl-PL" sz="2000" dirty="0">
+                <a:solidFill>
+                  <a:schemeClr val="bg2">
+                    <a:lumMod val="75000"/>
+                  </a:schemeClr>
+                </a:solidFill>
+                <a:latin typeface="Futura Medium" panose="020B0602020204020303" pitchFamily="34" charset="-79"/>
+                <a:cs typeface="Futura Medium" panose="020B0602020204020303" pitchFamily="34" charset="-79"/>
+              </a:rPr>
+              <a:t>return list of </a:t>
+            </a:r>
+            <a:r>
+              <a:rPr lang="pl-PL" sz="2000" dirty="0" err="1">
+                <a:solidFill>
+                  <a:schemeClr val="bg2">
+                    <a:lumMod val="75000"/>
+                  </a:schemeClr>
+                </a:solidFill>
+                <a:latin typeface="Futura Medium" panose="020B0602020204020303" pitchFamily="34" charset="-79"/>
+                <a:cs typeface="Futura Medium" panose="020B0602020204020303" pitchFamily="34" charset="-79"/>
+              </a:rPr>
+              <a:t>this</a:t>
+            </a:r>
+            <a:r>
+              <a:rPr lang="pl-PL" sz="2000" dirty="0">
+                <a:solidFill>
+                  <a:schemeClr val="bg2">
+                    <a:lumMod val="75000"/>
+                  </a:schemeClr>
+                </a:solidFill>
+                <a:latin typeface="Futura Medium" panose="020B0602020204020303" pitchFamily="34" charset="-79"/>
+                <a:cs typeface="Futura Medium" panose="020B0602020204020303" pitchFamily="34" charset="-79"/>
+              </a:rPr>
+              <a:t> </a:t>
+            </a:r>
+            <a:r>
+              <a:rPr lang="pl-PL" sz="2000" dirty="0" err="1">
+                <a:solidFill>
+                  <a:schemeClr val="bg2">
+                    <a:lumMod val="75000"/>
+                  </a:schemeClr>
+                </a:solidFill>
+                <a:latin typeface="Futura Medium" panose="020B0602020204020303" pitchFamily="34" charset="-79"/>
+                <a:cs typeface="Futura Medium" panose="020B0602020204020303" pitchFamily="34" charset="-79"/>
+              </a:rPr>
+              <a:t>probabilities</a:t>
+            </a:r>
+            <a:endParaRPr lang="pl-PL" sz="2000" dirty="0">
+              <a:solidFill>
+                <a:schemeClr val="bg2">
+                  <a:lumMod val="75000"/>
+                </a:schemeClr>
+              </a:solidFill>
+              <a:latin typeface="Futura Medium" panose="020B0602020204020303" pitchFamily="34" charset="-79"/>
+              <a:cs typeface="Futura Medium" panose="020B0602020204020303" pitchFamily="34" charset="-79"/>
+            </a:endParaRPr>
+          </a:p>
+          <a:p>
+            <a:pPr marL="0" indent="0">
+              <a:buNone/>
+            </a:pPr>
+            <a:endParaRPr lang="pl-PL" sz="2000" dirty="0">
+              <a:solidFill>
+                <a:schemeClr val="bg2">
+                  <a:lumMod val="75000"/>
+                </a:schemeClr>
+              </a:solidFill>
+              <a:latin typeface="Futura Medium" panose="020B0602020204020303" pitchFamily="34" charset="-79"/>
+              <a:cs typeface="Futura Medium" panose="020B0602020204020303" pitchFamily="34" charset="-79"/>
+            </a:endParaRPr>
+          </a:p>
+        </p:txBody>
+      </p:sp>
+    </p:spTree>
+    <p:extLst>
+      <p:ext uri="{BB962C8B-B14F-4D97-AF65-F5344CB8AC3E}">
+        <p14:creationId xmlns:p14="http://schemas.microsoft.com/office/powerpoint/2010/main" val="4031222484"/>
+      </p:ext>
+    </p:extLst>
+  </p:cSld>
+  <p:clrMapOvr>
+    <a:masterClrMapping/>
+  </p:clrMapOvr>
+</p:sld>
+</file>
+
+<file path=ppt/slides/slide2.xml><?xml version="1.0" encoding="utf-8"?>
+<p:sld xmlns:a="http://schemas.openxmlformats.org/drawingml/2006/main" xmlns:r="http://schemas.openxmlformats.org/officeDocument/2006/relationships" xmlns:p="http://schemas.openxmlformats.org/presentationml/2006/main">
+  <p:cSld>
+    <p:spTree>
+      <p:nvGrpSpPr>
+        <p:cNvPr id="1" name=""/>
+        <p:cNvGrpSpPr/>
+        <p:nvPr/>
+      </p:nvGrpSpPr>
+      <p:grpSpPr>
+        <a:xfrm>
+          <a:off x="0" y="0"/>
+          <a:ext cx="0" cy="0"/>
+          <a:chOff x="0" y="0"/>
+          <a:chExt cx="0" cy="0"/>
+        </a:xfrm>
+      </p:grpSpPr>
+      <p:sp>
+        <p:nvSpPr>
+          <p:cNvPr id="2" name="Title 1">
+            <a:extLst>
+              <a:ext uri="{FF2B5EF4-FFF2-40B4-BE49-F238E27FC236}">
+                <a16:creationId xmlns:a16="http://schemas.microsoft.com/office/drawing/2014/main" id="{F47BF6D4-89AF-724D-982F-87CBD8F29B01}"/>
+              </a:ext>
+            </a:extLst>
+          </p:cNvPr>
+          <p:cNvSpPr>
+            <a:spLocks noGrp="1"/>
+          </p:cNvSpPr>
+          <p:nvPr>
+            <p:ph type="title"/>
+          </p:nvPr>
+        </p:nvSpPr>
+        <p:spPr/>
+        <p:txBody>
+          <a:bodyPr>
+            <a:normAutofit/>
+          </a:bodyPr>
+          <a:lstStyle/>
+          <a:p>
+            <a:pPr algn="ctr"/>
+            <a:r>
+              <a:rPr lang="pl-PL" sz="3200" dirty="0">
+                <a:solidFill>
+                  <a:schemeClr val="accent1">
+                    <a:lumMod val="75000"/>
+                  </a:schemeClr>
+                </a:solidFill>
+                <a:latin typeface="Futura Medium" panose="020B0602020204020303" pitchFamily="34" charset="-79"/>
+                <a:cs typeface="Futura Medium" panose="020B0602020204020303" pitchFamily="34" charset="-79"/>
+              </a:rPr>
+              <a:t>Agenda</a:t>
+            </a:r>
+          </a:p>
+        </p:txBody>
+      </p:sp>
+      <p:sp>
+        <p:nvSpPr>
+          <p:cNvPr id="3" name="Content Placeholder 2">
+            <a:extLst>
+              <a:ext uri="{FF2B5EF4-FFF2-40B4-BE49-F238E27FC236}">
+                <a16:creationId xmlns:a16="http://schemas.microsoft.com/office/drawing/2014/main" id="{37567E70-E983-FC41-9D5E-32F7CA0480D4}"/>
+              </a:ext>
+            </a:extLst>
+          </p:cNvPr>
+          <p:cNvSpPr>
+            <a:spLocks noGrp="1"/>
+          </p:cNvSpPr>
+          <p:nvPr>
+            <p:ph idx="1"/>
+          </p:nvPr>
+        </p:nvSpPr>
+        <p:spPr/>
+        <p:txBody>
+          <a:bodyPr>
+            <a:normAutofit/>
+          </a:bodyPr>
+          <a:lstStyle/>
+          <a:p>
+            <a:pPr marL="514350" indent="-514350">
+              <a:buClr>
+                <a:schemeClr val="accent2"/>
+              </a:buClr>
+              <a:buFont typeface="+mj-lt"/>
+              <a:buAutoNum type="arabicPeriod"/>
+            </a:pPr>
+            <a:r>
+              <a:rPr lang="pl-PL" dirty="0">
+                <a:solidFill>
+                  <a:schemeClr val="tx1">
+                    <a:lumMod val="50000"/>
+                    <a:lumOff val="50000"/>
+                  </a:schemeClr>
+                </a:solidFill>
+                <a:latin typeface="Futura Medium" panose="020B0602020204020303" pitchFamily="34" charset="-79"/>
+                <a:cs typeface="Futura Medium" panose="020B0602020204020303" pitchFamily="34" charset="-79"/>
+              </a:rPr>
+              <a:t>Problem </a:t>
+            </a:r>
+            <a:r>
+              <a:rPr lang="pl-PL" dirty="0" err="1">
+                <a:solidFill>
+                  <a:schemeClr val="tx1">
+                    <a:lumMod val="50000"/>
+                    <a:lumOff val="50000"/>
+                  </a:schemeClr>
+                </a:solidFill>
+                <a:latin typeface="Futura Medium" panose="020B0602020204020303" pitchFamily="34" charset="-79"/>
+                <a:cs typeface="Futura Medium" panose="020B0602020204020303" pitchFamily="34" charset="-79"/>
+              </a:rPr>
+              <a:t>overview</a:t>
+            </a:r>
+            <a:r>
+              <a:rPr lang="pl-PL" dirty="0">
+                <a:solidFill>
+                  <a:schemeClr val="tx1">
+                    <a:lumMod val="50000"/>
+                    <a:lumOff val="50000"/>
+                  </a:schemeClr>
+                </a:solidFill>
+                <a:latin typeface="Futura Medium" panose="020B0602020204020303" pitchFamily="34" charset="-79"/>
+                <a:cs typeface="Futura Medium" panose="020B0602020204020303" pitchFamily="34" charset="-79"/>
+              </a:rPr>
+              <a:t> and </a:t>
+            </a:r>
+            <a:r>
+              <a:rPr lang="pl-PL" dirty="0" err="1">
+                <a:solidFill>
+                  <a:schemeClr val="tx1">
+                    <a:lumMod val="50000"/>
+                    <a:lumOff val="50000"/>
+                  </a:schemeClr>
+                </a:solidFill>
+                <a:latin typeface="Futura Medium" panose="020B0602020204020303" pitchFamily="34" charset="-79"/>
+                <a:cs typeface="Futura Medium" panose="020B0602020204020303" pitchFamily="34" charset="-79"/>
+              </a:rPr>
+              <a:t>features</a:t>
+            </a:r>
+            <a:r>
+              <a:rPr lang="pl-PL" dirty="0">
+                <a:solidFill>
+                  <a:schemeClr val="tx1">
+                    <a:lumMod val="50000"/>
+                    <a:lumOff val="50000"/>
+                  </a:schemeClr>
+                </a:solidFill>
+                <a:latin typeface="Futura Medium" panose="020B0602020204020303" pitchFamily="34" charset="-79"/>
+                <a:cs typeface="Futura Medium" panose="020B0602020204020303" pitchFamily="34" charset="-79"/>
+              </a:rPr>
+              <a:t> </a:t>
+            </a:r>
+            <a:r>
+              <a:rPr lang="pl-PL" dirty="0" err="1">
+                <a:solidFill>
+                  <a:schemeClr val="tx1">
+                    <a:lumMod val="50000"/>
+                    <a:lumOff val="50000"/>
+                  </a:schemeClr>
+                </a:solidFill>
+                <a:latin typeface="Futura Medium" panose="020B0602020204020303" pitchFamily="34" charset="-79"/>
+                <a:cs typeface="Futura Medium" panose="020B0602020204020303" pitchFamily="34" charset="-79"/>
+              </a:rPr>
+              <a:t>transformation</a:t>
+            </a:r>
+            <a:endParaRPr lang="pl-PL" dirty="0">
+              <a:solidFill>
+                <a:schemeClr val="tx1">
+                  <a:lumMod val="50000"/>
+                  <a:lumOff val="50000"/>
+                </a:schemeClr>
+              </a:solidFill>
+              <a:latin typeface="Futura Medium" panose="020B0602020204020303" pitchFamily="34" charset="-79"/>
+              <a:cs typeface="Futura Medium" panose="020B0602020204020303" pitchFamily="34" charset="-79"/>
+            </a:endParaRPr>
+          </a:p>
+          <a:p>
+            <a:pPr marL="514350" indent="-514350">
+              <a:buClr>
+                <a:schemeClr val="accent2"/>
+              </a:buClr>
+              <a:buFont typeface="+mj-lt"/>
+              <a:buAutoNum type="arabicPeriod"/>
+            </a:pPr>
+            <a:r>
+              <a:rPr lang="pl-PL" dirty="0" err="1">
+                <a:solidFill>
+                  <a:schemeClr val="tx1">
+                    <a:lumMod val="50000"/>
+                    <a:lumOff val="50000"/>
+                  </a:schemeClr>
+                </a:solidFill>
+                <a:latin typeface="Futura Medium" panose="020B0602020204020303" pitchFamily="34" charset="-79"/>
+                <a:cs typeface="Futura Medium" panose="020B0602020204020303" pitchFamily="34" charset="-79"/>
+              </a:rPr>
+              <a:t>Insights</a:t>
+            </a:r>
+            <a:endParaRPr lang="pl-PL" dirty="0">
+              <a:solidFill>
+                <a:schemeClr val="tx1">
+                  <a:lumMod val="50000"/>
+                  <a:lumOff val="50000"/>
+                </a:schemeClr>
+              </a:solidFill>
+              <a:latin typeface="Futura Medium" panose="020B0602020204020303" pitchFamily="34" charset="-79"/>
+              <a:cs typeface="Futura Medium" panose="020B0602020204020303" pitchFamily="34" charset="-79"/>
+            </a:endParaRPr>
+          </a:p>
+          <a:p>
+            <a:pPr marL="514350" indent="-514350">
+              <a:buClr>
+                <a:schemeClr val="accent2"/>
+              </a:buClr>
+              <a:buFont typeface="+mj-lt"/>
+              <a:buAutoNum type="arabicPeriod"/>
+            </a:pPr>
+            <a:r>
+              <a:rPr lang="pl-PL" dirty="0">
+                <a:solidFill>
+                  <a:schemeClr val="tx1">
+                    <a:lumMod val="50000"/>
+                    <a:lumOff val="50000"/>
+                  </a:schemeClr>
+                </a:solidFill>
+                <a:latin typeface="Futura Medium" panose="020B0602020204020303" pitchFamily="34" charset="-79"/>
+                <a:cs typeface="Futura Medium" panose="020B0602020204020303" pitchFamily="34" charset="-79"/>
+              </a:rPr>
+              <a:t>Solution </a:t>
+            </a:r>
+            <a:r>
+              <a:rPr lang="pl-PL" dirty="0" err="1">
+                <a:solidFill>
+                  <a:schemeClr val="tx1">
+                    <a:lumMod val="50000"/>
+                    <a:lumOff val="50000"/>
+                  </a:schemeClr>
+                </a:solidFill>
+                <a:latin typeface="Futura Medium" panose="020B0602020204020303" pitchFamily="34" charset="-79"/>
+                <a:cs typeface="Futura Medium" panose="020B0602020204020303" pitchFamily="34" charset="-79"/>
+              </a:rPr>
+              <a:t>approach</a:t>
+            </a:r>
+            <a:r>
+              <a:rPr lang="pl-PL" dirty="0">
+                <a:solidFill>
+                  <a:schemeClr val="tx1">
+                    <a:lumMod val="50000"/>
+                    <a:lumOff val="50000"/>
+                  </a:schemeClr>
+                </a:solidFill>
+                <a:latin typeface="Futura Medium" panose="020B0602020204020303" pitchFamily="34" charset="-79"/>
+                <a:cs typeface="Futura Medium" panose="020B0602020204020303" pitchFamily="34" charset="-79"/>
+              </a:rPr>
+              <a:t> and a </a:t>
+            </a:r>
+            <a:r>
+              <a:rPr lang="pl-PL" dirty="0" err="1">
+                <a:solidFill>
+                  <a:schemeClr val="tx1">
+                    <a:lumMod val="50000"/>
+                    <a:lumOff val="50000"/>
+                  </a:schemeClr>
+                </a:solidFill>
+                <a:latin typeface="Futura Medium" panose="020B0602020204020303" pitchFamily="34" charset="-79"/>
+                <a:cs typeface="Futura Medium" panose="020B0602020204020303" pitchFamily="34" charset="-79"/>
+              </a:rPr>
+              <a:t>little</a:t>
+            </a:r>
+            <a:r>
+              <a:rPr lang="pl-PL" dirty="0">
+                <a:solidFill>
+                  <a:schemeClr val="tx1">
+                    <a:lumMod val="50000"/>
+                    <a:lumOff val="50000"/>
+                  </a:schemeClr>
+                </a:solidFill>
+                <a:latin typeface="Futura Medium" panose="020B0602020204020303" pitchFamily="34" charset="-79"/>
+                <a:cs typeface="Futura Medium" panose="020B0602020204020303" pitchFamily="34" charset="-79"/>
+              </a:rPr>
+              <a:t> bit of </a:t>
+            </a:r>
+            <a:r>
+              <a:rPr lang="pl-PL" dirty="0" err="1">
+                <a:solidFill>
+                  <a:schemeClr val="tx1">
+                    <a:lumMod val="50000"/>
+                    <a:lumOff val="50000"/>
+                  </a:schemeClr>
+                </a:solidFill>
+                <a:latin typeface="Futura Medium" panose="020B0602020204020303" pitchFamily="34" charset="-79"/>
+                <a:cs typeface="Futura Medium" panose="020B0602020204020303" pitchFamily="34" charset="-79"/>
+              </a:rPr>
+              <a:t>technical</a:t>
+            </a:r>
+            <a:r>
+              <a:rPr lang="pl-PL" dirty="0">
+                <a:solidFill>
+                  <a:schemeClr val="tx1">
+                    <a:lumMod val="50000"/>
+                    <a:lumOff val="50000"/>
+                  </a:schemeClr>
+                </a:solidFill>
+                <a:latin typeface="Futura Medium" panose="020B0602020204020303" pitchFamily="34" charset="-79"/>
+                <a:cs typeface="Futura Medium" panose="020B0602020204020303" pitchFamily="34" charset="-79"/>
+              </a:rPr>
+              <a:t> </a:t>
+            </a:r>
+            <a:r>
+              <a:rPr lang="pl-PL" dirty="0" err="1">
+                <a:solidFill>
+                  <a:schemeClr val="tx1">
+                    <a:lumMod val="50000"/>
+                    <a:lumOff val="50000"/>
+                  </a:schemeClr>
+                </a:solidFill>
+                <a:latin typeface="Futura Medium" panose="020B0602020204020303" pitchFamily="34" charset="-79"/>
+                <a:cs typeface="Futura Medium" panose="020B0602020204020303" pitchFamily="34" charset="-79"/>
+              </a:rPr>
+              <a:t>details</a:t>
+            </a:r>
+            <a:endParaRPr lang="pl-PL" dirty="0">
+              <a:solidFill>
+                <a:schemeClr val="tx1">
+                  <a:lumMod val="50000"/>
+                  <a:lumOff val="50000"/>
+                </a:schemeClr>
+              </a:solidFill>
+              <a:latin typeface="Futura Medium" panose="020B0602020204020303" pitchFamily="34" charset="-79"/>
+              <a:cs typeface="Futura Medium" panose="020B0602020204020303" pitchFamily="34" charset="-79"/>
+            </a:endParaRPr>
+          </a:p>
+          <a:p>
+            <a:pPr marL="514350" indent="-514350">
+              <a:buClr>
+                <a:schemeClr val="accent2"/>
+              </a:buClr>
+              <a:buFont typeface="+mj-lt"/>
+              <a:buAutoNum type="arabicPeriod"/>
+            </a:pPr>
+            <a:r>
+              <a:rPr lang="pl-PL" dirty="0" err="1">
+                <a:solidFill>
+                  <a:schemeClr val="tx1">
+                    <a:lumMod val="50000"/>
+                    <a:lumOff val="50000"/>
+                  </a:schemeClr>
+                </a:solidFill>
+                <a:latin typeface="Futura Medium" panose="020B0602020204020303" pitchFamily="34" charset="-79"/>
+                <a:cs typeface="Futura Medium" panose="020B0602020204020303" pitchFamily="34" charset="-79"/>
+              </a:rPr>
+              <a:t>What</a:t>
+            </a:r>
+            <a:r>
+              <a:rPr lang="pl-PL" dirty="0">
+                <a:solidFill>
+                  <a:schemeClr val="tx1">
+                    <a:lumMod val="50000"/>
+                    <a:lumOff val="50000"/>
+                  </a:schemeClr>
+                </a:solidFill>
+                <a:latin typeface="Futura Medium" panose="020B0602020204020303" pitchFamily="34" charset="-79"/>
+                <a:cs typeface="Futura Medium" panose="020B0602020204020303" pitchFamily="34" charset="-79"/>
+              </a:rPr>
+              <a:t> </a:t>
+            </a:r>
+            <a:r>
+              <a:rPr lang="pl-PL" dirty="0" err="1">
+                <a:solidFill>
+                  <a:schemeClr val="tx1">
+                    <a:lumMod val="50000"/>
+                    <a:lumOff val="50000"/>
+                  </a:schemeClr>
+                </a:solidFill>
+                <a:latin typeface="Futura Medium" panose="020B0602020204020303" pitchFamily="34" charset="-79"/>
+                <a:cs typeface="Futura Medium" panose="020B0602020204020303" pitchFamily="34" charset="-79"/>
+              </a:rPr>
+              <a:t>mostly</a:t>
+            </a:r>
+            <a:r>
+              <a:rPr lang="pl-PL" dirty="0">
+                <a:solidFill>
+                  <a:schemeClr val="tx1">
+                    <a:lumMod val="50000"/>
+                    <a:lumOff val="50000"/>
+                  </a:schemeClr>
+                </a:solidFill>
+                <a:latin typeface="Futura Medium" panose="020B0602020204020303" pitchFamily="34" charset="-79"/>
+                <a:cs typeface="Futura Medium" panose="020B0602020204020303" pitchFamily="34" charset="-79"/>
+              </a:rPr>
+              <a:t> </a:t>
+            </a:r>
+            <a:r>
+              <a:rPr lang="pl-PL" dirty="0" err="1">
+                <a:solidFill>
+                  <a:schemeClr val="tx1">
+                    <a:lumMod val="50000"/>
+                    <a:lumOff val="50000"/>
+                  </a:schemeClr>
+                </a:solidFill>
+                <a:latin typeface="Futura Medium" panose="020B0602020204020303" pitchFamily="34" charset="-79"/>
+                <a:cs typeface="Futura Medium" panose="020B0602020204020303" pitchFamily="34" charset="-79"/>
+              </a:rPr>
+              <a:t>impacted</a:t>
+            </a:r>
+            <a:r>
+              <a:rPr lang="pl-PL" dirty="0">
+                <a:solidFill>
+                  <a:schemeClr val="tx1">
+                    <a:lumMod val="50000"/>
+                    <a:lumOff val="50000"/>
+                  </a:schemeClr>
+                </a:solidFill>
+                <a:latin typeface="Futura Medium" panose="020B0602020204020303" pitchFamily="34" charset="-79"/>
+                <a:cs typeface="Futura Medium" panose="020B0602020204020303" pitchFamily="34" charset="-79"/>
+              </a:rPr>
+              <a:t> </a:t>
+            </a:r>
+            <a:r>
+              <a:rPr lang="pl-PL" dirty="0" err="1">
+                <a:solidFill>
+                  <a:schemeClr val="tx1">
+                    <a:lumMod val="50000"/>
+                    <a:lumOff val="50000"/>
+                  </a:schemeClr>
+                </a:solidFill>
+                <a:latin typeface="Futura Medium" panose="020B0602020204020303" pitchFamily="34" charset="-79"/>
+                <a:cs typeface="Futura Medium" panose="020B0602020204020303" pitchFamily="34" charset="-79"/>
+              </a:rPr>
+              <a:t>results</a:t>
+            </a:r>
+            <a:r>
+              <a:rPr lang="pl-PL" dirty="0">
+                <a:solidFill>
+                  <a:schemeClr val="tx1">
+                    <a:lumMod val="50000"/>
+                    <a:lumOff val="50000"/>
+                  </a:schemeClr>
+                </a:solidFill>
+                <a:latin typeface="Futura Medium" panose="020B0602020204020303" pitchFamily="34" charset="-79"/>
+                <a:cs typeface="Futura Medium" panose="020B0602020204020303" pitchFamily="34" charset="-79"/>
+              </a:rPr>
+              <a:t>?</a:t>
+            </a:r>
+          </a:p>
+          <a:p>
+            <a:pPr marL="514350" indent="-514350">
+              <a:buClr>
+                <a:schemeClr val="accent2"/>
+              </a:buClr>
+              <a:buFont typeface="+mj-lt"/>
+              <a:buAutoNum type="arabicPeriod"/>
+            </a:pPr>
+            <a:r>
+              <a:rPr lang="pl-PL" dirty="0" err="1">
+                <a:solidFill>
+                  <a:schemeClr val="tx1">
+                    <a:lumMod val="50000"/>
+                    <a:lumOff val="50000"/>
+                  </a:schemeClr>
+                </a:solidFill>
+                <a:latin typeface="Futura Medium" panose="020B0602020204020303" pitchFamily="34" charset="-79"/>
+                <a:cs typeface="Futura Medium" panose="020B0602020204020303" pitchFamily="34" charset="-79"/>
+              </a:rPr>
+              <a:t>Deliverables</a:t>
+            </a:r>
+            <a:endParaRPr lang="pl-PL" dirty="0">
+              <a:solidFill>
+                <a:schemeClr val="tx1">
+                  <a:lumMod val="50000"/>
+                  <a:lumOff val="50000"/>
+                </a:schemeClr>
+              </a:solidFill>
+              <a:latin typeface="Futura Medium" panose="020B0602020204020303" pitchFamily="34" charset="-79"/>
+              <a:cs typeface="Futura Medium" panose="020B0602020204020303" pitchFamily="34" charset="-79"/>
+            </a:endParaRPr>
+          </a:p>
+          <a:p>
+            <a:pPr marL="0" indent="0">
+              <a:buNone/>
+            </a:pPr>
+            <a:endParaRPr lang="pl-PL" dirty="0"/>
+          </a:p>
+        </p:txBody>
+      </p:sp>
+    </p:spTree>
+    <p:extLst>
+      <p:ext uri="{BB962C8B-B14F-4D97-AF65-F5344CB8AC3E}">
+        <p14:creationId xmlns:p14="http://schemas.microsoft.com/office/powerpoint/2010/main" val="1273370849"/>
+      </p:ext>
+    </p:extLst>
+  </p:cSld>
+  <p:clrMapOvr>
+    <a:masterClrMapping/>
+  </p:clrMapOvr>
+</p:sld>
+</file>
+
+<file path=ppt/slides/slide20.xml><?xml version="1.0" encoding="utf-8"?>
 <p:sld xmlns:a="http://schemas.openxmlformats.org/drawingml/2006/main" xmlns:r="http://schemas.openxmlformats.org/officeDocument/2006/relationships" xmlns:p="http://schemas.openxmlformats.org/presentationml/2006/main">
   <p:cSld>
     <p:spTree>
@@ -17641,7 +19566,7 @@
 </p:sld>
 </file>
 
-<file path=ppt/slides/slide19.xml><?xml version="1.0" encoding="utf-8"?>
+<file path=ppt/slides/slide21.xml><?xml version="1.0" encoding="utf-8"?>
 <p:sld xmlns:a="http://schemas.openxmlformats.org/drawingml/2006/main" xmlns:r="http://schemas.openxmlformats.org/officeDocument/2006/relationships" xmlns:p="http://schemas.openxmlformats.org/presentationml/2006/main">
   <p:cSld>
     <p:spTree>
@@ -19008,477 +20933,7 @@
 </p:sld>
 </file>
 
-<file path=ppt/slides/slide2.xml><?xml version="1.0" encoding="utf-8"?>
-<p:sld xmlns:a="http://schemas.openxmlformats.org/drawingml/2006/main" xmlns:r="http://schemas.openxmlformats.org/officeDocument/2006/relationships" xmlns:p="http://schemas.openxmlformats.org/presentationml/2006/main">
-  <p:cSld>
-    <p:spTree>
-      <p:nvGrpSpPr>
-        <p:cNvPr id="1" name=""/>
-        <p:cNvGrpSpPr/>
-        <p:nvPr/>
-      </p:nvGrpSpPr>
-      <p:grpSpPr>
-        <a:xfrm>
-          <a:off x="0" y="0"/>
-          <a:ext cx="0" cy="0"/>
-          <a:chOff x="0" y="0"/>
-          <a:chExt cx="0" cy="0"/>
-        </a:xfrm>
-      </p:grpSpPr>
-      <p:sp>
-        <p:nvSpPr>
-          <p:cNvPr id="2" name="Title 1">
-            <a:extLst>
-              <a:ext uri="{FF2B5EF4-FFF2-40B4-BE49-F238E27FC236}">
-                <a16:creationId xmlns:a16="http://schemas.microsoft.com/office/drawing/2014/main" id="{F47BF6D4-89AF-724D-982F-87CBD8F29B01}"/>
-              </a:ext>
-            </a:extLst>
-          </p:cNvPr>
-          <p:cNvSpPr>
-            <a:spLocks noGrp="1"/>
-          </p:cNvSpPr>
-          <p:nvPr>
-            <p:ph type="title"/>
-          </p:nvPr>
-        </p:nvSpPr>
-        <p:spPr/>
-        <p:txBody>
-          <a:bodyPr>
-            <a:normAutofit/>
-          </a:bodyPr>
-          <a:lstStyle/>
-          <a:p>
-            <a:pPr algn="ctr"/>
-            <a:r>
-              <a:rPr lang="pl-PL" sz="3200" dirty="0">
-                <a:solidFill>
-                  <a:schemeClr val="accent1">
-                    <a:lumMod val="75000"/>
-                  </a:schemeClr>
-                </a:solidFill>
-                <a:latin typeface="Futura Medium" panose="020B0602020204020303" pitchFamily="34" charset="-79"/>
-                <a:cs typeface="Futura Medium" panose="020B0602020204020303" pitchFamily="34" charset="-79"/>
-              </a:rPr>
-              <a:t>Agenda</a:t>
-            </a:r>
-          </a:p>
-        </p:txBody>
-      </p:sp>
-      <p:sp>
-        <p:nvSpPr>
-          <p:cNvPr id="3" name="Content Placeholder 2">
-            <a:extLst>
-              <a:ext uri="{FF2B5EF4-FFF2-40B4-BE49-F238E27FC236}">
-                <a16:creationId xmlns:a16="http://schemas.microsoft.com/office/drawing/2014/main" id="{37567E70-E983-FC41-9D5E-32F7CA0480D4}"/>
-              </a:ext>
-            </a:extLst>
-          </p:cNvPr>
-          <p:cNvSpPr>
-            <a:spLocks noGrp="1"/>
-          </p:cNvSpPr>
-          <p:nvPr>
-            <p:ph idx="1"/>
-          </p:nvPr>
-        </p:nvSpPr>
-        <p:spPr/>
-        <p:txBody>
-          <a:bodyPr>
-            <a:normAutofit/>
-          </a:bodyPr>
-          <a:lstStyle/>
-          <a:p>
-            <a:pPr marL="514350" indent="-514350">
-              <a:buClr>
-                <a:schemeClr val="accent2"/>
-              </a:buClr>
-              <a:buFont typeface="+mj-lt"/>
-              <a:buAutoNum type="arabicPeriod"/>
-            </a:pPr>
-            <a:r>
-              <a:rPr lang="pl-PL" dirty="0">
-                <a:solidFill>
-                  <a:schemeClr val="tx1">
-                    <a:lumMod val="50000"/>
-                    <a:lumOff val="50000"/>
-                  </a:schemeClr>
-                </a:solidFill>
-                <a:latin typeface="Futura Medium" panose="020B0602020204020303" pitchFamily="34" charset="-79"/>
-                <a:cs typeface="Futura Medium" panose="020B0602020204020303" pitchFamily="34" charset="-79"/>
-              </a:rPr>
-              <a:t>Problem </a:t>
-            </a:r>
-            <a:r>
-              <a:rPr lang="pl-PL" dirty="0" err="1">
-                <a:solidFill>
-                  <a:schemeClr val="tx1">
-                    <a:lumMod val="50000"/>
-                    <a:lumOff val="50000"/>
-                  </a:schemeClr>
-                </a:solidFill>
-                <a:latin typeface="Futura Medium" panose="020B0602020204020303" pitchFamily="34" charset="-79"/>
-                <a:cs typeface="Futura Medium" panose="020B0602020204020303" pitchFamily="34" charset="-79"/>
-              </a:rPr>
-              <a:t>overview</a:t>
-            </a:r>
-            <a:r>
-              <a:rPr lang="pl-PL" dirty="0">
-                <a:solidFill>
-                  <a:schemeClr val="tx1">
-                    <a:lumMod val="50000"/>
-                    <a:lumOff val="50000"/>
-                  </a:schemeClr>
-                </a:solidFill>
-                <a:latin typeface="Futura Medium" panose="020B0602020204020303" pitchFamily="34" charset="-79"/>
-                <a:cs typeface="Futura Medium" panose="020B0602020204020303" pitchFamily="34" charset="-79"/>
-              </a:rPr>
-              <a:t> and </a:t>
-            </a:r>
-            <a:r>
-              <a:rPr lang="pl-PL" dirty="0" err="1">
-                <a:solidFill>
-                  <a:schemeClr val="tx1">
-                    <a:lumMod val="50000"/>
-                    <a:lumOff val="50000"/>
-                  </a:schemeClr>
-                </a:solidFill>
-                <a:latin typeface="Futura Medium" panose="020B0602020204020303" pitchFamily="34" charset="-79"/>
-                <a:cs typeface="Futura Medium" panose="020B0602020204020303" pitchFamily="34" charset="-79"/>
-              </a:rPr>
-              <a:t>features</a:t>
-            </a:r>
-            <a:r>
-              <a:rPr lang="pl-PL" dirty="0">
-                <a:solidFill>
-                  <a:schemeClr val="tx1">
-                    <a:lumMod val="50000"/>
-                    <a:lumOff val="50000"/>
-                  </a:schemeClr>
-                </a:solidFill>
-                <a:latin typeface="Futura Medium" panose="020B0602020204020303" pitchFamily="34" charset="-79"/>
-                <a:cs typeface="Futura Medium" panose="020B0602020204020303" pitchFamily="34" charset="-79"/>
-              </a:rPr>
-              <a:t> </a:t>
-            </a:r>
-            <a:r>
-              <a:rPr lang="pl-PL" dirty="0" err="1">
-                <a:solidFill>
-                  <a:schemeClr val="tx1">
-                    <a:lumMod val="50000"/>
-                    <a:lumOff val="50000"/>
-                  </a:schemeClr>
-                </a:solidFill>
-                <a:latin typeface="Futura Medium" panose="020B0602020204020303" pitchFamily="34" charset="-79"/>
-                <a:cs typeface="Futura Medium" panose="020B0602020204020303" pitchFamily="34" charset="-79"/>
-              </a:rPr>
-              <a:t>transformation</a:t>
-            </a:r>
-            <a:endParaRPr lang="pl-PL" dirty="0">
-              <a:solidFill>
-                <a:schemeClr val="tx1">
-                  <a:lumMod val="50000"/>
-                  <a:lumOff val="50000"/>
-                </a:schemeClr>
-              </a:solidFill>
-              <a:latin typeface="Futura Medium" panose="020B0602020204020303" pitchFamily="34" charset="-79"/>
-              <a:cs typeface="Futura Medium" panose="020B0602020204020303" pitchFamily="34" charset="-79"/>
-            </a:endParaRPr>
-          </a:p>
-          <a:p>
-            <a:pPr marL="514350" indent="-514350">
-              <a:buClr>
-                <a:schemeClr val="accent2"/>
-              </a:buClr>
-              <a:buFont typeface="+mj-lt"/>
-              <a:buAutoNum type="arabicPeriod"/>
-            </a:pPr>
-            <a:r>
-              <a:rPr lang="pl-PL" dirty="0" err="1">
-                <a:solidFill>
-                  <a:schemeClr val="tx1">
-                    <a:lumMod val="50000"/>
-                    <a:lumOff val="50000"/>
-                  </a:schemeClr>
-                </a:solidFill>
-                <a:latin typeface="Futura Medium" panose="020B0602020204020303" pitchFamily="34" charset="-79"/>
-                <a:cs typeface="Futura Medium" panose="020B0602020204020303" pitchFamily="34" charset="-79"/>
-              </a:rPr>
-              <a:t>Insights</a:t>
-            </a:r>
-            <a:endParaRPr lang="pl-PL" dirty="0">
-              <a:solidFill>
-                <a:schemeClr val="tx1">
-                  <a:lumMod val="50000"/>
-                  <a:lumOff val="50000"/>
-                </a:schemeClr>
-              </a:solidFill>
-              <a:latin typeface="Futura Medium" panose="020B0602020204020303" pitchFamily="34" charset="-79"/>
-              <a:cs typeface="Futura Medium" panose="020B0602020204020303" pitchFamily="34" charset="-79"/>
-            </a:endParaRPr>
-          </a:p>
-          <a:p>
-            <a:pPr marL="514350" indent="-514350">
-              <a:buClr>
-                <a:schemeClr val="accent2"/>
-              </a:buClr>
-              <a:buFont typeface="+mj-lt"/>
-              <a:buAutoNum type="arabicPeriod"/>
-            </a:pPr>
-            <a:r>
-              <a:rPr lang="pl-PL" dirty="0">
-                <a:solidFill>
-                  <a:schemeClr val="tx1">
-                    <a:lumMod val="50000"/>
-                    <a:lumOff val="50000"/>
-                  </a:schemeClr>
-                </a:solidFill>
-                <a:latin typeface="Futura Medium" panose="020B0602020204020303" pitchFamily="34" charset="-79"/>
-                <a:cs typeface="Futura Medium" panose="020B0602020204020303" pitchFamily="34" charset="-79"/>
-              </a:rPr>
-              <a:t>A </a:t>
-            </a:r>
-            <a:r>
-              <a:rPr lang="pl-PL" dirty="0" err="1">
-                <a:solidFill>
-                  <a:schemeClr val="tx1">
-                    <a:lumMod val="50000"/>
-                    <a:lumOff val="50000"/>
-                  </a:schemeClr>
-                </a:solidFill>
-                <a:latin typeface="Futura Medium" panose="020B0602020204020303" pitchFamily="34" charset="-79"/>
-                <a:cs typeface="Futura Medium" panose="020B0602020204020303" pitchFamily="34" charset="-79"/>
-              </a:rPr>
-              <a:t>little</a:t>
-            </a:r>
-            <a:r>
-              <a:rPr lang="pl-PL" dirty="0">
-                <a:solidFill>
-                  <a:schemeClr val="tx1">
-                    <a:lumMod val="50000"/>
-                    <a:lumOff val="50000"/>
-                  </a:schemeClr>
-                </a:solidFill>
-                <a:latin typeface="Futura Medium" panose="020B0602020204020303" pitchFamily="34" charset="-79"/>
-                <a:cs typeface="Futura Medium" panose="020B0602020204020303" pitchFamily="34" charset="-79"/>
-              </a:rPr>
-              <a:t> bit of </a:t>
-            </a:r>
-            <a:r>
-              <a:rPr lang="pl-PL" dirty="0" err="1">
-                <a:solidFill>
-                  <a:schemeClr val="tx1">
-                    <a:lumMod val="50000"/>
-                    <a:lumOff val="50000"/>
-                  </a:schemeClr>
-                </a:solidFill>
-                <a:latin typeface="Futura Medium" panose="020B0602020204020303" pitchFamily="34" charset="-79"/>
-                <a:cs typeface="Futura Medium" panose="020B0602020204020303" pitchFamily="34" charset="-79"/>
-              </a:rPr>
-              <a:t>technical</a:t>
-            </a:r>
-            <a:r>
-              <a:rPr lang="pl-PL" dirty="0">
-                <a:solidFill>
-                  <a:schemeClr val="tx1">
-                    <a:lumMod val="50000"/>
-                    <a:lumOff val="50000"/>
-                  </a:schemeClr>
-                </a:solidFill>
-                <a:latin typeface="Futura Medium" panose="020B0602020204020303" pitchFamily="34" charset="-79"/>
-                <a:cs typeface="Futura Medium" panose="020B0602020204020303" pitchFamily="34" charset="-79"/>
-              </a:rPr>
-              <a:t> </a:t>
-            </a:r>
-            <a:r>
-              <a:rPr lang="pl-PL" dirty="0" err="1">
-                <a:solidFill>
-                  <a:schemeClr val="tx1">
-                    <a:lumMod val="50000"/>
-                    <a:lumOff val="50000"/>
-                  </a:schemeClr>
-                </a:solidFill>
-                <a:latin typeface="Futura Medium" panose="020B0602020204020303" pitchFamily="34" charset="-79"/>
-                <a:cs typeface="Futura Medium" panose="020B0602020204020303" pitchFamily="34" charset="-79"/>
-              </a:rPr>
-              <a:t>details</a:t>
-            </a:r>
-            <a:endParaRPr lang="pl-PL" dirty="0">
-              <a:solidFill>
-                <a:schemeClr val="tx1">
-                  <a:lumMod val="50000"/>
-                  <a:lumOff val="50000"/>
-                </a:schemeClr>
-              </a:solidFill>
-              <a:latin typeface="Futura Medium" panose="020B0602020204020303" pitchFamily="34" charset="-79"/>
-              <a:cs typeface="Futura Medium" panose="020B0602020204020303" pitchFamily="34" charset="-79"/>
-            </a:endParaRPr>
-          </a:p>
-          <a:p>
-            <a:pPr marL="514350" indent="-514350">
-              <a:buClr>
-                <a:schemeClr val="accent2"/>
-              </a:buClr>
-              <a:buFont typeface="+mj-lt"/>
-              <a:buAutoNum type="arabicPeriod"/>
-            </a:pPr>
-            <a:r>
-              <a:rPr lang="pl-PL" dirty="0" err="1">
-                <a:solidFill>
-                  <a:schemeClr val="tx1">
-                    <a:lumMod val="50000"/>
-                    <a:lumOff val="50000"/>
-                  </a:schemeClr>
-                </a:solidFill>
-                <a:latin typeface="Futura Medium" panose="020B0602020204020303" pitchFamily="34" charset="-79"/>
-                <a:cs typeface="Futura Medium" panose="020B0602020204020303" pitchFamily="34" charset="-79"/>
-              </a:rPr>
-              <a:t>What</a:t>
-            </a:r>
-            <a:r>
-              <a:rPr lang="pl-PL" dirty="0">
-                <a:solidFill>
-                  <a:schemeClr val="tx1">
-                    <a:lumMod val="50000"/>
-                    <a:lumOff val="50000"/>
-                  </a:schemeClr>
-                </a:solidFill>
-                <a:latin typeface="Futura Medium" panose="020B0602020204020303" pitchFamily="34" charset="-79"/>
-                <a:cs typeface="Futura Medium" panose="020B0602020204020303" pitchFamily="34" charset="-79"/>
-              </a:rPr>
-              <a:t> </a:t>
-            </a:r>
-            <a:r>
-              <a:rPr lang="pl-PL" dirty="0" err="1">
-                <a:solidFill>
-                  <a:schemeClr val="tx1">
-                    <a:lumMod val="50000"/>
-                    <a:lumOff val="50000"/>
-                  </a:schemeClr>
-                </a:solidFill>
-                <a:latin typeface="Futura Medium" panose="020B0602020204020303" pitchFamily="34" charset="-79"/>
-                <a:cs typeface="Futura Medium" panose="020B0602020204020303" pitchFamily="34" charset="-79"/>
-              </a:rPr>
-              <a:t>mostly</a:t>
-            </a:r>
-            <a:r>
-              <a:rPr lang="pl-PL" dirty="0">
-                <a:solidFill>
-                  <a:schemeClr val="tx1">
-                    <a:lumMod val="50000"/>
-                    <a:lumOff val="50000"/>
-                  </a:schemeClr>
-                </a:solidFill>
-                <a:latin typeface="Futura Medium" panose="020B0602020204020303" pitchFamily="34" charset="-79"/>
-                <a:cs typeface="Futura Medium" panose="020B0602020204020303" pitchFamily="34" charset="-79"/>
-              </a:rPr>
-              <a:t> </a:t>
-            </a:r>
-            <a:r>
-              <a:rPr lang="pl-PL" dirty="0" err="1">
-                <a:solidFill>
-                  <a:schemeClr val="tx1">
-                    <a:lumMod val="50000"/>
-                    <a:lumOff val="50000"/>
-                  </a:schemeClr>
-                </a:solidFill>
-                <a:latin typeface="Futura Medium" panose="020B0602020204020303" pitchFamily="34" charset="-79"/>
-                <a:cs typeface="Futura Medium" panose="020B0602020204020303" pitchFamily="34" charset="-79"/>
-              </a:rPr>
-              <a:t>impacted</a:t>
-            </a:r>
-            <a:r>
-              <a:rPr lang="pl-PL" dirty="0">
-                <a:solidFill>
-                  <a:schemeClr val="tx1">
-                    <a:lumMod val="50000"/>
-                    <a:lumOff val="50000"/>
-                  </a:schemeClr>
-                </a:solidFill>
-                <a:latin typeface="Futura Medium" panose="020B0602020204020303" pitchFamily="34" charset="-79"/>
-                <a:cs typeface="Futura Medium" panose="020B0602020204020303" pitchFamily="34" charset="-79"/>
-              </a:rPr>
-              <a:t> </a:t>
-            </a:r>
-            <a:r>
-              <a:rPr lang="pl-PL" dirty="0" err="1">
-                <a:solidFill>
-                  <a:schemeClr val="tx1">
-                    <a:lumMod val="50000"/>
-                    <a:lumOff val="50000"/>
-                  </a:schemeClr>
-                </a:solidFill>
-                <a:latin typeface="Futura Medium" panose="020B0602020204020303" pitchFamily="34" charset="-79"/>
-                <a:cs typeface="Futura Medium" panose="020B0602020204020303" pitchFamily="34" charset="-79"/>
-              </a:rPr>
-              <a:t>results</a:t>
-            </a:r>
-            <a:r>
-              <a:rPr lang="pl-PL" dirty="0">
-                <a:solidFill>
-                  <a:schemeClr val="tx1">
-                    <a:lumMod val="50000"/>
-                    <a:lumOff val="50000"/>
-                  </a:schemeClr>
-                </a:solidFill>
-                <a:latin typeface="Futura Medium" panose="020B0602020204020303" pitchFamily="34" charset="-79"/>
-                <a:cs typeface="Futura Medium" panose="020B0602020204020303" pitchFamily="34" charset="-79"/>
-              </a:rPr>
-              <a:t>?</a:t>
-            </a:r>
-          </a:p>
-          <a:p>
-            <a:pPr marL="514350" indent="-514350">
-              <a:buClr>
-                <a:schemeClr val="accent2"/>
-              </a:buClr>
-              <a:buFont typeface="+mj-lt"/>
-              <a:buAutoNum type="arabicPeriod"/>
-            </a:pPr>
-            <a:r>
-              <a:rPr lang="pl-PL" dirty="0" err="1">
-                <a:solidFill>
-                  <a:schemeClr val="tx1">
-                    <a:lumMod val="50000"/>
-                    <a:lumOff val="50000"/>
-                  </a:schemeClr>
-                </a:solidFill>
-                <a:latin typeface="Futura Medium" panose="020B0602020204020303" pitchFamily="34" charset="-79"/>
-                <a:cs typeface="Futura Medium" panose="020B0602020204020303" pitchFamily="34" charset="-79"/>
-              </a:rPr>
-              <a:t>Deliverables</a:t>
-            </a:r>
-            <a:endParaRPr lang="pl-PL" dirty="0">
-              <a:solidFill>
-                <a:schemeClr val="tx1">
-                  <a:lumMod val="50000"/>
-                  <a:lumOff val="50000"/>
-                </a:schemeClr>
-              </a:solidFill>
-              <a:latin typeface="Futura Medium" panose="020B0602020204020303" pitchFamily="34" charset="-79"/>
-              <a:cs typeface="Futura Medium" panose="020B0602020204020303" pitchFamily="34" charset="-79"/>
-            </a:endParaRPr>
-          </a:p>
-          <a:p>
-            <a:pPr marL="0" indent="0">
-              <a:buNone/>
-            </a:pPr>
-            <a:endParaRPr lang="pl-PL" dirty="0"/>
-          </a:p>
-        </p:txBody>
-      </p:sp>
-    </p:spTree>
-    <p:extLst>
-      <p:ext uri="{BB962C8B-B14F-4D97-AF65-F5344CB8AC3E}">
-        <p14:creationId xmlns:p14="http://schemas.microsoft.com/office/powerpoint/2010/main" val="1273370849"/>
-      </p:ext>
-    </p:extLst>
-  </p:cSld>
-  <p:clrMapOvr>
-    <a:masterClrMapping/>
-  </p:clrMapOvr>
-</p:sld>
-</file>
-
-<file path=ppt/slides/slide20.xml><?xml version="1.0" encoding="utf-8"?>
+<file path=ppt/slides/slide22.xml><?xml version="1.0" encoding="utf-8"?>
 <p:sld xmlns:a="http://schemas.openxmlformats.org/drawingml/2006/main" xmlns:r="http://schemas.openxmlformats.org/officeDocument/2006/relationships" xmlns:p="http://schemas.openxmlformats.org/presentationml/2006/main">
   <p:cSld>
     <p:spTree>
@@ -20874,7 +22329,7 @@
 </p:sld>
 </file>
 
-<file path=ppt/slides/slide21.xml><?xml version="1.0" encoding="utf-8"?>
+<file path=ppt/slides/slide23.xml><?xml version="1.0" encoding="utf-8"?>
 <p:sld xmlns:a="http://schemas.openxmlformats.org/drawingml/2006/main" xmlns:r="http://schemas.openxmlformats.org/officeDocument/2006/relationships" xmlns:p="http://schemas.openxmlformats.org/presentationml/2006/main">
   <p:cSld>
     <p:spTree>
@@ -22299,7 +23754,7 @@
 </p:sld>
 </file>
 
-<file path=ppt/slides/slide22.xml><?xml version="1.0" encoding="utf-8"?>
+<file path=ppt/slides/slide24.xml><?xml version="1.0" encoding="utf-8"?>
 <p:sld xmlns:a="http://schemas.openxmlformats.org/drawingml/2006/main" xmlns:r="http://schemas.openxmlformats.org/officeDocument/2006/relationships" xmlns:p="http://schemas.openxmlformats.org/presentationml/2006/main">
   <p:cSld>
     <p:spTree>
@@ -23658,7 +25113,7 @@
 </p:sld>
 </file>
 
-<file path=ppt/slides/slide23.xml><?xml version="1.0" encoding="utf-8"?>
+<file path=ppt/slides/slide25.xml><?xml version="1.0" encoding="utf-8"?>
 <p:sld xmlns:a="http://schemas.openxmlformats.org/drawingml/2006/main" xmlns:r="http://schemas.openxmlformats.org/officeDocument/2006/relationships" xmlns:p="http://schemas.openxmlformats.org/presentationml/2006/main">
   <p:cSld>
     <p:spTree>
@@ -25229,7 +26684,7 @@
 </p:sld>
 </file>
 
-<file path=ppt/slides/slide24.xml><?xml version="1.0" encoding="utf-8"?>
+<file path=ppt/slides/slide26.xml><?xml version="1.0" encoding="utf-8"?>
 <p:sld xmlns:a="http://schemas.openxmlformats.org/drawingml/2006/main" xmlns:r="http://schemas.openxmlformats.org/officeDocument/2006/relationships" xmlns:p="http://schemas.openxmlformats.org/presentationml/2006/main">
   <p:cSld>
     <p:spTree>
@@ -26743,7 +28198,7 @@
 </p:sld>
 </file>
 
-<file path=ppt/slides/slide25.xml><?xml version="1.0" encoding="utf-8"?>
+<file path=ppt/slides/slide27.xml><?xml version="1.0" encoding="utf-8"?>
 <p:sld xmlns:a="http://schemas.openxmlformats.org/drawingml/2006/main" xmlns:r="http://schemas.openxmlformats.org/officeDocument/2006/relationships" xmlns:p="http://schemas.openxmlformats.org/presentationml/2006/main">
   <p:cSld>
     <p:spTree>
@@ -28224,7 +29679,7 @@
 </p:sld>
 </file>
 
-<file path=ppt/slides/slide26.xml><?xml version="1.0" encoding="utf-8"?>
+<file path=ppt/slides/slide28.xml><?xml version="1.0" encoding="utf-8"?>
 <p:sld xmlns:a="http://schemas.openxmlformats.org/drawingml/2006/main" xmlns:r="http://schemas.openxmlformats.org/officeDocument/2006/relationships" xmlns:p="http://schemas.openxmlformats.org/presentationml/2006/main">
   <p:cSld>
     <p:spTree>
@@ -28440,7 +29895,31 @@
                 <a:latin typeface="Futura Medium" panose="020B0602020204020303" pitchFamily="34" charset="-79"/>
                 <a:cs typeface="Futura Medium" panose="020B0602020204020303" pitchFamily="34" charset="-79"/>
               </a:rPr>
-              <a:t>A </a:t>
+              <a:t>Solution </a:t>
+            </a:r>
+            <a:r>
+              <a:rPr lang="pl-PL" dirty="0" err="1">
+                <a:solidFill>
+                  <a:schemeClr val="bg2">
+                    <a:lumMod val="90000"/>
+                  </a:schemeClr>
+                </a:solidFill>
+                <a:latin typeface="Futura Medium" panose="020B0602020204020303" pitchFamily="34" charset="-79"/>
+                <a:cs typeface="Futura Medium" panose="020B0602020204020303" pitchFamily="34" charset="-79"/>
+              </a:rPr>
+              <a:t>approach</a:t>
+            </a:r>
+            <a:r>
+              <a:rPr lang="pl-PL" dirty="0">
+                <a:solidFill>
+                  <a:schemeClr val="bg2">
+                    <a:lumMod val="90000"/>
+                  </a:schemeClr>
+                </a:solidFill>
+                <a:latin typeface="Futura Medium" panose="020B0602020204020303" pitchFamily="34" charset="-79"/>
+                <a:cs typeface="Futura Medium" panose="020B0602020204020303" pitchFamily="34" charset="-79"/>
+              </a:rPr>
+              <a:t> and a </a:t>
             </a:r>
             <a:r>
               <a:rPr lang="pl-PL" dirty="0" err="1">
@@ -28652,7 +30131,7 @@
 </p:sld>
 </file>
 
-<file path=ppt/slides/slide27.xml><?xml version="1.0" encoding="utf-8"?>
+<file path=ppt/slides/slide29.xml><?xml version="1.0" encoding="utf-8"?>
 <p:sld xmlns:a="http://schemas.openxmlformats.org/drawingml/2006/main" xmlns:r="http://schemas.openxmlformats.org/officeDocument/2006/relationships" xmlns:p="http://schemas.openxmlformats.org/presentationml/2006/main">
   <p:cSld>
     <p:spTree>
@@ -32148,7 +33627,7 @@
 </p:sld>
 </file>
 
-<file path=ppt/slides/slide28.xml><?xml version="1.0" encoding="utf-8"?>
+<file path=ppt/slides/slide3.xml><?xml version="1.0" encoding="utf-8"?>
 <p:sld xmlns:a="http://schemas.openxmlformats.org/drawingml/2006/main" xmlns:r="http://schemas.openxmlformats.org/officeDocument/2006/relationships" xmlns:p="http://schemas.openxmlformats.org/presentationml/2006/main">
   <p:cSld>
     <p:spTree>
@@ -32237,6 +33716,82 @@
             <a:r>
               <a:rPr lang="pl-PL" dirty="0">
                 <a:solidFill>
+                  <a:schemeClr val="accent2"/>
+                </a:solidFill>
+                <a:latin typeface="Futura Medium" panose="020B0602020204020303" pitchFamily="34" charset="-79"/>
+                <a:cs typeface="Futura Medium" panose="020B0602020204020303" pitchFamily="34" charset="-79"/>
+              </a:rPr>
+              <a:t>Problem </a:t>
+            </a:r>
+            <a:r>
+              <a:rPr lang="pl-PL" dirty="0" err="1">
+                <a:solidFill>
+                  <a:schemeClr val="accent2"/>
+                </a:solidFill>
+                <a:latin typeface="Futura Medium" panose="020B0602020204020303" pitchFamily="34" charset="-79"/>
+                <a:cs typeface="Futura Medium" panose="020B0602020204020303" pitchFamily="34" charset="-79"/>
+              </a:rPr>
+              <a:t>overview</a:t>
+            </a:r>
+            <a:r>
+              <a:rPr lang="pl-PL" dirty="0">
+                <a:solidFill>
+                  <a:schemeClr val="accent2"/>
+                </a:solidFill>
+                <a:latin typeface="Futura Medium" panose="020B0602020204020303" pitchFamily="34" charset="-79"/>
+                <a:cs typeface="Futura Medium" panose="020B0602020204020303" pitchFamily="34" charset="-79"/>
+              </a:rPr>
+              <a:t> and </a:t>
+            </a:r>
+            <a:r>
+              <a:rPr lang="pl-PL" dirty="0" err="1">
+                <a:solidFill>
+                  <a:schemeClr val="accent2"/>
+                </a:solidFill>
+                <a:latin typeface="Futura Medium" panose="020B0602020204020303" pitchFamily="34" charset="-79"/>
+                <a:cs typeface="Futura Medium" panose="020B0602020204020303" pitchFamily="34" charset="-79"/>
+              </a:rPr>
+              <a:t>features</a:t>
+            </a:r>
+            <a:r>
+              <a:rPr lang="pl-PL" dirty="0">
+                <a:solidFill>
+                  <a:schemeClr val="accent2"/>
+                </a:solidFill>
+                <a:latin typeface="Futura Medium" panose="020B0602020204020303" pitchFamily="34" charset="-79"/>
+                <a:cs typeface="Futura Medium" panose="020B0602020204020303" pitchFamily="34" charset="-79"/>
+              </a:rPr>
+              <a:t> </a:t>
+            </a:r>
+            <a:r>
+              <a:rPr lang="pl-PL" dirty="0" err="1">
+                <a:solidFill>
+                  <a:schemeClr val="accent2"/>
+                </a:solidFill>
+                <a:latin typeface="Futura Medium" panose="020B0602020204020303" pitchFamily="34" charset="-79"/>
+                <a:cs typeface="Futura Medium" panose="020B0602020204020303" pitchFamily="34" charset="-79"/>
+              </a:rPr>
+              <a:t>transformation</a:t>
+            </a:r>
+            <a:endParaRPr lang="pl-PL" dirty="0">
+              <a:solidFill>
+                <a:schemeClr val="accent2"/>
+              </a:solidFill>
+              <a:latin typeface="Futura Medium" panose="020B0602020204020303" pitchFamily="34" charset="-79"/>
+              <a:cs typeface="Futura Medium" panose="020B0602020204020303" pitchFamily="34" charset="-79"/>
+            </a:endParaRPr>
+          </a:p>
+          <a:p>
+            <a:pPr marL="514350" indent="-514350">
+              <a:buClr>
+                <a:schemeClr val="accent2"/>
+              </a:buClr>
+              <a:buFont typeface="+mj-lt"/>
+              <a:buAutoNum type="arabicPeriod"/>
+            </a:pPr>
+            <a:r>
+              <a:rPr lang="pl-PL" dirty="0" err="1">
+                <a:solidFill>
                   <a:schemeClr val="bg2">
                     <a:lumMod val="90000"/>
                   </a:schemeClr>
@@ -32244,67 +33799,7 @@
                 <a:latin typeface="Futura Medium" panose="020B0602020204020303" pitchFamily="34" charset="-79"/>
                 <a:cs typeface="Futura Medium" panose="020B0602020204020303" pitchFamily="34" charset="-79"/>
               </a:rPr>
-              <a:t>Problem </a:t>
-            </a:r>
-            <a:r>
-              <a:rPr lang="pl-PL" dirty="0" err="1">
-                <a:solidFill>
-                  <a:schemeClr val="bg2">
-                    <a:lumMod val="90000"/>
-                  </a:schemeClr>
-                </a:solidFill>
-                <a:latin typeface="Futura Medium" panose="020B0602020204020303" pitchFamily="34" charset="-79"/>
-                <a:cs typeface="Futura Medium" panose="020B0602020204020303" pitchFamily="34" charset="-79"/>
-              </a:rPr>
-              <a:t>overview</a:t>
-            </a:r>
-            <a:r>
-              <a:rPr lang="pl-PL" dirty="0">
-                <a:solidFill>
-                  <a:schemeClr val="bg2">
-                    <a:lumMod val="90000"/>
-                  </a:schemeClr>
-                </a:solidFill>
-                <a:latin typeface="Futura Medium" panose="020B0602020204020303" pitchFamily="34" charset="-79"/>
-                <a:cs typeface="Futura Medium" panose="020B0602020204020303" pitchFamily="34" charset="-79"/>
-              </a:rPr>
-              <a:t> and </a:t>
-            </a:r>
-            <a:r>
-              <a:rPr lang="pl-PL" dirty="0" err="1">
-                <a:solidFill>
-                  <a:schemeClr val="bg2">
-                    <a:lumMod val="90000"/>
-                  </a:schemeClr>
-                </a:solidFill>
-                <a:latin typeface="Futura Medium" panose="020B0602020204020303" pitchFamily="34" charset="-79"/>
-                <a:cs typeface="Futura Medium" panose="020B0602020204020303" pitchFamily="34" charset="-79"/>
-              </a:rPr>
-              <a:t>features</a:t>
-            </a:r>
-            <a:r>
-              <a:rPr lang="pl-PL" dirty="0">
-                <a:solidFill>
-                  <a:schemeClr val="bg2">
-                    <a:lumMod val="90000"/>
-                  </a:schemeClr>
-                </a:solidFill>
-                <a:latin typeface="Futura Medium" panose="020B0602020204020303" pitchFamily="34" charset="-79"/>
-                <a:cs typeface="Futura Medium" panose="020B0602020204020303" pitchFamily="34" charset="-79"/>
-              </a:rPr>
-              <a:t> </a:t>
-            </a:r>
-            <a:r>
-              <a:rPr lang="pl-PL" dirty="0" err="1">
-                <a:solidFill>
-                  <a:schemeClr val="bg2">
-                    <a:lumMod val="90000"/>
-                  </a:schemeClr>
-                </a:solidFill>
-                <a:latin typeface="Futura Medium" panose="020B0602020204020303" pitchFamily="34" charset="-79"/>
-                <a:cs typeface="Futura Medium" panose="020B0602020204020303" pitchFamily="34" charset="-79"/>
-              </a:rPr>
-              <a:t>transformation</a:t>
+              <a:t>Insights</a:t>
             </a:r>
             <a:endParaRPr lang="pl-PL" dirty="0">
               <a:solidFill>
@@ -32325,7 +33820,7 @@
               <a:buAutoNum type="arabicPeriod"/>
             </a:pPr>
             <a:r>
-              <a:rPr lang="pl-PL" dirty="0" err="1">
+              <a:rPr lang="pl-PL" dirty="0">
                 <a:solidFill>
                   <a:schemeClr val="bg2">
                     <a:lumMod val="90000"/>
@@ -32334,7 +33829,91 @@
                 <a:latin typeface="Futura Medium" panose="020B0602020204020303" pitchFamily="34" charset="-79"/>
                 <a:cs typeface="Futura Medium" panose="020B0602020204020303" pitchFamily="34" charset="-79"/>
               </a:rPr>
-              <a:t>Insights</a:t>
+              <a:t>Solution </a:t>
+            </a:r>
+            <a:r>
+              <a:rPr lang="pl-PL" dirty="0" err="1">
+                <a:solidFill>
+                  <a:schemeClr val="bg2">
+                    <a:lumMod val="90000"/>
+                  </a:schemeClr>
+                </a:solidFill>
+                <a:latin typeface="Futura Medium" panose="020B0602020204020303" pitchFamily="34" charset="-79"/>
+                <a:cs typeface="Futura Medium" panose="020B0602020204020303" pitchFamily="34" charset="-79"/>
+              </a:rPr>
+              <a:t>approach</a:t>
+            </a:r>
+            <a:r>
+              <a:rPr lang="pl-PL" dirty="0">
+                <a:solidFill>
+                  <a:schemeClr val="bg2">
+                    <a:lumMod val="90000"/>
+                  </a:schemeClr>
+                </a:solidFill>
+                <a:latin typeface="Futura Medium" panose="020B0602020204020303" pitchFamily="34" charset="-79"/>
+                <a:cs typeface="Futura Medium" panose="020B0602020204020303" pitchFamily="34" charset="-79"/>
+              </a:rPr>
+              <a:t> and a </a:t>
+            </a:r>
+            <a:r>
+              <a:rPr lang="pl-PL" dirty="0" err="1">
+                <a:solidFill>
+                  <a:schemeClr val="bg2">
+                    <a:lumMod val="90000"/>
+                  </a:schemeClr>
+                </a:solidFill>
+                <a:latin typeface="Futura Medium" panose="020B0602020204020303" pitchFamily="34" charset="-79"/>
+                <a:cs typeface="Futura Medium" panose="020B0602020204020303" pitchFamily="34" charset="-79"/>
+              </a:rPr>
+              <a:t>little</a:t>
+            </a:r>
+            <a:r>
+              <a:rPr lang="pl-PL" dirty="0">
+                <a:solidFill>
+                  <a:schemeClr val="bg2">
+                    <a:lumMod val="90000"/>
+                  </a:schemeClr>
+                </a:solidFill>
+                <a:latin typeface="Futura Medium" panose="020B0602020204020303" pitchFamily="34" charset="-79"/>
+                <a:cs typeface="Futura Medium" panose="020B0602020204020303" pitchFamily="34" charset="-79"/>
+              </a:rPr>
+              <a:t> bit of </a:t>
+            </a:r>
+            <a:r>
+              <a:rPr lang="pl-PL" dirty="0" err="1">
+                <a:solidFill>
+                  <a:schemeClr val="bg2">
+                    <a:lumMod val="90000"/>
+                  </a:schemeClr>
+                </a:solidFill>
+                <a:latin typeface="Futura Medium" panose="020B0602020204020303" pitchFamily="34" charset="-79"/>
+                <a:cs typeface="Futura Medium" panose="020B0602020204020303" pitchFamily="34" charset="-79"/>
+              </a:rPr>
+              <a:t>technical</a:t>
+            </a:r>
+            <a:r>
+              <a:rPr lang="pl-PL" dirty="0">
+                <a:solidFill>
+                  <a:schemeClr val="bg2">
+                    <a:lumMod val="90000"/>
+                  </a:schemeClr>
+                </a:solidFill>
+                <a:latin typeface="Futura Medium" panose="020B0602020204020303" pitchFamily="34" charset="-79"/>
+                <a:cs typeface="Futura Medium" panose="020B0602020204020303" pitchFamily="34" charset="-79"/>
+              </a:rPr>
+              <a:t> </a:t>
+            </a:r>
+            <a:r>
+              <a:rPr lang="pl-PL" dirty="0" err="1">
+                <a:solidFill>
+                  <a:schemeClr val="bg2">
+                    <a:lumMod val="90000"/>
+                  </a:schemeClr>
+                </a:solidFill>
+                <a:latin typeface="Futura Medium" panose="020B0602020204020303" pitchFamily="34" charset="-79"/>
+                <a:cs typeface="Futura Medium" panose="020B0602020204020303" pitchFamily="34" charset="-79"/>
+              </a:rPr>
+              <a:t>details</a:t>
             </a:r>
             <a:endParaRPr lang="pl-PL" dirty="0">
               <a:solidFill>
@@ -32355,7 +33934,7 @@
               <a:buAutoNum type="arabicPeriod"/>
             </a:pPr>
             <a:r>
-              <a:rPr lang="pl-PL" dirty="0">
+              <a:rPr lang="pl-PL" dirty="0" err="1">
                 <a:solidFill>
                   <a:schemeClr val="bg2">
                     <a:lumMod val="90000"/>
@@ -32364,7 +33943,385 @@
                 <a:latin typeface="Futura Medium" panose="020B0602020204020303" pitchFamily="34" charset="-79"/>
                 <a:cs typeface="Futura Medium" panose="020B0602020204020303" pitchFamily="34" charset="-79"/>
               </a:rPr>
-              <a:t>A </a:t>
+              <a:t>What</a:t>
+            </a:r>
+            <a:r>
+              <a:rPr lang="pl-PL" dirty="0">
+                <a:solidFill>
+                  <a:schemeClr val="bg2">
+                    <a:lumMod val="90000"/>
+                  </a:schemeClr>
+                </a:solidFill>
+                <a:latin typeface="Futura Medium" panose="020B0602020204020303" pitchFamily="34" charset="-79"/>
+                <a:cs typeface="Futura Medium" panose="020B0602020204020303" pitchFamily="34" charset="-79"/>
+              </a:rPr>
+              <a:t> </a:t>
+            </a:r>
+            <a:r>
+              <a:rPr lang="pl-PL" dirty="0" err="1">
+                <a:solidFill>
+                  <a:schemeClr val="bg2">
+                    <a:lumMod val="90000"/>
+                  </a:schemeClr>
+                </a:solidFill>
+                <a:latin typeface="Futura Medium" panose="020B0602020204020303" pitchFamily="34" charset="-79"/>
+                <a:cs typeface="Futura Medium" panose="020B0602020204020303" pitchFamily="34" charset="-79"/>
+              </a:rPr>
+              <a:t>mostly</a:t>
+            </a:r>
+            <a:r>
+              <a:rPr lang="pl-PL" dirty="0">
+                <a:solidFill>
+                  <a:schemeClr val="bg2">
+                    <a:lumMod val="90000"/>
+                  </a:schemeClr>
+                </a:solidFill>
+                <a:latin typeface="Futura Medium" panose="020B0602020204020303" pitchFamily="34" charset="-79"/>
+                <a:cs typeface="Futura Medium" panose="020B0602020204020303" pitchFamily="34" charset="-79"/>
+              </a:rPr>
+              <a:t> </a:t>
+            </a:r>
+            <a:r>
+              <a:rPr lang="pl-PL" dirty="0" err="1">
+                <a:solidFill>
+                  <a:schemeClr val="bg2">
+                    <a:lumMod val="90000"/>
+                  </a:schemeClr>
+                </a:solidFill>
+                <a:latin typeface="Futura Medium" panose="020B0602020204020303" pitchFamily="34" charset="-79"/>
+                <a:cs typeface="Futura Medium" panose="020B0602020204020303" pitchFamily="34" charset="-79"/>
+              </a:rPr>
+              <a:t>impacted</a:t>
+            </a:r>
+            <a:r>
+              <a:rPr lang="pl-PL" dirty="0">
+                <a:solidFill>
+                  <a:schemeClr val="bg2">
+                    <a:lumMod val="90000"/>
+                  </a:schemeClr>
+                </a:solidFill>
+                <a:latin typeface="Futura Medium" panose="020B0602020204020303" pitchFamily="34" charset="-79"/>
+                <a:cs typeface="Futura Medium" panose="020B0602020204020303" pitchFamily="34" charset="-79"/>
+              </a:rPr>
+              <a:t> </a:t>
+            </a:r>
+            <a:r>
+              <a:rPr lang="pl-PL" dirty="0" err="1">
+                <a:solidFill>
+                  <a:schemeClr val="bg2">
+                    <a:lumMod val="90000"/>
+                  </a:schemeClr>
+                </a:solidFill>
+                <a:latin typeface="Futura Medium" panose="020B0602020204020303" pitchFamily="34" charset="-79"/>
+                <a:cs typeface="Futura Medium" panose="020B0602020204020303" pitchFamily="34" charset="-79"/>
+              </a:rPr>
+              <a:t>results</a:t>
+            </a:r>
+            <a:r>
+              <a:rPr lang="pl-PL" dirty="0">
+                <a:solidFill>
+                  <a:schemeClr val="bg2">
+                    <a:lumMod val="90000"/>
+                  </a:schemeClr>
+                </a:solidFill>
+                <a:latin typeface="Futura Medium" panose="020B0602020204020303" pitchFamily="34" charset="-79"/>
+                <a:cs typeface="Futura Medium" panose="020B0602020204020303" pitchFamily="34" charset="-79"/>
+              </a:rPr>
+              <a:t>?</a:t>
+            </a:r>
+          </a:p>
+          <a:p>
+            <a:pPr marL="514350" indent="-514350">
+              <a:buClr>
+                <a:schemeClr val="accent2"/>
+              </a:buClr>
+              <a:buFont typeface="+mj-lt"/>
+              <a:buAutoNum type="arabicPeriod"/>
+            </a:pPr>
+            <a:r>
+              <a:rPr lang="pl-PL" dirty="0" err="1">
+                <a:solidFill>
+                  <a:schemeClr val="bg2">
+                    <a:lumMod val="90000"/>
+                  </a:schemeClr>
+                </a:solidFill>
+                <a:latin typeface="Futura Medium" panose="020B0602020204020303" pitchFamily="34" charset="-79"/>
+                <a:cs typeface="Futura Medium" panose="020B0602020204020303" pitchFamily="34" charset="-79"/>
+              </a:rPr>
+              <a:t>Deliverables</a:t>
+            </a:r>
+            <a:endParaRPr lang="pl-PL" dirty="0">
+              <a:solidFill>
+                <a:schemeClr val="bg2">
+                  <a:lumMod val="90000"/>
+                </a:schemeClr>
+              </a:solidFill>
+              <a:latin typeface="Futura Medium" panose="020B0602020204020303" pitchFamily="34" charset="-79"/>
+              <a:cs typeface="Futura Medium" panose="020B0602020204020303" pitchFamily="34" charset="-79"/>
+            </a:endParaRPr>
+          </a:p>
+          <a:p>
+            <a:pPr marL="0" indent="0">
+              <a:buNone/>
+            </a:pPr>
+            <a:endParaRPr lang="pl-PL" dirty="0"/>
+          </a:p>
+        </p:txBody>
+      </p:sp>
+    </p:spTree>
+    <p:extLst>
+      <p:ext uri="{BB962C8B-B14F-4D97-AF65-F5344CB8AC3E}">
+        <p14:creationId xmlns:p14="http://schemas.microsoft.com/office/powerpoint/2010/main" val="4087740901"/>
+      </p:ext>
+    </p:extLst>
+  </p:cSld>
+  <p:clrMapOvr>
+    <a:masterClrMapping/>
+  </p:clrMapOvr>
+</p:sld>
+</file>
+
+<file path=ppt/slides/slide30.xml><?xml version="1.0" encoding="utf-8"?>
+<p:sld xmlns:a="http://schemas.openxmlformats.org/drawingml/2006/main" xmlns:r="http://schemas.openxmlformats.org/officeDocument/2006/relationships" xmlns:p="http://schemas.openxmlformats.org/presentationml/2006/main">
+  <p:cSld>
+    <p:spTree>
+      <p:nvGrpSpPr>
+        <p:cNvPr id="1" name=""/>
+        <p:cNvGrpSpPr/>
+        <p:nvPr/>
+      </p:nvGrpSpPr>
+      <p:grpSpPr>
+        <a:xfrm>
+          <a:off x="0" y="0"/>
+          <a:ext cx="0" cy="0"/>
+          <a:chOff x="0" y="0"/>
+          <a:chExt cx="0" cy="0"/>
+        </a:xfrm>
+      </p:grpSpPr>
+      <p:sp>
+        <p:nvSpPr>
+          <p:cNvPr id="2" name="Title 1">
+            <a:extLst>
+              <a:ext uri="{FF2B5EF4-FFF2-40B4-BE49-F238E27FC236}">
+                <a16:creationId xmlns:a16="http://schemas.microsoft.com/office/drawing/2014/main" id="{F47BF6D4-89AF-724D-982F-87CBD8F29B01}"/>
+              </a:ext>
+            </a:extLst>
+          </p:cNvPr>
+          <p:cNvSpPr>
+            <a:spLocks noGrp="1"/>
+          </p:cNvSpPr>
+          <p:nvPr>
+            <p:ph type="title"/>
+          </p:nvPr>
+        </p:nvSpPr>
+        <p:spPr/>
+        <p:txBody>
+          <a:bodyPr>
+            <a:normAutofit/>
+          </a:bodyPr>
+          <a:lstStyle/>
+          <a:p>
+            <a:pPr algn="ctr"/>
+            <a:r>
+              <a:rPr lang="pl-PL" sz="3200" dirty="0">
+                <a:solidFill>
+                  <a:schemeClr val="accent1">
+                    <a:lumMod val="75000"/>
+                  </a:schemeClr>
+                </a:solidFill>
+                <a:latin typeface="Futura Medium" panose="020B0602020204020303" pitchFamily="34" charset="-79"/>
+                <a:cs typeface="Futura Medium" panose="020B0602020204020303" pitchFamily="34" charset="-79"/>
+              </a:rPr>
+              <a:t>Agenda</a:t>
+            </a:r>
+          </a:p>
+        </p:txBody>
+      </p:sp>
+      <p:sp>
+        <p:nvSpPr>
+          <p:cNvPr id="3" name="Content Placeholder 2">
+            <a:extLst>
+              <a:ext uri="{FF2B5EF4-FFF2-40B4-BE49-F238E27FC236}">
+                <a16:creationId xmlns:a16="http://schemas.microsoft.com/office/drawing/2014/main" id="{37567E70-E983-FC41-9D5E-32F7CA0480D4}"/>
+              </a:ext>
+            </a:extLst>
+          </p:cNvPr>
+          <p:cNvSpPr>
+            <a:spLocks noGrp="1"/>
+          </p:cNvSpPr>
+          <p:nvPr>
+            <p:ph idx="1"/>
+          </p:nvPr>
+        </p:nvSpPr>
+        <p:spPr/>
+        <p:txBody>
+          <a:bodyPr>
+            <a:normAutofit/>
+          </a:bodyPr>
+          <a:lstStyle/>
+          <a:p>
+            <a:pPr marL="514350" indent="-514350">
+              <a:buClr>
+                <a:schemeClr val="accent2"/>
+              </a:buClr>
+              <a:buFont typeface="+mj-lt"/>
+              <a:buAutoNum type="arabicPeriod"/>
+            </a:pPr>
+            <a:r>
+              <a:rPr lang="pl-PL" dirty="0">
+                <a:solidFill>
+                  <a:schemeClr val="bg2">
+                    <a:lumMod val="90000"/>
+                  </a:schemeClr>
+                </a:solidFill>
+                <a:latin typeface="Futura Medium" panose="020B0602020204020303" pitchFamily="34" charset="-79"/>
+                <a:cs typeface="Futura Medium" panose="020B0602020204020303" pitchFamily="34" charset="-79"/>
+              </a:rPr>
+              <a:t>Problem </a:t>
+            </a:r>
+            <a:r>
+              <a:rPr lang="pl-PL" dirty="0" err="1">
+                <a:solidFill>
+                  <a:schemeClr val="bg2">
+                    <a:lumMod val="90000"/>
+                  </a:schemeClr>
+                </a:solidFill>
+                <a:latin typeface="Futura Medium" panose="020B0602020204020303" pitchFamily="34" charset="-79"/>
+                <a:cs typeface="Futura Medium" panose="020B0602020204020303" pitchFamily="34" charset="-79"/>
+              </a:rPr>
+              <a:t>overview</a:t>
+            </a:r>
+            <a:r>
+              <a:rPr lang="pl-PL" dirty="0">
+                <a:solidFill>
+                  <a:schemeClr val="bg2">
+                    <a:lumMod val="90000"/>
+                  </a:schemeClr>
+                </a:solidFill>
+                <a:latin typeface="Futura Medium" panose="020B0602020204020303" pitchFamily="34" charset="-79"/>
+                <a:cs typeface="Futura Medium" panose="020B0602020204020303" pitchFamily="34" charset="-79"/>
+              </a:rPr>
+              <a:t> and </a:t>
+            </a:r>
+            <a:r>
+              <a:rPr lang="pl-PL" dirty="0" err="1">
+                <a:solidFill>
+                  <a:schemeClr val="bg2">
+                    <a:lumMod val="90000"/>
+                  </a:schemeClr>
+                </a:solidFill>
+                <a:latin typeface="Futura Medium" panose="020B0602020204020303" pitchFamily="34" charset="-79"/>
+                <a:cs typeface="Futura Medium" panose="020B0602020204020303" pitchFamily="34" charset="-79"/>
+              </a:rPr>
+              <a:t>features</a:t>
+            </a:r>
+            <a:r>
+              <a:rPr lang="pl-PL" dirty="0">
+                <a:solidFill>
+                  <a:schemeClr val="bg2">
+                    <a:lumMod val="90000"/>
+                  </a:schemeClr>
+                </a:solidFill>
+                <a:latin typeface="Futura Medium" panose="020B0602020204020303" pitchFamily="34" charset="-79"/>
+                <a:cs typeface="Futura Medium" panose="020B0602020204020303" pitchFamily="34" charset="-79"/>
+              </a:rPr>
+              <a:t> </a:t>
+            </a:r>
+            <a:r>
+              <a:rPr lang="pl-PL" dirty="0" err="1">
+                <a:solidFill>
+                  <a:schemeClr val="bg2">
+                    <a:lumMod val="90000"/>
+                  </a:schemeClr>
+                </a:solidFill>
+                <a:latin typeface="Futura Medium" panose="020B0602020204020303" pitchFamily="34" charset="-79"/>
+                <a:cs typeface="Futura Medium" panose="020B0602020204020303" pitchFamily="34" charset="-79"/>
+              </a:rPr>
+              <a:t>transformation</a:t>
+            </a:r>
+            <a:endParaRPr lang="pl-PL" dirty="0">
+              <a:solidFill>
+                <a:schemeClr val="bg2">
+                  <a:lumMod val="90000"/>
+                </a:schemeClr>
+              </a:solidFill>
+              <a:latin typeface="Futura Medium" panose="020B0602020204020303" pitchFamily="34" charset="-79"/>
+              <a:cs typeface="Futura Medium" panose="020B0602020204020303" pitchFamily="34" charset="-79"/>
+            </a:endParaRPr>
+          </a:p>
+          <a:p>
+            <a:pPr marL="514350" indent="-514350">
+              <a:buClr>
+                <a:schemeClr val="accent2"/>
+              </a:buClr>
+              <a:buFont typeface="+mj-lt"/>
+              <a:buAutoNum type="arabicPeriod"/>
+            </a:pPr>
+            <a:r>
+              <a:rPr lang="pl-PL" dirty="0" err="1">
+                <a:solidFill>
+                  <a:schemeClr val="bg2">
+                    <a:lumMod val="90000"/>
+                  </a:schemeClr>
+                </a:solidFill>
+                <a:latin typeface="Futura Medium" panose="020B0602020204020303" pitchFamily="34" charset="-79"/>
+                <a:cs typeface="Futura Medium" panose="020B0602020204020303" pitchFamily="34" charset="-79"/>
+              </a:rPr>
+              <a:t>Insights</a:t>
+            </a:r>
+            <a:endParaRPr lang="pl-PL" dirty="0">
+              <a:solidFill>
+                <a:schemeClr val="bg2">
+                  <a:lumMod val="90000"/>
+                </a:schemeClr>
+              </a:solidFill>
+              <a:latin typeface="Futura Medium" panose="020B0602020204020303" pitchFamily="34" charset="-79"/>
+              <a:cs typeface="Futura Medium" panose="020B0602020204020303" pitchFamily="34" charset="-79"/>
+            </a:endParaRPr>
+          </a:p>
+          <a:p>
+            <a:pPr marL="514350" indent="-514350">
+              <a:buClr>
+                <a:schemeClr val="accent2"/>
+              </a:buClr>
+              <a:buFont typeface="+mj-lt"/>
+              <a:buAutoNum type="arabicPeriod"/>
+            </a:pPr>
+            <a:r>
+              <a:rPr lang="pl-PL" dirty="0">
+                <a:solidFill>
+                  <a:schemeClr val="bg2">
+                    <a:lumMod val="90000"/>
+                  </a:schemeClr>
+                </a:solidFill>
+                <a:latin typeface="Futura Medium" panose="020B0602020204020303" pitchFamily="34" charset="-79"/>
+                <a:cs typeface="Futura Medium" panose="020B0602020204020303" pitchFamily="34" charset="-79"/>
+              </a:rPr>
+              <a:t>Solution </a:t>
+            </a:r>
+            <a:r>
+              <a:rPr lang="pl-PL" dirty="0" err="1">
+                <a:solidFill>
+                  <a:schemeClr val="bg2">
+                    <a:lumMod val="90000"/>
+                  </a:schemeClr>
+                </a:solidFill>
+                <a:latin typeface="Futura Medium" panose="020B0602020204020303" pitchFamily="34" charset="-79"/>
+                <a:cs typeface="Futura Medium" panose="020B0602020204020303" pitchFamily="34" charset="-79"/>
+              </a:rPr>
+              <a:t>approach</a:t>
+            </a:r>
+            <a:r>
+              <a:rPr lang="pl-PL" dirty="0">
+                <a:solidFill>
+                  <a:schemeClr val="bg2">
+                    <a:lumMod val="90000"/>
+                  </a:schemeClr>
+                </a:solidFill>
+                <a:latin typeface="Futura Medium" panose="020B0602020204020303" pitchFamily="34" charset="-79"/>
+                <a:cs typeface="Futura Medium" panose="020B0602020204020303" pitchFamily="34" charset="-79"/>
+              </a:rPr>
+              <a:t> and a </a:t>
             </a:r>
             <a:r>
               <a:rPr lang="pl-PL" dirty="0" err="1">
@@ -32588,7 +34545,7 @@
 </p:sld>
 </file>
 
-<file path=ppt/slides/slide29.xml><?xml version="1.0" encoding="utf-8"?>
+<file path=ppt/slides/slide31.xml><?xml version="1.0" encoding="utf-8"?>
 <p:sld xmlns:a="http://schemas.openxmlformats.org/drawingml/2006/main" xmlns:r="http://schemas.openxmlformats.org/officeDocument/2006/relationships" xmlns:p="http://schemas.openxmlformats.org/presentationml/2006/main">
   <p:cSld>
     <p:spTree>
@@ -33080,436 +35037,6 @@
 </p:sld>
 </file>
 
-<file path=ppt/slides/slide3.xml><?xml version="1.0" encoding="utf-8"?>
-<p:sld xmlns:a="http://schemas.openxmlformats.org/drawingml/2006/main" xmlns:r="http://schemas.openxmlformats.org/officeDocument/2006/relationships" xmlns:p="http://schemas.openxmlformats.org/presentationml/2006/main">
-  <p:cSld>
-    <p:spTree>
-      <p:nvGrpSpPr>
-        <p:cNvPr id="1" name=""/>
-        <p:cNvGrpSpPr/>
-        <p:nvPr/>
-      </p:nvGrpSpPr>
-      <p:grpSpPr>
-        <a:xfrm>
-          <a:off x="0" y="0"/>
-          <a:ext cx="0" cy="0"/>
-          <a:chOff x="0" y="0"/>
-          <a:chExt cx="0" cy="0"/>
-        </a:xfrm>
-      </p:grpSpPr>
-      <p:sp>
-        <p:nvSpPr>
-          <p:cNvPr id="2" name="Title 1">
-            <a:extLst>
-              <a:ext uri="{FF2B5EF4-FFF2-40B4-BE49-F238E27FC236}">
-                <a16:creationId xmlns:a16="http://schemas.microsoft.com/office/drawing/2014/main" id="{F47BF6D4-89AF-724D-982F-87CBD8F29B01}"/>
-              </a:ext>
-            </a:extLst>
-          </p:cNvPr>
-          <p:cNvSpPr>
-            <a:spLocks noGrp="1"/>
-          </p:cNvSpPr>
-          <p:nvPr>
-            <p:ph type="title"/>
-          </p:nvPr>
-        </p:nvSpPr>
-        <p:spPr/>
-        <p:txBody>
-          <a:bodyPr>
-            <a:normAutofit/>
-          </a:bodyPr>
-          <a:lstStyle/>
-          <a:p>
-            <a:pPr algn="ctr"/>
-            <a:r>
-              <a:rPr lang="pl-PL" sz="3200" dirty="0">
-                <a:solidFill>
-                  <a:schemeClr val="accent1">
-                    <a:lumMod val="75000"/>
-                  </a:schemeClr>
-                </a:solidFill>
-                <a:latin typeface="Futura Medium" panose="020B0602020204020303" pitchFamily="34" charset="-79"/>
-                <a:cs typeface="Futura Medium" panose="020B0602020204020303" pitchFamily="34" charset="-79"/>
-              </a:rPr>
-              <a:t>Agenda</a:t>
-            </a:r>
-          </a:p>
-        </p:txBody>
-      </p:sp>
-      <p:sp>
-        <p:nvSpPr>
-          <p:cNvPr id="3" name="Content Placeholder 2">
-            <a:extLst>
-              <a:ext uri="{FF2B5EF4-FFF2-40B4-BE49-F238E27FC236}">
-                <a16:creationId xmlns:a16="http://schemas.microsoft.com/office/drawing/2014/main" id="{37567E70-E983-FC41-9D5E-32F7CA0480D4}"/>
-              </a:ext>
-            </a:extLst>
-          </p:cNvPr>
-          <p:cNvSpPr>
-            <a:spLocks noGrp="1"/>
-          </p:cNvSpPr>
-          <p:nvPr>
-            <p:ph idx="1"/>
-          </p:nvPr>
-        </p:nvSpPr>
-        <p:spPr/>
-        <p:txBody>
-          <a:bodyPr>
-            <a:normAutofit/>
-          </a:bodyPr>
-          <a:lstStyle/>
-          <a:p>
-            <a:pPr marL="514350" indent="-514350">
-              <a:buClr>
-                <a:schemeClr val="accent2"/>
-              </a:buClr>
-              <a:buFont typeface="+mj-lt"/>
-              <a:buAutoNum type="arabicPeriod"/>
-            </a:pPr>
-            <a:r>
-              <a:rPr lang="pl-PL" dirty="0">
-                <a:solidFill>
-                  <a:schemeClr val="accent2"/>
-                </a:solidFill>
-                <a:latin typeface="Futura Medium" panose="020B0602020204020303" pitchFamily="34" charset="-79"/>
-                <a:cs typeface="Futura Medium" panose="020B0602020204020303" pitchFamily="34" charset="-79"/>
-              </a:rPr>
-              <a:t>Problem </a:t>
-            </a:r>
-            <a:r>
-              <a:rPr lang="pl-PL" dirty="0" err="1">
-                <a:solidFill>
-                  <a:schemeClr val="accent2"/>
-                </a:solidFill>
-                <a:latin typeface="Futura Medium" panose="020B0602020204020303" pitchFamily="34" charset="-79"/>
-                <a:cs typeface="Futura Medium" panose="020B0602020204020303" pitchFamily="34" charset="-79"/>
-              </a:rPr>
-              <a:t>overview</a:t>
-            </a:r>
-            <a:r>
-              <a:rPr lang="pl-PL" dirty="0">
-                <a:solidFill>
-                  <a:schemeClr val="accent2"/>
-                </a:solidFill>
-                <a:latin typeface="Futura Medium" panose="020B0602020204020303" pitchFamily="34" charset="-79"/>
-                <a:cs typeface="Futura Medium" panose="020B0602020204020303" pitchFamily="34" charset="-79"/>
-              </a:rPr>
-              <a:t> and </a:t>
-            </a:r>
-            <a:r>
-              <a:rPr lang="pl-PL" dirty="0" err="1">
-                <a:solidFill>
-                  <a:schemeClr val="accent2"/>
-                </a:solidFill>
-                <a:latin typeface="Futura Medium" panose="020B0602020204020303" pitchFamily="34" charset="-79"/>
-                <a:cs typeface="Futura Medium" panose="020B0602020204020303" pitchFamily="34" charset="-79"/>
-              </a:rPr>
-              <a:t>features</a:t>
-            </a:r>
-            <a:r>
-              <a:rPr lang="pl-PL" dirty="0">
-                <a:solidFill>
-                  <a:schemeClr val="accent2"/>
-                </a:solidFill>
-                <a:latin typeface="Futura Medium" panose="020B0602020204020303" pitchFamily="34" charset="-79"/>
-                <a:cs typeface="Futura Medium" panose="020B0602020204020303" pitchFamily="34" charset="-79"/>
-              </a:rPr>
-              <a:t> </a:t>
-            </a:r>
-            <a:r>
-              <a:rPr lang="pl-PL" dirty="0" err="1">
-                <a:solidFill>
-                  <a:schemeClr val="accent2"/>
-                </a:solidFill>
-                <a:latin typeface="Futura Medium" panose="020B0602020204020303" pitchFamily="34" charset="-79"/>
-                <a:cs typeface="Futura Medium" panose="020B0602020204020303" pitchFamily="34" charset="-79"/>
-              </a:rPr>
-              <a:t>transformation</a:t>
-            </a:r>
-            <a:endParaRPr lang="pl-PL" dirty="0">
-              <a:solidFill>
-                <a:schemeClr val="accent2"/>
-              </a:solidFill>
-              <a:latin typeface="Futura Medium" panose="020B0602020204020303" pitchFamily="34" charset="-79"/>
-              <a:cs typeface="Futura Medium" panose="020B0602020204020303" pitchFamily="34" charset="-79"/>
-            </a:endParaRPr>
-          </a:p>
-          <a:p>
-            <a:pPr marL="514350" indent="-514350">
-              <a:buClr>
-                <a:schemeClr val="accent2"/>
-              </a:buClr>
-              <a:buFont typeface="+mj-lt"/>
-              <a:buAutoNum type="arabicPeriod"/>
-            </a:pPr>
-            <a:r>
-              <a:rPr lang="pl-PL" dirty="0" err="1">
-                <a:solidFill>
-                  <a:schemeClr val="bg2">
-                    <a:lumMod val="90000"/>
-                  </a:schemeClr>
-                </a:solidFill>
-                <a:latin typeface="Futura Medium" panose="020B0602020204020303" pitchFamily="34" charset="-79"/>
-                <a:cs typeface="Futura Medium" panose="020B0602020204020303" pitchFamily="34" charset="-79"/>
-              </a:rPr>
-              <a:t>Insights</a:t>
-            </a:r>
-            <a:endParaRPr lang="pl-PL" dirty="0">
-              <a:solidFill>
-                <a:schemeClr val="bg2">
-                  <a:lumMod val="90000"/>
-                </a:schemeClr>
-              </a:solidFill>
-              <a:latin typeface="Futura Medium" panose="020B0602020204020303" pitchFamily="34" charset="-79"/>
-              <a:cs typeface="Futura Medium" panose="020B0602020204020303" pitchFamily="34" charset="-79"/>
-            </a:endParaRPr>
-          </a:p>
-          <a:p>
-            <a:pPr marL="514350" indent="-514350">
-              <a:buClr>
-                <a:schemeClr val="accent2"/>
-              </a:buClr>
-              <a:buFont typeface="+mj-lt"/>
-              <a:buAutoNum type="arabicPeriod"/>
-            </a:pPr>
-            <a:r>
-              <a:rPr lang="pl-PL" dirty="0">
-                <a:solidFill>
-                  <a:schemeClr val="bg2">
-                    <a:lumMod val="90000"/>
-                  </a:schemeClr>
-                </a:solidFill>
-                <a:latin typeface="Futura Medium" panose="020B0602020204020303" pitchFamily="34" charset="-79"/>
-                <a:cs typeface="Futura Medium" panose="020B0602020204020303" pitchFamily="34" charset="-79"/>
-              </a:rPr>
-              <a:t>A </a:t>
-            </a:r>
-            <a:r>
-              <a:rPr lang="pl-PL" dirty="0" err="1">
-                <a:solidFill>
-                  <a:schemeClr val="bg2">
-                    <a:lumMod val="90000"/>
-                  </a:schemeClr>
-                </a:solidFill>
-                <a:latin typeface="Futura Medium" panose="020B0602020204020303" pitchFamily="34" charset="-79"/>
-                <a:cs typeface="Futura Medium" panose="020B0602020204020303" pitchFamily="34" charset="-79"/>
-              </a:rPr>
-              <a:t>little</a:t>
-            </a:r>
-            <a:r>
-              <a:rPr lang="pl-PL" dirty="0">
-                <a:solidFill>
-                  <a:schemeClr val="bg2">
-                    <a:lumMod val="90000"/>
-                  </a:schemeClr>
-                </a:solidFill>
-                <a:latin typeface="Futura Medium" panose="020B0602020204020303" pitchFamily="34" charset="-79"/>
-                <a:cs typeface="Futura Medium" panose="020B0602020204020303" pitchFamily="34" charset="-79"/>
-              </a:rPr>
-              <a:t> bit of </a:t>
-            </a:r>
-            <a:r>
-              <a:rPr lang="pl-PL" dirty="0" err="1">
-                <a:solidFill>
-                  <a:schemeClr val="bg2">
-                    <a:lumMod val="90000"/>
-                  </a:schemeClr>
-                </a:solidFill>
-                <a:latin typeface="Futura Medium" panose="020B0602020204020303" pitchFamily="34" charset="-79"/>
-                <a:cs typeface="Futura Medium" panose="020B0602020204020303" pitchFamily="34" charset="-79"/>
-              </a:rPr>
-              <a:t>technical</a:t>
-            </a:r>
-            <a:r>
-              <a:rPr lang="pl-PL" dirty="0">
-                <a:solidFill>
-                  <a:schemeClr val="bg2">
-                    <a:lumMod val="90000"/>
-                  </a:schemeClr>
-                </a:solidFill>
-                <a:latin typeface="Futura Medium" panose="020B0602020204020303" pitchFamily="34" charset="-79"/>
-                <a:cs typeface="Futura Medium" panose="020B0602020204020303" pitchFamily="34" charset="-79"/>
-              </a:rPr>
-              <a:t> </a:t>
-            </a:r>
-            <a:r>
-              <a:rPr lang="pl-PL" dirty="0" err="1">
-                <a:solidFill>
-                  <a:schemeClr val="bg2">
-                    <a:lumMod val="90000"/>
-                  </a:schemeClr>
-                </a:solidFill>
-                <a:latin typeface="Futura Medium" panose="020B0602020204020303" pitchFamily="34" charset="-79"/>
-                <a:cs typeface="Futura Medium" panose="020B0602020204020303" pitchFamily="34" charset="-79"/>
-              </a:rPr>
-              <a:t>details</a:t>
-            </a:r>
-            <a:endParaRPr lang="pl-PL" dirty="0">
-              <a:solidFill>
-                <a:schemeClr val="bg2">
-                  <a:lumMod val="90000"/>
-                </a:schemeClr>
-              </a:solidFill>
-              <a:latin typeface="Futura Medium" panose="020B0602020204020303" pitchFamily="34" charset="-79"/>
-              <a:cs typeface="Futura Medium" panose="020B0602020204020303" pitchFamily="34" charset="-79"/>
-            </a:endParaRPr>
-          </a:p>
-          <a:p>
-            <a:pPr marL="514350" indent="-514350">
-              <a:buClr>
-                <a:schemeClr val="accent2"/>
-              </a:buClr>
-              <a:buFont typeface="+mj-lt"/>
-              <a:buAutoNum type="arabicPeriod"/>
-            </a:pPr>
-            <a:r>
-              <a:rPr lang="pl-PL" dirty="0" err="1">
-                <a:solidFill>
-                  <a:schemeClr val="bg2">
-                    <a:lumMod val="90000"/>
-                  </a:schemeClr>
-                </a:solidFill>
-                <a:latin typeface="Futura Medium" panose="020B0602020204020303" pitchFamily="34" charset="-79"/>
-                <a:cs typeface="Futura Medium" panose="020B0602020204020303" pitchFamily="34" charset="-79"/>
-              </a:rPr>
-              <a:t>What</a:t>
-            </a:r>
-            <a:r>
-              <a:rPr lang="pl-PL" dirty="0">
-                <a:solidFill>
-                  <a:schemeClr val="bg2">
-                    <a:lumMod val="90000"/>
-                  </a:schemeClr>
-                </a:solidFill>
-                <a:latin typeface="Futura Medium" panose="020B0602020204020303" pitchFamily="34" charset="-79"/>
-                <a:cs typeface="Futura Medium" panose="020B0602020204020303" pitchFamily="34" charset="-79"/>
-              </a:rPr>
-              <a:t> </a:t>
-            </a:r>
-            <a:r>
-              <a:rPr lang="pl-PL" dirty="0" err="1">
-                <a:solidFill>
-                  <a:schemeClr val="bg2">
-                    <a:lumMod val="90000"/>
-                  </a:schemeClr>
-                </a:solidFill>
-                <a:latin typeface="Futura Medium" panose="020B0602020204020303" pitchFamily="34" charset="-79"/>
-                <a:cs typeface="Futura Medium" panose="020B0602020204020303" pitchFamily="34" charset="-79"/>
-              </a:rPr>
-              <a:t>mostly</a:t>
-            </a:r>
-            <a:r>
-              <a:rPr lang="pl-PL" dirty="0">
-                <a:solidFill>
-                  <a:schemeClr val="bg2">
-                    <a:lumMod val="90000"/>
-                  </a:schemeClr>
-                </a:solidFill>
-                <a:latin typeface="Futura Medium" panose="020B0602020204020303" pitchFamily="34" charset="-79"/>
-                <a:cs typeface="Futura Medium" panose="020B0602020204020303" pitchFamily="34" charset="-79"/>
-              </a:rPr>
-              <a:t> </a:t>
-            </a:r>
-            <a:r>
-              <a:rPr lang="pl-PL" dirty="0" err="1">
-                <a:solidFill>
-                  <a:schemeClr val="bg2">
-                    <a:lumMod val="90000"/>
-                  </a:schemeClr>
-                </a:solidFill>
-                <a:latin typeface="Futura Medium" panose="020B0602020204020303" pitchFamily="34" charset="-79"/>
-                <a:cs typeface="Futura Medium" panose="020B0602020204020303" pitchFamily="34" charset="-79"/>
-              </a:rPr>
-              <a:t>impacted</a:t>
-            </a:r>
-            <a:r>
-              <a:rPr lang="pl-PL" dirty="0">
-                <a:solidFill>
-                  <a:schemeClr val="bg2">
-                    <a:lumMod val="90000"/>
-                  </a:schemeClr>
-                </a:solidFill>
-                <a:latin typeface="Futura Medium" panose="020B0602020204020303" pitchFamily="34" charset="-79"/>
-                <a:cs typeface="Futura Medium" panose="020B0602020204020303" pitchFamily="34" charset="-79"/>
-              </a:rPr>
-              <a:t> </a:t>
-            </a:r>
-            <a:r>
-              <a:rPr lang="pl-PL" dirty="0" err="1">
-                <a:solidFill>
-                  <a:schemeClr val="bg2">
-                    <a:lumMod val="90000"/>
-                  </a:schemeClr>
-                </a:solidFill>
-                <a:latin typeface="Futura Medium" panose="020B0602020204020303" pitchFamily="34" charset="-79"/>
-                <a:cs typeface="Futura Medium" panose="020B0602020204020303" pitchFamily="34" charset="-79"/>
-              </a:rPr>
-              <a:t>results</a:t>
-            </a:r>
-            <a:r>
-              <a:rPr lang="pl-PL" dirty="0">
-                <a:solidFill>
-                  <a:schemeClr val="bg2">
-                    <a:lumMod val="90000"/>
-                  </a:schemeClr>
-                </a:solidFill>
-                <a:latin typeface="Futura Medium" panose="020B0602020204020303" pitchFamily="34" charset="-79"/>
-                <a:cs typeface="Futura Medium" panose="020B0602020204020303" pitchFamily="34" charset="-79"/>
-              </a:rPr>
-              <a:t>?</a:t>
-            </a:r>
-          </a:p>
-          <a:p>
-            <a:pPr marL="514350" indent="-514350">
-              <a:buClr>
-                <a:schemeClr val="accent2"/>
-              </a:buClr>
-              <a:buFont typeface="+mj-lt"/>
-              <a:buAutoNum type="arabicPeriod"/>
-            </a:pPr>
-            <a:r>
-              <a:rPr lang="pl-PL" dirty="0" err="1">
-                <a:solidFill>
-                  <a:schemeClr val="bg2">
-                    <a:lumMod val="90000"/>
-                  </a:schemeClr>
-                </a:solidFill>
-                <a:latin typeface="Futura Medium" panose="020B0602020204020303" pitchFamily="34" charset="-79"/>
-                <a:cs typeface="Futura Medium" panose="020B0602020204020303" pitchFamily="34" charset="-79"/>
-              </a:rPr>
-              <a:t>Deliverables</a:t>
-            </a:r>
-            <a:endParaRPr lang="pl-PL" dirty="0">
-              <a:solidFill>
-                <a:schemeClr val="bg2">
-                  <a:lumMod val="90000"/>
-                </a:schemeClr>
-              </a:solidFill>
-              <a:latin typeface="Futura Medium" panose="020B0602020204020303" pitchFamily="34" charset="-79"/>
-              <a:cs typeface="Futura Medium" panose="020B0602020204020303" pitchFamily="34" charset="-79"/>
-            </a:endParaRPr>
-          </a:p>
-          <a:p>
-            <a:pPr marL="0" indent="0">
-              <a:buNone/>
-            </a:pPr>
-            <a:endParaRPr lang="pl-PL" dirty="0"/>
-          </a:p>
-        </p:txBody>
-      </p:sp>
-    </p:spTree>
-    <p:extLst>
-      <p:ext uri="{BB962C8B-B14F-4D97-AF65-F5344CB8AC3E}">
-        <p14:creationId xmlns:p14="http://schemas.microsoft.com/office/powerpoint/2010/main" val="4087740901"/>
-      </p:ext>
-    </p:extLst>
-  </p:cSld>
-  <p:clrMapOvr>
-    <a:masterClrMapping/>
-  </p:clrMapOvr>
-</p:sld>
-</file>
-
 <file path=ppt/slides/slide4.xml><?xml version="1.0" encoding="utf-8"?>
 <p:sld xmlns:a="http://schemas.openxmlformats.org/drawingml/2006/main" xmlns:r="http://schemas.openxmlformats.org/officeDocument/2006/relationships" xmlns:p="http://schemas.openxmlformats.org/presentationml/2006/main">
   <p:cSld>
@@ -33648,7 +35175,7 @@
                 <a:latin typeface="Futura Medium" panose="020B0602020204020303" pitchFamily="34" charset="-79"/>
                 <a:cs typeface="Futura Medium" panose="020B0602020204020303" pitchFamily="34" charset="-79"/>
               </a:rPr>
-              <a:t>My goal is to help you with current offer by providing list of customers who will accept new offer and also give you arguments to discuss with senior </a:t>
+              <a:t>My goal is to help you by providing a list of customers who will accept this new offer and also give you arguments to discuss with senior </a:t>
             </a:r>
             <a:r>
               <a:rPr lang="en" sz="1800" dirty="0" err="1">
@@ -33973,6 +35500,18 @@
               </a:rPr>
               <a:t>offers</a:t>
             </a:r>
+            <a:endParaRPr lang="pl-PL" sz="1800" dirty="0">
+              <a:solidFill>
+                <a:schemeClr val="tx1">
+                  <a:lumMod val="50000"/>
+                  <a:lumOff val="50000"/>
+                </a:schemeClr>
+              </a:solidFill>
+              <a:latin typeface="Futura Medium" panose="020B0602020204020303" pitchFamily="34" charset="-79"/>
+              <a:cs typeface="Futura Medium" panose="020B0602020204020303" pitchFamily="34" charset="-79"/>
+            </a:endParaRPr>
+          </a:p>
+          <a:p>
             <a:endParaRPr lang="pl-PL" sz="1800" dirty="0">
               <a:solidFill>
                 <a:schemeClr val="tx1">
@@ -37246,7 +38785,31 @@
                 <a:latin typeface="Futura Medium" panose="020B0602020204020303" pitchFamily="34" charset="-79"/>
                 <a:cs typeface="Futura Medium" panose="020B0602020204020303" pitchFamily="34" charset="-79"/>
               </a:rPr>
-              <a:t>A </a:t>
+              <a:t>Solution </a:t>
+            </a:r>
+            <a:r>
+              <a:rPr lang="pl-PL" dirty="0" err="1">
+                <a:solidFill>
+                  <a:schemeClr val="bg2">
+                    <a:lumMod val="90000"/>
+                  </a:schemeClr>
+                </a:solidFill>
+                <a:latin typeface="Futura Medium" panose="020B0602020204020303" pitchFamily="34" charset="-79"/>
+                <a:cs typeface="Futura Medium" panose="020B0602020204020303" pitchFamily="34" charset="-79"/>
+              </a:rPr>
+              <a:t>approach</a:t>
+            </a:r>
+            <a:r>
+              <a:rPr lang="pl-PL" dirty="0">
+                <a:solidFill>
+                  <a:schemeClr val="bg2">
+                    <a:lumMod val="90000"/>
+                  </a:schemeClr>
+                </a:solidFill>
+                <a:latin typeface="Futura Medium" panose="020B0602020204020303" pitchFamily="34" charset="-79"/>
+                <a:cs typeface="Futura Medium" panose="020B0602020204020303" pitchFamily="34" charset="-79"/>
+              </a:rPr>
+              <a:t> and a </a:t>
             </a:r>
             <a:r>
               <a:rPr lang="pl-PL" dirty="0" err="1">
@@ -38855,6 +40418,1144 @@
             <p:ph idx="1"/>
             <p:extLst>
               <p:ext uri="{D42A27DB-BD31-4B8C-83A1-F6EECF244321}">
+                <p14:modId xmlns:p14="http://schemas.microsoft.com/office/powerpoint/2010/main" val="2763895100"/>
+              </p:ext>
+            </p:extLst>
+          </p:nvPr>
+        </p:nvGraphicFramePr>
+        <p:xfrm>
+          <a:off x="838200" y="2552134"/>
+          <a:ext cx="10515600" cy="2695212"/>
+        </p:xfrm>
+        <a:graphic>
+          <a:graphicData uri="http://schemas.openxmlformats.org/drawingml/2006/table">
+            <a:tbl>
+              <a:tblPr firstRow="1" bandRow="1">
+                <a:tableStyleId>{5940675A-B579-460E-94D1-54222C63F5DA}</a:tableStyleId>
+              </a:tblPr>
+              <a:tblGrid>
+                <a:gridCol w="3505200">
+                  <a:extLst>
+                    <a:ext uri="{9D8B030D-6E8A-4147-A177-3AD203B41FA5}">
+                      <a16:colId xmlns:a16="http://schemas.microsoft.com/office/drawing/2014/main" val="1475013161"/>
+                    </a:ext>
+                  </a:extLst>
+                </a:gridCol>
+                <a:gridCol w="3505200">
+                  <a:extLst>
+                    <a:ext uri="{9D8B030D-6E8A-4147-A177-3AD203B41FA5}">
+                      <a16:colId xmlns:a16="http://schemas.microsoft.com/office/drawing/2014/main" val="1371609205"/>
+                    </a:ext>
+                  </a:extLst>
+                </a:gridCol>
+                <a:gridCol w="3505200">
+                  <a:extLst>
+                    <a:ext uri="{9D8B030D-6E8A-4147-A177-3AD203B41FA5}">
+                      <a16:colId xmlns:a16="http://schemas.microsoft.com/office/drawing/2014/main" val="938024875"/>
+                    </a:ext>
+                  </a:extLst>
+                </a:gridCol>
+              </a:tblGrid>
+              <a:tr h="890406">
+                <a:tc>
+                  <a:txBody>
+                    <a:bodyPr/>
+                    <a:lstStyle/>
+                    <a:p>
+                      <a:endParaRPr lang="pl-PL" dirty="0"/>
+                    </a:p>
+                  </a:txBody>
+                  <a:tcPr>
+                    <a:lnL w="6350" cap="flat" cmpd="sng" algn="ctr">
+                      <a:solidFill>
+                        <a:schemeClr val="tx2">
+                          <a:lumMod val="40000"/>
+                          <a:lumOff val="60000"/>
+                        </a:schemeClr>
+                      </a:solidFill>
+                      <a:prstDash val="solid"/>
+                      <a:round/>
+                      <a:headEnd type="none" w="med" len="med"/>
+                      <a:tailEnd type="none" w="med" len="med"/>
+                    </a:lnL>
+                    <a:lnR w="6350" cap="flat" cmpd="sng" algn="ctr">
+                      <a:solidFill>
+                        <a:schemeClr val="tx2">
+                          <a:lumMod val="40000"/>
+                          <a:lumOff val="60000"/>
+                        </a:schemeClr>
+                      </a:solidFill>
+                      <a:prstDash val="solid"/>
+                      <a:round/>
+                      <a:headEnd type="none" w="med" len="med"/>
+                      <a:tailEnd type="none" w="med" len="med"/>
+                    </a:lnR>
+                    <a:lnT w="6350" cap="flat" cmpd="sng" algn="ctr">
+                      <a:solidFill>
+                        <a:schemeClr val="tx2">
+                          <a:lumMod val="40000"/>
+                          <a:lumOff val="60000"/>
+                        </a:schemeClr>
+                      </a:solidFill>
+                      <a:prstDash val="solid"/>
+                      <a:round/>
+                      <a:headEnd type="none" w="med" len="med"/>
+                      <a:tailEnd type="none" w="med" len="med"/>
+                    </a:lnT>
+                    <a:lnB w="6350" cap="flat" cmpd="sng" algn="ctr">
+                      <a:solidFill>
+                        <a:schemeClr val="tx2">
+                          <a:lumMod val="40000"/>
+                          <a:lumOff val="60000"/>
+                        </a:schemeClr>
+                      </a:solidFill>
+                      <a:prstDash val="solid"/>
+                      <a:round/>
+                      <a:headEnd type="none" w="med" len="med"/>
+                      <a:tailEnd type="none" w="med" len="med"/>
+                    </a:lnB>
+                  </a:tcPr>
+                </a:tc>
+                <a:tc>
+                  <a:txBody>
+                    <a:bodyPr/>
+                    <a:lstStyle/>
+                    <a:p>
+                      <a:pPr algn="ctr"/>
+                      <a:r>
+                        <a:rPr lang="pl-PL" dirty="0">
+                          <a:solidFill>
+                            <a:srgbClr val="FF0000"/>
+                          </a:solidFill>
+                          <a:latin typeface="Futura Medium" panose="020B0602020204020303" pitchFamily="34" charset="-79"/>
+                          <a:cs typeface="Futura Medium" panose="020B0602020204020303" pitchFamily="34" charset="-79"/>
+                        </a:rPr>
+                        <a:t>Men</a:t>
+                      </a:r>
+                    </a:p>
+                  </a:txBody>
+                  <a:tcPr>
+                    <a:lnL w="6350" cap="flat" cmpd="sng" algn="ctr">
+                      <a:solidFill>
+                        <a:schemeClr val="tx2">
+                          <a:lumMod val="40000"/>
+                          <a:lumOff val="60000"/>
+                        </a:schemeClr>
+                      </a:solidFill>
+                      <a:prstDash val="solid"/>
+                      <a:round/>
+                      <a:headEnd type="none" w="med" len="med"/>
+                      <a:tailEnd type="none" w="med" len="med"/>
+                    </a:lnL>
+                    <a:lnR w="6350" cap="flat" cmpd="sng" algn="ctr">
+                      <a:solidFill>
+                        <a:schemeClr val="tx2">
+                          <a:lumMod val="40000"/>
+                          <a:lumOff val="60000"/>
+                        </a:schemeClr>
+                      </a:solidFill>
+                      <a:prstDash val="solid"/>
+                      <a:round/>
+                      <a:headEnd type="none" w="med" len="med"/>
+                      <a:tailEnd type="none" w="med" len="med"/>
+                    </a:lnR>
+                    <a:lnT w="6350" cap="flat" cmpd="sng" algn="ctr">
+                      <a:solidFill>
+                        <a:schemeClr val="tx2">
+                          <a:lumMod val="40000"/>
+                          <a:lumOff val="60000"/>
+                        </a:schemeClr>
+                      </a:solidFill>
+                      <a:prstDash val="solid"/>
+                      <a:round/>
+                      <a:headEnd type="none" w="med" len="med"/>
+                      <a:tailEnd type="none" w="med" len="med"/>
+                    </a:lnT>
+                    <a:lnB w="6350" cap="flat" cmpd="sng" algn="ctr">
+                      <a:solidFill>
+                        <a:schemeClr val="tx2">
+                          <a:lumMod val="40000"/>
+                          <a:lumOff val="60000"/>
+                        </a:schemeClr>
+                      </a:solidFill>
+                      <a:prstDash val="solid"/>
+                      <a:round/>
+                      <a:headEnd type="none" w="med" len="med"/>
+                      <a:tailEnd type="none" w="med" len="med"/>
+                    </a:lnB>
+                  </a:tcPr>
+                </a:tc>
+                <a:tc>
+                  <a:txBody>
+                    <a:bodyPr/>
+                    <a:lstStyle/>
+                    <a:p>
+                      <a:pPr algn="ctr"/>
+                      <a:r>
+                        <a:rPr lang="pl-PL" dirty="0" err="1">
+                          <a:solidFill>
+                            <a:schemeClr val="bg2">
+                              <a:lumMod val="90000"/>
+                            </a:schemeClr>
+                          </a:solidFill>
+                          <a:latin typeface="Futura Medium" panose="020B0602020204020303" pitchFamily="34" charset="-79"/>
+                          <a:cs typeface="Futura Medium" panose="020B0602020204020303" pitchFamily="34" charset="-79"/>
+                        </a:rPr>
+                        <a:t>Women</a:t>
+                      </a:r>
+                      <a:endParaRPr lang="pl-PL" dirty="0">
+                        <a:solidFill>
+                          <a:schemeClr val="bg2">
+                            <a:lumMod val="90000"/>
+                          </a:schemeClr>
+                        </a:solidFill>
+                        <a:latin typeface="Futura Medium" panose="020B0602020204020303" pitchFamily="34" charset="-79"/>
+                        <a:cs typeface="Futura Medium" panose="020B0602020204020303" pitchFamily="34" charset="-79"/>
+                      </a:endParaRPr>
+                    </a:p>
+                  </a:txBody>
+                  <a:tcPr>
+                    <a:lnL w="6350" cap="flat" cmpd="sng" algn="ctr">
+                      <a:solidFill>
+                        <a:schemeClr val="tx2">
+                          <a:lumMod val="40000"/>
+                          <a:lumOff val="60000"/>
+                        </a:schemeClr>
+                      </a:solidFill>
+                      <a:prstDash val="solid"/>
+                      <a:round/>
+                      <a:headEnd type="none" w="med" len="med"/>
+                      <a:tailEnd type="none" w="med" len="med"/>
+                    </a:lnL>
+                    <a:lnR w="6350" cap="flat" cmpd="sng" algn="ctr">
+                      <a:solidFill>
+                        <a:schemeClr val="tx2">
+                          <a:lumMod val="40000"/>
+                          <a:lumOff val="60000"/>
+                        </a:schemeClr>
+                      </a:solidFill>
+                      <a:prstDash val="solid"/>
+                      <a:round/>
+                      <a:headEnd type="none" w="med" len="med"/>
+                      <a:tailEnd type="none" w="med" len="med"/>
+                    </a:lnR>
+                    <a:lnT w="6350" cap="flat" cmpd="sng" algn="ctr">
+                      <a:solidFill>
+                        <a:schemeClr val="tx2">
+                          <a:lumMod val="40000"/>
+                          <a:lumOff val="60000"/>
+                        </a:schemeClr>
+                      </a:solidFill>
+                      <a:prstDash val="solid"/>
+                      <a:round/>
+                      <a:headEnd type="none" w="med" len="med"/>
+                      <a:tailEnd type="none" w="med" len="med"/>
+                    </a:lnT>
+                    <a:lnB w="6350" cap="flat" cmpd="sng" algn="ctr">
+                      <a:solidFill>
+                        <a:schemeClr val="tx2">
+                          <a:lumMod val="40000"/>
+                          <a:lumOff val="60000"/>
+                        </a:schemeClr>
+                      </a:solidFill>
+                      <a:prstDash val="solid"/>
+                      <a:round/>
+                      <a:headEnd type="none" w="med" len="med"/>
+                      <a:tailEnd type="none" w="med" len="med"/>
+                    </a:lnB>
+                  </a:tcPr>
+                </a:tc>
+                <a:extLst>
+                  <a:ext uri="{0D108BD9-81ED-4DB2-BD59-A6C34878D82A}">
+                    <a16:rowId xmlns:a16="http://schemas.microsoft.com/office/drawing/2014/main" val="3105084832"/>
+                  </a:ext>
+                </a:extLst>
+              </a:tr>
+              <a:tr h="890406">
+                <a:tc>
+                  <a:txBody>
+                    <a:bodyPr/>
+                    <a:lstStyle/>
+                    <a:p>
+                      <a:pPr algn="ctr"/>
+                      <a:r>
+                        <a:rPr lang="pl-PL" dirty="0">
+                          <a:solidFill>
+                            <a:srgbClr val="FF0000"/>
+                          </a:solidFill>
+                          <a:latin typeface="Futura Medium" panose="020B0602020204020303" pitchFamily="34" charset="-79"/>
+                          <a:cs typeface="Futura Medium" panose="020B0602020204020303" pitchFamily="34" charset="-79"/>
+                        </a:rPr>
+                        <a:t>Ratio of </a:t>
+                      </a:r>
+                      <a:r>
+                        <a:rPr lang="pl-PL" dirty="0" err="1">
+                          <a:solidFill>
+                            <a:srgbClr val="FF0000"/>
+                          </a:solidFill>
+                          <a:latin typeface="Futura Medium" panose="020B0602020204020303" pitchFamily="34" charset="-79"/>
+                          <a:cs typeface="Futura Medium" panose="020B0602020204020303" pitchFamily="34" charset="-79"/>
+                        </a:rPr>
+                        <a:t>consumers</a:t>
+                      </a:r>
+                      <a:r>
+                        <a:rPr lang="pl-PL" dirty="0">
+                          <a:solidFill>
+                            <a:srgbClr val="FF0000"/>
+                          </a:solidFill>
+                          <a:latin typeface="Futura Medium" panose="020B0602020204020303" pitchFamily="34" charset="-79"/>
+                          <a:cs typeface="Futura Medium" panose="020B0602020204020303" pitchFamily="34" charset="-79"/>
+                        </a:rPr>
+                        <a:t> </a:t>
+                      </a:r>
+                      <a:r>
+                        <a:rPr lang="pl-PL" dirty="0" err="1">
+                          <a:solidFill>
+                            <a:srgbClr val="FF0000"/>
+                          </a:solidFill>
+                          <a:latin typeface="Futura Medium" panose="020B0602020204020303" pitchFamily="34" charset="-79"/>
+                          <a:cs typeface="Futura Medium" panose="020B0602020204020303" pitchFamily="34" charset="-79"/>
+                        </a:rPr>
+                        <a:t>accepting</a:t>
+                      </a:r>
+                      <a:endParaRPr lang="pl-PL" dirty="0">
+                        <a:solidFill>
+                          <a:srgbClr val="FF0000"/>
+                        </a:solidFill>
+                        <a:latin typeface="Futura Medium" panose="020B0602020204020303" pitchFamily="34" charset="-79"/>
+                        <a:cs typeface="Futura Medium" panose="020B0602020204020303" pitchFamily="34" charset="-79"/>
+                      </a:endParaRPr>
+                    </a:p>
+                    <a:p>
+                      <a:pPr algn="ctr"/>
+                      <a:r>
+                        <a:rPr lang="pl-PL" dirty="0" err="1">
+                          <a:solidFill>
+                            <a:srgbClr val="FF0000"/>
+                          </a:solidFill>
+                          <a:latin typeface="Futura Medium" panose="020B0602020204020303" pitchFamily="34" charset="-79"/>
+                          <a:cs typeface="Futura Medium" panose="020B0602020204020303" pitchFamily="34" charset="-79"/>
+                        </a:rPr>
+                        <a:t>our</a:t>
+                      </a:r>
+                      <a:r>
+                        <a:rPr lang="pl-PL" dirty="0">
+                          <a:solidFill>
+                            <a:srgbClr val="FF0000"/>
+                          </a:solidFill>
+                          <a:latin typeface="Futura Medium" panose="020B0602020204020303" pitchFamily="34" charset="-79"/>
+                          <a:cs typeface="Futura Medium" panose="020B0602020204020303" pitchFamily="34" charset="-79"/>
+                        </a:rPr>
+                        <a:t> </a:t>
+                      </a:r>
+                      <a:r>
+                        <a:rPr lang="pl-PL" dirty="0" err="1">
+                          <a:solidFill>
+                            <a:srgbClr val="FF0000"/>
+                          </a:solidFill>
+                          <a:latin typeface="Futura Medium" panose="020B0602020204020303" pitchFamily="34" charset="-79"/>
+                          <a:cs typeface="Futura Medium" panose="020B0602020204020303" pitchFamily="34" charset="-79"/>
+                        </a:rPr>
+                        <a:t>offers</a:t>
+                      </a:r>
+                      <a:endParaRPr lang="pl-PL" dirty="0">
+                        <a:solidFill>
+                          <a:srgbClr val="FF0000"/>
+                        </a:solidFill>
+                        <a:latin typeface="Futura Medium" panose="020B0602020204020303" pitchFamily="34" charset="-79"/>
+                        <a:cs typeface="Futura Medium" panose="020B0602020204020303" pitchFamily="34" charset="-79"/>
+                      </a:endParaRPr>
+                    </a:p>
+                    <a:p>
+                      <a:pPr algn="ctr"/>
+                      <a:r>
+                        <a:rPr lang="pl-PL" dirty="0">
+                          <a:solidFill>
+                            <a:schemeClr val="bg2">
+                              <a:lumMod val="90000"/>
+                            </a:schemeClr>
+                          </a:solidFill>
+                          <a:latin typeface="Futura Medium" panose="020B0602020204020303" pitchFamily="34" charset="-79"/>
+                          <a:cs typeface="Futura Medium" panose="020B0602020204020303" pitchFamily="34" charset="-79"/>
+                        </a:rPr>
+                        <a:t>(do not sum to 100%)</a:t>
+                      </a:r>
+                    </a:p>
+                  </a:txBody>
+                  <a:tcPr>
+                    <a:lnL w="6350" cap="flat" cmpd="sng" algn="ctr">
+                      <a:solidFill>
+                        <a:schemeClr val="tx2">
+                          <a:lumMod val="40000"/>
+                          <a:lumOff val="60000"/>
+                        </a:schemeClr>
+                      </a:solidFill>
+                      <a:prstDash val="solid"/>
+                      <a:round/>
+                      <a:headEnd type="none" w="med" len="med"/>
+                      <a:tailEnd type="none" w="med" len="med"/>
+                    </a:lnL>
+                    <a:lnR w="6350" cap="flat" cmpd="sng" algn="ctr">
+                      <a:solidFill>
+                        <a:schemeClr val="tx2">
+                          <a:lumMod val="40000"/>
+                          <a:lumOff val="60000"/>
+                        </a:schemeClr>
+                      </a:solidFill>
+                      <a:prstDash val="solid"/>
+                      <a:round/>
+                      <a:headEnd type="none" w="med" len="med"/>
+                      <a:tailEnd type="none" w="med" len="med"/>
+                    </a:lnR>
+                    <a:lnT w="6350" cap="flat" cmpd="sng" algn="ctr">
+                      <a:solidFill>
+                        <a:schemeClr val="tx2">
+                          <a:lumMod val="40000"/>
+                          <a:lumOff val="60000"/>
+                        </a:schemeClr>
+                      </a:solidFill>
+                      <a:prstDash val="solid"/>
+                      <a:round/>
+                      <a:headEnd type="none" w="med" len="med"/>
+                      <a:tailEnd type="none" w="med" len="med"/>
+                    </a:lnT>
+                    <a:lnB w="6350" cap="flat" cmpd="sng" algn="ctr">
+                      <a:solidFill>
+                        <a:schemeClr val="tx2">
+                          <a:lumMod val="40000"/>
+                          <a:lumOff val="60000"/>
+                        </a:schemeClr>
+                      </a:solidFill>
+                      <a:prstDash val="solid"/>
+                      <a:round/>
+                      <a:headEnd type="none" w="med" len="med"/>
+                      <a:tailEnd type="none" w="med" len="med"/>
+                    </a:lnB>
+                  </a:tcPr>
+                </a:tc>
+                <a:tc>
+                  <a:txBody>
+                    <a:bodyPr/>
+                    <a:lstStyle/>
+                    <a:p>
+                      <a:pPr algn="ctr"/>
+                      <a:r>
+                        <a:rPr lang="pl-PL" sz="4000" dirty="0">
+                          <a:solidFill>
+                            <a:srgbClr val="FF0000"/>
+                          </a:solidFill>
+                          <a:latin typeface="Futura Medium" panose="020B0602020204020303" pitchFamily="34" charset="-79"/>
+                          <a:cs typeface="Futura Medium" panose="020B0602020204020303" pitchFamily="34" charset="-79"/>
+                        </a:rPr>
+                        <a:t>19%</a:t>
+                      </a:r>
+                    </a:p>
+                  </a:txBody>
+                  <a:tcPr>
+                    <a:lnL w="6350" cap="flat" cmpd="sng" algn="ctr">
+                      <a:solidFill>
+                        <a:schemeClr val="tx2">
+                          <a:lumMod val="40000"/>
+                          <a:lumOff val="60000"/>
+                        </a:schemeClr>
+                      </a:solidFill>
+                      <a:prstDash val="solid"/>
+                      <a:round/>
+                      <a:headEnd type="none" w="med" len="med"/>
+                      <a:tailEnd type="none" w="med" len="med"/>
+                    </a:lnL>
+                    <a:lnR w="6350" cap="flat" cmpd="sng" algn="ctr">
+                      <a:solidFill>
+                        <a:schemeClr val="tx2">
+                          <a:lumMod val="40000"/>
+                          <a:lumOff val="60000"/>
+                        </a:schemeClr>
+                      </a:solidFill>
+                      <a:prstDash val="solid"/>
+                      <a:round/>
+                      <a:headEnd type="none" w="med" len="med"/>
+                      <a:tailEnd type="none" w="med" len="med"/>
+                    </a:lnR>
+                    <a:lnT w="6350" cap="flat" cmpd="sng" algn="ctr">
+                      <a:solidFill>
+                        <a:schemeClr val="tx2">
+                          <a:lumMod val="40000"/>
+                          <a:lumOff val="60000"/>
+                        </a:schemeClr>
+                      </a:solidFill>
+                      <a:prstDash val="solid"/>
+                      <a:round/>
+                      <a:headEnd type="none" w="med" len="med"/>
+                      <a:tailEnd type="none" w="med" len="med"/>
+                    </a:lnT>
+                    <a:lnB w="6350" cap="flat" cmpd="sng" algn="ctr">
+                      <a:solidFill>
+                        <a:schemeClr val="tx2">
+                          <a:lumMod val="40000"/>
+                          <a:lumOff val="60000"/>
+                        </a:schemeClr>
+                      </a:solidFill>
+                      <a:prstDash val="solid"/>
+                      <a:round/>
+                      <a:headEnd type="none" w="med" len="med"/>
+                      <a:tailEnd type="none" w="med" len="med"/>
+                    </a:lnB>
+                  </a:tcPr>
+                </a:tc>
+                <a:tc>
+                  <a:txBody>
+                    <a:bodyPr/>
+                    <a:lstStyle/>
+                    <a:p>
+                      <a:pPr marL="0" marR="0" lvl="0" indent="0" algn="ctr" defTabSz="914400" rtl="0" eaLnBrk="1" fontAlgn="auto" latinLnBrk="0" hangingPunct="1">
+                        <a:lnSpc>
+                          <a:spcPct val="100000"/>
+                        </a:lnSpc>
+                        <a:spcBef>
+                          <a:spcPts val="0"/>
+                        </a:spcBef>
+                        <a:spcAft>
+                          <a:spcPts val="0"/>
+                        </a:spcAft>
+                        <a:buClrTx/>
+                        <a:buSzTx/>
+                        <a:buFontTx/>
+                        <a:buNone/>
+                        <a:tabLst/>
+                        <a:defRPr/>
+                      </a:pPr>
+                      <a:r>
+                        <a:rPr lang="pl-PL" dirty="0">
+                          <a:solidFill>
+                            <a:schemeClr val="bg2">
+                              <a:lumMod val="90000"/>
+                            </a:schemeClr>
+                          </a:solidFill>
+                          <a:latin typeface="Futura Medium" panose="020B0602020204020303" pitchFamily="34" charset="-79"/>
+                          <a:cs typeface="Futura Medium" panose="020B0602020204020303" pitchFamily="34" charset="-79"/>
+                        </a:rPr>
+                        <a:t>72.2%</a:t>
+                      </a:r>
+                    </a:p>
+                    <a:p>
+                      <a:endParaRPr lang="pl-PL" dirty="0">
+                        <a:latin typeface="Futura Medium" panose="020B0602020204020303" pitchFamily="34" charset="-79"/>
+                        <a:cs typeface="Futura Medium" panose="020B0602020204020303" pitchFamily="34" charset="-79"/>
+                      </a:endParaRPr>
+                    </a:p>
+                  </a:txBody>
+                  <a:tcPr>
+                    <a:lnL w="6350" cap="flat" cmpd="sng" algn="ctr">
+                      <a:solidFill>
+                        <a:schemeClr val="tx2">
+                          <a:lumMod val="40000"/>
+                          <a:lumOff val="60000"/>
+                        </a:schemeClr>
+                      </a:solidFill>
+                      <a:prstDash val="solid"/>
+                      <a:round/>
+                      <a:headEnd type="none" w="med" len="med"/>
+                      <a:tailEnd type="none" w="med" len="med"/>
+                    </a:lnL>
+                    <a:lnR w="6350" cap="flat" cmpd="sng" algn="ctr">
+                      <a:solidFill>
+                        <a:schemeClr val="tx2">
+                          <a:lumMod val="40000"/>
+                          <a:lumOff val="60000"/>
+                        </a:schemeClr>
+                      </a:solidFill>
+                      <a:prstDash val="solid"/>
+                      <a:round/>
+                      <a:headEnd type="none" w="med" len="med"/>
+                      <a:tailEnd type="none" w="med" len="med"/>
+                    </a:lnR>
+                    <a:lnT w="6350" cap="flat" cmpd="sng" algn="ctr">
+                      <a:solidFill>
+                        <a:schemeClr val="tx2">
+                          <a:lumMod val="40000"/>
+                          <a:lumOff val="60000"/>
+                        </a:schemeClr>
+                      </a:solidFill>
+                      <a:prstDash val="solid"/>
+                      <a:round/>
+                      <a:headEnd type="none" w="med" len="med"/>
+                      <a:tailEnd type="none" w="med" len="med"/>
+                    </a:lnT>
+                    <a:lnB w="6350" cap="flat" cmpd="sng" algn="ctr">
+                      <a:solidFill>
+                        <a:schemeClr val="tx2">
+                          <a:lumMod val="40000"/>
+                          <a:lumOff val="60000"/>
+                        </a:schemeClr>
+                      </a:solidFill>
+                      <a:prstDash val="solid"/>
+                      <a:round/>
+                      <a:headEnd type="none" w="med" len="med"/>
+                      <a:tailEnd type="none" w="med" len="med"/>
+                    </a:lnB>
+                  </a:tcPr>
+                </a:tc>
+                <a:extLst>
+                  <a:ext uri="{0D108BD9-81ED-4DB2-BD59-A6C34878D82A}">
+                    <a16:rowId xmlns:a16="http://schemas.microsoft.com/office/drawing/2014/main" val="2184632404"/>
+                  </a:ext>
+                </a:extLst>
+              </a:tr>
+              <a:tr h="890406">
+                <a:tc>
+                  <a:txBody>
+                    <a:bodyPr/>
+                    <a:lstStyle/>
+                    <a:p>
+                      <a:r>
+                        <a:rPr lang="pl-PL" dirty="0">
+                          <a:latin typeface="Futura Medium" panose="020B0602020204020303" pitchFamily="34" charset="-79"/>
+                          <a:cs typeface="Futura Medium" panose="020B0602020204020303" pitchFamily="34" charset="-79"/>
+                        </a:rPr>
+                        <a:t>  </a:t>
+                      </a:r>
+                      <a:r>
+                        <a:rPr lang="pl-PL" dirty="0">
+                          <a:solidFill>
+                            <a:schemeClr val="bg2">
+                              <a:lumMod val="90000"/>
+                            </a:schemeClr>
+                          </a:solidFill>
+                          <a:latin typeface="Futura Medium" panose="020B0602020204020303" pitchFamily="34" charset="-79"/>
+                          <a:cs typeface="Futura Medium" panose="020B0602020204020303" pitchFamily="34" charset="-79"/>
+                        </a:rPr>
+                        <a:t>Ratio of </a:t>
+                      </a:r>
+                      <a:r>
+                        <a:rPr lang="pl-PL" dirty="0" err="1">
+                          <a:solidFill>
+                            <a:schemeClr val="bg2">
+                              <a:lumMod val="90000"/>
+                            </a:schemeClr>
+                          </a:solidFill>
+                          <a:latin typeface="Futura Medium" panose="020B0602020204020303" pitchFamily="34" charset="-79"/>
+                          <a:cs typeface="Futura Medium" panose="020B0602020204020303" pitchFamily="34" charset="-79"/>
+                        </a:rPr>
+                        <a:t>total</a:t>
+                      </a:r>
+                      <a:r>
+                        <a:rPr lang="pl-PL" dirty="0">
+                          <a:solidFill>
+                            <a:schemeClr val="bg2">
+                              <a:lumMod val="90000"/>
+                            </a:schemeClr>
+                          </a:solidFill>
+                          <a:latin typeface="Futura Medium" panose="020B0602020204020303" pitchFamily="34" charset="-79"/>
+                          <a:cs typeface="Futura Medium" panose="020B0602020204020303" pitchFamily="34" charset="-79"/>
+                        </a:rPr>
+                        <a:t> </a:t>
+                      </a:r>
+                      <a:r>
+                        <a:rPr lang="pl-PL" dirty="0" err="1">
+                          <a:solidFill>
+                            <a:schemeClr val="bg2">
+                              <a:lumMod val="90000"/>
+                            </a:schemeClr>
+                          </a:solidFill>
+                          <a:latin typeface="Futura Medium" panose="020B0602020204020303" pitchFamily="34" charset="-79"/>
+                          <a:cs typeface="Futura Medium" panose="020B0602020204020303" pitchFamily="34" charset="-79"/>
+                        </a:rPr>
+                        <a:t>consumers</a:t>
+                      </a:r>
+                      <a:endParaRPr lang="pl-PL" dirty="0">
+                        <a:solidFill>
+                          <a:schemeClr val="bg2">
+                            <a:lumMod val="90000"/>
+                          </a:schemeClr>
+                        </a:solidFill>
+                        <a:latin typeface="Futura Medium" panose="020B0602020204020303" pitchFamily="34" charset="-79"/>
+                        <a:cs typeface="Futura Medium" panose="020B0602020204020303" pitchFamily="34" charset="-79"/>
+                      </a:endParaRPr>
+                    </a:p>
+                    <a:p>
+                      <a:pPr algn="ctr"/>
+                      <a:r>
+                        <a:rPr lang="pl-PL" dirty="0">
+                          <a:solidFill>
+                            <a:schemeClr val="bg2">
+                              <a:lumMod val="90000"/>
+                            </a:schemeClr>
+                          </a:solidFill>
+                          <a:latin typeface="Futura Medium" panose="020B0602020204020303" pitchFamily="34" charset="-79"/>
+                          <a:cs typeface="Futura Medium" panose="020B0602020204020303" pitchFamily="34" charset="-79"/>
+                        </a:rPr>
+                        <a:t>(sum to 100%)</a:t>
+                      </a:r>
+                    </a:p>
+                  </a:txBody>
+                  <a:tcPr>
+                    <a:lnL w="6350" cap="flat" cmpd="sng" algn="ctr">
+                      <a:solidFill>
+                        <a:schemeClr val="tx2">
+                          <a:lumMod val="40000"/>
+                          <a:lumOff val="60000"/>
+                        </a:schemeClr>
+                      </a:solidFill>
+                      <a:prstDash val="solid"/>
+                      <a:round/>
+                      <a:headEnd type="none" w="med" len="med"/>
+                      <a:tailEnd type="none" w="med" len="med"/>
+                    </a:lnL>
+                    <a:lnR w="6350" cap="flat" cmpd="sng" algn="ctr">
+                      <a:solidFill>
+                        <a:schemeClr val="tx2">
+                          <a:lumMod val="40000"/>
+                          <a:lumOff val="60000"/>
+                        </a:schemeClr>
+                      </a:solidFill>
+                      <a:prstDash val="solid"/>
+                      <a:round/>
+                      <a:headEnd type="none" w="med" len="med"/>
+                      <a:tailEnd type="none" w="med" len="med"/>
+                    </a:lnR>
+                    <a:lnT w="6350" cap="flat" cmpd="sng" algn="ctr">
+                      <a:solidFill>
+                        <a:schemeClr val="tx2">
+                          <a:lumMod val="40000"/>
+                          <a:lumOff val="60000"/>
+                        </a:schemeClr>
+                      </a:solidFill>
+                      <a:prstDash val="solid"/>
+                      <a:round/>
+                      <a:headEnd type="none" w="med" len="med"/>
+                      <a:tailEnd type="none" w="med" len="med"/>
+                    </a:lnT>
+                    <a:lnB w="6350" cap="flat" cmpd="sng" algn="ctr">
+                      <a:solidFill>
+                        <a:schemeClr val="tx2">
+                          <a:lumMod val="40000"/>
+                          <a:lumOff val="60000"/>
+                        </a:schemeClr>
+                      </a:solidFill>
+                      <a:prstDash val="solid"/>
+                      <a:round/>
+                      <a:headEnd type="none" w="med" len="med"/>
+                      <a:tailEnd type="none" w="med" len="med"/>
+                    </a:lnB>
+                  </a:tcPr>
+                </a:tc>
+                <a:tc>
+                  <a:txBody>
+                    <a:bodyPr/>
+                    <a:lstStyle/>
+                    <a:p>
+                      <a:pPr algn="ctr"/>
+                      <a:r>
+                        <a:rPr lang="pl-PL" dirty="0">
+                          <a:solidFill>
+                            <a:schemeClr val="bg2">
+                              <a:lumMod val="90000"/>
+                            </a:schemeClr>
+                          </a:solidFill>
+                          <a:latin typeface="Futura Medium" panose="020B0602020204020303" pitchFamily="34" charset="-79"/>
+                          <a:cs typeface="Futura Medium" panose="020B0602020204020303" pitchFamily="34" charset="-79"/>
+                        </a:rPr>
+                        <a:t>64.5%</a:t>
+                      </a:r>
+                    </a:p>
+                  </a:txBody>
+                  <a:tcPr>
+                    <a:lnL w="6350" cap="flat" cmpd="sng" algn="ctr">
+                      <a:solidFill>
+                        <a:schemeClr val="tx2">
+                          <a:lumMod val="40000"/>
+                          <a:lumOff val="60000"/>
+                        </a:schemeClr>
+                      </a:solidFill>
+                      <a:prstDash val="solid"/>
+                      <a:round/>
+                      <a:headEnd type="none" w="med" len="med"/>
+                      <a:tailEnd type="none" w="med" len="med"/>
+                    </a:lnL>
+                    <a:lnR w="6350" cap="flat" cmpd="sng" algn="ctr">
+                      <a:solidFill>
+                        <a:schemeClr val="tx2">
+                          <a:lumMod val="40000"/>
+                          <a:lumOff val="60000"/>
+                        </a:schemeClr>
+                      </a:solidFill>
+                      <a:prstDash val="solid"/>
+                      <a:round/>
+                      <a:headEnd type="none" w="med" len="med"/>
+                      <a:tailEnd type="none" w="med" len="med"/>
+                    </a:lnR>
+                    <a:lnT w="6350" cap="flat" cmpd="sng" algn="ctr">
+                      <a:solidFill>
+                        <a:schemeClr val="tx2">
+                          <a:lumMod val="40000"/>
+                          <a:lumOff val="60000"/>
+                        </a:schemeClr>
+                      </a:solidFill>
+                      <a:prstDash val="solid"/>
+                      <a:round/>
+                      <a:headEnd type="none" w="med" len="med"/>
+                      <a:tailEnd type="none" w="med" len="med"/>
+                    </a:lnT>
+                    <a:lnB w="6350" cap="flat" cmpd="sng" algn="ctr">
+                      <a:solidFill>
+                        <a:schemeClr val="tx2">
+                          <a:lumMod val="40000"/>
+                          <a:lumOff val="60000"/>
+                        </a:schemeClr>
+                      </a:solidFill>
+                      <a:prstDash val="solid"/>
+                      <a:round/>
+                      <a:headEnd type="none" w="med" len="med"/>
+                      <a:tailEnd type="none" w="med" len="med"/>
+                    </a:lnB>
+                  </a:tcPr>
+                </a:tc>
+                <a:tc>
+                  <a:txBody>
+                    <a:bodyPr/>
+                    <a:lstStyle/>
+                    <a:p>
+                      <a:pPr algn="ctr"/>
+                      <a:r>
+                        <a:rPr lang="pl-PL" dirty="0">
+                          <a:solidFill>
+                            <a:schemeClr val="bg2">
+                              <a:lumMod val="90000"/>
+                            </a:schemeClr>
+                          </a:solidFill>
+                          <a:latin typeface="Futura Medium" panose="020B0602020204020303" pitchFamily="34" charset="-79"/>
+                          <a:cs typeface="Futura Medium" panose="020B0602020204020303" pitchFamily="34" charset="-79"/>
+                        </a:rPr>
+                        <a:t>35.5%</a:t>
+                      </a:r>
+                    </a:p>
+                  </a:txBody>
+                  <a:tcPr>
+                    <a:lnL w="6350" cap="flat" cmpd="sng" algn="ctr">
+                      <a:solidFill>
+                        <a:schemeClr val="tx2">
+                          <a:lumMod val="40000"/>
+                          <a:lumOff val="60000"/>
+                        </a:schemeClr>
+                      </a:solidFill>
+                      <a:prstDash val="solid"/>
+                      <a:round/>
+                      <a:headEnd type="none" w="med" len="med"/>
+                      <a:tailEnd type="none" w="med" len="med"/>
+                    </a:lnL>
+                    <a:lnR w="6350" cap="flat" cmpd="sng" algn="ctr">
+                      <a:solidFill>
+                        <a:schemeClr val="tx2">
+                          <a:lumMod val="40000"/>
+                          <a:lumOff val="60000"/>
+                        </a:schemeClr>
+                      </a:solidFill>
+                      <a:prstDash val="solid"/>
+                      <a:round/>
+                      <a:headEnd type="none" w="med" len="med"/>
+                      <a:tailEnd type="none" w="med" len="med"/>
+                    </a:lnR>
+                    <a:lnT w="6350" cap="flat" cmpd="sng" algn="ctr">
+                      <a:solidFill>
+                        <a:schemeClr val="tx2">
+                          <a:lumMod val="40000"/>
+                          <a:lumOff val="60000"/>
+                        </a:schemeClr>
+                      </a:solidFill>
+                      <a:prstDash val="solid"/>
+                      <a:round/>
+                      <a:headEnd type="none" w="med" len="med"/>
+                      <a:tailEnd type="none" w="med" len="med"/>
+                    </a:lnT>
+                    <a:lnB w="6350" cap="flat" cmpd="sng" algn="ctr">
+                      <a:solidFill>
+                        <a:schemeClr val="tx2">
+                          <a:lumMod val="40000"/>
+                          <a:lumOff val="60000"/>
+                        </a:schemeClr>
+                      </a:solidFill>
+                      <a:prstDash val="solid"/>
+                      <a:round/>
+                      <a:headEnd type="none" w="med" len="med"/>
+                      <a:tailEnd type="none" w="med" len="med"/>
+                    </a:lnB>
+                  </a:tcPr>
+                </a:tc>
+                <a:extLst>
+                  <a:ext uri="{0D108BD9-81ED-4DB2-BD59-A6C34878D82A}">
+                    <a16:rowId xmlns:a16="http://schemas.microsoft.com/office/drawing/2014/main" val="3616178824"/>
+                  </a:ext>
+                </a:extLst>
+              </a:tr>
+            </a:tbl>
+          </a:graphicData>
+        </a:graphic>
+      </p:graphicFrame>
+    </p:spTree>
+    <p:extLst>
+      <p:ext uri="{BB962C8B-B14F-4D97-AF65-F5344CB8AC3E}">
+        <p14:creationId xmlns:p14="http://schemas.microsoft.com/office/powerpoint/2010/main" val="619845573"/>
+      </p:ext>
+    </p:extLst>
+  </p:cSld>
+  <p:clrMapOvr>
+    <a:masterClrMapping/>
+  </p:clrMapOvr>
+</p:sld>
+</file>
+
+<file path=ppt/slides/slide9.xml><?xml version="1.0" encoding="utf-8"?>
+<p:sld xmlns:a="http://schemas.openxmlformats.org/drawingml/2006/main" xmlns:r="http://schemas.openxmlformats.org/officeDocument/2006/relationships" xmlns:p="http://schemas.openxmlformats.org/presentationml/2006/main">
+  <p:cSld>
+    <p:spTree>
+      <p:nvGrpSpPr>
+        <p:cNvPr id="1" name=""/>
+        <p:cNvGrpSpPr/>
+        <p:nvPr/>
+      </p:nvGrpSpPr>
+      <p:grpSpPr>
+        <a:xfrm>
+          <a:off x="0" y="0"/>
+          <a:ext cx="0" cy="0"/>
+          <a:chOff x="0" y="0"/>
+          <a:chExt cx="0" cy="0"/>
+        </a:xfrm>
+      </p:grpSpPr>
+      <p:sp>
+        <p:nvSpPr>
+          <p:cNvPr id="2" name="Title 1">
+            <a:extLst>
+              <a:ext uri="{FF2B5EF4-FFF2-40B4-BE49-F238E27FC236}">
+                <a16:creationId xmlns:a16="http://schemas.microsoft.com/office/drawing/2014/main" id="{0A7C844B-2424-E741-87B4-7B00AC4EF05C}"/>
+              </a:ext>
+            </a:extLst>
+          </p:cNvPr>
+          <p:cNvSpPr>
+            <a:spLocks noGrp="1"/>
+          </p:cNvSpPr>
+          <p:nvPr>
+            <p:ph type="title"/>
+          </p:nvPr>
+        </p:nvSpPr>
+        <p:spPr/>
+        <p:txBody>
+          <a:bodyPr>
+            <a:normAutofit/>
+          </a:bodyPr>
+          <a:lstStyle/>
+          <a:p>
+            <a:pPr algn="ctr"/>
+            <a:r>
+              <a:rPr lang="pl-PL" sz="3200" dirty="0" err="1">
+                <a:solidFill>
+                  <a:schemeClr val="accent1">
+                    <a:lumMod val="75000"/>
+                  </a:schemeClr>
+                </a:solidFill>
+                <a:latin typeface="Futura Medium" panose="020B0602020204020303" pitchFamily="34" charset="-79"/>
+                <a:cs typeface="Futura Medium" panose="020B0602020204020303" pitchFamily="34" charset="-79"/>
+              </a:rPr>
+              <a:t>Women</a:t>
+            </a:r>
+            <a:r>
+              <a:rPr lang="pl-PL" sz="3200" dirty="0">
+                <a:solidFill>
+                  <a:schemeClr val="accent1">
+                    <a:lumMod val="75000"/>
+                  </a:schemeClr>
+                </a:solidFill>
+                <a:latin typeface="Futura Medium" panose="020B0602020204020303" pitchFamily="34" charset="-79"/>
+                <a:cs typeface="Futura Medium" panose="020B0602020204020303" pitchFamily="34" charset="-79"/>
+              </a:rPr>
+              <a:t> </a:t>
+            </a:r>
+            <a:r>
+              <a:rPr lang="pl-PL" sz="3200" dirty="0" err="1">
+                <a:solidFill>
+                  <a:schemeClr val="accent1">
+                    <a:lumMod val="75000"/>
+                  </a:schemeClr>
+                </a:solidFill>
+                <a:latin typeface="Futura Medium" panose="020B0602020204020303" pitchFamily="34" charset="-79"/>
+                <a:cs typeface="Futura Medium" panose="020B0602020204020303" pitchFamily="34" charset="-79"/>
+              </a:rPr>
+              <a:t>are</a:t>
+            </a:r>
+            <a:r>
+              <a:rPr lang="pl-PL" sz="3200" dirty="0">
+                <a:solidFill>
+                  <a:schemeClr val="accent1">
+                    <a:lumMod val="75000"/>
+                  </a:schemeClr>
+                </a:solidFill>
+                <a:latin typeface="Futura Medium" panose="020B0602020204020303" pitchFamily="34" charset="-79"/>
+                <a:cs typeface="Futura Medium" panose="020B0602020204020303" pitchFamily="34" charset="-79"/>
+              </a:rPr>
+              <a:t> </a:t>
+            </a:r>
+            <a:r>
+              <a:rPr lang="pl-PL" sz="3200" dirty="0" err="1">
+                <a:solidFill>
+                  <a:schemeClr val="accent1">
+                    <a:lumMod val="75000"/>
+                  </a:schemeClr>
+                </a:solidFill>
+                <a:latin typeface="Futura Medium" panose="020B0602020204020303" pitchFamily="34" charset="-79"/>
+                <a:cs typeface="Futura Medium" panose="020B0602020204020303" pitchFamily="34" charset="-79"/>
+              </a:rPr>
+              <a:t>more</a:t>
+            </a:r>
+            <a:r>
+              <a:rPr lang="pl-PL" sz="3200" dirty="0">
+                <a:solidFill>
+                  <a:schemeClr val="accent1">
+                    <a:lumMod val="75000"/>
+                  </a:schemeClr>
+                </a:solidFill>
+                <a:latin typeface="Futura Medium" panose="020B0602020204020303" pitchFamily="34" charset="-79"/>
+                <a:cs typeface="Futura Medium" panose="020B0602020204020303" pitchFamily="34" charset="-79"/>
+              </a:rPr>
+              <a:t> </a:t>
+            </a:r>
+            <a:r>
+              <a:rPr lang="pl-PL" sz="3200" dirty="0" err="1">
+                <a:solidFill>
+                  <a:schemeClr val="accent1">
+                    <a:lumMod val="75000"/>
+                  </a:schemeClr>
+                </a:solidFill>
+                <a:latin typeface="Futura Medium" panose="020B0602020204020303" pitchFamily="34" charset="-79"/>
+                <a:cs typeface="Futura Medium" panose="020B0602020204020303" pitchFamily="34" charset="-79"/>
+              </a:rPr>
+              <a:t>likely</a:t>
+            </a:r>
+            <a:r>
+              <a:rPr lang="pl-PL" sz="3200" dirty="0">
+                <a:solidFill>
+                  <a:schemeClr val="accent1">
+                    <a:lumMod val="75000"/>
+                  </a:schemeClr>
+                </a:solidFill>
+                <a:latin typeface="Futura Medium" panose="020B0602020204020303" pitchFamily="34" charset="-79"/>
+                <a:cs typeface="Futura Medium" panose="020B0602020204020303" pitchFamily="34" charset="-79"/>
+              </a:rPr>
+              <a:t> to </a:t>
+            </a:r>
+            <a:r>
+              <a:rPr lang="pl-PL" sz="3200" dirty="0" err="1">
+                <a:solidFill>
+                  <a:schemeClr val="accent1">
+                    <a:lumMod val="75000"/>
+                  </a:schemeClr>
+                </a:solidFill>
+                <a:latin typeface="Futura Medium" panose="020B0602020204020303" pitchFamily="34" charset="-79"/>
+                <a:cs typeface="Futura Medium" panose="020B0602020204020303" pitchFamily="34" charset="-79"/>
+              </a:rPr>
+              <a:t>accept</a:t>
+            </a:r>
+            <a:r>
+              <a:rPr lang="pl-PL" sz="3200" dirty="0">
+                <a:solidFill>
+                  <a:schemeClr val="accent1">
+                    <a:lumMod val="75000"/>
+                  </a:schemeClr>
+                </a:solidFill>
+                <a:latin typeface="Futura Medium" panose="020B0602020204020303" pitchFamily="34" charset="-79"/>
+                <a:cs typeface="Futura Medium" panose="020B0602020204020303" pitchFamily="34" charset="-79"/>
+              </a:rPr>
+              <a:t> </a:t>
+            </a:r>
+            <a:r>
+              <a:rPr lang="pl-PL" sz="3200" dirty="0" err="1">
+                <a:solidFill>
+                  <a:schemeClr val="accent1">
+                    <a:lumMod val="75000"/>
+                  </a:schemeClr>
+                </a:solidFill>
+                <a:latin typeface="Futura Medium" panose="020B0602020204020303" pitchFamily="34" charset="-79"/>
+                <a:cs typeface="Futura Medium" panose="020B0602020204020303" pitchFamily="34" charset="-79"/>
+              </a:rPr>
+              <a:t>our</a:t>
+            </a:r>
+            <a:r>
+              <a:rPr lang="pl-PL" sz="3200" dirty="0">
+                <a:solidFill>
+                  <a:schemeClr val="accent1">
+                    <a:lumMod val="75000"/>
+                  </a:schemeClr>
+                </a:solidFill>
+                <a:latin typeface="Futura Medium" panose="020B0602020204020303" pitchFamily="34" charset="-79"/>
+                <a:cs typeface="Futura Medium" panose="020B0602020204020303" pitchFamily="34" charset="-79"/>
+              </a:rPr>
+              <a:t> </a:t>
+            </a:r>
+            <a:r>
+              <a:rPr lang="pl-PL" sz="3200" dirty="0" err="1">
+                <a:solidFill>
+                  <a:schemeClr val="accent1">
+                    <a:lumMod val="75000"/>
+                  </a:schemeClr>
+                </a:solidFill>
+                <a:latin typeface="Futura Medium" panose="020B0602020204020303" pitchFamily="34" charset="-79"/>
+                <a:cs typeface="Futura Medium" panose="020B0602020204020303" pitchFamily="34" charset="-79"/>
+              </a:rPr>
+              <a:t>offer</a:t>
+            </a:r>
+            <a:r>
+              <a:rPr lang="pl-PL" sz="3200" dirty="0">
+                <a:solidFill>
+                  <a:schemeClr val="accent1">
+                    <a:lumMod val="75000"/>
+                  </a:schemeClr>
+                </a:solidFill>
+                <a:latin typeface="Futura Medium" panose="020B0602020204020303" pitchFamily="34" charset="-79"/>
+                <a:cs typeface="Futura Medium" panose="020B0602020204020303" pitchFamily="34" charset="-79"/>
+              </a:rPr>
+              <a:t> </a:t>
+            </a:r>
+            <a:r>
+              <a:rPr lang="pl-PL" sz="3200" dirty="0" err="1">
+                <a:solidFill>
+                  <a:schemeClr val="accent1">
+                    <a:lumMod val="75000"/>
+                  </a:schemeClr>
+                </a:solidFill>
+                <a:latin typeface="Futura Medium" panose="020B0602020204020303" pitchFamily="34" charset="-79"/>
+                <a:cs typeface="Futura Medium" panose="020B0602020204020303" pitchFamily="34" charset="-79"/>
+              </a:rPr>
+              <a:t>than</a:t>
+            </a:r>
+            <a:r>
+              <a:rPr lang="pl-PL" sz="3200" dirty="0">
+                <a:solidFill>
+                  <a:schemeClr val="accent1">
+                    <a:lumMod val="75000"/>
+                  </a:schemeClr>
+                </a:solidFill>
+                <a:latin typeface="Futura Medium" panose="020B0602020204020303" pitchFamily="34" charset="-79"/>
+                <a:cs typeface="Futura Medium" panose="020B0602020204020303" pitchFamily="34" charset="-79"/>
+              </a:rPr>
+              <a:t> men</a:t>
+            </a:r>
+          </a:p>
+        </p:txBody>
+      </p:sp>
+      <p:graphicFrame>
+        <p:nvGraphicFramePr>
+          <p:cNvPr id="4" name="Content Placeholder 3">
+            <a:extLst>
+              <a:ext uri="{FF2B5EF4-FFF2-40B4-BE49-F238E27FC236}">
+                <a16:creationId xmlns:a16="http://schemas.microsoft.com/office/drawing/2014/main" id="{CB9572C0-7390-B34C-A226-FDA191057282}"/>
+              </a:ext>
+            </a:extLst>
+          </p:cNvPr>
+          <p:cNvGraphicFramePr>
+            <a:graphicFrameLocks noGrp="1"/>
+          </p:cNvGraphicFramePr>
+          <p:nvPr>
+            <p:ph idx="1"/>
+            <p:extLst>
+              <p:ext uri="{D42A27DB-BD31-4B8C-83A1-F6EECF244321}">
                 <p14:modId xmlns:p14="http://schemas.microsoft.com/office/powerpoint/2010/main" val="1181297816"/>
               </p:ext>
             </p:extLst>
@@ -39742,1144 +42443,6 @@
 </p:sld>
 </file>
 
-<file path=ppt/slides/slide9.xml><?xml version="1.0" encoding="utf-8"?>
-<p:sld xmlns:a="http://schemas.openxmlformats.org/drawingml/2006/main" xmlns:r="http://schemas.openxmlformats.org/officeDocument/2006/relationships" xmlns:p="http://schemas.openxmlformats.org/presentationml/2006/main">
-  <p:cSld>
-    <p:spTree>
-      <p:nvGrpSpPr>
-        <p:cNvPr id="1" name=""/>
-        <p:cNvGrpSpPr/>
-        <p:nvPr/>
-      </p:nvGrpSpPr>
-      <p:grpSpPr>
-        <a:xfrm>
-          <a:off x="0" y="0"/>
-          <a:ext cx="0" cy="0"/>
-          <a:chOff x="0" y="0"/>
-          <a:chExt cx="0" cy="0"/>
-        </a:xfrm>
-      </p:grpSpPr>
-      <p:sp>
-        <p:nvSpPr>
-          <p:cNvPr id="2" name="Title 1">
-            <a:extLst>
-              <a:ext uri="{FF2B5EF4-FFF2-40B4-BE49-F238E27FC236}">
-                <a16:creationId xmlns:a16="http://schemas.microsoft.com/office/drawing/2014/main" id="{0A7C844B-2424-E741-87B4-7B00AC4EF05C}"/>
-              </a:ext>
-            </a:extLst>
-          </p:cNvPr>
-          <p:cNvSpPr>
-            <a:spLocks noGrp="1"/>
-          </p:cNvSpPr>
-          <p:nvPr>
-            <p:ph type="title"/>
-          </p:nvPr>
-        </p:nvSpPr>
-        <p:spPr/>
-        <p:txBody>
-          <a:bodyPr>
-            <a:normAutofit/>
-          </a:bodyPr>
-          <a:lstStyle/>
-          <a:p>
-            <a:pPr algn="ctr"/>
-            <a:r>
-              <a:rPr lang="pl-PL" sz="3200" dirty="0" err="1">
-                <a:solidFill>
-                  <a:schemeClr val="accent1">
-                    <a:lumMod val="75000"/>
-                  </a:schemeClr>
-                </a:solidFill>
-                <a:latin typeface="Futura Medium" panose="020B0602020204020303" pitchFamily="34" charset="-79"/>
-                <a:cs typeface="Futura Medium" panose="020B0602020204020303" pitchFamily="34" charset="-79"/>
-              </a:rPr>
-              <a:t>Women</a:t>
-            </a:r>
-            <a:r>
-              <a:rPr lang="pl-PL" sz="3200" dirty="0">
-                <a:solidFill>
-                  <a:schemeClr val="accent1">
-                    <a:lumMod val="75000"/>
-                  </a:schemeClr>
-                </a:solidFill>
-                <a:latin typeface="Futura Medium" panose="020B0602020204020303" pitchFamily="34" charset="-79"/>
-                <a:cs typeface="Futura Medium" panose="020B0602020204020303" pitchFamily="34" charset="-79"/>
-              </a:rPr>
-              <a:t> </a:t>
-            </a:r>
-            <a:r>
-              <a:rPr lang="pl-PL" sz="3200" dirty="0" err="1">
-                <a:solidFill>
-                  <a:schemeClr val="accent1">
-                    <a:lumMod val="75000"/>
-                  </a:schemeClr>
-                </a:solidFill>
-                <a:latin typeface="Futura Medium" panose="020B0602020204020303" pitchFamily="34" charset="-79"/>
-                <a:cs typeface="Futura Medium" panose="020B0602020204020303" pitchFamily="34" charset="-79"/>
-              </a:rPr>
-              <a:t>are</a:t>
-            </a:r>
-            <a:r>
-              <a:rPr lang="pl-PL" sz="3200" dirty="0">
-                <a:solidFill>
-                  <a:schemeClr val="accent1">
-                    <a:lumMod val="75000"/>
-                  </a:schemeClr>
-                </a:solidFill>
-                <a:latin typeface="Futura Medium" panose="020B0602020204020303" pitchFamily="34" charset="-79"/>
-                <a:cs typeface="Futura Medium" panose="020B0602020204020303" pitchFamily="34" charset="-79"/>
-              </a:rPr>
-              <a:t> </a:t>
-            </a:r>
-            <a:r>
-              <a:rPr lang="pl-PL" sz="3200" dirty="0" err="1">
-                <a:solidFill>
-                  <a:schemeClr val="accent1">
-                    <a:lumMod val="75000"/>
-                  </a:schemeClr>
-                </a:solidFill>
-                <a:latin typeface="Futura Medium" panose="020B0602020204020303" pitchFamily="34" charset="-79"/>
-                <a:cs typeface="Futura Medium" panose="020B0602020204020303" pitchFamily="34" charset="-79"/>
-              </a:rPr>
-              <a:t>more</a:t>
-            </a:r>
-            <a:r>
-              <a:rPr lang="pl-PL" sz="3200" dirty="0">
-                <a:solidFill>
-                  <a:schemeClr val="accent1">
-                    <a:lumMod val="75000"/>
-                  </a:schemeClr>
-                </a:solidFill>
-                <a:latin typeface="Futura Medium" panose="020B0602020204020303" pitchFamily="34" charset="-79"/>
-                <a:cs typeface="Futura Medium" panose="020B0602020204020303" pitchFamily="34" charset="-79"/>
-              </a:rPr>
-              <a:t> </a:t>
-            </a:r>
-            <a:r>
-              <a:rPr lang="pl-PL" sz="3200" dirty="0" err="1">
-                <a:solidFill>
-                  <a:schemeClr val="accent1">
-                    <a:lumMod val="75000"/>
-                  </a:schemeClr>
-                </a:solidFill>
-                <a:latin typeface="Futura Medium" panose="020B0602020204020303" pitchFamily="34" charset="-79"/>
-                <a:cs typeface="Futura Medium" panose="020B0602020204020303" pitchFamily="34" charset="-79"/>
-              </a:rPr>
-              <a:t>likely</a:t>
-            </a:r>
-            <a:r>
-              <a:rPr lang="pl-PL" sz="3200" dirty="0">
-                <a:solidFill>
-                  <a:schemeClr val="accent1">
-                    <a:lumMod val="75000"/>
-                  </a:schemeClr>
-                </a:solidFill>
-                <a:latin typeface="Futura Medium" panose="020B0602020204020303" pitchFamily="34" charset="-79"/>
-                <a:cs typeface="Futura Medium" panose="020B0602020204020303" pitchFamily="34" charset="-79"/>
-              </a:rPr>
-              <a:t> to </a:t>
-            </a:r>
-            <a:r>
-              <a:rPr lang="pl-PL" sz="3200" dirty="0" err="1">
-                <a:solidFill>
-                  <a:schemeClr val="accent1">
-                    <a:lumMod val="75000"/>
-                  </a:schemeClr>
-                </a:solidFill>
-                <a:latin typeface="Futura Medium" panose="020B0602020204020303" pitchFamily="34" charset="-79"/>
-                <a:cs typeface="Futura Medium" panose="020B0602020204020303" pitchFamily="34" charset="-79"/>
-              </a:rPr>
-              <a:t>accept</a:t>
-            </a:r>
-            <a:r>
-              <a:rPr lang="pl-PL" sz="3200" dirty="0">
-                <a:solidFill>
-                  <a:schemeClr val="accent1">
-                    <a:lumMod val="75000"/>
-                  </a:schemeClr>
-                </a:solidFill>
-                <a:latin typeface="Futura Medium" panose="020B0602020204020303" pitchFamily="34" charset="-79"/>
-                <a:cs typeface="Futura Medium" panose="020B0602020204020303" pitchFamily="34" charset="-79"/>
-              </a:rPr>
-              <a:t> </a:t>
-            </a:r>
-            <a:r>
-              <a:rPr lang="pl-PL" sz="3200" dirty="0" err="1">
-                <a:solidFill>
-                  <a:schemeClr val="accent1">
-                    <a:lumMod val="75000"/>
-                  </a:schemeClr>
-                </a:solidFill>
-                <a:latin typeface="Futura Medium" panose="020B0602020204020303" pitchFamily="34" charset="-79"/>
-                <a:cs typeface="Futura Medium" panose="020B0602020204020303" pitchFamily="34" charset="-79"/>
-              </a:rPr>
-              <a:t>our</a:t>
-            </a:r>
-            <a:r>
-              <a:rPr lang="pl-PL" sz="3200" dirty="0">
-                <a:solidFill>
-                  <a:schemeClr val="accent1">
-                    <a:lumMod val="75000"/>
-                  </a:schemeClr>
-                </a:solidFill>
-                <a:latin typeface="Futura Medium" panose="020B0602020204020303" pitchFamily="34" charset="-79"/>
-                <a:cs typeface="Futura Medium" panose="020B0602020204020303" pitchFamily="34" charset="-79"/>
-              </a:rPr>
-              <a:t> </a:t>
-            </a:r>
-            <a:r>
-              <a:rPr lang="pl-PL" sz="3200" dirty="0" err="1">
-                <a:solidFill>
-                  <a:schemeClr val="accent1">
-                    <a:lumMod val="75000"/>
-                  </a:schemeClr>
-                </a:solidFill>
-                <a:latin typeface="Futura Medium" panose="020B0602020204020303" pitchFamily="34" charset="-79"/>
-                <a:cs typeface="Futura Medium" panose="020B0602020204020303" pitchFamily="34" charset="-79"/>
-              </a:rPr>
-              <a:t>offer</a:t>
-            </a:r>
-            <a:r>
-              <a:rPr lang="pl-PL" sz="3200" dirty="0">
-                <a:solidFill>
-                  <a:schemeClr val="accent1">
-                    <a:lumMod val="75000"/>
-                  </a:schemeClr>
-                </a:solidFill>
-                <a:latin typeface="Futura Medium" panose="020B0602020204020303" pitchFamily="34" charset="-79"/>
-                <a:cs typeface="Futura Medium" panose="020B0602020204020303" pitchFamily="34" charset="-79"/>
-              </a:rPr>
-              <a:t> </a:t>
-            </a:r>
-            <a:r>
-              <a:rPr lang="pl-PL" sz="3200" dirty="0" err="1">
-                <a:solidFill>
-                  <a:schemeClr val="accent1">
-                    <a:lumMod val="75000"/>
-                  </a:schemeClr>
-                </a:solidFill>
-                <a:latin typeface="Futura Medium" panose="020B0602020204020303" pitchFamily="34" charset="-79"/>
-                <a:cs typeface="Futura Medium" panose="020B0602020204020303" pitchFamily="34" charset="-79"/>
-              </a:rPr>
-              <a:t>than</a:t>
-            </a:r>
-            <a:r>
-              <a:rPr lang="pl-PL" sz="3200" dirty="0">
-                <a:solidFill>
-                  <a:schemeClr val="accent1">
-                    <a:lumMod val="75000"/>
-                  </a:schemeClr>
-                </a:solidFill>
-                <a:latin typeface="Futura Medium" panose="020B0602020204020303" pitchFamily="34" charset="-79"/>
-                <a:cs typeface="Futura Medium" panose="020B0602020204020303" pitchFamily="34" charset="-79"/>
-              </a:rPr>
-              <a:t> men</a:t>
-            </a:r>
-          </a:p>
-        </p:txBody>
-      </p:sp>
-      <p:graphicFrame>
-        <p:nvGraphicFramePr>
-          <p:cNvPr id="4" name="Content Placeholder 3">
-            <a:extLst>
-              <a:ext uri="{FF2B5EF4-FFF2-40B4-BE49-F238E27FC236}">
-                <a16:creationId xmlns:a16="http://schemas.microsoft.com/office/drawing/2014/main" id="{CB9572C0-7390-B34C-A226-FDA191057282}"/>
-              </a:ext>
-            </a:extLst>
-          </p:cNvPr>
-          <p:cNvGraphicFramePr>
-            <a:graphicFrameLocks noGrp="1"/>
-          </p:cNvGraphicFramePr>
-          <p:nvPr>
-            <p:ph idx="1"/>
-            <p:extLst>
-              <p:ext uri="{D42A27DB-BD31-4B8C-83A1-F6EECF244321}">
-                <p14:modId xmlns:p14="http://schemas.microsoft.com/office/powerpoint/2010/main" val="2763895100"/>
-              </p:ext>
-            </p:extLst>
-          </p:nvPr>
-        </p:nvGraphicFramePr>
-        <p:xfrm>
-          <a:off x="838200" y="2552134"/>
-          <a:ext cx="10515600" cy="2695212"/>
-        </p:xfrm>
-        <a:graphic>
-          <a:graphicData uri="http://schemas.openxmlformats.org/drawingml/2006/table">
-            <a:tbl>
-              <a:tblPr firstRow="1" bandRow="1">
-                <a:tableStyleId>{5940675A-B579-460E-94D1-54222C63F5DA}</a:tableStyleId>
-              </a:tblPr>
-              <a:tblGrid>
-                <a:gridCol w="3505200">
-                  <a:extLst>
-                    <a:ext uri="{9D8B030D-6E8A-4147-A177-3AD203B41FA5}">
-                      <a16:colId xmlns:a16="http://schemas.microsoft.com/office/drawing/2014/main" val="1475013161"/>
-                    </a:ext>
-                  </a:extLst>
-                </a:gridCol>
-                <a:gridCol w="3505200">
-                  <a:extLst>
-                    <a:ext uri="{9D8B030D-6E8A-4147-A177-3AD203B41FA5}">
-                      <a16:colId xmlns:a16="http://schemas.microsoft.com/office/drawing/2014/main" val="1371609205"/>
-                    </a:ext>
-                  </a:extLst>
-                </a:gridCol>
-                <a:gridCol w="3505200">
-                  <a:extLst>
-                    <a:ext uri="{9D8B030D-6E8A-4147-A177-3AD203B41FA5}">
-                      <a16:colId xmlns:a16="http://schemas.microsoft.com/office/drawing/2014/main" val="938024875"/>
-                    </a:ext>
-                  </a:extLst>
-                </a:gridCol>
-              </a:tblGrid>
-              <a:tr h="890406">
-                <a:tc>
-                  <a:txBody>
-                    <a:bodyPr/>
-                    <a:lstStyle/>
-                    <a:p>
-                      <a:endParaRPr lang="pl-PL" dirty="0"/>
-                    </a:p>
-                  </a:txBody>
-                  <a:tcPr>
-                    <a:lnL w="6350" cap="flat" cmpd="sng" algn="ctr">
-                      <a:solidFill>
-                        <a:schemeClr val="tx2">
-                          <a:lumMod val="40000"/>
-                          <a:lumOff val="60000"/>
-                        </a:schemeClr>
-                      </a:solidFill>
-                      <a:prstDash val="solid"/>
-                      <a:round/>
-                      <a:headEnd type="none" w="med" len="med"/>
-                      <a:tailEnd type="none" w="med" len="med"/>
-                    </a:lnL>
-                    <a:lnR w="6350" cap="flat" cmpd="sng" algn="ctr">
-                      <a:solidFill>
-                        <a:schemeClr val="tx2">
-                          <a:lumMod val="40000"/>
-                          <a:lumOff val="60000"/>
-                        </a:schemeClr>
-                      </a:solidFill>
-                      <a:prstDash val="solid"/>
-                      <a:round/>
-                      <a:headEnd type="none" w="med" len="med"/>
-                      <a:tailEnd type="none" w="med" len="med"/>
-                    </a:lnR>
-                    <a:lnT w="6350" cap="flat" cmpd="sng" algn="ctr">
-                      <a:solidFill>
-                        <a:schemeClr val="tx2">
-                          <a:lumMod val="40000"/>
-                          <a:lumOff val="60000"/>
-                        </a:schemeClr>
-                      </a:solidFill>
-                      <a:prstDash val="solid"/>
-                      <a:round/>
-                      <a:headEnd type="none" w="med" len="med"/>
-                      <a:tailEnd type="none" w="med" len="med"/>
-                    </a:lnT>
-                    <a:lnB w="6350" cap="flat" cmpd="sng" algn="ctr">
-                      <a:solidFill>
-                        <a:schemeClr val="tx2">
-                          <a:lumMod val="40000"/>
-                          <a:lumOff val="60000"/>
-                        </a:schemeClr>
-                      </a:solidFill>
-                      <a:prstDash val="solid"/>
-                      <a:round/>
-                      <a:headEnd type="none" w="med" len="med"/>
-                      <a:tailEnd type="none" w="med" len="med"/>
-                    </a:lnB>
-                  </a:tcPr>
-                </a:tc>
-                <a:tc>
-                  <a:txBody>
-                    <a:bodyPr/>
-                    <a:lstStyle/>
-                    <a:p>
-                      <a:pPr algn="ctr"/>
-                      <a:r>
-                        <a:rPr lang="pl-PL" dirty="0">
-                          <a:solidFill>
-                            <a:srgbClr val="FF0000"/>
-                          </a:solidFill>
-                          <a:latin typeface="Futura Medium" panose="020B0602020204020303" pitchFamily="34" charset="-79"/>
-                          <a:cs typeface="Futura Medium" panose="020B0602020204020303" pitchFamily="34" charset="-79"/>
-                        </a:rPr>
-                        <a:t>Men</a:t>
-                      </a:r>
-                    </a:p>
-                  </a:txBody>
-                  <a:tcPr>
-                    <a:lnL w="6350" cap="flat" cmpd="sng" algn="ctr">
-                      <a:solidFill>
-                        <a:schemeClr val="tx2">
-                          <a:lumMod val="40000"/>
-                          <a:lumOff val="60000"/>
-                        </a:schemeClr>
-                      </a:solidFill>
-                      <a:prstDash val="solid"/>
-                      <a:round/>
-                      <a:headEnd type="none" w="med" len="med"/>
-                      <a:tailEnd type="none" w="med" len="med"/>
-                    </a:lnL>
-                    <a:lnR w="6350" cap="flat" cmpd="sng" algn="ctr">
-                      <a:solidFill>
-                        <a:schemeClr val="tx2">
-                          <a:lumMod val="40000"/>
-                          <a:lumOff val="60000"/>
-                        </a:schemeClr>
-                      </a:solidFill>
-                      <a:prstDash val="solid"/>
-                      <a:round/>
-                      <a:headEnd type="none" w="med" len="med"/>
-                      <a:tailEnd type="none" w="med" len="med"/>
-                    </a:lnR>
-                    <a:lnT w="6350" cap="flat" cmpd="sng" algn="ctr">
-                      <a:solidFill>
-                        <a:schemeClr val="tx2">
-                          <a:lumMod val="40000"/>
-                          <a:lumOff val="60000"/>
-                        </a:schemeClr>
-                      </a:solidFill>
-                      <a:prstDash val="solid"/>
-                      <a:round/>
-                      <a:headEnd type="none" w="med" len="med"/>
-                      <a:tailEnd type="none" w="med" len="med"/>
-                    </a:lnT>
-                    <a:lnB w="6350" cap="flat" cmpd="sng" algn="ctr">
-                      <a:solidFill>
-                        <a:schemeClr val="tx2">
-                          <a:lumMod val="40000"/>
-                          <a:lumOff val="60000"/>
-                        </a:schemeClr>
-                      </a:solidFill>
-                      <a:prstDash val="solid"/>
-                      <a:round/>
-                      <a:headEnd type="none" w="med" len="med"/>
-                      <a:tailEnd type="none" w="med" len="med"/>
-                    </a:lnB>
-                  </a:tcPr>
-                </a:tc>
-                <a:tc>
-                  <a:txBody>
-                    <a:bodyPr/>
-                    <a:lstStyle/>
-                    <a:p>
-                      <a:pPr algn="ctr"/>
-                      <a:r>
-                        <a:rPr lang="pl-PL" dirty="0" err="1">
-                          <a:solidFill>
-                            <a:schemeClr val="bg2">
-                              <a:lumMod val="90000"/>
-                            </a:schemeClr>
-                          </a:solidFill>
-                          <a:latin typeface="Futura Medium" panose="020B0602020204020303" pitchFamily="34" charset="-79"/>
-                          <a:cs typeface="Futura Medium" panose="020B0602020204020303" pitchFamily="34" charset="-79"/>
-                        </a:rPr>
-                        <a:t>Women</a:t>
-                      </a:r>
-                      <a:endParaRPr lang="pl-PL" dirty="0">
-                        <a:solidFill>
-                          <a:schemeClr val="bg2">
-                            <a:lumMod val="90000"/>
-                          </a:schemeClr>
-                        </a:solidFill>
-                        <a:latin typeface="Futura Medium" panose="020B0602020204020303" pitchFamily="34" charset="-79"/>
-                        <a:cs typeface="Futura Medium" panose="020B0602020204020303" pitchFamily="34" charset="-79"/>
-                      </a:endParaRPr>
-                    </a:p>
-                  </a:txBody>
-                  <a:tcPr>
-                    <a:lnL w="6350" cap="flat" cmpd="sng" algn="ctr">
-                      <a:solidFill>
-                        <a:schemeClr val="tx2">
-                          <a:lumMod val="40000"/>
-                          <a:lumOff val="60000"/>
-                        </a:schemeClr>
-                      </a:solidFill>
-                      <a:prstDash val="solid"/>
-                      <a:round/>
-                      <a:headEnd type="none" w="med" len="med"/>
-                      <a:tailEnd type="none" w="med" len="med"/>
-                    </a:lnL>
-                    <a:lnR w="6350" cap="flat" cmpd="sng" algn="ctr">
-                      <a:solidFill>
-                        <a:schemeClr val="tx2">
-                          <a:lumMod val="40000"/>
-                          <a:lumOff val="60000"/>
-                        </a:schemeClr>
-                      </a:solidFill>
-                      <a:prstDash val="solid"/>
-                      <a:round/>
-                      <a:headEnd type="none" w="med" len="med"/>
-                      <a:tailEnd type="none" w="med" len="med"/>
-                    </a:lnR>
-                    <a:lnT w="6350" cap="flat" cmpd="sng" algn="ctr">
-                      <a:solidFill>
-                        <a:schemeClr val="tx2">
-                          <a:lumMod val="40000"/>
-                          <a:lumOff val="60000"/>
-                        </a:schemeClr>
-                      </a:solidFill>
-                      <a:prstDash val="solid"/>
-                      <a:round/>
-                      <a:headEnd type="none" w="med" len="med"/>
-                      <a:tailEnd type="none" w="med" len="med"/>
-                    </a:lnT>
-                    <a:lnB w="6350" cap="flat" cmpd="sng" algn="ctr">
-                      <a:solidFill>
-                        <a:schemeClr val="tx2">
-                          <a:lumMod val="40000"/>
-                          <a:lumOff val="60000"/>
-                        </a:schemeClr>
-                      </a:solidFill>
-                      <a:prstDash val="solid"/>
-                      <a:round/>
-                      <a:headEnd type="none" w="med" len="med"/>
-                      <a:tailEnd type="none" w="med" len="med"/>
-                    </a:lnB>
-                  </a:tcPr>
-                </a:tc>
-                <a:extLst>
-                  <a:ext uri="{0D108BD9-81ED-4DB2-BD59-A6C34878D82A}">
-                    <a16:rowId xmlns:a16="http://schemas.microsoft.com/office/drawing/2014/main" val="3105084832"/>
-                  </a:ext>
-                </a:extLst>
-              </a:tr>
-              <a:tr h="890406">
-                <a:tc>
-                  <a:txBody>
-                    <a:bodyPr/>
-                    <a:lstStyle/>
-                    <a:p>
-                      <a:pPr algn="ctr"/>
-                      <a:r>
-                        <a:rPr lang="pl-PL" dirty="0">
-                          <a:solidFill>
-                            <a:srgbClr val="FF0000"/>
-                          </a:solidFill>
-                          <a:latin typeface="Futura Medium" panose="020B0602020204020303" pitchFamily="34" charset="-79"/>
-                          <a:cs typeface="Futura Medium" panose="020B0602020204020303" pitchFamily="34" charset="-79"/>
-                        </a:rPr>
-                        <a:t>Ratio of </a:t>
-                      </a:r>
-                      <a:r>
-                        <a:rPr lang="pl-PL" dirty="0" err="1">
-                          <a:solidFill>
-                            <a:srgbClr val="FF0000"/>
-                          </a:solidFill>
-                          <a:latin typeface="Futura Medium" panose="020B0602020204020303" pitchFamily="34" charset="-79"/>
-                          <a:cs typeface="Futura Medium" panose="020B0602020204020303" pitchFamily="34" charset="-79"/>
-                        </a:rPr>
-                        <a:t>consumers</a:t>
-                      </a:r>
-                      <a:r>
-                        <a:rPr lang="pl-PL" dirty="0">
-                          <a:solidFill>
-                            <a:srgbClr val="FF0000"/>
-                          </a:solidFill>
-                          <a:latin typeface="Futura Medium" panose="020B0602020204020303" pitchFamily="34" charset="-79"/>
-                          <a:cs typeface="Futura Medium" panose="020B0602020204020303" pitchFamily="34" charset="-79"/>
-                        </a:rPr>
-                        <a:t> </a:t>
-                      </a:r>
-                      <a:r>
-                        <a:rPr lang="pl-PL" dirty="0" err="1">
-                          <a:solidFill>
-                            <a:srgbClr val="FF0000"/>
-                          </a:solidFill>
-                          <a:latin typeface="Futura Medium" panose="020B0602020204020303" pitchFamily="34" charset="-79"/>
-                          <a:cs typeface="Futura Medium" panose="020B0602020204020303" pitchFamily="34" charset="-79"/>
-                        </a:rPr>
-                        <a:t>accepting</a:t>
-                      </a:r>
-                      <a:endParaRPr lang="pl-PL" dirty="0">
-                        <a:solidFill>
-                          <a:srgbClr val="FF0000"/>
-                        </a:solidFill>
-                        <a:latin typeface="Futura Medium" panose="020B0602020204020303" pitchFamily="34" charset="-79"/>
-                        <a:cs typeface="Futura Medium" panose="020B0602020204020303" pitchFamily="34" charset="-79"/>
-                      </a:endParaRPr>
-                    </a:p>
-                    <a:p>
-                      <a:pPr algn="ctr"/>
-                      <a:r>
-                        <a:rPr lang="pl-PL" dirty="0" err="1">
-                          <a:solidFill>
-                            <a:srgbClr val="FF0000"/>
-                          </a:solidFill>
-                          <a:latin typeface="Futura Medium" panose="020B0602020204020303" pitchFamily="34" charset="-79"/>
-                          <a:cs typeface="Futura Medium" panose="020B0602020204020303" pitchFamily="34" charset="-79"/>
-                        </a:rPr>
-                        <a:t>our</a:t>
-                      </a:r>
-                      <a:r>
-                        <a:rPr lang="pl-PL" dirty="0">
-                          <a:solidFill>
-                            <a:srgbClr val="FF0000"/>
-                          </a:solidFill>
-                          <a:latin typeface="Futura Medium" panose="020B0602020204020303" pitchFamily="34" charset="-79"/>
-                          <a:cs typeface="Futura Medium" panose="020B0602020204020303" pitchFamily="34" charset="-79"/>
-                        </a:rPr>
-                        <a:t> </a:t>
-                      </a:r>
-                      <a:r>
-                        <a:rPr lang="pl-PL" dirty="0" err="1">
-                          <a:solidFill>
-                            <a:srgbClr val="FF0000"/>
-                          </a:solidFill>
-                          <a:latin typeface="Futura Medium" panose="020B0602020204020303" pitchFamily="34" charset="-79"/>
-                          <a:cs typeface="Futura Medium" panose="020B0602020204020303" pitchFamily="34" charset="-79"/>
-                        </a:rPr>
-                        <a:t>offers</a:t>
-                      </a:r>
-                      <a:endParaRPr lang="pl-PL" dirty="0">
-                        <a:solidFill>
-                          <a:srgbClr val="FF0000"/>
-                        </a:solidFill>
-                        <a:latin typeface="Futura Medium" panose="020B0602020204020303" pitchFamily="34" charset="-79"/>
-                        <a:cs typeface="Futura Medium" panose="020B0602020204020303" pitchFamily="34" charset="-79"/>
-                      </a:endParaRPr>
-                    </a:p>
-                    <a:p>
-                      <a:pPr algn="ctr"/>
-                      <a:r>
-                        <a:rPr lang="pl-PL" dirty="0">
-                          <a:solidFill>
-                            <a:schemeClr val="bg2">
-                              <a:lumMod val="90000"/>
-                            </a:schemeClr>
-                          </a:solidFill>
-                          <a:latin typeface="Futura Medium" panose="020B0602020204020303" pitchFamily="34" charset="-79"/>
-                          <a:cs typeface="Futura Medium" panose="020B0602020204020303" pitchFamily="34" charset="-79"/>
-                        </a:rPr>
-                        <a:t>(do not sum to 100%)</a:t>
-                      </a:r>
-                    </a:p>
-                  </a:txBody>
-                  <a:tcPr>
-                    <a:lnL w="6350" cap="flat" cmpd="sng" algn="ctr">
-                      <a:solidFill>
-                        <a:schemeClr val="tx2">
-                          <a:lumMod val="40000"/>
-                          <a:lumOff val="60000"/>
-                        </a:schemeClr>
-                      </a:solidFill>
-                      <a:prstDash val="solid"/>
-                      <a:round/>
-                      <a:headEnd type="none" w="med" len="med"/>
-                      <a:tailEnd type="none" w="med" len="med"/>
-                    </a:lnL>
-                    <a:lnR w="6350" cap="flat" cmpd="sng" algn="ctr">
-                      <a:solidFill>
-                        <a:schemeClr val="tx2">
-                          <a:lumMod val="40000"/>
-                          <a:lumOff val="60000"/>
-                        </a:schemeClr>
-                      </a:solidFill>
-                      <a:prstDash val="solid"/>
-                      <a:round/>
-                      <a:headEnd type="none" w="med" len="med"/>
-                      <a:tailEnd type="none" w="med" len="med"/>
-                    </a:lnR>
-                    <a:lnT w="6350" cap="flat" cmpd="sng" algn="ctr">
-                      <a:solidFill>
-                        <a:schemeClr val="tx2">
-                          <a:lumMod val="40000"/>
-                          <a:lumOff val="60000"/>
-                        </a:schemeClr>
-                      </a:solidFill>
-                      <a:prstDash val="solid"/>
-                      <a:round/>
-                      <a:headEnd type="none" w="med" len="med"/>
-                      <a:tailEnd type="none" w="med" len="med"/>
-                    </a:lnT>
-                    <a:lnB w="6350" cap="flat" cmpd="sng" algn="ctr">
-                      <a:solidFill>
-                        <a:schemeClr val="tx2">
-                          <a:lumMod val="40000"/>
-                          <a:lumOff val="60000"/>
-                        </a:schemeClr>
-                      </a:solidFill>
-                      <a:prstDash val="solid"/>
-                      <a:round/>
-                      <a:headEnd type="none" w="med" len="med"/>
-                      <a:tailEnd type="none" w="med" len="med"/>
-                    </a:lnB>
-                  </a:tcPr>
-                </a:tc>
-                <a:tc>
-                  <a:txBody>
-                    <a:bodyPr/>
-                    <a:lstStyle/>
-                    <a:p>
-                      <a:pPr algn="ctr"/>
-                      <a:r>
-                        <a:rPr lang="pl-PL" sz="4000" dirty="0">
-                          <a:solidFill>
-                            <a:srgbClr val="FF0000"/>
-                          </a:solidFill>
-                          <a:latin typeface="Futura Medium" panose="020B0602020204020303" pitchFamily="34" charset="-79"/>
-                          <a:cs typeface="Futura Medium" panose="020B0602020204020303" pitchFamily="34" charset="-79"/>
-                        </a:rPr>
-                        <a:t>19%</a:t>
-                      </a:r>
-                    </a:p>
-                  </a:txBody>
-                  <a:tcPr>
-                    <a:lnL w="6350" cap="flat" cmpd="sng" algn="ctr">
-                      <a:solidFill>
-                        <a:schemeClr val="tx2">
-                          <a:lumMod val="40000"/>
-                          <a:lumOff val="60000"/>
-                        </a:schemeClr>
-                      </a:solidFill>
-                      <a:prstDash val="solid"/>
-                      <a:round/>
-                      <a:headEnd type="none" w="med" len="med"/>
-                      <a:tailEnd type="none" w="med" len="med"/>
-                    </a:lnL>
-                    <a:lnR w="6350" cap="flat" cmpd="sng" algn="ctr">
-                      <a:solidFill>
-                        <a:schemeClr val="tx2">
-                          <a:lumMod val="40000"/>
-                          <a:lumOff val="60000"/>
-                        </a:schemeClr>
-                      </a:solidFill>
-                      <a:prstDash val="solid"/>
-                      <a:round/>
-                      <a:headEnd type="none" w="med" len="med"/>
-                      <a:tailEnd type="none" w="med" len="med"/>
-                    </a:lnR>
-                    <a:lnT w="6350" cap="flat" cmpd="sng" algn="ctr">
-                      <a:solidFill>
-                        <a:schemeClr val="tx2">
-                          <a:lumMod val="40000"/>
-                          <a:lumOff val="60000"/>
-                        </a:schemeClr>
-                      </a:solidFill>
-                      <a:prstDash val="solid"/>
-                      <a:round/>
-                      <a:headEnd type="none" w="med" len="med"/>
-                      <a:tailEnd type="none" w="med" len="med"/>
-                    </a:lnT>
-                    <a:lnB w="6350" cap="flat" cmpd="sng" algn="ctr">
-                      <a:solidFill>
-                        <a:schemeClr val="tx2">
-                          <a:lumMod val="40000"/>
-                          <a:lumOff val="60000"/>
-                        </a:schemeClr>
-                      </a:solidFill>
-                      <a:prstDash val="solid"/>
-                      <a:round/>
-                      <a:headEnd type="none" w="med" len="med"/>
-                      <a:tailEnd type="none" w="med" len="med"/>
-                    </a:lnB>
-                  </a:tcPr>
-                </a:tc>
-                <a:tc>
-                  <a:txBody>
-                    <a:bodyPr/>
-                    <a:lstStyle/>
-                    <a:p>
-                      <a:pPr marL="0" marR="0" lvl="0" indent="0" algn="ctr" defTabSz="914400" rtl="0" eaLnBrk="1" fontAlgn="auto" latinLnBrk="0" hangingPunct="1">
-                        <a:lnSpc>
-                          <a:spcPct val="100000"/>
-                        </a:lnSpc>
-                        <a:spcBef>
-                          <a:spcPts val="0"/>
-                        </a:spcBef>
-                        <a:spcAft>
-                          <a:spcPts val="0"/>
-                        </a:spcAft>
-                        <a:buClrTx/>
-                        <a:buSzTx/>
-                        <a:buFontTx/>
-                        <a:buNone/>
-                        <a:tabLst/>
-                        <a:defRPr/>
-                      </a:pPr>
-                      <a:r>
-                        <a:rPr lang="pl-PL" dirty="0">
-                          <a:solidFill>
-                            <a:schemeClr val="bg2">
-                              <a:lumMod val="90000"/>
-                            </a:schemeClr>
-                          </a:solidFill>
-                          <a:latin typeface="Futura Medium" panose="020B0602020204020303" pitchFamily="34" charset="-79"/>
-                          <a:cs typeface="Futura Medium" panose="020B0602020204020303" pitchFamily="34" charset="-79"/>
-                        </a:rPr>
-                        <a:t>72.2%</a:t>
-                      </a:r>
-                    </a:p>
-                    <a:p>
-                      <a:endParaRPr lang="pl-PL" dirty="0">
-                        <a:latin typeface="Futura Medium" panose="020B0602020204020303" pitchFamily="34" charset="-79"/>
-                        <a:cs typeface="Futura Medium" panose="020B0602020204020303" pitchFamily="34" charset="-79"/>
-                      </a:endParaRPr>
-                    </a:p>
-                  </a:txBody>
-                  <a:tcPr>
-                    <a:lnL w="6350" cap="flat" cmpd="sng" algn="ctr">
-                      <a:solidFill>
-                        <a:schemeClr val="tx2">
-                          <a:lumMod val="40000"/>
-                          <a:lumOff val="60000"/>
-                        </a:schemeClr>
-                      </a:solidFill>
-                      <a:prstDash val="solid"/>
-                      <a:round/>
-                      <a:headEnd type="none" w="med" len="med"/>
-                      <a:tailEnd type="none" w="med" len="med"/>
-                    </a:lnL>
-                    <a:lnR w="6350" cap="flat" cmpd="sng" algn="ctr">
-                      <a:solidFill>
-                        <a:schemeClr val="tx2">
-                          <a:lumMod val="40000"/>
-                          <a:lumOff val="60000"/>
-                        </a:schemeClr>
-                      </a:solidFill>
-                      <a:prstDash val="solid"/>
-                      <a:round/>
-                      <a:headEnd type="none" w="med" len="med"/>
-                      <a:tailEnd type="none" w="med" len="med"/>
-                    </a:lnR>
-                    <a:lnT w="6350" cap="flat" cmpd="sng" algn="ctr">
-                      <a:solidFill>
-                        <a:schemeClr val="tx2">
-                          <a:lumMod val="40000"/>
-                          <a:lumOff val="60000"/>
-                        </a:schemeClr>
-                      </a:solidFill>
-                      <a:prstDash val="solid"/>
-                      <a:round/>
-                      <a:headEnd type="none" w="med" len="med"/>
-                      <a:tailEnd type="none" w="med" len="med"/>
-                    </a:lnT>
-                    <a:lnB w="6350" cap="flat" cmpd="sng" algn="ctr">
-                      <a:solidFill>
-                        <a:schemeClr val="tx2">
-                          <a:lumMod val="40000"/>
-                          <a:lumOff val="60000"/>
-                        </a:schemeClr>
-                      </a:solidFill>
-                      <a:prstDash val="solid"/>
-                      <a:round/>
-                      <a:headEnd type="none" w="med" len="med"/>
-                      <a:tailEnd type="none" w="med" len="med"/>
-                    </a:lnB>
-                  </a:tcPr>
-                </a:tc>
-                <a:extLst>
-                  <a:ext uri="{0D108BD9-81ED-4DB2-BD59-A6C34878D82A}">
-                    <a16:rowId xmlns:a16="http://schemas.microsoft.com/office/drawing/2014/main" val="2184632404"/>
-                  </a:ext>
-                </a:extLst>
-              </a:tr>
-              <a:tr h="890406">
-                <a:tc>
-                  <a:txBody>
-                    <a:bodyPr/>
-                    <a:lstStyle/>
-                    <a:p>
-                      <a:r>
-                        <a:rPr lang="pl-PL" dirty="0">
-                          <a:latin typeface="Futura Medium" panose="020B0602020204020303" pitchFamily="34" charset="-79"/>
-                          <a:cs typeface="Futura Medium" panose="020B0602020204020303" pitchFamily="34" charset="-79"/>
-                        </a:rPr>
-                        <a:t>  </a:t>
-                      </a:r>
-                      <a:r>
-                        <a:rPr lang="pl-PL" dirty="0">
-                          <a:solidFill>
-                            <a:schemeClr val="bg2">
-                              <a:lumMod val="90000"/>
-                            </a:schemeClr>
-                          </a:solidFill>
-                          <a:latin typeface="Futura Medium" panose="020B0602020204020303" pitchFamily="34" charset="-79"/>
-                          <a:cs typeface="Futura Medium" panose="020B0602020204020303" pitchFamily="34" charset="-79"/>
-                        </a:rPr>
-                        <a:t>Ratio of </a:t>
-                      </a:r>
-                      <a:r>
-                        <a:rPr lang="pl-PL" dirty="0" err="1">
-                          <a:solidFill>
-                            <a:schemeClr val="bg2">
-                              <a:lumMod val="90000"/>
-                            </a:schemeClr>
-                          </a:solidFill>
-                          <a:latin typeface="Futura Medium" panose="020B0602020204020303" pitchFamily="34" charset="-79"/>
-                          <a:cs typeface="Futura Medium" panose="020B0602020204020303" pitchFamily="34" charset="-79"/>
-                        </a:rPr>
-                        <a:t>total</a:t>
-                      </a:r>
-                      <a:r>
-                        <a:rPr lang="pl-PL" dirty="0">
-                          <a:solidFill>
-                            <a:schemeClr val="bg2">
-                              <a:lumMod val="90000"/>
-                            </a:schemeClr>
-                          </a:solidFill>
-                          <a:latin typeface="Futura Medium" panose="020B0602020204020303" pitchFamily="34" charset="-79"/>
-                          <a:cs typeface="Futura Medium" panose="020B0602020204020303" pitchFamily="34" charset="-79"/>
-                        </a:rPr>
-                        <a:t> </a:t>
-                      </a:r>
-                      <a:r>
-                        <a:rPr lang="pl-PL" dirty="0" err="1">
-                          <a:solidFill>
-                            <a:schemeClr val="bg2">
-                              <a:lumMod val="90000"/>
-                            </a:schemeClr>
-                          </a:solidFill>
-                          <a:latin typeface="Futura Medium" panose="020B0602020204020303" pitchFamily="34" charset="-79"/>
-                          <a:cs typeface="Futura Medium" panose="020B0602020204020303" pitchFamily="34" charset="-79"/>
-                        </a:rPr>
-                        <a:t>consumers</a:t>
-                      </a:r>
-                      <a:endParaRPr lang="pl-PL" dirty="0">
-                        <a:solidFill>
-                          <a:schemeClr val="bg2">
-                            <a:lumMod val="90000"/>
-                          </a:schemeClr>
-                        </a:solidFill>
-                        <a:latin typeface="Futura Medium" panose="020B0602020204020303" pitchFamily="34" charset="-79"/>
-                        <a:cs typeface="Futura Medium" panose="020B0602020204020303" pitchFamily="34" charset="-79"/>
-                      </a:endParaRPr>
-                    </a:p>
-                    <a:p>
-                      <a:pPr algn="ctr"/>
-                      <a:r>
-                        <a:rPr lang="pl-PL" dirty="0">
-                          <a:solidFill>
-                            <a:schemeClr val="bg2">
-                              <a:lumMod val="90000"/>
-                            </a:schemeClr>
-                          </a:solidFill>
-                          <a:latin typeface="Futura Medium" panose="020B0602020204020303" pitchFamily="34" charset="-79"/>
-                          <a:cs typeface="Futura Medium" panose="020B0602020204020303" pitchFamily="34" charset="-79"/>
-                        </a:rPr>
-                        <a:t>(sum to 100%)</a:t>
-                      </a:r>
-                    </a:p>
-                  </a:txBody>
-                  <a:tcPr>
-                    <a:lnL w="6350" cap="flat" cmpd="sng" algn="ctr">
-                      <a:solidFill>
-                        <a:schemeClr val="tx2">
-                          <a:lumMod val="40000"/>
-                          <a:lumOff val="60000"/>
-                        </a:schemeClr>
-                      </a:solidFill>
-                      <a:prstDash val="solid"/>
-                      <a:round/>
-                      <a:headEnd type="none" w="med" len="med"/>
-                      <a:tailEnd type="none" w="med" len="med"/>
-                    </a:lnL>
-                    <a:lnR w="6350" cap="flat" cmpd="sng" algn="ctr">
-                      <a:solidFill>
-                        <a:schemeClr val="tx2">
-                          <a:lumMod val="40000"/>
-                          <a:lumOff val="60000"/>
-                        </a:schemeClr>
-                      </a:solidFill>
-                      <a:prstDash val="solid"/>
-                      <a:round/>
-                      <a:headEnd type="none" w="med" len="med"/>
-                      <a:tailEnd type="none" w="med" len="med"/>
-                    </a:lnR>
-                    <a:lnT w="6350" cap="flat" cmpd="sng" algn="ctr">
-                      <a:solidFill>
-                        <a:schemeClr val="tx2">
-                          <a:lumMod val="40000"/>
-                          <a:lumOff val="60000"/>
-                        </a:schemeClr>
-                      </a:solidFill>
-                      <a:prstDash val="solid"/>
-                      <a:round/>
-                      <a:headEnd type="none" w="med" len="med"/>
-                      <a:tailEnd type="none" w="med" len="med"/>
-                    </a:lnT>
-                    <a:lnB w="6350" cap="flat" cmpd="sng" algn="ctr">
-                      <a:solidFill>
-                        <a:schemeClr val="tx2">
-                          <a:lumMod val="40000"/>
-                          <a:lumOff val="60000"/>
-                        </a:schemeClr>
-                      </a:solidFill>
-                      <a:prstDash val="solid"/>
-                      <a:round/>
-                      <a:headEnd type="none" w="med" len="med"/>
-                      <a:tailEnd type="none" w="med" len="med"/>
-                    </a:lnB>
-                  </a:tcPr>
-                </a:tc>
-                <a:tc>
-                  <a:txBody>
-                    <a:bodyPr/>
-                    <a:lstStyle/>
-                    <a:p>
-                      <a:pPr algn="ctr"/>
-                      <a:r>
-                        <a:rPr lang="pl-PL" dirty="0">
-                          <a:solidFill>
-                            <a:schemeClr val="bg2">
-                              <a:lumMod val="90000"/>
-                            </a:schemeClr>
-                          </a:solidFill>
-                          <a:latin typeface="Futura Medium" panose="020B0602020204020303" pitchFamily="34" charset="-79"/>
-                          <a:cs typeface="Futura Medium" panose="020B0602020204020303" pitchFamily="34" charset="-79"/>
-                        </a:rPr>
-                        <a:t>64.5%</a:t>
-                      </a:r>
-                    </a:p>
-                  </a:txBody>
-                  <a:tcPr>
-                    <a:lnL w="6350" cap="flat" cmpd="sng" algn="ctr">
-                      <a:solidFill>
-                        <a:schemeClr val="tx2">
-                          <a:lumMod val="40000"/>
-                          <a:lumOff val="60000"/>
-                        </a:schemeClr>
-                      </a:solidFill>
-                      <a:prstDash val="solid"/>
-                      <a:round/>
-                      <a:headEnd type="none" w="med" len="med"/>
-                      <a:tailEnd type="none" w="med" len="med"/>
-                    </a:lnL>
-                    <a:lnR w="6350" cap="flat" cmpd="sng" algn="ctr">
-                      <a:solidFill>
-                        <a:schemeClr val="tx2">
-                          <a:lumMod val="40000"/>
-                          <a:lumOff val="60000"/>
-                        </a:schemeClr>
-                      </a:solidFill>
-                      <a:prstDash val="solid"/>
-                      <a:round/>
-                      <a:headEnd type="none" w="med" len="med"/>
-                      <a:tailEnd type="none" w="med" len="med"/>
-                    </a:lnR>
-                    <a:lnT w="6350" cap="flat" cmpd="sng" algn="ctr">
-                      <a:solidFill>
-                        <a:schemeClr val="tx2">
-                          <a:lumMod val="40000"/>
-                          <a:lumOff val="60000"/>
-                        </a:schemeClr>
-                      </a:solidFill>
-                      <a:prstDash val="solid"/>
-                      <a:round/>
-                      <a:headEnd type="none" w="med" len="med"/>
-                      <a:tailEnd type="none" w="med" len="med"/>
-                    </a:lnT>
-                    <a:lnB w="6350" cap="flat" cmpd="sng" algn="ctr">
-                      <a:solidFill>
-                        <a:schemeClr val="tx2">
-                          <a:lumMod val="40000"/>
-                          <a:lumOff val="60000"/>
-                        </a:schemeClr>
-                      </a:solidFill>
-                      <a:prstDash val="solid"/>
-                      <a:round/>
-                      <a:headEnd type="none" w="med" len="med"/>
-                      <a:tailEnd type="none" w="med" len="med"/>
-                    </a:lnB>
-                  </a:tcPr>
-                </a:tc>
-                <a:tc>
-                  <a:txBody>
-                    <a:bodyPr/>
-                    <a:lstStyle/>
-                    <a:p>
-                      <a:pPr algn="ctr"/>
-                      <a:r>
-                        <a:rPr lang="pl-PL" dirty="0">
-                          <a:solidFill>
-                            <a:schemeClr val="bg2">
-                              <a:lumMod val="90000"/>
-                            </a:schemeClr>
-                          </a:solidFill>
-                          <a:latin typeface="Futura Medium" panose="020B0602020204020303" pitchFamily="34" charset="-79"/>
-                          <a:cs typeface="Futura Medium" panose="020B0602020204020303" pitchFamily="34" charset="-79"/>
-                        </a:rPr>
-                        <a:t>35.5%</a:t>
-                      </a:r>
-                    </a:p>
-                  </a:txBody>
-                  <a:tcPr>
-                    <a:lnL w="6350" cap="flat" cmpd="sng" algn="ctr">
-                      <a:solidFill>
-                        <a:schemeClr val="tx2">
-                          <a:lumMod val="40000"/>
-                          <a:lumOff val="60000"/>
-                        </a:schemeClr>
-                      </a:solidFill>
-                      <a:prstDash val="solid"/>
-                      <a:round/>
-                      <a:headEnd type="none" w="med" len="med"/>
-                      <a:tailEnd type="none" w="med" len="med"/>
-                    </a:lnL>
-                    <a:lnR w="6350" cap="flat" cmpd="sng" algn="ctr">
-                      <a:solidFill>
-                        <a:schemeClr val="tx2">
-                          <a:lumMod val="40000"/>
-                          <a:lumOff val="60000"/>
-                        </a:schemeClr>
-                      </a:solidFill>
-                      <a:prstDash val="solid"/>
-                      <a:round/>
-                      <a:headEnd type="none" w="med" len="med"/>
-                      <a:tailEnd type="none" w="med" len="med"/>
-                    </a:lnR>
-                    <a:lnT w="6350" cap="flat" cmpd="sng" algn="ctr">
-                      <a:solidFill>
-                        <a:schemeClr val="tx2">
-                          <a:lumMod val="40000"/>
-                          <a:lumOff val="60000"/>
-                        </a:schemeClr>
-                      </a:solidFill>
-                      <a:prstDash val="solid"/>
-                      <a:round/>
-                      <a:headEnd type="none" w="med" len="med"/>
-                      <a:tailEnd type="none" w="med" len="med"/>
-                    </a:lnT>
-                    <a:lnB w="6350" cap="flat" cmpd="sng" algn="ctr">
-                      <a:solidFill>
-                        <a:schemeClr val="tx2">
-                          <a:lumMod val="40000"/>
-                          <a:lumOff val="60000"/>
-                        </a:schemeClr>
-                      </a:solidFill>
-                      <a:prstDash val="solid"/>
-                      <a:round/>
-                      <a:headEnd type="none" w="med" len="med"/>
-                      <a:tailEnd type="none" w="med" len="med"/>
-                    </a:lnB>
-                  </a:tcPr>
-                </a:tc>
-                <a:extLst>
-                  <a:ext uri="{0D108BD9-81ED-4DB2-BD59-A6C34878D82A}">
-                    <a16:rowId xmlns:a16="http://schemas.microsoft.com/office/drawing/2014/main" val="3616178824"/>
-                  </a:ext>
-                </a:extLst>
-              </a:tr>
-            </a:tbl>
-          </a:graphicData>
-        </a:graphic>
-      </p:graphicFrame>
-    </p:spTree>
-    <p:extLst>
-      <p:ext uri="{BB962C8B-B14F-4D97-AF65-F5344CB8AC3E}">
-        <p14:creationId xmlns:p14="http://schemas.microsoft.com/office/powerpoint/2010/main" val="619845573"/>
-      </p:ext>
-    </p:extLst>
-  </p:cSld>
-  <p:clrMapOvr>
-    <a:masterClrMapping/>
-  </p:clrMapOvr>
-</p:sld>
-</file>
-
 <file path=ppt/theme/theme1.xml><?xml version="1.0" encoding="utf-8"?>
 <a:theme xmlns:a="http://schemas.openxmlformats.org/drawingml/2006/main" name="Office Theme">
   <a:themeElements>

--- a/presentations/business/pnos_business_ppt.pptx
+++ b/presentations/business/pnos_business_ppt.pptx
@@ -6832,7 +6832,7 @@
           <a:p>
             <a:fld id="{B9A9EE70-06A6-5645-802D-4F9862C567B5}" type="datetimeFigureOut">
               <a:rPr lang="pl-PL" smtClean="0"/>
-              <a:t>24.11.2019</a:t>
+              <a:t>25.11.2019</a:t>
             </a:fld>
             <a:endParaRPr lang="pl-PL"/>
           </a:p>
@@ -8005,7 +8005,7 @@
           <a:p>
             <a:fld id="{BDB90D4E-B4B4-AA4D-8C3E-EED2DA1EB551}" type="datetimeFigureOut">
               <a:rPr lang="pl-PL" smtClean="0"/>
-              <a:t>24.11.2019</a:t>
+              <a:t>25.11.2019</a:t>
             </a:fld>
             <a:endParaRPr lang="pl-PL"/>
           </a:p>
@@ -8205,7 +8205,7 @@
           <a:p>
             <a:fld id="{BDB90D4E-B4B4-AA4D-8C3E-EED2DA1EB551}" type="datetimeFigureOut">
               <a:rPr lang="pl-PL" smtClean="0"/>
-              <a:t>24.11.2019</a:t>
+              <a:t>25.11.2019</a:t>
             </a:fld>
             <a:endParaRPr lang="pl-PL"/>
           </a:p>
@@ -8415,7 +8415,7 @@
           <a:p>
             <a:fld id="{BDB90D4E-B4B4-AA4D-8C3E-EED2DA1EB551}" type="datetimeFigureOut">
               <a:rPr lang="pl-PL" smtClean="0"/>
-              <a:t>24.11.2019</a:t>
+              <a:t>25.11.2019</a:t>
             </a:fld>
             <a:endParaRPr lang="pl-PL"/>
           </a:p>
@@ -8615,7 +8615,7 @@
           <a:p>
             <a:fld id="{BDB90D4E-B4B4-AA4D-8C3E-EED2DA1EB551}" type="datetimeFigureOut">
               <a:rPr lang="pl-PL" smtClean="0"/>
-              <a:t>24.11.2019</a:t>
+              <a:t>25.11.2019</a:t>
             </a:fld>
             <a:endParaRPr lang="pl-PL"/>
           </a:p>
@@ -8891,7 +8891,7 @@
           <a:p>
             <a:fld id="{BDB90D4E-B4B4-AA4D-8C3E-EED2DA1EB551}" type="datetimeFigureOut">
               <a:rPr lang="pl-PL" smtClean="0"/>
-              <a:t>24.11.2019</a:t>
+              <a:t>25.11.2019</a:t>
             </a:fld>
             <a:endParaRPr lang="pl-PL"/>
           </a:p>
@@ -9159,7 +9159,7 @@
           <a:p>
             <a:fld id="{BDB90D4E-B4B4-AA4D-8C3E-EED2DA1EB551}" type="datetimeFigureOut">
               <a:rPr lang="pl-PL" smtClean="0"/>
-              <a:t>24.11.2019</a:t>
+              <a:t>25.11.2019</a:t>
             </a:fld>
             <a:endParaRPr lang="pl-PL"/>
           </a:p>
@@ -9574,7 +9574,7 @@
           <a:p>
             <a:fld id="{BDB90D4E-B4B4-AA4D-8C3E-EED2DA1EB551}" type="datetimeFigureOut">
               <a:rPr lang="pl-PL" smtClean="0"/>
-              <a:t>24.11.2019</a:t>
+              <a:t>25.11.2019</a:t>
             </a:fld>
             <a:endParaRPr lang="pl-PL"/>
           </a:p>
@@ -9716,7 +9716,7 @@
           <a:p>
             <a:fld id="{BDB90D4E-B4B4-AA4D-8C3E-EED2DA1EB551}" type="datetimeFigureOut">
               <a:rPr lang="pl-PL" smtClean="0"/>
-              <a:t>24.11.2019</a:t>
+              <a:t>25.11.2019</a:t>
             </a:fld>
             <a:endParaRPr lang="pl-PL"/>
           </a:p>
@@ -9829,7 +9829,7 @@
           <a:p>
             <a:fld id="{BDB90D4E-B4B4-AA4D-8C3E-EED2DA1EB551}" type="datetimeFigureOut">
               <a:rPr lang="pl-PL" smtClean="0"/>
-              <a:t>24.11.2019</a:t>
+              <a:t>25.11.2019</a:t>
             </a:fld>
             <a:endParaRPr lang="pl-PL"/>
           </a:p>
@@ -10142,7 +10142,7 @@
           <a:p>
             <a:fld id="{BDB90D4E-B4B4-AA4D-8C3E-EED2DA1EB551}" type="datetimeFigureOut">
               <a:rPr lang="pl-PL" smtClean="0"/>
-              <a:t>24.11.2019</a:t>
+              <a:t>25.11.2019</a:t>
             </a:fld>
             <a:endParaRPr lang="pl-PL"/>
           </a:p>
@@ -10431,7 +10431,7 @@
           <a:p>
             <a:fld id="{BDB90D4E-B4B4-AA4D-8C3E-EED2DA1EB551}" type="datetimeFigureOut">
               <a:rPr lang="pl-PL" smtClean="0"/>
-              <a:t>24.11.2019</a:t>
+              <a:t>25.11.2019</a:t>
             </a:fld>
             <a:endParaRPr lang="pl-PL"/>
           </a:p>
@@ -10674,7 +10674,7 @@
           <a:p>
             <a:fld id="{BDB90D4E-B4B4-AA4D-8C3E-EED2DA1EB551}" type="datetimeFigureOut">
               <a:rPr lang="pl-PL" smtClean="0"/>
-              <a:t>24.11.2019</a:t>
+              <a:t>25.11.2019</a:t>
             </a:fld>
             <a:endParaRPr lang="pl-PL"/>
           </a:p>
@@ -11457,7 +11457,55 @@
                 <a:latin typeface="Futura Medium" panose="020B0602020204020303" pitchFamily="34" charset="-79"/>
                 <a:cs typeface="Futura Medium" panose="020B0602020204020303" pitchFamily="34" charset="-79"/>
               </a:rPr>
-              <a:t> trend?</a:t>
+              <a:t> </a:t>
+            </a:r>
+            <a:r>
+              <a:rPr lang="pl-PL" sz="3200" dirty="0" err="1">
+                <a:solidFill>
+                  <a:schemeClr val="accent1">
+                    <a:lumMod val="75000"/>
+                  </a:schemeClr>
+                </a:solidFill>
+                <a:latin typeface="Futura Medium" panose="020B0602020204020303" pitchFamily="34" charset="-79"/>
+                <a:cs typeface="Futura Medium" panose="020B0602020204020303" pitchFamily="34" charset="-79"/>
+              </a:rPr>
+              <a:t>something</a:t>
+            </a:r>
+            <a:r>
+              <a:rPr lang="pl-PL" sz="3200" dirty="0">
+                <a:solidFill>
+                  <a:schemeClr val="accent1">
+                    <a:lumMod val="75000"/>
+                  </a:schemeClr>
+                </a:solidFill>
+                <a:latin typeface="Futura Medium" panose="020B0602020204020303" pitchFamily="34" charset="-79"/>
+                <a:cs typeface="Futura Medium" panose="020B0602020204020303" pitchFamily="34" charset="-79"/>
+              </a:rPr>
+              <a:t> </a:t>
+            </a:r>
+            <a:r>
+              <a:rPr lang="pl-PL" sz="3200" dirty="0" err="1">
+                <a:solidFill>
+                  <a:schemeClr val="accent1">
+                    <a:lumMod val="75000"/>
+                  </a:schemeClr>
+                </a:solidFill>
+                <a:latin typeface="Futura Medium" panose="020B0602020204020303" pitchFamily="34" charset="-79"/>
+                <a:cs typeface="Futura Medium" panose="020B0602020204020303" pitchFamily="34" charset="-79"/>
+              </a:rPr>
+              <a:t>useful</a:t>
+            </a:r>
+            <a:r>
+              <a:rPr lang="pl-PL" sz="3200" dirty="0">
+                <a:solidFill>
+                  <a:schemeClr val="accent1">
+                    <a:lumMod val="75000"/>
+                  </a:schemeClr>
+                </a:solidFill>
+                <a:latin typeface="Futura Medium" panose="020B0602020204020303" pitchFamily="34" charset="-79"/>
+                <a:cs typeface="Futura Medium" panose="020B0602020204020303" pitchFamily="34" charset="-79"/>
+              </a:rPr>
+              <a:t>?</a:t>
             </a:r>
           </a:p>
         </p:txBody>
@@ -12126,7 +12174,55 @@
                 <a:latin typeface="Futura Medium" panose="020B0602020204020303" pitchFamily="34" charset="-79"/>
                 <a:cs typeface="Futura Medium" panose="020B0602020204020303" pitchFamily="34" charset="-79"/>
               </a:rPr>
-              <a:t> trend?</a:t>
+              <a:t> </a:t>
+            </a:r>
+            <a:r>
+              <a:rPr lang="pl-PL" sz="3200" dirty="0" err="1">
+                <a:solidFill>
+                  <a:schemeClr val="accent1">
+                    <a:lumMod val="75000"/>
+                  </a:schemeClr>
+                </a:solidFill>
+                <a:latin typeface="Futura Medium" panose="020B0602020204020303" pitchFamily="34" charset="-79"/>
+                <a:cs typeface="Futura Medium" panose="020B0602020204020303" pitchFamily="34" charset="-79"/>
+              </a:rPr>
+              <a:t>something</a:t>
+            </a:r>
+            <a:r>
+              <a:rPr lang="pl-PL" sz="3200" dirty="0">
+                <a:solidFill>
+                  <a:schemeClr val="accent1">
+                    <a:lumMod val="75000"/>
+                  </a:schemeClr>
+                </a:solidFill>
+                <a:latin typeface="Futura Medium" panose="020B0602020204020303" pitchFamily="34" charset="-79"/>
+                <a:cs typeface="Futura Medium" panose="020B0602020204020303" pitchFamily="34" charset="-79"/>
+              </a:rPr>
+              <a:t> </a:t>
+            </a:r>
+            <a:r>
+              <a:rPr lang="pl-PL" sz="3200" dirty="0" err="1">
+                <a:solidFill>
+                  <a:schemeClr val="accent1">
+                    <a:lumMod val="75000"/>
+                  </a:schemeClr>
+                </a:solidFill>
+                <a:latin typeface="Futura Medium" panose="020B0602020204020303" pitchFamily="34" charset="-79"/>
+                <a:cs typeface="Futura Medium" panose="020B0602020204020303" pitchFamily="34" charset="-79"/>
+              </a:rPr>
+              <a:t>useful</a:t>
+            </a:r>
+            <a:r>
+              <a:rPr lang="pl-PL" sz="3200" dirty="0">
+                <a:solidFill>
+                  <a:schemeClr val="accent1">
+                    <a:lumMod val="75000"/>
+                  </a:schemeClr>
+                </a:solidFill>
+                <a:latin typeface="Futura Medium" panose="020B0602020204020303" pitchFamily="34" charset="-79"/>
+                <a:cs typeface="Futura Medium" panose="020B0602020204020303" pitchFamily="34" charset="-79"/>
+              </a:rPr>
+              <a:t>?</a:t>
             </a:r>
           </a:p>
         </p:txBody>
@@ -12279,7 +12375,55 @@
                 <a:latin typeface="Futura Medium" panose="020B0602020204020303" pitchFamily="34" charset="-79"/>
                 <a:cs typeface="Futura Medium" panose="020B0602020204020303" pitchFamily="34" charset="-79"/>
               </a:rPr>
-              <a:t> trend?</a:t>
+              <a:t> </a:t>
+            </a:r>
+            <a:r>
+              <a:rPr lang="pl-PL" sz="3200" dirty="0" err="1">
+                <a:solidFill>
+                  <a:schemeClr val="accent1">
+                    <a:lumMod val="75000"/>
+                  </a:schemeClr>
+                </a:solidFill>
+                <a:latin typeface="Futura Medium" panose="020B0602020204020303" pitchFamily="34" charset="-79"/>
+                <a:cs typeface="Futura Medium" panose="020B0602020204020303" pitchFamily="34" charset="-79"/>
+              </a:rPr>
+              <a:t>something</a:t>
+            </a:r>
+            <a:r>
+              <a:rPr lang="pl-PL" sz="3200" dirty="0">
+                <a:solidFill>
+                  <a:schemeClr val="accent1">
+                    <a:lumMod val="75000"/>
+                  </a:schemeClr>
+                </a:solidFill>
+                <a:latin typeface="Futura Medium" panose="020B0602020204020303" pitchFamily="34" charset="-79"/>
+                <a:cs typeface="Futura Medium" panose="020B0602020204020303" pitchFamily="34" charset="-79"/>
+              </a:rPr>
+              <a:t> </a:t>
+            </a:r>
+            <a:r>
+              <a:rPr lang="pl-PL" sz="3200" dirty="0" err="1">
+                <a:solidFill>
+                  <a:schemeClr val="accent1">
+                    <a:lumMod val="75000"/>
+                  </a:schemeClr>
+                </a:solidFill>
+                <a:latin typeface="Futura Medium" panose="020B0602020204020303" pitchFamily="34" charset="-79"/>
+                <a:cs typeface="Futura Medium" panose="020B0602020204020303" pitchFamily="34" charset="-79"/>
+              </a:rPr>
+              <a:t>useful</a:t>
+            </a:r>
+            <a:r>
+              <a:rPr lang="pl-PL" sz="3200" dirty="0">
+                <a:solidFill>
+                  <a:schemeClr val="accent1">
+                    <a:lumMod val="75000"/>
+                  </a:schemeClr>
+                </a:solidFill>
+                <a:latin typeface="Futura Medium" panose="020B0602020204020303" pitchFamily="34" charset="-79"/>
+                <a:cs typeface="Futura Medium" panose="020B0602020204020303" pitchFamily="34" charset="-79"/>
+              </a:rPr>
+              <a:t>?</a:t>
             </a:r>
           </a:p>
         </p:txBody>
@@ -12718,7 +12862,55 @@
                 <a:latin typeface="Futura Medium" panose="020B0602020204020303" pitchFamily="34" charset="-79"/>
                 <a:cs typeface="Futura Medium" panose="020B0602020204020303" pitchFamily="34" charset="-79"/>
               </a:rPr>
-              <a:t> trend?</a:t>
+              <a:t> </a:t>
+            </a:r>
+            <a:r>
+              <a:rPr lang="pl-PL" sz="3200" dirty="0" err="1">
+                <a:solidFill>
+                  <a:schemeClr val="accent1">
+                    <a:lumMod val="75000"/>
+                  </a:schemeClr>
+                </a:solidFill>
+                <a:latin typeface="Futura Medium" panose="020B0602020204020303" pitchFamily="34" charset="-79"/>
+                <a:cs typeface="Futura Medium" panose="020B0602020204020303" pitchFamily="34" charset="-79"/>
+              </a:rPr>
+              <a:t>something</a:t>
+            </a:r>
+            <a:r>
+              <a:rPr lang="pl-PL" sz="3200" dirty="0">
+                <a:solidFill>
+                  <a:schemeClr val="accent1">
+                    <a:lumMod val="75000"/>
+                  </a:schemeClr>
+                </a:solidFill>
+                <a:latin typeface="Futura Medium" panose="020B0602020204020303" pitchFamily="34" charset="-79"/>
+                <a:cs typeface="Futura Medium" panose="020B0602020204020303" pitchFamily="34" charset="-79"/>
+              </a:rPr>
+              <a:t> </a:t>
+            </a:r>
+            <a:r>
+              <a:rPr lang="pl-PL" sz="3200" dirty="0" err="1">
+                <a:solidFill>
+                  <a:schemeClr val="accent1">
+                    <a:lumMod val="75000"/>
+                  </a:schemeClr>
+                </a:solidFill>
+                <a:latin typeface="Futura Medium" panose="020B0602020204020303" pitchFamily="34" charset="-79"/>
+                <a:cs typeface="Futura Medium" panose="020B0602020204020303" pitchFamily="34" charset="-79"/>
+              </a:rPr>
+              <a:t>useful</a:t>
+            </a:r>
+            <a:r>
+              <a:rPr lang="pl-PL" sz="3200" dirty="0">
+                <a:solidFill>
+                  <a:schemeClr val="accent1">
+                    <a:lumMod val="75000"/>
+                  </a:schemeClr>
+                </a:solidFill>
+                <a:latin typeface="Futura Medium" panose="020B0602020204020303" pitchFamily="34" charset="-79"/>
+                <a:cs typeface="Futura Medium" panose="020B0602020204020303" pitchFamily="34" charset="-79"/>
+              </a:rPr>
+              <a:t>?</a:t>
             </a:r>
           </a:p>
         </p:txBody>
@@ -13300,7 +13492,55 @@
                 <a:latin typeface="Futura Medium" panose="020B0602020204020303" pitchFamily="34" charset="-79"/>
                 <a:cs typeface="Futura Medium" panose="020B0602020204020303" pitchFamily="34" charset="-79"/>
               </a:rPr>
-              <a:t> trend?</a:t>
+              <a:t> </a:t>
+            </a:r>
+            <a:r>
+              <a:rPr lang="pl-PL" sz="3200" dirty="0" err="1">
+                <a:solidFill>
+                  <a:schemeClr val="accent1">
+                    <a:lumMod val="75000"/>
+                  </a:schemeClr>
+                </a:solidFill>
+                <a:latin typeface="Futura Medium" panose="020B0602020204020303" pitchFamily="34" charset="-79"/>
+                <a:cs typeface="Futura Medium" panose="020B0602020204020303" pitchFamily="34" charset="-79"/>
+              </a:rPr>
+              <a:t>something</a:t>
+            </a:r>
+            <a:r>
+              <a:rPr lang="pl-PL" sz="3200" dirty="0">
+                <a:solidFill>
+                  <a:schemeClr val="accent1">
+                    <a:lumMod val="75000"/>
+                  </a:schemeClr>
+                </a:solidFill>
+                <a:latin typeface="Futura Medium" panose="020B0602020204020303" pitchFamily="34" charset="-79"/>
+                <a:cs typeface="Futura Medium" panose="020B0602020204020303" pitchFamily="34" charset="-79"/>
+              </a:rPr>
+              <a:t> </a:t>
+            </a:r>
+            <a:r>
+              <a:rPr lang="pl-PL" sz="3200" dirty="0" err="1">
+                <a:solidFill>
+                  <a:schemeClr val="accent1">
+                    <a:lumMod val="75000"/>
+                  </a:schemeClr>
+                </a:solidFill>
+                <a:latin typeface="Futura Medium" panose="020B0602020204020303" pitchFamily="34" charset="-79"/>
+                <a:cs typeface="Futura Medium" panose="020B0602020204020303" pitchFamily="34" charset="-79"/>
+              </a:rPr>
+              <a:t>useful</a:t>
+            </a:r>
+            <a:r>
+              <a:rPr lang="pl-PL" sz="3200" dirty="0">
+                <a:solidFill>
+                  <a:schemeClr val="accent1">
+                    <a:lumMod val="75000"/>
+                  </a:schemeClr>
+                </a:solidFill>
+                <a:latin typeface="Futura Medium" panose="020B0602020204020303" pitchFamily="34" charset="-79"/>
+                <a:cs typeface="Futura Medium" panose="020B0602020204020303" pitchFamily="34" charset="-79"/>
+              </a:rPr>
+              <a:t>?</a:t>
             </a:r>
           </a:p>
         </p:txBody>
@@ -13990,7 +14230,55 @@
                 <a:latin typeface="Futura Medium" panose="020B0602020204020303" pitchFamily="34" charset="-79"/>
                 <a:cs typeface="Futura Medium" panose="020B0602020204020303" pitchFamily="34" charset="-79"/>
               </a:rPr>
-              <a:t> trend?</a:t>
+              <a:t> </a:t>
+            </a:r>
+            <a:r>
+              <a:rPr lang="pl-PL" sz="3200" dirty="0" err="1">
+                <a:solidFill>
+                  <a:schemeClr val="accent1">
+                    <a:lumMod val="75000"/>
+                  </a:schemeClr>
+                </a:solidFill>
+                <a:latin typeface="Futura Medium" panose="020B0602020204020303" pitchFamily="34" charset="-79"/>
+                <a:cs typeface="Futura Medium" panose="020B0602020204020303" pitchFamily="34" charset="-79"/>
+              </a:rPr>
+              <a:t>something</a:t>
+            </a:r>
+            <a:r>
+              <a:rPr lang="pl-PL" sz="3200" dirty="0">
+                <a:solidFill>
+                  <a:schemeClr val="accent1">
+                    <a:lumMod val="75000"/>
+                  </a:schemeClr>
+                </a:solidFill>
+                <a:latin typeface="Futura Medium" panose="020B0602020204020303" pitchFamily="34" charset="-79"/>
+                <a:cs typeface="Futura Medium" panose="020B0602020204020303" pitchFamily="34" charset="-79"/>
+              </a:rPr>
+              <a:t> </a:t>
+            </a:r>
+            <a:r>
+              <a:rPr lang="pl-PL" sz="3200" dirty="0" err="1">
+                <a:solidFill>
+                  <a:schemeClr val="accent1">
+                    <a:lumMod val="75000"/>
+                  </a:schemeClr>
+                </a:solidFill>
+                <a:latin typeface="Futura Medium" panose="020B0602020204020303" pitchFamily="34" charset="-79"/>
+                <a:cs typeface="Futura Medium" panose="020B0602020204020303" pitchFamily="34" charset="-79"/>
+              </a:rPr>
+              <a:t>useful</a:t>
+            </a:r>
+            <a:r>
+              <a:rPr lang="pl-PL" sz="3200" dirty="0">
+                <a:solidFill>
+                  <a:schemeClr val="accent1">
+                    <a:lumMod val="75000"/>
+                  </a:schemeClr>
+                </a:solidFill>
+                <a:latin typeface="Futura Medium" panose="020B0602020204020303" pitchFamily="34" charset="-79"/>
+                <a:cs typeface="Futura Medium" panose="020B0602020204020303" pitchFamily="34" charset="-79"/>
+              </a:rPr>
+              <a:t>?</a:t>
             </a:r>
           </a:p>
         </p:txBody>
@@ -14997,7 +15285,55 @@
                 <a:latin typeface="Futura Medium" panose="020B0602020204020303" pitchFamily="34" charset="-79"/>
                 <a:cs typeface="Futura Medium" panose="020B0602020204020303" pitchFamily="34" charset="-79"/>
               </a:rPr>
-              <a:t> trend?</a:t>
+              <a:t> </a:t>
+            </a:r>
+            <a:r>
+              <a:rPr lang="pl-PL" sz="3200" dirty="0" err="1">
+                <a:solidFill>
+                  <a:schemeClr val="accent1">
+                    <a:lumMod val="75000"/>
+                  </a:schemeClr>
+                </a:solidFill>
+                <a:latin typeface="Futura Medium" panose="020B0602020204020303" pitchFamily="34" charset="-79"/>
+                <a:cs typeface="Futura Medium" panose="020B0602020204020303" pitchFamily="34" charset="-79"/>
+              </a:rPr>
+              <a:t>something</a:t>
+            </a:r>
+            <a:r>
+              <a:rPr lang="pl-PL" sz="3200" dirty="0">
+                <a:solidFill>
+                  <a:schemeClr val="accent1">
+                    <a:lumMod val="75000"/>
+                  </a:schemeClr>
+                </a:solidFill>
+                <a:latin typeface="Futura Medium" panose="020B0602020204020303" pitchFamily="34" charset="-79"/>
+                <a:cs typeface="Futura Medium" panose="020B0602020204020303" pitchFamily="34" charset="-79"/>
+              </a:rPr>
+              <a:t> </a:t>
+            </a:r>
+            <a:r>
+              <a:rPr lang="pl-PL" sz="3200" dirty="0" err="1">
+                <a:solidFill>
+                  <a:schemeClr val="accent1">
+                    <a:lumMod val="75000"/>
+                  </a:schemeClr>
+                </a:solidFill>
+                <a:latin typeface="Futura Medium" panose="020B0602020204020303" pitchFamily="34" charset="-79"/>
+                <a:cs typeface="Futura Medium" panose="020B0602020204020303" pitchFamily="34" charset="-79"/>
+              </a:rPr>
+              <a:t>useful</a:t>
+            </a:r>
+            <a:r>
+              <a:rPr lang="pl-PL" sz="3200" dirty="0">
+                <a:solidFill>
+                  <a:schemeClr val="accent1">
+                    <a:lumMod val="75000"/>
+                  </a:schemeClr>
+                </a:solidFill>
+                <a:latin typeface="Futura Medium" panose="020B0602020204020303" pitchFamily="34" charset="-79"/>
+                <a:cs typeface="Futura Medium" panose="020B0602020204020303" pitchFamily="34" charset="-79"/>
+              </a:rPr>
+              <a:t>?</a:t>
             </a:r>
           </a:p>
         </p:txBody>
@@ -17028,11 +17364,21 @@
                 <a:latin typeface="Futura Medium" panose="020B0602020204020303" pitchFamily="34" charset="-79"/>
                 <a:cs typeface="Futura Medium" panose="020B0602020204020303" pitchFamily="34" charset="-79"/>
               </a:rPr>
-              <a:t> </a:t>
+              <a:t> (</a:t>
             </a:r>
             <a:r>
               <a:rPr lang="pl-PL" sz="2000" dirty="0" err="1">
                 <a:solidFill>
+                  <a:schemeClr val="accent2"/>
+                </a:solidFill>
+                <a:latin typeface="Futura Medium" panose="020B0602020204020303" pitchFamily="34" charset="-79"/>
+                <a:cs typeface="Futura Medium" panose="020B0602020204020303" pitchFamily="34" charset="-79"/>
+              </a:rPr>
+              <a:t>classify</a:t>
+            </a:r>
+            <a:r>
+              <a:rPr lang="pl-PL" sz="2000" dirty="0">
+                <a:solidFill>
                   <a:schemeClr val="bg2">
                     <a:lumMod val="75000"/>
                   </a:schemeClr>
@@ -17040,6 +17386,18 @@
                 <a:latin typeface="Futura Medium" panose="020B0602020204020303" pitchFamily="34" charset="-79"/>
                 <a:cs typeface="Futura Medium" panose="020B0602020204020303" pitchFamily="34" charset="-79"/>
               </a:rPr>
+              <a:t>) </a:t>
+            </a:r>
+            <a:r>
+              <a:rPr lang="pl-PL" sz="2000" dirty="0" err="1">
+                <a:solidFill>
+                  <a:schemeClr val="bg2">
+                    <a:lumMod val="75000"/>
+                  </a:schemeClr>
+                </a:solidFill>
+                <a:latin typeface="Futura Medium" panose="020B0602020204020303" pitchFamily="34" charset="-79"/>
+                <a:cs typeface="Futura Medium" panose="020B0602020204020303" pitchFamily="34" charset="-79"/>
+              </a:rPr>
               <a:t>customers</a:t>
             </a:r>
             <a:r>
@@ -17076,7 +17434,29 @@
                 <a:latin typeface="Futura Medium" panose="020B0602020204020303" pitchFamily="34" charset="-79"/>
                 <a:cs typeface="Futura Medium" panose="020B0602020204020303" pitchFamily="34" charset="-79"/>
               </a:rPr>
-              <a:t> </a:t>
+              <a:t> (</a:t>
+            </a:r>
+            <a:r>
+              <a:rPr lang="pl-PL" sz="2000" dirty="0" err="1">
+                <a:solidFill>
+                  <a:schemeClr val="accent2"/>
+                </a:solidFill>
+                <a:latin typeface="Futura Medium" panose="020B0602020204020303" pitchFamily="34" charset="-79"/>
+                <a:cs typeface="Futura Medium" panose="020B0602020204020303" pitchFamily="34" charset="-79"/>
+              </a:rPr>
+              <a:t>binary</a:t>
+            </a:r>
+            <a:r>
+              <a:rPr lang="pl-PL" sz="2000" dirty="0">
+                <a:solidFill>
+                  <a:schemeClr val="bg2">
+                    <a:lumMod val="75000"/>
+                  </a:schemeClr>
+                </a:solidFill>
+                <a:latin typeface="Futura Medium" panose="020B0602020204020303" pitchFamily="34" charset="-79"/>
+                <a:cs typeface="Futura Medium" panose="020B0602020204020303" pitchFamily="34" charset="-79"/>
+              </a:rPr>
+              <a:t>) </a:t>
             </a:r>
             <a:r>
               <a:rPr lang="pl-PL" sz="2000" dirty="0" err="1">
@@ -31256,9 +31636,8 @@
             <a:r>
               <a:rPr lang="pl-PL" sz="1200" dirty="0" err="1">
                 <a:solidFill>
-                  <a:schemeClr val="tx1">
-                    <a:lumMod val="50000"/>
-                    <a:lumOff val="50000"/>
+                  <a:schemeClr val="bg2">
+                    <a:lumMod val="90000"/>
                   </a:schemeClr>
                 </a:solidFill>
                 <a:latin typeface="Futura Medium" panose="020B0602020204020303" pitchFamily="34" charset="-79"/>
@@ -31269,9 +31648,8 @@
             <a:r>
               <a:rPr lang="pl-PL" sz="1200" dirty="0">
                 <a:solidFill>
-                  <a:schemeClr val="tx1">
-                    <a:lumMod val="50000"/>
-                    <a:lumOff val="50000"/>
+                  <a:schemeClr val="bg2">
+                    <a:lumMod val="90000"/>
                   </a:schemeClr>
                 </a:solidFill>
                 <a:latin typeface="Futura Medium" panose="020B0602020204020303" pitchFamily="34" charset="-79"/>
@@ -31282,9 +31660,8 @@
             <a:r>
               <a:rPr lang="pl-PL" sz="1200" dirty="0" err="1">
                 <a:solidFill>
-                  <a:schemeClr val="tx1">
-                    <a:lumMod val="50000"/>
-                    <a:lumOff val="50000"/>
+                  <a:schemeClr val="bg2">
+                    <a:lumMod val="90000"/>
                   </a:schemeClr>
                 </a:solidFill>
                 <a:latin typeface="Futura Medium" panose="020B0602020204020303" pitchFamily="34" charset="-79"/>
@@ -31295,9 +31672,8 @@
             <a:r>
               <a:rPr lang="pl-PL" sz="1200" dirty="0">
                 <a:solidFill>
-                  <a:schemeClr val="tx1">
-                    <a:lumMod val="50000"/>
-                    <a:lumOff val="50000"/>
+                  <a:schemeClr val="bg2">
+                    <a:lumMod val="90000"/>
                   </a:schemeClr>
                 </a:solidFill>
                 <a:latin typeface="Futura Medium" panose="020B0602020204020303" pitchFamily="34" charset="-79"/>
@@ -31308,9 +31684,8 @@
             <a:r>
               <a:rPr lang="pl-PL" sz="1200" dirty="0" err="1">
                 <a:solidFill>
-                  <a:schemeClr val="tx1">
-                    <a:lumMod val="50000"/>
-                    <a:lumOff val="50000"/>
+                  <a:schemeClr val="bg2">
+                    <a:lumMod val="90000"/>
                   </a:schemeClr>
                 </a:solidFill>
                 <a:latin typeface="Futura Medium" panose="020B0602020204020303" pitchFamily="34" charset="-79"/>
@@ -31321,9 +31696,8 @@
             <a:r>
               <a:rPr lang="pl-PL" sz="1200" dirty="0">
                 <a:solidFill>
-                  <a:schemeClr val="tx1">
-                    <a:lumMod val="50000"/>
-                    <a:lumOff val="50000"/>
+                  <a:schemeClr val="bg2">
+                    <a:lumMod val="90000"/>
                   </a:schemeClr>
                 </a:solidFill>
                 <a:latin typeface="Futura Medium" panose="020B0602020204020303" pitchFamily="34" charset="-79"/>
@@ -31334,9 +31708,8 @@
             <a:r>
               <a:rPr lang="pl-PL" sz="1200" dirty="0" err="1">
                 <a:solidFill>
-                  <a:schemeClr val="tx1">
-                    <a:lumMod val="50000"/>
-                    <a:lumOff val="50000"/>
+                  <a:schemeClr val="bg2">
+                    <a:lumMod val="90000"/>
                   </a:schemeClr>
                 </a:solidFill>
                 <a:latin typeface="Futura Medium" panose="020B0602020204020303" pitchFamily="34" charset="-79"/>
@@ -31347,9 +31720,8 @@
             <a:r>
               <a:rPr lang="pl-PL" sz="1200" dirty="0">
                 <a:solidFill>
-                  <a:schemeClr val="tx1">
-                    <a:lumMod val="50000"/>
-                    <a:lumOff val="50000"/>
+                  <a:schemeClr val="bg2">
+                    <a:lumMod val="90000"/>
                   </a:schemeClr>
                 </a:solidFill>
                 <a:latin typeface="Futura Medium" panose="020B0602020204020303" pitchFamily="34" charset="-79"/>
@@ -31360,9 +31732,8 @@
             <a:r>
               <a:rPr lang="pl-PL" sz="1200" dirty="0" err="1">
                 <a:solidFill>
-                  <a:schemeClr val="tx1">
-                    <a:lumMod val="50000"/>
-                    <a:lumOff val="50000"/>
+                  <a:schemeClr val="bg2">
+                    <a:lumMod val="90000"/>
                   </a:schemeClr>
                 </a:solidFill>
                 <a:latin typeface="Futura Medium" panose="020B0602020204020303" pitchFamily="34" charset="-79"/>
@@ -31373,9 +31744,8 @@
             <a:r>
               <a:rPr lang="pl-PL" sz="1200" dirty="0">
                 <a:solidFill>
-                  <a:schemeClr val="tx1">
-                    <a:lumMod val="50000"/>
-                    <a:lumOff val="50000"/>
+                  <a:schemeClr val="bg2">
+                    <a:lumMod val="90000"/>
                   </a:schemeClr>
                 </a:solidFill>
                 <a:latin typeface="Futura Medium" panose="020B0602020204020303" pitchFamily="34" charset="-79"/>
@@ -31386,9 +31756,8 @@
             <a:r>
               <a:rPr lang="pl-PL" sz="1200" dirty="0" err="1">
                 <a:solidFill>
-                  <a:schemeClr val="tx1">
-                    <a:lumMod val="50000"/>
-                    <a:lumOff val="50000"/>
+                  <a:schemeClr val="bg2">
+                    <a:lumMod val="90000"/>
                   </a:schemeClr>
                 </a:solidFill>
                 <a:latin typeface="Futura Medium" panose="020B0602020204020303" pitchFamily="34" charset="-79"/>
@@ -31399,9 +31768,8 @@
             <a:r>
               <a:rPr lang="pl-PL" sz="1200" dirty="0">
                 <a:solidFill>
-                  <a:schemeClr val="tx1">
-                    <a:lumMod val="50000"/>
-                    <a:lumOff val="50000"/>
+                  <a:schemeClr val="bg2">
+                    <a:lumMod val="90000"/>
                   </a:schemeClr>
                 </a:solidFill>
                 <a:latin typeface="Futura Medium" panose="020B0602020204020303" pitchFamily="34" charset="-79"/>
@@ -31412,9 +31780,8 @@
             <a:r>
               <a:rPr lang="pl-PL" sz="1200" dirty="0" err="1">
                 <a:solidFill>
-                  <a:schemeClr val="tx1">
-                    <a:lumMod val="50000"/>
-                    <a:lumOff val="50000"/>
+                  <a:schemeClr val="bg2">
+                    <a:lumMod val="90000"/>
                   </a:schemeClr>
                 </a:solidFill>
                 <a:latin typeface="Futura Medium" panose="020B0602020204020303" pitchFamily="34" charset="-79"/>
@@ -31425,9 +31792,8 @@
             <a:r>
               <a:rPr lang="pl-PL" sz="1200" dirty="0">
                 <a:solidFill>
-                  <a:schemeClr val="tx1">
-                    <a:lumMod val="50000"/>
-                    <a:lumOff val="50000"/>
+                  <a:schemeClr val="bg2">
+                    <a:lumMod val="90000"/>
                   </a:schemeClr>
                 </a:solidFill>
                 <a:latin typeface="Futura Medium" panose="020B0602020204020303" pitchFamily="34" charset="-79"/>
@@ -31438,9 +31804,8 @@
             <a:r>
               <a:rPr lang="pl-PL" sz="1200" dirty="0" err="1">
                 <a:solidFill>
-                  <a:schemeClr val="tx1">
-                    <a:lumMod val="50000"/>
-                    <a:lumOff val="50000"/>
+                  <a:schemeClr val="bg2">
+                    <a:lumMod val="90000"/>
                   </a:schemeClr>
                 </a:solidFill>
                 <a:latin typeface="Futura Medium" panose="020B0602020204020303" pitchFamily="34" charset="-79"/>
@@ -31451,9 +31816,8 @@
             <a:r>
               <a:rPr lang="pl-PL" sz="1200" dirty="0">
                 <a:solidFill>
-                  <a:schemeClr val="tx1">
-                    <a:lumMod val="50000"/>
-                    <a:lumOff val="50000"/>
+                  <a:schemeClr val="bg2">
+                    <a:lumMod val="90000"/>
                   </a:schemeClr>
                 </a:solidFill>
                 <a:latin typeface="Futura Medium" panose="020B0602020204020303" pitchFamily="34" charset="-79"/>
@@ -31464,9 +31828,8 @@
             <a:r>
               <a:rPr lang="pl-PL" sz="1200" dirty="0" err="1">
                 <a:solidFill>
-                  <a:schemeClr val="tx1">
-                    <a:lumMod val="50000"/>
-                    <a:lumOff val="50000"/>
+                  <a:schemeClr val="bg2">
+                    <a:lumMod val="90000"/>
                   </a:schemeClr>
                 </a:solidFill>
                 <a:latin typeface="Futura Medium" panose="020B0602020204020303" pitchFamily="34" charset="-79"/>
@@ -31477,9 +31840,8 @@
             <a:r>
               <a:rPr lang="pl-PL" sz="1200" dirty="0">
                 <a:solidFill>
-                  <a:schemeClr val="tx1">
-                    <a:lumMod val="50000"/>
-                    <a:lumOff val="50000"/>
+                  <a:schemeClr val="bg2">
+                    <a:lumMod val="90000"/>
                   </a:schemeClr>
                 </a:solidFill>
                 <a:latin typeface="Futura Medium" panose="020B0602020204020303" pitchFamily="34" charset="-79"/>
@@ -31490,9 +31852,8 @@
             <a:r>
               <a:rPr lang="pl-PL" sz="1200" dirty="0" err="1">
                 <a:solidFill>
-                  <a:schemeClr val="tx1">
-                    <a:lumMod val="50000"/>
-                    <a:lumOff val="50000"/>
+                  <a:schemeClr val="bg2">
+                    <a:lumMod val="90000"/>
                   </a:schemeClr>
                 </a:solidFill>
                 <a:latin typeface="Futura Medium" panose="020B0602020204020303" pitchFamily="34" charset="-79"/>
@@ -31503,9 +31864,8 @@
             <a:r>
               <a:rPr lang="pl-PL" sz="1200" dirty="0">
                 <a:solidFill>
-                  <a:schemeClr val="tx1">
-                    <a:lumMod val="50000"/>
-                    <a:lumOff val="50000"/>
+                  <a:schemeClr val="bg2">
+                    <a:lumMod val="90000"/>
                   </a:schemeClr>
                 </a:solidFill>
                 <a:latin typeface="Futura Medium" panose="020B0602020204020303" pitchFamily="34" charset="-79"/>
@@ -31516,9 +31876,8 @@
             <a:r>
               <a:rPr lang="pl-PL" sz="1200" dirty="0" err="1">
                 <a:solidFill>
-                  <a:schemeClr val="tx1">
-                    <a:lumMod val="50000"/>
-                    <a:lumOff val="50000"/>
+                  <a:schemeClr val="bg2">
+                    <a:lumMod val="90000"/>
                   </a:schemeClr>
                 </a:solidFill>
                 <a:latin typeface="Futura Medium" panose="020B0602020204020303" pitchFamily="34" charset="-79"/>
@@ -31529,9 +31888,8 @@
             <a:r>
               <a:rPr lang="pl-PL" sz="1200" dirty="0">
                 <a:solidFill>
-                  <a:schemeClr val="tx1">
-                    <a:lumMod val="50000"/>
-                    <a:lumOff val="50000"/>
+                  <a:schemeClr val="bg2">
+                    <a:lumMod val="90000"/>
                   </a:schemeClr>
                 </a:solidFill>
                 <a:latin typeface="Futura Medium" panose="020B0602020204020303" pitchFamily="34" charset="-79"/>
@@ -31542,9 +31900,8 @@
             <a:r>
               <a:rPr lang="pl-PL" sz="1200" dirty="0" err="1">
                 <a:solidFill>
-                  <a:schemeClr val="tx1">
-                    <a:lumMod val="50000"/>
-                    <a:lumOff val="50000"/>
+                  <a:schemeClr val="bg2">
+                    <a:lumMod val="90000"/>
                   </a:schemeClr>
                 </a:solidFill>
                 <a:latin typeface="Futura Medium" panose="020B0602020204020303" pitchFamily="34" charset="-79"/>
@@ -31555,9 +31912,8 @@
             <a:r>
               <a:rPr lang="pl-PL" sz="1200" dirty="0">
                 <a:solidFill>
-                  <a:schemeClr val="tx1">
-                    <a:lumMod val="50000"/>
-                    <a:lumOff val="50000"/>
+                  <a:schemeClr val="bg2">
+                    <a:lumMod val="90000"/>
                   </a:schemeClr>
                 </a:solidFill>
                 <a:latin typeface="Futura Medium" panose="020B0602020204020303" pitchFamily="34" charset="-79"/>
@@ -31568,9 +31924,8 @@
             <a:r>
               <a:rPr lang="pl-PL" sz="1200" dirty="0" err="1">
                 <a:solidFill>
-                  <a:schemeClr val="tx1">
-                    <a:lumMod val="50000"/>
-                    <a:lumOff val="50000"/>
+                  <a:schemeClr val="bg2">
+                    <a:lumMod val="90000"/>
                   </a:schemeClr>
                 </a:solidFill>
                 <a:latin typeface="Futura Medium" panose="020B0602020204020303" pitchFamily="34" charset="-79"/>
@@ -31581,9 +31936,8 @@
             <a:r>
               <a:rPr lang="pl-PL" sz="1200" dirty="0">
                 <a:solidFill>
-                  <a:schemeClr val="tx1">
-                    <a:lumMod val="50000"/>
-                    <a:lumOff val="50000"/>
+                  <a:schemeClr val="bg2">
+                    <a:lumMod val="90000"/>
                   </a:schemeClr>
                 </a:solidFill>
                 <a:latin typeface="Futura Medium" panose="020B0602020204020303" pitchFamily="34" charset="-79"/>
@@ -31594,9 +31948,8 @@
             <a:r>
               <a:rPr lang="pl-PL" sz="1200" dirty="0" err="1">
                 <a:solidFill>
-                  <a:schemeClr val="tx1">
-                    <a:lumMod val="50000"/>
-                    <a:lumOff val="50000"/>
+                  <a:schemeClr val="bg2">
+                    <a:lumMod val="90000"/>
                   </a:schemeClr>
                 </a:solidFill>
                 <a:latin typeface="Futura Medium" panose="020B0602020204020303" pitchFamily="34" charset="-79"/>
@@ -31606,9 +31959,8 @@
             </a:r>
             <a:endParaRPr lang="pl-PL" sz="1200" dirty="0">
               <a:solidFill>
-                <a:schemeClr val="tx1">
-                  <a:lumMod val="50000"/>
-                  <a:lumOff val="50000"/>
+                <a:schemeClr val="bg2">
+                  <a:lumMod val="90000"/>
                 </a:schemeClr>
               </a:solidFill>
               <a:latin typeface="Futura Medium" panose="020B0602020204020303" pitchFamily="34" charset="-79"/>
@@ -32779,9 +33131,8 @@
             <a:r>
               <a:rPr lang="pl-PL" sz="1200" dirty="0" err="1">
                 <a:solidFill>
-                  <a:schemeClr val="tx1">
-                    <a:lumMod val="50000"/>
-                    <a:lumOff val="50000"/>
+                  <a:schemeClr val="bg2">
+                    <a:lumMod val="90000"/>
                   </a:schemeClr>
                 </a:solidFill>
                 <a:latin typeface="Futura Medium" panose="020B0602020204020303" pitchFamily="34" charset="-79"/>
@@ -32792,9 +33143,8 @@
             <a:r>
               <a:rPr lang="pl-PL" sz="1200" dirty="0">
                 <a:solidFill>
-                  <a:schemeClr val="tx1">
-                    <a:lumMod val="50000"/>
-                    <a:lumOff val="50000"/>
+                  <a:schemeClr val="bg2">
+                    <a:lumMod val="90000"/>
                   </a:schemeClr>
                 </a:solidFill>
                 <a:latin typeface="Futura Medium" panose="020B0602020204020303" pitchFamily="34" charset="-79"/>
@@ -32805,9 +33155,8 @@
             <a:r>
               <a:rPr lang="pl-PL" sz="1200" dirty="0" err="1">
                 <a:solidFill>
-                  <a:schemeClr val="tx1">
-                    <a:lumMod val="50000"/>
-                    <a:lumOff val="50000"/>
+                  <a:schemeClr val="bg2">
+                    <a:lumMod val="90000"/>
                   </a:schemeClr>
                 </a:solidFill>
                 <a:latin typeface="Futura Medium" panose="020B0602020204020303" pitchFamily="34" charset="-79"/>
@@ -32818,9 +33167,8 @@
             <a:r>
               <a:rPr lang="pl-PL" sz="1200" dirty="0">
                 <a:solidFill>
-                  <a:schemeClr val="tx1">
-                    <a:lumMod val="50000"/>
-                    <a:lumOff val="50000"/>
+                  <a:schemeClr val="bg2">
+                    <a:lumMod val="90000"/>
                   </a:schemeClr>
                 </a:solidFill>
                 <a:latin typeface="Futura Medium" panose="020B0602020204020303" pitchFamily="34" charset="-79"/>
@@ -32831,9 +33179,8 @@
             <a:r>
               <a:rPr lang="pl-PL" sz="1200" dirty="0" err="1">
                 <a:solidFill>
-                  <a:schemeClr val="tx1">
-                    <a:lumMod val="50000"/>
-                    <a:lumOff val="50000"/>
+                  <a:schemeClr val="bg2">
+                    <a:lumMod val="90000"/>
                   </a:schemeClr>
                 </a:solidFill>
                 <a:latin typeface="Futura Medium" panose="020B0602020204020303" pitchFamily="34" charset="-79"/>
@@ -32844,9 +33191,8 @@
             <a:r>
               <a:rPr lang="pl-PL" sz="1200" dirty="0">
                 <a:solidFill>
-                  <a:schemeClr val="tx1">
-                    <a:lumMod val="50000"/>
-                    <a:lumOff val="50000"/>
+                  <a:schemeClr val="bg2">
+                    <a:lumMod val="90000"/>
                   </a:schemeClr>
                 </a:solidFill>
                 <a:latin typeface="Futura Medium" panose="020B0602020204020303" pitchFamily="34" charset="-79"/>
@@ -32857,9 +33203,8 @@
             <a:r>
               <a:rPr lang="pl-PL" sz="1200" dirty="0" err="1">
                 <a:solidFill>
-                  <a:schemeClr val="tx1">
-                    <a:lumMod val="50000"/>
-                    <a:lumOff val="50000"/>
+                  <a:schemeClr val="bg2">
+                    <a:lumMod val="90000"/>
                   </a:schemeClr>
                 </a:solidFill>
                 <a:latin typeface="Futura Medium" panose="020B0602020204020303" pitchFamily="34" charset="-79"/>
@@ -32870,9 +33215,8 @@
             <a:r>
               <a:rPr lang="pl-PL" sz="1200" dirty="0">
                 <a:solidFill>
-                  <a:schemeClr val="tx1">
-                    <a:lumMod val="50000"/>
-                    <a:lumOff val="50000"/>
+                  <a:schemeClr val="bg2">
+                    <a:lumMod val="90000"/>
                   </a:schemeClr>
                 </a:solidFill>
                 <a:latin typeface="Futura Medium" panose="020B0602020204020303" pitchFamily="34" charset="-79"/>
@@ -32883,9 +33227,8 @@
             <a:r>
               <a:rPr lang="pl-PL" sz="1200" dirty="0" err="1">
                 <a:solidFill>
-                  <a:schemeClr val="tx1">
-                    <a:lumMod val="50000"/>
-                    <a:lumOff val="50000"/>
+                  <a:schemeClr val="bg2">
+                    <a:lumMod val="90000"/>
                   </a:schemeClr>
                 </a:solidFill>
                 <a:latin typeface="Futura Medium" panose="020B0602020204020303" pitchFamily="34" charset="-79"/>
@@ -32896,9 +33239,8 @@
             <a:r>
               <a:rPr lang="pl-PL" sz="1200" dirty="0">
                 <a:solidFill>
-                  <a:schemeClr val="tx1">
-                    <a:lumMod val="50000"/>
-                    <a:lumOff val="50000"/>
+                  <a:schemeClr val="bg2">
+                    <a:lumMod val="90000"/>
                   </a:schemeClr>
                 </a:solidFill>
                 <a:latin typeface="Futura Medium" panose="020B0602020204020303" pitchFamily="34" charset="-79"/>
@@ -32909,9 +33251,8 @@
             <a:r>
               <a:rPr lang="pl-PL" sz="1200" dirty="0" err="1">
                 <a:solidFill>
-                  <a:schemeClr val="tx1">
-                    <a:lumMod val="50000"/>
-                    <a:lumOff val="50000"/>
+                  <a:schemeClr val="bg2">
+                    <a:lumMod val="90000"/>
                   </a:schemeClr>
                 </a:solidFill>
                 <a:latin typeface="Futura Medium" panose="020B0602020204020303" pitchFamily="34" charset="-79"/>
@@ -32922,9 +33263,8 @@
             <a:r>
               <a:rPr lang="pl-PL" sz="1200" dirty="0">
                 <a:solidFill>
-                  <a:schemeClr val="tx1">
-                    <a:lumMod val="50000"/>
-                    <a:lumOff val="50000"/>
+                  <a:schemeClr val="bg2">
+                    <a:lumMod val="90000"/>
                   </a:schemeClr>
                 </a:solidFill>
                 <a:latin typeface="Futura Medium" panose="020B0602020204020303" pitchFamily="34" charset="-79"/>
@@ -32935,9 +33275,8 @@
             <a:r>
               <a:rPr lang="pl-PL" sz="1200" dirty="0" err="1">
                 <a:solidFill>
-                  <a:schemeClr val="tx1">
-                    <a:lumMod val="50000"/>
-                    <a:lumOff val="50000"/>
+                  <a:schemeClr val="bg2">
+                    <a:lumMod val="90000"/>
                   </a:schemeClr>
                 </a:solidFill>
                 <a:latin typeface="Futura Medium" panose="020B0602020204020303" pitchFamily="34" charset="-79"/>
@@ -32948,9 +33287,8 @@
             <a:r>
               <a:rPr lang="pl-PL" sz="1200" dirty="0">
                 <a:solidFill>
-                  <a:schemeClr val="tx1">
-                    <a:lumMod val="50000"/>
-                    <a:lumOff val="50000"/>
+                  <a:schemeClr val="bg2">
+                    <a:lumMod val="90000"/>
                   </a:schemeClr>
                 </a:solidFill>
                 <a:latin typeface="Futura Medium" panose="020B0602020204020303" pitchFamily="34" charset="-79"/>
@@ -32961,9 +33299,8 @@
             <a:r>
               <a:rPr lang="pl-PL" sz="1200" dirty="0" err="1">
                 <a:solidFill>
-                  <a:schemeClr val="tx1">
-                    <a:lumMod val="50000"/>
-                    <a:lumOff val="50000"/>
+                  <a:schemeClr val="bg2">
+                    <a:lumMod val="90000"/>
                   </a:schemeClr>
                 </a:solidFill>
                 <a:latin typeface="Futura Medium" panose="020B0602020204020303" pitchFamily="34" charset="-79"/>
@@ -32974,9 +33311,8 @@
             <a:r>
               <a:rPr lang="pl-PL" sz="1200" dirty="0">
                 <a:solidFill>
-                  <a:schemeClr val="tx1">
-                    <a:lumMod val="50000"/>
-                    <a:lumOff val="50000"/>
+                  <a:schemeClr val="bg2">
+                    <a:lumMod val="90000"/>
                   </a:schemeClr>
                 </a:solidFill>
                 <a:latin typeface="Futura Medium" panose="020B0602020204020303" pitchFamily="34" charset="-79"/>
@@ -32987,9 +33323,8 @@
             <a:r>
               <a:rPr lang="pl-PL" sz="1200" dirty="0" err="1">
                 <a:solidFill>
-                  <a:schemeClr val="tx1">
-                    <a:lumMod val="50000"/>
-                    <a:lumOff val="50000"/>
+                  <a:schemeClr val="bg2">
+                    <a:lumMod val="90000"/>
                   </a:schemeClr>
                 </a:solidFill>
                 <a:latin typeface="Futura Medium" panose="020B0602020204020303" pitchFamily="34" charset="-79"/>
@@ -33000,9 +33335,8 @@
             <a:r>
               <a:rPr lang="pl-PL" sz="1200" dirty="0">
                 <a:solidFill>
-                  <a:schemeClr val="tx1">
-                    <a:lumMod val="50000"/>
-                    <a:lumOff val="50000"/>
+                  <a:schemeClr val="bg2">
+                    <a:lumMod val="90000"/>
                   </a:schemeClr>
                 </a:solidFill>
                 <a:latin typeface="Futura Medium" panose="020B0602020204020303" pitchFamily="34" charset="-79"/>
@@ -33013,9 +33347,8 @@
             <a:r>
               <a:rPr lang="pl-PL" sz="1200" dirty="0" err="1">
                 <a:solidFill>
-                  <a:schemeClr val="tx1">
-                    <a:lumMod val="50000"/>
-                    <a:lumOff val="50000"/>
+                  <a:schemeClr val="bg2">
+                    <a:lumMod val="90000"/>
                   </a:schemeClr>
                 </a:solidFill>
                 <a:latin typeface="Futura Medium" panose="020B0602020204020303" pitchFamily="34" charset="-79"/>
@@ -33026,9 +33359,8 @@
             <a:r>
               <a:rPr lang="pl-PL" sz="1200" dirty="0">
                 <a:solidFill>
-                  <a:schemeClr val="tx1">
-                    <a:lumMod val="50000"/>
-                    <a:lumOff val="50000"/>
+                  <a:schemeClr val="bg2">
+                    <a:lumMod val="90000"/>
                   </a:schemeClr>
                 </a:solidFill>
                 <a:latin typeface="Futura Medium" panose="020B0602020204020303" pitchFamily="34" charset="-79"/>
@@ -33039,9 +33371,8 @@
             <a:r>
               <a:rPr lang="pl-PL" sz="1200" dirty="0" err="1">
                 <a:solidFill>
-                  <a:schemeClr val="tx1">
-                    <a:lumMod val="50000"/>
-                    <a:lumOff val="50000"/>
+                  <a:schemeClr val="bg2">
+                    <a:lumMod val="90000"/>
                   </a:schemeClr>
                 </a:solidFill>
                 <a:latin typeface="Futura Medium" panose="020B0602020204020303" pitchFamily="34" charset="-79"/>
@@ -33052,9 +33383,8 @@
             <a:r>
               <a:rPr lang="pl-PL" sz="1200" dirty="0">
                 <a:solidFill>
-                  <a:schemeClr val="tx1">
-                    <a:lumMod val="50000"/>
-                    <a:lumOff val="50000"/>
+                  <a:schemeClr val="bg2">
+                    <a:lumMod val="90000"/>
                   </a:schemeClr>
                 </a:solidFill>
                 <a:latin typeface="Futura Medium" panose="020B0602020204020303" pitchFamily="34" charset="-79"/>
@@ -33065,9 +33395,8 @@
             <a:r>
               <a:rPr lang="pl-PL" sz="1200" dirty="0" err="1">
                 <a:solidFill>
-                  <a:schemeClr val="tx1">
-                    <a:lumMod val="50000"/>
-                    <a:lumOff val="50000"/>
+                  <a:schemeClr val="bg2">
+                    <a:lumMod val="90000"/>
                   </a:schemeClr>
                 </a:solidFill>
                 <a:latin typeface="Futura Medium" panose="020B0602020204020303" pitchFamily="34" charset="-79"/>
@@ -33078,9 +33407,8 @@
             <a:r>
               <a:rPr lang="pl-PL" sz="1200" dirty="0">
                 <a:solidFill>
-                  <a:schemeClr val="tx1">
-                    <a:lumMod val="50000"/>
-                    <a:lumOff val="50000"/>
+                  <a:schemeClr val="bg2">
+                    <a:lumMod val="90000"/>
                   </a:schemeClr>
                 </a:solidFill>
                 <a:latin typeface="Futura Medium" panose="020B0602020204020303" pitchFamily="34" charset="-79"/>
@@ -33091,9 +33419,8 @@
             <a:r>
               <a:rPr lang="pl-PL" sz="1200" dirty="0" err="1">
                 <a:solidFill>
-                  <a:schemeClr val="tx1">
-                    <a:lumMod val="50000"/>
-                    <a:lumOff val="50000"/>
+                  <a:schemeClr val="bg2">
+                    <a:lumMod val="90000"/>
                   </a:schemeClr>
                 </a:solidFill>
                 <a:latin typeface="Futura Medium" panose="020B0602020204020303" pitchFamily="34" charset="-79"/>
@@ -33104,9 +33431,8 @@
             <a:r>
               <a:rPr lang="pl-PL" sz="1200" dirty="0">
                 <a:solidFill>
-                  <a:schemeClr val="tx1">
-                    <a:lumMod val="50000"/>
-                    <a:lumOff val="50000"/>
+                  <a:schemeClr val="bg2">
+                    <a:lumMod val="90000"/>
                   </a:schemeClr>
                 </a:solidFill>
                 <a:latin typeface="Futura Medium" panose="020B0602020204020303" pitchFamily="34" charset="-79"/>
@@ -33117,9 +33443,8 @@
             <a:r>
               <a:rPr lang="pl-PL" sz="1200" dirty="0" err="1">
                 <a:solidFill>
-                  <a:schemeClr val="tx1">
-                    <a:lumMod val="50000"/>
-                    <a:lumOff val="50000"/>
+                  <a:schemeClr val="bg2">
+                    <a:lumMod val="90000"/>
                   </a:schemeClr>
                 </a:solidFill>
                 <a:latin typeface="Futura Medium" panose="020B0602020204020303" pitchFamily="34" charset="-79"/>
@@ -33130,9 +33455,8 @@
             <a:r>
               <a:rPr lang="pl-PL" sz="1200" dirty="0">
                 <a:solidFill>
-                  <a:schemeClr val="tx1">
-                    <a:lumMod val="50000"/>
-                    <a:lumOff val="50000"/>
+                  <a:schemeClr val="bg2">
+                    <a:lumMod val="90000"/>
                   </a:schemeClr>
                 </a:solidFill>
                 <a:latin typeface="Futura Medium" panose="020B0602020204020303" pitchFamily="34" charset="-79"/>
@@ -33143,9 +33467,8 @@
             <a:r>
               <a:rPr lang="pl-PL" sz="1200" dirty="0" err="1">
                 <a:solidFill>
-                  <a:schemeClr val="tx1">
-                    <a:lumMod val="50000"/>
-                    <a:lumOff val="50000"/>
+                  <a:schemeClr val="bg2">
+                    <a:lumMod val="90000"/>
                   </a:schemeClr>
                 </a:solidFill>
                 <a:latin typeface="Futura Medium" panose="020B0602020204020303" pitchFamily="34" charset="-79"/>
@@ -33155,9 +33478,8 @@
             </a:r>
             <a:endParaRPr lang="pl-PL" sz="1200" dirty="0">
               <a:solidFill>
-                <a:schemeClr val="tx1">
-                  <a:lumMod val="50000"/>
-                  <a:lumOff val="50000"/>
+                <a:schemeClr val="bg2">
+                  <a:lumMod val="90000"/>
                 </a:schemeClr>
               </a:solidFill>
               <a:latin typeface="Futura Medium" panose="020B0602020204020303" pitchFamily="34" charset="-79"/>
@@ -33201,9 +33523,8 @@
             <a:r>
               <a:rPr lang="pl-PL" sz="1200" dirty="0" err="1">
                 <a:solidFill>
-                  <a:schemeClr val="tx1">
-                    <a:lumMod val="50000"/>
-                    <a:lumOff val="50000"/>
+                  <a:schemeClr val="bg2">
+                    <a:lumMod val="90000"/>
                   </a:schemeClr>
                 </a:solidFill>
                 <a:latin typeface="Futura Medium" panose="020B0602020204020303" pitchFamily="34" charset="-79"/>
@@ -33214,9 +33535,8 @@
             <a:r>
               <a:rPr lang="pl-PL" sz="1200" dirty="0">
                 <a:solidFill>
-                  <a:schemeClr val="tx1">
-                    <a:lumMod val="50000"/>
-                    <a:lumOff val="50000"/>
+                  <a:schemeClr val="bg2">
+                    <a:lumMod val="90000"/>
                   </a:schemeClr>
                 </a:solidFill>
                 <a:latin typeface="Futura Medium" panose="020B0602020204020303" pitchFamily="34" charset="-79"/>
@@ -33227,9 +33547,8 @@
             <a:r>
               <a:rPr lang="pl-PL" sz="1200" dirty="0" err="1">
                 <a:solidFill>
-                  <a:schemeClr val="tx1">
-                    <a:lumMod val="50000"/>
-                    <a:lumOff val="50000"/>
+                  <a:schemeClr val="bg2">
+                    <a:lumMod val="90000"/>
                   </a:schemeClr>
                 </a:solidFill>
                 <a:latin typeface="Futura Medium" panose="020B0602020204020303" pitchFamily="34" charset="-79"/>
@@ -33240,9 +33559,8 @@
             <a:r>
               <a:rPr lang="pl-PL" sz="1200" dirty="0">
                 <a:solidFill>
-                  <a:schemeClr val="tx1">
-                    <a:lumMod val="50000"/>
-                    <a:lumOff val="50000"/>
+                  <a:schemeClr val="bg2">
+                    <a:lumMod val="90000"/>
                   </a:schemeClr>
                 </a:solidFill>
                 <a:latin typeface="Futura Medium" panose="020B0602020204020303" pitchFamily="34" charset="-79"/>
@@ -33253,9 +33571,8 @@
             <a:r>
               <a:rPr lang="pl-PL" sz="1200" dirty="0" err="1">
                 <a:solidFill>
-                  <a:schemeClr val="tx1">
-                    <a:lumMod val="50000"/>
-                    <a:lumOff val="50000"/>
+                  <a:schemeClr val="bg2">
+                    <a:lumMod val="90000"/>
                   </a:schemeClr>
                 </a:solidFill>
                 <a:latin typeface="Futura Medium" panose="020B0602020204020303" pitchFamily="34" charset="-79"/>
@@ -33266,9 +33583,8 @@
             <a:r>
               <a:rPr lang="pl-PL" sz="1200" dirty="0">
                 <a:solidFill>
-                  <a:schemeClr val="tx1">
-                    <a:lumMod val="50000"/>
-                    <a:lumOff val="50000"/>
+                  <a:schemeClr val="bg2">
+                    <a:lumMod val="90000"/>
                   </a:schemeClr>
                 </a:solidFill>
                 <a:latin typeface="Futura Medium" panose="020B0602020204020303" pitchFamily="34" charset="-79"/>
@@ -33279,9 +33595,8 @@
             <a:r>
               <a:rPr lang="pl-PL" sz="1200" dirty="0" err="1">
                 <a:solidFill>
-                  <a:schemeClr val="tx1">
-                    <a:lumMod val="50000"/>
-                    <a:lumOff val="50000"/>
+                  <a:schemeClr val="bg2">
+                    <a:lumMod val="90000"/>
                   </a:schemeClr>
                 </a:solidFill>
                 <a:latin typeface="Futura Medium" panose="020B0602020204020303" pitchFamily="34" charset="-79"/>
@@ -33292,9 +33607,8 @@
             <a:r>
               <a:rPr lang="pl-PL" sz="1200" dirty="0">
                 <a:solidFill>
-                  <a:schemeClr val="tx1">
-                    <a:lumMod val="50000"/>
-                    <a:lumOff val="50000"/>
+                  <a:schemeClr val="bg2">
+                    <a:lumMod val="90000"/>
                   </a:schemeClr>
                 </a:solidFill>
                 <a:latin typeface="Futura Medium" panose="020B0602020204020303" pitchFamily="34" charset="-79"/>
@@ -33305,9 +33619,8 @@
             <a:r>
               <a:rPr lang="pl-PL" sz="1200" dirty="0" err="1">
                 <a:solidFill>
-                  <a:schemeClr val="tx1">
-                    <a:lumMod val="50000"/>
-                    <a:lumOff val="50000"/>
+                  <a:schemeClr val="bg2">
+                    <a:lumMod val="90000"/>
                   </a:schemeClr>
                 </a:solidFill>
                 <a:latin typeface="Futura Medium" panose="020B0602020204020303" pitchFamily="34" charset="-79"/>
@@ -33318,9 +33631,8 @@
             <a:r>
               <a:rPr lang="pl-PL" sz="1200" dirty="0">
                 <a:solidFill>
-                  <a:schemeClr val="tx1">
-                    <a:lumMod val="50000"/>
-                    <a:lumOff val="50000"/>
+                  <a:schemeClr val="bg2">
+                    <a:lumMod val="90000"/>
                   </a:schemeClr>
                 </a:solidFill>
                 <a:latin typeface="Futura Medium" panose="020B0602020204020303" pitchFamily="34" charset="-79"/>
@@ -33331,9 +33643,8 @@
             <a:r>
               <a:rPr lang="pl-PL" sz="1200" dirty="0" err="1">
                 <a:solidFill>
-                  <a:schemeClr val="tx1">
-                    <a:lumMod val="50000"/>
-                    <a:lumOff val="50000"/>
+                  <a:schemeClr val="bg2">
+                    <a:lumMod val="90000"/>
                   </a:schemeClr>
                 </a:solidFill>
                 <a:latin typeface="Futura Medium" panose="020B0602020204020303" pitchFamily="34" charset="-79"/>
@@ -33344,9 +33655,8 @@
             <a:r>
               <a:rPr lang="pl-PL" sz="1200" dirty="0">
                 <a:solidFill>
-                  <a:schemeClr val="tx1">
-                    <a:lumMod val="50000"/>
-                    <a:lumOff val="50000"/>
+                  <a:schemeClr val="bg2">
+                    <a:lumMod val="90000"/>
                   </a:schemeClr>
                 </a:solidFill>
                 <a:latin typeface="Futura Medium" panose="020B0602020204020303" pitchFamily="34" charset="-79"/>
@@ -33357,9 +33667,8 @@
             <a:r>
               <a:rPr lang="pl-PL" sz="1200" dirty="0" err="1">
                 <a:solidFill>
-                  <a:schemeClr val="tx1">
-                    <a:lumMod val="50000"/>
-                    <a:lumOff val="50000"/>
+                  <a:schemeClr val="bg2">
+                    <a:lumMod val="90000"/>
                   </a:schemeClr>
                 </a:solidFill>
                 <a:latin typeface="Futura Medium" panose="020B0602020204020303" pitchFamily="34" charset="-79"/>
@@ -33370,9 +33679,8 @@
             <a:r>
               <a:rPr lang="pl-PL" sz="1200" dirty="0">
                 <a:solidFill>
-                  <a:schemeClr val="tx1">
-                    <a:lumMod val="50000"/>
-                    <a:lumOff val="50000"/>
+                  <a:schemeClr val="bg2">
+                    <a:lumMod val="90000"/>
                   </a:schemeClr>
                 </a:solidFill>
                 <a:latin typeface="Futura Medium" panose="020B0602020204020303" pitchFamily="34" charset="-79"/>
@@ -33383,9 +33691,8 @@
             <a:r>
               <a:rPr lang="pl-PL" sz="1200" dirty="0" err="1">
                 <a:solidFill>
-                  <a:schemeClr val="tx1">
-                    <a:lumMod val="50000"/>
-                    <a:lumOff val="50000"/>
+                  <a:schemeClr val="bg2">
+                    <a:lumMod val="90000"/>
                   </a:schemeClr>
                 </a:solidFill>
                 <a:latin typeface="Futura Medium" panose="020B0602020204020303" pitchFamily="34" charset="-79"/>
@@ -33396,9 +33703,8 @@
             <a:r>
               <a:rPr lang="pl-PL" sz="1200" dirty="0">
                 <a:solidFill>
-                  <a:schemeClr val="tx1">
-                    <a:lumMod val="50000"/>
-                    <a:lumOff val="50000"/>
+                  <a:schemeClr val="bg2">
+                    <a:lumMod val="90000"/>
                   </a:schemeClr>
                 </a:solidFill>
                 <a:latin typeface="Futura Medium" panose="020B0602020204020303" pitchFamily="34" charset="-79"/>
@@ -33409,9 +33715,8 @@
             <a:r>
               <a:rPr lang="pl-PL" sz="1200" dirty="0" err="1">
                 <a:solidFill>
-                  <a:schemeClr val="tx1">
-                    <a:lumMod val="50000"/>
-                    <a:lumOff val="50000"/>
+                  <a:schemeClr val="bg2">
+                    <a:lumMod val="90000"/>
                   </a:schemeClr>
                 </a:solidFill>
                 <a:latin typeface="Futura Medium" panose="020B0602020204020303" pitchFamily="34" charset="-79"/>
@@ -33422,9 +33727,8 @@
             <a:r>
               <a:rPr lang="pl-PL" sz="1200" dirty="0">
                 <a:solidFill>
-                  <a:schemeClr val="tx1">
-                    <a:lumMod val="50000"/>
-                    <a:lumOff val="50000"/>
+                  <a:schemeClr val="bg2">
+                    <a:lumMod val="90000"/>
                   </a:schemeClr>
                 </a:solidFill>
                 <a:latin typeface="Futura Medium" panose="020B0602020204020303" pitchFamily="34" charset="-79"/>
@@ -33435,9 +33739,8 @@
             <a:r>
               <a:rPr lang="pl-PL" sz="1200" dirty="0" err="1">
                 <a:solidFill>
-                  <a:schemeClr val="tx1">
-                    <a:lumMod val="50000"/>
-                    <a:lumOff val="50000"/>
+                  <a:schemeClr val="bg2">
+                    <a:lumMod val="90000"/>
                   </a:schemeClr>
                 </a:solidFill>
                 <a:latin typeface="Futura Medium" panose="020B0602020204020303" pitchFamily="34" charset="-79"/>
@@ -33448,9 +33751,8 @@
             <a:r>
               <a:rPr lang="pl-PL" sz="1200" dirty="0">
                 <a:solidFill>
-                  <a:schemeClr val="tx1">
-                    <a:lumMod val="50000"/>
-                    <a:lumOff val="50000"/>
+                  <a:schemeClr val="bg2">
+                    <a:lumMod val="90000"/>
                   </a:schemeClr>
                 </a:solidFill>
                 <a:latin typeface="Futura Medium" panose="020B0602020204020303" pitchFamily="34" charset="-79"/>
@@ -33461,9 +33763,8 @@
             <a:r>
               <a:rPr lang="pl-PL" sz="1200" dirty="0" err="1">
                 <a:solidFill>
-                  <a:schemeClr val="tx1">
-                    <a:lumMod val="50000"/>
-                    <a:lumOff val="50000"/>
+                  <a:schemeClr val="bg2">
+                    <a:lumMod val="90000"/>
                   </a:schemeClr>
                 </a:solidFill>
                 <a:latin typeface="Futura Medium" panose="020B0602020204020303" pitchFamily="34" charset="-79"/>
@@ -33474,9 +33775,8 @@
             <a:r>
               <a:rPr lang="pl-PL" sz="1200" dirty="0">
                 <a:solidFill>
-                  <a:schemeClr val="tx1">
-                    <a:lumMod val="50000"/>
-                    <a:lumOff val="50000"/>
+                  <a:schemeClr val="bg2">
+                    <a:lumMod val="90000"/>
                   </a:schemeClr>
                 </a:solidFill>
                 <a:latin typeface="Futura Medium" panose="020B0602020204020303" pitchFamily="34" charset="-79"/>
@@ -33487,9 +33787,8 @@
             <a:r>
               <a:rPr lang="pl-PL" sz="1200" dirty="0" err="1">
                 <a:solidFill>
-                  <a:schemeClr val="tx1">
-                    <a:lumMod val="50000"/>
-                    <a:lumOff val="50000"/>
+                  <a:schemeClr val="bg2">
+                    <a:lumMod val="90000"/>
                   </a:schemeClr>
                 </a:solidFill>
                 <a:latin typeface="Futura Medium" panose="020B0602020204020303" pitchFamily="34" charset="-79"/>
@@ -33500,9 +33799,8 @@
             <a:r>
               <a:rPr lang="pl-PL" sz="1200" dirty="0">
                 <a:solidFill>
-                  <a:schemeClr val="tx1">
-                    <a:lumMod val="50000"/>
-                    <a:lumOff val="50000"/>
+                  <a:schemeClr val="bg2">
+                    <a:lumMod val="90000"/>
                   </a:schemeClr>
                 </a:solidFill>
                 <a:latin typeface="Futura Medium" panose="020B0602020204020303" pitchFamily="34" charset="-79"/>
@@ -33513,9 +33811,8 @@
             <a:r>
               <a:rPr lang="pl-PL" sz="1200" dirty="0" err="1">
                 <a:solidFill>
-                  <a:schemeClr val="tx1">
-                    <a:lumMod val="50000"/>
-                    <a:lumOff val="50000"/>
+                  <a:schemeClr val="bg2">
+                    <a:lumMod val="90000"/>
                   </a:schemeClr>
                 </a:solidFill>
                 <a:latin typeface="Futura Medium" panose="020B0602020204020303" pitchFamily="34" charset="-79"/>
@@ -33526,9 +33823,8 @@
             <a:r>
               <a:rPr lang="pl-PL" sz="1200" dirty="0">
                 <a:solidFill>
-                  <a:schemeClr val="tx1">
-                    <a:lumMod val="50000"/>
-                    <a:lumOff val="50000"/>
+                  <a:schemeClr val="bg2">
+                    <a:lumMod val="90000"/>
                   </a:schemeClr>
                 </a:solidFill>
                 <a:latin typeface="Futura Medium" panose="020B0602020204020303" pitchFamily="34" charset="-79"/>
@@ -33539,9 +33835,8 @@
             <a:r>
               <a:rPr lang="pl-PL" sz="1200" dirty="0" err="1">
                 <a:solidFill>
-                  <a:schemeClr val="tx1">
-                    <a:lumMod val="50000"/>
-                    <a:lumOff val="50000"/>
+                  <a:schemeClr val="bg2">
+                    <a:lumMod val="90000"/>
                   </a:schemeClr>
                 </a:solidFill>
                 <a:latin typeface="Futura Medium" panose="020B0602020204020303" pitchFamily="34" charset="-79"/>
@@ -33552,9 +33847,8 @@
             <a:r>
               <a:rPr lang="pl-PL" sz="1200" dirty="0">
                 <a:solidFill>
-                  <a:schemeClr val="tx1">
-                    <a:lumMod val="50000"/>
-                    <a:lumOff val="50000"/>
+                  <a:schemeClr val="bg2">
+                    <a:lumMod val="90000"/>
                   </a:schemeClr>
                 </a:solidFill>
                 <a:latin typeface="Futura Medium" panose="020B0602020204020303" pitchFamily="34" charset="-79"/>
@@ -33565,9 +33859,8 @@
             <a:r>
               <a:rPr lang="pl-PL" sz="1200" dirty="0" err="1">
                 <a:solidFill>
-                  <a:schemeClr val="tx1">
-                    <a:lumMod val="50000"/>
-                    <a:lumOff val="50000"/>
+                  <a:schemeClr val="bg2">
+                    <a:lumMod val="90000"/>
                   </a:schemeClr>
                 </a:solidFill>
                 <a:latin typeface="Futura Medium" panose="020B0602020204020303" pitchFamily="34" charset="-79"/>
@@ -33578,9 +33871,8 @@
             <a:r>
               <a:rPr lang="pl-PL" sz="1200" dirty="0">
                 <a:solidFill>
-                  <a:schemeClr val="tx1">
-                    <a:lumMod val="50000"/>
-                    <a:lumOff val="50000"/>
+                  <a:schemeClr val="bg2">
+                    <a:lumMod val="90000"/>
                   </a:schemeClr>
                 </a:solidFill>
                 <a:latin typeface="Futura Medium" panose="020B0602020204020303" pitchFamily="34" charset="-79"/>
@@ -33591,9 +33883,8 @@
             <a:r>
               <a:rPr lang="pl-PL" sz="1200" dirty="0" err="1">
                 <a:solidFill>
-                  <a:schemeClr val="tx1">
-                    <a:lumMod val="50000"/>
-                    <a:lumOff val="50000"/>
+                  <a:schemeClr val="bg2">
+                    <a:lumMod val="90000"/>
                   </a:schemeClr>
                 </a:solidFill>
                 <a:latin typeface="Futura Medium" panose="020B0602020204020303" pitchFamily="34" charset="-79"/>
@@ -33603,9 +33894,8 @@
             </a:r>
             <a:endParaRPr lang="pl-PL" sz="1200" dirty="0">
               <a:solidFill>
-                <a:schemeClr val="tx1">
-                  <a:lumMod val="50000"/>
-                  <a:lumOff val="50000"/>
+                <a:schemeClr val="bg2">
+                  <a:lumMod val="90000"/>
                 </a:schemeClr>
               </a:solidFill>
               <a:latin typeface="Futura Medium" panose="020B0602020204020303" pitchFamily="34" charset="-79"/>

--- a/presentations/business/pnos_business_ppt.pptx
+++ b/presentations/business/pnos_business_ppt.pptx
@@ -5,7 +5,7 @@
     <p:sldMasterId id="2147483648" r:id="rId1"/>
   </p:sldMasterIdLst>
   <p:notesMasterIdLst>
-    <p:notesMasterId r:id="rId33"/>
+    <p:notesMasterId r:id="rId34"/>
   </p:notesMasterIdLst>
   <p:sldIdLst>
     <p:sldId id="256" r:id="rId2"/>
@@ -31,14 +31,15 @@
     <p:sldId id="276" r:id="rId22"/>
     <p:sldId id="277" r:id="rId23"/>
     <p:sldId id="279" r:id="rId24"/>
-    <p:sldId id="287" r:id="rId25"/>
-    <p:sldId id="280" r:id="rId26"/>
-    <p:sldId id="281" r:id="rId27"/>
-    <p:sldId id="284" r:id="rId28"/>
-    <p:sldId id="270" r:id="rId29"/>
-    <p:sldId id="263" r:id="rId30"/>
-    <p:sldId id="271" r:id="rId31"/>
-    <p:sldId id="264" r:id="rId32"/>
+    <p:sldId id="301" r:id="rId25"/>
+    <p:sldId id="302" r:id="rId26"/>
+    <p:sldId id="280" r:id="rId27"/>
+    <p:sldId id="281" r:id="rId28"/>
+    <p:sldId id="284" r:id="rId29"/>
+    <p:sldId id="270" r:id="rId30"/>
+    <p:sldId id="263" r:id="rId31"/>
+    <p:sldId id="271" r:id="rId32"/>
+    <p:sldId id="264" r:id="rId33"/>
   </p:sldIdLst>
   <p:sldSz cx="12192000" cy="6858000"/>
   <p:notesSz cx="6858000" cy="9144000"/>
@@ -6832,7 +6833,7 @@
           <a:p>
             <a:fld id="{B9A9EE70-06A6-5645-802D-4F9862C567B5}" type="datetimeFigureOut">
               <a:rPr lang="pl-PL" smtClean="0"/>
-              <a:t>25.11.2019</a:t>
+              <a:t>26.11.2019</a:t>
             </a:fld>
             <a:endParaRPr lang="pl-PL"/>
           </a:p>
@@ -7510,7 +7511,7 @@
     </p:spTree>
     <p:extLst>
       <p:ext uri="{BB962C8B-B14F-4D97-AF65-F5344CB8AC3E}">
-        <p14:creationId xmlns:p14="http://schemas.microsoft.com/office/powerpoint/2010/main" val="3611794371"/>
+        <p14:creationId xmlns:p14="http://schemas.microsoft.com/office/powerpoint/2010/main" val="1729564653"/>
       </p:ext>
     </p:extLst>
   </p:cSld>
@@ -7585,7 +7586,7 @@
           <a:p>
             <a:fld id="{34EB93A8-DA20-AF40-AAB7-97274E8C4E9F}" type="slidenum">
               <a:rPr lang="pl-PL" smtClean="0"/>
-              <a:t>25</a:t>
+              <a:t>26</a:t>
             </a:fld>
             <a:endParaRPr lang="pl-PL"/>
           </a:p>
@@ -7669,7 +7670,7 @@
           <a:p>
             <a:fld id="{34EB93A8-DA20-AF40-AAB7-97274E8C4E9F}" type="slidenum">
               <a:rPr lang="pl-PL" smtClean="0"/>
-              <a:t>26</a:t>
+              <a:t>27</a:t>
             </a:fld>
             <a:endParaRPr lang="pl-PL"/>
           </a:p>
@@ -7753,7 +7754,7 @@
           <a:p>
             <a:fld id="{34EB93A8-DA20-AF40-AAB7-97274E8C4E9F}" type="slidenum">
               <a:rPr lang="pl-PL" smtClean="0"/>
-              <a:t>27</a:t>
+              <a:t>28</a:t>
             </a:fld>
             <a:endParaRPr lang="pl-PL"/>
           </a:p>
@@ -7837,7 +7838,7 @@
           <a:p>
             <a:fld id="{34EB93A8-DA20-AF40-AAB7-97274E8C4E9F}" type="slidenum">
               <a:rPr lang="pl-PL" smtClean="0"/>
-              <a:t>29</a:t>
+              <a:t>30</a:t>
             </a:fld>
             <a:endParaRPr lang="pl-PL"/>
           </a:p>
@@ -8005,7 +8006,7 @@
           <a:p>
             <a:fld id="{BDB90D4E-B4B4-AA4D-8C3E-EED2DA1EB551}" type="datetimeFigureOut">
               <a:rPr lang="pl-PL" smtClean="0"/>
-              <a:t>25.11.2019</a:t>
+              <a:t>26.11.2019</a:t>
             </a:fld>
             <a:endParaRPr lang="pl-PL"/>
           </a:p>
@@ -8205,7 +8206,7 @@
           <a:p>
             <a:fld id="{BDB90D4E-B4B4-AA4D-8C3E-EED2DA1EB551}" type="datetimeFigureOut">
               <a:rPr lang="pl-PL" smtClean="0"/>
-              <a:t>25.11.2019</a:t>
+              <a:t>26.11.2019</a:t>
             </a:fld>
             <a:endParaRPr lang="pl-PL"/>
           </a:p>
@@ -8415,7 +8416,7 @@
           <a:p>
             <a:fld id="{BDB90D4E-B4B4-AA4D-8C3E-EED2DA1EB551}" type="datetimeFigureOut">
               <a:rPr lang="pl-PL" smtClean="0"/>
-              <a:t>25.11.2019</a:t>
+              <a:t>26.11.2019</a:t>
             </a:fld>
             <a:endParaRPr lang="pl-PL"/>
           </a:p>
@@ -8615,7 +8616,7 @@
           <a:p>
             <a:fld id="{BDB90D4E-B4B4-AA4D-8C3E-EED2DA1EB551}" type="datetimeFigureOut">
               <a:rPr lang="pl-PL" smtClean="0"/>
-              <a:t>25.11.2019</a:t>
+              <a:t>26.11.2019</a:t>
             </a:fld>
             <a:endParaRPr lang="pl-PL"/>
           </a:p>
@@ -8891,7 +8892,7 @@
           <a:p>
             <a:fld id="{BDB90D4E-B4B4-AA4D-8C3E-EED2DA1EB551}" type="datetimeFigureOut">
               <a:rPr lang="pl-PL" smtClean="0"/>
-              <a:t>25.11.2019</a:t>
+              <a:t>26.11.2019</a:t>
             </a:fld>
             <a:endParaRPr lang="pl-PL"/>
           </a:p>
@@ -9159,7 +9160,7 @@
           <a:p>
             <a:fld id="{BDB90D4E-B4B4-AA4D-8C3E-EED2DA1EB551}" type="datetimeFigureOut">
               <a:rPr lang="pl-PL" smtClean="0"/>
-              <a:t>25.11.2019</a:t>
+              <a:t>26.11.2019</a:t>
             </a:fld>
             <a:endParaRPr lang="pl-PL"/>
           </a:p>
@@ -9574,7 +9575,7 @@
           <a:p>
             <a:fld id="{BDB90D4E-B4B4-AA4D-8C3E-EED2DA1EB551}" type="datetimeFigureOut">
               <a:rPr lang="pl-PL" smtClean="0"/>
-              <a:t>25.11.2019</a:t>
+              <a:t>26.11.2019</a:t>
             </a:fld>
             <a:endParaRPr lang="pl-PL"/>
           </a:p>
@@ -9716,7 +9717,7 @@
           <a:p>
             <a:fld id="{BDB90D4E-B4B4-AA4D-8C3E-EED2DA1EB551}" type="datetimeFigureOut">
               <a:rPr lang="pl-PL" smtClean="0"/>
-              <a:t>25.11.2019</a:t>
+              <a:t>26.11.2019</a:t>
             </a:fld>
             <a:endParaRPr lang="pl-PL"/>
           </a:p>
@@ -9829,7 +9830,7 @@
           <a:p>
             <a:fld id="{BDB90D4E-B4B4-AA4D-8C3E-EED2DA1EB551}" type="datetimeFigureOut">
               <a:rPr lang="pl-PL" smtClean="0"/>
-              <a:t>25.11.2019</a:t>
+              <a:t>26.11.2019</a:t>
             </a:fld>
             <a:endParaRPr lang="pl-PL"/>
           </a:p>
@@ -10142,7 +10143,7 @@
           <a:p>
             <a:fld id="{BDB90D4E-B4B4-AA4D-8C3E-EED2DA1EB551}" type="datetimeFigureOut">
               <a:rPr lang="pl-PL" smtClean="0"/>
-              <a:t>25.11.2019</a:t>
+              <a:t>26.11.2019</a:t>
             </a:fld>
             <a:endParaRPr lang="pl-PL"/>
           </a:p>
@@ -10431,7 +10432,7 @@
           <a:p>
             <a:fld id="{BDB90D4E-B4B4-AA4D-8C3E-EED2DA1EB551}" type="datetimeFigureOut">
               <a:rPr lang="pl-PL" smtClean="0"/>
-              <a:t>25.11.2019</a:t>
+              <a:t>26.11.2019</a:t>
             </a:fld>
             <a:endParaRPr lang="pl-PL"/>
           </a:p>
@@ -10674,7 +10675,7 @@
           <a:p>
             <a:fld id="{BDB90D4E-B4B4-AA4D-8C3E-EED2DA1EB551}" type="datetimeFigureOut">
               <a:rPr lang="pl-PL" smtClean="0"/>
-              <a:t>25.11.2019</a:t>
+              <a:t>26.11.2019</a:t>
             </a:fld>
             <a:endParaRPr lang="pl-PL"/>
           </a:p>
@@ -16742,7 +16743,7 @@
                 <a:latin typeface="Futura Medium" panose="020B0602020204020303" pitchFamily="34" charset="-79"/>
                 <a:cs typeface="Futura Medium" panose="020B0602020204020303" pitchFamily="34" charset="-79"/>
               </a:rPr>
-              <a:t> I</a:t>
+              <a:t> (part I)</a:t>
             </a:r>
           </a:p>
         </p:txBody>
@@ -17584,7 +17585,7 @@
                 <a:latin typeface="Futura Medium" panose="020B0602020204020303" pitchFamily="34" charset="-79"/>
                 <a:cs typeface="Futura Medium" panose="020B0602020204020303" pitchFamily="34" charset="-79"/>
               </a:rPr>
-              <a:t> II</a:t>
+              <a:t> (part II)</a:t>
             </a:r>
           </a:p>
         </p:txBody>
@@ -24804,11 +24805,7 @@
           </p:cNvGraphicFramePr>
           <p:nvPr>
             <p:ph idx="1"/>
-            <p:extLst>
-              <p:ext uri="{D42A27DB-BD31-4B8C-83A1-F6EECF244321}">
-                <p14:modId xmlns:p14="http://schemas.microsoft.com/office/powerpoint/2010/main" val="1002693026"/>
-              </p:ext>
-            </p:extLst>
+            <p:extLst/>
           </p:nvPr>
         </p:nvGraphicFramePr>
         <p:xfrm>
@@ -25483,7 +25480,7 @@
     </p:spTree>
     <p:extLst>
       <p:ext uri="{BB962C8B-B14F-4D97-AF65-F5344CB8AC3E}">
-        <p14:creationId xmlns:p14="http://schemas.microsoft.com/office/powerpoint/2010/main" val="3574122939"/>
+        <p14:creationId xmlns:p14="http://schemas.microsoft.com/office/powerpoint/2010/main" val="385012657"/>
       </p:ext>
     </p:extLst>
   </p:cSld>
@@ -25494,6 +25491,658 @@
 </file>
 
 <file path=ppt/slides/slide25.xml><?xml version="1.0" encoding="utf-8"?>
+<p:sld xmlns:a="http://schemas.openxmlformats.org/drawingml/2006/main" xmlns:r="http://schemas.openxmlformats.org/officeDocument/2006/relationships" xmlns:p="http://schemas.openxmlformats.org/presentationml/2006/main">
+  <p:cSld>
+    <p:spTree>
+      <p:nvGrpSpPr>
+        <p:cNvPr id="1" name=""/>
+        <p:cNvGrpSpPr/>
+        <p:nvPr/>
+      </p:nvGrpSpPr>
+      <p:grpSpPr>
+        <a:xfrm>
+          <a:off x="0" y="0"/>
+          <a:ext cx="0" cy="0"/>
+          <a:chOff x="0" y="0"/>
+          <a:chExt cx="0" cy="0"/>
+        </a:xfrm>
+      </p:grpSpPr>
+      <p:sp>
+        <p:nvSpPr>
+          <p:cNvPr id="2" name="Title 1">
+            <a:extLst>
+              <a:ext uri="{FF2B5EF4-FFF2-40B4-BE49-F238E27FC236}">
+                <a16:creationId xmlns:a16="http://schemas.microsoft.com/office/drawing/2014/main" id="{F47BF6D4-89AF-724D-982F-87CBD8F29B01}"/>
+              </a:ext>
+            </a:extLst>
+          </p:cNvPr>
+          <p:cNvSpPr>
+            <a:spLocks noGrp="1"/>
+          </p:cNvSpPr>
+          <p:nvPr>
+            <p:ph type="title"/>
+          </p:nvPr>
+        </p:nvSpPr>
+        <p:spPr/>
+        <p:txBody>
+          <a:bodyPr>
+            <a:normAutofit/>
+          </a:bodyPr>
+          <a:lstStyle/>
+          <a:p>
+            <a:pPr algn="ctr"/>
+            <a:r>
+              <a:rPr lang="pl-PL" sz="3200" dirty="0">
+                <a:solidFill>
+                  <a:schemeClr val="accent1">
+                    <a:lumMod val="75000"/>
+                  </a:schemeClr>
+                </a:solidFill>
+                <a:latin typeface="Futura Medium" panose="020B0602020204020303" pitchFamily="34" charset="-79"/>
+                <a:cs typeface="Futura Medium" panose="020B0602020204020303" pitchFamily="34" charset="-79"/>
+              </a:rPr>
+              <a:t>How to </a:t>
+            </a:r>
+            <a:r>
+              <a:rPr lang="pl-PL" sz="3200" dirty="0" err="1">
+                <a:solidFill>
+                  <a:schemeClr val="accent1">
+                    <a:lumMod val="75000"/>
+                  </a:schemeClr>
+                </a:solidFill>
+                <a:latin typeface="Futura Medium" panose="020B0602020204020303" pitchFamily="34" charset="-79"/>
+                <a:cs typeface="Futura Medium" panose="020B0602020204020303" pitchFamily="34" charset="-79"/>
+              </a:rPr>
+              <a:t>understand</a:t>
+            </a:r>
+            <a:r>
+              <a:rPr lang="pl-PL" sz="3200" dirty="0">
+                <a:solidFill>
+                  <a:schemeClr val="accent1">
+                    <a:lumMod val="75000"/>
+                  </a:schemeClr>
+                </a:solidFill>
+                <a:latin typeface="Futura Medium" panose="020B0602020204020303" pitchFamily="34" charset="-79"/>
+                <a:cs typeface="Futura Medium" panose="020B0602020204020303" pitchFamily="34" charset="-79"/>
+              </a:rPr>
+              <a:t> </a:t>
+            </a:r>
+            <a:r>
+              <a:rPr lang="pl-PL" sz="3200" dirty="0" err="1">
+                <a:solidFill>
+                  <a:schemeClr val="accent1">
+                    <a:lumMod val="75000"/>
+                  </a:schemeClr>
+                </a:solidFill>
+                <a:latin typeface="Futura Medium" panose="020B0602020204020303" pitchFamily="34" charset="-79"/>
+                <a:cs typeface="Futura Medium" panose="020B0602020204020303" pitchFamily="34" charset="-79"/>
+              </a:rPr>
+              <a:t>numbers</a:t>
+            </a:r>
+            <a:r>
+              <a:rPr lang="pl-PL" sz="3200" dirty="0">
+                <a:solidFill>
+                  <a:schemeClr val="accent1">
+                    <a:lumMod val="75000"/>
+                  </a:schemeClr>
+                </a:solidFill>
+                <a:latin typeface="Futura Medium" panose="020B0602020204020303" pitchFamily="34" charset="-79"/>
+                <a:cs typeface="Futura Medium" panose="020B0602020204020303" pitchFamily="34" charset="-79"/>
+              </a:rPr>
+              <a:t> in </a:t>
+            </a:r>
+            <a:r>
+              <a:rPr lang="pl-PL" sz="3200" dirty="0" err="1">
+                <a:solidFill>
+                  <a:schemeClr val="accent1">
+                    <a:lumMod val="75000"/>
+                  </a:schemeClr>
+                </a:solidFill>
+                <a:latin typeface="Futura Medium" panose="020B0602020204020303" pitchFamily="34" charset="-79"/>
+                <a:cs typeface="Futura Medium" panose="020B0602020204020303" pitchFamily="34" charset="-79"/>
+              </a:rPr>
+              <a:t>table</a:t>
+            </a:r>
+            <a:r>
+              <a:rPr lang="pl-PL" sz="3200" dirty="0">
+                <a:solidFill>
+                  <a:schemeClr val="accent1">
+                    <a:lumMod val="75000"/>
+                  </a:schemeClr>
+                </a:solidFill>
+                <a:latin typeface="Futura Medium" panose="020B0602020204020303" pitchFamily="34" charset="-79"/>
+                <a:cs typeface="Futura Medium" panose="020B0602020204020303" pitchFamily="34" charset="-79"/>
+              </a:rPr>
+              <a:t> of 258 </a:t>
+            </a:r>
+            <a:r>
+              <a:rPr lang="pl-PL" sz="3200" dirty="0" err="1">
+                <a:solidFill>
+                  <a:schemeClr val="accent1">
+                    <a:lumMod val="75000"/>
+                  </a:schemeClr>
+                </a:solidFill>
+                <a:latin typeface="Futura Medium" panose="020B0602020204020303" pitchFamily="34" charset="-79"/>
+                <a:cs typeface="Futura Medium" panose="020B0602020204020303" pitchFamily="34" charset="-79"/>
+              </a:rPr>
+              <a:t>customers</a:t>
+            </a:r>
+            <a:r>
+              <a:rPr lang="pl-PL" sz="3200" dirty="0">
+                <a:solidFill>
+                  <a:schemeClr val="accent1">
+                    <a:lumMod val="75000"/>
+                  </a:schemeClr>
+                </a:solidFill>
+                <a:latin typeface="Futura Medium" panose="020B0602020204020303" pitchFamily="34" charset="-79"/>
+                <a:cs typeface="Futura Medium" panose="020B0602020204020303" pitchFamily="34" charset="-79"/>
+              </a:rPr>
+              <a:t>?</a:t>
+            </a:r>
+          </a:p>
+        </p:txBody>
+      </p:sp>
+      <p:graphicFrame>
+        <p:nvGraphicFramePr>
+          <p:cNvPr id="4" name="Content Placeholder 3">
+            <a:extLst>
+              <a:ext uri="{FF2B5EF4-FFF2-40B4-BE49-F238E27FC236}">
+                <a16:creationId xmlns:a16="http://schemas.microsoft.com/office/drawing/2014/main" id="{915BB019-793A-E642-A500-6EC0A9D19474}"/>
+              </a:ext>
+            </a:extLst>
+          </p:cNvPr>
+          <p:cNvGraphicFramePr>
+            <a:graphicFrameLocks noGrp="1"/>
+          </p:cNvGraphicFramePr>
+          <p:nvPr>
+            <p:ph idx="1"/>
+            <p:extLst>
+              <p:ext uri="{D42A27DB-BD31-4B8C-83A1-F6EECF244321}">
+                <p14:modId xmlns:p14="http://schemas.microsoft.com/office/powerpoint/2010/main" val="4018898642"/>
+              </p:ext>
+            </p:extLst>
+          </p:nvPr>
+        </p:nvGraphicFramePr>
+        <p:xfrm>
+          <a:off x="838200" y="1825624"/>
+          <a:ext cx="10515600" cy="3019508"/>
+        </p:xfrm>
+        <a:graphic>
+          <a:graphicData uri="http://schemas.openxmlformats.org/drawingml/2006/table">
+            <a:tbl>
+              <a:tblPr firstRow="1" bandRow="1">
+                <a:tableStyleId>{2D5ABB26-0587-4C30-8999-92F81FD0307C}</a:tableStyleId>
+              </a:tblPr>
+              <a:tblGrid>
+                <a:gridCol w="5257800">
+                  <a:extLst>
+                    <a:ext uri="{9D8B030D-6E8A-4147-A177-3AD203B41FA5}">
+                      <a16:colId xmlns:a16="http://schemas.microsoft.com/office/drawing/2014/main" val="367663289"/>
+                    </a:ext>
+                  </a:extLst>
+                </a:gridCol>
+                <a:gridCol w="5257800">
+                  <a:extLst>
+                    <a:ext uri="{9D8B030D-6E8A-4147-A177-3AD203B41FA5}">
+                      <a16:colId xmlns:a16="http://schemas.microsoft.com/office/drawing/2014/main" val="1941445886"/>
+                    </a:ext>
+                  </a:extLst>
+                </a:gridCol>
+              </a:tblGrid>
+              <a:tr h="1509754">
+                <a:tc>
+                  <a:txBody>
+                    <a:bodyPr/>
+                    <a:lstStyle/>
+                    <a:p>
+                      <a:endParaRPr lang="pl-PL" dirty="0"/>
+                    </a:p>
+                  </a:txBody>
+                  <a:tcPr>
+                    <a:lnL w="12700" cap="flat" cmpd="sng" algn="ctr">
+                      <a:solidFill>
+                        <a:schemeClr val="bg2">
+                          <a:lumMod val="90000"/>
+                        </a:schemeClr>
+                      </a:solidFill>
+                      <a:prstDash val="solid"/>
+                      <a:round/>
+                      <a:headEnd type="none" w="med" len="med"/>
+                      <a:tailEnd type="none" w="med" len="med"/>
+                    </a:lnL>
+                    <a:lnR w="12700" cap="flat" cmpd="sng" algn="ctr">
+                      <a:solidFill>
+                        <a:schemeClr val="bg2">
+                          <a:lumMod val="90000"/>
+                        </a:schemeClr>
+                      </a:solidFill>
+                      <a:prstDash val="solid"/>
+                      <a:round/>
+                      <a:headEnd type="none" w="med" len="med"/>
+                      <a:tailEnd type="none" w="med" len="med"/>
+                    </a:lnR>
+                    <a:lnT w="12700" cap="flat" cmpd="sng" algn="ctr">
+                      <a:solidFill>
+                        <a:schemeClr val="bg2">
+                          <a:lumMod val="90000"/>
+                        </a:schemeClr>
+                      </a:solidFill>
+                      <a:prstDash val="solid"/>
+                      <a:round/>
+                      <a:headEnd type="none" w="med" len="med"/>
+                      <a:tailEnd type="none" w="med" len="med"/>
+                    </a:lnT>
+                    <a:lnB w="12700" cap="flat" cmpd="sng" algn="ctr">
+                      <a:solidFill>
+                        <a:schemeClr val="bg2">
+                          <a:lumMod val="90000"/>
+                        </a:schemeClr>
+                      </a:solidFill>
+                      <a:prstDash val="solid"/>
+                      <a:round/>
+                      <a:headEnd type="none" w="med" len="med"/>
+                      <a:tailEnd type="none" w="med" len="med"/>
+                    </a:lnB>
+                  </a:tcPr>
+                </a:tc>
+                <a:tc>
+                  <a:txBody>
+                    <a:bodyPr/>
+                    <a:lstStyle/>
+                    <a:p>
+                      <a:pPr algn="ctr"/>
+                      <a:endParaRPr lang="pl-PL" dirty="0">
+                        <a:solidFill>
+                          <a:schemeClr val="tx1">
+                            <a:lumMod val="65000"/>
+                            <a:lumOff val="35000"/>
+                          </a:schemeClr>
+                        </a:solidFill>
+                        <a:latin typeface="Futura Medium" panose="020B0602020204020303" pitchFamily="34" charset="-79"/>
+                        <a:cs typeface="Futura Medium" panose="020B0602020204020303" pitchFamily="34" charset="-79"/>
+                      </a:endParaRPr>
+                    </a:p>
+                  </a:txBody>
+                  <a:tcPr>
+                    <a:lnL w="12700" cap="flat" cmpd="sng" algn="ctr">
+                      <a:solidFill>
+                        <a:schemeClr val="bg2">
+                          <a:lumMod val="90000"/>
+                        </a:schemeClr>
+                      </a:solidFill>
+                      <a:prstDash val="solid"/>
+                      <a:round/>
+                      <a:headEnd type="none" w="med" len="med"/>
+                      <a:tailEnd type="none" w="med" len="med"/>
+                    </a:lnL>
+                    <a:lnR w="12700" cap="flat" cmpd="sng" algn="ctr">
+                      <a:solidFill>
+                        <a:schemeClr val="bg2">
+                          <a:lumMod val="90000"/>
+                        </a:schemeClr>
+                      </a:solidFill>
+                      <a:prstDash val="solid"/>
+                      <a:round/>
+                      <a:headEnd type="none" w="med" len="med"/>
+                      <a:tailEnd type="none" w="med" len="med"/>
+                    </a:lnR>
+                    <a:lnT w="12700" cap="flat" cmpd="sng" algn="ctr">
+                      <a:solidFill>
+                        <a:schemeClr val="bg2">
+                          <a:lumMod val="90000"/>
+                        </a:schemeClr>
+                      </a:solidFill>
+                      <a:prstDash val="solid"/>
+                      <a:round/>
+                      <a:headEnd type="none" w="med" len="med"/>
+                      <a:tailEnd type="none" w="med" len="med"/>
+                    </a:lnT>
+                    <a:lnB w="12700" cap="flat" cmpd="sng" algn="ctr">
+                      <a:solidFill>
+                        <a:schemeClr val="bg2">
+                          <a:lumMod val="90000"/>
+                        </a:schemeClr>
+                      </a:solidFill>
+                      <a:prstDash val="solid"/>
+                      <a:round/>
+                      <a:headEnd type="none" w="med" len="med"/>
+                      <a:tailEnd type="none" w="med" len="med"/>
+                    </a:lnB>
+                  </a:tcPr>
+                </a:tc>
+                <a:extLst>
+                  <a:ext uri="{0D108BD9-81ED-4DB2-BD59-A6C34878D82A}">
+                    <a16:rowId xmlns:a16="http://schemas.microsoft.com/office/drawing/2014/main" val="1761730026"/>
+                  </a:ext>
+                </a:extLst>
+              </a:tr>
+              <a:tr h="1509754">
+                <a:tc>
+                  <a:txBody>
+                    <a:bodyPr/>
+                    <a:lstStyle/>
+                    <a:p>
+                      <a:pPr algn="ctr"/>
+                      <a:r>
+                        <a:rPr lang="pl-PL" dirty="0">
+                          <a:solidFill>
+                            <a:schemeClr val="tx1">
+                              <a:lumMod val="65000"/>
+                              <a:lumOff val="35000"/>
+                            </a:schemeClr>
+                          </a:solidFill>
+                          <a:latin typeface="Futura Medium" panose="020B0602020204020303" pitchFamily="34" charset="-79"/>
+                          <a:cs typeface="Futura Medium" panose="020B0602020204020303" pitchFamily="34" charset="-79"/>
+                        </a:rPr>
+                        <a:t>not </a:t>
+                      </a:r>
+                      <a:r>
+                        <a:rPr lang="pl-PL" dirty="0" err="1">
+                          <a:solidFill>
+                            <a:schemeClr val="tx1">
+                              <a:lumMod val="65000"/>
+                              <a:lumOff val="35000"/>
+                            </a:schemeClr>
+                          </a:solidFill>
+                          <a:latin typeface="Futura Medium" panose="020B0602020204020303" pitchFamily="34" charset="-79"/>
+                          <a:cs typeface="Futura Medium" panose="020B0602020204020303" pitchFamily="34" charset="-79"/>
+                        </a:rPr>
+                        <a:t>identified</a:t>
+                      </a:r>
+                      <a:r>
+                        <a:rPr lang="pl-PL" dirty="0">
+                          <a:solidFill>
+                            <a:schemeClr val="tx1">
+                              <a:lumMod val="65000"/>
+                              <a:lumOff val="35000"/>
+                            </a:schemeClr>
+                          </a:solidFill>
+                          <a:latin typeface="Futura Medium" panose="020B0602020204020303" pitchFamily="34" charset="-79"/>
+                          <a:cs typeface="Futura Medium" panose="020B0602020204020303" pitchFamily="34" charset="-79"/>
+                        </a:rPr>
+                        <a:t> </a:t>
+                      </a:r>
+                      <a:r>
+                        <a:rPr lang="pl-PL" dirty="0" err="1">
+                          <a:solidFill>
+                            <a:schemeClr val="tx1">
+                              <a:lumMod val="65000"/>
+                              <a:lumOff val="35000"/>
+                            </a:schemeClr>
+                          </a:solidFill>
+                          <a:latin typeface="Futura Medium" panose="020B0602020204020303" pitchFamily="34" charset="-79"/>
+                          <a:cs typeface="Futura Medium" panose="020B0602020204020303" pitchFamily="34" charset="-79"/>
+                        </a:rPr>
+                        <a:t>customers</a:t>
+                      </a:r>
+                      <a:r>
+                        <a:rPr lang="pl-PL" dirty="0">
+                          <a:solidFill>
+                            <a:schemeClr val="tx1">
+                              <a:lumMod val="65000"/>
+                              <a:lumOff val="35000"/>
+                            </a:schemeClr>
+                          </a:solidFill>
+                          <a:latin typeface="Futura Medium" panose="020B0602020204020303" pitchFamily="34" charset="-79"/>
+                          <a:cs typeface="Futura Medium" panose="020B0602020204020303" pitchFamily="34" charset="-79"/>
+                        </a:rPr>
+                        <a:t> </a:t>
+                      </a:r>
+                      <a:r>
+                        <a:rPr lang="pl-PL" dirty="0" err="1">
+                          <a:solidFill>
+                            <a:schemeClr val="tx1">
+                              <a:lumMod val="65000"/>
+                              <a:lumOff val="35000"/>
+                            </a:schemeClr>
+                          </a:solidFill>
+                          <a:latin typeface="Futura Medium" panose="020B0602020204020303" pitchFamily="34" charset="-79"/>
+                          <a:cs typeface="Futura Medium" panose="020B0602020204020303" pitchFamily="34" charset="-79"/>
+                        </a:rPr>
+                        <a:t>who</a:t>
+                      </a:r>
+                      <a:r>
+                        <a:rPr lang="pl-PL" dirty="0">
+                          <a:solidFill>
+                            <a:schemeClr val="tx1">
+                              <a:lumMod val="65000"/>
+                              <a:lumOff val="35000"/>
+                            </a:schemeClr>
+                          </a:solidFill>
+                          <a:latin typeface="Futura Medium" panose="020B0602020204020303" pitchFamily="34" charset="-79"/>
+                          <a:cs typeface="Futura Medium" panose="020B0602020204020303" pitchFamily="34" charset="-79"/>
+                        </a:rPr>
+                        <a:t> </a:t>
+                      </a:r>
+                      <a:r>
+                        <a:rPr lang="pl-PL" dirty="0" err="1">
+                          <a:solidFill>
+                            <a:schemeClr val="tx1">
+                              <a:lumMod val="65000"/>
+                              <a:lumOff val="35000"/>
+                            </a:schemeClr>
+                          </a:solidFill>
+                          <a:latin typeface="Futura Medium" panose="020B0602020204020303" pitchFamily="34" charset="-79"/>
+                          <a:cs typeface="Futura Medium" panose="020B0602020204020303" pitchFamily="34" charset="-79"/>
+                        </a:rPr>
+                        <a:t>would</a:t>
+                      </a:r>
+                      <a:r>
+                        <a:rPr lang="pl-PL" dirty="0">
+                          <a:solidFill>
+                            <a:schemeClr val="tx1">
+                              <a:lumMod val="65000"/>
+                              <a:lumOff val="35000"/>
+                            </a:schemeClr>
+                          </a:solidFill>
+                          <a:latin typeface="Futura Medium" panose="020B0602020204020303" pitchFamily="34" charset="-79"/>
+                          <a:cs typeface="Futura Medium" panose="020B0602020204020303" pitchFamily="34" charset="-79"/>
+                        </a:rPr>
+                        <a:t> </a:t>
+                      </a:r>
+                      <a:r>
+                        <a:rPr lang="pl-PL" dirty="0" err="1">
+                          <a:solidFill>
+                            <a:schemeClr val="tx1">
+                              <a:lumMod val="65000"/>
+                              <a:lumOff val="35000"/>
+                            </a:schemeClr>
+                          </a:solidFill>
+                          <a:latin typeface="Futura Medium" panose="020B0602020204020303" pitchFamily="34" charset="-79"/>
+                          <a:cs typeface="Futura Medium" panose="020B0602020204020303" pitchFamily="34" charset="-79"/>
+                        </a:rPr>
+                        <a:t>accept</a:t>
+                      </a:r>
+                      <a:endParaRPr lang="pl-PL" dirty="0">
+                        <a:solidFill>
+                          <a:schemeClr val="tx1">
+                            <a:lumMod val="65000"/>
+                            <a:lumOff val="35000"/>
+                          </a:schemeClr>
+                        </a:solidFill>
+                        <a:latin typeface="Futura Medium" panose="020B0602020204020303" pitchFamily="34" charset="-79"/>
+                        <a:cs typeface="Futura Medium" panose="020B0602020204020303" pitchFamily="34" charset="-79"/>
+                      </a:endParaRPr>
+                    </a:p>
+                    <a:p>
+                      <a:pPr algn="ctr"/>
+                      <a:r>
+                        <a:rPr lang="pl-PL" dirty="0" err="1">
+                          <a:solidFill>
+                            <a:schemeClr val="tx1">
+                              <a:lumMod val="65000"/>
+                              <a:lumOff val="35000"/>
+                            </a:schemeClr>
+                          </a:solidFill>
+                          <a:latin typeface="Futura Medium" panose="020B0602020204020303" pitchFamily="34" charset="-79"/>
+                          <a:cs typeface="Futura Medium" panose="020B0602020204020303" pitchFamily="34" charset="-79"/>
+                        </a:rPr>
+                        <a:t>our</a:t>
+                      </a:r>
+                      <a:r>
+                        <a:rPr lang="pl-PL" dirty="0">
+                          <a:solidFill>
+                            <a:schemeClr val="tx1">
+                              <a:lumMod val="65000"/>
+                              <a:lumOff val="35000"/>
+                            </a:schemeClr>
+                          </a:solidFill>
+                          <a:latin typeface="Futura Medium" panose="020B0602020204020303" pitchFamily="34" charset="-79"/>
+                          <a:cs typeface="Futura Medium" panose="020B0602020204020303" pitchFamily="34" charset="-79"/>
+                        </a:rPr>
+                        <a:t> </a:t>
+                      </a:r>
+                      <a:r>
+                        <a:rPr lang="pl-PL" dirty="0" err="1">
+                          <a:solidFill>
+                            <a:schemeClr val="tx1">
+                              <a:lumMod val="65000"/>
+                              <a:lumOff val="35000"/>
+                            </a:schemeClr>
+                          </a:solidFill>
+                          <a:latin typeface="Futura Medium" panose="020B0602020204020303" pitchFamily="34" charset="-79"/>
+                          <a:cs typeface="Futura Medium" panose="020B0602020204020303" pitchFamily="34" charset="-79"/>
+                        </a:rPr>
+                        <a:t>offer</a:t>
+                      </a:r>
+                      <a:endParaRPr lang="pl-PL" dirty="0">
+                        <a:solidFill>
+                          <a:schemeClr val="tx1">
+                            <a:lumMod val="65000"/>
+                            <a:lumOff val="35000"/>
+                          </a:schemeClr>
+                        </a:solidFill>
+                        <a:latin typeface="Futura Medium" panose="020B0602020204020303" pitchFamily="34" charset="-79"/>
+                        <a:cs typeface="Futura Medium" panose="020B0602020204020303" pitchFamily="34" charset="-79"/>
+                      </a:endParaRPr>
+                    </a:p>
+                  </a:txBody>
+                  <a:tcPr>
+                    <a:lnL w="12700" cap="flat" cmpd="sng" algn="ctr">
+                      <a:solidFill>
+                        <a:schemeClr val="bg2">
+                          <a:lumMod val="90000"/>
+                        </a:schemeClr>
+                      </a:solidFill>
+                      <a:prstDash val="solid"/>
+                      <a:round/>
+                      <a:headEnd type="none" w="med" len="med"/>
+                      <a:tailEnd type="none" w="med" len="med"/>
+                    </a:lnL>
+                    <a:lnR w="12700" cap="flat" cmpd="sng" algn="ctr">
+                      <a:solidFill>
+                        <a:schemeClr val="bg2">
+                          <a:lumMod val="90000"/>
+                        </a:schemeClr>
+                      </a:solidFill>
+                      <a:prstDash val="solid"/>
+                      <a:round/>
+                      <a:headEnd type="none" w="med" len="med"/>
+                      <a:tailEnd type="none" w="med" len="med"/>
+                    </a:lnR>
+                    <a:lnT w="12700" cap="flat" cmpd="sng" algn="ctr">
+                      <a:solidFill>
+                        <a:schemeClr val="bg2">
+                          <a:lumMod val="90000"/>
+                        </a:schemeClr>
+                      </a:solidFill>
+                      <a:prstDash val="solid"/>
+                      <a:round/>
+                      <a:headEnd type="none" w="med" len="med"/>
+                      <a:tailEnd type="none" w="med" len="med"/>
+                    </a:lnT>
+                    <a:lnB w="12700" cap="flat" cmpd="sng" algn="ctr">
+                      <a:solidFill>
+                        <a:schemeClr val="bg2">
+                          <a:lumMod val="90000"/>
+                        </a:schemeClr>
+                      </a:solidFill>
+                      <a:prstDash val="solid"/>
+                      <a:round/>
+                      <a:headEnd type="none" w="med" len="med"/>
+                      <a:tailEnd type="none" w="med" len="med"/>
+                    </a:lnB>
+                  </a:tcPr>
+                </a:tc>
+                <a:tc>
+                  <a:txBody>
+                    <a:bodyPr/>
+                    <a:lstStyle/>
+                    <a:p>
+                      <a:endParaRPr lang="pl-PL" dirty="0"/>
+                    </a:p>
+                  </a:txBody>
+                  <a:tcPr>
+                    <a:lnL w="12700" cap="flat" cmpd="sng" algn="ctr">
+                      <a:solidFill>
+                        <a:schemeClr val="bg2">
+                          <a:lumMod val="90000"/>
+                        </a:schemeClr>
+                      </a:solidFill>
+                      <a:prstDash val="solid"/>
+                      <a:round/>
+                      <a:headEnd type="none" w="med" len="med"/>
+                      <a:tailEnd type="none" w="med" len="med"/>
+                    </a:lnL>
+                    <a:lnR w="12700" cap="flat" cmpd="sng" algn="ctr">
+                      <a:solidFill>
+                        <a:schemeClr val="bg2">
+                          <a:lumMod val="90000"/>
+                        </a:schemeClr>
+                      </a:solidFill>
+                      <a:prstDash val="solid"/>
+                      <a:round/>
+                      <a:headEnd type="none" w="med" len="med"/>
+                      <a:tailEnd type="none" w="med" len="med"/>
+                    </a:lnR>
+                    <a:lnT w="12700" cap="flat" cmpd="sng" algn="ctr">
+                      <a:solidFill>
+                        <a:schemeClr val="bg2">
+                          <a:lumMod val="90000"/>
+                        </a:schemeClr>
+                      </a:solidFill>
+                      <a:prstDash val="solid"/>
+                      <a:round/>
+                      <a:headEnd type="none" w="med" len="med"/>
+                      <a:tailEnd type="none" w="med" len="med"/>
+                    </a:lnT>
+                    <a:lnB w="12700" cap="flat" cmpd="sng" algn="ctr">
+                      <a:solidFill>
+                        <a:schemeClr val="bg2">
+                          <a:lumMod val="90000"/>
+                        </a:schemeClr>
+                      </a:solidFill>
+                      <a:prstDash val="solid"/>
+                      <a:round/>
+                      <a:headEnd type="none" w="med" len="med"/>
+                      <a:tailEnd type="none" w="med" len="med"/>
+                    </a:lnB>
+                  </a:tcPr>
+                </a:tc>
+                <a:extLst>
+                  <a:ext uri="{0D108BD9-81ED-4DB2-BD59-A6C34878D82A}">
+                    <a16:rowId xmlns:a16="http://schemas.microsoft.com/office/drawing/2014/main" val="1589267778"/>
+                  </a:ext>
+                </a:extLst>
+              </a:tr>
+            </a:tbl>
+          </a:graphicData>
+        </a:graphic>
+      </p:graphicFrame>
+    </p:spTree>
+    <p:extLst>
+      <p:ext uri="{BB962C8B-B14F-4D97-AF65-F5344CB8AC3E}">
+        <p14:creationId xmlns:p14="http://schemas.microsoft.com/office/powerpoint/2010/main" val="294529702"/>
+      </p:ext>
+    </p:extLst>
+  </p:cSld>
+  <p:clrMapOvr>
+    <a:masterClrMapping/>
+  </p:clrMapOvr>
+</p:sld>
+</file>
+
+<file path=ppt/slides/slide26.xml><?xml version="1.0" encoding="utf-8"?>
 <p:sld xmlns:a="http://schemas.openxmlformats.org/drawingml/2006/main" xmlns:r="http://schemas.openxmlformats.org/officeDocument/2006/relationships" xmlns:p="http://schemas.openxmlformats.org/presentationml/2006/main">
   <p:cSld>
     <p:spTree>
@@ -27064,7 +27713,7 @@
 </p:sld>
 </file>
 
-<file path=ppt/slides/slide26.xml><?xml version="1.0" encoding="utf-8"?>
+<file path=ppt/slides/slide27.xml><?xml version="1.0" encoding="utf-8"?>
 <p:sld xmlns:a="http://schemas.openxmlformats.org/drawingml/2006/main" xmlns:r="http://schemas.openxmlformats.org/officeDocument/2006/relationships" xmlns:p="http://schemas.openxmlformats.org/presentationml/2006/main">
   <p:cSld>
     <p:spTree>
@@ -28578,7 +29227,7 @@
 </p:sld>
 </file>
 
-<file path=ppt/slides/slide27.xml><?xml version="1.0" encoding="utf-8"?>
+<file path=ppt/slides/slide28.xml><?xml version="1.0" encoding="utf-8"?>
 <p:sld xmlns:a="http://schemas.openxmlformats.org/drawingml/2006/main" xmlns:r="http://schemas.openxmlformats.org/officeDocument/2006/relationships" xmlns:p="http://schemas.openxmlformats.org/presentationml/2006/main">
   <p:cSld>
     <p:spTree>
@@ -30059,7 +30708,7 @@
 </p:sld>
 </file>
 
-<file path=ppt/slides/slide28.xml><?xml version="1.0" encoding="utf-8"?>
+<file path=ppt/slides/slide29.xml><?xml version="1.0" encoding="utf-8"?>
 <p:sld xmlns:a="http://schemas.openxmlformats.org/drawingml/2006/main" xmlns:r="http://schemas.openxmlformats.org/officeDocument/2006/relationships" xmlns:p="http://schemas.openxmlformats.org/presentationml/2006/main">
   <p:cSld>
     <p:spTree>
@@ -30511,7 +31160,461 @@
 </p:sld>
 </file>
 
-<file path=ppt/slides/slide29.xml><?xml version="1.0" encoding="utf-8"?>
+<file path=ppt/slides/slide3.xml><?xml version="1.0" encoding="utf-8"?>
+<p:sld xmlns:a="http://schemas.openxmlformats.org/drawingml/2006/main" xmlns:r="http://schemas.openxmlformats.org/officeDocument/2006/relationships" xmlns:p="http://schemas.openxmlformats.org/presentationml/2006/main">
+  <p:cSld>
+    <p:spTree>
+      <p:nvGrpSpPr>
+        <p:cNvPr id="1" name=""/>
+        <p:cNvGrpSpPr/>
+        <p:nvPr/>
+      </p:nvGrpSpPr>
+      <p:grpSpPr>
+        <a:xfrm>
+          <a:off x="0" y="0"/>
+          <a:ext cx="0" cy="0"/>
+          <a:chOff x="0" y="0"/>
+          <a:chExt cx="0" cy="0"/>
+        </a:xfrm>
+      </p:grpSpPr>
+      <p:sp>
+        <p:nvSpPr>
+          <p:cNvPr id="2" name="Title 1">
+            <a:extLst>
+              <a:ext uri="{FF2B5EF4-FFF2-40B4-BE49-F238E27FC236}">
+                <a16:creationId xmlns:a16="http://schemas.microsoft.com/office/drawing/2014/main" id="{F47BF6D4-89AF-724D-982F-87CBD8F29B01}"/>
+              </a:ext>
+            </a:extLst>
+          </p:cNvPr>
+          <p:cNvSpPr>
+            <a:spLocks noGrp="1"/>
+          </p:cNvSpPr>
+          <p:nvPr>
+            <p:ph type="title"/>
+          </p:nvPr>
+        </p:nvSpPr>
+        <p:spPr/>
+        <p:txBody>
+          <a:bodyPr>
+            <a:normAutofit/>
+          </a:bodyPr>
+          <a:lstStyle/>
+          <a:p>
+            <a:pPr algn="ctr"/>
+            <a:r>
+              <a:rPr lang="pl-PL" sz="3200" dirty="0">
+                <a:solidFill>
+                  <a:schemeClr val="accent1">
+                    <a:lumMod val="75000"/>
+                  </a:schemeClr>
+                </a:solidFill>
+                <a:latin typeface="Futura Medium" panose="020B0602020204020303" pitchFamily="34" charset="-79"/>
+                <a:cs typeface="Futura Medium" panose="020B0602020204020303" pitchFamily="34" charset="-79"/>
+              </a:rPr>
+              <a:t>Agenda</a:t>
+            </a:r>
+          </a:p>
+        </p:txBody>
+      </p:sp>
+      <p:sp>
+        <p:nvSpPr>
+          <p:cNvPr id="3" name="Content Placeholder 2">
+            <a:extLst>
+              <a:ext uri="{FF2B5EF4-FFF2-40B4-BE49-F238E27FC236}">
+                <a16:creationId xmlns:a16="http://schemas.microsoft.com/office/drawing/2014/main" id="{37567E70-E983-FC41-9D5E-32F7CA0480D4}"/>
+              </a:ext>
+            </a:extLst>
+          </p:cNvPr>
+          <p:cNvSpPr>
+            <a:spLocks noGrp="1"/>
+          </p:cNvSpPr>
+          <p:nvPr>
+            <p:ph idx="1"/>
+          </p:nvPr>
+        </p:nvSpPr>
+        <p:spPr/>
+        <p:txBody>
+          <a:bodyPr>
+            <a:normAutofit/>
+          </a:bodyPr>
+          <a:lstStyle/>
+          <a:p>
+            <a:pPr marL="514350" indent="-514350">
+              <a:buClr>
+                <a:schemeClr val="accent2"/>
+              </a:buClr>
+              <a:buFont typeface="+mj-lt"/>
+              <a:buAutoNum type="arabicPeriod"/>
+            </a:pPr>
+            <a:r>
+              <a:rPr lang="pl-PL" dirty="0">
+                <a:solidFill>
+                  <a:schemeClr val="accent2"/>
+                </a:solidFill>
+                <a:latin typeface="Futura Medium" panose="020B0602020204020303" pitchFamily="34" charset="-79"/>
+                <a:cs typeface="Futura Medium" panose="020B0602020204020303" pitchFamily="34" charset="-79"/>
+              </a:rPr>
+              <a:t>Problem </a:t>
+            </a:r>
+            <a:r>
+              <a:rPr lang="pl-PL" dirty="0" err="1">
+                <a:solidFill>
+                  <a:schemeClr val="accent2"/>
+                </a:solidFill>
+                <a:latin typeface="Futura Medium" panose="020B0602020204020303" pitchFamily="34" charset="-79"/>
+                <a:cs typeface="Futura Medium" panose="020B0602020204020303" pitchFamily="34" charset="-79"/>
+              </a:rPr>
+              <a:t>overview</a:t>
+            </a:r>
+            <a:r>
+              <a:rPr lang="pl-PL" dirty="0">
+                <a:solidFill>
+                  <a:schemeClr val="accent2"/>
+                </a:solidFill>
+                <a:latin typeface="Futura Medium" panose="020B0602020204020303" pitchFamily="34" charset="-79"/>
+                <a:cs typeface="Futura Medium" panose="020B0602020204020303" pitchFamily="34" charset="-79"/>
+              </a:rPr>
+              <a:t> and </a:t>
+            </a:r>
+            <a:r>
+              <a:rPr lang="pl-PL" dirty="0" err="1">
+                <a:solidFill>
+                  <a:schemeClr val="accent2"/>
+                </a:solidFill>
+                <a:latin typeface="Futura Medium" panose="020B0602020204020303" pitchFamily="34" charset="-79"/>
+                <a:cs typeface="Futura Medium" panose="020B0602020204020303" pitchFamily="34" charset="-79"/>
+              </a:rPr>
+              <a:t>features</a:t>
+            </a:r>
+            <a:r>
+              <a:rPr lang="pl-PL" dirty="0">
+                <a:solidFill>
+                  <a:schemeClr val="accent2"/>
+                </a:solidFill>
+                <a:latin typeface="Futura Medium" panose="020B0602020204020303" pitchFamily="34" charset="-79"/>
+                <a:cs typeface="Futura Medium" panose="020B0602020204020303" pitchFamily="34" charset="-79"/>
+              </a:rPr>
+              <a:t> </a:t>
+            </a:r>
+            <a:r>
+              <a:rPr lang="pl-PL" dirty="0" err="1">
+                <a:solidFill>
+                  <a:schemeClr val="accent2"/>
+                </a:solidFill>
+                <a:latin typeface="Futura Medium" panose="020B0602020204020303" pitchFamily="34" charset="-79"/>
+                <a:cs typeface="Futura Medium" panose="020B0602020204020303" pitchFamily="34" charset="-79"/>
+              </a:rPr>
+              <a:t>transformation</a:t>
+            </a:r>
+            <a:endParaRPr lang="pl-PL" dirty="0">
+              <a:solidFill>
+                <a:schemeClr val="accent2"/>
+              </a:solidFill>
+              <a:latin typeface="Futura Medium" panose="020B0602020204020303" pitchFamily="34" charset="-79"/>
+              <a:cs typeface="Futura Medium" panose="020B0602020204020303" pitchFamily="34" charset="-79"/>
+            </a:endParaRPr>
+          </a:p>
+          <a:p>
+            <a:pPr marL="514350" indent="-514350">
+              <a:buClr>
+                <a:schemeClr val="accent2"/>
+              </a:buClr>
+              <a:buFont typeface="+mj-lt"/>
+              <a:buAutoNum type="arabicPeriod"/>
+            </a:pPr>
+            <a:r>
+              <a:rPr lang="pl-PL" dirty="0" err="1">
+                <a:solidFill>
+                  <a:schemeClr val="bg2">
+                    <a:lumMod val="90000"/>
+                  </a:schemeClr>
+                </a:solidFill>
+                <a:latin typeface="Futura Medium" panose="020B0602020204020303" pitchFamily="34" charset="-79"/>
+                <a:cs typeface="Futura Medium" panose="020B0602020204020303" pitchFamily="34" charset="-79"/>
+              </a:rPr>
+              <a:t>Insights</a:t>
+            </a:r>
+            <a:endParaRPr lang="pl-PL" dirty="0">
+              <a:solidFill>
+                <a:schemeClr val="bg2">
+                  <a:lumMod val="90000"/>
+                </a:schemeClr>
+              </a:solidFill>
+              <a:latin typeface="Futura Medium" panose="020B0602020204020303" pitchFamily="34" charset="-79"/>
+              <a:cs typeface="Futura Medium" panose="020B0602020204020303" pitchFamily="34" charset="-79"/>
+            </a:endParaRPr>
+          </a:p>
+          <a:p>
+            <a:pPr marL="514350" indent="-514350">
+              <a:buClr>
+                <a:schemeClr val="accent2"/>
+              </a:buClr>
+              <a:buFont typeface="+mj-lt"/>
+              <a:buAutoNum type="arabicPeriod"/>
+            </a:pPr>
+            <a:r>
+              <a:rPr lang="pl-PL" dirty="0">
+                <a:solidFill>
+                  <a:schemeClr val="bg2">
+                    <a:lumMod val="90000"/>
+                  </a:schemeClr>
+                </a:solidFill>
+                <a:latin typeface="Futura Medium" panose="020B0602020204020303" pitchFamily="34" charset="-79"/>
+                <a:cs typeface="Futura Medium" panose="020B0602020204020303" pitchFamily="34" charset="-79"/>
+              </a:rPr>
+              <a:t>Solution </a:t>
+            </a:r>
+            <a:r>
+              <a:rPr lang="pl-PL" dirty="0" err="1">
+                <a:solidFill>
+                  <a:schemeClr val="bg2">
+                    <a:lumMod val="90000"/>
+                  </a:schemeClr>
+                </a:solidFill>
+                <a:latin typeface="Futura Medium" panose="020B0602020204020303" pitchFamily="34" charset="-79"/>
+                <a:cs typeface="Futura Medium" panose="020B0602020204020303" pitchFamily="34" charset="-79"/>
+              </a:rPr>
+              <a:t>approach</a:t>
+            </a:r>
+            <a:r>
+              <a:rPr lang="pl-PL" dirty="0">
+                <a:solidFill>
+                  <a:schemeClr val="bg2">
+                    <a:lumMod val="90000"/>
+                  </a:schemeClr>
+                </a:solidFill>
+                <a:latin typeface="Futura Medium" panose="020B0602020204020303" pitchFamily="34" charset="-79"/>
+                <a:cs typeface="Futura Medium" panose="020B0602020204020303" pitchFamily="34" charset="-79"/>
+              </a:rPr>
+              <a:t> and a </a:t>
+            </a:r>
+            <a:r>
+              <a:rPr lang="pl-PL" dirty="0" err="1">
+                <a:solidFill>
+                  <a:schemeClr val="bg2">
+                    <a:lumMod val="90000"/>
+                  </a:schemeClr>
+                </a:solidFill>
+                <a:latin typeface="Futura Medium" panose="020B0602020204020303" pitchFamily="34" charset="-79"/>
+                <a:cs typeface="Futura Medium" panose="020B0602020204020303" pitchFamily="34" charset="-79"/>
+              </a:rPr>
+              <a:t>little</a:t>
+            </a:r>
+            <a:r>
+              <a:rPr lang="pl-PL" dirty="0">
+                <a:solidFill>
+                  <a:schemeClr val="bg2">
+                    <a:lumMod val="90000"/>
+                  </a:schemeClr>
+                </a:solidFill>
+                <a:latin typeface="Futura Medium" panose="020B0602020204020303" pitchFamily="34" charset="-79"/>
+                <a:cs typeface="Futura Medium" panose="020B0602020204020303" pitchFamily="34" charset="-79"/>
+              </a:rPr>
+              <a:t> bit of </a:t>
+            </a:r>
+            <a:r>
+              <a:rPr lang="pl-PL" dirty="0" err="1">
+                <a:solidFill>
+                  <a:schemeClr val="bg2">
+                    <a:lumMod val="90000"/>
+                  </a:schemeClr>
+                </a:solidFill>
+                <a:latin typeface="Futura Medium" panose="020B0602020204020303" pitchFamily="34" charset="-79"/>
+                <a:cs typeface="Futura Medium" panose="020B0602020204020303" pitchFamily="34" charset="-79"/>
+              </a:rPr>
+              <a:t>technical</a:t>
+            </a:r>
+            <a:r>
+              <a:rPr lang="pl-PL" dirty="0">
+                <a:solidFill>
+                  <a:schemeClr val="bg2">
+                    <a:lumMod val="90000"/>
+                  </a:schemeClr>
+                </a:solidFill>
+                <a:latin typeface="Futura Medium" panose="020B0602020204020303" pitchFamily="34" charset="-79"/>
+                <a:cs typeface="Futura Medium" panose="020B0602020204020303" pitchFamily="34" charset="-79"/>
+              </a:rPr>
+              <a:t> </a:t>
+            </a:r>
+            <a:r>
+              <a:rPr lang="pl-PL" dirty="0" err="1">
+                <a:solidFill>
+                  <a:schemeClr val="bg2">
+                    <a:lumMod val="90000"/>
+                  </a:schemeClr>
+                </a:solidFill>
+                <a:latin typeface="Futura Medium" panose="020B0602020204020303" pitchFamily="34" charset="-79"/>
+                <a:cs typeface="Futura Medium" panose="020B0602020204020303" pitchFamily="34" charset="-79"/>
+              </a:rPr>
+              <a:t>details</a:t>
+            </a:r>
+            <a:endParaRPr lang="pl-PL" dirty="0">
+              <a:solidFill>
+                <a:schemeClr val="bg2">
+                  <a:lumMod val="90000"/>
+                </a:schemeClr>
+              </a:solidFill>
+              <a:latin typeface="Futura Medium" panose="020B0602020204020303" pitchFamily="34" charset="-79"/>
+              <a:cs typeface="Futura Medium" panose="020B0602020204020303" pitchFamily="34" charset="-79"/>
+            </a:endParaRPr>
+          </a:p>
+          <a:p>
+            <a:pPr marL="514350" indent="-514350">
+              <a:buClr>
+                <a:schemeClr val="accent2"/>
+              </a:buClr>
+              <a:buFont typeface="+mj-lt"/>
+              <a:buAutoNum type="arabicPeriod"/>
+            </a:pPr>
+            <a:r>
+              <a:rPr lang="pl-PL" dirty="0" err="1">
+                <a:solidFill>
+                  <a:schemeClr val="bg2">
+                    <a:lumMod val="90000"/>
+                  </a:schemeClr>
+                </a:solidFill>
+                <a:latin typeface="Futura Medium" panose="020B0602020204020303" pitchFamily="34" charset="-79"/>
+                <a:cs typeface="Futura Medium" panose="020B0602020204020303" pitchFamily="34" charset="-79"/>
+              </a:rPr>
+              <a:t>What</a:t>
+            </a:r>
+            <a:r>
+              <a:rPr lang="pl-PL" dirty="0">
+                <a:solidFill>
+                  <a:schemeClr val="bg2">
+                    <a:lumMod val="90000"/>
+                  </a:schemeClr>
+                </a:solidFill>
+                <a:latin typeface="Futura Medium" panose="020B0602020204020303" pitchFamily="34" charset="-79"/>
+                <a:cs typeface="Futura Medium" panose="020B0602020204020303" pitchFamily="34" charset="-79"/>
+              </a:rPr>
+              <a:t> </a:t>
+            </a:r>
+            <a:r>
+              <a:rPr lang="pl-PL" dirty="0" err="1">
+                <a:solidFill>
+                  <a:schemeClr val="bg2">
+                    <a:lumMod val="90000"/>
+                  </a:schemeClr>
+                </a:solidFill>
+                <a:latin typeface="Futura Medium" panose="020B0602020204020303" pitchFamily="34" charset="-79"/>
+                <a:cs typeface="Futura Medium" panose="020B0602020204020303" pitchFamily="34" charset="-79"/>
+              </a:rPr>
+              <a:t>mostly</a:t>
+            </a:r>
+            <a:r>
+              <a:rPr lang="pl-PL" dirty="0">
+                <a:solidFill>
+                  <a:schemeClr val="bg2">
+                    <a:lumMod val="90000"/>
+                  </a:schemeClr>
+                </a:solidFill>
+                <a:latin typeface="Futura Medium" panose="020B0602020204020303" pitchFamily="34" charset="-79"/>
+                <a:cs typeface="Futura Medium" panose="020B0602020204020303" pitchFamily="34" charset="-79"/>
+              </a:rPr>
+              <a:t> </a:t>
+            </a:r>
+            <a:r>
+              <a:rPr lang="pl-PL" dirty="0" err="1">
+                <a:solidFill>
+                  <a:schemeClr val="bg2">
+                    <a:lumMod val="90000"/>
+                  </a:schemeClr>
+                </a:solidFill>
+                <a:latin typeface="Futura Medium" panose="020B0602020204020303" pitchFamily="34" charset="-79"/>
+                <a:cs typeface="Futura Medium" panose="020B0602020204020303" pitchFamily="34" charset="-79"/>
+              </a:rPr>
+              <a:t>impacted</a:t>
+            </a:r>
+            <a:r>
+              <a:rPr lang="pl-PL" dirty="0">
+                <a:solidFill>
+                  <a:schemeClr val="bg2">
+                    <a:lumMod val="90000"/>
+                  </a:schemeClr>
+                </a:solidFill>
+                <a:latin typeface="Futura Medium" panose="020B0602020204020303" pitchFamily="34" charset="-79"/>
+                <a:cs typeface="Futura Medium" panose="020B0602020204020303" pitchFamily="34" charset="-79"/>
+              </a:rPr>
+              <a:t> </a:t>
+            </a:r>
+            <a:r>
+              <a:rPr lang="pl-PL" dirty="0" err="1">
+                <a:solidFill>
+                  <a:schemeClr val="bg2">
+                    <a:lumMod val="90000"/>
+                  </a:schemeClr>
+                </a:solidFill>
+                <a:latin typeface="Futura Medium" panose="020B0602020204020303" pitchFamily="34" charset="-79"/>
+                <a:cs typeface="Futura Medium" panose="020B0602020204020303" pitchFamily="34" charset="-79"/>
+              </a:rPr>
+              <a:t>results</a:t>
+            </a:r>
+            <a:r>
+              <a:rPr lang="pl-PL" dirty="0">
+                <a:solidFill>
+                  <a:schemeClr val="bg2">
+                    <a:lumMod val="90000"/>
+                  </a:schemeClr>
+                </a:solidFill>
+                <a:latin typeface="Futura Medium" panose="020B0602020204020303" pitchFamily="34" charset="-79"/>
+                <a:cs typeface="Futura Medium" panose="020B0602020204020303" pitchFamily="34" charset="-79"/>
+              </a:rPr>
+              <a:t>?</a:t>
+            </a:r>
+          </a:p>
+          <a:p>
+            <a:pPr marL="514350" indent="-514350">
+              <a:buClr>
+                <a:schemeClr val="accent2"/>
+              </a:buClr>
+              <a:buFont typeface="+mj-lt"/>
+              <a:buAutoNum type="arabicPeriod"/>
+            </a:pPr>
+            <a:r>
+              <a:rPr lang="pl-PL" dirty="0" err="1">
+                <a:solidFill>
+                  <a:schemeClr val="bg2">
+                    <a:lumMod val="90000"/>
+                  </a:schemeClr>
+                </a:solidFill>
+                <a:latin typeface="Futura Medium" panose="020B0602020204020303" pitchFamily="34" charset="-79"/>
+                <a:cs typeface="Futura Medium" panose="020B0602020204020303" pitchFamily="34" charset="-79"/>
+              </a:rPr>
+              <a:t>Deliverables</a:t>
+            </a:r>
+            <a:endParaRPr lang="pl-PL" dirty="0">
+              <a:solidFill>
+                <a:schemeClr val="bg2">
+                  <a:lumMod val="90000"/>
+                </a:schemeClr>
+              </a:solidFill>
+              <a:latin typeface="Futura Medium" panose="020B0602020204020303" pitchFamily="34" charset="-79"/>
+              <a:cs typeface="Futura Medium" panose="020B0602020204020303" pitchFamily="34" charset="-79"/>
+            </a:endParaRPr>
+          </a:p>
+          <a:p>
+            <a:pPr marL="0" indent="0">
+              <a:buNone/>
+            </a:pPr>
+            <a:endParaRPr lang="pl-PL" dirty="0"/>
+          </a:p>
+        </p:txBody>
+      </p:sp>
+    </p:spTree>
+    <p:extLst>
+      <p:ext uri="{BB962C8B-B14F-4D97-AF65-F5344CB8AC3E}">
+        <p14:creationId xmlns:p14="http://schemas.microsoft.com/office/powerpoint/2010/main" val="4087740901"/>
+      </p:ext>
+    </p:extLst>
+  </p:cSld>
+  <p:clrMapOvr>
+    <a:masterClrMapping/>
+  </p:clrMapOvr>
+</p:sld>
+</file>
+
+<file path=ppt/slides/slide30.xml><?xml version="1.0" encoding="utf-8"?>
 <p:sld xmlns:a="http://schemas.openxmlformats.org/drawingml/2006/main" xmlns:r="http://schemas.openxmlformats.org/officeDocument/2006/relationships" xmlns:p="http://schemas.openxmlformats.org/presentationml/2006/main">
   <p:cSld>
     <p:spTree>
@@ -33917,7 +35020,7 @@
 </p:sld>
 </file>
 
-<file path=ppt/slides/slide3.xml><?xml version="1.0" encoding="utf-8"?>
+<file path=ppt/slides/slide31.xml><?xml version="1.0" encoding="utf-8"?>
 <p:sld xmlns:a="http://schemas.openxmlformats.org/drawingml/2006/main" xmlns:r="http://schemas.openxmlformats.org/officeDocument/2006/relationships" xmlns:p="http://schemas.openxmlformats.org/presentationml/2006/main">
   <p:cSld>
     <p:spTree>
@@ -34006,460 +35109,6 @@
             <a:r>
               <a:rPr lang="pl-PL" dirty="0">
                 <a:solidFill>
-                  <a:schemeClr val="accent2"/>
-                </a:solidFill>
-                <a:latin typeface="Futura Medium" panose="020B0602020204020303" pitchFamily="34" charset="-79"/>
-                <a:cs typeface="Futura Medium" panose="020B0602020204020303" pitchFamily="34" charset="-79"/>
-              </a:rPr>
-              <a:t>Problem </a:t>
-            </a:r>
-            <a:r>
-              <a:rPr lang="pl-PL" dirty="0" err="1">
-                <a:solidFill>
-                  <a:schemeClr val="accent2"/>
-                </a:solidFill>
-                <a:latin typeface="Futura Medium" panose="020B0602020204020303" pitchFamily="34" charset="-79"/>
-                <a:cs typeface="Futura Medium" panose="020B0602020204020303" pitchFamily="34" charset="-79"/>
-              </a:rPr>
-              <a:t>overview</a:t>
-            </a:r>
-            <a:r>
-              <a:rPr lang="pl-PL" dirty="0">
-                <a:solidFill>
-                  <a:schemeClr val="accent2"/>
-                </a:solidFill>
-                <a:latin typeface="Futura Medium" panose="020B0602020204020303" pitchFamily="34" charset="-79"/>
-                <a:cs typeface="Futura Medium" panose="020B0602020204020303" pitchFamily="34" charset="-79"/>
-              </a:rPr>
-              <a:t> and </a:t>
-            </a:r>
-            <a:r>
-              <a:rPr lang="pl-PL" dirty="0" err="1">
-                <a:solidFill>
-                  <a:schemeClr val="accent2"/>
-                </a:solidFill>
-                <a:latin typeface="Futura Medium" panose="020B0602020204020303" pitchFamily="34" charset="-79"/>
-                <a:cs typeface="Futura Medium" panose="020B0602020204020303" pitchFamily="34" charset="-79"/>
-              </a:rPr>
-              <a:t>features</a:t>
-            </a:r>
-            <a:r>
-              <a:rPr lang="pl-PL" dirty="0">
-                <a:solidFill>
-                  <a:schemeClr val="accent2"/>
-                </a:solidFill>
-                <a:latin typeface="Futura Medium" panose="020B0602020204020303" pitchFamily="34" charset="-79"/>
-                <a:cs typeface="Futura Medium" panose="020B0602020204020303" pitchFamily="34" charset="-79"/>
-              </a:rPr>
-              <a:t> </a:t>
-            </a:r>
-            <a:r>
-              <a:rPr lang="pl-PL" dirty="0" err="1">
-                <a:solidFill>
-                  <a:schemeClr val="accent2"/>
-                </a:solidFill>
-                <a:latin typeface="Futura Medium" panose="020B0602020204020303" pitchFamily="34" charset="-79"/>
-                <a:cs typeface="Futura Medium" panose="020B0602020204020303" pitchFamily="34" charset="-79"/>
-              </a:rPr>
-              <a:t>transformation</a:t>
-            </a:r>
-            <a:endParaRPr lang="pl-PL" dirty="0">
-              <a:solidFill>
-                <a:schemeClr val="accent2"/>
-              </a:solidFill>
-              <a:latin typeface="Futura Medium" panose="020B0602020204020303" pitchFamily="34" charset="-79"/>
-              <a:cs typeface="Futura Medium" panose="020B0602020204020303" pitchFamily="34" charset="-79"/>
-            </a:endParaRPr>
-          </a:p>
-          <a:p>
-            <a:pPr marL="514350" indent="-514350">
-              <a:buClr>
-                <a:schemeClr val="accent2"/>
-              </a:buClr>
-              <a:buFont typeface="+mj-lt"/>
-              <a:buAutoNum type="arabicPeriod"/>
-            </a:pPr>
-            <a:r>
-              <a:rPr lang="pl-PL" dirty="0" err="1">
-                <a:solidFill>
-                  <a:schemeClr val="bg2">
-                    <a:lumMod val="90000"/>
-                  </a:schemeClr>
-                </a:solidFill>
-                <a:latin typeface="Futura Medium" panose="020B0602020204020303" pitchFamily="34" charset="-79"/>
-                <a:cs typeface="Futura Medium" panose="020B0602020204020303" pitchFamily="34" charset="-79"/>
-              </a:rPr>
-              <a:t>Insights</a:t>
-            </a:r>
-            <a:endParaRPr lang="pl-PL" dirty="0">
-              <a:solidFill>
-                <a:schemeClr val="bg2">
-                  <a:lumMod val="90000"/>
-                </a:schemeClr>
-              </a:solidFill>
-              <a:latin typeface="Futura Medium" panose="020B0602020204020303" pitchFamily="34" charset="-79"/>
-              <a:cs typeface="Futura Medium" panose="020B0602020204020303" pitchFamily="34" charset="-79"/>
-            </a:endParaRPr>
-          </a:p>
-          <a:p>
-            <a:pPr marL="514350" indent="-514350">
-              <a:buClr>
-                <a:schemeClr val="accent2"/>
-              </a:buClr>
-              <a:buFont typeface="+mj-lt"/>
-              <a:buAutoNum type="arabicPeriod"/>
-            </a:pPr>
-            <a:r>
-              <a:rPr lang="pl-PL" dirty="0">
-                <a:solidFill>
-                  <a:schemeClr val="bg2">
-                    <a:lumMod val="90000"/>
-                  </a:schemeClr>
-                </a:solidFill>
-                <a:latin typeface="Futura Medium" panose="020B0602020204020303" pitchFamily="34" charset="-79"/>
-                <a:cs typeface="Futura Medium" panose="020B0602020204020303" pitchFamily="34" charset="-79"/>
-              </a:rPr>
-              <a:t>Solution </a:t>
-            </a:r>
-            <a:r>
-              <a:rPr lang="pl-PL" dirty="0" err="1">
-                <a:solidFill>
-                  <a:schemeClr val="bg2">
-                    <a:lumMod val="90000"/>
-                  </a:schemeClr>
-                </a:solidFill>
-                <a:latin typeface="Futura Medium" panose="020B0602020204020303" pitchFamily="34" charset="-79"/>
-                <a:cs typeface="Futura Medium" panose="020B0602020204020303" pitchFamily="34" charset="-79"/>
-              </a:rPr>
-              <a:t>approach</a:t>
-            </a:r>
-            <a:r>
-              <a:rPr lang="pl-PL" dirty="0">
-                <a:solidFill>
-                  <a:schemeClr val="bg2">
-                    <a:lumMod val="90000"/>
-                  </a:schemeClr>
-                </a:solidFill>
-                <a:latin typeface="Futura Medium" panose="020B0602020204020303" pitchFamily="34" charset="-79"/>
-                <a:cs typeface="Futura Medium" panose="020B0602020204020303" pitchFamily="34" charset="-79"/>
-              </a:rPr>
-              <a:t> and a </a:t>
-            </a:r>
-            <a:r>
-              <a:rPr lang="pl-PL" dirty="0" err="1">
-                <a:solidFill>
-                  <a:schemeClr val="bg2">
-                    <a:lumMod val="90000"/>
-                  </a:schemeClr>
-                </a:solidFill>
-                <a:latin typeface="Futura Medium" panose="020B0602020204020303" pitchFamily="34" charset="-79"/>
-                <a:cs typeface="Futura Medium" panose="020B0602020204020303" pitchFamily="34" charset="-79"/>
-              </a:rPr>
-              <a:t>little</a:t>
-            </a:r>
-            <a:r>
-              <a:rPr lang="pl-PL" dirty="0">
-                <a:solidFill>
-                  <a:schemeClr val="bg2">
-                    <a:lumMod val="90000"/>
-                  </a:schemeClr>
-                </a:solidFill>
-                <a:latin typeface="Futura Medium" panose="020B0602020204020303" pitchFamily="34" charset="-79"/>
-                <a:cs typeface="Futura Medium" panose="020B0602020204020303" pitchFamily="34" charset="-79"/>
-              </a:rPr>
-              <a:t> bit of </a:t>
-            </a:r>
-            <a:r>
-              <a:rPr lang="pl-PL" dirty="0" err="1">
-                <a:solidFill>
-                  <a:schemeClr val="bg2">
-                    <a:lumMod val="90000"/>
-                  </a:schemeClr>
-                </a:solidFill>
-                <a:latin typeface="Futura Medium" panose="020B0602020204020303" pitchFamily="34" charset="-79"/>
-                <a:cs typeface="Futura Medium" panose="020B0602020204020303" pitchFamily="34" charset="-79"/>
-              </a:rPr>
-              <a:t>technical</a:t>
-            </a:r>
-            <a:r>
-              <a:rPr lang="pl-PL" dirty="0">
-                <a:solidFill>
-                  <a:schemeClr val="bg2">
-                    <a:lumMod val="90000"/>
-                  </a:schemeClr>
-                </a:solidFill>
-                <a:latin typeface="Futura Medium" panose="020B0602020204020303" pitchFamily="34" charset="-79"/>
-                <a:cs typeface="Futura Medium" panose="020B0602020204020303" pitchFamily="34" charset="-79"/>
-              </a:rPr>
-              <a:t> </a:t>
-            </a:r>
-            <a:r>
-              <a:rPr lang="pl-PL" dirty="0" err="1">
-                <a:solidFill>
-                  <a:schemeClr val="bg2">
-                    <a:lumMod val="90000"/>
-                  </a:schemeClr>
-                </a:solidFill>
-                <a:latin typeface="Futura Medium" panose="020B0602020204020303" pitchFamily="34" charset="-79"/>
-                <a:cs typeface="Futura Medium" panose="020B0602020204020303" pitchFamily="34" charset="-79"/>
-              </a:rPr>
-              <a:t>details</a:t>
-            </a:r>
-            <a:endParaRPr lang="pl-PL" dirty="0">
-              <a:solidFill>
-                <a:schemeClr val="bg2">
-                  <a:lumMod val="90000"/>
-                </a:schemeClr>
-              </a:solidFill>
-              <a:latin typeface="Futura Medium" panose="020B0602020204020303" pitchFamily="34" charset="-79"/>
-              <a:cs typeface="Futura Medium" panose="020B0602020204020303" pitchFamily="34" charset="-79"/>
-            </a:endParaRPr>
-          </a:p>
-          <a:p>
-            <a:pPr marL="514350" indent="-514350">
-              <a:buClr>
-                <a:schemeClr val="accent2"/>
-              </a:buClr>
-              <a:buFont typeface="+mj-lt"/>
-              <a:buAutoNum type="arabicPeriod"/>
-            </a:pPr>
-            <a:r>
-              <a:rPr lang="pl-PL" dirty="0" err="1">
-                <a:solidFill>
-                  <a:schemeClr val="bg2">
-                    <a:lumMod val="90000"/>
-                  </a:schemeClr>
-                </a:solidFill>
-                <a:latin typeface="Futura Medium" panose="020B0602020204020303" pitchFamily="34" charset="-79"/>
-                <a:cs typeface="Futura Medium" panose="020B0602020204020303" pitchFamily="34" charset="-79"/>
-              </a:rPr>
-              <a:t>What</a:t>
-            </a:r>
-            <a:r>
-              <a:rPr lang="pl-PL" dirty="0">
-                <a:solidFill>
-                  <a:schemeClr val="bg2">
-                    <a:lumMod val="90000"/>
-                  </a:schemeClr>
-                </a:solidFill>
-                <a:latin typeface="Futura Medium" panose="020B0602020204020303" pitchFamily="34" charset="-79"/>
-                <a:cs typeface="Futura Medium" panose="020B0602020204020303" pitchFamily="34" charset="-79"/>
-              </a:rPr>
-              <a:t> </a:t>
-            </a:r>
-            <a:r>
-              <a:rPr lang="pl-PL" dirty="0" err="1">
-                <a:solidFill>
-                  <a:schemeClr val="bg2">
-                    <a:lumMod val="90000"/>
-                  </a:schemeClr>
-                </a:solidFill>
-                <a:latin typeface="Futura Medium" panose="020B0602020204020303" pitchFamily="34" charset="-79"/>
-                <a:cs typeface="Futura Medium" panose="020B0602020204020303" pitchFamily="34" charset="-79"/>
-              </a:rPr>
-              <a:t>mostly</a:t>
-            </a:r>
-            <a:r>
-              <a:rPr lang="pl-PL" dirty="0">
-                <a:solidFill>
-                  <a:schemeClr val="bg2">
-                    <a:lumMod val="90000"/>
-                  </a:schemeClr>
-                </a:solidFill>
-                <a:latin typeface="Futura Medium" panose="020B0602020204020303" pitchFamily="34" charset="-79"/>
-                <a:cs typeface="Futura Medium" panose="020B0602020204020303" pitchFamily="34" charset="-79"/>
-              </a:rPr>
-              <a:t> </a:t>
-            </a:r>
-            <a:r>
-              <a:rPr lang="pl-PL" dirty="0" err="1">
-                <a:solidFill>
-                  <a:schemeClr val="bg2">
-                    <a:lumMod val="90000"/>
-                  </a:schemeClr>
-                </a:solidFill>
-                <a:latin typeface="Futura Medium" panose="020B0602020204020303" pitchFamily="34" charset="-79"/>
-                <a:cs typeface="Futura Medium" panose="020B0602020204020303" pitchFamily="34" charset="-79"/>
-              </a:rPr>
-              <a:t>impacted</a:t>
-            </a:r>
-            <a:r>
-              <a:rPr lang="pl-PL" dirty="0">
-                <a:solidFill>
-                  <a:schemeClr val="bg2">
-                    <a:lumMod val="90000"/>
-                  </a:schemeClr>
-                </a:solidFill>
-                <a:latin typeface="Futura Medium" panose="020B0602020204020303" pitchFamily="34" charset="-79"/>
-                <a:cs typeface="Futura Medium" panose="020B0602020204020303" pitchFamily="34" charset="-79"/>
-              </a:rPr>
-              <a:t> </a:t>
-            </a:r>
-            <a:r>
-              <a:rPr lang="pl-PL" dirty="0" err="1">
-                <a:solidFill>
-                  <a:schemeClr val="bg2">
-                    <a:lumMod val="90000"/>
-                  </a:schemeClr>
-                </a:solidFill>
-                <a:latin typeface="Futura Medium" panose="020B0602020204020303" pitchFamily="34" charset="-79"/>
-                <a:cs typeface="Futura Medium" panose="020B0602020204020303" pitchFamily="34" charset="-79"/>
-              </a:rPr>
-              <a:t>results</a:t>
-            </a:r>
-            <a:r>
-              <a:rPr lang="pl-PL" dirty="0">
-                <a:solidFill>
-                  <a:schemeClr val="bg2">
-                    <a:lumMod val="90000"/>
-                  </a:schemeClr>
-                </a:solidFill>
-                <a:latin typeface="Futura Medium" panose="020B0602020204020303" pitchFamily="34" charset="-79"/>
-                <a:cs typeface="Futura Medium" panose="020B0602020204020303" pitchFamily="34" charset="-79"/>
-              </a:rPr>
-              <a:t>?</a:t>
-            </a:r>
-          </a:p>
-          <a:p>
-            <a:pPr marL="514350" indent="-514350">
-              <a:buClr>
-                <a:schemeClr val="accent2"/>
-              </a:buClr>
-              <a:buFont typeface="+mj-lt"/>
-              <a:buAutoNum type="arabicPeriod"/>
-            </a:pPr>
-            <a:r>
-              <a:rPr lang="pl-PL" dirty="0" err="1">
-                <a:solidFill>
-                  <a:schemeClr val="bg2">
-                    <a:lumMod val="90000"/>
-                  </a:schemeClr>
-                </a:solidFill>
-                <a:latin typeface="Futura Medium" panose="020B0602020204020303" pitchFamily="34" charset="-79"/>
-                <a:cs typeface="Futura Medium" panose="020B0602020204020303" pitchFamily="34" charset="-79"/>
-              </a:rPr>
-              <a:t>Deliverables</a:t>
-            </a:r>
-            <a:endParaRPr lang="pl-PL" dirty="0">
-              <a:solidFill>
-                <a:schemeClr val="bg2">
-                  <a:lumMod val="90000"/>
-                </a:schemeClr>
-              </a:solidFill>
-              <a:latin typeface="Futura Medium" panose="020B0602020204020303" pitchFamily="34" charset="-79"/>
-              <a:cs typeface="Futura Medium" panose="020B0602020204020303" pitchFamily="34" charset="-79"/>
-            </a:endParaRPr>
-          </a:p>
-          <a:p>
-            <a:pPr marL="0" indent="0">
-              <a:buNone/>
-            </a:pPr>
-            <a:endParaRPr lang="pl-PL" dirty="0"/>
-          </a:p>
-        </p:txBody>
-      </p:sp>
-    </p:spTree>
-    <p:extLst>
-      <p:ext uri="{BB962C8B-B14F-4D97-AF65-F5344CB8AC3E}">
-        <p14:creationId xmlns:p14="http://schemas.microsoft.com/office/powerpoint/2010/main" val="4087740901"/>
-      </p:ext>
-    </p:extLst>
-  </p:cSld>
-  <p:clrMapOvr>
-    <a:masterClrMapping/>
-  </p:clrMapOvr>
-</p:sld>
-</file>
-
-<file path=ppt/slides/slide30.xml><?xml version="1.0" encoding="utf-8"?>
-<p:sld xmlns:a="http://schemas.openxmlformats.org/drawingml/2006/main" xmlns:r="http://schemas.openxmlformats.org/officeDocument/2006/relationships" xmlns:p="http://schemas.openxmlformats.org/presentationml/2006/main">
-  <p:cSld>
-    <p:spTree>
-      <p:nvGrpSpPr>
-        <p:cNvPr id="1" name=""/>
-        <p:cNvGrpSpPr/>
-        <p:nvPr/>
-      </p:nvGrpSpPr>
-      <p:grpSpPr>
-        <a:xfrm>
-          <a:off x="0" y="0"/>
-          <a:ext cx="0" cy="0"/>
-          <a:chOff x="0" y="0"/>
-          <a:chExt cx="0" cy="0"/>
-        </a:xfrm>
-      </p:grpSpPr>
-      <p:sp>
-        <p:nvSpPr>
-          <p:cNvPr id="2" name="Title 1">
-            <a:extLst>
-              <a:ext uri="{FF2B5EF4-FFF2-40B4-BE49-F238E27FC236}">
-                <a16:creationId xmlns:a16="http://schemas.microsoft.com/office/drawing/2014/main" id="{F47BF6D4-89AF-724D-982F-87CBD8F29B01}"/>
-              </a:ext>
-            </a:extLst>
-          </p:cNvPr>
-          <p:cNvSpPr>
-            <a:spLocks noGrp="1"/>
-          </p:cNvSpPr>
-          <p:nvPr>
-            <p:ph type="title"/>
-          </p:nvPr>
-        </p:nvSpPr>
-        <p:spPr/>
-        <p:txBody>
-          <a:bodyPr>
-            <a:normAutofit/>
-          </a:bodyPr>
-          <a:lstStyle/>
-          <a:p>
-            <a:pPr algn="ctr"/>
-            <a:r>
-              <a:rPr lang="pl-PL" sz="3200" dirty="0">
-                <a:solidFill>
-                  <a:schemeClr val="accent1">
-                    <a:lumMod val="75000"/>
-                  </a:schemeClr>
-                </a:solidFill>
-                <a:latin typeface="Futura Medium" panose="020B0602020204020303" pitchFamily="34" charset="-79"/>
-                <a:cs typeface="Futura Medium" panose="020B0602020204020303" pitchFamily="34" charset="-79"/>
-              </a:rPr>
-              <a:t>Agenda</a:t>
-            </a:r>
-          </a:p>
-        </p:txBody>
-      </p:sp>
-      <p:sp>
-        <p:nvSpPr>
-          <p:cNvPr id="3" name="Content Placeholder 2">
-            <a:extLst>
-              <a:ext uri="{FF2B5EF4-FFF2-40B4-BE49-F238E27FC236}">
-                <a16:creationId xmlns:a16="http://schemas.microsoft.com/office/drawing/2014/main" id="{37567E70-E983-FC41-9D5E-32F7CA0480D4}"/>
-              </a:ext>
-            </a:extLst>
-          </p:cNvPr>
-          <p:cNvSpPr>
-            <a:spLocks noGrp="1"/>
-          </p:cNvSpPr>
-          <p:nvPr>
-            <p:ph idx="1"/>
-          </p:nvPr>
-        </p:nvSpPr>
-        <p:spPr/>
-        <p:txBody>
-          <a:bodyPr>
-            <a:normAutofit/>
-          </a:bodyPr>
-          <a:lstStyle/>
-          <a:p>
-            <a:pPr marL="514350" indent="-514350">
-              <a:buClr>
-                <a:schemeClr val="accent2"/>
-              </a:buClr>
-              <a:buFont typeface="+mj-lt"/>
-              <a:buAutoNum type="arabicPeriod"/>
-            </a:pPr>
-            <a:r>
-              <a:rPr lang="pl-PL" dirty="0">
-                <a:solidFill>
                   <a:schemeClr val="bg2">
                     <a:lumMod val="90000"/>
                   </a:schemeClr>
@@ -34835,7 +35484,7 @@
 </p:sld>
 </file>
 
-<file path=ppt/slides/slide31.xml><?xml version="1.0" encoding="utf-8"?>
+<file path=ppt/slides/slide32.xml><?xml version="1.0" encoding="utf-8"?>
 <p:sld xmlns:a="http://schemas.openxmlformats.org/drawingml/2006/main" xmlns:r="http://schemas.openxmlformats.org/officeDocument/2006/relationships" xmlns:p="http://schemas.openxmlformats.org/presentationml/2006/main">
   <p:cSld>
     <p:spTree>
@@ -35961,7 +36610,7 @@
             <p:ph idx="1"/>
             <p:extLst>
               <p:ext uri="{D42A27DB-BD31-4B8C-83A1-F6EECF244321}">
-                <p14:modId xmlns:p14="http://schemas.microsoft.com/office/powerpoint/2010/main" val="2395168974"/>
+                <p14:modId xmlns:p14="http://schemas.microsoft.com/office/powerpoint/2010/main" val="3245631084"/>
               </p:ext>
             </p:extLst>
           </p:nvPr>
@@ -37213,7 +37862,7 @@
                           <a:latin typeface="Futura Medium" panose="020B0602020204020303" pitchFamily="34" charset="-79"/>
                           <a:cs typeface="Futura Medium" panose="020B0602020204020303" pitchFamily="34" charset="-79"/>
                         </a:rPr>
-                        <a:t>name</a:t>
+                        <a:t>offer_code</a:t>
                       </a:r>
                       <a:endParaRPr lang="pl-PL" sz="1400" dirty="0">
                         <a:solidFill>
@@ -37292,19 +37941,21 @@
                       <a:r>
                         <a:rPr lang="pl-PL" sz="1400" dirty="0" err="1">
                           <a:solidFill>
-                            <a:schemeClr val="bg2">
-                              <a:lumMod val="90000"/>
+                            <a:schemeClr val="accent1">
+                              <a:lumMod val="60000"/>
+                              <a:lumOff val="40000"/>
                             </a:schemeClr>
                           </a:solidFill>
                           <a:latin typeface="Futura Medium" panose="020B0602020204020303" pitchFamily="34" charset="-79"/>
                           <a:cs typeface="Futura Medium" panose="020B0602020204020303" pitchFamily="34" charset="-79"/>
                         </a:rPr>
-                        <a:t>offer_code</a:t>
+                        <a:t>name</a:t>
                       </a:r>
                       <a:endParaRPr lang="pl-PL" sz="1400" dirty="0">
                         <a:solidFill>
-                          <a:schemeClr val="bg2">
-                            <a:lumMod val="90000"/>
+                          <a:schemeClr val="accent1">
+                            <a:lumMod val="60000"/>
+                            <a:lumOff val="40000"/>
                           </a:schemeClr>
                         </a:solidFill>
                         <a:latin typeface="Futura Medium" panose="020B0602020204020303" pitchFamily="34" charset="-79"/>
@@ -37378,8 +38029,9 @@
                       <a:r>
                         <a:rPr lang="pl-PL" sz="1400" dirty="0" err="1">
                           <a:solidFill>
-                            <a:schemeClr val="bg2">
-                              <a:lumMod val="90000"/>
+                            <a:schemeClr val="accent1">
+                              <a:lumMod val="60000"/>
+                              <a:lumOff val="40000"/>
                             </a:schemeClr>
                           </a:solidFill>
                           <a:latin typeface="Futura Medium" panose="020B0602020204020303" pitchFamily="34" charset="-79"/>
@@ -37389,8 +38041,9 @@
                       </a:r>
                       <a:endParaRPr lang="pl-PL" sz="1400" dirty="0">
                         <a:solidFill>
-                          <a:schemeClr val="bg2">
-                            <a:lumMod val="90000"/>
+                          <a:schemeClr val="accent1">
+                            <a:lumMod val="60000"/>
+                            <a:lumOff val="40000"/>
                           </a:schemeClr>
                         </a:solidFill>
                         <a:latin typeface="Futura Medium" panose="020B0602020204020303" pitchFamily="34" charset="-79"/>
